--- a/Slides/MiCM_GitHub_Workshop.pptx
+++ b/Slides/MiCM_GitHub_Workshop.pptx
@@ -5,7 +5,7 @@
     <p:sldMasterId id="2147483672" r:id="rId1"/>
   </p:sldMasterIdLst>
   <p:notesMasterIdLst>
-    <p:notesMasterId r:id="rId9"/>
+    <p:notesMasterId r:id="rId13"/>
   </p:notesMasterIdLst>
   <p:sldIdLst>
     <p:sldId id="316" r:id="rId2"/>
@@ -13,8 +13,12 @@
     <p:sldId id="317" r:id="rId4"/>
     <p:sldId id="318" r:id="rId5"/>
     <p:sldId id="319" r:id="rId6"/>
-    <p:sldId id="263" r:id="rId7"/>
+    <p:sldId id="320" r:id="rId7"/>
     <p:sldId id="277" r:id="rId8"/>
+    <p:sldId id="321" r:id="rId9"/>
+    <p:sldId id="322" r:id="rId10"/>
+    <p:sldId id="323" r:id="rId11"/>
+    <p:sldId id="324" r:id="rId12"/>
   </p:sldIdLst>
   <p:sldSz cx="9144000" cy="6858000" type="screen4x3"/>
   <p:notesSz cx="6858000" cy="9144000"/>
@@ -124,7 +128,7 @@
 <file path=ppt/revisionInfo.xml><?xml version="1.0" encoding="utf-8"?>
 <p1510:revInfo xmlns:a="http://schemas.openxmlformats.org/drawingml/2006/main" xmlns:r="http://schemas.openxmlformats.org/officeDocument/2006/relationships" xmlns:p1510="http://schemas.microsoft.com/office/powerpoint/2015/10/main">
   <p1510:revLst>
-    <p1510:client id="{FC38A552-1810-4A9B-8174-E44D3C19BC43}" v="2" dt="2022-06-01T12:54:21.991"/>
+    <p1510:client id="{FC38A552-1810-4A9B-8174-E44D3C19BC43}" v="3" dt="2022-06-01T18:25:04.535"/>
   </p1510:revLst>
 </p1510:revInfo>
 </file>
@@ -1993,7 +1997,7 @@
   <pc:docChgLst>
     <pc:chgData name="Adrien Osakwe" userId="7a3e290c-eb83-484b-8e3d-d46ef2333477" providerId="ADAL" clId="{FC38A552-1810-4A9B-8174-E44D3C19BC43}"/>
     <pc:docChg chg="undo custSel addSld delSld modSld sldOrd modMainMaster">
-      <pc:chgData name="Adrien Osakwe" userId="7a3e290c-eb83-484b-8e3d-d46ef2333477" providerId="ADAL" clId="{FC38A552-1810-4A9B-8174-E44D3C19BC43}" dt="2022-06-01T15:00:18.851" v="803" actId="20577"/>
+      <pc:chgData name="Adrien Osakwe" userId="7a3e290c-eb83-484b-8e3d-d46ef2333477" providerId="ADAL" clId="{FC38A552-1810-4A9B-8174-E44D3C19BC43}" dt="2022-06-01T18:33:02.128" v="1284" actId="20577"/>
       <pc:docMkLst>
         <pc:docMk/>
       </pc:docMkLst>
@@ -2004,8 +2008,15 @@
           <pc:sldMk cId="3133242724" sldId="262"/>
         </pc:sldMkLst>
       </pc:sldChg>
+      <pc:sldChg chg="del">
+        <pc:chgData name="Adrien Osakwe" userId="7a3e290c-eb83-484b-8e3d-d46ef2333477" providerId="ADAL" clId="{FC38A552-1810-4A9B-8174-E44D3C19BC43}" dt="2022-06-01T18:19:11.785" v="889" actId="47"/>
+        <pc:sldMkLst>
+          <pc:docMk/>
+          <pc:sldMk cId="2115249166" sldId="263"/>
+        </pc:sldMkLst>
+      </pc:sldChg>
       <pc:sldChg chg="modSp mod">
-        <pc:chgData name="Adrien Osakwe" userId="7a3e290c-eb83-484b-8e3d-d46ef2333477" providerId="ADAL" clId="{FC38A552-1810-4A9B-8174-E44D3C19BC43}" dt="2022-06-01T14:59:10.438" v="605" actId="20577"/>
+        <pc:chgData name="Adrien Osakwe" userId="7a3e290c-eb83-484b-8e3d-d46ef2333477" providerId="ADAL" clId="{FC38A552-1810-4A9B-8174-E44D3C19BC43}" dt="2022-06-01T18:33:02.128" v="1284" actId="20577"/>
         <pc:sldMkLst>
           <pc:docMk/>
           <pc:sldMk cId="3891667287" sldId="277"/>
@@ -2019,7 +2030,7 @@
           </ac:spMkLst>
         </pc:spChg>
         <pc:spChg chg="mod">
-          <ac:chgData name="Adrien Osakwe" userId="7a3e290c-eb83-484b-8e3d-d46ef2333477" providerId="ADAL" clId="{FC38A552-1810-4A9B-8174-E44D3C19BC43}" dt="2022-06-01T12:53:26.728" v="71"/>
+          <ac:chgData name="Adrien Osakwe" userId="7a3e290c-eb83-484b-8e3d-d46ef2333477" providerId="ADAL" clId="{FC38A552-1810-4A9B-8174-E44D3C19BC43}" dt="2022-06-01T18:32:50.366" v="1242" actId="5793"/>
           <ac:spMkLst>
             <pc:docMk/>
             <pc:sldMk cId="3891667287" sldId="277"/>
@@ -2027,7 +2038,7 @@
           </ac:spMkLst>
         </pc:spChg>
         <pc:spChg chg="mod">
-          <ac:chgData name="Adrien Osakwe" userId="7a3e290c-eb83-484b-8e3d-d46ef2333477" providerId="ADAL" clId="{FC38A552-1810-4A9B-8174-E44D3C19BC43}" dt="2022-06-01T12:53:26.728" v="71"/>
+          <ac:chgData name="Adrien Osakwe" userId="7a3e290c-eb83-484b-8e3d-d46ef2333477" providerId="ADAL" clId="{FC38A552-1810-4A9B-8174-E44D3C19BC43}" dt="2022-06-01T18:33:02.128" v="1284" actId="20577"/>
           <ac:spMkLst>
             <pc:docMk/>
             <pc:sldMk cId="3891667287" sldId="277"/>
@@ -2059,13 +2070,13 @@
         </pc:spChg>
       </pc:sldChg>
       <pc:sldChg chg="modSp new mod">
-        <pc:chgData name="Adrien Osakwe" userId="7a3e290c-eb83-484b-8e3d-d46ef2333477" providerId="ADAL" clId="{FC38A552-1810-4A9B-8174-E44D3C19BC43}" dt="2022-06-01T12:58:09.156" v="493" actId="20577"/>
+        <pc:chgData name="Adrien Osakwe" userId="7a3e290c-eb83-484b-8e3d-d46ef2333477" providerId="ADAL" clId="{FC38A552-1810-4A9B-8174-E44D3C19BC43}" dt="2022-06-01T18:18:00.039" v="864" actId="20577"/>
         <pc:sldMkLst>
           <pc:docMk/>
           <pc:sldMk cId="1592450976" sldId="317"/>
         </pc:sldMkLst>
         <pc:spChg chg="mod">
-          <ac:chgData name="Adrien Osakwe" userId="7a3e290c-eb83-484b-8e3d-d46ef2333477" providerId="ADAL" clId="{FC38A552-1810-4A9B-8174-E44D3C19BC43}" dt="2022-06-01T12:58:09.156" v="493" actId="20577"/>
+          <ac:chgData name="Adrien Osakwe" userId="7a3e290c-eb83-484b-8e3d-d46ef2333477" providerId="ADAL" clId="{FC38A552-1810-4A9B-8174-E44D3C19BC43}" dt="2022-06-01T18:18:00.039" v="864" actId="20577"/>
           <ac:spMkLst>
             <pc:docMk/>
             <pc:sldMk cId="1592450976" sldId="317"/>
@@ -2126,13 +2137,13 @@
         </pc:sldMkLst>
       </pc:sldChg>
       <pc:sldChg chg="modSp new mod">
-        <pc:chgData name="Adrien Osakwe" userId="7a3e290c-eb83-484b-8e3d-d46ef2333477" providerId="ADAL" clId="{FC38A552-1810-4A9B-8174-E44D3C19BC43}" dt="2022-06-01T13:01:33.224" v="584" actId="20577"/>
+        <pc:chgData name="Adrien Osakwe" userId="7a3e290c-eb83-484b-8e3d-d46ef2333477" providerId="ADAL" clId="{FC38A552-1810-4A9B-8174-E44D3C19BC43}" dt="2022-06-01T18:18:44.622" v="870" actId="20577"/>
         <pc:sldMkLst>
           <pc:docMk/>
           <pc:sldMk cId="4043592756" sldId="318"/>
         </pc:sldMkLst>
         <pc:spChg chg="mod">
-          <ac:chgData name="Adrien Osakwe" userId="7a3e290c-eb83-484b-8e3d-d46ef2333477" providerId="ADAL" clId="{FC38A552-1810-4A9B-8174-E44D3C19BC43}" dt="2022-06-01T13:01:33.224" v="584" actId="20577"/>
+          <ac:chgData name="Adrien Osakwe" userId="7a3e290c-eb83-484b-8e3d-d46ef2333477" providerId="ADAL" clId="{FC38A552-1810-4A9B-8174-E44D3C19BC43}" dt="2022-06-01T18:18:44.622" v="870" actId="20577"/>
           <ac:spMkLst>
             <pc:docMk/>
             <pc:sldMk cId="4043592756" sldId="318"/>
@@ -2140,18 +2151,116 @@
           </ac:spMkLst>
         </pc:spChg>
       </pc:sldChg>
-      <pc:sldChg chg="modSp new mod">
-        <pc:chgData name="Adrien Osakwe" userId="7a3e290c-eb83-484b-8e3d-d46ef2333477" providerId="ADAL" clId="{FC38A552-1810-4A9B-8174-E44D3C19BC43}" dt="2022-06-01T15:00:18.851" v="803" actId="20577"/>
+      <pc:sldChg chg="addSp modSp new mod">
+        <pc:chgData name="Adrien Osakwe" userId="7a3e290c-eb83-484b-8e3d-d46ef2333477" providerId="ADAL" clId="{FC38A552-1810-4A9B-8174-E44D3C19BC43}" dt="2022-06-01T18:32:09.463" v="1123" actId="20577"/>
         <pc:sldMkLst>
           <pc:docMk/>
           <pc:sldMk cId="116534369" sldId="319"/>
         </pc:sldMkLst>
         <pc:spChg chg="mod">
-          <ac:chgData name="Adrien Osakwe" userId="7a3e290c-eb83-484b-8e3d-d46ef2333477" providerId="ADAL" clId="{FC38A552-1810-4A9B-8174-E44D3C19BC43}" dt="2022-06-01T15:00:18.851" v="803" actId="20577"/>
+          <ac:chgData name="Adrien Osakwe" userId="7a3e290c-eb83-484b-8e3d-d46ef2333477" providerId="ADAL" clId="{FC38A552-1810-4A9B-8174-E44D3C19BC43}" dt="2022-06-01T18:32:09.463" v="1123" actId="20577"/>
           <ac:spMkLst>
             <pc:docMk/>
             <pc:sldMk cId="116534369" sldId="319"/>
             <ac:spMk id="2" creationId="{FA28E789-0CD4-A736-2344-766F87DCC678}"/>
+          </ac:spMkLst>
+        </pc:spChg>
+        <pc:picChg chg="add mod">
+          <ac:chgData name="Adrien Osakwe" userId="7a3e290c-eb83-484b-8e3d-d46ef2333477" providerId="ADAL" clId="{FC38A552-1810-4A9B-8174-E44D3C19BC43}" dt="2022-06-01T18:25:08.762" v="921" actId="1076"/>
+          <ac:picMkLst>
+            <pc:docMk/>
+            <pc:sldMk cId="116534369" sldId="319"/>
+            <ac:picMk id="3" creationId="{CFE7429E-D8FE-94C9-7214-25CAF3BC98FE}"/>
+          </ac:picMkLst>
+        </pc:picChg>
+      </pc:sldChg>
+      <pc:sldChg chg="modSp new mod ord">
+        <pc:chgData name="Adrien Osakwe" userId="7a3e290c-eb83-484b-8e3d-d46ef2333477" providerId="ADAL" clId="{FC38A552-1810-4A9B-8174-E44D3C19BC43}" dt="2022-06-01T18:32:34.802" v="1176" actId="20577"/>
+        <pc:sldMkLst>
+          <pc:docMk/>
+          <pc:sldMk cId="511111868" sldId="320"/>
+        </pc:sldMkLst>
+        <pc:spChg chg="mod">
+          <ac:chgData name="Adrien Osakwe" userId="7a3e290c-eb83-484b-8e3d-d46ef2333477" providerId="ADAL" clId="{FC38A552-1810-4A9B-8174-E44D3C19BC43}" dt="2022-06-01T18:32:34.802" v="1176" actId="20577"/>
+          <ac:spMkLst>
+            <pc:docMk/>
+            <pc:sldMk cId="511111868" sldId="320"/>
+            <ac:spMk id="2" creationId="{100FAA95-56E1-2195-5855-46B50DD5E678}"/>
+          </ac:spMkLst>
+        </pc:spChg>
+      </pc:sldChg>
+      <pc:sldChg chg="modSp new mod ord">
+        <pc:chgData name="Adrien Osakwe" userId="7a3e290c-eb83-484b-8e3d-d46ef2333477" providerId="ADAL" clId="{FC38A552-1810-4A9B-8174-E44D3C19BC43}" dt="2022-06-01T18:19:46.502" v="918" actId="20577"/>
+        <pc:sldMkLst>
+          <pc:docMk/>
+          <pc:sldMk cId="620605204" sldId="321"/>
+        </pc:sldMkLst>
+        <pc:spChg chg="mod">
+          <ac:chgData name="Adrien Osakwe" userId="7a3e290c-eb83-484b-8e3d-d46ef2333477" providerId="ADAL" clId="{FC38A552-1810-4A9B-8174-E44D3C19BC43}" dt="2022-06-01T18:19:46.502" v="918" actId="20577"/>
+          <ac:spMkLst>
+            <pc:docMk/>
+            <pc:sldMk cId="620605204" sldId="321"/>
+            <ac:spMk id="2" creationId="{C724517E-9288-0D5B-A398-F1132CA83813}"/>
+          </ac:spMkLst>
+        </pc:spChg>
+      </pc:sldChg>
+      <pc:sldChg chg="modSp new mod">
+        <pc:chgData name="Adrien Osakwe" userId="7a3e290c-eb83-484b-8e3d-d46ef2333477" providerId="ADAL" clId="{FC38A552-1810-4A9B-8174-E44D3C19BC43}" dt="2022-06-01T18:25:56.281" v="939" actId="20577"/>
+        <pc:sldMkLst>
+          <pc:docMk/>
+          <pc:sldMk cId="607115465" sldId="322"/>
+        </pc:sldMkLst>
+        <pc:spChg chg="mod">
+          <ac:chgData name="Adrien Osakwe" userId="7a3e290c-eb83-484b-8e3d-d46ef2333477" providerId="ADAL" clId="{FC38A552-1810-4A9B-8174-E44D3C19BC43}" dt="2022-06-01T18:25:56.281" v="939" actId="20577"/>
+          <ac:spMkLst>
+            <pc:docMk/>
+            <pc:sldMk cId="607115465" sldId="322"/>
+            <ac:spMk id="2" creationId="{DDA2806D-35FE-24B5-F6B0-BC4E91E20B63}"/>
+          </ac:spMkLst>
+        </pc:spChg>
+      </pc:sldChg>
+      <pc:sldChg chg="modSp new del mod">
+        <pc:chgData name="Adrien Osakwe" userId="7a3e290c-eb83-484b-8e3d-d46ef2333477" providerId="ADAL" clId="{FC38A552-1810-4A9B-8174-E44D3C19BC43}" dt="2022-06-01T18:30:51.637" v="942" actId="47"/>
+        <pc:sldMkLst>
+          <pc:docMk/>
+          <pc:sldMk cId="53559797" sldId="323"/>
+        </pc:sldMkLst>
+        <pc:spChg chg="mod">
+          <ac:chgData name="Adrien Osakwe" userId="7a3e290c-eb83-484b-8e3d-d46ef2333477" providerId="ADAL" clId="{FC38A552-1810-4A9B-8174-E44D3C19BC43}" dt="2022-06-01T18:30:48.452" v="941" actId="5793"/>
+          <ac:spMkLst>
+            <pc:docMk/>
+            <pc:sldMk cId="53559797" sldId="323"/>
+            <ac:spMk id="2" creationId="{45B14239-FC03-5B6F-CF71-1C8C0AA5D74C}"/>
+          </ac:spMkLst>
+        </pc:spChg>
+      </pc:sldChg>
+      <pc:sldChg chg="modSp new mod">
+        <pc:chgData name="Adrien Osakwe" userId="7a3e290c-eb83-484b-8e3d-d46ef2333477" providerId="ADAL" clId="{FC38A552-1810-4A9B-8174-E44D3C19BC43}" dt="2022-06-01T18:31:10.499" v="995" actId="20577"/>
+        <pc:sldMkLst>
+          <pc:docMk/>
+          <pc:sldMk cId="2151990461" sldId="323"/>
+        </pc:sldMkLst>
+        <pc:spChg chg="mod">
+          <ac:chgData name="Adrien Osakwe" userId="7a3e290c-eb83-484b-8e3d-d46ef2333477" providerId="ADAL" clId="{FC38A552-1810-4A9B-8174-E44D3C19BC43}" dt="2022-06-01T18:31:10.499" v="995" actId="20577"/>
+          <ac:spMkLst>
+            <pc:docMk/>
+            <pc:sldMk cId="2151990461" sldId="323"/>
+            <ac:spMk id="2" creationId="{537CF4C5-19DD-1456-A479-EB3A56303A29}"/>
+          </ac:spMkLst>
+        </pc:spChg>
+      </pc:sldChg>
+      <pc:sldChg chg="modSp new mod">
+        <pc:chgData name="Adrien Osakwe" userId="7a3e290c-eb83-484b-8e3d-d46ef2333477" providerId="ADAL" clId="{FC38A552-1810-4A9B-8174-E44D3C19BC43}" dt="2022-06-01T18:31:32.890" v="1058" actId="20577"/>
+        <pc:sldMkLst>
+          <pc:docMk/>
+          <pc:sldMk cId="1537293915" sldId="324"/>
+        </pc:sldMkLst>
+        <pc:spChg chg="mod">
+          <ac:chgData name="Adrien Osakwe" userId="7a3e290c-eb83-484b-8e3d-d46ef2333477" providerId="ADAL" clId="{FC38A552-1810-4A9B-8174-E44D3C19BC43}" dt="2022-06-01T18:31:32.890" v="1058" actId="20577"/>
+          <ac:spMkLst>
+            <pc:docMk/>
+            <pc:sldMk cId="1537293915" sldId="324"/>
+            <ac:spMk id="2" creationId="{36BF4A6E-5D75-77B9-9DA7-DC7FB331562E}"/>
           </ac:spMkLst>
         </pc:spChg>
       </pc:sldChg>
@@ -7415,6 +7524,122 @@
 </p:sld>
 </file>
 
+<file path=ppt/slides/slide10.xml><?xml version="1.0" encoding="utf-8"?>
+<p:sld xmlns:a="http://schemas.openxmlformats.org/drawingml/2006/main" xmlns:r="http://schemas.openxmlformats.org/officeDocument/2006/relationships" xmlns:p="http://schemas.openxmlformats.org/presentationml/2006/main">
+  <p:cSld>
+    <p:spTree>
+      <p:nvGrpSpPr>
+        <p:cNvPr id="1" name=""/>
+        <p:cNvGrpSpPr/>
+        <p:nvPr/>
+      </p:nvGrpSpPr>
+      <p:grpSpPr>
+        <a:xfrm>
+          <a:off x="0" y="0"/>
+          <a:ext cx="0" cy="0"/>
+          <a:chOff x="0" y="0"/>
+          <a:chExt cx="0" cy="0"/>
+        </a:xfrm>
+      </p:grpSpPr>
+      <p:sp>
+        <p:nvSpPr>
+          <p:cNvPr id="2" name="Title 1">
+            <a:extLst>
+              <a:ext uri="{FF2B5EF4-FFF2-40B4-BE49-F238E27FC236}">
+                <a16:creationId xmlns:a16="http://schemas.microsoft.com/office/drawing/2014/main" id="{537CF4C5-19DD-1456-A479-EB3A56303A29}"/>
+              </a:ext>
+            </a:extLst>
+          </p:cNvPr>
+          <p:cNvSpPr>
+            <a:spLocks noGrp="1"/>
+          </p:cNvSpPr>
+          <p:nvPr>
+            <p:ph type="title"/>
+          </p:nvPr>
+        </p:nvSpPr>
+        <p:spPr/>
+        <p:txBody>
+          <a:bodyPr/>
+          <a:lstStyle/>
+          <a:p>
+            <a:r>
+              <a:rPr lang="en-CA" dirty="0"/>
+              <a:t>Part II – Working on Local Projects</a:t>
+            </a:r>
+          </a:p>
+        </p:txBody>
+      </p:sp>
+    </p:spTree>
+    <p:extLst>
+      <p:ext uri="{BB962C8B-B14F-4D97-AF65-F5344CB8AC3E}">
+        <p14:creationId xmlns:p14="http://schemas.microsoft.com/office/powerpoint/2010/main" val="2151990461"/>
+      </p:ext>
+    </p:extLst>
+  </p:cSld>
+  <p:clrMapOvr>
+    <a:masterClrMapping/>
+  </p:clrMapOvr>
+</p:sld>
+</file>
+
+<file path=ppt/slides/slide11.xml><?xml version="1.0" encoding="utf-8"?>
+<p:sld xmlns:a="http://schemas.openxmlformats.org/drawingml/2006/main" xmlns:r="http://schemas.openxmlformats.org/officeDocument/2006/relationships" xmlns:p="http://schemas.openxmlformats.org/presentationml/2006/main">
+  <p:cSld>
+    <p:spTree>
+      <p:nvGrpSpPr>
+        <p:cNvPr id="1" name=""/>
+        <p:cNvGrpSpPr/>
+        <p:nvPr/>
+      </p:nvGrpSpPr>
+      <p:grpSpPr>
+        <a:xfrm>
+          <a:off x="0" y="0"/>
+          <a:ext cx="0" cy="0"/>
+          <a:chOff x="0" y="0"/>
+          <a:chExt cx="0" cy="0"/>
+        </a:xfrm>
+      </p:grpSpPr>
+      <p:sp>
+        <p:nvSpPr>
+          <p:cNvPr id="2" name="Title 1">
+            <a:extLst>
+              <a:ext uri="{FF2B5EF4-FFF2-40B4-BE49-F238E27FC236}">
+                <a16:creationId xmlns:a16="http://schemas.microsoft.com/office/drawing/2014/main" id="{36BF4A6E-5D75-77B9-9DA7-DC7FB331562E}"/>
+              </a:ext>
+            </a:extLst>
+          </p:cNvPr>
+          <p:cNvSpPr>
+            <a:spLocks noGrp="1"/>
+          </p:cNvSpPr>
+          <p:nvPr>
+            <p:ph type="title"/>
+          </p:nvPr>
+        </p:nvSpPr>
+        <p:spPr/>
+        <p:txBody>
+          <a:bodyPr/>
+          <a:lstStyle/>
+          <a:p>
+            <a:r>
+              <a:rPr lang="en-CA" dirty="0"/>
+              <a:t>Part III – Hosting Projects on GitHub</a:t>
+            </a:r>
+          </a:p>
+        </p:txBody>
+      </p:sp>
+    </p:spTree>
+    <p:extLst>
+      <p:ext uri="{BB962C8B-B14F-4D97-AF65-F5344CB8AC3E}">
+        <p14:creationId xmlns:p14="http://schemas.microsoft.com/office/powerpoint/2010/main" val="1537293915"/>
+      </p:ext>
+    </p:extLst>
+  </p:cSld>
+  <p:clrMapOvr>
+    <a:masterClrMapping/>
+  </p:clrMapOvr>
+</p:sld>
+</file>
+
 <file path=ppt/slides/slide2.xml><?xml version="1.0" encoding="utf-8"?>
 <p:sld xmlns:a="http://schemas.openxmlformats.org/drawingml/2006/main" xmlns:r="http://schemas.openxmlformats.org/officeDocument/2006/relationships" xmlns:p="http://schemas.openxmlformats.org/presentationml/2006/main">
   <p:cSld>
@@ -7488,7 +7713,7 @@
             </a:pPr>
             <a:r>
               <a:rPr lang="en-CA" b="1" dirty="0"/>
-              <a:t>Objectives for this workshop:</a:t>
+              <a:t>Topics for this workshop:</a:t>
             </a:r>
           </a:p>
           <a:p>
@@ -7518,7 +7743,7 @@
             </a:pPr>
             <a:r>
               <a:rPr lang="en-CA" dirty="0"/>
-              <a:t>Vocabulary</a:t>
+              <a:t>Git Pipeline</a:t>
             </a:r>
           </a:p>
           <a:p>
@@ -7528,7 +7753,7 @@
             </a:pPr>
             <a:r>
               <a:rPr lang="en-CA" dirty="0"/>
-              <a:t>Part II -  Managing Personal Projects</a:t>
+              <a:t>Part II -  Managing Local Projects</a:t>
             </a:r>
           </a:p>
           <a:p>
@@ -7568,7 +7793,7 @@
             </a:pPr>
             <a:r>
               <a:rPr lang="en-CA" dirty="0"/>
-              <a:t>Part III – Collaboration and Reproducibility</a:t>
+              <a:t>Part III – Working with Remote Projects on GitHub</a:t>
             </a:r>
           </a:p>
           <a:p>
@@ -7669,12 +7894,41 @@
             </a:pPr>
             <a:r>
               <a:rPr lang="en-CA" dirty="0"/>
-              <a:t>A Git </a:t>
+              <a:t>A Git repository with a README file</a:t>
             </a:r>
+          </a:p>
+          <a:p>
+            <a:pPr marL="514350" indent="-514350">
+              <a:buFont typeface="+mj-lt"/>
+              <a:buAutoNum type="arabicPeriod"/>
+            </a:pPr>
+            <a:endParaRPr lang="en-CA" dirty="0"/>
+          </a:p>
+          <a:p>
+            <a:pPr marL="0" indent="0">
+              <a:buNone/>
+            </a:pPr>
             <a:r>
-              <a:rPr lang="en-CA"/>
-              <a:t>repository with a README file</a:t>
+              <a:rPr lang="en-CA" b="1" dirty="0"/>
+              <a:t>Hands-on Activities</a:t>
             </a:r>
+          </a:p>
+          <a:p>
+            <a:r>
+              <a:rPr lang="en-CA" dirty="0"/>
+              <a:t>Quick Review Polls</a:t>
+            </a:r>
+          </a:p>
+          <a:p>
+            <a:r>
+              <a:rPr lang="en-CA" dirty="0"/>
+              <a:t>Git-based activities</a:t>
+            </a:r>
+          </a:p>
+          <a:p>
+            <a:pPr marL="0" indent="0">
+              <a:buNone/>
+            </a:pPr>
             <a:endParaRPr lang="en-CA" dirty="0"/>
           </a:p>
         </p:txBody>
@@ -7725,7 +7979,12 @@
             <p:ph type="body" sz="quarter" idx="10"/>
           </p:nvPr>
         </p:nvSpPr>
-        <p:spPr/>
+        <p:spPr>
+          <a:xfrm>
+            <a:off x="242372" y="1454228"/>
+            <a:ext cx="4802239" cy="4924350"/>
+          </a:xfrm>
+        </p:spPr>
         <p:txBody>
           <a:bodyPr/>
           <a:lstStyle/>
@@ -7735,29 +7994,53 @@
             </a:pPr>
             <a:r>
               <a:rPr lang="en-CA" b="1" dirty="0"/>
-              <a:t>Hands-on Activities</a:t>
+              <a:t>Version Control Systems</a:t>
             </a:r>
-          </a:p>
-          <a:p>
-            <a:pPr marL="0" indent="0">
-              <a:buNone/>
-            </a:pPr>
-            <a:endParaRPr lang="en-CA" b="1" dirty="0"/>
           </a:p>
           <a:p>
             <a:r>
               <a:rPr lang="en-CA" dirty="0"/>
-              <a:t>Quick Review Polls</a:t>
+              <a:t>Make it easier to document changes</a:t>
             </a:r>
           </a:p>
           <a:p>
             <a:r>
               <a:rPr lang="en-CA" dirty="0"/>
-              <a:t>Git-based activities</a:t>
+              <a:t>Less confusion</a:t>
             </a:r>
           </a:p>
         </p:txBody>
       </p:sp>
+      <p:pic>
+        <p:nvPicPr>
+          <p:cNvPr id="3" name="Picture 2">
+            <a:extLst>
+              <a:ext uri="{FF2B5EF4-FFF2-40B4-BE49-F238E27FC236}">
+                <a16:creationId xmlns:a16="http://schemas.microsoft.com/office/drawing/2014/main" id="{CFE7429E-D8FE-94C9-7214-25CAF3BC98FE}"/>
+              </a:ext>
+            </a:extLst>
+          </p:cNvPr>
+          <p:cNvPicPr>
+            <a:picLocks noChangeAspect="1"/>
+          </p:cNvPicPr>
+          <p:nvPr/>
+        </p:nvPicPr>
+        <p:blipFill>
+          <a:blip r:embed="rId2"/>
+          <a:stretch>
+            <a:fillRect/>
+          </a:stretch>
+        </p:blipFill>
+        <p:spPr>
+          <a:xfrm>
+            <a:off x="5137563" y="1407368"/>
+            <a:ext cx="3763552" cy="5018069"/>
+          </a:xfrm>
+          <a:prstGeom prst="rect">
+            <a:avLst/>
+          </a:prstGeom>
+        </p:spPr>
+      </p:pic>
     </p:spTree>
     <p:extLst>
       <p:ext uri="{BB962C8B-B14F-4D97-AF65-F5344CB8AC3E}">
@@ -7788,10 +8071,47 @@
           <a:chExt cx="0" cy="0"/>
         </a:xfrm>
       </p:grpSpPr>
+      <p:sp>
+        <p:nvSpPr>
+          <p:cNvPr id="2" name="Text Placeholder 1">
+            <a:extLst>
+              <a:ext uri="{FF2B5EF4-FFF2-40B4-BE49-F238E27FC236}">
+                <a16:creationId xmlns:a16="http://schemas.microsoft.com/office/drawing/2014/main" id="{100FAA95-56E1-2195-5855-46B50DD5E678}"/>
+              </a:ext>
+            </a:extLst>
+          </p:cNvPr>
+          <p:cNvSpPr>
+            <a:spLocks noGrp="1"/>
+          </p:cNvSpPr>
+          <p:nvPr>
+            <p:ph type="body" sz="quarter" idx="10"/>
+          </p:nvPr>
+        </p:nvSpPr>
+        <p:spPr/>
+        <p:txBody>
+          <a:bodyPr/>
+          <a:lstStyle/>
+          <a:p>
+            <a:pPr marL="0" indent="0">
+              <a:buNone/>
+            </a:pPr>
+            <a:r>
+              <a:rPr lang="en-CA" b="1" dirty="0"/>
+              <a:t>Git</a:t>
+            </a:r>
+          </a:p>
+          <a:p>
+            <a:r>
+              <a:rPr lang="en-CA" dirty="0"/>
+              <a:t>A type of version control system</a:t>
+            </a:r>
+          </a:p>
+        </p:txBody>
+      </p:sp>
     </p:spTree>
     <p:extLst>
       <p:ext uri="{BB962C8B-B14F-4D97-AF65-F5344CB8AC3E}">
-        <p14:creationId xmlns:p14="http://schemas.microsoft.com/office/powerpoint/2010/main" val="2115249166"/>
+        <p14:creationId xmlns:p14="http://schemas.microsoft.com/office/powerpoint/2010/main" val="511111868"/>
       </p:ext>
     </p:extLst>
   </p:cSld>
@@ -7867,7 +8187,16 @@
           <a:bodyPr/>
           <a:lstStyle/>
           <a:p>
-            <a:endParaRPr lang="en-CA"/>
+            <a:r>
+              <a:rPr lang="en-CA" dirty="0"/>
+              <a:t>A version control system</a:t>
+            </a:r>
+          </a:p>
+          <a:p>
+            <a:pPr marL="0" indent="0">
+              <a:buNone/>
+            </a:pPr>
+            <a:endParaRPr lang="en-CA" dirty="0"/>
           </a:p>
         </p:txBody>
       </p:sp>
@@ -7892,7 +8221,18 @@
           <a:bodyPr/>
           <a:lstStyle/>
           <a:p>
-            <a:endParaRPr lang="en-CA"/>
+            <a:r>
+              <a:rPr lang="en-CA" dirty="0"/>
+              <a:t>A server that </a:t>
+            </a:r>
+            <a:r>
+              <a:rPr lang="en-CA" b="1" dirty="0"/>
+              <a:t>hosts </a:t>
+            </a:r>
+            <a:r>
+              <a:rPr lang="en-CA"/>
+              <a:t>git repositories</a:t>
+            </a:r>
           </a:p>
         </p:txBody>
       </p:sp>
@@ -7900,6 +8240,128 @@
     <p:extLst>
       <p:ext uri="{BB962C8B-B14F-4D97-AF65-F5344CB8AC3E}">
         <p14:creationId xmlns:p14="http://schemas.microsoft.com/office/powerpoint/2010/main" val="3891667287"/>
+      </p:ext>
+    </p:extLst>
+  </p:cSld>
+  <p:clrMapOvr>
+    <a:masterClrMapping/>
+  </p:clrMapOvr>
+</p:sld>
+</file>
+
+<file path=ppt/slides/slide8.xml><?xml version="1.0" encoding="utf-8"?>
+<p:sld xmlns:a="http://schemas.openxmlformats.org/drawingml/2006/main" xmlns:r="http://schemas.openxmlformats.org/officeDocument/2006/relationships" xmlns:p="http://schemas.openxmlformats.org/presentationml/2006/main">
+  <p:cSld>
+    <p:spTree>
+      <p:nvGrpSpPr>
+        <p:cNvPr id="1" name=""/>
+        <p:cNvGrpSpPr/>
+        <p:nvPr/>
+      </p:nvGrpSpPr>
+      <p:grpSpPr>
+        <a:xfrm>
+          <a:off x="0" y="0"/>
+          <a:ext cx="0" cy="0"/>
+          <a:chOff x="0" y="0"/>
+          <a:chExt cx="0" cy="0"/>
+        </a:xfrm>
+      </p:grpSpPr>
+      <p:sp>
+        <p:nvSpPr>
+          <p:cNvPr id="2" name="Text Placeholder 1">
+            <a:extLst>
+              <a:ext uri="{FF2B5EF4-FFF2-40B4-BE49-F238E27FC236}">
+                <a16:creationId xmlns:a16="http://schemas.microsoft.com/office/drawing/2014/main" id="{C724517E-9288-0D5B-A398-F1132CA83813}"/>
+              </a:ext>
+            </a:extLst>
+          </p:cNvPr>
+          <p:cNvSpPr>
+            <a:spLocks noGrp="1"/>
+          </p:cNvSpPr>
+          <p:nvPr>
+            <p:ph type="body" sz="quarter" idx="10"/>
+          </p:nvPr>
+        </p:nvSpPr>
+        <p:spPr/>
+        <p:txBody>
+          <a:bodyPr/>
+          <a:lstStyle/>
+          <a:p>
+            <a:pPr marL="0" indent="0">
+              <a:buNone/>
+            </a:pPr>
+            <a:r>
+              <a:rPr lang="en-CA" b="1" dirty="0"/>
+              <a:t>Git Pipeline</a:t>
+            </a:r>
+          </a:p>
+        </p:txBody>
+      </p:sp>
+    </p:spTree>
+    <p:extLst>
+      <p:ext uri="{BB962C8B-B14F-4D97-AF65-F5344CB8AC3E}">
+        <p14:creationId xmlns:p14="http://schemas.microsoft.com/office/powerpoint/2010/main" val="620605204"/>
+      </p:ext>
+    </p:extLst>
+  </p:cSld>
+  <p:clrMapOvr>
+    <a:masterClrMapping/>
+  </p:clrMapOvr>
+</p:sld>
+</file>
+
+<file path=ppt/slides/slide9.xml><?xml version="1.0" encoding="utf-8"?>
+<p:sld xmlns:a="http://schemas.openxmlformats.org/drawingml/2006/main" xmlns:r="http://schemas.openxmlformats.org/officeDocument/2006/relationships" xmlns:p="http://schemas.openxmlformats.org/presentationml/2006/main">
+  <p:cSld>
+    <p:spTree>
+      <p:nvGrpSpPr>
+        <p:cNvPr id="1" name=""/>
+        <p:cNvGrpSpPr/>
+        <p:nvPr/>
+      </p:nvGrpSpPr>
+      <p:grpSpPr>
+        <a:xfrm>
+          <a:off x="0" y="0"/>
+          <a:ext cx="0" cy="0"/>
+          <a:chOff x="0" y="0"/>
+          <a:chExt cx="0" cy="0"/>
+        </a:xfrm>
+      </p:grpSpPr>
+      <p:sp>
+        <p:nvSpPr>
+          <p:cNvPr id="2" name="Text Placeholder 1">
+            <a:extLst>
+              <a:ext uri="{FF2B5EF4-FFF2-40B4-BE49-F238E27FC236}">
+                <a16:creationId xmlns:a16="http://schemas.microsoft.com/office/drawing/2014/main" id="{DDA2806D-35FE-24B5-F6B0-BC4E91E20B63}"/>
+              </a:ext>
+            </a:extLst>
+          </p:cNvPr>
+          <p:cNvSpPr>
+            <a:spLocks noGrp="1"/>
+          </p:cNvSpPr>
+          <p:nvPr>
+            <p:ph type="body" sz="quarter" idx="10"/>
+          </p:nvPr>
+        </p:nvSpPr>
+        <p:spPr/>
+        <p:txBody>
+          <a:bodyPr/>
+          <a:lstStyle/>
+          <a:p>
+            <a:pPr marL="0" indent="0">
+              <a:buNone/>
+            </a:pPr>
+            <a:r>
+              <a:rPr lang="en-CA" b="1" dirty="0"/>
+              <a:t>Summary</a:t>
+            </a:r>
+          </a:p>
+        </p:txBody>
+      </p:sp>
+    </p:spTree>
+    <p:extLst>
+      <p:ext uri="{BB962C8B-B14F-4D97-AF65-F5344CB8AC3E}">
+        <p14:creationId xmlns:p14="http://schemas.microsoft.com/office/powerpoint/2010/main" val="607115465"/>
       </p:ext>
     </p:extLst>
   </p:cSld>

--- a/Slides/MiCM_GitHub_Workshop.pptx
+++ b/Slides/MiCM_GitHub_Workshop.pptx
@@ -5,20 +5,37 @@
     <p:sldMasterId id="2147483672" r:id="rId1"/>
   </p:sldMasterIdLst>
   <p:notesMasterIdLst>
-    <p:notesMasterId r:id="rId13"/>
+    <p:notesMasterId r:id="rId30"/>
   </p:notesMasterIdLst>
   <p:sldIdLst>
     <p:sldId id="316" r:id="rId2"/>
     <p:sldId id="262" r:id="rId3"/>
     <p:sldId id="317" r:id="rId4"/>
     <p:sldId id="318" r:id="rId5"/>
-    <p:sldId id="319" r:id="rId6"/>
-    <p:sldId id="320" r:id="rId7"/>
-    <p:sldId id="277" r:id="rId8"/>
-    <p:sldId id="321" r:id="rId9"/>
-    <p:sldId id="322" r:id="rId10"/>
-    <p:sldId id="323" r:id="rId11"/>
-    <p:sldId id="324" r:id="rId12"/>
+    <p:sldId id="332" r:id="rId6"/>
+    <p:sldId id="319" r:id="rId7"/>
+    <p:sldId id="320" r:id="rId8"/>
+    <p:sldId id="277" r:id="rId9"/>
+    <p:sldId id="327" r:id="rId10"/>
+    <p:sldId id="321" r:id="rId11"/>
+    <p:sldId id="339" r:id="rId12"/>
+    <p:sldId id="322" r:id="rId13"/>
+    <p:sldId id="341" r:id="rId14"/>
+    <p:sldId id="333" r:id="rId15"/>
+    <p:sldId id="334" r:id="rId16"/>
+    <p:sldId id="323" r:id="rId17"/>
+    <p:sldId id="325" r:id="rId18"/>
+    <p:sldId id="335" r:id="rId19"/>
+    <p:sldId id="336" r:id="rId20"/>
+    <p:sldId id="337" r:id="rId21"/>
+    <p:sldId id="338" r:id="rId22"/>
+    <p:sldId id="324" r:id="rId23"/>
+    <p:sldId id="328" r:id="rId24"/>
+    <p:sldId id="340" r:id="rId25"/>
+    <p:sldId id="326" r:id="rId26"/>
+    <p:sldId id="329" r:id="rId27"/>
+    <p:sldId id="330" r:id="rId28"/>
+    <p:sldId id="331" r:id="rId29"/>
   </p:sldIdLst>
   <p:sldSz cx="9144000" cy="6858000" type="screen4x3"/>
   <p:notesSz cx="6858000" cy="9144000"/>
@@ -128,7 +145,7 @@
 <file path=ppt/revisionInfo.xml><?xml version="1.0" encoding="utf-8"?>
 <p1510:revInfo xmlns:a="http://schemas.openxmlformats.org/drawingml/2006/main" xmlns:r="http://schemas.openxmlformats.org/officeDocument/2006/relationships" xmlns:p1510="http://schemas.microsoft.com/office/powerpoint/2015/10/main">
   <p1510:revLst>
-    <p1510:client id="{FC38A552-1810-4A9B-8174-E44D3C19BC43}" v="3" dt="2022-06-01T18:25:04.535"/>
+    <p1510:client id="{FC38A552-1810-4A9B-8174-E44D3C19BC43}" v="32" dt="2022-06-06T15:28:12.135"/>
   </p1510:revLst>
 </p1510:revInfo>
 </file>
@@ -1997,7 +2014,7 @@
   <pc:docChgLst>
     <pc:chgData name="Adrien Osakwe" userId="7a3e290c-eb83-484b-8e3d-d46ef2333477" providerId="ADAL" clId="{FC38A552-1810-4A9B-8174-E44D3C19BC43}"/>
     <pc:docChg chg="undo custSel addSld delSld modSld sldOrd modMainMaster">
-      <pc:chgData name="Adrien Osakwe" userId="7a3e290c-eb83-484b-8e3d-d46ef2333477" providerId="ADAL" clId="{FC38A552-1810-4A9B-8174-E44D3C19BC43}" dt="2022-06-01T18:33:02.128" v="1284" actId="20577"/>
+      <pc:chgData name="Adrien Osakwe" userId="7a3e290c-eb83-484b-8e3d-d46ef2333477" providerId="ADAL" clId="{FC38A552-1810-4A9B-8174-E44D3C19BC43}" dt="2022-06-06T15:28:33.489" v="3741" actId="20577"/>
       <pc:docMkLst>
         <pc:docMk/>
       </pc:docMkLst>
@@ -2070,13 +2087,13 @@
         </pc:spChg>
       </pc:sldChg>
       <pc:sldChg chg="modSp new mod">
-        <pc:chgData name="Adrien Osakwe" userId="7a3e290c-eb83-484b-8e3d-d46ef2333477" providerId="ADAL" clId="{FC38A552-1810-4A9B-8174-E44D3C19BC43}" dt="2022-06-01T18:18:00.039" v="864" actId="20577"/>
+        <pc:chgData name="Adrien Osakwe" userId="7a3e290c-eb83-484b-8e3d-d46ef2333477" providerId="ADAL" clId="{FC38A552-1810-4A9B-8174-E44D3C19BC43}" dt="2022-06-06T15:12:21.903" v="3645" actId="20577"/>
         <pc:sldMkLst>
           <pc:docMk/>
           <pc:sldMk cId="1592450976" sldId="317"/>
         </pc:sldMkLst>
         <pc:spChg chg="mod">
-          <ac:chgData name="Adrien Osakwe" userId="7a3e290c-eb83-484b-8e3d-d46ef2333477" providerId="ADAL" clId="{FC38A552-1810-4A9B-8174-E44D3C19BC43}" dt="2022-06-01T18:18:00.039" v="864" actId="20577"/>
+          <ac:chgData name="Adrien Osakwe" userId="7a3e290c-eb83-484b-8e3d-d46ef2333477" providerId="ADAL" clId="{FC38A552-1810-4A9B-8174-E44D3C19BC43}" dt="2022-06-06T15:12:21.903" v="3645" actId="20577"/>
           <ac:spMkLst>
             <pc:docMk/>
             <pc:sldMk cId="1592450976" sldId="317"/>
@@ -2137,13 +2154,13 @@
         </pc:sldMkLst>
       </pc:sldChg>
       <pc:sldChg chg="modSp new mod">
-        <pc:chgData name="Adrien Osakwe" userId="7a3e290c-eb83-484b-8e3d-d46ef2333477" providerId="ADAL" clId="{FC38A552-1810-4A9B-8174-E44D3C19BC43}" dt="2022-06-01T18:18:44.622" v="870" actId="20577"/>
+        <pc:chgData name="Adrien Osakwe" userId="7a3e290c-eb83-484b-8e3d-d46ef2333477" providerId="ADAL" clId="{FC38A552-1810-4A9B-8174-E44D3C19BC43}" dt="2022-06-06T15:12:33.963" v="3658" actId="20577"/>
         <pc:sldMkLst>
           <pc:docMk/>
           <pc:sldMk cId="4043592756" sldId="318"/>
         </pc:sldMkLst>
         <pc:spChg chg="mod">
-          <ac:chgData name="Adrien Osakwe" userId="7a3e290c-eb83-484b-8e3d-d46ef2333477" providerId="ADAL" clId="{FC38A552-1810-4A9B-8174-E44D3C19BC43}" dt="2022-06-01T18:18:44.622" v="870" actId="20577"/>
+          <ac:chgData name="Adrien Osakwe" userId="7a3e290c-eb83-484b-8e3d-d46ef2333477" providerId="ADAL" clId="{FC38A552-1810-4A9B-8174-E44D3C19BC43}" dt="2022-06-06T15:12:33.963" v="3658" actId="20577"/>
           <ac:spMkLst>
             <pc:docMk/>
             <pc:sldMk cId="4043592756" sldId="318"/>
@@ -2151,8 +2168,8 @@
           </ac:spMkLst>
         </pc:spChg>
       </pc:sldChg>
-      <pc:sldChg chg="addSp modSp new mod">
-        <pc:chgData name="Adrien Osakwe" userId="7a3e290c-eb83-484b-8e3d-d46ef2333477" providerId="ADAL" clId="{FC38A552-1810-4A9B-8174-E44D3C19BC43}" dt="2022-06-01T18:32:09.463" v="1123" actId="20577"/>
+      <pc:sldChg chg="addSp delSp modSp new mod modNotesTx">
+        <pc:chgData name="Adrien Osakwe" userId="7a3e290c-eb83-484b-8e3d-d46ef2333477" providerId="ADAL" clId="{FC38A552-1810-4A9B-8174-E44D3C19BC43}" dt="2022-06-06T15:17:07.461" v="3713" actId="1076"/>
         <pc:sldMkLst>
           <pc:docMk/>
           <pc:sldMk cId="116534369" sldId="319"/>
@@ -2165,8 +2182,24 @@
             <ac:spMk id="2" creationId="{FA28E789-0CD4-A736-2344-766F87DCC678}"/>
           </ac:spMkLst>
         </pc:spChg>
-        <pc:picChg chg="add mod">
-          <ac:chgData name="Adrien Osakwe" userId="7a3e290c-eb83-484b-8e3d-d46ef2333477" providerId="ADAL" clId="{FC38A552-1810-4A9B-8174-E44D3C19BC43}" dt="2022-06-01T18:25:08.762" v="921" actId="1076"/>
+        <pc:spChg chg="add mod">
+          <ac:chgData name="Adrien Osakwe" userId="7a3e290c-eb83-484b-8e3d-d46ef2333477" providerId="ADAL" clId="{FC38A552-1810-4A9B-8174-E44D3C19BC43}" dt="2022-06-06T15:16:50.109" v="3709" actId="14100"/>
+          <ac:spMkLst>
+            <pc:docMk/>
+            <pc:sldMk cId="116534369" sldId="319"/>
+            <ac:spMk id="4" creationId="{D249ACC2-CA9B-EA03-F92E-78E1D9B6E3DC}"/>
+          </ac:spMkLst>
+        </pc:spChg>
+        <pc:picChg chg="add mod modCrop">
+          <ac:chgData name="Adrien Osakwe" userId="7a3e290c-eb83-484b-8e3d-d46ef2333477" providerId="ADAL" clId="{FC38A552-1810-4A9B-8174-E44D3C19BC43}" dt="2022-06-06T15:17:07.461" v="3713" actId="1076"/>
+          <ac:picMkLst>
+            <pc:docMk/>
+            <pc:sldMk cId="116534369" sldId="319"/>
+            <ac:picMk id="3" creationId="{94497FBE-398F-F450-55A5-0169B83FAC55}"/>
+          </ac:picMkLst>
+        </pc:picChg>
+        <pc:picChg chg="add del mod">
+          <ac:chgData name="Adrien Osakwe" userId="7a3e290c-eb83-484b-8e3d-d46ef2333477" providerId="ADAL" clId="{FC38A552-1810-4A9B-8174-E44D3C19BC43}" dt="2022-06-03T20:03:38.442" v="3086" actId="21"/>
           <ac:picMkLst>
             <pc:docMk/>
             <pc:sldMk cId="116534369" sldId="319"/>
@@ -2189,8 +2222,8 @@
           </ac:spMkLst>
         </pc:spChg>
       </pc:sldChg>
-      <pc:sldChg chg="modSp new mod ord">
-        <pc:chgData name="Adrien Osakwe" userId="7a3e290c-eb83-484b-8e3d-d46ef2333477" providerId="ADAL" clId="{FC38A552-1810-4A9B-8174-E44D3C19BC43}" dt="2022-06-01T18:19:46.502" v="918" actId="20577"/>
+      <pc:sldChg chg="addSp delSp modSp new mod ord modNotesTx">
+        <pc:chgData name="Adrien Osakwe" userId="7a3e290c-eb83-484b-8e3d-d46ef2333477" providerId="ADAL" clId="{FC38A552-1810-4A9B-8174-E44D3C19BC43}" dt="2022-06-06T14:47:29.427" v="3276" actId="21"/>
         <pc:sldMkLst>
           <pc:docMk/>
           <pc:sldMk cId="620605204" sldId="321"/>
@@ -2203,15 +2236,151 @@
             <ac:spMk id="2" creationId="{C724517E-9288-0D5B-A398-F1132CA83813}"/>
           </ac:spMkLst>
         </pc:spChg>
+        <pc:spChg chg="add mod">
+          <ac:chgData name="Adrien Osakwe" userId="7a3e290c-eb83-484b-8e3d-d46ef2333477" providerId="ADAL" clId="{FC38A552-1810-4A9B-8174-E44D3C19BC43}" dt="2022-06-03T16:36:57.793" v="1998" actId="1076"/>
+          <ac:spMkLst>
+            <pc:docMk/>
+            <pc:sldMk cId="620605204" sldId="321"/>
+            <ac:spMk id="3" creationId="{35B5204A-66E1-62C8-EAFB-D6CACFA36AAC}"/>
+          </ac:spMkLst>
+        </pc:spChg>
+        <pc:spChg chg="add mod">
+          <ac:chgData name="Adrien Osakwe" userId="7a3e290c-eb83-484b-8e3d-d46ef2333477" providerId="ADAL" clId="{FC38A552-1810-4A9B-8174-E44D3C19BC43}" dt="2022-06-03T19:51:39.682" v="2185" actId="14100"/>
+          <ac:spMkLst>
+            <pc:docMk/>
+            <pc:sldMk cId="620605204" sldId="321"/>
+            <ac:spMk id="4" creationId="{7813187B-9A62-B21D-518D-1C283C5021A3}"/>
+          </ac:spMkLst>
+        </pc:spChg>
+        <pc:spChg chg="add del mod">
+          <ac:chgData name="Adrien Osakwe" userId="7a3e290c-eb83-484b-8e3d-d46ef2333477" providerId="ADAL" clId="{FC38A552-1810-4A9B-8174-E44D3C19BC43}" dt="2022-06-03T16:34:50.821" v="1956" actId="478"/>
+          <ac:spMkLst>
+            <pc:docMk/>
+            <pc:sldMk cId="620605204" sldId="321"/>
+            <ac:spMk id="4" creationId="{EC463C98-9534-1CD7-8C67-87AE3B0E9AA1}"/>
+          </ac:spMkLst>
+        </pc:spChg>
+        <pc:spChg chg="add del mod">
+          <ac:chgData name="Adrien Osakwe" userId="7a3e290c-eb83-484b-8e3d-d46ef2333477" providerId="ADAL" clId="{FC38A552-1810-4A9B-8174-E44D3C19BC43}" dt="2022-06-03T16:34:48.890" v="1955" actId="478"/>
+          <ac:spMkLst>
+            <pc:docMk/>
+            <pc:sldMk cId="620605204" sldId="321"/>
+            <ac:spMk id="5" creationId="{5927FBBB-F5E1-D3D3-436D-6E1BB8B60F76}"/>
+          </ac:spMkLst>
+        </pc:spChg>
+        <pc:spChg chg="add mod">
+          <ac:chgData name="Adrien Osakwe" userId="7a3e290c-eb83-484b-8e3d-d46ef2333477" providerId="ADAL" clId="{FC38A552-1810-4A9B-8174-E44D3C19BC43}" dt="2022-06-03T19:52:12.542" v="2204" actId="1076"/>
+          <ac:spMkLst>
+            <pc:docMk/>
+            <pc:sldMk cId="620605204" sldId="321"/>
+            <ac:spMk id="5" creationId="{8FE610B5-513F-26CD-F15D-33D9A0F742C4}"/>
+          </ac:spMkLst>
+        </pc:spChg>
+        <pc:spChg chg="add mod">
+          <ac:chgData name="Adrien Osakwe" userId="7a3e290c-eb83-484b-8e3d-d46ef2333477" providerId="ADAL" clId="{FC38A552-1810-4A9B-8174-E44D3C19BC43}" dt="2022-06-03T19:51:12.934" v="2181" actId="1076"/>
+          <ac:spMkLst>
+            <pc:docMk/>
+            <pc:sldMk cId="620605204" sldId="321"/>
+            <ac:spMk id="6" creationId="{59063E20-C471-E6A4-893C-741C85778811}"/>
+          </ac:spMkLst>
+        </pc:spChg>
+        <pc:spChg chg="add mod">
+          <ac:chgData name="Adrien Osakwe" userId="7a3e290c-eb83-484b-8e3d-d46ef2333477" providerId="ADAL" clId="{FC38A552-1810-4A9B-8174-E44D3C19BC43}" dt="2022-06-03T19:51:12.934" v="2181" actId="1076"/>
+          <ac:spMkLst>
+            <pc:docMk/>
+            <pc:sldMk cId="620605204" sldId="321"/>
+            <ac:spMk id="7" creationId="{5A45FE41-7FD6-2410-5D0A-D65DA926925D}"/>
+          </ac:spMkLst>
+        </pc:spChg>
+        <pc:spChg chg="add mod">
+          <ac:chgData name="Adrien Osakwe" userId="7a3e290c-eb83-484b-8e3d-d46ef2333477" providerId="ADAL" clId="{FC38A552-1810-4A9B-8174-E44D3C19BC43}" dt="2022-06-03T19:51:12.934" v="2181" actId="1076"/>
+          <ac:spMkLst>
+            <pc:docMk/>
+            <pc:sldMk cId="620605204" sldId="321"/>
+            <ac:spMk id="8" creationId="{66C9CA37-FB16-4919-98B3-413C17773A2F}"/>
+          </ac:spMkLst>
+        </pc:spChg>
+        <pc:spChg chg="add mod">
+          <ac:chgData name="Adrien Osakwe" userId="7a3e290c-eb83-484b-8e3d-d46ef2333477" providerId="ADAL" clId="{FC38A552-1810-4A9B-8174-E44D3C19BC43}" dt="2022-06-03T19:51:12.934" v="2181" actId="1076"/>
+          <ac:spMkLst>
+            <pc:docMk/>
+            <pc:sldMk cId="620605204" sldId="321"/>
+            <ac:spMk id="10" creationId="{C8769D43-4669-3B84-477C-F0D71B240CF0}"/>
+          </ac:spMkLst>
+        </pc:spChg>
+        <pc:spChg chg="add mod">
+          <ac:chgData name="Adrien Osakwe" userId="7a3e290c-eb83-484b-8e3d-d46ef2333477" providerId="ADAL" clId="{FC38A552-1810-4A9B-8174-E44D3C19BC43}" dt="2022-06-03T16:37:08.460" v="1999" actId="1076"/>
+          <ac:spMkLst>
+            <pc:docMk/>
+            <pc:sldMk cId="620605204" sldId="321"/>
+            <ac:spMk id="11" creationId="{471FD7C1-B59F-DE55-DA63-0372381F006F}"/>
+          </ac:spMkLst>
+        </pc:spChg>
+        <pc:spChg chg="add mod">
+          <ac:chgData name="Adrien Osakwe" userId="7a3e290c-eb83-484b-8e3d-d46ef2333477" providerId="ADAL" clId="{FC38A552-1810-4A9B-8174-E44D3C19BC43}" dt="2022-06-03T16:36:57.793" v="1998" actId="1076"/>
+          <ac:spMkLst>
+            <pc:docMk/>
+            <pc:sldMk cId="620605204" sldId="321"/>
+            <ac:spMk id="12" creationId="{92B0E22C-CDF6-915B-605D-C2DE1D234A16}"/>
+          </ac:spMkLst>
+        </pc:spChg>
+        <pc:spChg chg="add mod">
+          <ac:chgData name="Adrien Osakwe" userId="7a3e290c-eb83-484b-8e3d-d46ef2333477" providerId="ADAL" clId="{FC38A552-1810-4A9B-8174-E44D3C19BC43}" dt="2022-06-03T16:36:57.793" v="1998" actId="1076"/>
+          <ac:spMkLst>
+            <pc:docMk/>
+            <pc:sldMk cId="620605204" sldId="321"/>
+            <ac:spMk id="13" creationId="{14C34AF6-5463-43B7-5722-F40A51B94DA7}"/>
+          </ac:spMkLst>
+        </pc:spChg>
+        <pc:spChg chg="add mod">
+          <ac:chgData name="Adrien Osakwe" userId="7a3e290c-eb83-484b-8e3d-d46ef2333477" providerId="ADAL" clId="{FC38A552-1810-4A9B-8174-E44D3C19BC43}" dt="2022-06-03T16:36:57.793" v="1998" actId="1076"/>
+          <ac:spMkLst>
+            <pc:docMk/>
+            <pc:sldMk cId="620605204" sldId="321"/>
+            <ac:spMk id="14" creationId="{F5265DF6-BB88-2ADD-ECE3-C93B8404A07D}"/>
+          </ac:spMkLst>
+        </pc:spChg>
+        <pc:spChg chg="add mod">
+          <ac:chgData name="Adrien Osakwe" userId="7a3e290c-eb83-484b-8e3d-d46ef2333477" providerId="ADAL" clId="{FC38A552-1810-4A9B-8174-E44D3C19BC43}" dt="2022-06-03T16:37:08.460" v="1999" actId="1076"/>
+          <ac:spMkLst>
+            <pc:docMk/>
+            <pc:sldMk cId="620605204" sldId="321"/>
+            <ac:spMk id="15" creationId="{F6CFCD23-A970-B5C3-F585-5A5FDE41E3D2}"/>
+          </ac:spMkLst>
+        </pc:spChg>
+        <pc:spChg chg="add mod">
+          <ac:chgData name="Adrien Osakwe" userId="7a3e290c-eb83-484b-8e3d-d46ef2333477" providerId="ADAL" clId="{FC38A552-1810-4A9B-8174-E44D3C19BC43}" dt="2022-06-03T19:51:12.934" v="2181" actId="1076"/>
+          <ac:spMkLst>
+            <pc:docMk/>
+            <pc:sldMk cId="620605204" sldId="321"/>
+            <ac:spMk id="17" creationId="{634615A0-A3AE-2822-490B-44861A4DC53D}"/>
+          </ac:spMkLst>
+        </pc:spChg>
+        <pc:picChg chg="add del mod">
+          <ac:chgData name="Adrien Osakwe" userId="7a3e290c-eb83-484b-8e3d-d46ef2333477" providerId="ADAL" clId="{FC38A552-1810-4A9B-8174-E44D3C19BC43}" dt="2022-06-06T14:47:29.427" v="3276" actId="21"/>
+          <ac:picMkLst>
+            <pc:docMk/>
+            <pc:sldMk cId="620605204" sldId="321"/>
+            <ac:picMk id="9" creationId="{6565D2C9-39B3-99C2-E561-48D0E553F03C}"/>
+          </ac:picMkLst>
+        </pc:picChg>
+        <pc:picChg chg="add del mod">
+          <ac:chgData name="Adrien Osakwe" userId="7a3e290c-eb83-484b-8e3d-d46ef2333477" providerId="ADAL" clId="{FC38A552-1810-4A9B-8174-E44D3C19BC43}" dt="2022-06-06T14:47:21.113" v="3271" actId="21"/>
+          <ac:picMkLst>
+            <pc:docMk/>
+            <pc:sldMk cId="620605204" sldId="321"/>
+            <ac:picMk id="1026" creationId="{FC6CBB2F-6755-189F-523D-CA8ADBE10F8D}"/>
+          </ac:picMkLst>
+        </pc:picChg>
       </pc:sldChg>
-      <pc:sldChg chg="modSp new mod">
-        <pc:chgData name="Adrien Osakwe" userId="7a3e290c-eb83-484b-8e3d-d46ef2333477" providerId="ADAL" clId="{FC38A552-1810-4A9B-8174-E44D3C19BC43}" dt="2022-06-01T18:25:56.281" v="939" actId="20577"/>
+      <pc:sldChg chg="modSp new mod modNotesTx">
+        <pc:chgData name="Adrien Osakwe" userId="7a3e290c-eb83-484b-8e3d-d46ef2333477" providerId="ADAL" clId="{FC38A552-1810-4A9B-8174-E44D3C19BC43}" dt="2022-06-03T20:06:13.503" v="3149" actId="20577"/>
         <pc:sldMkLst>
           <pc:docMk/>
           <pc:sldMk cId="607115465" sldId="322"/>
         </pc:sldMkLst>
         <pc:spChg chg="mod">
-          <ac:chgData name="Adrien Osakwe" userId="7a3e290c-eb83-484b-8e3d-d46ef2333477" providerId="ADAL" clId="{FC38A552-1810-4A9B-8174-E44D3C19BC43}" dt="2022-06-01T18:25:56.281" v="939" actId="20577"/>
+          <ac:chgData name="Adrien Osakwe" userId="7a3e290c-eb83-484b-8e3d-d46ef2333477" providerId="ADAL" clId="{FC38A552-1810-4A9B-8174-E44D3C19BC43}" dt="2022-06-03T19:54:15.333" v="2523" actId="20577"/>
           <ac:spMkLst>
             <pc:docMk/>
             <pc:sldMk cId="607115465" sldId="322"/>
@@ -2235,13 +2404,13 @@
         </pc:spChg>
       </pc:sldChg>
       <pc:sldChg chg="modSp new mod">
-        <pc:chgData name="Adrien Osakwe" userId="7a3e290c-eb83-484b-8e3d-d46ef2333477" providerId="ADAL" clId="{FC38A552-1810-4A9B-8174-E44D3C19BC43}" dt="2022-06-01T18:31:10.499" v="995" actId="20577"/>
+        <pc:chgData name="Adrien Osakwe" userId="7a3e290c-eb83-484b-8e3d-d46ef2333477" providerId="ADAL" clId="{FC38A552-1810-4A9B-8174-E44D3C19BC43}" dt="2022-06-06T15:28:33.489" v="3741" actId="20577"/>
         <pc:sldMkLst>
           <pc:docMk/>
           <pc:sldMk cId="2151990461" sldId="323"/>
         </pc:sldMkLst>
         <pc:spChg chg="mod">
-          <ac:chgData name="Adrien Osakwe" userId="7a3e290c-eb83-484b-8e3d-d46ef2333477" providerId="ADAL" clId="{FC38A552-1810-4A9B-8174-E44D3C19BC43}" dt="2022-06-01T18:31:10.499" v="995" actId="20577"/>
+          <ac:chgData name="Adrien Osakwe" userId="7a3e290c-eb83-484b-8e3d-d46ef2333477" providerId="ADAL" clId="{FC38A552-1810-4A9B-8174-E44D3C19BC43}" dt="2022-06-06T15:28:33.489" v="3741" actId="20577"/>
           <ac:spMkLst>
             <pc:docMk/>
             <pc:sldMk cId="2151990461" sldId="323"/>
@@ -2250,17 +2419,308 @@
         </pc:spChg>
       </pc:sldChg>
       <pc:sldChg chg="modSp new mod">
-        <pc:chgData name="Adrien Osakwe" userId="7a3e290c-eb83-484b-8e3d-d46ef2333477" providerId="ADAL" clId="{FC38A552-1810-4A9B-8174-E44D3C19BC43}" dt="2022-06-01T18:31:32.890" v="1058" actId="20577"/>
+        <pc:chgData name="Adrien Osakwe" userId="7a3e290c-eb83-484b-8e3d-d46ef2333477" providerId="ADAL" clId="{FC38A552-1810-4A9B-8174-E44D3C19BC43}" dt="2022-06-06T15:28:00.286" v="3717" actId="20577"/>
         <pc:sldMkLst>
           <pc:docMk/>
           <pc:sldMk cId="1537293915" sldId="324"/>
         </pc:sldMkLst>
         <pc:spChg chg="mod">
-          <ac:chgData name="Adrien Osakwe" userId="7a3e290c-eb83-484b-8e3d-d46ef2333477" providerId="ADAL" clId="{FC38A552-1810-4A9B-8174-E44D3C19BC43}" dt="2022-06-01T18:31:32.890" v="1058" actId="20577"/>
+          <ac:chgData name="Adrien Osakwe" userId="7a3e290c-eb83-484b-8e3d-d46ef2333477" providerId="ADAL" clId="{FC38A552-1810-4A9B-8174-E44D3C19BC43}" dt="2022-06-06T15:28:00.286" v="3717" actId="20577"/>
           <ac:spMkLst>
             <pc:docMk/>
             <pc:sldMk cId="1537293915" sldId="324"/>
             <ac:spMk id="2" creationId="{36BF4A6E-5D75-77B9-9DA7-DC7FB331562E}"/>
+          </ac:spMkLst>
+        </pc:spChg>
+      </pc:sldChg>
+      <pc:sldChg chg="modSp new mod">
+        <pc:chgData name="Adrien Osakwe" userId="7a3e290c-eb83-484b-8e3d-d46ef2333477" providerId="ADAL" clId="{FC38A552-1810-4A9B-8174-E44D3C19BC43}" dt="2022-06-03T15:49:18.387" v="1574" actId="20577"/>
+        <pc:sldMkLst>
+          <pc:docMk/>
+          <pc:sldMk cId="130669974" sldId="325"/>
+        </pc:sldMkLst>
+        <pc:spChg chg="mod">
+          <ac:chgData name="Adrien Osakwe" userId="7a3e290c-eb83-484b-8e3d-d46ef2333477" providerId="ADAL" clId="{FC38A552-1810-4A9B-8174-E44D3C19BC43}" dt="2022-06-03T15:49:18.387" v="1574" actId="20577"/>
+          <ac:spMkLst>
+            <pc:docMk/>
+            <pc:sldMk cId="130669974" sldId="325"/>
+            <ac:spMk id="2" creationId="{9EBB2CD7-D4AE-58C2-938C-F1E2066E5D4C}"/>
+          </ac:spMkLst>
+        </pc:spChg>
+      </pc:sldChg>
+      <pc:sldChg chg="modSp new mod">
+        <pc:chgData name="Adrien Osakwe" userId="7a3e290c-eb83-484b-8e3d-d46ef2333477" providerId="ADAL" clId="{FC38A552-1810-4A9B-8174-E44D3C19BC43}" dt="2022-06-03T15:54:30.456" v="1622" actId="20577"/>
+        <pc:sldMkLst>
+          <pc:docMk/>
+          <pc:sldMk cId="944076217" sldId="326"/>
+        </pc:sldMkLst>
+        <pc:spChg chg="mod">
+          <ac:chgData name="Adrien Osakwe" userId="7a3e290c-eb83-484b-8e3d-d46ef2333477" providerId="ADAL" clId="{FC38A552-1810-4A9B-8174-E44D3C19BC43}" dt="2022-06-03T15:54:30.456" v="1622" actId="20577"/>
+          <ac:spMkLst>
+            <pc:docMk/>
+            <pc:sldMk cId="944076217" sldId="326"/>
+            <ac:spMk id="2" creationId="{00D8EFDB-45D2-9A4A-6FA9-789D807BF0F3}"/>
+          </ac:spMkLst>
+        </pc:spChg>
+      </pc:sldChg>
+      <pc:sldChg chg="modSp new mod ord">
+        <pc:chgData name="Adrien Osakwe" userId="7a3e290c-eb83-484b-8e3d-d46ef2333477" providerId="ADAL" clId="{FC38A552-1810-4A9B-8174-E44D3C19BC43}" dt="2022-06-03T19:48:27.679" v="2157" actId="20577"/>
+        <pc:sldMkLst>
+          <pc:docMk/>
+          <pc:sldMk cId="3120015113" sldId="327"/>
+        </pc:sldMkLst>
+        <pc:spChg chg="mod">
+          <ac:chgData name="Adrien Osakwe" userId="7a3e290c-eb83-484b-8e3d-d46ef2333477" providerId="ADAL" clId="{FC38A552-1810-4A9B-8174-E44D3C19BC43}" dt="2022-06-03T19:48:27.679" v="2157" actId="20577"/>
+          <ac:spMkLst>
+            <pc:docMk/>
+            <pc:sldMk cId="3120015113" sldId="327"/>
+            <ac:spMk id="2" creationId="{BC71840A-47BB-D406-2B18-5DF99FE82427}"/>
+          </ac:spMkLst>
+        </pc:spChg>
+      </pc:sldChg>
+      <pc:sldChg chg="modSp new del mod">
+        <pc:chgData name="Adrien Osakwe" userId="7a3e290c-eb83-484b-8e3d-d46ef2333477" providerId="ADAL" clId="{FC38A552-1810-4A9B-8174-E44D3C19BC43}" dt="2022-06-03T19:54:30.348" v="2542" actId="47"/>
+        <pc:sldMkLst>
+          <pc:docMk/>
+          <pc:sldMk cId="528706822" sldId="328"/>
+        </pc:sldMkLst>
+        <pc:spChg chg="mod">
+          <ac:chgData name="Adrien Osakwe" userId="7a3e290c-eb83-484b-8e3d-d46ef2333477" providerId="ADAL" clId="{FC38A552-1810-4A9B-8174-E44D3C19BC43}" dt="2022-06-03T19:54:27.716" v="2541" actId="20577"/>
+          <ac:spMkLst>
+            <pc:docMk/>
+            <pc:sldMk cId="528706822" sldId="328"/>
+            <ac:spMk id="2" creationId="{014B42F9-D8AE-6D96-85DA-E83FDF77B544}"/>
+          </ac:spMkLst>
+        </pc:spChg>
+      </pc:sldChg>
+      <pc:sldChg chg="new del">
+        <pc:chgData name="Adrien Osakwe" userId="7a3e290c-eb83-484b-8e3d-d46ef2333477" providerId="ADAL" clId="{FC38A552-1810-4A9B-8174-E44D3C19BC43}" dt="2022-06-03T19:54:42.053" v="2544" actId="47"/>
+        <pc:sldMkLst>
+          <pc:docMk/>
+          <pc:sldMk cId="1817600276" sldId="328"/>
+        </pc:sldMkLst>
+      </pc:sldChg>
+      <pc:sldChg chg="modSp new mod ord">
+        <pc:chgData name="Adrien Osakwe" userId="7a3e290c-eb83-484b-8e3d-d46ef2333477" providerId="ADAL" clId="{FC38A552-1810-4A9B-8174-E44D3C19BC43}" dt="2022-06-06T15:27:34.071" v="3715"/>
+        <pc:sldMkLst>
+          <pc:docMk/>
+          <pc:sldMk cId="3510116900" sldId="328"/>
+        </pc:sldMkLst>
+        <pc:spChg chg="mod">
+          <ac:chgData name="Adrien Osakwe" userId="7a3e290c-eb83-484b-8e3d-d46ef2333477" providerId="ADAL" clId="{FC38A552-1810-4A9B-8174-E44D3C19BC43}" dt="2022-06-03T19:55:36.096" v="2692" actId="20577"/>
+          <ac:spMkLst>
+            <pc:docMk/>
+            <pc:sldMk cId="3510116900" sldId="328"/>
+            <ac:spMk id="2" creationId="{145570DF-0C10-98C1-32EE-7BBAD91B3A01}"/>
+          </ac:spMkLst>
+        </pc:spChg>
+      </pc:sldChg>
+      <pc:sldChg chg="new del">
+        <pc:chgData name="Adrien Osakwe" userId="7a3e290c-eb83-484b-8e3d-d46ef2333477" providerId="ADAL" clId="{FC38A552-1810-4A9B-8174-E44D3C19BC43}" dt="2022-06-03T19:59:07.959" v="2695" actId="47"/>
+        <pc:sldMkLst>
+          <pc:docMk/>
+          <pc:sldMk cId="855724898" sldId="329"/>
+        </pc:sldMkLst>
+      </pc:sldChg>
+      <pc:sldChg chg="modSp new mod">
+        <pc:chgData name="Adrien Osakwe" userId="7a3e290c-eb83-484b-8e3d-d46ef2333477" providerId="ADAL" clId="{FC38A552-1810-4A9B-8174-E44D3C19BC43}" dt="2022-06-06T15:27:54.671" v="3716" actId="6549"/>
+        <pc:sldMkLst>
+          <pc:docMk/>
+          <pc:sldMk cId="980553902" sldId="329"/>
+        </pc:sldMkLst>
+        <pc:spChg chg="mod">
+          <ac:chgData name="Adrien Osakwe" userId="7a3e290c-eb83-484b-8e3d-d46ef2333477" providerId="ADAL" clId="{FC38A552-1810-4A9B-8174-E44D3C19BC43}" dt="2022-06-06T15:27:54.671" v="3716" actId="6549"/>
+          <ac:spMkLst>
+            <pc:docMk/>
+            <pc:sldMk cId="980553902" sldId="329"/>
+            <ac:spMk id="2" creationId="{D7B3B343-8AB0-44FB-3E33-580BF410923F}"/>
+          </ac:spMkLst>
+        </pc:spChg>
+      </pc:sldChg>
+      <pc:sldChg chg="modSp add mod">
+        <pc:chgData name="Adrien Osakwe" userId="7a3e290c-eb83-484b-8e3d-d46ef2333477" providerId="ADAL" clId="{FC38A552-1810-4A9B-8174-E44D3C19BC43}" dt="2022-06-03T20:01:42.529" v="3059" actId="20577"/>
+        <pc:sldMkLst>
+          <pc:docMk/>
+          <pc:sldMk cId="1527684309" sldId="330"/>
+        </pc:sldMkLst>
+        <pc:spChg chg="mod">
+          <ac:chgData name="Adrien Osakwe" userId="7a3e290c-eb83-484b-8e3d-d46ef2333477" providerId="ADAL" clId="{FC38A552-1810-4A9B-8174-E44D3C19BC43}" dt="2022-06-03T20:01:42.529" v="3059" actId="20577"/>
+          <ac:spMkLst>
+            <pc:docMk/>
+            <pc:sldMk cId="1527684309" sldId="330"/>
+            <ac:spMk id="2" creationId="{00D8EFDB-45D2-9A4A-6FA9-789D807BF0F3}"/>
+          </ac:spMkLst>
+        </pc:spChg>
+      </pc:sldChg>
+      <pc:sldChg chg="new del">
+        <pc:chgData name="Adrien Osakwe" userId="7a3e290c-eb83-484b-8e3d-d46ef2333477" providerId="ADAL" clId="{FC38A552-1810-4A9B-8174-E44D3C19BC43}" dt="2022-06-03T20:00:01.170" v="2767" actId="47"/>
+        <pc:sldMkLst>
+          <pc:docMk/>
+          <pc:sldMk cId="3454958677" sldId="330"/>
+        </pc:sldMkLst>
+      </pc:sldChg>
+      <pc:sldChg chg="modSp new mod">
+        <pc:chgData name="Adrien Osakwe" userId="7a3e290c-eb83-484b-8e3d-d46ef2333477" providerId="ADAL" clId="{FC38A552-1810-4A9B-8174-E44D3C19BC43}" dt="2022-06-03T20:01:52.108" v="3076" actId="20577"/>
+        <pc:sldMkLst>
+          <pc:docMk/>
+          <pc:sldMk cId="890084902" sldId="331"/>
+        </pc:sldMkLst>
+        <pc:spChg chg="mod">
+          <ac:chgData name="Adrien Osakwe" userId="7a3e290c-eb83-484b-8e3d-d46ef2333477" providerId="ADAL" clId="{FC38A552-1810-4A9B-8174-E44D3C19BC43}" dt="2022-06-03T20:01:52.108" v="3076" actId="20577"/>
+          <ac:spMkLst>
+            <pc:docMk/>
+            <pc:sldMk cId="890084902" sldId="331"/>
+            <ac:spMk id="2" creationId="{146A319F-99F6-E37E-4837-F8D349D874AC}"/>
+          </ac:spMkLst>
+        </pc:spChg>
+      </pc:sldChg>
+      <pc:sldChg chg="addSp delSp modSp new mod">
+        <pc:chgData name="Adrien Osakwe" userId="7a3e290c-eb83-484b-8e3d-d46ef2333477" providerId="ADAL" clId="{FC38A552-1810-4A9B-8174-E44D3C19BC43}" dt="2022-06-03T20:03:45.550" v="3089" actId="1076"/>
+        <pc:sldMkLst>
+          <pc:docMk/>
+          <pc:sldMk cId="910056172" sldId="332"/>
+        </pc:sldMkLst>
+        <pc:spChg chg="del mod">
+          <ac:chgData name="Adrien Osakwe" userId="7a3e290c-eb83-484b-8e3d-d46ef2333477" providerId="ADAL" clId="{FC38A552-1810-4A9B-8174-E44D3C19BC43}" dt="2022-06-03T20:03:41.657" v="3087" actId="478"/>
+          <ac:spMkLst>
+            <pc:docMk/>
+            <pc:sldMk cId="910056172" sldId="332"/>
+            <ac:spMk id="2" creationId="{3995C3C6-1108-7FBF-1C49-A8B12B5CFDA2}"/>
+          </ac:spMkLst>
+        </pc:spChg>
+        <pc:picChg chg="add mod">
+          <ac:chgData name="Adrien Osakwe" userId="7a3e290c-eb83-484b-8e3d-d46ef2333477" providerId="ADAL" clId="{FC38A552-1810-4A9B-8174-E44D3C19BC43}" dt="2022-06-03T20:03:45.550" v="3089" actId="1076"/>
+          <ac:picMkLst>
+            <pc:docMk/>
+            <pc:sldMk cId="910056172" sldId="332"/>
+            <ac:picMk id="3" creationId="{D63D6295-D41F-B16A-80CA-1D999E04CFC6}"/>
+          </ac:picMkLst>
+        </pc:picChg>
+      </pc:sldChg>
+      <pc:sldChg chg="modSp new mod">
+        <pc:chgData name="Adrien Osakwe" userId="7a3e290c-eb83-484b-8e3d-d46ef2333477" providerId="ADAL" clId="{FC38A552-1810-4A9B-8174-E44D3C19BC43}" dt="2022-06-03T20:06:45.730" v="3206" actId="20577"/>
+        <pc:sldMkLst>
+          <pc:docMk/>
+          <pc:sldMk cId="634442937" sldId="333"/>
+        </pc:sldMkLst>
+        <pc:spChg chg="mod">
+          <ac:chgData name="Adrien Osakwe" userId="7a3e290c-eb83-484b-8e3d-d46ef2333477" providerId="ADAL" clId="{FC38A552-1810-4A9B-8174-E44D3C19BC43}" dt="2022-06-03T20:06:45.730" v="3206" actId="20577"/>
+          <ac:spMkLst>
+            <pc:docMk/>
+            <pc:sldMk cId="634442937" sldId="333"/>
+            <ac:spMk id="2" creationId="{F30F071A-0450-8F6E-F28D-8124D7A90523}"/>
+          </ac:spMkLst>
+        </pc:spChg>
+      </pc:sldChg>
+      <pc:sldChg chg="modSp new mod">
+        <pc:chgData name="Adrien Osakwe" userId="7a3e290c-eb83-484b-8e3d-d46ef2333477" providerId="ADAL" clId="{FC38A552-1810-4A9B-8174-E44D3C19BC43}" dt="2022-06-03T20:07:01.750" v="3216" actId="20577"/>
+        <pc:sldMkLst>
+          <pc:docMk/>
+          <pc:sldMk cId="2565697555" sldId="334"/>
+        </pc:sldMkLst>
+        <pc:spChg chg="mod">
+          <ac:chgData name="Adrien Osakwe" userId="7a3e290c-eb83-484b-8e3d-d46ef2333477" providerId="ADAL" clId="{FC38A552-1810-4A9B-8174-E44D3C19BC43}" dt="2022-06-03T20:07:01.750" v="3216" actId="20577"/>
+          <ac:spMkLst>
+            <pc:docMk/>
+            <pc:sldMk cId="2565697555" sldId="334"/>
+            <ac:spMk id="2" creationId="{9C487D5F-FC03-68BB-A41E-18A16F477269}"/>
+          </ac:spMkLst>
+        </pc:spChg>
+      </pc:sldChg>
+      <pc:sldChg chg="modSp add mod">
+        <pc:chgData name="Adrien Osakwe" userId="7a3e290c-eb83-484b-8e3d-d46ef2333477" providerId="ADAL" clId="{FC38A552-1810-4A9B-8174-E44D3C19BC43}" dt="2022-06-03T20:07:38.049" v="3249" actId="20577"/>
+        <pc:sldMkLst>
+          <pc:docMk/>
+          <pc:sldMk cId="4165173319" sldId="335"/>
+        </pc:sldMkLst>
+        <pc:spChg chg="mod">
+          <ac:chgData name="Adrien Osakwe" userId="7a3e290c-eb83-484b-8e3d-d46ef2333477" providerId="ADAL" clId="{FC38A552-1810-4A9B-8174-E44D3C19BC43}" dt="2022-06-03T20:07:38.049" v="3249" actId="20577"/>
+          <ac:spMkLst>
+            <pc:docMk/>
+            <pc:sldMk cId="4165173319" sldId="335"/>
+            <ac:spMk id="2" creationId="{F30F071A-0450-8F6E-F28D-8124D7A90523}"/>
+          </ac:spMkLst>
+        </pc:spChg>
+      </pc:sldChg>
+      <pc:sldChg chg="modSp add mod">
+        <pc:chgData name="Adrien Osakwe" userId="7a3e290c-eb83-484b-8e3d-d46ef2333477" providerId="ADAL" clId="{FC38A552-1810-4A9B-8174-E44D3C19BC43}" dt="2022-06-03T20:07:52.471" v="3251" actId="20577"/>
+        <pc:sldMkLst>
+          <pc:docMk/>
+          <pc:sldMk cId="2935903534" sldId="336"/>
+        </pc:sldMkLst>
+        <pc:spChg chg="mod">
+          <ac:chgData name="Adrien Osakwe" userId="7a3e290c-eb83-484b-8e3d-d46ef2333477" providerId="ADAL" clId="{FC38A552-1810-4A9B-8174-E44D3C19BC43}" dt="2022-06-03T20:07:52.471" v="3251" actId="20577"/>
+          <ac:spMkLst>
+            <pc:docMk/>
+            <pc:sldMk cId="2935903534" sldId="336"/>
+            <ac:spMk id="2" creationId="{9C487D5F-FC03-68BB-A41E-18A16F477269}"/>
+          </ac:spMkLst>
+        </pc:spChg>
+      </pc:sldChg>
+      <pc:sldChg chg="modSp add mod">
+        <pc:chgData name="Adrien Osakwe" userId="7a3e290c-eb83-484b-8e3d-d46ef2333477" providerId="ADAL" clId="{FC38A552-1810-4A9B-8174-E44D3C19BC43}" dt="2022-06-03T20:08:06.244" v="3269" actId="20577"/>
+        <pc:sldMkLst>
+          <pc:docMk/>
+          <pc:sldMk cId="1749104538" sldId="337"/>
+        </pc:sldMkLst>
+        <pc:spChg chg="mod">
+          <ac:chgData name="Adrien Osakwe" userId="7a3e290c-eb83-484b-8e3d-d46ef2333477" providerId="ADAL" clId="{FC38A552-1810-4A9B-8174-E44D3C19BC43}" dt="2022-06-03T20:08:06.244" v="3269" actId="20577"/>
+          <ac:spMkLst>
+            <pc:docMk/>
+            <pc:sldMk cId="1749104538" sldId="337"/>
+            <ac:spMk id="2" creationId="{F30F071A-0450-8F6E-F28D-8124D7A90523}"/>
+          </ac:spMkLst>
+        </pc:spChg>
+      </pc:sldChg>
+      <pc:sldChg chg="add">
+        <pc:chgData name="Adrien Osakwe" userId="7a3e290c-eb83-484b-8e3d-d46ef2333477" providerId="ADAL" clId="{FC38A552-1810-4A9B-8174-E44D3C19BC43}" dt="2022-06-03T20:07:56.941" v="3252"/>
+        <pc:sldMkLst>
+          <pc:docMk/>
+          <pc:sldMk cId="2209846115" sldId="338"/>
+        </pc:sldMkLst>
+      </pc:sldChg>
+      <pc:sldChg chg="addSp modSp new">
+        <pc:chgData name="Adrien Osakwe" userId="7a3e290c-eb83-484b-8e3d-d46ef2333477" providerId="ADAL" clId="{FC38A552-1810-4A9B-8174-E44D3C19BC43}" dt="2022-06-06T14:47:26.848" v="3275" actId="1076"/>
+        <pc:sldMkLst>
+          <pc:docMk/>
+          <pc:sldMk cId="2134293922" sldId="339"/>
+        </pc:sldMkLst>
+        <pc:picChg chg="add mod">
+          <ac:chgData name="Adrien Osakwe" userId="7a3e290c-eb83-484b-8e3d-d46ef2333477" providerId="ADAL" clId="{FC38A552-1810-4A9B-8174-E44D3C19BC43}" dt="2022-06-06T14:47:26.848" v="3275" actId="1076"/>
+          <ac:picMkLst>
+            <pc:docMk/>
+            <pc:sldMk cId="2134293922" sldId="339"/>
+            <ac:picMk id="3" creationId="{1F3C9EEE-5036-453D-03F9-6B699269ACD2}"/>
+          </ac:picMkLst>
+        </pc:picChg>
+      </pc:sldChg>
+      <pc:sldChg chg="addSp modSp new mod">
+        <pc:chgData name="Adrien Osakwe" userId="7a3e290c-eb83-484b-8e3d-d46ef2333477" providerId="ADAL" clId="{FC38A552-1810-4A9B-8174-E44D3C19BC43}" dt="2022-06-06T14:47:53.456" v="3284" actId="1076"/>
+        <pc:sldMkLst>
+          <pc:docMk/>
+          <pc:sldMk cId="1433220311" sldId="340"/>
+        </pc:sldMkLst>
+        <pc:picChg chg="add mod">
+          <ac:chgData name="Adrien Osakwe" userId="7a3e290c-eb83-484b-8e3d-d46ef2333477" providerId="ADAL" clId="{FC38A552-1810-4A9B-8174-E44D3C19BC43}" dt="2022-06-06T14:47:53.456" v="3284" actId="1076"/>
+          <ac:picMkLst>
+            <pc:docMk/>
+            <pc:sldMk cId="1433220311" sldId="340"/>
+            <ac:picMk id="3" creationId="{4919DF2E-41CB-2BF2-C77E-976DD904E728}"/>
+          </ac:picMkLst>
+        </pc:picChg>
+      </pc:sldChg>
+      <pc:sldChg chg="modSp add mod">
+        <pc:chgData name="Adrien Osakwe" userId="7a3e290c-eb83-484b-8e3d-d46ef2333477" providerId="ADAL" clId="{FC38A552-1810-4A9B-8174-E44D3C19BC43}" dt="2022-06-06T15:28:27.642" v="3740" actId="20577"/>
+        <pc:sldMkLst>
+          <pc:docMk/>
+          <pc:sldMk cId="1442157030" sldId="341"/>
+        </pc:sldMkLst>
+        <pc:spChg chg="mod">
+          <ac:chgData name="Adrien Osakwe" userId="7a3e290c-eb83-484b-8e3d-d46ef2333477" providerId="ADAL" clId="{FC38A552-1810-4A9B-8174-E44D3C19BC43}" dt="2022-06-06T15:28:27.642" v="3740" actId="20577"/>
+          <ac:spMkLst>
+            <pc:docMk/>
+            <pc:sldMk cId="1442157030" sldId="341"/>
+            <ac:spMk id="2" creationId="{537CF4C5-19DD-1456-A479-EB3A56303A29}"/>
           </ac:spMkLst>
         </pc:spChg>
       </pc:sldChg>
@@ -2497,7 +2957,7 @@
           <a:p>
             <a:fld id="{217E5156-1B5D-054E-B5B2-E1B1BA160252}" type="datetimeFigureOut">
               <a:rPr lang="fr-FR" smtClean="0"/>
-              <a:t>01/06/2022</a:t>
+              <a:t>06/06/2022</a:t>
             </a:fld>
             <a:endParaRPr lang="fr-FR"/>
           </a:p>
@@ -3024,7 +3484,10 @@
           <a:bodyPr/>
           <a:lstStyle/>
           <a:p>
-            <a:endParaRPr lang="en-US" dirty="0"/>
+            <a:r>
+              <a:rPr lang="en-CA" dirty="0"/>
+              <a:t>Source: https://betterexplained.com/articles/a-visual-guide-to-version-control/ </a:t>
+            </a:r>
           </a:p>
         </p:txBody>
       </p:sp>
@@ -3045,7 +3508,91 @@
           <a:p>
             <a:fld id="{DACBD60B-517C-4242-AE46-E1BD2D086542}" type="slidenum">
               <a:rPr lang="fr-FR" smtClean="0"/>
-              <a:t>7</a:t>
+              <a:t>6</a:t>
+            </a:fld>
+            <a:endParaRPr lang="fr-FR"/>
+          </a:p>
+        </p:txBody>
+      </p:sp>
+    </p:spTree>
+    <p:extLst>
+      <p:ext uri="{BB962C8B-B14F-4D97-AF65-F5344CB8AC3E}">
+        <p14:creationId xmlns:p14="http://schemas.microsoft.com/office/powerpoint/2010/main" val="3904948658"/>
+      </p:ext>
+    </p:extLst>
+  </p:cSld>
+  <p:clrMapOvr>
+    <a:masterClrMapping/>
+  </p:clrMapOvr>
+</p:notes>
+</file>
+
+<file path=ppt/notesSlides/notesSlide3.xml><?xml version="1.0" encoding="utf-8"?>
+<p:notes xmlns:a="http://schemas.openxmlformats.org/drawingml/2006/main" xmlns:r="http://schemas.openxmlformats.org/officeDocument/2006/relationships" xmlns:p="http://schemas.openxmlformats.org/presentationml/2006/main">
+  <p:cSld>
+    <p:spTree>
+      <p:nvGrpSpPr>
+        <p:cNvPr id="1" name=""/>
+        <p:cNvGrpSpPr/>
+        <p:nvPr/>
+      </p:nvGrpSpPr>
+      <p:grpSpPr>
+        <a:xfrm>
+          <a:off x="0" y="0"/>
+          <a:ext cx="0" cy="0"/>
+          <a:chOff x="0" y="0"/>
+          <a:chExt cx="0" cy="0"/>
+        </a:xfrm>
+      </p:grpSpPr>
+      <p:sp>
+        <p:nvSpPr>
+          <p:cNvPr id="2" name="Slide Image Placeholder 1"/>
+          <p:cNvSpPr>
+            <a:spLocks noGrp="1" noRot="1" noChangeAspect="1"/>
+          </p:cNvSpPr>
+          <p:nvPr>
+            <p:ph type="sldImg"/>
+          </p:nvPr>
+        </p:nvSpPr>
+        <p:spPr/>
+      </p:sp>
+      <p:sp>
+        <p:nvSpPr>
+          <p:cNvPr id="3" name="Notes Placeholder 2"/>
+          <p:cNvSpPr>
+            <a:spLocks noGrp="1"/>
+          </p:cNvSpPr>
+          <p:nvPr>
+            <p:ph type="body" idx="1"/>
+          </p:nvPr>
+        </p:nvSpPr>
+        <p:spPr/>
+        <p:txBody>
+          <a:bodyPr/>
+          <a:lstStyle/>
+          <a:p>
+            <a:endParaRPr lang="en-US" dirty="0"/>
+          </a:p>
+        </p:txBody>
+      </p:sp>
+      <p:sp>
+        <p:nvSpPr>
+          <p:cNvPr id="4" name="Slide Number Placeholder 3"/>
+          <p:cNvSpPr>
+            <a:spLocks noGrp="1"/>
+          </p:cNvSpPr>
+          <p:nvPr>
+            <p:ph type="sldNum" sz="quarter" idx="5"/>
+          </p:nvPr>
+        </p:nvSpPr>
+        <p:spPr/>
+        <p:txBody>
+          <a:bodyPr/>
+          <a:lstStyle/>
+          <a:p>
+            <a:fld id="{DACBD60B-517C-4242-AE46-E1BD2D086542}" type="slidenum">
+              <a:rPr lang="fr-FR" smtClean="0"/>
+              <a:t>8</a:t>
             </a:fld>
             <a:endParaRPr lang="fr-FR"/>
           </a:p>
@@ -3055,6 +3602,180 @@
     <p:extLst>
       <p:ext uri="{BB962C8B-B14F-4D97-AF65-F5344CB8AC3E}">
         <p14:creationId xmlns:p14="http://schemas.microsoft.com/office/powerpoint/2010/main" val="1266625109"/>
+      </p:ext>
+    </p:extLst>
+  </p:cSld>
+  <p:clrMapOvr>
+    <a:masterClrMapping/>
+  </p:clrMapOvr>
+</p:notes>
+</file>
+
+<file path=ppt/notesSlides/notesSlide4.xml><?xml version="1.0" encoding="utf-8"?>
+<p:notes xmlns:a="http://schemas.openxmlformats.org/drawingml/2006/main" xmlns:r="http://schemas.openxmlformats.org/officeDocument/2006/relationships" xmlns:p="http://schemas.openxmlformats.org/presentationml/2006/main">
+  <p:cSld>
+    <p:spTree>
+      <p:nvGrpSpPr>
+        <p:cNvPr id="1" name=""/>
+        <p:cNvGrpSpPr/>
+        <p:nvPr/>
+      </p:nvGrpSpPr>
+      <p:grpSpPr>
+        <a:xfrm>
+          <a:off x="0" y="0"/>
+          <a:ext cx="0" cy="0"/>
+          <a:chOff x="0" y="0"/>
+          <a:chExt cx="0" cy="0"/>
+        </a:xfrm>
+      </p:grpSpPr>
+      <p:sp>
+        <p:nvSpPr>
+          <p:cNvPr id="2" name="Slide Image Placeholder 1"/>
+          <p:cNvSpPr>
+            <a:spLocks noGrp="1" noRot="1" noChangeAspect="1"/>
+          </p:cNvSpPr>
+          <p:nvPr>
+            <p:ph type="sldImg"/>
+          </p:nvPr>
+        </p:nvSpPr>
+        <p:spPr/>
+      </p:sp>
+      <p:sp>
+        <p:nvSpPr>
+          <p:cNvPr id="3" name="Notes Placeholder 2"/>
+          <p:cNvSpPr>
+            <a:spLocks noGrp="1"/>
+          </p:cNvSpPr>
+          <p:nvPr>
+            <p:ph type="body" idx="1"/>
+          </p:nvPr>
+        </p:nvSpPr>
+        <p:spPr/>
+        <p:txBody>
+          <a:bodyPr/>
+          <a:lstStyle/>
+          <a:p>
+            <a:r>
+              <a:rPr lang="en-CA" dirty="0"/>
+              <a:t>https://www.google.com/url?sa=i&amp;url=https%3A%2F%2Fcourses.csail.mit.edu%2F6.S194%2F13%2Flessons%2F03-git%2Fgit-commands-and-metaphors.html&amp;psig=AOvVaw0eLwNte0CymnSwNKJIL7Zi&amp;ust=1654357234965000&amp;source=images&amp;cd=vfe&amp;ved=0CAwQjRxqFwoTCLifgozPkfgCFQAAAAAdAAAAABAk </a:t>
+            </a:r>
+          </a:p>
+          <a:p>
+            <a:endParaRPr lang="en-CA" dirty="0"/>
+          </a:p>
+        </p:txBody>
+      </p:sp>
+      <p:sp>
+        <p:nvSpPr>
+          <p:cNvPr id="4" name="Slide Number Placeholder 3"/>
+          <p:cNvSpPr>
+            <a:spLocks noGrp="1"/>
+          </p:cNvSpPr>
+          <p:nvPr>
+            <p:ph type="sldNum" sz="quarter" idx="5"/>
+          </p:nvPr>
+        </p:nvSpPr>
+        <p:spPr/>
+        <p:txBody>
+          <a:bodyPr/>
+          <a:lstStyle/>
+          <a:p>
+            <a:fld id="{DACBD60B-517C-4242-AE46-E1BD2D086542}" type="slidenum">
+              <a:rPr lang="fr-FR" smtClean="0"/>
+              <a:t>10</a:t>
+            </a:fld>
+            <a:endParaRPr lang="fr-FR"/>
+          </a:p>
+        </p:txBody>
+      </p:sp>
+    </p:spTree>
+    <p:extLst>
+      <p:ext uri="{BB962C8B-B14F-4D97-AF65-F5344CB8AC3E}">
+        <p14:creationId xmlns:p14="http://schemas.microsoft.com/office/powerpoint/2010/main" val="4288292401"/>
+      </p:ext>
+    </p:extLst>
+  </p:cSld>
+  <p:clrMapOvr>
+    <a:masterClrMapping/>
+  </p:clrMapOvr>
+</p:notes>
+</file>
+
+<file path=ppt/notesSlides/notesSlide5.xml><?xml version="1.0" encoding="utf-8"?>
+<p:notes xmlns:a="http://schemas.openxmlformats.org/drawingml/2006/main" xmlns:r="http://schemas.openxmlformats.org/officeDocument/2006/relationships" xmlns:p="http://schemas.openxmlformats.org/presentationml/2006/main">
+  <p:cSld>
+    <p:spTree>
+      <p:nvGrpSpPr>
+        <p:cNvPr id="1" name=""/>
+        <p:cNvGrpSpPr/>
+        <p:nvPr/>
+      </p:nvGrpSpPr>
+      <p:grpSpPr>
+        <a:xfrm>
+          <a:off x="0" y="0"/>
+          <a:ext cx="0" cy="0"/>
+          <a:chOff x="0" y="0"/>
+          <a:chExt cx="0" cy="0"/>
+        </a:xfrm>
+      </p:grpSpPr>
+      <p:sp>
+        <p:nvSpPr>
+          <p:cNvPr id="2" name="Slide Image Placeholder 1"/>
+          <p:cNvSpPr>
+            <a:spLocks noGrp="1" noRot="1" noChangeAspect="1"/>
+          </p:cNvSpPr>
+          <p:nvPr>
+            <p:ph type="sldImg"/>
+          </p:nvPr>
+        </p:nvSpPr>
+        <p:spPr/>
+      </p:sp>
+      <p:sp>
+        <p:nvSpPr>
+          <p:cNvPr id="3" name="Notes Placeholder 2"/>
+          <p:cNvSpPr>
+            <a:spLocks noGrp="1"/>
+          </p:cNvSpPr>
+          <p:nvPr>
+            <p:ph type="body" idx="1"/>
+          </p:nvPr>
+        </p:nvSpPr>
+        <p:spPr/>
+        <p:txBody>
+          <a:bodyPr/>
+          <a:lstStyle/>
+          <a:p>
+            <a:endParaRPr lang="en-CA" dirty="0"/>
+          </a:p>
+        </p:txBody>
+      </p:sp>
+      <p:sp>
+        <p:nvSpPr>
+          <p:cNvPr id="4" name="Slide Number Placeholder 3"/>
+          <p:cNvSpPr>
+            <a:spLocks noGrp="1"/>
+          </p:cNvSpPr>
+          <p:nvPr>
+            <p:ph type="sldNum" sz="quarter" idx="5"/>
+          </p:nvPr>
+        </p:nvSpPr>
+        <p:spPr/>
+        <p:txBody>
+          <a:bodyPr/>
+          <a:lstStyle/>
+          <a:p>
+            <a:fld id="{DACBD60B-517C-4242-AE46-E1BD2D086542}" type="slidenum">
+              <a:rPr lang="fr-FR" smtClean="0"/>
+              <a:t>12</a:t>
+            </a:fld>
+            <a:endParaRPr lang="fr-FR"/>
+          </a:p>
+        </p:txBody>
+      </p:sp>
+    </p:spTree>
+    <p:extLst>
+      <p:ext uri="{BB962C8B-B14F-4D97-AF65-F5344CB8AC3E}">
+        <p14:creationId xmlns:p14="http://schemas.microsoft.com/office/powerpoint/2010/main" val="2189421525"/>
       </p:ext>
     </p:extLst>
   </p:cSld>
@@ -7543,6 +8264,970 @@
       </p:grpSpPr>
       <p:sp>
         <p:nvSpPr>
+          <p:cNvPr id="2" name="Text Placeholder 1">
+            <a:extLst>
+              <a:ext uri="{FF2B5EF4-FFF2-40B4-BE49-F238E27FC236}">
+                <a16:creationId xmlns:a16="http://schemas.microsoft.com/office/drawing/2014/main" id="{C724517E-9288-0D5B-A398-F1132CA83813}"/>
+              </a:ext>
+            </a:extLst>
+          </p:cNvPr>
+          <p:cNvSpPr>
+            <a:spLocks noGrp="1"/>
+          </p:cNvSpPr>
+          <p:nvPr>
+            <p:ph type="body" sz="quarter" idx="10"/>
+          </p:nvPr>
+        </p:nvSpPr>
+        <p:spPr/>
+        <p:txBody>
+          <a:bodyPr/>
+          <a:lstStyle/>
+          <a:p>
+            <a:pPr marL="0" indent="0">
+              <a:buNone/>
+            </a:pPr>
+            <a:r>
+              <a:rPr lang="en-CA" b="1" dirty="0"/>
+              <a:t>Git Pipeline</a:t>
+            </a:r>
+          </a:p>
+        </p:txBody>
+      </p:sp>
+      <p:sp>
+        <p:nvSpPr>
+          <p:cNvPr id="3" name="Rectangle 2">
+            <a:extLst>
+              <a:ext uri="{FF2B5EF4-FFF2-40B4-BE49-F238E27FC236}">
+                <a16:creationId xmlns:a16="http://schemas.microsoft.com/office/drawing/2014/main" id="{35B5204A-66E1-62C8-EAFB-D6CACFA36AAC}"/>
+              </a:ext>
+            </a:extLst>
+          </p:cNvPr>
+          <p:cNvSpPr/>
+          <p:nvPr/>
+        </p:nvSpPr>
+        <p:spPr>
+          <a:xfrm>
+            <a:off x="600012" y="3878143"/>
+            <a:ext cx="1565880" cy="1024847"/>
+          </a:xfrm>
+          <a:prstGeom prst="rect">
+            <a:avLst/>
+          </a:prstGeom>
+          <a:solidFill>
+            <a:schemeClr val="accent2"/>
+          </a:solidFill>
+        </p:spPr>
+        <p:style>
+          <a:lnRef idx="2">
+            <a:schemeClr val="accent1">
+              <a:shade val="50000"/>
+            </a:schemeClr>
+          </a:lnRef>
+          <a:fillRef idx="1">
+            <a:schemeClr val="accent1"/>
+          </a:fillRef>
+          <a:effectRef idx="0">
+            <a:schemeClr val="accent1"/>
+          </a:effectRef>
+          <a:fontRef idx="minor">
+            <a:schemeClr val="lt1"/>
+          </a:fontRef>
+        </p:style>
+        <p:txBody>
+          <a:bodyPr rtlCol="0" anchor="ctr"/>
+          <a:lstStyle/>
+          <a:p>
+            <a:pPr algn="ctr"/>
+            <a:r>
+              <a:rPr lang="en-CA" dirty="0"/>
+              <a:t>Code.py</a:t>
+            </a:r>
+          </a:p>
+          <a:p>
+            <a:pPr algn="ctr"/>
+            <a:r>
+              <a:rPr lang="en-CA" dirty="0"/>
+              <a:t>*New*</a:t>
+            </a:r>
+          </a:p>
+        </p:txBody>
+      </p:sp>
+      <p:sp>
+        <p:nvSpPr>
+          <p:cNvPr id="6" name="Rectangle 5">
+            <a:extLst>
+              <a:ext uri="{FF2B5EF4-FFF2-40B4-BE49-F238E27FC236}">
+                <a16:creationId xmlns:a16="http://schemas.microsoft.com/office/drawing/2014/main" id="{59063E20-C471-E6A4-893C-741C85778811}"/>
+              </a:ext>
+            </a:extLst>
+          </p:cNvPr>
+          <p:cNvSpPr/>
+          <p:nvPr/>
+        </p:nvSpPr>
+        <p:spPr>
+          <a:xfrm>
+            <a:off x="600012" y="2155578"/>
+            <a:ext cx="1565880" cy="1024847"/>
+          </a:xfrm>
+          <a:prstGeom prst="rect">
+            <a:avLst/>
+          </a:prstGeom>
+          <a:solidFill>
+            <a:schemeClr val="accent2"/>
+          </a:solidFill>
+        </p:spPr>
+        <p:style>
+          <a:lnRef idx="2">
+            <a:schemeClr val="accent1">
+              <a:shade val="50000"/>
+            </a:schemeClr>
+          </a:lnRef>
+          <a:fillRef idx="1">
+            <a:schemeClr val="accent1"/>
+          </a:fillRef>
+          <a:effectRef idx="0">
+            <a:schemeClr val="accent1"/>
+          </a:effectRef>
+          <a:fontRef idx="minor">
+            <a:schemeClr val="lt1"/>
+          </a:fontRef>
+        </p:style>
+        <p:txBody>
+          <a:bodyPr rtlCol="0" anchor="ctr"/>
+          <a:lstStyle/>
+          <a:p>
+            <a:pPr algn="ctr"/>
+            <a:r>
+              <a:rPr lang="en-CA" b="1" dirty="0"/>
+              <a:t>Working</a:t>
+            </a:r>
+          </a:p>
+          <a:p>
+            <a:pPr algn="ctr"/>
+            <a:r>
+              <a:rPr lang="en-CA" b="1" dirty="0"/>
+              <a:t>Directory</a:t>
+            </a:r>
+          </a:p>
+        </p:txBody>
+      </p:sp>
+      <p:sp>
+        <p:nvSpPr>
+          <p:cNvPr id="7" name="Rectangle 6">
+            <a:extLst>
+              <a:ext uri="{FF2B5EF4-FFF2-40B4-BE49-F238E27FC236}">
+                <a16:creationId xmlns:a16="http://schemas.microsoft.com/office/drawing/2014/main" id="{5A45FE41-7FD6-2410-5D0A-D65DA926925D}"/>
+              </a:ext>
+            </a:extLst>
+          </p:cNvPr>
+          <p:cNvSpPr/>
+          <p:nvPr/>
+        </p:nvSpPr>
+        <p:spPr>
+          <a:xfrm>
+            <a:off x="3788803" y="2151940"/>
+            <a:ext cx="1565880" cy="1024847"/>
+          </a:xfrm>
+          <a:prstGeom prst="rect">
+            <a:avLst/>
+          </a:prstGeom>
+          <a:solidFill>
+            <a:schemeClr val="accent2"/>
+          </a:solidFill>
+        </p:spPr>
+        <p:style>
+          <a:lnRef idx="2">
+            <a:schemeClr val="accent1">
+              <a:shade val="50000"/>
+            </a:schemeClr>
+          </a:lnRef>
+          <a:fillRef idx="1">
+            <a:schemeClr val="accent1"/>
+          </a:fillRef>
+          <a:effectRef idx="0">
+            <a:schemeClr val="accent1"/>
+          </a:effectRef>
+          <a:fontRef idx="minor">
+            <a:schemeClr val="lt1"/>
+          </a:fontRef>
+        </p:style>
+        <p:txBody>
+          <a:bodyPr rtlCol="0" anchor="ctr"/>
+          <a:lstStyle/>
+          <a:p>
+            <a:pPr algn="ctr"/>
+            <a:r>
+              <a:rPr lang="en-CA" b="1" dirty="0"/>
+              <a:t>Staging</a:t>
+            </a:r>
+          </a:p>
+          <a:p>
+            <a:pPr algn="ctr"/>
+            <a:r>
+              <a:rPr lang="en-CA" b="1" dirty="0"/>
+              <a:t>Area</a:t>
+            </a:r>
+          </a:p>
+        </p:txBody>
+      </p:sp>
+      <p:sp>
+        <p:nvSpPr>
+          <p:cNvPr id="8" name="Rectangle 7">
+            <a:extLst>
+              <a:ext uri="{FF2B5EF4-FFF2-40B4-BE49-F238E27FC236}">
+                <a16:creationId xmlns:a16="http://schemas.microsoft.com/office/drawing/2014/main" id="{66C9CA37-FB16-4919-98B3-413C17773A2F}"/>
+              </a:ext>
+            </a:extLst>
+          </p:cNvPr>
+          <p:cNvSpPr/>
+          <p:nvPr/>
+        </p:nvSpPr>
+        <p:spPr>
+          <a:xfrm>
+            <a:off x="6978108" y="2151941"/>
+            <a:ext cx="1565880" cy="1024847"/>
+          </a:xfrm>
+          <a:prstGeom prst="rect">
+            <a:avLst/>
+          </a:prstGeom>
+          <a:solidFill>
+            <a:schemeClr val="accent2"/>
+          </a:solidFill>
+        </p:spPr>
+        <p:style>
+          <a:lnRef idx="2">
+            <a:schemeClr val="accent1">
+              <a:shade val="50000"/>
+            </a:schemeClr>
+          </a:lnRef>
+          <a:fillRef idx="1">
+            <a:schemeClr val="accent1"/>
+          </a:fillRef>
+          <a:effectRef idx="0">
+            <a:schemeClr val="accent1"/>
+          </a:effectRef>
+          <a:fontRef idx="minor">
+            <a:schemeClr val="lt1"/>
+          </a:fontRef>
+        </p:style>
+        <p:txBody>
+          <a:bodyPr rtlCol="0" anchor="ctr"/>
+          <a:lstStyle/>
+          <a:p>
+            <a:pPr algn="ctr"/>
+            <a:r>
+              <a:rPr lang="en-CA" b="1" dirty="0"/>
+              <a:t>Local Repository</a:t>
+            </a:r>
+          </a:p>
+        </p:txBody>
+      </p:sp>
+      <p:sp>
+        <p:nvSpPr>
+          <p:cNvPr id="11" name="Rectangle 10">
+            <a:extLst>
+              <a:ext uri="{FF2B5EF4-FFF2-40B4-BE49-F238E27FC236}">
+                <a16:creationId xmlns:a16="http://schemas.microsoft.com/office/drawing/2014/main" id="{471FD7C1-B59F-DE55-DA63-0372381F006F}"/>
+              </a:ext>
+            </a:extLst>
+          </p:cNvPr>
+          <p:cNvSpPr/>
+          <p:nvPr/>
+        </p:nvSpPr>
+        <p:spPr>
+          <a:xfrm>
+            <a:off x="3789060" y="3878143"/>
+            <a:ext cx="1565880" cy="1024847"/>
+          </a:xfrm>
+          <a:prstGeom prst="rect">
+            <a:avLst/>
+          </a:prstGeom>
+          <a:solidFill>
+            <a:schemeClr val="accent2"/>
+          </a:solidFill>
+        </p:spPr>
+        <p:style>
+          <a:lnRef idx="2">
+            <a:schemeClr val="accent1">
+              <a:shade val="50000"/>
+            </a:schemeClr>
+          </a:lnRef>
+          <a:fillRef idx="1">
+            <a:schemeClr val="accent1"/>
+          </a:fillRef>
+          <a:effectRef idx="0">
+            <a:schemeClr val="accent1"/>
+          </a:effectRef>
+          <a:fontRef idx="minor">
+            <a:schemeClr val="lt1"/>
+          </a:fontRef>
+        </p:style>
+        <p:txBody>
+          <a:bodyPr rtlCol="0" anchor="ctr"/>
+          <a:lstStyle/>
+          <a:p>
+            <a:pPr algn="ctr"/>
+            <a:r>
+              <a:rPr lang="en-CA" dirty="0"/>
+              <a:t>Code.py</a:t>
+            </a:r>
+          </a:p>
+          <a:p>
+            <a:pPr algn="ctr"/>
+            <a:r>
+              <a:rPr lang="en-CA" dirty="0"/>
+              <a:t>*New*</a:t>
+            </a:r>
+          </a:p>
+        </p:txBody>
+      </p:sp>
+      <p:sp>
+        <p:nvSpPr>
+          <p:cNvPr id="12" name="Rectangle 11">
+            <a:extLst>
+              <a:ext uri="{FF2B5EF4-FFF2-40B4-BE49-F238E27FC236}">
+                <a16:creationId xmlns:a16="http://schemas.microsoft.com/office/drawing/2014/main" id="{92B0E22C-CDF6-915B-605D-C2DE1D234A16}"/>
+              </a:ext>
+            </a:extLst>
+          </p:cNvPr>
+          <p:cNvSpPr/>
+          <p:nvPr/>
+        </p:nvSpPr>
+        <p:spPr>
+          <a:xfrm>
+            <a:off x="6978108" y="3878141"/>
+            <a:ext cx="1565880" cy="1024847"/>
+          </a:xfrm>
+          <a:prstGeom prst="rect">
+            <a:avLst/>
+          </a:prstGeom>
+          <a:solidFill>
+            <a:schemeClr val="accent2"/>
+          </a:solidFill>
+        </p:spPr>
+        <p:style>
+          <a:lnRef idx="2">
+            <a:schemeClr val="accent1">
+              <a:shade val="50000"/>
+            </a:schemeClr>
+          </a:lnRef>
+          <a:fillRef idx="1">
+            <a:schemeClr val="accent1"/>
+          </a:fillRef>
+          <a:effectRef idx="0">
+            <a:schemeClr val="accent1"/>
+          </a:effectRef>
+          <a:fontRef idx="minor">
+            <a:schemeClr val="lt1"/>
+          </a:fontRef>
+        </p:style>
+        <p:txBody>
+          <a:bodyPr rtlCol="0" anchor="ctr"/>
+          <a:lstStyle/>
+          <a:p>
+            <a:pPr algn="ctr"/>
+            <a:r>
+              <a:rPr lang="en-CA" dirty="0"/>
+              <a:t>Code.py</a:t>
+            </a:r>
+          </a:p>
+          <a:p>
+            <a:pPr algn="ctr"/>
+            <a:r>
+              <a:rPr lang="en-CA" dirty="0"/>
+              <a:t>*New*</a:t>
+            </a:r>
+          </a:p>
+        </p:txBody>
+      </p:sp>
+      <p:sp>
+        <p:nvSpPr>
+          <p:cNvPr id="13" name="Rectangle 12">
+            <a:extLst>
+              <a:ext uri="{FF2B5EF4-FFF2-40B4-BE49-F238E27FC236}">
+                <a16:creationId xmlns:a16="http://schemas.microsoft.com/office/drawing/2014/main" id="{14C34AF6-5463-43B7-5722-F40A51B94DA7}"/>
+              </a:ext>
+            </a:extLst>
+          </p:cNvPr>
+          <p:cNvSpPr/>
+          <p:nvPr/>
+        </p:nvSpPr>
+        <p:spPr>
+          <a:xfrm>
+            <a:off x="600012" y="5066730"/>
+            <a:ext cx="1565880" cy="1024847"/>
+          </a:xfrm>
+          <a:prstGeom prst="rect">
+            <a:avLst/>
+          </a:prstGeom>
+          <a:solidFill>
+            <a:schemeClr val="accent2"/>
+          </a:solidFill>
+        </p:spPr>
+        <p:style>
+          <a:lnRef idx="2">
+            <a:schemeClr val="accent1">
+              <a:shade val="50000"/>
+            </a:schemeClr>
+          </a:lnRef>
+          <a:fillRef idx="1">
+            <a:schemeClr val="accent1"/>
+          </a:fillRef>
+          <a:effectRef idx="0">
+            <a:schemeClr val="accent1"/>
+          </a:effectRef>
+          <a:fontRef idx="minor">
+            <a:schemeClr val="lt1"/>
+          </a:fontRef>
+        </p:style>
+        <p:txBody>
+          <a:bodyPr rtlCol="0" anchor="ctr"/>
+          <a:lstStyle/>
+          <a:p>
+            <a:pPr algn="ctr"/>
+            <a:r>
+              <a:rPr lang="en-CA" dirty="0"/>
+              <a:t>Code.py</a:t>
+            </a:r>
+          </a:p>
+          <a:p>
+            <a:pPr algn="ctr"/>
+            <a:r>
+              <a:rPr lang="en-CA" dirty="0"/>
+              <a:t>*Modified*</a:t>
+            </a:r>
+          </a:p>
+        </p:txBody>
+      </p:sp>
+      <p:sp>
+        <p:nvSpPr>
+          <p:cNvPr id="14" name="Rectangle 13">
+            <a:extLst>
+              <a:ext uri="{FF2B5EF4-FFF2-40B4-BE49-F238E27FC236}">
+                <a16:creationId xmlns:a16="http://schemas.microsoft.com/office/drawing/2014/main" id="{F5265DF6-BB88-2ADD-ECE3-C93B8404A07D}"/>
+              </a:ext>
+            </a:extLst>
+          </p:cNvPr>
+          <p:cNvSpPr/>
+          <p:nvPr/>
+        </p:nvSpPr>
+        <p:spPr>
+          <a:xfrm>
+            <a:off x="6978108" y="5115640"/>
+            <a:ext cx="1565880" cy="1024847"/>
+          </a:xfrm>
+          <a:prstGeom prst="rect">
+            <a:avLst/>
+          </a:prstGeom>
+          <a:solidFill>
+            <a:schemeClr val="accent2"/>
+          </a:solidFill>
+        </p:spPr>
+        <p:style>
+          <a:lnRef idx="2">
+            <a:schemeClr val="accent1">
+              <a:shade val="50000"/>
+            </a:schemeClr>
+          </a:lnRef>
+          <a:fillRef idx="1">
+            <a:schemeClr val="accent1"/>
+          </a:fillRef>
+          <a:effectRef idx="0">
+            <a:schemeClr val="accent1"/>
+          </a:effectRef>
+          <a:fontRef idx="minor">
+            <a:schemeClr val="lt1"/>
+          </a:fontRef>
+        </p:style>
+        <p:txBody>
+          <a:bodyPr rtlCol="0" anchor="ctr"/>
+          <a:lstStyle/>
+          <a:p>
+            <a:pPr algn="ctr"/>
+            <a:r>
+              <a:rPr lang="en-CA" dirty="0"/>
+              <a:t>Code.py</a:t>
+            </a:r>
+          </a:p>
+          <a:p>
+            <a:pPr algn="ctr"/>
+            <a:r>
+              <a:rPr lang="en-CA" dirty="0"/>
+              <a:t>*Modified*</a:t>
+            </a:r>
+          </a:p>
+        </p:txBody>
+      </p:sp>
+      <p:sp>
+        <p:nvSpPr>
+          <p:cNvPr id="15" name="Rectangle 14">
+            <a:extLst>
+              <a:ext uri="{FF2B5EF4-FFF2-40B4-BE49-F238E27FC236}">
+                <a16:creationId xmlns:a16="http://schemas.microsoft.com/office/drawing/2014/main" id="{F6CFCD23-A970-B5C3-F585-5A5FDE41E3D2}"/>
+              </a:ext>
+            </a:extLst>
+          </p:cNvPr>
+          <p:cNvSpPr/>
+          <p:nvPr/>
+        </p:nvSpPr>
+        <p:spPr>
+          <a:xfrm>
+            <a:off x="3789060" y="5115641"/>
+            <a:ext cx="1565880" cy="1024847"/>
+          </a:xfrm>
+          <a:prstGeom prst="rect">
+            <a:avLst/>
+          </a:prstGeom>
+          <a:solidFill>
+            <a:schemeClr val="accent2"/>
+          </a:solidFill>
+        </p:spPr>
+        <p:style>
+          <a:lnRef idx="2">
+            <a:schemeClr val="accent1">
+              <a:shade val="50000"/>
+            </a:schemeClr>
+          </a:lnRef>
+          <a:fillRef idx="1">
+            <a:schemeClr val="accent1"/>
+          </a:fillRef>
+          <a:effectRef idx="0">
+            <a:schemeClr val="accent1"/>
+          </a:effectRef>
+          <a:fontRef idx="minor">
+            <a:schemeClr val="lt1"/>
+          </a:fontRef>
+        </p:style>
+        <p:txBody>
+          <a:bodyPr rtlCol="0" anchor="ctr"/>
+          <a:lstStyle/>
+          <a:p>
+            <a:pPr algn="ctr"/>
+            <a:r>
+              <a:rPr lang="en-CA" dirty="0"/>
+              <a:t>Code.py</a:t>
+            </a:r>
+          </a:p>
+          <a:p>
+            <a:pPr algn="ctr"/>
+            <a:r>
+              <a:rPr lang="en-CA" dirty="0"/>
+              <a:t>*Modified*</a:t>
+            </a:r>
+          </a:p>
+        </p:txBody>
+      </p:sp>
+      <p:sp>
+        <p:nvSpPr>
+          <p:cNvPr id="10" name="Arrow: Right 9">
+            <a:extLst>
+              <a:ext uri="{FF2B5EF4-FFF2-40B4-BE49-F238E27FC236}">
+                <a16:creationId xmlns:a16="http://schemas.microsoft.com/office/drawing/2014/main" id="{C8769D43-4669-3B84-477C-F0D71B240CF0}"/>
+              </a:ext>
+            </a:extLst>
+          </p:cNvPr>
+          <p:cNvSpPr/>
+          <p:nvPr/>
+        </p:nvSpPr>
+        <p:spPr>
+          <a:xfrm>
+            <a:off x="2352782" y="2337944"/>
+            <a:ext cx="1161613" cy="544530"/>
+          </a:xfrm>
+          <a:prstGeom prst="rightArrow">
+            <a:avLst/>
+          </a:prstGeom>
+        </p:spPr>
+        <p:style>
+          <a:lnRef idx="2">
+            <a:schemeClr val="accent1">
+              <a:shade val="50000"/>
+            </a:schemeClr>
+          </a:lnRef>
+          <a:fillRef idx="1">
+            <a:schemeClr val="accent1"/>
+          </a:fillRef>
+          <a:effectRef idx="0">
+            <a:schemeClr val="accent1"/>
+          </a:effectRef>
+          <a:fontRef idx="minor">
+            <a:schemeClr val="lt1"/>
+          </a:fontRef>
+        </p:style>
+        <p:txBody>
+          <a:bodyPr rtlCol="0" anchor="ctr"/>
+          <a:lstStyle/>
+          <a:p>
+            <a:pPr algn="ctr"/>
+            <a:r>
+              <a:rPr lang="en-CA" dirty="0"/>
+              <a:t>Add</a:t>
+            </a:r>
+          </a:p>
+        </p:txBody>
+      </p:sp>
+      <p:sp>
+        <p:nvSpPr>
+          <p:cNvPr id="17" name="Arrow: Right 16">
+            <a:extLst>
+              <a:ext uri="{FF2B5EF4-FFF2-40B4-BE49-F238E27FC236}">
+                <a16:creationId xmlns:a16="http://schemas.microsoft.com/office/drawing/2014/main" id="{634615A0-A3AE-2822-490B-44861A4DC53D}"/>
+              </a:ext>
+            </a:extLst>
+          </p:cNvPr>
+          <p:cNvSpPr/>
+          <p:nvPr/>
+        </p:nvSpPr>
+        <p:spPr>
+          <a:xfrm>
+            <a:off x="5712323" y="2337944"/>
+            <a:ext cx="1161613" cy="544530"/>
+          </a:xfrm>
+          <a:prstGeom prst="rightArrow">
+            <a:avLst/>
+          </a:prstGeom>
+        </p:spPr>
+        <p:style>
+          <a:lnRef idx="2">
+            <a:schemeClr val="accent1">
+              <a:shade val="50000"/>
+            </a:schemeClr>
+          </a:lnRef>
+          <a:fillRef idx="1">
+            <a:schemeClr val="accent1"/>
+          </a:fillRef>
+          <a:effectRef idx="0">
+            <a:schemeClr val="accent1"/>
+          </a:effectRef>
+          <a:fontRef idx="minor">
+            <a:schemeClr val="lt1"/>
+          </a:fontRef>
+        </p:style>
+        <p:txBody>
+          <a:bodyPr rtlCol="0" anchor="ctr"/>
+          <a:lstStyle/>
+          <a:p>
+            <a:pPr algn="ctr"/>
+            <a:r>
+              <a:rPr lang="en-CA" dirty="0"/>
+              <a:t>Commit</a:t>
+            </a:r>
+          </a:p>
+        </p:txBody>
+      </p:sp>
+      <p:sp>
+        <p:nvSpPr>
+          <p:cNvPr id="4" name="Left Brace 3">
+            <a:extLst>
+              <a:ext uri="{FF2B5EF4-FFF2-40B4-BE49-F238E27FC236}">
+                <a16:creationId xmlns:a16="http://schemas.microsoft.com/office/drawing/2014/main" id="{7813187B-9A62-B21D-518D-1C283C5021A3}"/>
+              </a:ext>
+            </a:extLst>
+          </p:cNvPr>
+          <p:cNvSpPr/>
+          <p:nvPr/>
+        </p:nvSpPr>
+        <p:spPr>
+          <a:xfrm rot="5400000">
+            <a:off x="5751984" y="45761"/>
+            <a:ext cx="478098" cy="3593561"/>
+          </a:xfrm>
+          <a:prstGeom prst="leftBrace">
+            <a:avLst/>
+          </a:prstGeom>
+        </p:spPr>
+        <p:style>
+          <a:lnRef idx="1">
+            <a:schemeClr val="accent1"/>
+          </a:lnRef>
+          <a:fillRef idx="0">
+            <a:schemeClr val="accent1"/>
+          </a:fillRef>
+          <a:effectRef idx="0">
+            <a:schemeClr val="accent1"/>
+          </a:effectRef>
+          <a:fontRef idx="minor">
+            <a:schemeClr val="tx1"/>
+          </a:fontRef>
+        </p:style>
+        <p:txBody>
+          <a:bodyPr rtlCol="0" anchor="ctr"/>
+          <a:lstStyle/>
+          <a:p>
+            <a:pPr algn="ctr"/>
+            <a:endParaRPr lang="en-CA"/>
+          </a:p>
+        </p:txBody>
+      </p:sp>
+      <p:sp>
+        <p:nvSpPr>
+          <p:cNvPr id="5" name="TextBox 4">
+            <a:extLst>
+              <a:ext uri="{FF2B5EF4-FFF2-40B4-BE49-F238E27FC236}">
+                <a16:creationId xmlns:a16="http://schemas.microsoft.com/office/drawing/2014/main" id="{8FE610B5-513F-26CD-F15D-33D9A0F742C4}"/>
+              </a:ext>
+            </a:extLst>
+          </p:cNvPr>
+          <p:cNvSpPr txBox="1"/>
+          <p:nvPr/>
+        </p:nvSpPr>
+        <p:spPr>
+          <a:xfrm>
+            <a:off x="5219272" y="1304818"/>
+            <a:ext cx="1654664" cy="369460"/>
+          </a:xfrm>
+          <a:prstGeom prst="rect">
+            <a:avLst/>
+          </a:prstGeom>
+          <a:noFill/>
+        </p:spPr>
+        <p:txBody>
+          <a:bodyPr wrap="square" rtlCol="0">
+            <a:spAutoFit/>
+          </a:bodyPr>
+          <a:lstStyle/>
+          <a:p>
+            <a:r>
+              <a:rPr lang="en-CA" dirty="0"/>
+              <a:t>Git Repository</a:t>
+            </a:r>
+          </a:p>
+        </p:txBody>
+      </p:sp>
+    </p:spTree>
+    <p:extLst>
+      <p:ext uri="{BB962C8B-B14F-4D97-AF65-F5344CB8AC3E}">
+        <p14:creationId xmlns:p14="http://schemas.microsoft.com/office/powerpoint/2010/main" val="620605204"/>
+      </p:ext>
+    </p:extLst>
+  </p:cSld>
+  <p:clrMapOvr>
+    <a:masterClrMapping/>
+  </p:clrMapOvr>
+</p:sld>
+</file>
+
+<file path=ppt/slides/slide11.xml><?xml version="1.0" encoding="utf-8"?>
+<p:sld xmlns:a="http://schemas.openxmlformats.org/drawingml/2006/main" xmlns:r="http://schemas.openxmlformats.org/officeDocument/2006/relationships" xmlns:p="http://schemas.openxmlformats.org/presentationml/2006/main">
+  <p:cSld>
+    <p:spTree>
+      <p:nvGrpSpPr>
+        <p:cNvPr id="1" name=""/>
+        <p:cNvGrpSpPr/>
+        <p:nvPr/>
+      </p:nvGrpSpPr>
+      <p:grpSpPr>
+        <a:xfrm>
+          <a:off x="0" y="0"/>
+          <a:ext cx="0" cy="0"/>
+          <a:chOff x="0" y="0"/>
+          <a:chExt cx="0" cy="0"/>
+        </a:xfrm>
+      </p:grpSpPr>
+      <p:sp>
+        <p:nvSpPr>
+          <p:cNvPr id="2" name="Text Placeholder 1">
+            <a:extLst>
+              <a:ext uri="{FF2B5EF4-FFF2-40B4-BE49-F238E27FC236}">
+                <a16:creationId xmlns:a16="http://schemas.microsoft.com/office/drawing/2014/main" id="{C052F807-4076-1CCF-60AC-69BCD2022AFA}"/>
+              </a:ext>
+            </a:extLst>
+          </p:cNvPr>
+          <p:cNvSpPr>
+            <a:spLocks noGrp="1"/>
+          </p:cNvSpPr>
+          <p:nvPr>
+            <p:ph type="body" sz="quarter" idx="10"/>
+          </p:nvPr>
+        </p:nvSpPr>
+        <p:spPr/>
+        <p:txBody>
+          <a:bodyPr/>
+          <a:lstStyle/>
+          <a:p>
+            <a:endParaRPr lang="en-CA"/>
+          </a:p>
+        </p:txBody>
+      </p:sp>
+      <p:pic>
+        <p:nvPicPr>
+          <p:cNvPr id="3" name="Picture 2" descr="Git Commands and Metaphors">
+            <a:extLst>
+              <a:ext uri="{FF2B5EF4-FFF2-40B4-BE49-F238E27FC236}">
+                <a16:creationId xmlns:a16="http://schemas.microsoft.com/office/drawing/2014/main" id="{1F3C9EEE-5036-453D-03F9-6B699269ACD2}"/>
+              </a:ext>
+            </a:extLst>
+          </p:cNvPr>
+          <p:cNvPicPr>
+            <a:picLocks noChangeAspect="1" noChangeArrowheads="1"/>
+          </p:cNvPicPr>
+          <p:nvPr/>
+        </p:nvPicPr>
+        <p:blipFill>
+          <a:blip r:embed="rId2">
+            <a:extLst>
+              <a:ext uri="{28A0092B-C50C-407E-A947-70E740481C1C}">
+                <a14:useLocalDpi xmlns:a14="http://schemas.microsoft.com/office/drawing/2010/main" val="0"/>
+              </a:ext>
+            </a:extLst>
+          </a:blip>
+          <a:srcRect/>
+          <a:stretch>
+            <a:fillRect/>
+          </a:stretch>
+        </p:blipFill>
+        <p:spPr bwMode="auto">
+          <a:xfrm>
+            <a:off x="1145131" y="1169990"/>
+            <a:ext cx="6073816" cy="5091528"/>
+          </a:xfrm>
+          <a:prstGeom prst="rect">
+            <a:avLst/>
+          </a:prstGeom>
+          <a:noFill/>
+          <a:extLst>
+            <a:ext uri="{909E8E84-426E-40DD-AFC4-6F175D3DCCD1}">
+              <a14:hiddenFill xmlns:a14="http://schemas.microsoft.com/office/drawing/2010/main">
+                <a:solidFill>
+                  <a:srgbClr val="FFFFFF"/>
+                </a:solidFill>
+              </a14:hiddenFill>
+            </a:ext>
+          </a:extLst>
+        </p:spPr>
+      </p:pic>
+    </p:spTree>
+    <p:extLst>
+      <p:ext uri="{BB962C8B-B14F-4D97-AF65-F5344CB8AC3E}">
+        <p14:creationId xmlns:p14="http://schemas.microsoft.com/office/powerpoint/2010/main" val="2134293922"/>
+      </p:ext>
+    </p:extLst>
+  </p:cSld>
+  <p:clrMapOvr>
+    <a:masterClrMapping/>
+  </p:clrMapOvr>
+</p:sld>
+</file>
+
+<file path=ppt/slides/slide12.xml><?xml version="1.0" encoding="utf-8"?>
+<p:sld xmlns:a="http://schemas.openxmlformats.org/drawingml/2006/main" xmlns:r="http://schemas.openxmlformats.org/officeDocument/2006/relationships" xmlns:p="http://schemas.openxmlformats.org/presentationml/2006/main">
+  <p:cSld>
+    <p:spTree>
+      <p:nvGrpSpPr>
+        <p:cNvPr id="1" name=""/>
+        <p:cNvGrpSpPr/>
+        <p:nvPr/>
+      </p:nvGrpSpPr>
+      <p:grpSpPr>
+        <a:xfrm>
+          <a:off x="0" y="0"/>
+          <a:ext cx="0" cy="0"/>
+          <a:chOff x="0" y="0"/>
+          <a:chExt cx="0" cy="0"/>
+        </a:xfrm>
+      </p:grpSpPr>
+      <p:sp>
+        <p:nvSpPr>
+          <p:cNvPr id="2" name="Text Placeholder 1">
+            <a:extLst>
+              <a:ext uri="{FF2B5EF4-FFF2-40B4-BE49-F238E27FC236}">
+                <a16:creationId xmlns:a16="http://schemas.microsoft.com/office/drawing/2014/main" id="{DDA2806D-35FE-24B5-F6B0-BC4E91E20B63}"/>
+              </a:ext>
+            </a:extLst>
+          </p:cNvPr>
+          <p:cNvSpPr>
+            <a:spLocks noGrp="1"/>
+          </p:cNvSpPr>
+          <p:nvPr>
+            <p:ph type="body" sz="quarter" idx="10"/>
+          </p:nvPr>
+        </p:nvSpPr>
+        <p:spPr/>
+        <p:txBody>
+          <a:bodyPr/>
+          <a:lstStyle/>
+          <a:p>
+            <a:pPr marL="0" indent="0">
+              <a:buNone/>
+            </a:pPr>
+            <a:r>
+              <a:rPr lang="en-CA" b="1" dirty="0"/>
+              <a:t>Summary</a:t>
+            </a:r>
+          </a:p>
+          <a:p>
+            <a:r>
+              <a:rPr lang="en-CA" dirty="0"/>
+              <a:t>Have to start tracking files after creating the git repository</a:t>
+            </a:r>
+          </a:p>
+          <a:p>
+            <a:r>
+              <a:rPr lang="en-CA" dirty="0"/>
+              <a:t>Untracked or modified files are first </a:t>
+            </a:r>
+            <a:r>
+              <a:rPr lang="en-CA" b="1" dirty="0"/>
+              <a:t>added </a:t>
+            </a:r>
+            <a:r>
+              <a:rPr lang="en-CA" dirty="0"/>
+              <a:t>to the </a:t>
+            </a:r>
+            <a:r>
+              <a:rPr lang="en-CA" b="1" dirty="0"/>
+              <a:t>staging area</a:t>
+            </a:r>
+            <a:endParaRPr lang="en-CA" dirty="0"/>
+          </a:p>
+          <a:p>
+            <a:r>
+              <a:rPr lang="en-CA" dirty="0"/>
+              <a:t>Changes that have been staged can then be </a:t>
+            </a:r>
+            <a:r>
+              <a:rPr lang="en-CA" b="1" dirty="0"/>
+              <a:t>committed </a:t>
+            </a:r>
+            <a:r>
+              <a:rPr lang="en-CA" dirty="0"/>
+              <a:t>to the local repository</a:t>
+            </a:r>
+          </a:p>
+        </p:txBody>
+      </p:sp>
+    </p:spTree>
+    <p:extLst>
+      <p:ext uri="{BB962C8B-B14F-4D97-AF65-F5344CB8AC3E}">
+        <p14:creationId xmlns:p14="http://schemas.microsoft.com/office/powerpoint/2010/main" val="607115465"/>
+      </p:ext>
+    </p:extLst>
+  </p:cSld>
+  <p:clrMapOvr>
+    <a:masterClrMapping/>
+  </p:clrMapOvr>
+</p:sld>
+</file>
+
+<file path=ppt/slides/slide13.xml><?xml version="1.0" encoding="utf-8"?>
+<p:sld xmlns:a="http://schemas.openxmlformats.org/drawingml/2006/main" xmlns:r="http://schemas.openxmlformats.org/officeDocument/2006/relationships" xmlns:p="http://schemas.openxmlformats.org/presentationml/2006/main">
+  <p:cSld>
+    <p:spTree>
+      <p:nvGrpSpPr>
+        <p:cNvPr id="1" name=""/>
+        <p:cNvGrpSpPr/>
+        <p:nvPr/>
+      </p:nvGrpSpPr>
+      <p:grpSpPr>
+        <a:xfrm>
+          <a:off x="0" y="0"/>
+          <a:ext cx="0" cy="0"/>
+          <a:chOff x="0" y="0"/>
+          <a:chExt cx="0" cy="0"/>
+        </a:xfrm>
+      </p:grpSpPr>
+      <p:sp>
+        <p:nvSpPr>
           <p:cNvPr id="2" name="Title 1">
             <a:extLst>
               <a:ext uri="{FF2B5EF4-FFF2-40B4-BE49-F238E27FC236}">
@@ -7564,7 +9249,187 @@
           <a:p>
             <a:r>
               <a:rPr lang="en-CA" dirty="0"/>
-              <a:t>Part II – Working on Local Projects</a:t>
+              <a:t>Part II – Basic Git Features</a:t>
+            </a:r>
+          </a:p>
+        </p:txBody>
+      </p:sp>
+    </p:spTree>
+    <p:extLst>
+      <p:ext uri="{BB962C8B-B14F-4D97-AF65-F5344CB8AC3E}">
+        <p14:creationId xmlns:p14="http://schemas.microsoft.com/office/powerpoint/2010/main" val="1442157030"/>
+      </p:ext>
+    </p:extLst>
+  </p:cSld>
+  <p:clrMapOvr>
+    <a:masterClrMapping/>
+  </p:clrMapOvr>
+</p:sld>
+</file>
+
+<file path=ppt/slides/slide14.xml><?xml version="1.0" encoding="utf-8"?>
+<p:sld xmlns:a="http://schemas.openxmlformats.org/drawingml/2006/main" xmlns:r="http://schemas.openxmlformats.org/officeDocument/2006/relationships" xmlns:p="http://schemas.openxmlformats.org/presentationml/2006/main">
+  <p:cSld>
+    <p:spTree>
+      <p:nvGrpSpPr>
+        <p:cNvPr id="1" name=""/>
+        <p:cNvGrpSpPr/>
+        <p:nvPr/>
+      </p:nvGrpSpPr>
+      <p:grpSpPr>
+        <a:xfrm>
+          <a:off x="0" y="0"/>
+          <a:ext cx="0" cy="0"/>
+          <a:chOff x="0" y="0"/>
+          <a:chExt cx="0" cy="0"/>
+        </a:xfrm>
+      </p:grpSpPr>
+      <p:sp>
+        <p:nvSpPr>
+          <p:cNvPr id="2" name="Text Placeholder 1">
+            <a:extLst>
+              <a:ext uri="{FF2B5EF4-FFF2-40B4-BE49-F238E27FC236}">
+                <a16:creationId xmlns:a16="http://schemas.microsoft.com/office/drawing/2014/main" id="{F30F071A-0450-8F6E-F28D-8124D7A90523}"/>
+              </a:ext>
+            </a:extLst>
+          </p:cNvPr>
+          <p:cNvSpPr>
+            <a:spLocks noGrp="1"/>
+          </p:cNvSpPr>
+          <p:nvPr>
+            <p:ph type="body" sz="quarter" idx="10"/>
+          </p:nvPr>
+        </p:nvSpPr>
+        <p:spPr/>
+        <p:txBody>
+          <a:bodyPr/>
+          <a:lstStyle/>
+          <a:p>
+            <a:pPr marL="0" indent="0">
+              <a:buNone/>
+            </a:pPr>
+            <a:r>
+              <a:rPr lang="en-CA" b="1" dirty="0"/>
+              <a:t>Activity #1 – Create and track a Text File with Git</a:t>
+            </a:r>
+          </a:p>
+        </p:txBody>
+      </p:sp>
+    </p:spTree>
+    <p:extLst>
+      <p:ext uri="{BB962C8B-B14F-4D97-AF65-F5344CB8AC3E}">
+        <p14:creationId xmlns:p14="http://schemas.microsoft.com/office/powerpoint/2010/main" val="634442937"/>
+      </p:ext>
+    </p:extLst>
+  </p:cSld>
+  <p:clrMapOvr>
+    <a:masterClrMapping/>
+  </p:clrMapOvr>
+</p:sld>
+</file>
+
+<file path=ppt/slides/slide15.xml><?xml version="1.0" encoding="utf-8"?>
+<p:sld xmlns:a="http://schemas.openxmlformats.org/drawingml/2006/main" xmlns:r="http://schemas.openxmlformats.org/officeDocument/2006/relationships" xmlns:p="http://schemas.openxmlformats.org/presentationml/2006/main">
+  <p:cSld>
+    <p:spTree>
+      <p:nvGrpSpPr>
+        <p:cNvPr id="1" name=""/>
+        <p:cNvGrpSpPr/>
+        <p:nvPr/>
+      </p:nvGrpSpPr>
+      <p:grpSpPr>
+        <a:xfrm>
+          <a:off x="0" y="0"/>
+          <a:ext cx="0" cy="0"/>
+          <a:chOff x="0" y="0"/>
+          <a:chExt cx="0" cy="0"/>
+        </a:xfrm>
+      </p:grpSpPr>
+      <p:sp>
+        <p:nvSpPr>
+          <p:cNvPr id="2" name="Text Placeholder 1">
+            <a:extLst>
+              <a:ext uri="{FF2B5EF4-FFF2-40B4-BE49-F238E27FC236}">
+                <a16:creationId xmlns:a16="http://schemas.microsoft.com/office/drawing/2014/main" id="{9C487D5F-FC03-68BB-A41E-18A16F477269}"/>
+              </a:ext>
+            </a:extLst>
+          </p:cNvPr>
+          <p:cNvSpPr>
+            <a:spLocks noGrp="1"/>
+          </p:cNvSpPr>
+          <p:nvPr>
+            <p:ph type="body" sz="quarter" idx="10"/>
+          </p:nvPr>
+        </p:nvSpPr>
+        <p:spPr/>
+        <p:txBody>
+          <a:bodyPr/>
+          <a:lstStyle/>
+          <a:p>
+            <a:pPr marL="0" indent="0">
+              <a:buNone/>
+            </a:pPr>
+            <a:r>
+              <a:rPr lang="en-CA" b="1" dirty="0"/>
+              <a:t>Poll #1</a:t>
+            </a:r>
+          </a:p>
+        </p:txBody>
+      </p:sp>
+    </p:spTree>
+    <p:extLst>
+      <p:ext uri="{BB962C8B-B14F-4D97-AF65-F5344CB8AC3E}">
+        <p14:creationId xmlns:p14="http://schemas.microsoft.com/office/powerpoint/2010/main" val="2565697555"/>
+      </p:ext>
+    </p:extLst>
+  </p:cSld>
+  <p:clrMapOvr>
+    <a:masterClrMapping/>
+  </p:clrMapOvr>
+</p:sld>
+</file>
+
+<file path=ppt/slides/slide16.xml><?xml version="1.0" encoding="utf-8"?>
+<p:sld xmlns:a="http://schemas.openxmlformats.org/drawingml/2006/main" xmlns:r="http://schemas.openxmlformats.org/officeDocument/2006/relationships" xmlns:p="http://schemas.openxmlformats.org/presentationml/2006/main">
+  <p:cSld>
+    <p:spTree>
+      <p:nvGrpSpPr>
+        <p:cNvPr id="1" name=""/>
+        <p:cNvGrpSpPr/>
+        <p:nvPr/>
+      </p:nvGrpSpPr>
+      <p:grpSpPr>
+        <a:xfrm>
+          <a:off x="0" y="0"/>
+          <a:ext cx="0" cy="0"/>
+          <a:chOff x="0" y="0"/>
+          <a:chExt cx="0" cy="0"/>
+        </a:xfrm>
+      </p:grpSpPr>
+      <p:sp>
+        <p:nvSpPr>
+          <p:cNvPr id="2" name="Title 1">
+            <a:extLst>
+              <a:ext uri="{FF2B5EF4-FFF2-40B4-BE49-F238E27FC236}">
+                <a16:creationId xmlns:a16="http://schemas.microsoft.com/office/drawing/2014/main" id="{537CF4C5-19DD-1456-A479-EB3A56303A29}"/>
+              </a:ext>
+            </a:extLst>
+          </p:cNvPr>
+          <p:cNvSpPr>
+            <a:spLocks noGrp="1"/>
+          </p:cNvSpPr>
+          <p:nvPr>
+            <p:ph type="title"/>
+          </p:nvPr>
+        </p:nvSpPr>
+        <p:spPr/>
+        <p:txBody>
+          <a:bodyPr/>
+          <a:lstStyle/>
+          <a:p>
+            <a:r>
+              <a:rPr lang="en-CA" dirty="0"/>
+              <a:t>Part III – Advanced Git Features</a:t>
             </a:r>
           </a:p>
         </p:txBody>
@@ -7582,7 +9447,366 @@
 </p:sld>
 </file>
 
-<file path=ppt/slides/slide11.xml><?xml version="1.0" encoding="utf-8"?>
+<file path=ppt/slides/slide17.xml><?xml version="1.0" encoding="utf-8"?>
+<p:sld xmlns:a="http://schemas.openxmlformats.org/drawingml/2006/main" xmlns:r="http://schemas.openxmlformats.org/officeDocument/2006/relationships" xmlns:p="http://schemas.openxmlformats.org/presentationml/2006/main">
+  <p:cSld>
+    <p:spTree>
+      <p:nvGrpSpPr>
+        <p:cNvPr id="1" name=""/>
+        <p:cNvGrpSpPr/>
+        <p:nvPr/>
+      </p:nvGrpSpPr>
+      <p:grpSpPr>
+        <a:xfrm>
+          <a:off x="0" y="0"/>
+          <a:ext cx="0" cy="0"/>
+          <a:chOff x="0" y="0"/>
+          <a:chExt cx="0" cy="0"/>
+        </a:xfrm>
+      </p:grpSpPr>
+      <p:sp>
+        <p:nvSpPr>
+          <p:cNvPr id="2" name="Text Placeholder 1">
+            <a:extLst>
+              <a:ext uri="{FF2B5EF4-FFF2-40B4-BE49-F238E27FC236}">
+                <a16:creationId xmlns:a16="http://schemas.microsoft.com/office/drawing/2014/main" id="{9EBB2CD7-D4AE-58C2-938C-F1E2066E5D4C}"/>
+              </a:ext>
+            </a:extLst>
+          </p:cNvPr>
+          <p:cNvSpPr>
+            <a:spLocks noGrp="1"/>
+          </p:cNvSpPr>
+          <p:nvPr>
+            <p:ph type="body" sz="quarter" idx="10"/>
+          </p:nvPr>
+        </p:nvSpPr>
+        <p:spPr/>
+        <p:txBody>
+          <a:bodyPr/>
+          <a:lstStyle/>
+          <a:p>
+            <a:r>
+              <a:rPr lang="en-CA" dirty="0"/>
+              <a:t>Add a file and track it</a:t>
+            </a:r>
+          </a:p>
+          <a:p>
+            <a:r>
+              <a:rPr lang="en-CA" dirty="0"/>
+              <a:t>Edit the file</a:t>
+            </a:r>
+          </a:p>
+          <a:p>
+            <a:r>
+              <a:rPr lang="en-CA" dirty="0"/>
+              <a:t>New edit with a mistake</a:t>
+            </a:r>
+          </a:p>
+          <a:p>
+            <a:r>
+              <a:rPr lang="en-CA" dirty="0"/>
+              <a:t>Rebase the edit</a:t>
+            </a:r>
+          </a:p>
+          <a:p>
+            <a:endParaRPr lang="en-CA" dirty="0"/>
+          </a:p>
+          <a:p>
+            <a:r>
+              <a:rPr lang="en-CA" dirty="0"/>
+              <a:t>Branching</a:t>
+            </a:r>
+          </a:p>
+        </p:txBody>
+      </p:sp>
+    </p:spTree>
+    <p:extLst>
+      <p:ext uri="{BB962C8B-B14F-4D97-AF65-F5344CB8AC3E}">
+        <p14:creationId xmlns:p14="http://schemas.microsoft.com/office/powerpoint/2010/main" val="130669974"/>
+      </p:ext>
+    </p:extLst>
+  </p:cSld>
+  <p:clrMapOvr>
+    <a:masterClrMapping/>
+  </p:clrMapOvr>
+</p:sld>
+</file>
+
+<file path=ppt/slides/slide18.xml><?xml version="1.0" encoding="utf-8"?>
+<p:sld xmlns:a="http://schemas.openxmlformats.org/drawingml/2006/main" xmlns:r="http://schemas.openxmlformats.org/officeDocument/2006/relationships" xmlns:p="http://schemas.openxmlformats.org/presentationml/2006/main">
+  <p:cSld>
+    <p:spTree>
+      <p:nvGrpSpPr>
+        <p:cNvPr id="1" name=""/>
+        <p:cNvGrpSpPr/>
+        <p:nvPr/>
+      </p:nvGrpSpPr>
+      <p:grpSpPr>
+        <a:xfrm>
+          <a:off x="0" y="0"/>
+          <a:ext cx="0" cy="0"/>
+          <a:chOff x="0" y="0"/>
+          <a:chExt cx="0" cy="0"/>
+        </a:xfrm>
+      </p:grpSpPr>
+      <p:sp>
+        <p:nvSpPr>
+          <p:cNvPr id="2" name="Text Placeholder 1">
+            <a:extLst>
+              <a:ext uri="{FF2B5EF4-FFF2-40B4-BE49-F238E27FC236}">
+                <a16:creationId xmlns:a16="http://schemas.microsoft.com/office/drawing/2014/main" id="{F30F071A-0450-8F6E-F28D-8124D7A90523}"/>
+              </a:ext>
+            </a:extLst>
+          </p:cNvPr>
+          <p:cNvSpPr>
+            <a:spLocks noGrp="1"/>
+          </p:cNvSpPr>
+          <p:nvPr>
+            <p:ph type="body" sz="quarter" idx="10"/>
+          </p:nvPr>
+        </p:nvSpPr>
+        <p:spPr/>
+        <p:txBody>
+          <a:bodyPr/>
+          <a:lstStyle/>
+          <a:p>
+            <a:pPr marL="0" indent="0">
+              <a:buNone/>
+            </a:pPr>
+            <a:r>
+              <a:rPr lang="en-CA" b="1" dirty="0"/>
+              <a:t>Activity #2 – Create a new branch</a:t>
+            </a:r>
+          </a:p>
+        </p:txBody>
+      </p:sp>
+    </p:spTree>
+    <p:extLst>
+      <p:ext uri="{BB962C8B-B14F-4D97-AF65-F5344CB8AC3E}">
+        <p14:creationId xmlns:p14="http://schemas.microsoft.com/office/powerpoint/2010/main" val="4165173319"/>
+      </p:ext>
+    </p:extLst>
+  </p:cSld>
+  <p:clrMapOvr>
+    <a:masterClrMapping/>
+  </p:clrMapOvr>
+</p:sld>
+</file>
+
+<file path=ppt/slides/slide19.xml><?xml version="1.0" encoding="utf-8"?>
+<p:sld xmlns:a="http://schemas.openxmlformats.org/drawingml/2006/main" xmlns:r="http://schemas.openxmlformats.org/officeDocument/2006/relationships" xmlns:p="http://schemas.openxmlformats.org/presentationml/2006/main">
+  <p:cSld>
+    <p:spTree>
+      <p:nvGrpSpPr>
+        <p:cNvPr id="1" name=""/>
+        <p:cNvGrpSpPr/>
+        <p:nvPr/>
+      </p:nvGrpSpPr>
+      <p:grpSpPr>
+        <a:xfrm>
+          <a:off x="0" y="0"/>
+          <a:ext cx="0" cy="0"/>
+          <a:chOff x="0" y="0"/>
+          <a:chExt cx="0" cy="0"/>
+        </a:xfrm>
+      </p:grpSpPr>
+      <p:sp>
+        <p:nvSpPr>
+          <p:cNvPr id="2" name="Text Placeholder 1">
+            <a:extLst>
+              <a:ext uri="{FF2B5EF4-FFF2-40B4-BE49-F238E27FC236}">
+                <a16:creationId xmlns:a16="http://schemas.microsoft.com/office/drawing/2014/main" id="{9C487D5F-FC03-68BB-A41E-18A16F477269}"/>
+              </a:ext>
+            </a:extLst>
+          </p:cNvPr>
+          <p:cNvSpPr>
+            <a:spLocks noGrp="1"/>
+          </p:cNvSpPr>
+          <p:nvPr>
+            <p:ph type="body" sz="quarter" idx="10"/>
+          </p:nvPr>
+        </p:nvSpPr>
+        <p:spPr/>
+        <p:txBody>
+          <a:bodyPr/>
+          <a:lstStyle/>
+          <a:p>
+            <a:pPr marL="0" indent="0">
+              <a:buNone/>
+            </a:pPr>
+            <a:r>
+              <a:rPr lang="en-CA" b="1" dirty="0"/>
+              <a:t>Poll #2</a:t>
+            </a:r>
+          </a:p>
+        </p:txBody>
+      </p:sp>
+    </p:spTree>
+    <p:extLst>
+      <p:ext uri="{BB962C8B-B14F-4D97-AF65-F5344CB8AC3E}">
+        <p14:creationId xmlns:p14="http://schemas.microsoft.com/office/powerpoint/2010/main" val="2935903534"/>
+      </p:ext>
+    </p:extLst>
+  </p:cSld>
+  <p:clrMapOvr>
+    <a:masterClrMapping/>
+  </p:clrMapOvr>
+</p:sld>
+</file>
+
+<file path=ppt/slides/slide2.xml><?xml version="1.0" encoding="utf-8"?>
+<p:sld xmlns:a="http://schemas.openxmlformats.org/drawingml/2006/main" xmlns:r="http://schemas.openxmlformats.org/officeDocument/2006/relationships" xmlns:p="http://schemas.openxmlformats.org/presentationml/2006/main">
+  <p:cSld>
+    <p:spTree>
+      <p:nvGrpSpPr>
+        <p:cNvPr id="1" name=""/>
+        <p:cNvGrpSpPr/>
+        <p:nvPr/>
+      </p:nvGrpSpPr>
+      <p:grpSpPr>
+        <a:xfrm>
+          <a:off x="0" y="0"/>
+          <a:ext cx="0" cy="0"/>
+          <a:chOff x="0" y="0"/>
+          <a:chExt cx="0" cy="0"/>
+        </a:xfrm>
+      </p:grpSpPr>
+    </p:spTree>
+    <p:extLst>
+      <p:ext uri="{BB962C8B-B14F-4D97-AF65-F5344CB8AC3E}">
+        <p14:creationId xmlns:p14="http://schemas.microsoft.com/office/powerpoint/2010/main" val="3133242724"/>
+      </p:ext>
+    </p:extLst>
+  </p:cSld>
+  <p:clrMapOvr>
+    <a:masterClrMapping/>
+  </p:clrMapOvr>
+</p:sld>
+</file>
+
+<file path=ppt/slides/slide20.xml><?xml version="1.0" encoding="utf-8"?>
+<p:sld xmlns:a="http://schemas.openxmlformats.org/drawingml/2006/main" xmlns:r="http://schemas.openxmlformats.org/officeDocument/2006/relationships" xmlns:p="http://schemas.openxmlformats.org/presentationml/2006/main">
+  <p:cSld>
+    <p:spTree>
+      <p:nvGrpSpPr>
+        <p:cNvPr id="1" name=""/>
+        <p:cNvGrpSpPr/>
+        <p:nvPr/>
+      </p:nvGrpSpPr>
+      <p:grpSpPr>
+        <a:xfrm>
+          <a:off x="0" y="0"/>
+          <a:ext cx="0" cy="0"/>
+          <a:chOff x="0" y="0"/>
+          <a:chExt cx="0" cy="0"/>
+        </a:xfrm>
+      </p:grpSpPr>
+      <p:sp>
+        <p:nvSpPr>
+          <p:cNvPr id="2" name="Text Placeholder 1">
+            <a:extLst>
+              <a:ext uri="{FF2B5EF4-FFF2-40B4-BE49-F238E27FC236}">
+                <a16:creationId xmlns:a16="http://schemas.microsoft.com/office/drawing/2014/main" id="{F30F071A-0450-8F6E-F28D-8124D7A90523}"/>
+              </a:ext>
+            </a:extLst>
+          </p:cNvPr>
+          <p:cNvSpPr>
+            <a:spLocks noGrp="1"/>
+          </p:cNvSpPr>
+          <p:nvPr>
+            <p:ph type="body" sz="quarter" idx="10"/>
+          </p:nvPr>
+        </p:nvSpPr>
+        <p:spPr/>
+        <p:txBody>
+          <a:bodyPr/>
+          <a:lstStyle/>
+          <a:p>
+            <a:pPr marL="0" indent="0">
+              <a:buNone/>
+            </a:pPr>
+            <a:r>
+              <a:rPr lang="en-CA" b="1" dirty="0"/>
+              <a:t>Activity #3 – Merging Branches</a:t>
+            </a:r>
+          </a:p>
+        </p:txBody>
+      </p:sp>
+    </p:spTree>
+    <p:extLst>
+      <p:ext uri="{BB962C8B-B14F-4D97-AF65-F5344CB8AC3E}">
+        <p14:creationId xmlns:p14="http://schemas.microsoft.com/office/powerpoint/2010/main" val="1749104538"/>
+      </p:ext>
+    </p:extLst>
+  </p:cSld>
+  <p:clrMapOvr>
+    <a:masterClrMapping/>
+  </p:clrMapOvr>
+</p:sld>
+</file>
+
+<file path=ppt/slides/slide21.xml><?xml version="1.0" encoding="utf-8"?>
+<p:sld xmlns:a="http://schemas.openxmlformats.org/drawingml/2006/main" xmlns:r="http://schemas.openxmlformats.org/officeDocument/2006/relationships" xmlns:p="http://schemas.openxmlformats.org/presentationml/2006/main">
+  <p:cSld>
+    <p:spTree>
+      <p:nvGrpSpPr>
+        <p:cNvPr id="1" name=""/>
+        <p:cNvGrpSpPr/>
+        <p:nvPr/>
+      </p:nvGrpSpPr>
+      <p:grpSpPr>
+        <a:xfrm>
+          <a:off x="0" y="0"/>
+          <a:ext cx="0" cy="0"/>
+          <a:chOff x="0" y="0"/>
+          <a:chExt cx="0" cy="0"/>
+        </a:xfrm>
+      </p:grpSpPr>
+      <p:sp>
+        <p:nvSpPr>
+          <p:cNvPr id="2" name="Text Placeholder 1">
+            <a:extLst>
+              <a:ext uri="{FF2B5EF4-FFF2-40B4-BE49-F238E27FC236}">
+                <a16:creationId xmlns:a16="http://schemas.microsoft.com/office/drawing/2014/main" id="{9C487D5F-FC03-68BB-A41E-18A16F477269}"/>
+              </a:ext>
+            </a:extLst>
+          </p:cNvPr>
+          <p:cNvSpPr>
+            <a:spLocks noGrp="1"/>
+          </p:cNvSpPr>
+          <p:nvPr>
+            <p:ph type="body" sz="quarter" idx="10"/>
+          </p:nvPr>
+        </p:nvSpPr>
+        <p:spPr/>
+        <p:txBody>
+          <a:bodyPr/>
+          <a:lstStyle/>
+          <a:p>
+            <a:pPr marL="0" indent="0">
+              <a:buNone/>
+            </a:pPr>
+            <a:r>
+              <a:rPr lang="en-CA" b="1" dirty="0"/>
+              <a:t>Poll #2</a:t>
+            </a:r>
+          </a:p>
+        </p:txBody>
+      </p:sp>
+    </p:spTree>
+    <p:extLst>
+      <p:ext uri="{BB962C8B-B14F-4D97-AF65-F5344CB8AC3E}">
+        <p14:creationId xmlns:p14="http://schemas.microsoft.com/office/powerpoint/2010/main" val="2209846115"/>
+      </p:ext>
+    </p:extLst>
+  </p:cSld>
+  <p:clrMapOvr>
+    <a:masterClrMapping/>
+  </p:clrMapOvr>
+</p:sld>
+</file>
+
+<file path=ppt/slides/slide22.xml><?xml version="1.0" encoding="utf-8"?>
 <p:sld xmlns:a="http://schemas.openxmlformats.org/drawingml/2006/main" xmlns:r="http://schemas.openxmlformats.org/officeDocument/2006/relationships" xmlns:p="http://schemas.openxmlformats.org/presentationml/2006/main">
   <p:cSld>
     <p:spTree>
@@ -7622,7 +9846,7 @@
           <a:p>
             <a:r>
               <a:rPr lang="en-CA" dirty="0"/>
-              <a:t>Part III – Hosting Projects on GitHub</a:t>
+              <a:t>Part IV – Hosting Projects on GitHub</a:t>
             </a:r>
           </a:p>
         </p:txBody>
@@ -7640,7 +9864,7 @@
 </p:sld>
 </file>
 
-<file path=ppt/slides/slide2.xml><?xml version="1.0" encoding="utf-8"?>
+<file path=ppt/slides/slide23.xml><?xml version="1.0" encoding="utf-8"?>
 <p:sld xmlns:a="http://schemas.openxmlformats.org/drawingml/2006/main" xmlns:r="http://schemas.openxmlformats.org/officeDocument/2006/relationships" xmlns:p="http://schemas.openxmlformats.org/presentationml/2006/main">
   <p:cSld>
     <p:spTree>
@@ -7657,10 +9881,440 @@
           <a:chExt cx="0" cy="0"/>
         </a:xfrm>
       </p:grpSpPr>
+      <p:sp>
+        <p:nvSpPr>
+          <p:cNvPr id="2" name="Text Placeholder 1">
+            <a:extLst>
+              <a:ext uri="{FF2B5EF4-FFF2-40B4-BE49-F238E27FC236}">
+                <a16:creationId xmlns:a16="http://schemas.microsoft.com/office/drawing/2014/main" id="{145570DF-0C10-98C1-32EE-7BBAD91B3A01}"/>
+              </a:ext>
+            </a:extLst>
+          </p:cNvPr>
+          <p:cNvSpPr>
+            <a:spLocks noGrp="1"/>
+          </p:cNvSpPr>
+          <p:nvPr>
+            <p:ph type="body" sz="quarter" idx="10"/>
+          </p:nvPr>
+        </p:nvSpPr>
+        <p:spPr/>
+        <p:txBody>
+          <a:bodyPr/>
+          <a:lstStyle/>
+          <a:p>
+            <a:pPr marL="0" indent="0">
+              <a:buNone/>
+            </a:pPr>
+            <a:r>
+              <a:rPr lang="en-CA" b="1" dirty="0"/>
+              <a:t>Why use remote repositories like GitHub?</a:t>
+            </a:r>
+          </a:p>
+          <a:p>
+            <a:pPr marL="0" indent="0">
+              <a:buNone/>
+            </a:pPr>
+            <a:endParaRPr lang="en-CA" b="1" dirty="0"/>
+          </a:p>
+          <a:p>
+            <a:r>
+              <a:rPr lang="en-CA" dirty="0"/>
+              <a:t>Backup for your code</a:t>
+            </a:r>
+          </a:p>
+          <a:p>
+            <a:endParaRPr lang="en-CA" dirty="0"/>
+          </a:p>
+          <a:p>
+            <a:r>
+              <a:rPr lang="en-CA" dirty="0"/>
+              <a:t>Collaborations</a:t>
+            </a:r>
+          </a:p>
+          <a:p>
+            <a:endParaRPr lang="en-CA" dirty="0"/>
+          </a:p>
+          <a:p>
+            <a:r>
+              <a:rPr lang="en-CA" dirty="0"/>
+              <a:t>Open Science</a:t>
+            </a:r>
+          </a:p>
+        </p:txBody>
+      </p:sp>
     </p:spTree>
     <p:extLst>
       <p:ext uri="{BB962C8B-B14F-4D97-AF65-F5344CB8AC3E}">
-        <p14:creationId xmlns:p14="http://schemas.microsoft.com/office/powerpoint/2010/main" val="3133242724"/>
+        <p14:creationId xmlns:p14="http://schemas.microsoft.com/office/powerpoint/2010/main" val="3510116900"/>
+      </p:ext>
+    </p:extLst>
+  </p:cSld>
+  <p:clrMapOvr>
+    <a:masterClrMapping/>
+  </p:clrMapOvr>
+</p:sld>
+</file>
+
+<file path=ppt/slides/slide24.xml><?xml version="1.0" encoding="utf-8"?>
+<p:sld xmlns:a="http://schemas.openxmlformats.org/drawingml/2006/main" xmlns:r="http://schemas.openxmlformats.org/officeDocument/2006/relationships" xmlns:p="http://schemas.openxmlformats.org/presentationml/2006/main">
+  <p:cSld>
+    <p:spTree>
+      <p:nvGrpSpPr>
+        <p:cNvPr id="1" name=""/>
+        <p:cNvGrpSpPr/>
+        <p:nvPr/>
+      </p:nvGrpSpPr>
+      <p:grpSpPr>
+        <a:xfrm>
+          <a:off x="0" y="0"/>
+          <a:ext cx="0" cy="0"/>
+          <a:chOff x="0" y="0"/>
+          <a:chExt cx="0" cy="0"/>
+        </a:xfrm>
+      </p:grpSpPr>
+      <p:sp>
+        <p:nvSpPr>
+          <p:cNvPr id="2" name="Title 1">
+            <a:extLst>
+              <a:ext uri="{FF2B5EF4-FFF2-40B4-BE49-F238E27FC236}">
+                <a16:creationId xmlns:a16="http://schemas.microsoft.com/office/drawing/2014/main" id="{3B77000A-0728-91F6-4462-5B8EFE1FBE5A}"/>
+              </a:ext>
+            </a:extLst>
+          </p:cNvPr>
+          <p:cNvSpPr>
+            <a:spLocks noGrp="1"/>
+          </p:cNvSpPr>
+          <p:nvPr>
+            <p:ph type="title"/>
+          </p:nvPr>
+        </p:nvSpPr>
+        <p:spPr/>
+        <p:txBody>
+          <a:bodyPr/>
+          <a:lstStyle/>
+          <a:p>
+            <a:endParaRPr lang="en-CA"/>
+          </a:p>
+        </p:txBody>
+      </p:sp>
+      <p:pic>
+        <p:nvPicPr>
+          <p:cNvPr id="3" name="Picture 2">
+            <a:extLst>
+              <a:ext uri="{FF2B5EF4-FFF2-40B4-BE49-F238E27FC236}">
+                <a16:creationId xmlns:a16="http://schemas.microsoft.com/office/drawing/2014/main" id="{4919DF2E-41CB-2BF2-C77E-976DD904E728}"/>
+              </a:ext>
+            </a:extLst>
+          </p:cNvPr>
+          <p:cNvPicPr>
+            <a:picLocks noChangeAspect="1"/>
+          </p:cNvPicPr>
+          <p:nvPr/>
+        </p:nvPicPr>
+        <p:blipFill>
+          <a:blip r:embed="rId2"/>
+          <a:stretch>
+            <a:fillRect/>
+          </a:stretch>
+        </p:blipFill>
+        <p:spPr>
+          <a:xfrm>
+            <a:off x="558873" y="1320184"/>
+            <a:ext cx="8016729" cy="5124095"/>
+          </a:xfrm>
+          <a:prstGeom prst="rect">
+            <a:avLst/>
+          </a:prstGeom>
+        </p:spPr>
+      </p:pic>
+    </p:spTree>
+    <p:extLst>
+      <p:ext uri="{BB962C8B-B14F-4D97-AF65-F5344CB8AC3E}">
+        <p14:creationId xmlns:p14="http://schemas.microsoft.com/office/powerpoint/2010/main" val="1433220311"/>
+      </p:ext>
+    </p:extLst>
+  </p:cSld>
+  <p:clrMapOvr>
+    <a:masterClrMapping/>
+  </p:clrMapOvr>
+</p:sld>
+</file>
+
+<file path=ppt/slides/slide25.xml><?xml version="1.0" encoding="utf-8"?>
+<p:sld xmlns:a="http://schemas.openxmlformats.org/drawingml/2006/main" xmlns:r="http://schemas.openxmlformats.org/officeDocument/2006/relationships" xmlns:p="http://schemas.openxmlformats.org/presentationml/2006/main">
+  <p:cSld>
+    <p:spTree>
+      <p:nvGrpSpPr>
+        <p:cNvPr id="1" name=""/>
+        <p:cNvGrpSpPr/>
+        <p:nvPr/>
+      </p:nvGrpSpPr>
+      <p:grpSpPr>
+        <a:xfrm>
+          <a:off x="0" y="0"/>
+          <a:ext cx="0" cy="0"/>
+          <a:chOff x="0" y="0"/>
+          <a:chExt cx="0" cy="0"/>
+        </a:xfrm>
+      </p:grpSpPr>
+      <p:sp>
+        <p:nvSpPr>
+          <p:cNvPr id="2" name="Text Placeholder 1">
+            <a:extLst>
+              <a:ext uri="{FF2B5EF4-FFF2-40B4-BE49-F238E27FC236}">
+                <a16:creationId xmlns:a16="http://schemas.microsoft.com/office/drawing/2014/main" id="{00D8EFDB-45D2-9A4A-6FA9-789D807BF0F3}"/>
+              </a:ext>
+            </a:extLst>
+          </p:cNvPr>
+          <p:cNvSpPr>
+            <a:spLocks noGrp="1"/>
+          </p:cNvSpPr>
+          <p:nvPr>
+            <p:ph type="body" sz="quarter" idx="10"/>
+          </p:nvPr>
+        </p:nvSpPr>
+        <p:spPr/>
+        <p:txBody>
+          <a:bodyPr/>
+          <a:lstStyle/>
+          <a:p>
+            <a:r>
+              <a:rPr lang="en-CA" dirty="0"/>
+              <a:t>Pushing and Pulling</a:t>
+            </a:r>
+          </a:p>
+          <a:p>
+            <a:r>
+              <a:rPr lang="en-CA" dirty="0"/>
+              <a:t>Cloning other repos</a:t>
+            </a:r>
+          </a:p>
+          <a:p>
+            <a:r>
+              <a:rPr lang="en-CA" dirty="0"/>
+              <a:t>Forking</a:t>
+            </a:r>
+          </a:p>
+        </p:txBody>
+      </p:sp>
+    </p:spTree>
+    <p:extLst>
+      <p:ext uri="{BB962C8B-B14F-4D97-AF65-F5344CB8AC3E}">
+        <p14:creationId xmlns:p14="http://schemas.microsoft.com/office/powerpoint/2010/main" val="944076217"/>
+      </p:ext>
+    </p:extLst>
+  </p:cSld>
+  <p:clrMapOvr>
+    <a:masterClrMapping/>
+  </p:clrMapOvr>
+</p:sld>
+</file>
+
+<file path=ppt/slides/slide26.xml><?xml version="1.0" encoding="utf-8"?>
+<p:sld xmlns:a="http://schemas.openxmlformats.org/drawingml/2006/main" xmlns:r="http://schemas.openxmlformats.org/officeDocument/2006/relationships" xmlns:p="http://schemas.openxmlformats.org/presentationml/2006/main">
+  <p:cSld>
+    <p:spTree>
+      <p:nvGrpSpPr>
+        <p:cNvPr id="1" name=""/>
+        <p:cNvGrpSpPr/>
+        <p:nvPr/>
+      </p:nvGrpSpPr>
+      <p:grpSpPr>
+        <a:xfrm>
+          <a:off x="0" y="0"/>
+          <a:ext cx="0" cy="0"/>
+          <a:chOff x="0" y="0"/>
+          <a:chExt cx="0" cy="0"/>
+        </a:xfrm>
+      </p:grpSpPr>
+      <p:sp>
+        <p:nvSpPr>
+          <p:cNvPr id="2" name="Title 1">
+            <a:extLst>
+              <a:ext uri="{FF2B5EF4-FFF2-40B4-BE49-F238E27FC236}">
+                <a16:creationId xmlns:a16="http://schemas.microsoft.com/office/drawing/2014/main" id="{D7B3B343-8AB0-44FB-3E33-580BF410923F}"/>
+              </a:ext>
+            </a:extLst>
+          </p:cNvPr>
+          <p:cNvSpPr>
+            <a:spLocks noGrp="1"/>
+          </p:cNvSpPr>
+          <p:nvPr>
+            <p:ph type="title"/>
+          </p:nvPr>
+        </p:nvSpPr>
+        <p:spPr/>
+        <p:txBody>
+          <a:bodyPr/>
+          <a:lstStyle/>
+          <a:p>
+            <a:r>
+              <a:rPr lang="en-CA" dirty="0"/>
+              <a:t>Part V  –  Conclusion</a:t>
+            </a:r>
+          </a:p>
+        </p:txBody>
+      </p:sp>
+    </p:spTree>
+    <p:extLst>
+      <p:ext uri="{BB962C8B-B14F-4D97-AF65-F5344CB8AC3E}">
+        <p14:creationId xmlns:p14="http://schemas.microsoft.com/office/powerpoint/2010/main" val="980553902"/>
+      </p:ext>
+    </p:extLst>
+  </p:cSld>
+  <p:clrMapOvr>
+    <a:masterClrMapping/>
+  </p:clrMapOvr>
+</p:sld>
+</file>
+
+<file path=ppt/slides/slide27.xml><?xml version="1.0" encoding="utf-8"?>
+<p:sld xmlns:a="http://schemas.openxmlformats.org/drawingml/2006/main" xmlns:r="http://schemas.openxmlformats.org/officeDocument/2006/relationships" xmlns:p="http://schemas.openxmlformats.org/presentationml/2006/main">
+  <p:cSld>
+    <p:spTree>
+      <p:nvGrpSpPr>
+        <p:cNvPr id="1" name=""/>
+        <p:cNvGrpSpPr/>
+        <p:nvPr/>
+      </p:nvGrpSpPr>
+      <p:grpSpPr>
+        <a:xfrm>
+          <a:off x="0" y="0"/>
+          <a:ext cx="0" cy="0"/>
+          <a:chOff x="0" y="0"/>
+          <a:chExt cx="0" cy="0"/>
+        </a:xfrm>
+      </p:grpSpPr>
+      <p:sp>
+        <p:nvSpPr>
+          <p:cNvPr id="2" name="Text Placeholder 1">
+            <a:extLst>
+              <a:ext uri="{FF2B5EF4-FFF2-40B4-BE49-F238E27FC236}">
+                <a16:creationId xmlns:a16="http://schemas.microsoft.com/office/drawing/2014/main" id="{00D8EFDB-45D2-9A4A-6FA9-789D807BF0F3}"/>
+              </a:ext>
+            </a:extLst>
+          </p:cNvPr>
+          <p:cNvSpPr>
+            <a:spLocks noGrp="1"/>
+          </p:cNvSpPr>
+          <p:nvPr>
+            <p:ph type="body" sz="quarter" idx="10"/>
+          </p:nvPr>
+        </p:nvSpPr>
+        <p:spPr/>
+        <p:txBody>
+          <a:bodyPr/>
+          <a:lstStyle/>
+          <a:p>
+            <a:pPr marL="0" indent="0">
+              <a:buNone/>
+            </a:pPr>
+            <a:r>
+              <a:rPr lang="en-CA" b="1" dirty="0"/>
+              <a:t>What have we learned?</a:t>
+            </a:r>
+            <a:endParaRPr lang="en-CA" dirty="0"/>
+          </a:p>
+          <a:p>
+            <a:r>
+              <a:rPr lang="en-CA" dirty="0"/>
+              <a:t>What VCS, Git and GitHub are</a:t>
+            </a:r>
+          </a:p>
+          <a:p>
+            <a:endParaRPr lang="en-CA" dirty="0"/>
+          </a:p>
+          <a:p>
+            <a:r>
+              <a:rPr lang="en-CA" dirty="0"/>
+              <a:t>Why VCS are so useful</a:t>
+            </a:r>
+          </a:p>
+          <a:p>
+            <a:endParaRPr lang="en-CA" dirty="0"/>
+          </a:p>
+          <a:p>
+            <a:r>
+              <a:rPr lang="en-CA" dirty="0"/>
+              <a:t>How to undertake basic tasks in a local and remote repository</a:t>
+            </a:r>
+          </a:p>
+          <a:p>
+            <a:endParaRPr lang="en-CA" dirty="0"/>
+          </a:p>
+          <a:p>
+            <a:r>
+              <a:rPr lang="en-CA" dirty="0"/>
+              <a:t>How services like GitHub improve code collaboration and Open Science</a:t>
+            </a:r>
+          </a:p>
+        </p:txBody>
+      </p:sp>
+    </p:spTree>
+    <p:extLst>
+      <p:ext uri="{BB962C8B-B14F-4D97-AF65-F5344CB8AC3E}">
+        <p14:creationId xmlns:p14="http://schemas.microsoft.com/office/powerpoint/2010/main" val="1527684309"/>
+      </p:ext>
+    </p:extLst>
+  </p:cSld>
+  <p:clrMapOvr>
+    <a:masterClrMapping/>
+  </p:clrMapOvr>
+</p:sld>
+</file>
+
+<file path=ppt/slides/slide28.xml><?xml version="1.0" encoding="utf-8"?>
+<p:sld xmlns:a="http://schemas.openxmlformats.org/drawingml/2006/main" xmlns:r="http://schemas.openxmlformats.org/officeDocument/2006/relationships" xmlns:p="http://schemas.openxmlformats.org/presentationml/2006/main">
+  <p:cSld>
+    <p:spTree>
+      <p:nvGrpSpPr>
+        <p:cNvPr id="1" name=""/>
+        <p:cNvGrpSpPr/>
+        <p:nvPr/>
+      </p:nvGrpSpPr>
+      <p:grpSpPr>
+        <a:xfrm>
+          <a:off x="0" y="0"/>
+          <a:ext cx="0" cy="0"/>
+          <a:chOff x="0" y="0"/>
+          <a:chExt cx="0" cy="0"/>
+        </a:xfrm>
+      </p:grpSpPr>
+      <p:sp>
+        <p:nvSpPr>
+          <p:cNvPr id="2" name="Text Placeholder 1">
+            <a:extLst>
+              <a:ext uri="{FF2B5EF4-FFF2-40B4-BE49-F238E27FC236}">
+                <a16:creationId xmlns:a16="http://schemas.microsoft.com/office/drawing/2014/main" id="{146A319F-99F6-E37E-4837-F8D349D874AC}"/>
+              </a:ext>
+            </a:extLst>
+          </p:cNvPr>
+          <p:cNvSpPr>
+            <a:spLocks noGrp="1"/>
+          </p:cNvSpPr>
+          <p:nvPr>
+            <p:ph type="body" sz="quarter" idx="10"/>
+          </p:nvPr>
+        </p:nvSpPr>
+        <p:spPr/>
+        <p:txBody>
+          <a:bodyPr/>
+          <a:lstStyle/>
+          <a:p>
+            <a:pPr marL="0" indent="0">
+              <a:buNone/>
+            </a:pPr>
+            <a:r>
+              <a:rPr lang="en-CA" b="1" dirty="0"/>
+              <a:t>What next?</a:t>
+            </a:r>
+          </a:p>
+        </p:txBody>
+      </p:sp>
+    </p:spTree>
+    <p:extLst>
+      <p:ext uri="{BB962C8B-B14F-4D97-AF65-F5344CB8AC3E}">
+        <p14:creationId xmlns:p14="http://schemas.microsoft.com/office/powerpoint/2010/main" val="890084902"/>
       </p:ext>
     </p:extLst>
   </p:cSld>
@@ -7705,7 +10359,9 @@
         </p:nvSpPr>
         <p:spPr/>
         <p:txBody>
-          <a:bodyPr/>
+          <a:bodyPr>
+            <a:normAutofit/>
+          </a:bodyPr>
           <a:lstStyle/>
           <a:p>
             <a:pPr marL="0" indent="0">
@@ -7723,27 +10379,7 @@
             </a:pPr>
             <a:r>
               <a:rPr lang="en-CA" dirty="0"/>
-              <a:t>Part I - Git and GitHub</a:t>
-            </a:r>
-          </a:p>
-          <a:p>
-            <a:pPr marL="971438" lvl="1" indent="-514350">
-              <a:buFont typeface="+mj-lt"/>
-              <a:buAutoNum type="arabicPeriod"/>
-            </a:pPr>
-            <a:r>
-              <a:rPr lang="en-CA" dirty="0"/>
-              <a:t>Version Control Systems and Git</a:t>
-            </a:r>
-          </a:p>
-          <a:p>
-            <a:pPr marL="971438" lvl="1" indent="-514350">
-              <a:buFont typeface="+mj-lt"/>
-              <a:buAutoNum type="arabicPeriod"/>
-            </a:pPr>
-            <a:r>
-              <a:rPr lang="en-CA" dirty="0"/>
-              <a:t>Git Pipeline</a:t>
+              <a:t>Part I – Intro to Git and Version Control Systems</a:t>
             </a:r>
           </a:p>
           <a:p>
@@ -7751,40 +10387,7 @@
               <a:buFont typeface="+mj-lt"/>
               <a:buAutoNum type="arabicPeriod"/>
             </a:pPr>
-            <a:r>
-              <a:rPr lang="en-CA" dirty="0"/>
-              <a:t>Part II -  Managing Local Projects</a:t>
-            </a:r>
-          </a:p>
-          <a:p>
-            <a:pPr marL="971438" lvl="1" indent="-514350">
-              <a:buFont typeface="+mj-lt"/>
-              <a:buAutoNum type="arabicPeriod"/>
-            </a:pPr>
-            <a:r>
-              <a:rPr lang="en-CA" dirty="0"/>
-              <a:t>Creating a repository</a:t>
-            </a:r>
-          </a:p>
-          <a:p>
-            <a:pPr marL="971438" lvl="1" indent="-514350">
-              <a:buFont typeface="+mj-lt"/>
-              <a:buAutoNum type="arabicPeriod"/>
-            </a:pPr>
-            <a:r>
-              <a:rPr lang="en-CA" dirty="0"/>
-              <a:t>Committing changes </a:t>
-            </a:r>
-          </a:p>
-          <a:p>
-            <a:pPr marL="971438" lvl="1" indent="-514350">
-              <a:buFont typeface="+mj-lt"/>
-              <a:buAutoNum type="arabicPeriod"/>
-            </a:pPr>
-            <a:r>
-              <a:rPr lang="en-CA" dirty="0"/>
-              <a:t>Rebase bad commits</a:t>
-            </a:r>
+            <a:endParaRPr lang="en-CA" dirty="0"/>
           </a:p>
           <a:p>
             <a:pPr marL="514350" indent="-514350">
@@ -7793,27 +10396,40 @@
             </a:pPr>
             <a:r>
               <a:rPr lang="en-CA" dirty="0"/>
-              <a:t>Part III – Working with Remote Projects on GitHub</a:t>
-            </a:r>
-          </a:p>
-          <a:p>
-            <a:pPr marL="971438" lvl="1" indent="-514350">
+              <a:t>Part II – Basic Git functions</a:t>
+            </a:r>
+          </a:p>
+          <a:p>
+            <a:pPr marL="514350" indent="-514350">
               <a:buFont typeface="+mj-lt"/>
               <a:buAutoNum type="arabicPeriod"/>
             </a:pPr>
-            <a:r>
-              <a:rPr lang="en-CA" dirty="0"/>
-              <a:t>Pushing commits to remote repositories</a:t>
-            </a:r>
-          </a:p>
-          <a:p>
-            <a:pPr marL="971438" lvl="1" indent="-514350">
+            <a:endParaRPr lang="en-CA" dirty="0"/>
+          </a:p>
+          <a:p>
+            <a:pPr marL="514350" indent="-514350">
               <a:buFont typeface="+mj-lt"/>
               <a:buAutoNum type="arabicPeriod"/>
             </a:pPr>
             <a:r>
               <a:rPr lang="en-CA" dirty="0"/>
-              <a:t>Pulling from remote repositories</a:t>
+              <a:t>Part III – Advanced Git functions</a:t>
+            </a:r>
+          </a:p>
+          <a:p>
+            <a:pPr marL="457088" lvl="1" indent="0">
+              <a:buNone/>
+            </a:pPr>
+            <a:endParaRPr lang="en-CA" dirty="0"/>
+          </a:p>
+          <a:p>
+            <a:pPr marL="514350" indent="-514350">
+              <a:buFont typeface="+mj-lt"/>
+              <a:buAutoNum type="arabicPeriod"/>
+            </a:pPr>
+            <a:r>
+              <a:rPr lang="en-CA" dirty="0"/>
+              <a:t>Part IV – Working with GitHub</a:t>
             </a:r>
           </a:p>
         </p:txBody>
@@ -7894,7 +10510,7 @@
             </a:pPr>
             <a:r>
               <a:rPr lang="en-CA" dirty="0"/>
-              <a:t>A Git repository with a README file</a:t>
+              <a:t>A Text editor</a:t>
             </a:r>
           </a:p>
           <a:p>
@@ -7947,6 +10563,66 @@
 </file>
 
 <file path=ppt/slides/slide5.xml><?xml version="1.0" encoding="utf-8"?>
+<p:sld xmlns:a="http://schemas.openxmlformats.org/drawingml/2006/main" xmlns:r="http://schemas.openxmlformats.org/officeDocument/2006/relationships" xmlns:p="http://schemas.openxmlformats.org/presentationml/2006/main">
+  <p:cSld>
+    <p:spTree>
+      <p:nvGrpSpPr>
+        <p:cNvPr id="1" name=""/>
+        <p:cNvGrpSpPr/>
+        <p:nvPr/>
+      </p:nvGrpSpPr>
+      <p:grpSpPr>
+        <a:xfrm>
+          <a:off x="0" y="0"/>
+          <a:ext cx="0" cy="0"/>
+          <a:chOff x="0" y="0"/>
+          <a:chExt cx="0" cy="0"/>
+        </a:xfrm>
+      </p:grpSpPr>
+      <p:pic>
+        <p:nvPicPr>
+          <p:cNvPr id="3" name="Picture 2">
+            <a:extLst>
+              <a:ext uri="{FF2B5EF4-FFF2-40B4-BE49-F238E27FC236}">
+                <a16:creationId xmlns:a16="http://schemas.microsoft.com/office/drawing/2014/main" id="{D63D6295-D41F-B16A-80CA-1D999E04CFC6}"/>
+              </a:ext>
+            </a:extLst>
+          </p:cNvPr>
+          <p:cNvPicPr>
+            <a:picLocks noChangeAspect="1"/>
+          </p:cNvPicPr>
+          <p:nvPr/>
+        </p:nvPicPr>
+        <p:blipFill>
+          <a:blip r:embed="rId2"/>
+          <a:stretch>
+            <a:fillRect/>
+          </a:stretch>
+        </p:blipFill>
+        <p:spPr>
+          <a:xfrm>
+            <a:off x="2690224" y="1489562"/>
+            <a:ext cx="3763552" cy="5018069"/>
+          </a:xfrm>
+          <a:prstGeom prst="rect">
+            <a:avLst/>
+          </a:prstGeom>
+        </p:spPr>
+      </p:pic>
+    </p:spTree>
+    <p:extLst>
+      <p:ext uri="{BB962C8B-B14F-4D97-AF65-F5344CB8AC3E}">
+        <p14:creationId xmlns:p14="http://schemas.microsoft.com/office/powerpoint/2010/main" val="910056172"/>
+      </p:ext>
+    </p:extLst>
+  </p:cSld>
+  <p:clrMapOvr>
+    <a:masterClrMapping/>
+  </p:clrMapOvr>
+</p:sld>
+</file>
+
+<file path=ppt/slides/slide6.xml><?xml version="1.0" encoding="utf-8"?>
 <p:sld xmlns:a="http://schemas.openxmlformats.org/drawingml/2006/main" xmlns:r="http://schemas.openxmlformats.org/officeDocument/2006/relationships" xmlns:p="http://schemas.openxmlformats.org/presentationml/2006/main">
   <p:cSld>
     <p:spTree>
@@ -8016,7 +10692,7 @@
           <p:cNvPr id="3" name="Picture 2">
             <a:extLst>
               <a:ext uri="{FF2B5EF4-FFF2-40B4-BE49-F238E27FC236}">
-                <a16:creationId xmlns:a16="http://schemas.microsoft.com/office/drawing/2014/main" id="{CFE7429E-D8FE-94C9-7214-25CAF3BC98FE}"/>
+                <a16:creationId xmlns:a16="http://schemas.microsoft.com/office/drawing/2014/main" id="{94497FBE-398F-F450-55A5-0169B83FAC55}"/>
               </a:ext>
             </a:extLst>
           </p:cNvPr>
@@ -8025,22 +10701,61 @@
           </p:cNvPicPr>
           <p:nvPr/>
         </p:nvPicPr>
-        <p:blipFill>
-          <a:blip r:embed="rId2"/>
-          <a:stretch>
-            <a:fillRect/>
-          </a:stretch>
+        <p:blipFill rotWithShape="1">
+          <a:blip r:embed="rId3"/>
+          <a:srcRect t="50378"/>
+          <a:stretch/>
         </p:blipFill>
         <p:spPr>
           <a:xfrm>
-            <a:off x="5137563" y="1407368"/>
-            <a:ext cx="3763552" cy="5018069"/>
+            <a:off x="1021798" y="4186989"/>
+            <a:ext cx="6859771" cy="1623425"/>
           </a:xfrm>
           <a:prstGeom prst="rect">
             <a:avLst/>
           </a:prstGeom>
         </p:spPr>
       </p:pic>
+      <p:sp>
+        <p:nvSpPr>
+          <p:cNvPr id="4" name="TextBox 3">
+            <a:extLst>
+              <a:ext uri="{FF2B5EF4-FFF2-40B4-BE49-F238E27FC236}">
+                <a16:creationId xmlns:a16="http://schemas.microsoft.com/office/drawing/2014/main" id="{D249ACC2-CA9B-EA03-F92E-78E1D9B6E3DC}"/>
+              </a:ext>
+            </a:extLst>
+          </p:cNvPr>
+          <p:cNvSpPr txBox="1"/>
+          <p:nvPr/>
+        </p:nvSpPr>
+        <p:spPr>
+          <a:xfrm>
+            <a:off x="4451684" y="6378578"/>
+            <a:ext cx="3188369" cy="369460"/>
+          </a:xfrm>
+          <a:prstGeom prst="rect">
+            <a:avLst/>
+          </a:prstGeom>
+          <a:noFill/>
+        </p:spPr>
+        <p:txBody>
+          <a:bodyPr wrap="square" rtlCol="0">
+            <a:spAutoFit/>
+          </a:bodyPr>
+          <a:lstStyle/>
+          <a:p>
+            <a:r>
+              <a:rPr lang="en-CA" dirty="0"/>
+              <a:t>Image Source: </a:t>
+            </a:r>
+            <a:r>
+              <a:rPr lang="en-CA" dirty="0" err="1"/>
+              <a:t>BetterExplained</a:t>
+            </a:r>
+            <a:endParaRPr lang="en-CA" dirty="0"/>
+          </a:p>
+        </p:txBody>
+      </p:sp>
     </p:spTree>
     <p:extLst>
       <p:ext uri="{BB962C8B-B14F-4D97-AF65-F5344CB8AC3E}">
@@ -8054,7 +10769,7 @@
 </p:sld>
 </file>
 
-<file path=ppt/slides/slide6.xml><?xml version="1.0" encoding="utf-8"?>
+<file path=ppt/slides/slide7.xml><?xml version="1.0" encoding="utf-8"?>
 <p:sld xmlns:a="http://schemas.openxmlformats.org/drawingml/2006/main" xmlns:r="http://schemas.openxmlformats.org/officeDocument/2006/relationships" xmlns:p="http://schemas.openxmlformats.org/presentationml/2006/main">
   <p:cSld>
     <p:spTree>
@@ -8121,7 +10836,7 @@
 </p:sld>
 </file>
 
-<file path=ppt/slides/slide7.xml><?xml version="1.0" encoding="utf-8"?>
+<file path=ppt/slides/slide8.xml><?xml version="1.0" encoding="utf-8"?>
 <p:sld xmlns:a="http://schemas.openxmlformats.org/drawingml/2006/main" xmlns:r="http://schemas.openxmlformats.org/officeDocument/2006/relationships" xmlns:p="http://schemas.openxmlformats.org/presentationml/2006/main">
   <p:cSld>
     <p:spTree>
@@ -8249,67 +10964,6 @@
 </p:sld>
 </file>
 
-<file path=ppt/slides/slide8.xml><?xml version="1.0" encoding="utf-8"?>
-<p:sld xmlns:a="http://schemas.openxmlformats.org/drawingml/2006/main" xmlns:r="http://schemas.openxmlformats.org/officeDocument/2006/relationships" xmlns:p="http://schemas.openxmlformats.org/presentationml/2006/main">
-  <p:cSld>
-    <p:spTree>
-      <p:nvGrpSpPr>
-        <p:cNvPr id="1" name=""/>
-        <p:cNvGrpSpPr/>
-        <p:nvPr/>
-      </p:nvGrpSpPr>
-      <p:grpSpPr>
-        <a:xfrm>
-          <a:off x="0" y="0"/>
-          <a:ext cx="0" cy="0"/>
-          <a:chOff x="0" y="0"/>
-          <a:chExt cx="0" cy="0"/>
-        </a:xfrm>
-      </p:grpSpPr>
-      <p:sp>
-        <p:nvSpPr>
-          <p:cNvPr id="2" name="Text Placeholder 1">
-            <a:extLst>
-              <a:ext uri="{FF2B5EF4-FFF2-40B4-BE49-F238E27FC236}">
-                <a16:creationId xmlns:a16="http://schemas.microsoft.com/office/drawing/2014/main" id="{C724517E-9288-0D5B-A398-F1132CA83813}"/>
-              </a:ext>
-            </a:extLst>
-          </p:cNvPr>
-          <p:cNvSpPr>
-            <a:spLocks noGrp="1"/>
-          </p:cNvSpPr>
-          <p:nvPr>
-            <p:ph type="body" sz="quarter" idx="10"/>
-          </p:nvPr>
-        </p:nvSpPr>
-        <p:spPr/>
-        <p:txBody>
-          <a:bodyPr/>
-          <a:lstStyle/>
-          <a:p>
-            <a:pPr marL="0" indent="0">
-              <a:buNone/>
-            </a:pPr>
-            <a:r>
-              <a:rPr lang="en-CA" b="1" dirty="0"/>
-              <a:t>Git Pipeline</a:t>
-            </a:r>
-          </a:p>
-        </p:txBody>
-      </p:sp>
-    </p:spTree>
-    <p:extLst>
-      <p:ext uri="{BB962C8B-B14F-4D97-AF65-F5344CB8AC3E}">
-        <p14:creationId xmlns:p14="http://schemas.microsoft.com/office/powerpoint/2010/main" val="620605204"/>
-      </p:ext>
-    </p:extLst>
-  </p:cSld>
-  <p:clrMapOvr>
-    <a:masterClrMapping/>
-  </p:clrMapOvr>
-</p:sld>
-</file>
-
 <file path=ppt/slides/slide9.xml><?xml version="1.0" encoding="utf-8"?>
 <p:sld xmlns:a="http://schemas.openxmlformats.org/drawingml/2006/main" xmlns:r="http://schemas.openxmlformats.org/officeDocument/2006/relationships" xmlns:p="http://schemas.openxmlformats.org/presentationml/2006/main">
   <p:cSld>
@@ -8332,7 +10986,7 @@
           <p:cNvPr id="2" name="Text Placeholder 1">
             <a:extLst>
               <a:ext uri="{FF2B5EF4-FFF2-40B4-BE49-F238E27FC236}">
-                <a16:creationId xmlns:a16="http://schemas.microsoft.com/office/drawing/2014/main" id="{DDA2806D-35FE-24B5-F6B0-BC4E91E20B63}"/>
+                <a16:creationId xmlns:a16="http://schemas.microsoft.com/office/drawing/2014/main" id="{BC71840A-47BB-D406-2B18-5DF99FE82427}"/>
               </a:ext>
             </a:extLst>
           </p:cNvPr>
@@ -8353,15 +11007,61 @@
             </a:pPr>
             <a:r>
               <a:rPr lang="en-CA" b="1" dirty="0"/>
-              <a:t>Summary</a:t>
-            </a:r>
+              <a:t>Git Pipeline</a:t>
+            </a:r>
+          </a:p>
+          <a:p>
+            <a:pPr marL="0" indent="0">
+              <a:buNone/>
+            </a:pPr>
+            <a:endParaRPr lang="en-CA" b="1" dirty="0"/>
+          </a:p>
+          <a:p>
+            <a:pPr marL="0" indent="0">
+              <a:buNone/>
+            </a:pPr>
+            <a:r>
+              <a:rPr lang="en-CA" sz="3600" b="1" dirty="0"/>
+              <a:t>Working Directory ≠ Git Repository</a:t>
+            </a:r>
+          </a:p>
+          <a:p>
+            <a:r>
+              <a:rPr lang="en-CA" sz="2800" dirty="0"/>
+              <a:t>Working directory is your project folder</a:t>
+            </a:r>
+          </a:p>
+          <a:p>
+            <a:r>
+              <a:rPr lang="en-CA" sz="2800" dirty="0"/>
+              <a:t>Git Repository is a hidden file stored inside your working directory</a:t>
+            </a:r>
+          </a:p>
+          <a:p>
+            <a:r>
+              <a:rPr lang="en-CA" sz="2800" dirty="0"/>
+              <a:t>The Git Repository contains the </a:t>
+            </a:r>
+            <a:r>
+              <a:rPr lang="en-CA" sz="2800" b="1" dirty="0"/>
+              <a:t>staging area</a:t>
+            </a:r>
+            <a:r>
+              <a:rPr lang="en-CA" sz="2800" dirty="0"/>
+              <a:t> and your </a:t>
+            </a:r>
+            <a:r>
+              <a:rPr lang="en-CA" sz="2800" b="1" dirty="0"/>
+              <a:t>commit history</a:t>
+            </a:r>
+            <a:endParaRPr lang="en-CA" sz="2800" dirty="0"/>
           </a:p>
         </p:txBody>
       </p:sp>
     </p:spTree>
     <p:extLst>
       <p:ext uri="{BB962C8B-B14F-4D97-AF65-F5344CB8AC3E}">
-        <p14:creationId xmlns:p14="http://schemas.microsoft.com/office/powerpoint/2010/main" val="607115465"/>
+        <p14:creationId xmlns:p14="http://schemas.microsoft.com/office/powerpoint/2010/main" val="3120015113"/>
       </p:ext>
     </p:extLst>
   </p:cSld>

--- a/Slides/MiCM_GitHub_Workshop.pptx
+++ b/Slides/MiCM_GitHub_Workshop.pptx
@@ -5,7 +5,7 @@
     <p:sldMasterId id="2147483672" r:id="rId1"/>
   </p:sldMasterIdLst>
   <p:notesMasterIdLst>
-    <p:notesMasterId r:id="rId30"/>
+    <p:notesMasterId r:id="rId38"/>
   </p:notesMasterIdLst>
   <p:sldIdLst>
     <p:sldId id="316" r:id="rId2"/>
@@ -19,23 +19,31 @@
     <p:sldId id="327" r:id="rId10"/>
     <p:sldId id="321" r:id="rId11"/>
     <p:sldId id="339" r:id="rId12"/>
-    <p:sldId id="322" r:id="rId13"/>
-    <p:sldId id="341" r:id="rId14"/>
-    <p:sldId id="333" r:id="rId15"/>
-    <p:sldId id="334" r:id="rId16"/>
-    <p:sldId id="323" r:id="rId17"/>
-    <p:sldId id="325" r:id="rId18"/>
-    <p:sldId id="335" r:id="rId19"/>
-    <p:sldId id="336" r:id="rId20"/>
-    <p:sldId id="337" r:id="rId21"/>
-    <p:sldId id="338" r:id="rId22"/>
-    <p:sldId id="324" r:id="rId23"/>
-    <p:sldId id="328" r:id="rId24"/>
-    <p:sldId id="340" r:id="rId25"/>
-    <p:sldId id="326" r:id="rId26"/>
-    <p:sldId id="329" r:id="rId27"/>
-    <p:sldId id="330" r:id="rId28"/>
-    <p:sldId id="331" r:id="rId29"/>
+    <p:sldId id="343" r:id="rId13"/>
+    <p:sldId id="322" r:id="rId14"/>
+    <p:sldId id="341" r:id="rId15"/>
+    <p:sldId id="333" r:id="rId16"/>
+    <p:sldId id="334" r:id="rId17"/>
+    <p:sldId id="344" r:id="rId18"/>
+    <p:sldId id="323" r:id="rId19"/>
+    <p:sldId id="325" r:id="rId20"/>
+    <p:sldId id="335" r:id="rId21"/>
+    <p:sldId id="336" r:id="rId22"/>
+    <p:sldId id="337" r:id="rId23"/>
+    <p:sldId id="338" r:id="rId24"/>
+    <p:sldId id="345" r:id="rId25"/>
+    <p:sldId id="324" r:id="rId26"/>
+    <p:sldId id="328" r:id="rId27"/>
+    <p:sldId id="340" r:id="rId28"/>
+    <p:sldId id="326" r:id="rId29"/>
+    <p:sldId id="346" r:id="rId30"/>
+    <p:sldId id="347" r:id="rId31"/>
+    <p:sldId id="348" r:id="rId32"/>
+    <p:sldId id="350" r:id="rId33"/>
+    <p:sldId id="329" r:id="rId34"/>
+    <p:sldId id="330" r:id="rId35"/>
+    <p:sldId id="331" r:id="rId36"/>
+    <p:sldId id="342" r:id="rId37"/>
   </p:sldIdLst>
   <p:sldSz cx="9144000" cy="6858000" type="screen4x3"/>
   <p:notesSz cx="6858000" cy="9144000"/>
@@ -145,7 +153,7 @@
 <file path=ppt/revisionInfo.xml><?xml version="1.0" encoding="utf-8"?>
 <p1510:revInfo xmlns:a="http://schemas.openxmlformats.org/drawingml/2006/main" xmlns:r="http://schemas.openxmlformats.org/officeDocument/2006/relationships" xmlns:p1510="http://schemas.microsoft.com/office/powerpoint/2015/10/main">
   <p1510:revLst>
-    <p1510:client id="{FC38A552-1810-4A9B-8174-E44D3C19BC43}" v="32" dt="2022-06-06T15:28:12.135"/>
+    <p1510:client id="{FC38A552-1810-4A9B-8174-E44D3C19BC43}" v="46" dt="2022-06-06T17:58:32.840"/>
   </p1510:revLst>
 </p1510:revInfo>
 </file>
@@ -2014,7 +2022,7 @@
   <pc:docChgLst>
     <pc:chgData name="Adrien Osakwe" userId="7a3e290c-eb83-484b-8e3d-d46ef2333477" providerId="ADAL" clId="{FC38A552-1810-4A9B-8174-E44D3C19BC43}"/>
     <pc:docChg chg="undo custSel addSld delSld modSld sldOrd modMainMaster">
-      <pc:chgData name="Adrien Osakwe" userId="7a3e290c-eb83-484b-8e3d-d46ef2333477" providerId="ADAL" clId="{FC38A552-1810-4A9B-8174-E44D3C19BC43}" dt="2022-06-06T15:28:33.489" v="3741" actId="20577"/>
+      <pc:chgData name="Adrien Osakwe" userId="7a3e290c-eb83-484b-8e3d-d46ef2333477" providerId="ADAL" clId="{FC38A552-1810-4A9B-8174-E44D3C19BC43}" dt="2022-06-06T18:11:58.260" v="5742" actId="47"/>
       <pc:docMkLst>
         <pc:docMk/>
       </pc:docMkLst>
@@ -2032,8 +2040,8 @@
           <pc:sldMk cId="2115249166" sldId="263"/>
         </pc:sldMkLst>
       </pc:sldChg>
-      <pc:sldChg chg="modSp mod">
-        <pc:chgData name="Adrien Osakwe" userId="7a3e290c-eb83-484b-8e3d-d46ef2333477" providerId="ADAL" clId="{FC38A552-1810-4A9B-8174-E44D3C19BC43}" dt="2022-06-01T18:33:02.128" v="1284" actId="20577"/>
+      <pc:sldChg chg="modSp mod ord">
+        <pc:chgData name="Adrien Osakwe" userId="7a3e290c-eb83-484b-8e3d-d46ef2333477" providerId="ADAL" clId="{FC38A552-1810-4A9B-8174-E44D3C19BC43}" dt="2022-06-06T18:01:15.590" v="5370" actId="20577"/>
         <pc:sldMkLst>
           <pc:docMk/>
           <pc:sldMk cId="3891667287" sldId="277"/>
@@ -2047,7 +2055,7 @@
           </ac:spMkLst>
         </pc:spChg>
         <pc:spChg chg="mod">
-          <ac:chgData name="Adrien Osakwe" userId="7a3e290c-eb83-484b-8e3d-d46ef2333477" providerId="ADAL" clId="{FC38A552-1810-4A9B-8174-E44D3C19BC43}" dt="2022-06-01T18:32:50.366" v="1242" actId="5793"/>
+          <ac:chgData name="Adrien Osakwe" userId="7a3e290c-eb83-484b-8e3d-d46ef2333477" providerId="ADAL" clId="{FC38A552-1810-4A9B-8174-E44D3C19BC43}" dt="2022-06-06T18:01:03.728" v="5321" actId="20577"/>
           <ac:spMkLst>
             <pc:docMk/>
             <pc:sldMk cId="3891667287" sldId="277"/>
@@ -2055,7 +2063,7 @@
           </ac:spMkLst>
         </pc:spChg>
         <pc:spChg chg="mod">
-          <ac:chgData name="Adrien Osakwe" userId="7a3e290c-eb83-484b-8e3d-d46ef2333477" providerId="ADAL" clId="{FC38A552-1810-4A9B-8174-E44D3C19BC43}" dt="2022-06-01T18:33:02.128" v="1284" actId="20577"/>
+          <ac:chgData name="Adrien Osakwe" userId="7a3e290c-eb83-484b-8e3d-d46ef2333477" providerId="ADAL" clId="{FC38A552-1810-4A9B-8174-E44D3C19BC43}" dt="2022-06-06T18:01:15.590" v="5370" actId="20577"/>
           <ac:spMkLst>
             <pc:docMk/>
             <pc:sldMk cId="3891667287" sldId="277"/>
@@ -2169,7 +2177,7 @@
         </pc:spChg>
       </pc:sldChg>
       <pc:sldChg chg="addSp delSp modSp new mod modNotesTx">
-        <pc:chgData name="Adrien Osakwe" userId="7a3e290c-eb83-484b-8e3d-d46ef2333477" providerId="ADAL" clId="{FC38A552-1810-4A9B-8174-E44D3C19BC43}" dt="2022-06-06T15:17:07.461" v="3713" actId="1076"/>
+        <pc:chgData name="Adrien Osakwe" userId="7a3e290c-eb83-484b-8e3d-d46ef2333477" providerId="ADAL" clId="{FC38A552-1810-4A9B-8174-E44D3C19BC43}" dt="2022-06-06T17:58:37.483" v="5085" actId="20577"/>
         <pc:sldMkLst>
           <pc:docMk/>
           <pc:sldMk cId="116534369" sldId="319"/>
@@ -2190,6 +2198,14 @@
             <ac:spMk id="4" creationId="{D249ACC2-CA9B-EA03-F92E-78E1D9B6E3DC}"/>
           </ac:spMkLst>
         </pc:spChg>
+        <pc:spChg chg="add mod">
+          <ac:chgData name="Adrien Osakwe" userId="7a3e290c-eb83-484b-8e3d-d46ef2333477" providerId="ADAL" clId="{FC38A552-1810-4A9B-8174-E44D3C19BC43}" dt="2022-06-06T17:58:37.483" v="5085" actId="20577"/>
+          <ac:spMkLst>
+            <pc:docMk/>
+            <pc:sldMk cId="116534369" sldId="319"/>
+            <ac:spMk id="5" creationId="{F50C0EF4-3357-D0B4-AACB-CEAEFAD6502E}"/>
+          </ac:spMkLst>
+        </pc:spChg>
         <pc:picChg chg="add mod modCrop">
           <ac:chgData name="Adrien Osakwe" userId="7a3e290c-eb83-484b-8e3d-d46ef2333477" providerId="ADAL" clId="{FC38A552-1810-4A9B-8174-E44D3C19BC43}" dt="2022-06-06T15:17:07.461" v="3713" actId="1076"/>
           <ac:picMkLst>
@@ -2207,20 +2223,28 @@
           </ac:picMkLst>
         </pc:picChg>
       </pc:sldChg>
-      <pc:sldChg chg="modSp new mod ord">
-        <pc:chgData name="Adrien Osakwe" userId="7a3e290c-eb83-484b-8e3d-d46ef2333477" providerId="ADAL" clId="{FC38A552-1810-4A9B-8174-E44D3C19BC43}" dt="2022-06-01T18:32:34.802" v="1176" actId="20577"/>
+      <pc:sldChg chg="addSp modSp new mod ord">
+        <pc:chgData name="Adrien Osakwe" userId="7a3e290c-eb83-484b-8e3d-d46ef2333477" providerId="ADAL" clId="{FC38A552-1810-4A9B-8174-E44D3C19BC43}" dt="2022-06-06T18:00:05.129" v="5241" actId="20577"/>
         <pc:sldMkLst>
           <pc:docMk/>
           <pc:sldMk cId="511111868" sldId="320"/>
         </pc:sldMkLst>
         <pc:spChg chg="mod">
-          <ac:chgData name="Adrien Osakwe" userId="7a3e290c-eb83-484b-8e3d-d46ef2333477" providerId="ADAL" clId="{FC38A552-1810-4A9B-8174-E44D3C19BC43}" dt="2022-06-01T18:32:34.802" v="1176" actId="20577"/>
+          <ac:chgData name="Adrien Osakwe" userId="7a3e290c-eb83-484b-8e3d-d46ef2333477" providerId="ADAL" clId="{FC38A552-1810-4A9B-8174-E44D3C19BC43}" dt="2022-06-06T18:00:05.129" v="5241" actId="20577"/>
           <ac:spMkLst>
             <pc:docMk/>
             <pc:sldMk cId="511111868" sldId="320"/>
             <ac:spMk id="2" creationId="{100FAA95-56E1-2195-5855-46B50DD5E678}"/>
           </ac:spMkLst>
         </pc:spChg>
+        <pc:picChg chg="add mod">
+          <ac:chgData name="Adrien Osakwe" userId="7a3e290c-eb83-484b-8e3d-d46ef2333477" providerId="ADAL" clId="{FC38A552-1810-4A9B-8174-E44D3C19BC43}" dt="2022-06-06T15:46:46.098" v="3942" actId="1076"/>
+          <ac:picMkLst>
+            <pc:docMk/>
+            <pc:sldMk cId="511111868" sldId="320"/>
+            <ac:picMk id="1026" creationId="{72C526F7-AD9B-8A76-27CF-5B8208E932A9}"/>
+          </ac:picMkLst>
+        </pc:picChg>
       </pc:sldChg>
       <pc:sldChg chg="addSp delSp modSp new mod ord modNotesTx">
         <pc:chgData name="Adrien Osakwe" userId="7a3e290c-eb83-484b-8e3d-d46ef2333477" providerId="ADAL" clId="{FC38A552-1810-4A9B-8174-E44D3C19BC43}" dt="2022-06-06T14:47:29.427" v="3276" actId="21"/>
@@ -2373,20 +2397,28 @@
           </ac:picMkLst>
         </pc:picChg>
       </pc:sldChg>
-      <pc:sldChg chg="modSp new mod modNotesTx">
-        <pc:chgData name="Adrien Osakwe" userId="7a3e290c-eb83-484b-8e3d-d46ef2333477" providerId="ADAL" clId="{FC38A552-1810-4A9B-8174-E44D3C19BC43}" dt="2022-06-03T20:06:13.503" v="3149" actId="20577"/>
+      <pc:sldChg chg="addSp delSp modSp new mod modNotesTx">
+        <pc:chgData name="Adrien Osakwe" userId="7a3e290c-eb83-484b-8e3d-d46ef2333477" providerId="ADAL" clId="{FC38A552-1810-4A9B-8174-E44D3C19BC43}" dt="2022-06-06T18:03:30.251" v="5418" actId="20577"/>
         <pc:sldMkLst>
           <pc:docMk/>
           <pc:sldMk cId="607115465" sldId="322"/>
         </pc:sldMkLst>
         <pc:spChg chg="mod">
-          <ac:chgData name="Adrien Osakwe" userId="7a3e290c-eb83-484b-8e3d-d46ef2333477" providerId="ADAL" clId="{FC38A552-1810-4A9B-8174-E44D3C19BC43}" dt="2022-06-03T19:54:15.333" v="2523" actId="20577"/>
+          <ac:chgData name="Adrien Osakwe" userId="7a3e290c-eb83-484b-8e3d-d46ef2333477" providerId="ADAL" clId="{FC38A552-1810-4A9B-8174-E44D3C19BC43}" dt="2022-06-06T18:03:30.251" v="5418" actId="20577"/>
           <ac:spMkLst>
             <pc:docMk/>
             <pc:sldMk cId="607115465" sldId="322"/>
             <ac:spMk id="2" creationId="{DDA2806D-35FE-24B5-F6B0-BC4E91E20B63}"/>
           </ac:spMkLst>
         </pc:spChg>
+        <pc:picChg chg="add del">
+          <ac:chgData name="Adrien Osakwe" userId="7a3e290c-eb83-484b-8e3d-d46ef2333477" providerId="ADAL" clId="{FC38A552-1810-4A9B-8174-E44D3C19BC43}" dt="2022-06-06T15:51:49.022" v="4386"/>
+          <ac:picMkLst>
+            <pc:docMk/>
+            <pc:sldMk cId="607115465" sldId="322"/>
+            <ac:picMk id="2050" creationId="{49D7D839-524B-31F4-3283-4F14D187229D}"/>
+          </ac:picMkLst>
+        </pc:picChg>
       </pc:sldChg>
       <pc:sldChg chg="modSp new del mod">
         <pc:chgData name="Adrien Osakwe" userId="7a3e290c-eb83-484b-8e3d-d46ef2333477" providerId="ADAL" clId="{FC38A552-1810-4A9B-8174-E44D3C19BC43}" dt="2022-06-01T18:30:51.637" v="942" actId="47"/>
@@ -2434,13 +2466,13 @@
         </pc:spChg>
       </pc:sldChg>
       <pc:sldChg chg="modSp new mod">
-        <pc:chgData name="Adrien Osakwe" userId="7a3e290c-eb83-484b-8e3d-d46ef2333477" providerId="ADAL" clId="{FC38A552-1810-4A9B-8174-E44D3C19BC43}" dt="2022-06-03T15:49:18.387" v="1574" actId="20577"/>
+        <pc:chgData name="Adrien Osakwe" userId="7a3e290c-eb83-484b-8e3d-d46ef2333477" providerId="ADAL" clId="{FC38A552-1810-4A9B-8174-E44D3C19BC43}" dt="2022-06-06T16:25:23.706" v="4614" actId="20577"/>
         <pc:sldMkLst>
           <pc:docMk/>
           <pc:sldMk cId="130669974" sldId="325"/>
         </pc:sldMkLst>
         <pc:spChg chg="mod">
-          <ac:chgData name="Adrien Osakwe" userId="7a3e290c-eb83-484b-8e3d-d46ef2333477" providerId="ADAL" clId="{FC38A552-1810-4A9B-8174-E44D3C19BC43}" dt="2022-06-03T15:49:18.387" v="1574" actId="20577"/>
+          <ac:chgData name="Adrien Osakwe" userId="7a3e290c-eb83-484b-8e3d-d46ef2333477" providerId="ADAL" clId="{FC38A552-1810-4A9B-8174-E44D3C19BC43}" dt="2022-06-06T16:25:23.706" v="4614" actId="20577"/>
           <ac:spMkLst>
             <pc:docMk/>
             <pc:sldMk cId="130669974" sldId="325"/>
@@ -2464,7 +2496,7 @@
         </pc:spChg>
       </pc:sldChg>
       <pc:sldChg chg="modSp new mod ord">
-        <pc:chgData name="Adrien Osakwe" userId="7a3e290c-eb83-484b-8e3d-d46ef2333477" providerId="ADAL" clId="{FC38A552-1810-4A9B-8174-E44D3C19BC43}" dt="2022-06-03T19:48:27.679" v="2157" actId="20577"/>
+        <pc:chgData name="Adrien Osakwe" userId="7a3e290c-eb83-484b-8e3d-d46ef2333477" providerId="ADAL" clId="{FC38A552-1810-4A9B-8174-E44D3C19BC43}" dt="2022-06-06T15:49:33.734" v="4036"/>
         <pc:sldMkLst>
           <pc:docMk/>
           <pc:sldMk cId="3120015113" sldId="327"/>
@@ -2560,13 +2592,13 @@
         </pc:sldMkLst>
       </pc:sldChg>
       <pc:sldChg chg="modSp new mod">
-        <pc:chgData name="Adrien Osakwe" userId="7a3e290c-eb83-484b-8e3d-d46ef2333477" providerId="ADAL" clId="{FC38A552-1810-4A9B-8174-E44D3C19BC43}" dt="2022-06-03T20:01:52.108" v="3076" actId="20577"/>
+        <pc:chgData name="Adrien Osakwe" userId="7a3e290c-eb83-484b-8e3d-d46ef2333477" providerId="ADAL" clId="{FC38A552-1810-4A9B-8174-E44D3C19BC43}" dt="2022-06-06T15:41:21.781" v="3940" actId="20577"/>
         <pc:sldMkLst>
           <pc:docMk/>
           <pc:sldMk cId="890084902" sldId="331"/>
         </pc:sldMkLst>
         <pc:spChg chg="mod">
-          <ac:chgData name="Adrien Osakwe" userId="7a3e290c-eb83-484b-8e3d-d46ef2333477" providerId="ADAL" clId="{FC38A552-1810-4A9B-8174-E44D3C19BC43}" dt="2022-06-03T20:01:52.108" v="3076" actId="20577"/>
+          <ac:chgData name="Adrien Osakwe" userId="7a3e290c-eb83-484b-8e3d-d46ef2333477" providerId="ADAL" clId="{FC38A552-1810-4A9B-8174-E44D3C19BC43}" dt="2022-06-06T15:41:21.781" v="3940" actId="20577"/>
           <ac:spMkLst>
             <pc:docMk/>
             <pc:sldMk cId="890084902" sldId="331"/>
@@ -2597,14 +2629,14 @@
           </ac:picMkLst>
         </pc:picChg>
       </pc:sldChg>
-      <pc:sldChg chg="modSp new mod">
-        <pc:chgData name="Adrien Osakwe" userId="7a3e290c-eb83-484b-8e3d-d46ef2333477" providerId="ADAL" clId="{FC38A552-1810-4A9B-8174-E44D3C19BC43}" dt="2022-06-03T20:06:45.730" v="3206" actId="20577"/>
+      <pc:sldChg chg="modSp new mod modNotesTx">
+        <pc:chgData name="Adrien Osakwe" userId="7a3e290c-eb83-484b-8e3d-d46ef2333477" providerId="ADAL" clId="{FC38A552-1810-4A9B-8174-E44D3C19BC43}" dt="2022-06-06T16:24:23.961" v="4549" actId="20577"/>
         <pc:sldMkLst>
           <pc:docMk/>
           <pc:sldMk cId="634442937" sldId="333"/>
         </pc:sldMkLst>
         <pc:spChg chg="mod">
-          <ac:chgData name="Adrien Osakwe" userId="7a3e290c-eb83-484b-8e3d-d46ef2333477" providerId="ADAL" clId="{FC38A552-1810-4A9B-8174-E44D3C19BC43}" dt="2022-06-03T20:06:45.730" v="3206" actId="20577"/>
+          <ac:chgData name="Adrien Osakwe" userId="7a3e290c-eb83-484b-8e3d-d46ef2333477" providerId="ADAL" clId="{FC38A552-1810-4A9B-8174-E44D3C19BC43}" dt="2022-06-06T15:52:31.051" v="4485" actId="20577"/>
           <ac:spMkLst>
             <pc:docMk/>
             <pc:sldMk cId="634442937" sldId="333"/>
@@ -2613,13 +2645,13 @@
         </pc:spChg>
       </pc:sldChg>
       <pc:sldChg chg="modSp new mod">
-        <pc:chgData name="Adrien Osakwe" userId="7a3e290c-eb83-484b-8e3d-d46ef2333477" providerId="ADAL" clId="{FC38A552-1810-4A9B-8174-E44D3C19BC43}" dt="2022-06-03T20:07:01.750" v="3216" actId="20577"/>
+        <pc:chgData name="Adrien Osakwe" userId="7a3e290c-eb83-484b-8e3d-d46ef2333477" providerId="ADAL" clId="{FC38A552-1810-4A9B-8174-E44D3C19BC43}" dt="2022-06-06T18:07:57.838" v="5740" actId="20577"/>
         <pc:sldMkLst>
           <pc:docMk/>
           <pc:sldMk cId="2565697555" sldId="334"/>
         </pc:sldMkLst>
         <pc:spChg chg="mod">
-          <ac:chgData name="Adrien Osakwe" userId="7a3e290c-eb83-484b-8e3d-d46ef2333477" providerId="ADAL" clId="{FC38A552-1810-4A9B-8174-E44D3C19BC43}" dt="2022-06-03T20:07:01.750" v="3216" actId="20577"/>
+          <ac:chgData name="Adrien Osakwe" userId="7a3e290c-eb83-484b-8e3d-d46ef2333477" providerId="ADAL" clId="{FC38A552-1810-4A9B-8174-E44D3C19BC43}" dt="2022-06-06T18:07:57.838" v="5740" actId="20577"/>
           <ac:spMkLst>
             <pc:docMk/>
             <pc:sldMk cId="2565697555" sldId="334"/>
@@ -2627,14 +2659,14 @@
           </ac:spMkLst>
         </pc:spChg>
       </pc:sldChg>
-      <pc:sldChg chg="modSp add mod">
-        <pc:chgData name="Adrien Osakwe" userId="7a3e290c-eb83-484b-8e3d-d46ef2333477" providerId="ADAL" clId="{FC38A552-1810-4A9B-8174-E44D3C19BC43}" dt="2022-06-03T20:07:38.049" v="3249" actId="20577"/>
+      <pc:sldChg chg="modSp add mod modNotesTx">
+        <pc:chgData name="Adrien Osakwe" userId="7a3e290c-eb83-484b-8e3d-d46ef2333477" providerId="ADAL" clId="{FC38A552-1810-4A9B-8174-E44D3C19BC43}" dt="2022-06-06T16:29:05.409" v="4688" actId="20577"/>
         <pc:sldMkLst>
           <pc:docMk/>
           <pc:sldMk cId="4165173319" sldId="335"/>
         </pc:sldMkLst>
         <pc:spChg chg="mod">
-          <ac:chgData name="Adrien Osakwe" userId="7a3e290c-eb83-484b-8e3d-d46ef2333477" providerId="ADAL" clId="{FC38A552-1810-4A9B-8174-E44D3C19BC43}" dt="2022-06-03T20:07:38.049" v="3249" actId="20577"/>
+          <ac:chgData name="Adrien Osakwe" userId="7a3e290c-eb83-484b-8e3d-d46ef2333477" providerId="ADAL" clId="{FC38A552-1810-4A9B-8174-E44D3C19BC43}" dt="2022-06-06T16:29:05.409" v="4688" actId="20577"/>
           <ac:spMkLst>
             <pc:docMk/>
             <pc:sldMk cId="4165173319" sldId="335"/>
@@ -2658,13 +2690,13 @@
         </pc:spChg>
       </pc:sldChg>
       <pc:sldChg chg="modSp add mod">
-        <pc:chgData name="Adrien Osakwe" userId="7a3e290c-eb83-484b-8e3d-d46ef2333477" providerId="ADAL" clId="{FC38A552-1810-4A9B-8174-E44D3C19BC43}" dt="2022-06-03T20:08:06.244" v="3269" actId="20577"/>
+        <pc:chgData name="Adrien Osakwe" userId="7a3e290c-eb83-484b-8e3d-d46ef2333477" providerId="ADAL" clId="{FC38A552-1810-4A9B-8174-E44D3C19BC43}" dt="2022-06-06T16:29:08.503" v="4690" actId="20577"/>
         <pc:sldMkLst>
           <pc:docMk/>
           <pc:sldMk cId="1749104538" sldId="337"/>
         </pc:sldMkLst>
         <pc:spChg chg="mod">
-          <ac:chgData name="Adrien Osakwe" userId="7a3e290c-eb83-484b-8e3d-d46ef2333477" providerId="ADAL" clId="{FC38A552-1810-4A9B-8174-E44D3C19BC43}" dt="2022-06-03T20:08:06.244" v="3269" actId="20577"/>
+          <ac:chgData name="Adrien Osakwe" userId="7a3e290c-eb83-484b-8e3d-d46ef2333477" providerId="ADAL" clId="{FC38A552-1810-4A9B-8174-E44D3C19BC43}" dt="2022-06-06T16:29:08.503" v="4690" actId="20577"/>
           <ac:spMkLst>
             <pc:docMk/>
             <pc:sldMk cId="1749104538" sldId="337"/>
@@ -2723,6 +2755,154 @@
             <ac:spMk id="2" creationId="{537CF4C5-19DD-1456-A479-EB3A56303A29}"/>
           </ac:spMkLst>
         </pc:spChg>
+      </pc:sldChg>
+      <pc:sldChg chg="modSp new mod">
+        <pc:chgData name="Adrien Osakwe" userId="7a3e290c-eb83-484b-8e3d-d46ef2333477" providerId="ADAL" clId="{FC38A552-1810-4A9B-8174-E44D3C19BC43}" dt="2022-06-06T16:21:48.521" v="4495" actId="113"/>
+        <pc:sldMkLst>
+          <pc:docMk/>
+          <pc:sldMk cId="2212101275" sldId="342"/>
+        </pc:sldMkLst>
+        <pc:spChg chg="mod">
+          <ac:chgData name="Adrien Osakwe" userId="7a3e290c-eb83-484b-8e3d-d46ef2333477" providerId="ADAL" clId="{FC38A552-1810-4A9B-8174-E44D3C19BC43}" dt="2022-06-06T16:21:48.521" v="4495" actId="113"/>
+          <ac:spMkLst>
+            <pc:docMk/>
+            <pc:sldMk cId="2212101275" sldId="342"/>
+            <ac:spMk id="2" creationId="{4B362877-EC0E-5809-5772-B43E9A438950}"/>
+          </ac:spMkLst>
+        </pc:spChg>
+      </pc:sldChg>
+      <pc:sldChg chg="modSp new mod">
+        <pc:chgData name="Adrien Osakwe" userId="7a3e290c-eb83-484b-8e3d-d46ef2333477" providerId="ADAL" clId="{FC38A552-1810-4A9B-8174-E44D3C19BC43}" dt="2022-06-06T15:51:12.504" v="4341" actId="20577"/>
+        <pc:sldMkLst>
+          <pc:docMk/>
+          <pc:sldMk cId="2827798705" sldId="343"/>
+        </pc:sldMkLst>
+        <pc:spChg chg="mod">
+          <ac:chgData name="Adrien Osakwe" userId="7a3e290c-eb83-484b-8e3d-d46ef2333477" providerId="ADAL" clId="{FC38A552-1810-4A9B-8174-E44D3C19BC43}" dt="2022-06-06T15:51:12.504" v="4341" actId="20577"/>
+          <ac:spMkLst>
+            <pc:docMk/>
+            <pc:sldMk cId="2827798705" sldId="343"/>
+            <ac:spMk id="2" creationId="{25A859FC-8253-4863-5CED-A4DFB2F9AD9A}"/>
+          </ac:spMkLst>
+        </pc:spChg>
+      </pc:sldChg>
+      <pc:sldChg chg="modSp add mod ord">
+        <pc:chgData name="Adrien Osakwe" userId="7a3e290c-eb83-484b-8e3d-d46ef2333477" providerId="ADAL" clId="{FC38A552-1810-4A9B-8174-E44D3C19BC43}" dt="2022-06-06T16:24:49.786" v="4598" actId="20577"/>
+        <pc:sldMkLst>
+          <pc:docMk/>
+          <pc:sldMk cId="1723855522" sldId="344"/>
+        </pc:sldMkLst>
+        <pc:spChg chg="mod">
+          <ac:chgData name="Adrien Osakwe" userId="7a3e290c-eb83-484b-8e3d-d46ef2333477" providerId="ADAL" clId="{FC38A552-1810-4A9B-8174-E44D3C19BC43}" dt="2022-06-06T16:24:49.786" v="4598" actId="20577"/>
+          <ac:spMkLst>
+            <pc:docMk/>
+            <pc:sldMk cId="1723855522" sldId="344"/>
+            <ac:spMk id="2" creationId="{F30F071A-0450-8F6E-F28D-8124D7A90523}"/>
+          </ac:spMkLst>
+        </pc:spChg>
+      </pc:sldChg>
+      <pc:sldChg chg="modSp add mod">
+        <pc:chgData name="Adrien Osakwe" userId="7a3e290c-eb83-484b-8e3d-d46ef2333477" providerId="ADAL" clId="{FC38A552-1810-4A9B-8174-E44D3C19BC43}" dt="2022-06-06T16:29:13.006" v="4692" actId="20577"/>
+        <pc:sldMkLst>
+          <pc:docMk/>
+          <pc:sldMk cId="1081245530" sldId="345"/>
+        </pc:sldMkLst>
+        <pc:spChg chg="mod">
+          <ac:chgData name="Adrien Osakwe" userId="7a3e290c-eb83-484b-8e3d-d46ef2333477" providerId="ADAL" clId="{FC38A552-1810-4A9B-8174-E44D3C19BC43}" dt="2022-06-06T16:29:13.006" v="4692" actId="20577"/>
+          <ac:spMkLst>
+            <pc:docMk/>
+            <pc:sldMk cId="1081245530" sldId="345"/>
+            <ac:spMk id="2" creationId="{F30F071A-0450-8F6E-F28D-8124D7A90523}"/>
+          </ac:spMkLst>
+        </pc:spChg>
+      </pc:sldChg>
+      <pc:sldChg chg="modSp add mod">
+        <pc:chgData name="Adrien Osakwe" userId="7a3e290c-eb83-484b-8e3d-d46ef2333477" providerId="ADAL" clId="{FC38A552-1810-4A9B-8174-E44D3C19BC43}" dt="2022-06-06T16:29:43.597" v="4783" actId="20577"/>
+        <pc:sldMkLst>
+          <pc:docMk/>
+          <pc:sldMk cId="2611691246" sldId="346"/>
+        </pc:sldMkLst>
+        <pc:spChg chg="mod">
+          <ac:chgData name="Adrien Osakwe" userId="7a3e290c-eb83-484b-8e3d-d46ef2333477" providerId="ADAL" clId="{FC38A552-1810-4A9B-8174-E44D3C19BC43}" dt="2022-06-06T16:29:43.597" v="4783" actId="20577"/>
+          <ac:spMkLst>
+            <pc:docMk/>
+            <pc:sldMk cId="2611691246" sldId="346"/>
+            <ac:spMk id="2" creationId="{F30F071A-0450-8F6E-F28D-8124D7A90523}"/>
+          </ac:spMkLst>
+        </pc:spChg>
+      </pc:sldChg>
+      <pc:sldChg chg="modSp add mod">
+        <pc:chgData name="Adrien Osakwe" userId="7a3e290c-eb83-484b-8e3d-d46ef2333477" providerId="ADAL" clId="{FC38A552-1810-4A9B-8174-E44D3C19BC43}" dt="2022-06-06T16:29:55.063" v="4814" actId="20577"/>
+        <pc:sldMkLst>
+          <pc:docMk/>
+          <pc:sldMk cId="3458676307" sldId="347"/>
+        </pc:sldMkLst>
+        <pc:spChg chg="mod">
+          <ac:chgData name="Adrien Osakwe" userId="7a3e290c-eb83-484b-8e3d-d46ef2333477" providerId="ADAL" clId="{FC38A552-1810-4A9B-8174-E44D3C19BC43}" dt="2022-06-06T16:29:55.063" v="4814" actId="20577"/>
+          <ac:spMkLst>
+            <pc:docMk/>
+            <pc:sldMk cId="3458676307" sldId="347"/>
+            <ac:spMk id="2" creationId="{F30F071A-0450-8F6E-F28D-8124D7A90523}"/>
+          </ac:spMkLst>
+        </pc:spChg>
+      </pc:sldChg>
+      <pc:sldChg chg="new del">
+        <pc:chgData name="Adrien Osakwe" userId="7a3e290c-eb83-484b-8e3d-d46ef2333477" providerId="ADAL" clId="{FC38A552-1810-4A9B-8174-E44D3C19BC43}" dt="2022-06-06T16:30:15.924" v="4816" actId="47"/>
+        <pc:sldMkLst>
+          <pc:docMk/>
+          <pc:sldMk cId="307895873" sldId="348"/>
+        </pc:sldMkLst>
+      </pc:sldChg>
+      <pc:sldChg chg="modSp add mod">
+        <pc:chgData name="Adrien Osakwe" userId="7a3e290c-eb83-484b-8e3d-d46ef2333477" providerId="ADAL" clId="{FC38A552-1810-4A9B-8174-E44D3C19BC43}" dt="2022-06-06T16:30:57.034" v="4921" actId="20577"/>
+        <pc:sldMkLst>
+          <pc:docMk/>
+          <pc:sldMk cId="308561724" sldId="348"/>
+        </pc:sldMkLst>
+        <pc:spChg chg="mod">
+          <ac:chgData name="Adrien Osakwe" userId="7a3e290c-eb83-484b-8e3d-d46ef2333477" providerId="ADAL" clId="{FC38A552-1810-4A9B-8174-E44D3C19BC43}" dt="2022-06-06T16:30:57.034" v="4921" actId="20577"/>
+          <ac:spMkLst>
+            <pc:docMk/>
+            <pc:sldMk cId="308561724" sldId="348"/>
+            <ac:spMk id="2" creationId="{F30F071A-0450-8F6E-F28D-8124D7A90523}"/>
+          </ac:spMkLst>
+        </pc:spChg>
+      </pc:sldChg>
+      <pc:sldChg chg="add del">
+        <pc:chgData name="Adrien Osakwe" userId="7a3e290c-eb83-484b-8e3d-d46ef2333477" providerId="ADAL" clId="{FC38A552-1810-4A9B-8174-E44D3C19BC43}" dt="2022-06-06T16:30:19.210" v="4818"/>
+        <pc:sldMkLst>
+          <pc:docMk/>
+          <pc:sldMk cId="2683925971" sldId="348"/>
+        </pc:sldMkLst>
+      </pc:sldChg>
+      <pc:sldChg chg="new del">
+        <pc:chgData name="Adrien Osakwe" userId="7a3e290c-eb83-484b-8e3d-d46ef2333477" providerId="ADAL" clId="{FC38A552-1810-4A9B-8174-E44D3C19BC43}" dt="2022-06-06T16:31:26.606" v="4924" actId="47"/>
+        <pc:sldMkLst>
+          <pc:docMk/>
+          <pc:sldMk cId="2490028108" sldId="349"/>
+        </pc:sldMkLst>
+      </pc:sldChg>
+      <pc:sldChg chg="modSp add mod">
+        <pc:chgData name="Adrien Osakwe" userId="7a3e290c-eb83-484b-8e3d-d46ef2333477" providerId="ADAL" clId="{FC38A552-1810-4A9B-8174-E44D3C19BC43}" dt="2022-06-06T16:32:02.120" v="5065" actId="20577"/>
+        <pc:sldMkLst>
+          <pc:docMk/>
+          <pc:sldMk cId="4007831989" sldId="350"/>
+        </pc:sldMkLst>
+        <pc:spChg chg="mod">
+          <ac:chgData name="Adrien Osakwe" userId="7a3e290c-eb83-484b-8e3d-d46ef2333477" providerId="ADAL" clId="{FC38A552-1810-4A9B-8174-E44D3C19BC43}" dt="2022-06-06T16:32:02.120" v="5065" actId="20577"/>
+          <ac:spMkLst>
+            <pc:docMk/>
+            <pc:sldMk cId="4007831989" sldId="350"/>
+            <ac:spMk id="2" creationId="{F30F071A-0450-8F6E-F28D-8124D7A90523}"/>
+          </ac:spMkLst>
+        </pc:spChg>
+      </pc:sldChg>
+      <pc:sldChg chg="new del">
+        <pc:chgData name="Adrien Osakwe" userId="7a3e290c-eb83-484b-8e3d-d46ef2333477" providerId="ADAL" clId="{FC38A552-1810-4A9B-8174-E44D3C19BC43}" dt="2022-06-06T18:11:58.260" v="5742" actId="47"/>
+        <pc:sldMkLst>
+          <pc:docMk/>
+          <pc:sldMk cId="877614117" sldId="351"/>
+        </pc:sldMkLst>
       </pc:sldChg>
       <pc:sldMasterChg chg="addSp modSldLayout">
         <pc:chgData name="Adrien Osakwe" userId="7a3e290c-eb83-484b-8e3d-d46ef2333477" providerId="ADAL" clId="{FC38A552-1810-4A9B-8174-E44D3C19BC43}" dt="2022-06-01T12:53:26.728" v="71"/>
@@ -3766,7 +3946,7 @@
           <a:p>
             <a:fld id="{DACBD60B-517C-4242-AE46-E1BD2D086542}" type="slidenum">
               <a:rPr lang="fr-FR" smtClean="0"/>
-              <a:t>12</a:t>
+              <a:t>13</a:t>
             </a:fld>
             <a:endParaRPr lang="fr-FR"/>
           </a:p>
@@ -3776,6 +3956,180 @@
     <p:extLst>
       <p:ext uri="{BB962C8B-B14F-4D97-AF65-F5344CB8AC3E}">
         <p14:creationId xmlns:p14="http://schemas.microsoft.com/office/powerpoint/2010/main" val="2189421525"/>
+      </p:ext>
+    </p:extLst>
+  </p:cSld>
+  <p:clrMapOvr>
+    <a:masterClrMapping/>
+  </p:clrMapOvr>
+</p:notes>
+</file>
+
+<file path=ppt/notesSlides/notesSlide6.xml><?xml version="1.0" encoding="utf-8"?>
+<p:notes xmlns:a="http://schemas.openxmlformats.org/drawingml/2006/main" xmlns:r="http://schemas.openxmlformats.org/officeDocument/2006/relationships" xmlns:p="http://schemas.openxmlformats.org/presentationml/2006/main">
+  <p:cSld>
+    <p:spTree>
+      <p:nvGrpSpPr>
+        <p:cNvPr id="1" name=""/>
+        <p:cNvGrpSpPr/>
+        <p:nvPr/>
+      </p:nvGrpSpPr>
+      <p:grpSpPr>
+        <a:xfrm>
+          <a:off x="0" y="0"/>
+          <a:ext cx="0" cy="0"/>
+          <a:chOff x="0" y="0"/>
+          <a:chExt cx="0" cy="0"/>
+        </a:xfrm>
+      </p:grpSpPr>
+      <p:sp>
+        <p:nvSpPr>
+          <p:cNvPr id="2" name="Slide Image Placeholder 1"/>
+          <p:cNvSpPr>
+            <a:spLocks noGrp="1" noRot="1" noChangeAspect="1"/>
+          </p:cNvSpPr>
+          <p:nvPr>
+            <p:ph type="sldImg"/>
+          </p:nvPr>
+        </p:nvSpPr>
+        <p:spPr/>
+      </p:sp>
+      <p:sp>
+        <p:nvSpPr>
+          <p:cNvPr id="3" name="Notes Placeholder 2"/>
+          <p:cNvSpPr>
+            <a:spLocks noGrp="1"/>
+          </p:cNvSpPr>
+          <p:nvPr>
+            <p:ph type="body" idx="1"/>
+          </p:nvPr>
+        </p:nvSpPr>
+        <p:spPr/>
+        <p:txBody>
+          <a:bodyPr/>
+          <a:lstStyle/>
+          <a:p>
+            <a:r>
+              <a:rPr lang="en-CA" dirty="0"/>
+              <a:t>Create it, edit it, move it, remove it</a:t>
+            </a:r>
+          </a:p>
+        </p:txBody>
+      </p:sp>
+      <p:sp>
+        <p:nvSpPr>
+          <p:cNvPr id="4" name="Slide Number Placeholder 3"/>
+          <p:cNvSpPr>
+            <a:spLocks noGrp="1"/>
+          </p:cNvSpPr>
+          <p:nvPr>
+            <p:ph type="sldNum" sz="quarter" idx="5"/>
+          </p:nvPr>
+        </p:nvSpPr>
+        <p:spPr/>
+        <p:txBody>
+          <a:bodyPr/>
+          <a:lstStyle/>
+          <a:p>
+            <a:fld id="{DACBD60B-517C-4242-AE46-E1BD2D086542}" type="slidenum">
+              <a:rPr lang="fr-FR" smtClean="0"/>
+              <a:t>15</a:t>
+            </a:fld>
+            <a:endParaRPr lang="fr-FR"/>
+          </a:p>
+        </p:txBody>
+      </p:sp>
+    </p:spTree>
+    <p:extLst>
+      <p:ext uri="{BB962C8B-B14F-4D97-AF65-F5344CB8AC3E}">
+        <p14:creationId xmlns:p14="http://schemas.microsoft.com/office/powerpoint/2010/main" val="25833951"/>
+      </p:ext>
+    </p:extLst>
+  </p:cSld>
+  <p:clrMapOvr>
+    <a:masterClrMapping/>
+  </p:clrMapOvr>
+</p:notes>
+</file>
+
+<file path=ppt/notesSlides/notesSlide7.xml><?xml version="1.0" encoding="utf-8"?>
+<p:notes xmlns:a="http://schemas.openxmlformats.org/drawingml/2006/main" xmlns:r="http://schemas.openxmlformats.org/officeDocument/2006/relationships" xmlns:p="http://schemas.openxmlformats.org/presentationml/2006/main">
+  <p:cSld>
+    <p:spTree>
+      <p:nvGrpSpPr>
+        <p:cNvPr id="1" name=""/>
+        <p:cNvGrpSpPr/>
+        <p:nvPr/>
+      </p:nvGrpSpPr>
+      <p:grpSpPr>
+        <a:xfrm>
+          <a:off x="0" y="0"/>
+          <a:ext cx="0" cy="0"/>
+          <a:chOff x="0" y="0"/>
+          <a:chExt cx="0" cy="0"/>
+        </a:xfrm>
+      </p:grpSpPr>
+      <p:sp>
+        <p:nvSpPr>
+          <p:cNvPr id="2" name="Slide Image Placeholder 1"/>
+          <p:cNvSpPr>
+            <a:spLocks noGrp="1" noRot="1" noChangeAspect="1"/>
+          </p:cNvSpPr>
+          <p:nvPr>
+            <p:ph type="sldImg"/>
+          </p:nvPr>
+        </p:nvSpPr>
+        <p:spPr/>
+      </p:sp>
+      <p:sp>
+        <p:nvSpPr>
+          <p:cNvPr id="3" name="Notes Placeholder 2"/>
+          <p:cNvSpPr>
+            <a:spLocks noGrp="1"/>
+          </p:cNvSpPr>
+          <p:nvPr>
+            <p:ph type="body" idx="1"/>
+          </p:nvPr>
+        </p:nvSpPr>
+        <p:spPr/>
+        <p:txBody>
+          <a:bodyPr/>
+          <a:lstStyle/>
+          <a:p>
+            <a:r>
+              <a:rPr lang="en-CA" dirty="0"/>
+              <a:t>Create new branch and make changes</a:t>
+            </a:r>
+          </a:p>
+        </p:txBody>
+      </p:sp>
+      <p:sp>
+        <p:nvSpPr>
+          <p:cNvPr id="4" name="Slide Number Placeholder 3"/>
+          <p:cNvSpPr>
+            <a:spLocks noGrp="1"/>
+          </p:cNvSpPr>
+          <p:nvPr>
+            <p:ph type="sldNum" sz="quarter" idx="5"/>
+          </p:nvPr>
+        </p:nvSpPr>
+        <p:spPr/>
+        <p:txBody>
+          <a:bodyPr/>
+          <a:lstStyle/>
+          <a:p>
+            <a:fld id="{DACBD60B-517C-4242-AE46-E1BD2D086542}" type="slidenum">
+              <a:rPr lang="fr-FR" smtClean="0"/>
+              <a:t>20</a:t>
+            </a:fld>
+            <a:endParaRPr lang="fr-FR"/>
+          </a:p>
+        </p:txBody>
+      </p:sp>
+    </p:spTree>
+    <p:extLst>
+      <p:ext uri="{BB962C8B-B14F-4D97-AF65-F5344CB8AC3E}">
+        <p14:creationId xmlns:p14="http://schemas.microsoft.com/office/powerpoint/2010/main" val="1675639307"/>
       </p:ext>
     </p:extLst>
   </p:cSld>
@@ -9131,7 +9485,7 @@
           <p:cNvPr id="2" name="Text Placeholder 1">
             <a:extLst>
               <a:ext uri="{FF2B5EF4-FFF2-40B4-BE49-F238E27FC236}">
-                <a16:creationId xmlns:a16="http://schemas.microsoft.com/office/drawing/2014/main" id="{DDA2806D-35FE-24B5-F6B0-BC4E91E20B63}"/>
+                <a16:creationId xmlns:a16="http://schemas.microsoft.com/office/drawing/2014/main" id="{25A859FC-8253-4863-5CED-A4DFB2F9AD9A}"/>
               </a:ext>
             </a:extLst>
           </p:cNvPr>
@@ -9152,14 +9506,112 @@
             </a:pPr>
             <a:r>
               <a:rPr lang="en-CA" b="1" dirty="0"/>
+              <a:t>What is a commit?</a:t>
+            </a:r>
+          </a:p>
+          <a:p>
+            <a:pPr marL="0" indent="0">
+              <a:buNone/>
+            </a:pPr>
+            <a:endParaRPr lang="en-CA" dirty="0"/>
+          </a:p>
+          <a:p>
+            <a:r>
+              <a:rPr lang="en-CA" dirty="0"/>
+              <a:t>A commit is a saved instance of your project</a:t>
+            </a:r>
+          </a:p>
+          <a:p>
+            <a:endParaRPr lang="en-CA" dirty="0"/>
+          </a:p>
+          <a:p>
+            <a:r>
+              <a:rPr lang="en-CA" dirty="0"/>
+              <a:t>It has a </a:t>
+            </a:r>
+            <a:r>
+              <a:rPr lang="en-CA" b="1" dirty="0"/>
+              <a:t>unique ID</a:t>
+            </a:r>
+            <a:r>
+              <a:rPr lang="en-CA" dirty="0"/>
+              <a:t> and can be used to revert your project to a previous version</a:t>
+            </a:r>
+          </a:p>
+          <a:p>
+            <a:endParaRPr lang="en-CA" dirty="0"/>
+          </a:p>
+          <a:p>
+            <a:r>
+              <a:rPr lang="en-CA" dirty="0"/>
+              <a:t>Each commit keeps track of all modifications made since the previous commit</a:t>
+            </a:r>
+          </a:p>
+        </p:txBody>
+      </p:sp>
+    </p:spTree>
+    <p:extLst>
+      <p:ext uri="{BB962C8B-B14F-4D97-AF65-F5344CB8AC3E}">
+        <p14:creationId xmlns:p14="http://schemas.microsoft.com/office/powerpoint/2010/main" val="2827798705"/>
+      </p:ext>
+    </p:extLst>
+  </p:cSld>
+  <p:clrMapOvr>
+    <a:masterClrMapping/>
+  </p:clrMapOvr>
+</p:sld>
+</file>
+
+<file path=ppt/slides/slide13.xml><?xml version="1.0" encoding="utf-8"?>
+<p:sld xmlns:a="http://schemas.openxmlformats.org/drawingml/2006/main" xmlns:r="http://schemas.openxmlformats.org/officeDocument/2006/relationships" xmlns:p="http://schemas.openxmlformats.org/presentationml/2006/main">
+  <p:cSld>
+    <p:spTree>
+      <p:nvGrpSpPr>
+        <p:cNvPr id="1" name=""/>
+        <p:cNvGrpSpPr/>
+        <p:nvPr/>
+      </p:nvGrpSpPr>
+      <p:grpSpPr>
+        <a:xfrm>
+          <a:off x="0" y="0"/>
+          <a:ext cx="0" cy="0"/>
+          <a:chOff x="0" y="0"/>
+          <a:chExt cx="0" cy="0"/>
+        </a:xfrm>
+      </p:grpSpPr>
+      <p:sp>
+        <p:nvSpPr>
+          <p:cNvPr id="2" name="Text Placeholder 1">
+            <a:extLst>
+              <a:ext uri="{FF2B5EF4-FFF2-40B4-BE49-F238E27FC236}">
+                <a16:creationId xmlns:a16="http://schemas.microsoft.com/office/drawing/2014/main" id="{DDA2806D-35FE-24B5-F6B0-BC4E91E20B63}"/>
+              </a:ext>
+            </a:extLst>
+          </p:cNvPr>
+          <p:cNvSpPr>
+            <a:spLocks noGrp="1"/>
+          </p:cNvSpPr>
+          <p:nvPr>
+            <p:ph type="body" sz="quarter" idx="10"/>
+          </p:nvPr>
+        </p:nvSpPr>
+        <p:spPr/>
+        <p:txBody>
+          <a:bodyPr>
+            <a:normAutofit lnSpcReduction="10000"/>
+          </a:bodyPr>
+          <a:lstStyle/>
+          <a:p>
+            <a:pPr marL="0" indent="0">
+              <a:buNone/>
+            </a:pPr>
+            <a:r>
+              <a:rPr lang="en-CA" b="1" dirty="0"/>
               <a:t>Summary</a:t>
             </a:r>
           </a:p>
           <a:p>
-            <a:r>
-              <a:rPr lang="en-CA" dirty="0"/>
-              <a:t>Have to start tracking files after creating the git repository</a:t>
-            </a:r>
+            <a:endParaRPr lang="en-CA" dirty="0"/>
           </a:p>
           <a:p>
             <a:r>
@@ -9178,6 +9630,8 @@
               <a:rPr lang="en-CA" b="1" dirty="0"/>
               <a:t>staging area</a:t>
             </a:r>
+          </a:p>
+          <a:p>
             <a:endParaRPr lang="en-CA" dirty="0"/>
           </a:p>
           <a:p>
@@ -9193,6 +9647,32 @@
               <a:rPr lang="en-CA" dirty="0"/>
               <a:t>to the local repository</a:t>
             </a:r>
+          </a:p>
+          <a:p>
+            <a:endParaRPr lang="en-CA" dirty="0"/>
+          </a:p>
+          <a:p>
+            <a:r>
+              <a:rPr lang="en-CA" dirty="0"/>
+              <a:t>Commits can then be used to </a:t>
+            </a:r>
+            <a:r>
+              <a:rPr lang="en-CA" b="1" dirty="0"/>
+              <a:t>revert </a:t>
+            </a:r>
+            <a:r>
+              <a:rPr lang="en-CA" dirty="0"/>
+              <a:t>to previous instances of the project or simply to </a:t>
+            </a:r>
+            <a:r>
+              <a:rPr lang="en-CA" b="1" dirty="0"/>
+              <a:t>keep track</a:t>
+            </a:r>
+            <a:r>
+              <a:rPr lang="en-CA" dirty="0"/>
+              <a:t> of what changes have been made</a:t>
+            </a:r>
+            <a:endParaRPr lang="en-CA" b="1" dirty="0"/>
           </a:p>
         </p:txBody>
       </p:sp>
@@ -9209,7 +9689,7 @@
 </p:sld>
 </file>
 
-<file path=ppt/slides/slide13.xml><?xml version="1.0" encoding="utf-8"?>
+<file path=ppt/slides/slide14.xml><?xml version="1.0" encoding="utf-8"?>
 <p:sld xmlns:a="http://schemas.openxmlformats.org/drawingml/2006/main" xmlns:r="http://schemas.openxmlformats.org/officeDocument/2006/relationships" xmlns:p="http://schemas.openxmlformats.org/presentationml/2006/main">
   <p:cSld>
     <p:spTree>
@@ -9267,7 +9747,7 @@
 </p:sld>
 </file>
 
-<file path=ppt/slides/slide14.xml><?xml version="1.0" encoding="utf-8"?>
+<file path=ppt/slides/slide15.xml><?xml version="1.0" encoding="utf-8"?>
 <p:sld xmlns:a="http://schemas.openxmlformats.org/drawingml/2006/main" xmlns:r="http://schemas.openxmlformats.org/officeDocument/2006/relationships" xmlns:p="http://schemas.openxmlformats.org/presentationml/2006/main">
   <p:cSld>
     <p:spTree>
@@ -9308,6 +9788,30 @@
             <a:pPr marL="0" indent="0">
               <a:buNone/>
             </a:pPr>
+            <a:endParaRPr lang="en-CA" b="1" dirty="0"/>
+          </a:p>
+          <a:p>
+            <a:pPr marL="0" indent="0">
+              <a:buNone/>
+            </a:pPr>
+            <a:endParaRPr lang="en-CA" b="1" dirty="0"/>
+          </a:p>
+          <a:p>
+            <a:pPr marL="0" indent="0">
+              <a:buNone/>
+            </a:pPr>
+            <a:endParaRPr lang="en-CA" b="1" dirty="0"/>
+          </a:p>
+          <a:p>
+            <a:pPr marL="0" indent="0">
+              <a:buNone/>
+            </a:pPr>
+            <a:endParaRPr lang="en-CA" b="1" dirty="0"/>
+          </a:p>
+          <a:p>
+            <a:pPr marL="0" indent="0">
+              <a:buNone/>
+            </a:pPr>
             <a:r>
               <a:rPr lang="en-CA" b="1" dirty="0"/>
               <a:t>Activity #1 – Create and track a Text File with Git</a:t>
@@ -9328,7 +9832,7 @@
 </p:sld>
 </file>
 
-<file path=ppt/slides/slide15.xml><?xml version="1.0" encoding="utf-8"?>
+<file path=ppt/slides/slide16.xml><?xml version="1.0" encoding="utf-8"?>
 <p:sld xmlns:a="http://schemas.openxmlformats.org/drawingml/2006/main" xmlns:r="http://schemas.openxmlformats.org/officeDocument/2006/relationships" xmlns:p="http://schemas.openxmlformats.org/presentationml/2006/main">
   <p:cSld>
     <p:spTree>
@@ -9374,6 +9878,61 @@
               <a:t>Poll #1</a:t>
             </a:r>
           </a:p>
+          <a:p>
+            <a:pPr marL="0" indent="0">
+              <a:buNone/>
+            </a:pPr>
+            <a:endParaRPr lang="en-CA" b="1" dirty="0"/>
+          </a:p>
+          <a:p>
+            <a:pPr marL="0" indent="0">
+              <a:buNone/>
+            </a:pPr>
+            <a:r>
+              <a:rPr lang="en-CA" b="1" dirty="0"/>
+              <a:t>T/F </a:t>
+            </a:r>
+            <a:r>
+              <a:rPr lang="en-CA" dirty="0"/>
+              <a:t>– After initialisation, a project folder becomes a git repository</a:t>
+            </a:r>
+          </a:p>
+          <a:p>
+            <a:pPr marL="0" indent="0">
+              <a:buNone/>
+            </a:pPr>
+            <a:endParaRPr lang="en-CA" b="1" dirty="0"/>
+          </a:p>
+          <a:p>
+            <a:pPr marL="0" indent="0">
+              <a:buNone/>
+            </a:pPr>
+            <a:r>
+              <a:rPr lang="en-CA" dirty="0"/>
+              <a:t>Where in the git repository is a modification stored after it is “added”?</a:t>
+            </a:r>
+          </a:p>
+          <a:p>
+            <a:pPr marL="0" indent="0">
+              <a:buNone/>
+            </a:pPr>
+            <a:endParaRPr lang="en-CA" dirty="0"/>
+          </a:p>
+          <a:p>
+            <a:pPr marL="0" indent="0">
+              <a:buNone/>
+            </a:pPr>
+            <a:r>
+              <a:rPr lang="en-CA" dirty="0"/>
+              <a:t>Is it possible for two commits to have the same ID?</a:t>
+            </a:r>
+          </a:p>
+          <a:p>
+            <a:pPr marL="0" indent="0">
+              <a:buNone/>
+            </a:pPr>
+            <a:endParaRPr lang="en-CA" b="1" dirty="0"/>
+          </a:p>
         </p:txBody>
       </p:sp>
     </p:spTree>
@@ -9389,7 +9948,92 @@
 </p:sld>
 </file>
 
-<file path=ppt/slides/slide16.xml><?xml version="1.0" encoding="utf-8"?>
+<file path=ppt/slides/slide17.xml><?xml version="1.0" encoding="utf-8"?>
+<p:sld xmlns:a="http://schemas.openxmlformats.org/drawingml/2006/main" xmlns:r="http://schemas.openxmlformats.org/officeDocument/2006/relationships" xmlns:p="http://schemas.openxmlformats.org/presentationml/2006/main">
+  <p:cSld>
+    <p:spTree>
+      <p:nvGrpSpPr>
+        <p:cNvPr id="1" name=""/>
+        <p:cNvGrpSpPr/>
+        <p:nvPr/>
+      </p:nvGrpSpPr>
+      <p:grpSpPr>
+        <a:xfrm>
+          <a:off x="0" y="0"/>
+          <a:ext cx="0" cy="0"/>
+          <a:chOff x="0" y="0"/>
+          <a:chExt cx="0" cy="0"/>
+        </a:xfrm>
+      </p:grpSpPr>
+      <p:sp>
+        <p:nvSpPr>
+          <p:cNvPr id="2" name="Text Placeholder 1">
+            <a:extLst>
+              <a:ext uri="{FF2B5EF4-FFF2-40B4-BE49-F238E27FC236}">
+                <a16:creationId xmlns:a16="http://schemas.microsoft.com/office/drawing/2014/main" id="{F30F071A-0450-8F6E-F28D-8124D7A90523}"/>
+              </a:ext>
+            </a:extLst>
+          </p:cNvPr>
+          <p:cNvSpPr>
+            <a:spLocks noGrp="1"/>
+          </p:cNvSpPr>
+          <p:nvPr>
+            <p:ph type="body" sz="quarter" idx="10"/>
+          </p:nvPr>
+        </p:nvSpPr>
+        <p:spPr/>
+        <p:txBody>
+          <a:bodyPr/>
+          <a:lstStyle/>
+          <a:p>
+            <a:pPr marL="0" indent="0">
+              <a:buNone/>
+            </a:pPr>
+            <a:endParaRPr lang="en-CA" b="1" dirty="0"/>
+          </a:p>
+          <a:p>
+            <a:pPr marL="0" indent="0">
+              <a:buNone/>
+            </a:pPr>
+            <a:endParaRPr lang="en-CA" b="1" dirty="0"/>
+          </a:p>
+          <a:p>
+            <a:pPr marL="0" indent="0">
+              <a:buNone/>
+            </a:pPr>
+            <a:endParaRPr lang="en-CA" b="1" dirty="0"/>
+          </a:p>
+          <a:p>
+            <a:pPr marL="0" indent="0">
+              <a:buNone/>
+            </a:pPr>
+            <a:endParaRPr lang="en-CA" b="1" dirty="0"/>
+          </a:p>
+          <a:p>
+            <a:pPr marL="0" indent="0">
+              <a:buNone/>
+            </a:pPr>
+            <a:r>
+              <a:rPr lang="en-CA" b="1" dirty="0"/>
+              <a:t>Activity #2 – Revert a text file to a previous commit</a:t>
+            </a:r>
+          </a:p>
+        </p:txBody>
+      </p:sp>
+    </p:spTree>
+    <p:extLst>
+      <p:ext uri="{BB962C8B-B14F-4D97-AF65-F5344CB8AC3E}">
+        <p14:creationId xmlns:p14="http://schemas.microsoft.com/office/powerpoint/2010/main" val="1723855522"/>
+      </p:ext>
+    </p:extLst>
+  </p:cSld>
+  <p:clrMapOvr>
+    <a:masterClrMapping/>
+  </p:clrMapOvr>
+</p:sld>
+</file>
+
+<file path=ppt/slides/slide18.xml><?xml version="1.0" encoding="utf-8"?>
 <p:sld xmlns:a="http://schemas.openxmlformats.org/drawingml/2006/main" xmlns:r="http://schemas.openxmlformats.org/officeDocument/2006/relationships" xmlns:p="http://schemas.openxmlformats.org/presentationml/2006/main">
   <p:cSld>
     <p:spTree>
@@ -9447,7 +10091,7 @@
 </p:sld>
 </file>
 
-<file path=ppt/slides/slide17.xml><?xml version="1.0" encoding="utf-8"?>
+<file path=ppt/slides/slide19.xml><?xml version="1.0" encoding="utf-8"?>
 <p:sld xmlns:a="http://schemas.openxmlformats.org/drawingml/2006/main" xmlns:r="http://schemas.openxmlformats.org/officeDocument/2006/relationships" xmlns:p="http://schemas.openxmlformats.org/presentationml/2006/main">
   <p:cSld>
     <p:spTree>
@@ -9485,30 +10129,9 @@
           <a:bodyPr/>
           <a:lstStyle/>
           <a:p>
-            <a:r>
-              <a:rPr lang="en-CA" dirty="0"/>
-              <a:t>Add a file and track it</a:t>
-            </a:r>
-          </a:p>
-          <a:p>
-            <a:r>
-              <a:rPr lang="en-CA" dirty="0"/>
-              <a:t>Edit the file</a:t>
-            </a:r>
-          </a:p>
-          <a:p>
-            <a:r>
-              <a:rPr lang="en-CA" dirty="0"/>
-              <a:t>New edit with a mistake</a:t>
-            </a:r>
-          </a:p>
-          <a:p>
-            <a:r>
-              <a:rPr lang="en-CA" dirty="0"/>
-              <a:t>Rebase the edit</a:t>
-            </a:r>
-          </a:p>
-          <a:p>
+            <a:pPr marL="0" indent="0">
+              <a:buNone/>
+            </a:pPr>
             <a:endParaRPr lang="en-CA" dirty="0"/>
           </a:p>
           <a:p>
@@ -9516,6 +10139,21 @@
               <a:rPr lang="en-CA" dirty="0"/>
               <a:t>Branching</a:t>
             </a:r>
+          </a:p>
+          <a:p>
+            <a:endParaRPr lang="en-CA" dirty="0"/>
+          </a:p>
+          <a:p>
+            <a:r>
+              <a:rPr lang="en-CA" dirty="0"/>
+              <a:t>Merging</a:t>
+            </a:r>
+          </a:p>
+          <a:p>
+            <a:pPr marL="0" indent="0">
+              <a:buNone/>
+            </a:pPr>
+            <a:endParaRPr lang="en-CA" dirty="0"/>
           </a:p>
         </p:txBody>
       </p:sp>
@@ -9523,128 +10161,6 @@
     <p:extLst>
       <p:ext uri="{BB962C8B-B14F-4D97-AF65-F5344CB8AC3E}">
         <p14:creationId xmlns:p14="http://schemas.microsoft.com/office/powerpoint/2010/main" val="130669974"/>
-      </p:ext>
-    </p:extLst>
-  </p:cSld>
-  <p:clrMapOvr>
-    <a:masterClrMapping/>
-  </p:clrMapOvr>
-</p:sld>
-</file>
-
-<file path=ppt/slides/slide18.xml><?xml version="1.0" encoding="utf-8"?>
-<p:sld xmlns:a="http://schemas.openxmlformats.org/drawingml/2006/main" xmlns:r="http://schemas.openxmlformats.org/officeDocument/2006/relationships" xmlns:p="http://schemas.openxmlformats.org/presentationml/2006/main">
-  <p:cSld>
-    <p:spTree>
-      <p:nvGrpSpPr>
-        <p:cNvPr id="1" name=""/>
-        <p:cNvGrpSpPr/>
-        <p:nvPr/>
-      </p:nvGrpSpPr>
-      <p:grpSpPr>
-        <a:xfrm>
-          <a:off x="0" y="0"/>
-          <a:ext cx="0" cy="0"/>
-          <a:chOff x="0" y="0"/>
-          <a:chExt cx="0" cy="0"/>
-        </a:xfrm>
-      </p:grpSpPr>
-      <p:sp>
-        <p:nvSpPr>
-          <p:cNvPr id="2" name="Text Placeholder 1">
-            <a:extLst>
-              <a:ext uri="{FF2B5EF4-FFF2-40B4-BE49-F238E27FC236}">
-                <a16:creationId xmlns:a16="http://schemas.microsoft.com/office/drawing/2014/main" id="{F30F071A-0450-8F6E-F28D-8124D7A90523}"/>
-              </a:ext>
-            </a:extLst>
-          </p:cNvPr>
-          <p:cNvSpPr>
-            <a:spLocks noGrp="1"/>
-          </p:cNvSpPr>
-          <p:nvPr>
-            <p:ph type="body" sz="quarter" idx="10"/>
-          </p:nvPr>
-        </p:nvSpPr>
-        <p:spPr/>
-        <p:txBody>
-          <a:bodyPr/>
-          <a:lstStyle/>
-          <a:p>
-            <a:pPr marL="0" indent="0">
-              <a:buNone/>
-            </a:pPr>
-            <a:r>
-              <a:rPr lang="en-CA" b="1" dirty="0"/>
-              <a:t>Activity #2 – Create a new branch</a:t>
-            </a:r>
-          </a:p>
-        </p:txBody>
-      </p:sp>
-    </p:spTree>
-    <p:extLst>
-      <p:ext uri="{BB962C8B-B14F-4D97-AF65-F5344CB8AC3E}">
-        <p14:creationId xmlns:p14="http://schemas.microsoft.com/office/powerpoint/2010/main" val="4165173319"/>
-      </p:ext>
-    </p:extLst>
-  </p:cSld>
-  <p:clrMapOvr>
-    <a:masterClrMapping/>
-  </p:clrMapOvr>
-</p:sld>
-</file>
-
-<file path=ppt/slides/slide19.xml><?xml version="1.0" encoding="utf-8"?>
-<p:sld xmlns:a="http://schemas.openxmlformats.org/drawingml/2006/main" xmlns:r="http://schemas.openxmlformats.org/officeDocument/2006/relationships" xmlns:p="http://schemas.openxmlformats.org/presentationml/2006/main">
-  <p:cSld>
-    <p:spTree>
-      <p:nvGrpSpPr>
-        <p:cNvPr id="1" name=""/>
-        <p:cNvGrpSpPr/>
-        <p:nvPr/>
-      </p:nvGrpSpPr>
-      <p:grpSpPr>
-        <a:xfrm>
-          <a:off x="0" y="0"/>
-          <a:ext cx="0" cy="0"/>
-          <a:chOff x="0" y="0"/>
-          <a:chExt cx="0" cy="0"/>
-        </a:xfrm>
-      </p:grpSpPr>
-      <p:sp>
-        <p:nvSpPr>
-          <p:cNvPr id="2" name="Text Placeholder 1">
-            <a:extLst>
-              <a:ext uri="{FF2B5EF4-FFF2-40B4-BE49-F238E27FC236}">
-                <a16:creationId xmlns:a16="http://schemas.microsoft.com/office/drawing/2014/main" id="{9C487D5F-FC03-68BB-A41E-18A16F477269}"/>
-              </a:ext>
-            </a:extLst>
-          </p:cNvPr>
-          <p:cNvSpPr>
-            <a:spLocks noGrp="1"/>
-          </p:cNvSpPr>
-          <p:nvPr>
-            <p:ph type="body" sz="quarter" idx="10"/>
-          </p:nvPr>
-        </p:nvSpPr>
-        <p:spPr/>
-        <p:txBody>
-          <a:bodyPr/>
-          <a:lstStyle/>
-          <a:p>
-            <a:pPr marL="0" indent="0">
-              <a:buNone/>
-            </a:pPr>
-            <a:r>
-              <a:rPr lang="en-CA" b="1" dirty="0"/>
-              <a:t>Poll #2</a:t>
-            </a:r>
-          </a:p>
-        </p:txBody>
-      </p:sp>
-    </p:spTree>
-    <p:extLst>
-      <p:ext uri="{BB962C8B-B14F-4D97-AF65-F5344CB8AC3E}">
-        <p14:creationId xmlns:p14="http://schemas.microsoft.com/office/powerpoint/2010/main" val="2935903534"/>
       </p:ext>
     </p:extLst>
   </p:cSld>
@@ -9725,9 +10241,33 @@
             <a:pPr marL="0" indent="0">
               <a:buNone/>
             </a:pPr>
+            <a:endParaRPr lang="en-CA" b="1" dirty="0"/>
+          </a:p>
+          <a:p>
+            <a:pPr marL="0" indent="0">
+              <a:buNone/>
+            </a:pPr>
+            <a:endParaRPr lang="en-CA" b="1" dirty="0"/>
+          </a:p>
+          <a:p>
+            <a:pPr marL="0" indent="0">
+              <a:buNone/>
+            </a:pPr>
+            <a:endParaRPr lang="en-CA" b="1" dirty="0"/>
+          </a:p>
+          <a:p>
+            <a:pPr marL="0" indent="0">
+              <a:buNone/>
+            </a:pPr>
+            <a:endParaRPr lang="en-CA" b="1" dirty="0"/>
+          </a:p>
+          <a:p>
+            <a:pPr marL="0" indent="0">
+              <a:buNone/>
+            </a:pPr>
             <a:r>
               <a:rPr lang="en-CA" b="1" dirty="0"/>
-              <a:t>Activity #3 – Merging Branches</a:t>
+              <a:t>Activity #3 – Create a new branch</a:t>
             </a:r>
           </a:p>
         </p:txBody>
@@ -9735,7 +10275,7 @@
     </p:spTree>
     <p:extLst>
       <p:ext uri="{BB962C8B-B14F-4D97-AF65-F5344CB8AC3E}">
-        <p14:creationId xmlns:p14="http://schemas.microsoft.com/office/powerpoint/2010/main" val="1749104538"/>
+        <p14:creationId xmlns:p14="http://schemas.microsoft.com/office/powerpoint/2010/main" val="4165173319"/>
       </p:ext>
     </p:extLst>
   </p:cSld>
@@ -9796,6 +10336,152 @@
     </p:spTree>
     <p:extLst>
       <p:ext uri="{BB962C8B-B14F-4D97-AF65-F5344CB8AC3E}">
+        <p14:creationId xmlns:p14="http://schemas.microsoft.com/office/powerpoint/2010/main" val="2935903534"/>
+      </p:ext>
+    </p:extLst>
+  </p:cSld>
+  <p:clrMapOvr>
+    <a:masterClrMapping/>
+  </p:clrMapOvr>
+</p:sld>
+</file>
+
+<file path=ppt/slides/slide22.xml><?xml version="1.0" encoding="utf-8"?>
+<p:sld xmlns:a="http://schemas.openxmlformats.org/drawingml/2006/main" xmlns:r="http://schemas.openxmlformats.org/officeDocument/2006/relationships" xmlns:p="http://schemas.openxmlformats.org/presentationml/2006/main">
+  <p:cSld>
+    <p:spTree>
+      <p:nvGrpSpPr>
+        <p:cNvPr id="1" name=""/>
+        <p:cNvGrpSpPr/>
+        <p:nvPr/>
+      </p:nvGrpSpPr>
+      <p:grpSpPr>
+        <a:xfrm>
+          <a:off x="0" y="0"/>
+          <a:ext cx="0" cy="0"/>
+          <a:chOff x="0" y="0"/>
+          <a:chExt cx="0" cy="0"/>
+        </a:xfrm>
+      </p:grpSpPr>
+      <p:sp>
+        <p:nvSpPr>
+          <p:cNvPr id="2" name="Text Placeholder 1">
+            <a:extLst>
+              <a:ext uri="{FF2B5EF4-FFF2-40B4-BE49-F238E27FC236}">
+                <a16:creationId xmlns:a16="http://schemas.microsoft.com/office/drawing/2014/main" id="{F30F071A-0450-8F6E-F28D-8124D7A90523}"/>
+              </a:ext>
+            </a:extLst>
+          </p:cNvPr>
+          <p:cNvSpPr>
+            <a:spLocks noGrp="1"/>
+          </p:cNvSpPr>
+          <p:nvPr>
+            <p:ph type="body" sz="quarter" idx="10"/>
+          </p:nvPr>
+        </p:nvSpPr>
+        <p:spPr/>
+        <p:txBody>
+          <a:bodyPr/>
+          <a:lstStyle/>
+          <a:p>
+            <a:pPr marL="0" indent="0">
+              <a:buNone/>
+            </a:pPr>
+            <a:endParaRPr lang="en-CA" b="1" dirty="0"/>
+          </a:p>
+          <a:p>
+            <a:pPr marL="0" indent="0">
+              <a:buNone/>
+            </a:pPr>
+            <a:endParaRPr lang="en-CA" b="1" dirty="0"/>
+          </a:p>
+          <a:p>
+            <a:pPr marL="0" indent="0">
+              <a:buNone/>
+            </a:pPr>
+            <a:endParaRPr lang="en-CA" b="1" dirty="0"/>
+          </a:p>
+          <a:p>
+            <a:pPr marL="0" indent="0">
+              <a:buNone/>
+            </a:pPr>
+            <a:endParaRPr lang="en-CA" b="1" dirty="0"/>
+          </a:p>
+          <a:p>
+            <a:pPr marL="0" indent="0">
+              <a:buNone/>
+            </a:pPr>
+            <a:r>
+              <a:rPr lang="en-CA" b="1" dirty="0"/>
+              <a:t>Activity #4 – Merging Branches</a:t>
+            </a:r>
+          </a:p>
+        </p:txBody>
+      </p:sp>
+    </p:spTree>
+    <p:extLst>
+      <p:ext uri="{BB962C8B-B14F-4D97-AF65-F5344CB8AC3E}">
+        <p14:creationId xmlns:p14="http://schemas.microsoft.com/office/powerpoint/2010/main" val="1749104538"/>
+      </p:ext>
+    </p:extLst>
+  </p:cSld>
+  <p:clrMapOvr>
+    <a:masterClrMapping/>
+  </p:clrMapOvr>
+</p:sld>
+</file>
+
+<file path=ppt/slides/slide23.xml><?xml version="1.0" encoding="utf-8"?>
+<p:sld xmlns:a="http://schemas.openxmlformats.org/drawingml/2006/main" xmlns:r="http://schemas.openxmlformats.org/officeDocument/2006/relationships" xmlns:p="http://schemas.openxmlformats.org/presentationml/2006/main">
+  <p:cSld>
+    <p:spTree>
+      <p:nvGrpSpPr>
+        <p:cNvPr id="1" name=""/>
+        <p:cNvGrpSpPr/>
+        <p:nvPr/>
+      </p:nvGrpSpPr>
+      <p:grpSpPr>
+        <a:xfrm>
+          <a:off x="0" y="0"/>
+          <a:ext cx="0" cy="0"/>
+          <a:chOff x="0" y="0"/>
+          <a:chExt cx="0" cy="0"/>
+        </a:xfrm>
+      </p:grpSpPr>
+      <p:sp>
+        <p:nvSpPr>
+          <p:cNvPr id="2" name="Text Placeholder 1">
+            <a:extLst>
+              <a:ext uri="{FF2B5EF4-FFF2-40B4-BE49-F238E27FC236}">
+                <a16:creationId xmlns:a16="http://schemas.microsoft.com/office/drawing/2014/main" id="{9C487D5F-FC03-68BB-A41E-18A16F477269}"/>
+              </a:ext>
+            </a:extLst>
+          </p:cNvPr>
+          <p:cNvSpPr>
+            <a:spLocks noGrp="1"/>
+          </p:cNvSpPr>
+          <p:nvPr>
+            <p:ph type="body" sz="quarter" idx="10"/>
+          </p:nvPr>
+        </p:nvSpPr>
+        <p:spPr/>
+        <p:txBody>
+          <a:bodyPr/>
+          <a:lstStyle/>
+          <a:p>
+            <a:pPr marL="0" indent="0">
+              <a:buNone/>
+            </a:pPr>
+            <a:r>
+              <a:rPr lang="en-CA" b="1" dirty="0"/>
+              <a:t>Poll #2</a:t>
+            </a:r>
+          </a:p>
+        </p:txBody>
+      </p:sp>
+    </p:spTree>
+    <p:extLst>
+      <p:ext uri="{BB962C8B-B14F-4D97-AF65-F5344CB8AC3E}">
         <p14:creationId xmlns:p14="http://schemas.microsoft.com/office/powerpoint/2010/main" val="2209846115"/>
       </p:ext>
     </p:extLst>
@@ -9806,7 +10492,92 @@
 </p:sld>
 </file>
 
-<file path=ppt/slides/slide22.xml><?xml version="1.0" encoding="utf-8"?>
+<file path=ppt/slides/slide24.xml><?xml version="1.0" encoding="utf-8"?>
+<p:sld xmlns:a="http://schemas.openxmlformats.org/drawingml/2006/main" xmlns:r="http://schemas.openxmlformats.org/officeDocument/2006/relationships" xmlns:p="http://schemas.openxmlformats.org/presentationml/2006/main">
+  <p:cSld>
+    <p:spTree>
+      <p:nvGrpSpPr>
+        <p:cNvPr id="1" name=""/>
+        <p:cNvGrpSpPr/>
+        <p:nvPr/>
+      </p:nvGrpSpPr>
+      <p:grpSpPr>
+        <a:xfrm>
+          <a:off x="0" y="0"/>
+          <a:ext cx="0" cy="0"/>
+          <a:chOff x="0" y="0"/>
+          <a:chExt cx="0" cy="0"/>
+        </a:xfrm>
+      </p:grpSpPr>
+      <p:sp>
+        <p:nvSpPr>
+          <p:cNvPr id="2" name="Text Placeholder 1">
+            <a:extLst>
+              <a:ext uri="{FF2B5EF4-FFF2-40B4-BE49-F238E27FC236}">
+                <a16:creationId xmlns:a16="http://schemas.microsoft.com/office/drawing/2014/main" id="{F30F071A-0450-8F6E-F28D-8124D7A90523}"/>
+              </a:ext>
+            </a:extLst>
+          </p:cNvPr>
+          <p:cNvSpPr>
+            <a:spLocks noGrp="1"/>
+          </p:cNvSpPr>
+          <p:nvPr>
+            <p:ph type="body" sz="quarter" idx="10"/>
+          </p:nvPr>
+        </p:nvSpPr>
+        <p:spPr/>
+        <p:txBody>
+          <a:bodyPr/>
+          <a:lstStyle/>
+          <a:p>
+            <a:pPr marL="0" indent="0">
+              <a:buNone/>
+            </a:pPr>
+            <a:endParaRPr lang="en-CA" b="1" dirty="0"/>
+          </a:p>
+          <a:p>
+            <a:pPr marL="0" indent="0">
+              <a:buNone/>
+            </a:pPr>
+            <a:endParaRPr lang="en-CA" b="1" dirty="0"/>
+          </a:p>
+          <a:p>
+            <a:pPr marL="0" indent="0">
+              <a:buNone/>
+            </a:pPr>
+            <a:endParaRPr lang="en-CA" b="1" dirty="0"/>
+          </a:p>
+          <a:p>
+            <a:pPr marL="0" indent="0">
+              <a:buNone/>
+            </a:pPr>
+            <a:endParaRPr lang="en-CA" b="1" dirty="0"/>
+          </a:p>
+          <a:p>
+            <a:pPr marL="0" indent="0">
+              <a:buNone/>
+            </a:pPr>
+            <a:r>
+              <a:rPr lang="en-CA" b="1" dirty="0"/>
+              <a:t>Activity #5 – Merging Branches with different histories</a:t>
+            </a:r>
+          </a:p>
+        </p:txBody>
+      </p:sp>
+    </p:spTree>
+    <p:extLst>
+      <p:ext uri="{BB962C8B-B14F-4D97-AF65-F5344CB8AC3E}">
+        <p14:creationId xmlns:p14="http://schemas.microsoft.com/office/powerpoint/2010/main" val="1081245530"/>
+      </p:ext>
+    </p:extLst>
+  </p:cSld>
+  <p:clrMapOvr>
+    <a:masterClrMapping/>
+  </p:clrMapOvr>
+</p:sld>
+</file>
+
+<file path=ppt/slides/slide25.xml><?xml version="1.0" encoding="utf-8"?>
 <p:sld xmlns:a="http://schemas.openxmlformats.org/drawingml/2006/main" xmlns:r="http://schemas.openxmlformats.org/officeDocument/2006/relationships" xmlns:p="http://schemas.openxmlformats.org/presentationml/2006/main">
   <p:cSld>
     <p:spTree>
@@ -9864,7 +10635,7 @@
 </p:sld>
 </file>
 
-<file path=ppt/slides/slide23.xml><?xml version="1.0" encoding="utf-8"?>
+<file path=ppt/slides/slide26.xml><?xml version="1.0" encoding="utf-8"?>
 <p:sld xmlns:a="http://schemas.openxmlformats.org/drawingml/2006/main" xmlns:r="http://schemas.openxmlformats.org/officeDocument/2006/relationships" xmlns:p="http://schemas.openxmlformats.org/presentationml/2006/main">
   <p:cSld>
     <p:spTree>
@@ -9955,7 +10726,7 @@
 </p:sld>
 </file>
 
-<file path=ppt/slides/slide24.xml><?xml version="1.0" encoding="utf-8"?>
+<file path=ppt/slides/slide27.xml><?xml version="1.0" encoding="utf-8"?>
 <p:sld xmlns:a="http://schemas.openxmlformats.org/drawingml/2006/main" xmlns:r="http://schemas.openxmlformats.org/officeDocument/2006/relationships" xmlns:p="http://schemas.openxmlformats.org/presentationml/2006/main">
   <p:cSld>
     <p:spTree>
@@ -10040,7 +10811,7 @@
 </p:sld>
 </file>
 
-<file path=ppt/slides/slide25.xml><?xml version="1.0" encoding="utf-8"?>
+<file path=ppt/slides/slide28.xml><?xml version="1.0" encoding="utf-8"?>
 <p:sld xmlns:a="http://schemas.openxmlformats.org/drawingml/2006/main" xmlns:r="http://schemas.openxmlformats.org/officeDocument/2006/relationships" xmlns:p="http://schemas.openxmlformats.org/presentationml/2006/main">
   <p:cSld>
     <p:spTree>
@@ -10110,65 +10881,7 @@
 </p:sld>
 </file>
 
-<file path=ppt/slides/slide26.xml><?xml version="1.0" encoding="utf-8"?>
-<p:sld xmlns:a="http://schemas.openxmlformats.org/drawingml/2006/main" xmlns:r="http://schemas.openxmlformats.org/officeDocument/2006/relationships" xmlns:p="http://schemas.openxmlformats.org/presentationml/2006/main">
-  <p:cSld>
-    <p:spTree>
-      <p:nvGrpSpPr>
-        <p:cNvPr id="1" name=""/>
-        <p:cNvGrpSpPr/>
-        <p:nvPr/>
-      </p:nvGrpSpPr>
-      <p:grpSpPr>
-        <a:xfrm>
-          <a:off x="0" y="0"/>
-          <a:ext cx="0" cy="0"/>
-          <a:chOff x="0" y="0"/>
-          <a:chExt cx="0" cy="0"/>
-        </a:xfrm>
-      </p:grpSpPr>
-      <p:sp>
-        <p:nvSpPr>
-          <p:cNvPr id="2" name="Title 1">
-            <a:extLst>
-              <a:ext uri="{FF2B5EF4-FFF2-40B4-BE49-F238E27FC236}">
-                <a16:creationId xmlns:a16="http://schemas.microsoft.com/office/drawing/2014/main" id="{D7B3B343-8AB0-44FB-3E33-580BF410923F}"/>
-              </a:ext>
-            </a:extLst>
-          </p:cNvPr>
-          <p:cNvSpPr>
-            <a:spLocks noGrp="1"/>
-          </p:cNvSpPr>
-          <p:nvPr>
-            <p:ph type="title"/>
-          </p:nvPr>
-        </p:nvSpPr>
-        <p:spPr/>
-        <p:txBody>
-          <a:bodyPr/>
-          <a:lstStyle/>
-          <a:p>
-            <a:r>
-              <a:rPr lang="en-CA" dirty="0"/>
-              <a:t>Part V  –  Conclusion</a:t>
-            </a:r>
-          </a:p>
-        </p:txBody>
-      </p:sp>
-    </p:spTree>
-    <p:extLst>
-      <p:ext uri="{BB962C8B-B14F-4D97-AF65-F5344CB8AC3E}">
-        <p14:creationId xmlns:p14="http://schemas.microsoft.com/office/powerpoint/2010/main" val="980553902"/>
-      </p:ext>
-    </p:extLst>
-  </p:cSld>
-  <p:clrMapOvr>
-    <a:masterClrMapping/>
-  </p:clrMapOvr>
-</p:sld>
-</file>
-
-<file path=ppt/slides/slide27.xml><?xml version="1.0" encoding="utf-8"?>
+<file path=ppt/slides/slide29.xml><?xml version="1.0" encoding="utf-8"?>
 <p:sld xmlns:a="http://schemas.openxmlformats.org/drawingml/2006/main" xmlns:r="http://schemas.openxmlformats.org/officeDocument/2006/relationships" xmlns:p="http://schemas.openxmlformats.org/presentationml/2006/main">
   <p:cSld>
     <p:spTree>
@@ -10190,7 +10903,7 @@
           <p:cNvPr id="2" name="Text Placeholder 1">
             <a:extLst>
               <a:ext uri="{FF2B5EF4-FFF2-40B4-BE49-F238E27FC236}">
-                <a16:creationId xmlns:a16="http://schemas.microsoft.com/office/drawing/2014/main" id="{00D8EFDB-45D2-9A4A-6FA9-789D807BF0F3}"/>
+                <a16:creationId xmlns:a16="http://schemas.microsoft.com/office/drawing/2014/main" id="{F30F071A-0450-8F6E-F28D-8124D7A90523}"/>
               </a:ext>
             </a:extLst>
           </p:cNvPr>
@@ -10209,43 +10922,33 @@
             <a:pPr marL="0" indent="0">
               <a:buNone/>
             </a:pPr>
+            <a:endParaRPr lang="en-CA" b="1" dirty="0"/>
+          </a:p>
+          <a:p>
+            <a:pPr marL="0" indent="0">
+              <a:buNone/>
+            </a:pPr>
+            <a:endParaRPr lang="en-CA" b="1" dirty="0"/>
+          </a:p>
+          <a:p>
+            <a:pPr marL="0" indent="0">
+              <a:buNone/>
+            </a:pPr>
+            <a:endParaRPr lang="en-CA" b="1" dirty="0"/>
+          </a:p>
+          <a:p>
+            <a:pPr marL="0" indent="0">
+              <a:buNone/>
+            </a:pPr>
+            <a:endParaRPr lang="en-CA" b="1" dirty="0"/>
+          </a:p>
+          <a:p>
+            <a:pPr marL="0" indent="0">
+              <a:buNone/>
+            </a:pPr>
             <a:r>
               <a:rPr lang="en-CA" b="1" dirty="0"/>
-              <a:t>What have we learned?</a:t>
-            </a:r>
-            <a:endParaRPr lang="en-CA" dirty="0"/>
-          </a:p>
-          <a:p>
-            <a:r>
-              <a:rPr lang="en-CA" dirty="0"/>
-              <a:t>What VCS, Git and GitHub are</a:t>
-            </a:r>
-          </a:p>
-          <a:p>
-            <a:endParaRPr lang="en-CA" dirty="0"/>
-          </a:p>
-          <a:p>
-            <a:r>
-              <a:rPr lang="en-CA" dirty="0"/>
-              <a:t>Why VCS are so useful</a:t>
-            </a:r>
-          </a:p>
-          <a:p>
-            <a:endParaRPr lang="en-CA" dirty="0"/>
-          </a:p>
-          <a:p>
-            <a:r>
-              <a:rPr lang="en-CA" dirty="0"/>
-              <a:t>How to undertake basic tasks in a local and remote repository</a:t>
-            </a:r>
-          </a:p>
-          <a:p>
-            <a:endParaRPr lang="en-CA" dirty="0"/>
-          </a:p>
-          <a:p>
-            <a:r>
-              <a:rPr lang="en-CA" dirty="0"/>
-              <a:t>How services like GitHub improve code collaboration and Open Science</a:t>
+              <a:t>Activity #6 – Pushing commits to GitHub</a:t>
             </a:r>
           </a:p>
         </p:txBody>
@@ -10253,68 +10956,7 @@
     </p:spTree>
     <p:extLst>
       <p:ext uri="{BB962C8B-B14F-4D97-AF65-F5344CB8AC3E}">
-        <p14:creationId xmlns:p14="http://schemas.microsoft.com/office/powerpoint/2010/main" val="1527684309"/>
-      </p:ext>
-    </p:extLst>
-  </p:cSld>
-  <p:clrMapOvr>
-    <a:masterClrMapping/>
-  </p:clrMapOvr>
-</p:sld>
-</file>
-
-<file path=ppt/slides/slide28.xml><?xml version="1.0" encoding="utf-8"?>
-<p:sld xmlns:a="http://schemas.openxmlformats.org/drawingml/2006/main" xmlns:r="http://schemas.openxmlformats.org/officeDocument/2006/relationships" xmlns:p="http://schemas.openxmlformats.org/presentationml/2006/main">
-  <p:cSld>
-    <p:spTree>
-      <p:nvGrpSpPr>
-        <p:cNvPr id="1" name=""/>
-        <p:cNvGrpSpPr/>
-        <p:nvPr/>
-      </p:nvGrpSpPr>
-      <p:grpSpPr>
-        <a:xfrm>
-          <a:off x="0" y="0"/>
-          <a:ext cx="0" cy="0"/>
-          <a:chOff x="0" y="0"/>
-          <a:chExt cx="0" cy="0"/>
-        </a:xfrm>
-      </p:grpSpPr>
-      <p:sp>
-        <p:nvSpPr>
-          <p:cNvPr id="2" name="Text Placeholder 1">
-            <a:extLst>
-              <a:ext uri="{FF2B5EF4-FFF2-40B4-BE49-F238E27FC236}">
-                <a16:creationId xmlns:a16="http://schemas.microsoft.com/office/drawing/2014/main" id="{146A319F-99F6-E37E-4837-F8D349D874AC}"/>
-              </a:ext>
-            </a:extLst>
-          </p:cNvPr>
-          <p:cNvSpPr>
-            <a:spLocks noGrp="1"/>
-          </p:cNvSpPr>
-          <p:nvPr>
-            <p:ph type="body" sz="quarter" idx="10"/>
-          </p:nvPr>
-        </p:nvSpPr>
-        <p:spPr/>
-        <p:txBody>
-          <a:bodyPr/>
-          <a:lstStyle/>
-          <a:p>
-            <a:pPr marL="0" indent="0">
-              <a:buNone/>
-            </a:pPr>
-            <a:r>
-              <a:rPr lang="en-CA" b="1" dirty="0"/>
-              <a:t>What next?</a:t>
-            </a:r>
-          </a:p>
-        </p:txBody>
-      </p:sp>
-    </p:spTree>
-    <p:extLst>
-      <p:ext uri="{BB962C8B-B14F-4D97-AF65-F5344CB8AC3E}">
-        <p14:creationId xmlns:p14="http://schemas.microsoft.com/office/powerpoint/2010/main" val="890084902"/>
+        <p14:creationId xmlns:p14="http://schemas.microsoft.com/office/powerpoint/2010/main" val="2611691246"/>
       </p:ext>
     </p:extLst>
   </p:cSld>
@@ -10438,6 +11080,621 @@
     <p:extLst>
       <p:ext uri="{BB962C8B-B14F-4D97-AF65-F5344CB8AC3E}">
         <p14:creationId xmlns:p14="http://schemas.microsoft.com/office/powerpoint/2010/main" val="1592450976"/>
+      </p:ext>
+    </p:extLst>
+  </p:cSld>
+  <p:clrMapOvr>
+    <a:masterClrMapping/>
+  </p:clrMapOvr>
+</p:sld>
+</file>
+
+<file path=ppt/slides/slide30.xml><?xml version="1.0" encoding="utf-8"?>
+<p:sld xmlns:a="http://schemas.openxmlformats.org/drawingml/2006/main" xmlns:r="http://schemas.openxmlformats.org/officeDocument/2006/relationships" xmlns:p="http://schemas.openxmlformats.org/presentationml/2006/main">
+  <p:cSld>
+    <p:spTree>
+      <p:nvGrpSpPr>
+        <p:cNvPr id="1" name=""/>
+        <p:cNvGrpSpPr/>
+        <p:nvPr/>
+      </p:nvGrpSpPr>
+      <p:grpSpPr>
+        <a:xfrm>
+          <a:off x="0" y="0"/>
+          <a:ext cx="0" cy="0"/>
+          <a:chOff x="0" y="0"/>
+          <a:chExt cx="0" cy="0"/>
+        </a:xfrm>
+      </p:grpSpPr>
+      <p:sp>
+        <p:nvSpPr>
+          <p:cNvPr id="2" name="Text Placeholder 1">
+            <a:extLst>
+              <a:ext uri="{FF2B5EF4-FFF2-40B4-BE49-F238E27FC236}">
+                <a16:creationId xmlns:a16="http://schemas.microsoft.com/office/drawing/2014/main" id="{F30F071A-0450-8F6E-F28D-8124D7A90523}"/>
+              </a:ext>
+            </a:extLst>
+          </p:cNvPr>
+          <p:cNvSpPr>
+            <a:spLocks noGrp="1"/>
+          </p:cNvSpPr>
+          <p:nvPr>
+            <p:ph type="body" sz="quarter" idx="10"/>
+          </p:nvPr>
+        </p:nvSpPr>
+        <p:spPr/>
+        <p:txBody>
+          <a:bodyPr/>
+          <a:lstStyle/>
+          <a:p>
+            <a:pPr marL="0" indent="0">
+              <a:buNone/>
+            </a:pPr>
+            <a:endParaRPr lang="en-CA" b="1" dirty="0"/>
+          </a:p>
+          <a:p>
+            <a:pPr marL="0" indent="0">
+              <a:buNone/>
+            </a:pPr>
+            <a:endParaRPr lang="en-CA" b="1" dirty="0"/>
+          </a:p>
+          <a:p>
+            <a:pPr marL="0" indent="0">
+              <a:buNone/>
+            </a:pPr>
+            <a:endParaRPr lang="en-CA" b="1" dirty="0"/>
+          </a:p>
+          <a:p>
+            <a:pPr marL="0" indent="0">
+              <a:buNone/>
+            </a:pPr>
+            <a:endParaRPr lang="en-CA" b="1" dirty="0"/>
+          </a:p>
+          <a:p>
+            <a:pPr marL="0" indent="0">
+              <a:buNone/>
+            </a:pPr>
+            <a:r>
+              <a:rPr lang="en-CA" b="1" dirty="0"/>
+              <a:t>Activity #7 – Pulling Commits from GitHub</a:t>
+            </a:r>
+          </a:p>
+        </p:txBody>
+      </p:sp>
+    </p:spTree>
+    <p:extLst>
+      <p:ext uri="{BB962C8B-B14F-4D97-AF65-F5344CB8AC3E}">
+        <p14:creationId xmlns:p14="http://schemas.microsoft.com/office/powerpoint/2010/main" val="3458676307"/>
+      </p:ext>
+    </p:extLst>
+  </p:cSld>
+  <p:clrMapOvr>
+    <a:masterClrMapping/>
+  </p:clrMapOvr>
+</p:sld>
+</file>
+
+<file path=ppt/slides/slide31.xml><?xml version="1.0" encoding="utf-8"?>
+<p:sld xmlns:a="http://schemas.openxmlformats.org/drawingml/2006/main" xmlns:r="http://schemas.openxmlformats.org/officeDocument/2006/relationships" xmlns:p="http://schemas.openxmlformats.org/presentationml/2006/main">
+  <p:cSld>
+    <p:spTree>
+      <p:nvGrpSpPr>
+        <p:cNvPr id="1" name=""/>
+        <p:cNvGrpSpPr/>
+        <p:nvPr/>
+      </p:nvGrpSpPr>
+      <p:grpSpPr>
+        <a:xfrm>
+          <a:off x="0" y="0"/>
+          <a:ext cx="0" cy="0"/>
+          <a:chOff x="0" y="0"/>
+          <a:chExt cx="0" cy="0"/>
+        </a:xfrm>
+      </p:grpSpPr>
+      <p:sp>
+        <p:nvSpPr>
+          <p:cNvPr id="2" name="Text Placeholder 1">
+            <a:extLst>
+              <a:ext uri="{FF2B5EF4-FFF2-40B4-BE49-F238E27FC236}">
+                <a16:creationId xmlns:a16="http://schemas.microsoft.com/office/drawing/2014/main" id="{F30F071A-0450-8F6E-F28D-8124D7A90523}"/>
+              </a:ext>
+            </a:extLst>
+          </p:cNvPr>
+          <p:cNvSpPr>
+            <a:spLocks noGrp="1"/>
+          </p:cNvSpPr>
+          <p:nvPr>
+            <p:ph type="body" sz="quarter" idx="10"/>
+          </p:nvPr>
+        </p:nvSpPr>
+        <p:spPr/>
+        <p:txBody>
+          <a:bodyPr/>
+          <a:lstStyle/>
+          <a:p>
+            <a:pPr marL="0" indent="0">
+              <a:buNone/>
+            </a:pPr>
+            <a:endParaRPr lang="en-CA" b="1" dirty="0"/>
+          </a:p>
+          <a:p>
+            <a:pPr marL="0" indent="0">
+              <a:buNone/>
+            </a:pPr>
+            <a:endParaRPr lang="en-CA" b="1" dirty="0"/>
+          </a:p>
+          <a:p>
+            <a:pPr marL="0" indent="0">
+              <a:buNone/>
+            </a:pPr>
+            <a:endParaRPr lang="en-CA" b="1" dirty="0"/>
+          </a:p>
+          <a:p>
+            <a:pPr marL="0" indent="0">
+              <a:buNone/>
+            </a:pPr>
+            <a:endParaRPr lang="en-CA" b="1" dirty="0"/>
+          </a:p>
+          <a:p>
+            <a:pPr marL="0" indent="0">
+              <a:buNone/>
+            </a:pPr>
+            <a:r>
+              <a:rPr lang="en-CA" b="1" dirty="0"/>
+              <a:t>Activity #8 – Clone a Repository</a:t>
+            </a:r>
+          </a:p>
+          <a:p>
+            <a:pPr marL="0" indent="0">
+              <a:buNone/>
+            </a:pPr>
+            <a:r>
+              <a:rPr lang="en-CA" dirty="0"/>
+              <a:t>- Find a GitHub repo that interests you and clone it!</a:t>
+            </a:r>
+          </a:p>
+        </p:txBody>
+      </p:sp>
+    </p:spTree>
+    <p:extLst>
+      <p:ext uri="{BB962C8B-B14F-4D97-AF65-F5344CB8AC3E}">
+        <p14:creationId xmlns:p14="http://schemas.microsoft.com/office/powerpoint/2010/main" val="308561724"/>
+      </p:ext>
+    </p:extLst>
+  </p:cSld>
+  <p:clrMapOvr>
+    <a:masterClrMapping/>
+  </p:clrMapOvr>
+</p:sld>
+</file>
+
+<file path=ppt/slides/slide32.xml><?xml version="1.0" encoding="utf-8"?>
+<p:sld xmlns:a="http://schemas.openxmlformats.org/drawingml/2006/main" xmlns:r="http://schemas.openxmlformats.org/officeDocument/2006/relationships" xmlns:p="http://schemas.openxmlformats.org/presentationml/2006/main">
+  <p:cSld>
+    <p:spTree>
+      <p:nvGrpSpPr>
+        <p:cNvPr id="1" name=""/>
+        <p:cNvGrpSpPr/>
+        <p:nvPr/>
+      </p:nvGrpSpPr>
+      <p:grpSpPr>
+        <a:xfrm>
+          <a:off x="0" y="0"/>
+          <a:ext cx="0" cy="0"/>
+          <a:chOff x="0" y="0"/>
+          <a:chExt cx="0" cy="0"/>
+        </a:xfrm>
+      </p:grpSpPr>
+      <p:sp>
+        <p:nvSpPr>
+          <p:cNvPr id="2" name="Text Placeholder 1">
+            <a:extLst>
+              <a:ext uri="{FF2B5EF4-FFF2-40B4-BE49-F238E27FC236}">
+                <a16:creationId xmlns:a16="http://schemas.microsoft.com/office/drawing/2014/main" id="{F30F071A-0450-8F6E-F28D-8124D7A90523}"/>
+              </a:ext>
+            </a:extLst>
+          </p:cNvPr>
+          <p:cNvSpPr>
+            <a:spLocks noGrp="1"/>
+          </p:cNvSpPr>
+          <p:nvPr>
+            <p:ph type="body" sz="quarter" idx="10"/>
+          </p:nvPr>
+        </p:nvSpPr>
+        <p:spPr/>
+        <p:txBody>
+          <a:bodyPr/>
+          <a:lstStyle/>
+          <a:p>
+            <a:pPr marL="0" indent="0">
+              <a:buNone/>
+            </a:pPr>
+            <a:endParaRPr lang="en-CA" b="1" dirty="0"/>
+          </a:p>
+          <a:p>
+            <a:pPr marL="0" indent="0">
+              <a:buNone/>
+            </a:pPr>
+            <a:endParaRPr lang="en-CA" b="1" dirty="0"/>
+          </a:p>
+          <a:p>
+            <a:pPr marL="0" indent="0">
+              <a:buNone/>
+            </a:pPr>
+            <a:endParaRPr lang="en-CA" b="1" dirty="0"/>
+          </a:p>
+          <a:p>
+            <a:pPr marL="0" indent="0">
+              <a:buNone/>
+            </a:pPr>
+            <a:endParaRPr lang="en-CA" b="1" dirty="0"/>
+          </a:p>
+          <a:p>
+            <a:pPr marL="0" indent="0">
+              <a:buNone/>
+            </a:pPr>
+            <a:r>
+              <a:rPr lang="en-CA" b="1" dirty="0"/>
+              <a:t>Activity #9 – Fork a Repo and make a Pull Request</a:t>
+            </a:r>
+          </a:p>
+          <a:p>
+            <a:pPr marL="0" indent="0">
+              <a:buNone/>
+            </a:pPr>
+            <a:r>
+              <a:rPr lang="en-CA" b="1" dirty="0"/>
+              <a:t>- </a:t>
+            </a:r>
+            <a:r>
+              <a:rPr lang="en-CA" dirty="0"/>
+              <a:t>For the repo I made for this course and add a text file to it. Then, make a pull request!</a:t>
+            </a:r>
+            <a:endParaRPr lang="en-CA" b="1" dirty="0"/>
+          </a:p>
+        </p:txBody>
+      </p:sp>
+    </p:spTree>
+    <p:extLst>
+      <p:ext uri="{BB962C8B-B14F-4D97-AF65-F5344CB8AC3E}">
+        <p14:creationId xmlns:p14="http://schemas.microsoft.com/office/powerpoint/2010/main" val="4007831989"/>
+      </p:ext>
+    </p:extLst>
+  </p:cSld>
+  <p:clrMapOvr>
+    <a:masterClrMapping/>
+  </p:clrMapOvr>
+</p:sld>
+</file>
+
+<file path=ppt/slides/slide33.xml><?xml version="1.0" encoding="utf-8"?>
+<p:sld xmlns:a="http://schemas.openxmlformats.org/drawingml/2006/main" xmlns:r="http://schemas.openxmlformats.org/officeDocument/2006/relationships" xmlns:p="http://schemas.openxmlformats.org/presentationml/2006/main">
+  <p:cSld>
+    <p:spTree>
+      <p:nvGrpSpPr>
+        <p:cNvPr id="1" name=""/>
+        <p:cNvGrpSpPr/>
+        <p:nvPr/>
+      </p:nvGrpSpPr>
+      <p:grpSpPr>
+        <a:xfrm>
+          <a:off x="0" y="0"/>
+          <a:ext cx="0" cy="0"/>
+          <a:chOff x="0" y="0"/>
+          <a:chExt cx="0" cy="0"/>
+        </a:xfrm>
+      </p:grpSpPr>
+      <p:sp>
+        <p:nvSpPr>
+          <p:cNvPr id="2" name="Title 1">
+            <a:extLst>
+              <a:ext uri="{FF2B5EF4-FFF2-40B4-BE49-F238E27FC236}">
+                <a16:creationId xmlns:a16="http://schemas.microsoft.com/office/drawing/2014/main" id="{D7B3B343-8AB0-44FB-3E33-580BF410923F}"/>
+              </a:ext>
+            </a:extLst>
+          </p:cNvPr>
+          <p:cNvSpPr>
+            <a:spLocks noGrp="1"/>
+          </p:cNvSpPr>
+          <p:nvPr>
+            <p:ph type="title"/>
+          </p:nvPr>
+        </p:nvSpPr>
+        <p:spPr/>
+        <p:txBody>
+          <a:bodyPr/>
+          <a:lstStyle/>
+          <a:p>
+            <a:r>
+              <a:rPr lang="en-CA" dirty="0"/>
+              <a:t>Part V  –  Conclusion</a:t>
+            </a:r>
+          </a:p>
+        </p:txBody>
+      </p:sp>
+    </p:spTree>
+    <p:extLst>
+      <p:ext uri="{BB962C8B-B14F-4D97-AF65-F5344CB8AC3E}">
+        <p14:creationId xmlns:p14="http://schemas.microsoft.com/office/powerpoint/2010/main" val="980553902"/>
+      </p:ext>
+    </p:extLst>
+  </p:cSld>
+  <p:clrMapOvr>
+    <a:masterClrMapping/>
+  </p:clrMapOvr>
+</p:sld>
+</file>
+
+<file path=ppt/slides/slide34.xml><?xml version="1.0" encoding="utf-8"?>
+<p:sld xmlns:a="http://schemas.openxmlformats.org/drawingml/2006/main" xmlns:r="http://schemas.openxmlformats.org/officeDocument/2006/relationships" xmlns:p="http://schemas.openxmlformats.org/presentationml/2006/main">
+  <p:cSld>
+    <p:spTree>
+      <p:nvGrpSpPr>
+        <p:cNvPr id="1" name=""/>
+        <p:cNvGrpSpPr/>
+        <p:nvPr/>
+      </p:nvGrpSpPr>
+      <p:grpSpPr>
+        <a:xfrm>
+          <a:off x="0" y="0"/>
+          <a:ext cx="0" cy="0"/>
+          <a:chOff x="0" y="0"/>
+          <a:chExt cx="0" cy="0"/>
+        </a:xfrm>
+      </p:grpSpPr>
+      <p:sp>
+        <p:nvSpPr>
+          <p:cNvPr id="2" name="Text Placeholder 1">
+            <a:extLst>
+              <a:ext uri="{FF2B5EF4-FFF2-40B4-BE49-F238E27FC236}">
+                <a16:creationId xmlns:a16="http://schemas.microsoft.com/office/drawing/2014/main" id="{00D8EFDB-45D2-9A4A-6FA9-789D807BF0F3}"/>
+              </a:ext>
+            </a:extLst>
+          </p:cNvPr>
+          <p:cNvSpPr>
+            <a:spLocks noGrp="1"/>
+          </p:cNvSpPr>
+          <p:nvPr>
+            <p:ph type="body" sz="quarter" idx="10"/>
+          </p:nvPr>
+        </p:nvSpPr>
+        <p:spPr/>
+        <p:txBody>
+          <a:bodyPr/>
+          <a:lstStyle/>
+          <a:p>
+            <a:pPr marL="0" indent="0">
+              <a:buNone/>
+            </a:pPr>
+            <a:r>
+              <a:rPr lang="en-CA" b="1" dirty="0"/>
+              <a:t>What have we learned?</a:t>
+            </a:r>
+            <a:endParaRPr lang="en-CA" dirty="0"/>
+          </a:p>
+          <a:p>
+            <a:r>
+              <a:rPr lang="en-CA" dirty="0"/>
+              <a:t>What VCS, Git and GitHub are</a:t>
+            </a:r>
+          </a:p>
+          <a:p>
+            <a:endParaRPr lang="en-CA" dirty="0"/>
+          </a:p>
+          <a:p>
+            <a:r>
+              <a:rPr lang="en-CA" dirty="0"/>
+              <a:t>Why VCS are so useful</a:t>
+            </a:r>
+          </a:p>
+          <a:p>
+            <a:endParaRPr lang="en-CA" dirty="0"/>
+          </a:p>
+          <a:p>
+            <a:r>
+              <a:rPr lang="en-CA" dirty="0"/>
+              <a:t>How to undertake basic tasks in a local and remote repository</a:t>
+            </a:r>
+          </a:p>
+          <a:p>
+            <a:endParaRPr lang="en-CA" dirty="0"/>
+          </a:p>
+          <a:p>
+            <a:r>
+              <a:rPr lang="en-CA" dirty="0"/>
+              <a:t>How services like GitHub improve code collaboration and Open Science</a:t>
+            </a:r>
+          </a:p>
+        </p:txBody>
+      </p:sp>
+    </p:spTree>
+    <p:extLst>
+      <p:ext uri="{BB962C8B-B14F-4D97-AF65-F5344CB8AC3E}">
+        <p14:creationId xmlns:p14="http://schemas.microsoft.com/office/powerpoint/2010/main" val="1527684309"/>
+      </p:ext>
+    </p:extLst>
+  </p:cSld>
+  <p:clrMapOvr>
+    <a:masterClrMapping/>
+  </p:clrMapOvr>
+</p:sld>
+</file>
+
+<file path=ppt/slides/slide35.xml><?xml version="1.0" encoding="utf-8"?>
+<p:sld xmlns:a="http://schemas.openxmlformats.org/drawingml/2006/main" xmlns:r="http://schemas.openxmlformats.org/officeDocument/2006/relationships" xmlns:p="http://schemas.openxmlformats.org/presentationml/2006/main">
+  <p:cSld>
+    <p:spTree>
+      <p:nvGrpSpPr>
+        <p:cNvPr id="1" name=""/>
+        <p:cNvGrpSpPr/>
+        <p:nvPr/>
+      </p:nvGrpSpPr>
+      <p:grpSpPr>
+        <a:xfrm>
+          <a:off x="0" y="0"/>
+          <a:ext cx="0" cy="0"/>
+          <a:chOff x="0" y="0"/>
+          <a:chExt cx="0" cy="0"/>
+        </a:xfrm>
+      </p:grpSpPr>
+      <p:sp>
+        <p:nvSpPr>
+          <p:cNvPr id="2" name="Text Placeholder 1">
+            <a:extLst>
+              <a:ext uri="{FF2B5EF4-FFF2-40B4-BE49-F238E27FC236}">
+                <a16:creationId xmlns:a16="http://schemas.microsoft.com/office/drawing/2014/main" id="{146A319F-99F6-E37E-4837-F8D349D874AC}"/>
+              </a:ext>
+            </a:extLst>
+          </p:cNvPr>
+          <p:cNvSpPr>
+            <a:spLocks noGrp="1"/>
+          </p:cNvSpPr>
+          <p:nvPr>
+            <p:ph type="body" sz="quarter" idx="10"/>
+          </p:nvPr>
+        </p:nvSpPr>
+        <p:spPr/>
+        <p:txBody>
+          <a:bodyPr/>
+          <a:lstStyle/>
+          <a:p>
+            <a:pPr marL="0" indent="0">
+              <a:buNone/>
+            </a:pPr>
+            <a:r>
+              <a:rPr lang="en-CA" b="1" dirty="0"/>
+              <a:t>What next?</a:t>
+            </a:r>
+          </a:p>
+          <a:p>
+            <a:pPr marL="0" indent="0">
+              <a:buNone/>
+            </a:pPr>
+            <a:endParaRPr lang="en-CA" dirty="0"/>
+          </a:p>
+          <a:p>
+            <a:r>
+              <a:rPr lang="en-CA" dirty="0"/>
+              <a:t>Just use Git!</a:t>
+            </a:r>
+          </a:p>
+          <a:p>
+            <a:pPr lvl="1"/>
+            <a:r>
+              <a:rPr lang="en-CA" dirty="0"/>
+              <a:t>Track your hobby projects</a:t>
+            </a:r>
+          </a:p>
+          <a:p>
+            <a:pPr lvl="1"/>
+            <a:endParaRPr lang="en-CA" dirty="0"/>
+          </a:p>
+          <a:p>
+            <a:pPr lvl="1"/>
+            <a:r>
+              <a:rPr lang="en-CA" dirty="0"/>
+              <a:t>Track your research</a:t>
+            </a:r>
+          </a:p>
+          <a:p>
+            <a:pPr lvl="1"/>
+            <a:endParaRPr lang="en-CA" dirty="0"/>
+          </a:p>
+          <a:p>
+            <a:pPr lvl="1"/>
+            <a:r>
+              <a:rPr lang="en-CA" dirty="0"/>
+              <a:t>Access open-access code or software from publications</a:t>
+            </a:r>
+          </a:p>
+        </p:txBody>
+      </p:sp>
+    </p:spTree>
+    <p:extLst>
+      <p:ext uri="{BB962C8B-B14F-4D97-AF65-F5344CB8AC3E}">
+        <p14:creationId xmlns:p14="http://schemas.microsoft.com/office/powerpoint/2010/main" val="890084902"/>
+      </p:ext>
+    </p:extLst>
+  </p:cSld>
+  <p:clrMapOvr>
+    <a:masterClrMapping/>
+  </p:clrMapOvr>
+</p:sld>
+</file>
+
+<file path=ppt/slides/slide36.xml><?xml version="1.0" encoding="utf-8"?>
+<p:sld xmlns:a="http://schemas.openxmlformats.org/drawingml/2006/main" xmlns:r="http://schemas.openxmlformats.org/officeDocument/2006/relationships" xmlns:p="http://schemas.openxmlformats.org/presentationml/2006/main">
+  <p:cSld>
+    <p:spTree>
+      <p:nvGrpSpPr>
+        <p:cNvPr id="1" name=""/>
+        <p:cNvGrpSpPr/>
+        <p:nvPr/>
+      </p:nvGrpSpPr>
+      <p:grpSpPr>
+        <a:xfrm>
+          <a:off x="0" y="0"/>
+          <a:ext cx="0" cy="0"/>
+          <a:chOff x="0" y="0"/>
+          <a:chExt cx="0" cy="0"/>
+        </a:xfrm>
+      </p:grpSpPr>
+      <p:sp>
+        <p:nvSpPr>
+          <p:cNvPr id="2" name="Text Placeholder 1">
+            <a:extLst>
+              <a:ext uri="{FF2B5EF4-FFF2-40B4-BE49-F238E27FC236}">
+                <a16:creationId xmlns:a16="http://schemas.microsoft.com/office/drawing/2014/main" id="{4B362877-EC0E-5809-5772-B43E9A438950}"/>
+              </a:ext>
+            </a:extLst>
+          </p:cNvPr>
+          <p:cNvSpPr>
+            <a:spLocks noGrp="1"/>
+          </p:cNvSpPr>
+          <p:nvPr>
+            <p:ph type="body" sz="quarter" idx="10"/>
+          </p:nvPr>
+        </p:nvSpPr>
+        <p:spPr/>
+        <p:txBody>
+          <a:bodyPr/>
+          <a:lstStyle/>
+          <a:p>
+            <a:pPr marL="0" indent="0">
+              <a:buNone/>
+            </a:pPr>
+            <a:r>
+              <a:rPr lang="en-CA" b="1" dirty="0"/>
+              <a:t>References</a:t>
+            </a:r>
+          </a:p>
+          <a:p>
+            <a:pPr marL="0" indent="0">
+              <a:buNone/>
+            </a:pPr>
+            <a:endParaRPr lang="en-CA" b="1" dirty="0"/>
+          </a:p>
+          <a:p>
+            <a:pPr marL="0" indent="0">
+              <a:buNone/>
+            </a:pPr>
+            <a:r>
+              <a:rPr lang="en-CA" dirty="0">
+                <a:hlinkClick r:id="rId2"/>
+              </a:rPr>
+              <a:t>https://betterexplained.com/articles/a-visual-guide-to-version-control/</a:t>
+            </a:r>
+            <a:r>
+              <a:rPr lang="en-CA" dirty="0"/>
+              <a:t> </a:t>
+            </a:r>
+          </a:p>
+        </p:txBody>
+      </p:sp>
+    </p:spTree>
+    <p:extLst>
+      <p:ext uri="{BB962C8B-B14F-4D97-AF65-F5344CB8AC3E}">
+        <p14:creationId xmlns:p14="http://schemas.microsoft.com/office/powerpoint/2010/main" val="2212101275"/>
       </p:ext>
     </p:extLst>
   </p:cSld>
@@ -10756,6 +12013,41 @@
           </a:p>
         </p:txBody>
       </p:sp>
+      <p:sp>
+        <p:nvSpPr>
+          <p:cNvPr id="5" name="TextBox 4">
+            <a:extLst>
+              <a:ext uri="{FF2B5EF4-FFF2-40B4-BE49-F238E27FC236}">
+                <a16:creationId xmlns:a16="http://schemas.microsoft.com/office/drawing/2014/main" id="{F50C0EF4-3357-D0B4-AACB-CEAEFAD6502E}"/>
+              </a:ext>
+            </a:extLst>
+          </p:cNvPr>
+          <p:cNvSpPr txBox="1"/>
+          <p:nvPr/>
+        </p:nvSpPr>
+        <p:spPr>
+          <a:xfrm>
+            <a:off x="1371600" y="3746810"/>
+            <a:ext cx="3080084" cy="369460"/>
+          </a:xfrm>
+          <a:prstGeom prst="rect">
+            <a:avLst/>
+          </a:prstGeom>
+          <a:noFill/>
+        </p:spPr>
+        <p:txBody>
+          <a:bodyPr wrap="square" rtlCol="0">
+            <a:spAutoFit/>
+          </a:bodyPr>
+          <a:lstStyle/>
+          <a:p>
+            <a:r>
+              <a:rPr lang="en-CA" dirty="0"/>
+              <a:t>Groceries.txt</a:t>
+            </a:r>
+          </a:p>
+        </p:txBody>
+      </p:sp>
     </p:spTree>
     <p:extLst>
       <p:ext uri="{BB962C8B-B14F-4D97-AF65-F5344CB8AC3E}">
@@ -10804,7 +12096,9 @@
         </p:nvSpPr>
         <p:spPr/>
         <p:txBody>
-          <a:bodyPr/>
+          <a:bodyPr>
+            <a:normAutofit fontScale="92500" lnSpcReduction="10000"/>
+          </a:bodyPr>
           <a:lstStyle/>
           <a:p>
             <a:pPr marL="0" indent="0">
@@ -10821,8 +12115,91 @@
               <a:t>A type of version control system</a:t>
             </a:r>
           </a:p>
+          <a:p>
+            <a:endParaRPr lang="en-CA" dirty="0"/>
+          </a:p>
+          <a:p>
+            <a:r>
+              <a:rPr lang="en-CA" dirty="0"/>
+              <a:t>Made by Linus Torvalds for Linux</a:t>
+            </a:r>
+          </a:p>
+          <a:p>
+            <a:endParaRPr lang="en-CA" dirty="0"/>
+          </a:p>
+          <a:p>
+            <a:r>
+              <a:rPr lang="en-CA" dirty="0"/>
+              <a:t>Open-source</a:t>
+            </a:r>
+          </a:p>
+          <a:p>
+            <a:endParaRPr lang="en-CA" dirty="0"/>
+          </a:p>
+          <a:p>
+            <a:r>
+              <a:rPr lang="en-CA" dirty="0"/>
+              <a:t>Most popular VCS currently in use</a:t>
+            </a:r>
+          </a:p>
+          <a:p>
+            <a:endParaRPr lang="en-CA" dirty="0"/>
+          </a:p>
+          <a:p>
+            <a:r>
+              <a:rPr lang="en-CA" dirty="0"/>
+              <a:t>Create a “Git Repository” which stores all the modified instances of your project</a:t>
+            </a:r>
+          </a:p>
         </p:txBody>
       </p:sp>
+      <p:pic>
+        <p:nvPicPr>
+          <p:cNvPr id="1026" name="Picture 2" descr="Git · GitHub">
+            <a:extLst>
+              <a:ext uri="{FF2B5EF4-FFF2-40B4-BE49-F238E27FC236}">
+                <a16:creationId xmlns:a16="http://schemas.microsoft.com/office/drawing/2014/main" id="{72C526F7-AD9B-8A76-27CF-5B8208E932A9}"/>
+              </a:ext>
+            </a:extLst>
+          </p:cNvPr>
+          <p:cNvPicPr>
+            <a:picLocks noChangeAspect="1" noChangeArrowheads="1"/>
+          </p:cNvPicPr>
+          <p:nvPr/>
+        </p:nvPicPr>
+        <p:blipFill>
+          <a:blip r:embed="rId2">
+            <a:extLst>
+              <a:ext uri="{28A0092B-C50C-407E-A947-70E740481C1C}">
+                <a14:useLocalDpi xmlns:a14="http://schemas.microsoft.com/office/drawing/2010/main" val="0"/>
+              </a:ext>
+            </a:extLst>
+          </a:blip>
+          <a:srcRect/>
+          <a:stretch>
+            <a:fillRect/>
+          </a:stretch>
+        </p:blipFill>
+        <p:spPr bwMode="auto">
+          <a:xfrm>
+            <a:off x="7132134" y="1205261"/>
+            <a:ext cx="1905000" cy="1905000"/>
+          </a:xfrm>
+          <a:prstGeom prst="rect">
+            <a:avLst/>
+          </a:prstGeom>
+          <a:noFill/>
+          <a:extLst>
+            <a:ext uri="{909E8E84-426E-40DD-AFC4-6F175D3DCCD1}">
+              <a14:hiddenFill xmlns:a14="http://schemas.microsoft.com/office/drawing/2010/main">
+                <a:solidFill>
+                  <a:srgbClr val="FFFFFF"/>
+                </a:solidFill>
+              </a14:hiddenFill>
+            </a:ext>
+          </a:extLst>
+        </p:spPr>
+      </p:pic>
     </p:spTree>
     <p:extLst>
       <p:ext uri="{BB962C8B-B14F-4D97-AF65-F5344CB8AC3E}">
@@ -10902,9 +12279,30 @@
           <a:bodyPr/>
           <a:lstStyle/>
           <a:p>
+            <a:endParaRPr lang="en-CA" dirty="0"/>
+          </a:p>
+          <a:p>
             <a:r>
               <a:rPr lang="en-CA" dirty="0"/>
               <a:t>A version control system</a:t>
+            </a:r>
+          </a:p>
+          <a:p>
+            <a:endParaRPr lang="en-CA" dirty="0"/>
+          </a:p>
+          <a:p>
+            <a:r>
+              <a:rPr lang="en-CA" dirty="0"/>
+              <a:t>Works locally and remotely</a:t>
+            </a:r>
+          </a:p>
+          <a:p>
+            <a:endParaRPr lang="en-CA" dirty="0"/>
+          </a:p>
+          <a:p>
+            <a:r>
+              <a:rPr lang="en-CA" dirty="0"/>
+              <a:t>Is open-source</a:t>
             </a:r>
           </a:p>
           <a:p>
@@ -10936,6 +12334,9 @@
           <a:bodyPr/>
           <a:lstStyle/>
           <a:p>
+            <a:endParaRPr lang="en-CA" dirty="0"/>
+          </a:p>
+          <a:p>
             <a:r>
               <a:rPr lang="en-CA" dirty="0"/>
               <a:t>A server that </a:t>
@@ -10945,8 +12346,26 @@
               <a:t>hosts </a:t>
             </a:r>
             <a:r>
-              <a:rPr lang="en-CA"/>
+              <a:rPr lang="en-CA" dirty="0"/>
               <a:t>git repositories</a:t>
+            </a:r>
+          </a:p>
+          <a:p>
+            <a:endParaRPr lang="en-CA" dirty="0"/>
+          </a:p>
+          <a:p>
+            <a:r>
+              <a:rPr lang="en-CA" dirty="0"/>
+              <a:t>Works solely as a cloud-based service</a:t>
+            </a:r>
+          </a:p>
+          <a:p>
+            <a:endParaRPr lang="en-CA" dirty="0"/>
+          </a:p>
+          <a:p>
+            <a:r>
+              <a:rPr lang="en-CA" dirty="0"/>
+              <a:t>Owned by Microsoft</a:t>
             </a:r>
           </a:p>
         </p:txBody>

--- a/Slides/MiCM_GitHub_Workshop.pptx
+++ b/Slides/MiCM_GitHub_Workshop.pptx
@@ -5,14 +5,14 @@
     <p:sldMasterId id="2147483672" r:id="rId1"/>
   </p:sldMasterIdLst>
   <p:notesMasterIdLst>
-    <p:notesMasterId r:id="rId52"/>
+    <p:notesMasterId r:id="rId53"/>
   </p:notesMasterIdLst>
   <p:sldIdLst>
-    <p:sldId id="366" r:id="rId2"/>
-    <p:sldId id="316" r:id="rId3"/>
-    <p:sldId id="262" r:id="rId4"/>
-    <p:sldId id="317" r:id="rId5"/>
-    <p:sldId id="318" r:id="rId6"/>
+    <p:sldId id="316" r:id="rId2"/>
+    <p:sldId id="262" r:id="rId3"/>
+    <p:sldId id="317" r:id="rId4"/>
+    <p:sldId id="318" r:id="rId5"/>
+    <p:sldId id="369" r:id="rId6"/>
     <p:sldId id="332" r:id="rId7"/>
     <p:sldId id="319" r:id="rId8"/>
     <p:sldId id="320" r:id="rId9"/>
@@ -43,21 +43,22 @@
     <p:sldId id="363" r:id="rId34"/>
     <p:sldId id="364" r:id="rId35"/>
     <p:sldId id="324" r:id="rId36"/>
-    <p:sldId id="328" r:id="rId37"/>
-    <p:sldId id="340" r:id="rId38"/>
-    <p:sldId id="326" r:id="rId39"/>
-    <p:sldId id="346" r:id="rId40"/>
-    <p:sldId id="347" r:id="rId41"/>
-    <p:sldId id="358" r:id="rId42"/>
-    <p:sldId id="348" r:id="rId43"/>
-    <p:sldId id="359" r:id="rId44"/>
-    <p:sldId id="350" r:id="rId45"/>
-    <p:sldId id="367" r:id="rId46"/>
-    <p:sldId id="329" r:id="rId47"/>
-    <p:sldId id="330" r:id="rId48"/>
-    <p:sldId id="331" r:id="rId49"/>
-    <p:sldId id="365" r:id="rId50"/>
-    <p:sldId id="342" r:id="rId51"/>
+    <p:sldId id="368" r:id="rId37"/>
+    <p:sldId id="328" r:id="rId38"/>
+    <p:sldId id="340" r:id="rId39"/>
+    <p:sldId id="326" r:id="rId40"/>
+    <p:sldId id="346" r:id="rId41"/>
+    <p:sldId id="347" r:id="rId42"/>
+    <p:sldId id="358" r:id="rId43"/>
+    <p:sldId id="348" r:id="rId44"/>
+    <p:sldId id="359" r:id="rId45"/>
+    <p:sldId id="350" r:id="rId46"/>
+    <p:sldId id="367" r:id="rId47"/>
+    <p:sldId id="329" r:id="rId48"/>
+    <p:sldId id="330" r:id="rId49"/>
+    <p:sldId id="331" r:id="rId50"/>
+    <p:sldId id="365" r:id="rId51"/>
+    <p:sldId id="342" r:id="rId52"/>
   </p:sldIdLst>
   <p:sldSz cx="9144000" cy="6858000" type="screen4x3"/>
   <p:notesSz cx="6858000" cy="9144000"/>
@@ -167,7 +168,7 @@
 <file path=ppt/revisionInfo.xml><?xml version="1.0" encoding="utf-8"?>
 <p1510:revInfo xmlns:a="http://schemas.openxmlformats.org/drawingml/2006/main" xmlns:r="http://schemas.openxmlformats.org/officeDocument/2006/relationships" xmlns:p1510="http://schemas.microsoft.com/office/powerpoint/2015/10/main">
   <p1510:revLst>
-    <p1510:client id="{FC38A552-1810-4A9B-8174-E44D3C19BC43}" v="181" dt="2022-06-20T20:39:08.139"/>
+    <p1510:client id="{FC38A552-1810-4A9B-8174-E44D3C19BC43}" v="211" dt="2022-06-21T14:24:50.793"/>
   </p1510:revLst>
 </p1510:revInfo>
 </file>
@@ -2036,7 +2037,7 @@
   <pc:docChgLst>
     <pc:chgData name="Adrien Osakwe" userId="7a3e290c-eb83-484b-8e3d-d46ef2333477" providerId="ADAL" clId="{FC38A552-1810-4A9B-8174-E44D3C19BC43}"/>
     <pc:docChg chg="undo redo custSel addSld delSld modSld sldOrd modMainMaster">
-      <pc:chgData name="Adrien Osakwe" userId="7a3e290c-eb83-484b-8e3d-d46ef2333477" providerId="ADAL" clId="{FC38A552-1810-4A9B-8174-E44D3C19BC43}" dt="2022-06-20T20:42:18.752" v="10613" actId="12"/>
+      <pc:chgData name="Adrien Osakwe" userId="7a3e290c-eb83-484b-8e3d-d46ef2333477" providerId="ADAL" clId="{FC38A552-1810-4A9B-8174-E44D3C19BC43}" dt="2022-06-21T14:28:10.910" v="12794" actId="20577"/>
       <pc:docMkLst>
         <pc:docMk/>
       </pc:docMkLst>
@@ -2184,13 +2185,13 @@
         </pc:sldMkLst>
       </pc:sldChg>
       <pc:sldChg chg="modSp new mod">
-        <pc:chgData name="Adrien Osakwe" userId="7a3e290c-eb83-484b-8e3d-d46ef2333477" providerId="ADAL" clId="{FC38A552-1810-4A9B-8174-E44D3C19BC43}" dt="2022-06-20T15:10:49.455" v="7480" actId="20577"/>
+        <pc:chgData name="Adrien Osakwe" userId="7a3e290c-eb83-484b-8e3d-d46ef2333477" providerId="ADAL" clId="{FC38A552-1810-4A9B-8174-E44D3C19BC43}" dt="2022-06-21T14:09:53.784" v="12554" actId="20577"/>
         <pc:sldMkLst>
           <pc:docMk/>
           <pc:sldMk cId="4043592756" sldId="318"/>
         </pc:sldMkLst>
         <pc:spChg chg="mod">
-          <ac:chgData name="Adrien Osakwe" userId="7a3e290c-eb83-484b-8e3d-d46ef2333477" providerId="ADAL" clId="{FC38A552-1810-4A9B-8174-E44D3C19BC43}" dt="2022-06-20T15:10:49.455" v="7480" actId="20577"/>
+          <ac:chgData name="Adrien Osakwe" userId="7a3e290c-eb83-484b-8e3d-d46ef2333477" providerId="ADAL" clId="{FC38A552-1810-4A9B-8174-E44D3C19BC43}" dt="2022-06-21T14:09:53.784" v="12554" actId="20577"/>
           <ac:spMkLst>
             <pc:docMk/>
             <pc:sldMk cId="4043592756" sldId="318"/>
@@ -2436,13 +2437,13 @@
         </pc:picChg>
       </pc:sldChg>
       <pc:sldChg chg="addSp delSp modSp new mod modNotesTx">
-        <pc:chgData name="Adrien Osakwe" userId="7a3e290c-eb83-484b-8e3d-d46ef2333477" providerId="ADAL" clId="{FC38A552-1810-4A9B-8174-E44D3C19BC43}" dt="2022-06-06T18:03:30.251" v="5418" actId="20577"/>
+        <pc:chgData name="Adrien Osakwe" userId="7a3e290c-eb83-484b-8e3d-d46ef2333477" providerId="ADAL" clId="{FC38A552-1810-4A9B-8174-E44D3C19BC43}" dt="2022-06-21T14:25:53.872" v="12793" actId="113"/>
         <pc:sldMkLst>
           <pc:docMk/>
           <pc:sldMk cId="607115465" sldId="322"/>
         </pc:sldMkLst>
         <pc:spChg chg="mod">
-          <ac:chgData name="Adrien Osakwe" userId="7a3e290c-eb83-484b-8e3d-d46ef2333477" providerId="ADAL" clId="{FC38A552-1810-4A9B-8174-E44D3C19BC43}" dt="2022-06-06T18:03:30.251" v="5418" actId="20577"/>
+          <ac:chgData name="Adrien Osakwe" userId="7a3e290c-eb83-484b-8e3d-d46ef2333477" providerId="ADAL" clId="{FC38A552-1810-4A9B-8174-E44D3C19BC43}" dt="2022-06-21T14:25:53.872" v="12793" actId="113"/>
           <ac:spMkLst>
             <pc:docMk/>
             <pc:sldMk cId="607115465" sldId="322"/>
@@ -2645,14 +2646,14 @@
           <pc:sldMk cId="3454958677" sldId="330"/>
         </pc:sldMkLst>
       </pc:sldChg>
-      <pc:sldChg chg="modSp new mod">
-        <pc:chgData name="Adrien Osakwe" userId="7a3e290c-eb83-484b-8e3d-d46ef2333477" providerId="ADAL" clId="{FC38A552-1810-4A9B-8174-E44D3C19BC43}" dt="2022-06-14T17:28:31.841" v="6545" actId="20577"/>
+      <pc:sldChg chg="modSp new mod modAnim">
+        <pc:chgData name="Adrien Osakwe" userId="7a3e290c-eb83-484b-8e3d-d46ef2333477" providerId="ADAL" clId="{FC38A552-1810-4A9B-8174-E44D3C19BC43}" dt="2022-06-21T13:57:11.143" v="11595" actId="20577"/>
         <pc:sldMkLst>
           <pc:docMk/>
           <pc:sldMk cId="890084902" sldId="331"/>
         </pc:sldMkLst>
         <pc:spChg chg="mod">
-          <ac:chgData name="Adrien Osakwe" userId="7a3e290c-eb83-484b-8e3d-d46ef2333477" providerId="ADAL" clId="{FC38A552-1810-4A9B-8174-E44D3C19BC43}" dt="2022-06-14T17:28:31.841" v="6545" actId="20577"/>
+          <ac:chgData name="Adrien Osakwe" userId="7a3e290c-eb83-484b-8e3d-d46ef2333477" providerId="ADAL" clId="{FC38A552-1810-4A9B-8174-E44D3C19BC43}" dt="2022-06-21T13:57:11.143" v="11595" actId="20577"/>
           <ac:spMkLst>
             <pc:docMk/>
             <pc:sldMk cId="890084902" sldId="331"/>
@@ -2698,14 +2699,14 @@
           </ac:spMkLst>
         </pc:spChg>
       </pc:sldChg>
-      <pc:sldChg chg="modSp new mod ord">
-        <pc:chgData name="Adrien Osakwe" userId="7a3e290c-eb83-484b-8e3d-d46ef2333477" providerId="ADAL" clId="{FC38A552-1810-4A9B-8174-E44D3C19BC43}" dt="2022-06-20T16:23:49.056" v="7486"/>
+      <pc:sldChg chg="modSp new mod ord modAnim">
+        <pc:chgData name="Adrien Osakwe" userId="7a3e290c-eb83-484b-8e3d-d46ef2333477" providerId="ADAL" clId="{FC38A552-1810-4A9B-8174-E44D3C19BC43}" dt="2022-06-21T14:04:43.228" v="12084"/>
         <pc:sldMkLst>
           <pc:docMk/>
           <pc:sldMk cId="2565697555" sldId="334"/>
         </pc:sldMkLst>
         <pc:spChg chg="mod">
-          <ac:chgData name="Adrien Osakwe" userId="7a3e290c-eb83-484b-8e3d-d46ef2333477" providerId="ADAL" clId="{FC38A552-1810-4A9B-8174-E44D3C19BC43}" dt="2022-06-06T18:07:57.838" v="5740" actId="20577"/>
+          <ac:chgData name="Adrien Osakwe" userId="7a3e290c-eb83-484b-8e3d-d46ef2333477" providerId="ADAL" clId="{FC38A552-1810-4A9B-8174-E44D3C19BC43}" dt="2022-06-21T14:04:35.781" v="12081" actId="113"/>
           <ac:spMkLst>
             <pc:docMk/>
             <pc:sldMk cId="2565697555" sldId="334"/>
@@ -2955,13 +2956,13 @@
         </pc:spChg>
       </pc:sldChg>
       <pc:sldChg chg="modSp new mod">
-        <pc:chgData name="Adrien Osakwe" userId="7a3e290c-eb83-484b-8e3d-d46ef2333477" providerId="ADAL" clId="{FC38A552-1810-4A9B-8174-E44D3C19BC43}" dt="2022-06-20T20:26:59.303" v="10499" actId="20577"/>
+        <pc:chgData name="Adrien Osakwe" userId="7a3e290c-eb83-484b-8e3d-d46ef2333477" providerId="ADAL" clId="{FC38A552-1810-4A9B-8174-E44D3C19BC43}" dt="2022-06-21T03:39:30.426" v="10653" actId="20577"/>
         <pc:sldMkLst>
           <pc:docMk/>
           <pc:sldMk cId="2212101275" sldId="342"/>
         </pc:sldMkLst>
         <pc:spChg chg="mod">
-          <ac:chgData name="Adrien Osakwe" userId="7a3e290c-eb83-484b-8e3d-d46ef2333477" providerId="ADAL" clId="{FC38A552-1810-4A9B-8174-E44D3C19BC43}" dt="2022-06-20T20:26:59.303" v="10499" actId="20577"/>
+          <ac:chgData name="Adrien Osakwe" userId="7a3e290c-eb83-484b-8e3d-d46ef2333477" providerId="ADAL" clId="{FC38A552-1810-4A9B-8174-E44D3C19BC43}" dt="2022-06-21T03:39:30.426" v="10653" actId="20577"/>
           <ac:spMkLst>
             <pc:docMk/>
             <pc:sldMk cId="2212101275" sldId="342"/>
@@ -3155,8 +3156,8 @@
           </ac:spMkLst>
         </pc:spChg>
       </pc:sldChg>
-      <pc:sldChg chg="addSp modSp new mod modNotesTx">
-        <pc:chgData name="Adrien Osakwe" userId="7a3e290c-eb83-484b-8e3d-d46ef2333477" providerId="ADAL" clId="{FC38A552-1810-4A9B-8174-E44D3C19BC43}" dt="2022-06-20T17:22:51.741" v="7557" actId="313"/>
+      <pc:sldChg chg="addSp modSp new mod modAnim modNotesTx">
+        <pc:chgData name="Adrien Osakwe" userId="7a3e290c-eb83-484b-8e3d-d46ef2333477" providerId="ADAL" clId="{FC38A552-1810-4A9B-8174-E44D3C19BC43}" dt="2022-06-21T14:24:50.793" v="12792"/>
         <pc:sldMkLst>
           <pc:docMk/>
           <pc:sldMk cId="3279477224" sldId="353"/>
@@ -3178,14 +3179,14 @@
           </ac:picMkLst>
         </pc:picChg>
       </pc:sldChg>
-      <pc:sldChg chg="modSp new mod">
-        <pc:chgData name="Adrien Osakwe" userId="7a3e290c-eb83-484b-8e3d-d46ef2333477" providerId="ADAL" clId="{FC38A552-1810-4A9B-8174-E44D3C19BC43}" dt="2022-06-20T17:24:45.307" v="7563" actId="20577"/>
+      <pc:sldChg chg="modSp new mod modAnim">
+        <pc:chgData name="Adrien Osakwe" userId="7a3e290c-eb83-484b-8e3d-d46ef2333477" providerId="ADAL" clId="{FC38A552-1810-4A9B-8174-E44D3C19BC43}" dt="2022-06-21T14:04:28.680" v="12080"/>
         <pc:sldMkLst>
           <pc:docMk/>
           <pc:sldMk cId="2708706530" sldId="354"/>
         </pc:sldMkLst>
         <pc:spChg chg="mod">
-          <ac:chgData name="Adrien Osakwe" userId="7a3e290c-eb83-484b-8e3d-d46ef2333477" providerId="ADAL" clId="{FC38A552-1810-4A9B-8174-E44D3C19BC43}" dt="2022-06-20T17:24:45.307" v="7563" actId="20577"/>
+          <ac:chgData name="Adrien Osakwe" userId="7a3e290c-eb83-484b-8e3d-d46ef2333477" providerId="ADAL" clId="{FC38A552-1810-4A9B-8174-E44D3C19BC43}" dt="2022-06-21T13:54:31.519" v="11577" actId="20577"/>
           <ac:spMkLst>
             <pc:docMk/>
             <pc:sldMk cId="2708706530" sldId="354"/>
@@ -3194,13 +3195,13 @@
         </pc:spChg>
       </pc:sldChg>
       <pc:sldChg chg="addSp delSp modSp new mod modAnim">
-        <pc:chgData name="Adrien Osakwe" userId="7a3e290c-eb83-484b-8e3d-d46ef2333477" providerId="ADAL" clId="{FC38A552-1810-4A9B-8174-E44D3C19BC43}" dt="2022-06-20T17:45:27.261" v="8061"/>
+        <pc:chgData name="Adrien Osakwe" userId="7a3e290c-eb83-484b-8e3d-d46ef2333477" providerId="ADAL" clId="{FC38A552-1810-4A9B-8174-E44D3C19BC43}" dt="2022-06-21T14:28:10.910" v="12794" actId="20577"/>
         <pc:sldMkLst>
           <pc:docMk/>
           <pc:sldMk cId="533136476" sldId="355"/>
         </pc:sldMkLst>
         <pc:spChg chg="mod">
-          <ac:chgData name="Adrien Osakwe" userId="7a3e290c-eb83-484b-8e3d-d46ef2333477" providerId="ADAL" clId="{FC38A552-1810-4A9B-8174-E44D3C19BC43}" dt="2022-06-20T17:39:26.574" v="7935" actId="20577"/>
+          <ac:chgData name="Adrien Osakwe" userId="7a3e290c-eb83-484b-8e3d-d46ef2333477" providerId="ADAL" clId="{FC38A552-1810-4A9B-8174-E44D3C19BC43}" dt="2022-06-21T14:28:10.910" v="12794" actId="20577"/>
           <ac:spMkLst>
             <pc:docMk/>
             <pc:sldMk cId="533136476" sldId="355"/>
@@ -3502,13 +3503,13 @@
         </pc:spChg>
       </pc:sldChg>
       <pc:sldChg chg="modSp new mod">
-        <pc:chgData name="Adrien Osakwe" userId="7a3e290c-eb83-484b-8e3d-d46ef2333477" providerId="ADAL" clId="{FC38A552-1810-4A9B-8174-E44D3C19BC43}" dt="2022-06-20T20:42:18.752" v="10613" actId="12"/>
+        <pc:chgData name="Adrien Osakwe" userId="7a3e290c-eb83-484b-8e3d-d46ef2333477" providerId="ADAL" clId="{FC38A552-1810-4A9B-8174-E44D3C19BC43}" dt="2022-06-21T13:47:53.747" v="11292" actId="113"/>
         <pc:sldMkLst>
           <pc:docMk/>
           <pc:sldMk cId="3713402376" sldId="358"/>
         </pc:sldMkLst>
         <pc:spChg chg="mod">
-          <ac:chgData name="Adrien Osakwe" userId="7a3e290c-eb83-484b-8e3d-d46ef2333477" providerId="ADAL" clId="{FC38A552-1810-4A9B-8174-E44D3C19BC43}" dt="2022-06-20T20:42:18.752" v="10613" actId="12"/>
+          <ac:chgData name="Adrien Osakwe" userId="7a3e290c-eb83-484b-8e3d-d46ef2333477" providerId="ADAL" clId="{FC38A552-1810-4A9B-8174-E44D3C19BC43}" dt="2022-06-21T13:47:53.747" v="11292" actId="113"/>
           <ac:spMkLst>
             <pc:docMk/>
             <pc:sldMk cId="3713402376" sldId="358"/>
@@ -3517,13 +3518,13 @@
         </pc:spChg>
       </pc:sldChg>
       <pc:sldChg chg="modSp new mod">
-        <pc:chgData name="Adrien Osakwe" userId="7a3e290c-eb83-484b-8e3d-d46ef2333477" providerId="ADAL" clId="{FC38A552-1810-4A9B-8174-E44D3C19BC43}" dt="2022-06-20T18:07:52.932" v="8246" actId="20577"/>
+        <pc:chgData name="Adrien Osakwe" userId="7a3e290c-eb83-484b-8e3d-d46ef2333477" providerId="ADAL" clId="{FC38A552-1810-4A9B-8174-E44D3C19BC43}" dt="2022-06-21T13:49:13.289" v="11438" actId="20577"/>
         <pc:sldMkLst>
           <pc:docMk/>
           <pc:sldMk cId="1721916716" sldId="359"/>
         </pc:sldMkLst>
         <pc:spChg chg="mod">
-          <ac:chgData name="Adrien Osakwe" userId="7a3e290c-eb83-484b-8e3d-d46ef2333477" providerId="ADAL" clId="{FC38A552-1810-4A9B-8174-E44D3C19BC43}" dt="2022-06-20T18:07:52.932" v="8246" actId="20577"/>
+          <ac:chgData name="Adrien Osakwe" userId="7a3e290c-eb83-484b-8e3d-d46ef2333477" providerId="ADAL" clId="{FC38A552-1810-4A9B-8174-E44D3C19BC43}" dt="2022-06-21T13:49:13.289" v="11438" actId="20577"/>
           <ac:spMkLst>
             <pc:docMk/>
             <pc:sldMk cId="1721916716" sldId="359"/>
@@ -3591,14 +3592,14 @@
           </ac:spMkLst>
         </pc:spChg>
       </pc:sldChg>
-      <pc:sldChg chg="modSp new mod">
-        <pc:chgData name="Adrien Osakwe" userId="7a3e290c-eb83-484b-8e3d-d46ef2333477" providerId="ADAL" clId="{FC38A552-1810-4A9B-8174-E44D3C19BC43}" dt="2022-06-20T18:23:10.887" v="9493" actId="20577"/>
+      <pc:sldChg chg="modSp new mod modAnim">
+        <pc:chgData name="Adrien Osakwe" userId="7a3e290c-eb83-484b-8e3d-d46ef2333477" providerId="ADAL" clId="{FC38A552-1810-4A9B-8174-E44D3C19BC43}" dt="2022-06-21T14:09:18.161" v="12517"/>
         <pc:sldMkLst>
           <pc:docMk/>
           <pc:sldMk cId="1731984245" sldId="364"/>
         </pc:sldMkLst>
         <pc:spChg chg="mod">
-          <ac:chgData name="Adrien Osakwe" userId="7a3e290c-eb83-484b-8e3d-d46ef2333477" providerId="ADAL" clId="{FC38A552-1810-4A9B-8174-E44D3C19BC43}" dt="2022-06-20T18:23:10.887" v="9493" actId="20577"/>
+          <ac:chgData name="Adrien Osakwe" userId="7a3e290c-eb83-484b-8e3d-d46ef2333477" providerId="ADAL" clId="{FC38A552-1810-4A9B-8174-E44D3C19BC43}" dt="2022-06-21T14:08:44.531" v="12514" actId="6549"/>
           <ac:spMkLst>
             <pc:docMk/>
             <pc:sldMk cId="1731984245" sldId="364"/>
@@ -3635,14 +3636,14 @@
           <pc:sldMk cId="3632161275" sldId="365"/>
         </pc:sldMkLst>
       </pc:sldChg>
-      <pc:sldChg chg="modSp new mod ord">
-        <pc:chgData name="Adrien Osakwe" userId="7a3e290c-eb83-484b-8e3d-d46ef2333477" providerId="ADAL" clId="{FC38A552-1810-4A9B-8174-E44D3C19BC43}" dt="2022-06-20T20:25:11.475" v="10478" actId="20577"/>
+      <pc:sldChg chg="modSp new del mod ord modShow">
+        <pc:chgData name="Adrien Osakwe" userId="7a3e290c-eb83-484b-8e3d-d46ef2333477" providerId="ADAL" clId="{FC38A552-1810-4A9B-8174-E44D3C19BC43}" dt="2022-06-21T14:09:24.664" v="12518" actId="47"/>
         <pc:sldMkLst>
           <pc:docMk/>
           <pc:sldMk cId="3579570822" sldId="366"/>
         </pc:sldMkLst>
         <pc:spChg chg="mod">
-          <ac:chgData name="Adrien Osakwe" userId="7a3e290c-eb83-484b-8e3d-d46ef2333477" providerId="ADAL" clId="{FC38A552-1810-4A9B-8174-E44D3C19BC43}" dt="2022-06-20T20:25:11.475" v="10478" actId="20577"/>
+          <ac:chgData name="Adrien Osakwe" userId="7a3e290c-eb83-484b-8e3d-d46ef2333477" providerId="ADAL" clId="{FC38A552-1810-4A9B-8174-E44D3C19BC43}" dt="2022-06-21T13:51:14.726" v="11481" actId="5793"/>
           <ac:spMkLst>
             <pc:docMk/>
             <pc:sldMk cId="3579570822" sldId="366"/>
@@ -3650,12 +3651,50 @@
           </ac:spMkLst>
         </pc:spChg>
       </pc:sldChg>
-      <pc:sldChg chg="add">
-        <pc:chgData name="Adrien Osakwe" userId="7a3e290c-eb83-484b-8e3d-d46ef2333477" providerId="ADAL" clId="{FC38A552-1810-4A9B-8174-E44D3C19BC43}" dt="2022-06-20T20:25:49.390" v="10479"/>
+      <pc:sldChg chg="modSp add mod modAnim">
+        <pc:chgData name="Adrien Osakwe" userId="7a3e290c-eb83-484b-8e3d-d46ef2333477" providerId="ADAL" clId="{FC38A552-1810-4A9B-8174-E44D3C19BC43}" dt="2022-06-21T14:05:30.938" v="12094" actId="20577"/>
         <pc:sldMkLst>
           <pc:docMk/>
           <pc:sldMk cId="2276014679" sldId="367"/>
         </pc:sldMkLst>
+        <pc:spChg chg="mod">
+          <ac:chgData name="Adrien Osakwe" userId="7a3e290c-eb83-484b-8e3d-d46ef2333477" providerId="ADAL" clId="{FC38A552-1810-4A9B-8174-E44D3C19BC43}" dt="2022-06-21T14:05:30.938" v="12094" actId="20577"/>
+          <ac:spMkLst>
+            <pc:docMk/>
+            <pc:sldMk cId="2276014679" sldId="367"/>
+            <ac:spMk id="2" creationId="{5A4144A5-D635-27EF-0D6C-7C4C74D50179}"/>
+          </ac:spMkLst>
+        </pc:spChg>
+      </pc:sldChg>
+      <pc:sldChg chg="modSp new mod ord modNotesTx">
+        <pc:chgData name="Adrien Osakwe" userId="7a3e290c-eb83-484b-8e3d-d46ef2333477" providerId="ADAL" clId="{FC38A552-1810-4A9B-8174-E44D3C19BC43}" dt="2022-06-21T14:00:56.406" v="11599"/>
+        <pc:sldMkLst>
+          <pc:docMk/>
+          <pc:sldMk cId="1155415922" sldId="368"/>
+        </pc:sldMkLst>
+        <pc:spChg chg="mod">
+          <ac:chgData name="Adrien Osakwe" userId="7a3e290c-eb83-484b-8e3d-d46ef2333477" providerId="ADAL" clId="{FC38A552-1810-4A9B-8174-E44D3C19BC43}" dt="2022-06-21T13:50:39.616" v="11478" actId="20577"/>
+          <ac:spMkLst>
+            <pc:docMk/>
+            <pc:sldMk cId="1155415922" sldId="368"/>
+            <ac:spMk id="2" creationId="{0DE189DB-AD21-9DB4-6CD1-353F0C2F7A79}"/>
+          </ac:spMkLst>
+        </pc:spChg>
+      </pc:sldChg>
+      <pc:sldChg chg="modSp new mod">
+        <pc:chgData name="Adrien Osakwe" userId="7a3e290c-eb83-484b-8e3d-d46ef2333477" providerId="ADAL" clId="{FC38A552-1810-4A9B-8174-E44D3C19BC43}" dt="2022-06-21T14:20:44.959" v="12791" actId="20577"/>
+        <pc:sldMkLst>
+          <pc:docMk/>
+          <pc:sldMk cId="2837531258" sldId="369"/>
+        </pc:sldMkLst>
+        <pc:spChg chg="mod">
+          <ac:chgData name="Adrien Osakwe" userId="7a3e290c-eb83-484b-8e3d-d46ef2333477" providerId="ADAL" clId="{FC38A552-1810-4A9B-8174-E44D3C19BC43}" dt="2022-06-21T14:20:44.959" v="12791" actId="20577"/>
+          <ac:spMkLst>
+            <pc:docMk/>
+            <pc:sldMk cId="2837531258" sldId="369"/>
+            <ac:spMk id="2" creationId="{09E2662B-C95B-76DF-8523-2BDCBE3A731E}"/>
+          </ac:spMkLst>
+        </pc:spChg>
       </pc:sldChg>
       <pc:sldMasterChg chg="addSp modSldLayout">
         <pc:chgData name="Adrien Osakwe" userId="7a3e290c-eb83-484b-8e3d-d46ef2333477" providerId="ADAL" clId="{FC38A552-1810-4A9B-8174-E44D3C19BC43}" dt="2022-06-01T12:53:26.728" v="71"/>
@@ -3890,7 +3929,7 @@
           <a:p>
             <a:fld id="{217E5156-1B5D-054E-B5B2-E1B1BA160252}" type="datetimeFigureOut">
               <a:rPr lang="fr-FR" smtClean="0"/>
-              <a:t>20/06/2022</a:t>
+              <a:t>21/06/2022</a:t>
             </a:fld>
             <a:endParaRPr lang="fr-FR"/>
           </a:p>
@@ -4354,7 +4393,7 @@
           <a:p>
             <a:fld id="{DACBD60B-517C-4242-AE46-E1BD2D086542}" type="slidenum">
               <a:rPr lang="fr-FR" smtClean="0"/>
-              <a:t>3</a:t>
+              <a:t>2</a:t>
             </a:fld>
             <a:endParaRPr lang="fr-FR"/>
           </a:p>
@@ -4448,6 +4487,93 @@
     <p:extLst>
       <p:ext uri="{BB962C8B-B14F-4D97-AF65-F5344CB8AC3E}">
         <p14:creationId xmlns:p14="http://schemas.microsoft.com/office/powerpoint/2010/main" val="2398739311"/>
+      </p:ext>
+    </p:extLst>
+  </p:cSld>
+  <p:clrMapOvr>
+    <a:masterClrMapping/>
+  </p:clrMapOvr>
+</p:notes>
+</file>
+
+<file path=ppt/notesSlides/notesSlide11.xml><?xml version="1.0" encoding="utf-8"?>
+<p:notes xmlns:a="http://schemas.openxmlformats.org/drawingml/2006/main" xmlns:r="http://schemas.openxmlformats.org/officeDocument/2006/relationships" xmlns:p="http://schemas.openxmlformats.org/presentationml/2006/main">
+  <p:cSld>
+    <p:spTree>
+      <p:nvGrpSpPr>
+        <p:cNvPr id="1" name=""/>
+        <p:cNvGrpSpPr/>
+        <p:nvPr/>
+      </p:nvGrpSpPr>
+      <p:grpSpPr>
+        <a:xfrm>
+          <a:off x="0" y="0"/>
+          <a:ext cx="0" cy="0"/>
+          <a:chOff x="0" y="0"/>
+          <a:chExt cx="0" cy="0"/>
+        </a:xfrm>
+      </p:grpSpPr>
+      <p:sp>
+        <p:nvSpPr>
+          <p:cNvPr id="2" name="Slide Image Placeholder 1"/>
+          <p:cNvSpPr>
+            <a:spLocks noGrp="1" noRot="1" noChangeAspect="1"/>
+          </p:cNvSpPr>
+          <p:nvPr>
+            <p:ph type="sldImg"/>
+          </p:nvPr>
+        </p:nvSpPr>
+        <p:spPr/>
+      </p:sp>
+      <p:sp>
+        <p:nvSpPr>
+          <p:cNvPr id="3" name="Notes Placeholder 2"/>
+          <p:cNvSpPr>
+            <a:spLocks noGrp="1"/>
+          </p:cNvSpPr>
+          <p:nvPr>
+            <p:ph type="body" idx="1"/>
+          </p:nvPr>
+        </p:nvSpPr>
+        <p:spPr/>
+        <p:txBody>
+          <a:bodyPr/>
+          <a:lstStyle/>
+          <a:p>
+            <a:r>
+              <a:rPr lang="en-CA" dirty="0"/>
+              <a:t>On this slide I can just open GitHub and explore the different features and options</a:t>
+            </a:r>
+          </a:p>
+        </p:txBody>
+      </p:sp>
+      <p:sp>
+        <p:nvSpPr>
+          <p:cNvPr id="4" name="Slide Number Placeholder 3"/>
+          <p:cNvSpPr>
+            <a:spLocks noGrp="1"/>
+          </p:cNvSpPr>
+          <p:nvPr>
+            <p:ph type="sldNum" sz="quarter" idx="5"/>
+          </p:nvPr>
+        </p:nvSpPr>
+        <p:spPr/>
+        <p:txBody>
+          <a:bodyPr/>
+          <a:lstStyle/>
+          <a:p>
+            <a:fld id="{DACBD60B-517C-4242-AE46-E1BD2D086542}" type="slidenum">
+              <a:rPr lang="fr-FR" smtClean="0"/>
+              <a:t>36</a:t>
+            </a:fld>
+            <a:endParaRPr lang="fr-FR"/>
+          </a:p>
+        </p:txBody>
+      </p:sp>
+    </p:spTree>
+    <p:extLst>
+      <p:ext uri="{BB962C8B-B14F-4D97-AF65-F5344CB8AC3E}">
+        <p14:creationId xmlns:p14="http://schemas.microsoft.com/office/powerpoint/2010/main" val="3079273079"/>
       </p:ext>
     </p:extLst>
   </p:cSld>
@@ -9452,10 +9578,10 @@
       </p:grpSpPr>
       <p:sp>
         <p:nvSpPr>
-          <p:cNvPr id="2" name="Text Placeholder 1">
+          <p:cNvPr id="4" name="Titre 3">
             <a:extLst>
               <a:ext uri="{FF2B5EF4-FFF2-40B4-BE49-F238E27FC236}">
-                <a16:creationId xmlns:a16="http://schemas.microsoft.com/office/drawing/2014/main" id="{598F5DD4-CB27-B791-4FFB-1AA40A6B6FD7}"/>
+                <a16:creationId xmlns:a16="http://schemas.microsoft.com/office/drawing/2014/main" id="{A45C165F-BC2D-0A42-B582-A27AE4DBB9CF}"/>
               </a:ext>
             </a:extLst>
           </p:cNvPr>
@@ -9463,7 +9589,7 @@
             <a:spLocks noGrp="1"/>
           </p:cNvSpPr>
           <p:nvPr>
-            <p:ph type="body" sz="quarter" idx="10"/>
+            <p:ph type="title"/>
           </p:nvPr>
         </p:nvSpPr>
         <p:spPr/>
@@ -9471,68 +9597,234 @@
           <a:bodyPr/>
           <a:lstStyle/>
           <a:p>
+            <a:r>
+              <a:rPr lang="en-CA" dirty="0"/>
+              <a:t>Introduction to Git and GitHub</a:t>
+            </a:r>
+          </a:p>
+        </p:txBody>
+      </p:sp>
+      <p:sp>
+        <p:nvSpPr>
+          <p:cNvPr id="3" name="Espace réservé du texte 2">
+            <a:extLst>
+              <a:ext uri="{FF2B5EF4-FFF2-40B4-BE49-F238E27FC236}">
+                <a16:creationId xmlns:a16="http://schemas.microsoft.com/office/drawing/2014/main" id="{E7537085-13D1-FBF7-FC22-14EA9C5F5578}"/>
+              </a:ext>
+            </a:extLst>
+          </p:cNvPr>
+          <p:cNvSpPr txBox="1">
+            <a:spLocks/>
+          </p:cNvSpPr>
+          <p:nvPr/>
+        </p:nvSpPr>
+        <p:spPr>
+          <a:xfrm>
+            <a:off x="623888" y="4589471"/>
+            <a:ext cx="7886700" cy="1500188"/>
+          </a:xfrm>
+          <a:prstGeom prst="rect">
+            <a:avLst/>
+          </a:prstGeom>
+        </p:spPr>
+        <p:txBody>
+          <a:bodyPr/>
+          <a:lstStyle>
+            <a:lvl1pPr marL="228540" indent="-228540" algn="l" defTabSz="914175" rtl="0" eaLnBrk="1" latinLnBrk="0" hangingPunct="1">
+              <a:lnSpc>
+                <a:spcPct val="90000"/>
+              </a:lnSpc>
+              <a:spcBef>
+                <a:spcPts val="998"/>
+              </a:spcBef>
+              <a:buFont typeface="Arial" panose="020B0604020202020204" pitchFamily="34" charset="0"/>
+              <a:buChar char="•"/>
+              <a:defRPr sz="2798" kern="1200">
+                <a:solidFill>
+                  <a:schemeClr val="tx1"/>
+                </a:solidFill>
+                <a:latin typeface="+mn-lt"/>
+                <a:ea typeface="+mn-ea"/>
+                <a:cs typeface="+mn-cs"/>
+              </a:defRPr>
+            </a:lvl1pPr>
+            <a:lvl2pPr marL="685628" indent="-228540" algn="l" defTabSz="914175" rtl="0" eaLnBrk="1" latinLnBrk="0" hangingPunct="1">
+              <a:lnSpc>
+                <a:spcPct val="90000"/>
+              </a:lnSpc>
+              <a:spcBef>
+                <a:spcPts val="503"/>
+              </a:spcBef>
+              <a:buFont typeface="Arial" panose="020B0604020202020204" pitchFamily="34" charset="0"/>
+              <a:buChar char="•"/>
+              <a:defRPr sz="2400" kern="1200">
+                <a:solidFill>
+                  <a:schemeClr val="tx1"/>
+                </a:solidFill>
+                <a:latin typeface="+mn-lt"/>
+                <a:ea typeface="+mn-ea"/>
+                <a:cs typeface="+mn-cs"/>
+              </a:defRPr>
+            </a:lvl2pPr>
+            <a:lvl3pPr marL="1142715" indent="-228540" algn="l" defTabSz="914175" rtl="0" eaLnBrk="1" latinLnBrk="0" hangingPunct="1">
+              <a:lnSpc>
+                <a:spcPct val="90000"/>
+              </a:lnSpc>
+              <a:spcBef>
+                <a:spcPts val="503"/>
+              </a:spcBef>
+              <a:buFont typeface="Arial" panose="020B0604020202020204" pitchFamily="34" charset="0"/>
+              <a:buChar char="•"/>
+              <a:defRPr sz="2002" kern="1200">
+                <a:solidFill>
+                  <a:schemeClr val="tx1"/>
+                </a:solidFill>
+                <a:latin typeface="+mn-lt"/>
+                <a:ea typeface="+mn-ea"/>
+                <a:cs typeface="+mn-cs"/>
+              </a:defRPr>
+            </a:lvl3pPr>
+            <a:lvl4pPr marL="1599803" indent="-228540" algn="l" defTabSz="914175" rtl="0" eaLnBrk="1" latinLnBrk="0" hangingPunct="1">
+              <a:lnSpc>
+                <a:spcPct val="90000"/>
+              </a:lnSpc>
+              <a:spcBef>
+                <a:spcPts val="503"/>
+              </a:spcBef>
+              <a:buFont typeface="Arial" panose="020B0604020202020204" pitchFamily="34" charset="0"/>
+              <a:buChar char="•"/>
+              <a:defRPr sz="1800" kern="1200">
+                <a:solidFill>
+                  <a:schemeClr val="tx1"/>
+                </a:solidFill>
+                <a:latin typeface="+mn-lt"/>
+                <a:ea typeface="+mn-ea"/>
+                <a:cs typeface="+mn-cs"/>
+              </a:defRPr>
+            </a:lvl4pPr>
+            <a:lvl5pPr marL="2056883" indent="-228540" algn="l" defTabSz="914175" rtl="0" eaLnBrk="1" latinLnBrk="0" hangingPunct="1">
+              <a:lnSpc>
+                <a:spcPct val="90000"/>
+              </a:lnSpc>
+              <a:spcBef>
+                <a:spcPts val="503"/>
+              </a:spcBef>
+              <a:buFont typeface="Arial" panose="020B0604020202020204" pitchFamily="34" charset="0"/>
+              <a:buChar char="•"/>
+              <a:defRPr sz="1800" kern="1200">
+                <a:solidFill>
+                  <a:schemeClr val="tx1"/>
+                </a:solidFill>
+                <a:latin typeface="+mn-lt"/>
+                <a:ea typeface="+mn-ea"/>
+                <a:cs typeface="+mn-cs"/>
+              </a:defRPr>
+            </a:lvl5pPr>
+            <a:lvl6pPr marL="2513970" indent="-228540" algn="l" defTabSz="914175" rtl="0" eaLnBrk="1" latinLnBrk="0" hangingPunct="1">
+              <a:lnSpc>
+                <a:spcPct val="90000"/>
+              </a:lnSpc>
+              <a:spcBef>
+                <a:spcPts val="503"/>
+              </a:spcBef>
+              <a:buFont typeface="Arial" panose="020B0604020202020204" pitchFamily="34" charset="0"/>
+              <a:buChar char="•"/>
+              <a:defRPr sz="1800" kern="1200">
+                <a:solidFill>
+                  <a:schemeClr val="tx1"/>
+                </a:solidFill>
+                <a:latin typeface="+mn-lt"/>
+                <a:ea typeface="+mn-ea"/>
+                <a:cs typeface="+mn-cs"/>
+              </a:defRPr>
+            </a:lvl6pPr>
+            <a:lvl7pPr marL="2971058" indent="-228540" algn="l" defTabSz="914175" rtl="0" eaLnBrk="1" latinLnBrk="0" hangingPunct="1">
+              <a:lnSpc>
+                <a:spcPct val="90000"/>
+              </a:lnSpc>
+              <a:spcBef>
+                <a:spcPts val="503"/>
+              </a:spcBef>
+              <a:buFont typeface="Arial" panose="020B0604020202020204" pitchFamily="34" charset="0"/>
+              <a:buChar char="•"/>
+              <a:defRPr sz="1800" kern="1200">
+                <a:solidFill>
+                  <a:schemeClr val="tx1"/>
+                </a:solidFill>
+                <a:latin typeface="+mn-lt"/>
+                <a:ea typeface="+mn-ea"/>
+                <a:cs typeface="+mn-cs"/>
+              </a:defRPr>
+            </a:lvl7pPr>
+            <a:lvl8pPr marL="3428145" indent="-228540" algn="l" defTabSz="914175" rtl="0" eaLnBrk="1" latinLnBrk="0" hangingPunct="1">
+              <a:lnSpc>
+                <a:spcPct val="90000"/>
+              </a:lnSpc>
+              <a:spcBef>
+                <a:spcPts val="503"/>
+              </a:spcBef>
+              <a:buFont typeface="Arial" panose="020B0604020202020204" pitchFamily="34" charset="0"/>
+              <a:buChar char="•"/>
+              <a:defRPr sz="1800" kern="1200">
+                <a:solidFill>
+                  <a:schemeClr val="tx1"/>
+                </a:solidFill>
+                <a:latin typeface="+mn-lt"/>
+                <a:ea typeface="+mn-ea"/>
+                <a:cs typeface="+mn-cs"/>
+              </a:defRPr>
+            </a:lvl8pPr>
+            <a:lvl9pPr marL="3885225" indent="-228540" algn="l" defTabSz="914175" rtl="0" eaLnBrk="1" latinLnBrk="0" hangingPunct="1">
+              <a:lnSpc>
+                <a:spcPct val="90000"/>
+              </a:lnSpc>
+              <a:spcBef>
+                <a:spcPts val="503"/>
+              </a:spcBef>
+              <a:buFont typeface="Arial" panose="020B0604020202020204" pitchFamily="34" charset="0"/>
+              <a:buChar char="•"/>
+              <a:defRPr sz="1800" kern="1200">
+                <a:solidFill>
+                  <a:schemeClr val="tx1"/>
+                </a:solidFill>
+                <a:latin typeface="+mn-lt"/>
+                <a:ea typeface="+mn-ea"/>
+                <a:cs typeface="+mn-cs"/>
+              </a:defRPr>
+            </a:lvl9pPr>
+          </a:lstStyle>
+          <a:p>
             <a:pPr marL="0" indent="0">
               <a:buNone/>
             </a:pPr>
             <a:r>
-              <a:rPr lang="en-CA" b="1" dirty="0">
-                <a:solidFill>
-                  <a:srgbClr val="FF0000"/>
-                </a:solidFill>
-              </a:rPr>
-              <a:t>Things that are UNFINISHED</a:t>
-            </a:r>
-          </a:p>
-          <a:p>
-            <a:r>
-              <a:rPr lang="en-CA" b="1" dirty="0">
-                <a:solidFill>
-                  <a:srgbClr val="FF0000"/>
-                </a:solidFill>
-              </a:rPr>
-              <a:t>Poll Questions</a:t>
+              <a:rPr lang="en-CA" dirty="0"/>
+              <a:t>Instructor: Adrien Osakwe</a:t>
             </a:r>
           </a:p>
           <a:p>
             <a:pPr marL="0" indent="0">
               <a:buNone/>
             </a:pPr>
-            <a:endParaRPr lang="en-CA" b="1" dirty="0"/>
-          </a:p>
-          <a:p>
-            <a:pPr marL="0" indent="0">
-              <a:buNone/>
-            </a:pPr>
-            <a:r>
-              <a:rPr lang="en-CA" b="1" dirty="0"/>
-              <a:t>Things worth considering</a:t>
-            </a:r>
-          </a:p>
-          <a:p>
             <a:r>
               <a:rPr lang="en-CA" dirty="0"/>
-              <a:t>What is a README</a:t>
-            </a:r>
-          </a:p>
-          <a:p>
-            <a:r>
-              <a:rPr lang="en-CA" dirty="0" err="1"/>
-              <a:t>View,Star</a:t>
+              <a:t>June 22</a:t>
+            </a:r>
+            <a:r>
+              <a:rPr lang="en-CA" baseline="30000" dirty="0"/>
+              <a:t>nd</a:t>
             </a:r>
             <a:r>
               <a:rPr lang="en-CA" dirty="0"/>
-              <a:t> repo </a:t>
-            </a:r>
-          </a:p>
-          <a:p>
-            <a:endParaRPr lang="en-CA" dirty="0"/>
+              <a:t> 2022</a:t>
+            </a:r>
           </a:p>
         </p:txBody>
       </p:sp>
     </p:spTree>
     <p:extLst>
       <p:ext uri="{BB962C8B-B14F-4D97-AF65-F5344CB8AC3E}">
-        <p14:creationId xmlns:p14="http://schemas.microsoft.com/office/powerpoint/2010/main" val="3579570822"/>
+        <p14:creationId xmlns:p14="http://schemas.microsoft.com/office/powerpoint/2010/main" val="2389275097"/>
       </p:ext>
     </p:extLst>
   </p:cSld>
@@ -11341,6 +11633,85 @@
   <p:clrMapOvr>
     <a:masterClrMapping/>
   </p:clrMapOvr>
+  <p:timing>
+    <p:tnLst>
+      <p:par>
+        <p:cTn id="1" dur="indefinite" restart="never" nodeType="tmRoot">
+          <p:childTnLst>
+            <p:seq concurrent="1" nextAc="seek">
+              <p:cTn id="2" dur="indefinite" nodeType="mainSeq">
+                <p:childTnLst>
+                  <p:par>
+                    <p:cTn id="3" fill="hold">
+                      <p:stCondLst>
+                        <p:cond delay="indefinite"/>
+                      </p:stCondLst>
+                      <p:childTnLst>
+                        <p:par>
+                          <p:cTn id="4" fill="hold">
+                            <p:stCondLst>
+                              <p:cond delay="0"/>
+                            </p:stCondLst>
+                            <p:childTnLst>
+                              <p:par>
+                                <p:cTn id="5" presetID="1" presetClass="entr" presetSubtype="0" fill="hold" nodeType="clickEffect">
+                                  <p:stCondLst>
+                                    <p:cond delay="0"/>
+                                  </p:stCondLst>
+                                  <p:childTnLst>
+                                    <p:set>
+                                      <p:cBhvr>
+                                        <p:cTn id="6" dur="1" fill="hold">
+                                          <p:stCondLst>
+                                            <p:cond delay="0"/>
+                                          </p:stCondLst>
+                                        </p:cTn>
+                                        <p:tgtEl>
+                                          <p:spTgt spid="2">
+                                            <p:txEl>
+                                              <p:pRg st="4" end="4"/>
+                                            </p:txEl>
+                                          </p:spTgt>
+                                        </p:tgtEl>
+                                        <p:attrNameLst>
+                                          <p:attrName>style.visibility</p:attrName>
+                                        </p:attrNameLst>
+                                      </p:cBhvr>
+                                      <p:to>
+                                        <p:strVal val="visible"/>
+                                      </p:to>
+                                    </p:set>
+                                  </p:childTnLst>
+                                </p:cTn>
+                              </p:par>
+                            </p:childTnLst>
+                          </p:cTn>
+                        </p:par>
+                      </p:childTnLst>
+                    </p:cTn>
+                  </p:par>
+                </p:childTnLst>
+              </p:cTn>
+              <p:prevCondLst>
+                <p:cond evt="onPrev" delay="0">
+                  <p:tgtEl>
+                    <p:sldTgt/>
+                  </p:tgtEl>
+                </p:cond>
+              </p:prevCondLst>
+              <p:nextCondLst>
+                <p:cond evt="onNext" delay="0">
+                  <p:tgtEl>
+                    <p:sldTgt/>
+                  </p:tgtEl>
+                </p:cond>
+              </p:nextCondLst>
+            </p:seq>
+          </p:childTnLst>
+        </p:cTn>
+      </p:par>
+    </p:tnLst>
+  </p:timing>
 </p:sld>
 </file>
 
@@ -11427,7 +11798,11 @@
             </a:r>
             <a:r>
               <a:rPr lang="en-CA" dirty="0"/>
-              <a:t>to the local repository</a:t>
+              <a:t>to the </a:t>
+            </a:r>
+            <a:r>
+              <a:rPr lang="en-CA" b="1" dirty="0"/>
+              <a:t>local repository</a:t>
             </a:r>
           </a:p>
           <a:p>
@@ -11514,7 +11889,7 @@
             </a:pPr>
             <a:r>
               <a:rPr lang="en-CA" b="1" dirty="0"/>
-              <a:t>Poll</a:t>
+              <a:t>Poll #1</a:t>
             </a:r>
           </a:p>
           <a:p>
@@ -11585,6 +11960,183 @@
   <p:clrMapOvr>
     <a:masterClrMapping/>
   </p:clrMapOvr>
+  <p:timing>
+    <p:tnLst>
+      <p:par>
+        <p:cTn id="1" dur="indefinite" restart="never" nodeType="tmRoot">
+          <p:childTnLst>
+            <p:seq concurrent="1" nextAc="seek">
+              <p:cTn id="2" dur="indefinite" nodeType="mainSeq">
+                <p:childTnLst>
+                  <p:par>
+                    <p:cTn id="3" fill="hold">
+                      <p:stCondLst>
+                        <p:cond delay="indefinite"/>
+                      </p:stCondLst>
+                      <p:childTnLst>
+                        <p:par>
+                          <p:cTn id="4" fill="hold">
+                            <p:stCondLst>
+                              <p:cond delay="0"/>
+                            </p:stCondLst>
+                            <p:childTnLst>
+                              <p:par>
+                                <p:cTn id="5" presetID="1" presetClass="entr" presetSubtype="0" fill="hold" nodeType="clickEffect">
+                                  <p:stCondLst>
+                                    <p:cond delay="0"/>
+                                  </p:stCondLst>
+                                  <p:childTnLst>
+                                    <p:set>
+                                      <p:cBhvr>
+                                        <p:cTn id="6" dur="1" fill="hold">
+                                          <p:stCondLst>
+                                            <p:cond delay="0"/>
+                                          </p:stCondLst>
+                                        </p:cTn>
+                                        <p:tgtEl>
+                                          <p:spTgt spid="2">
+                                            <p:txEl>
+                                              <p:pRg st="2" end="2"/>
+                                            </p:txEl>
+                                          </p:spTgt>
+                                        </p:tgtEl>
+                                        <p:attrNameLst>
+                                          <p:attrName>style.visibility</p:attrName>
+                                        </p:attrNameLst>
+                                      </p:cBhvr>
+                                      <p:to>
+                                        <p:strVal val="visible"/>
+                                      </p:to>
+                                    </p:set>
+                                  </p:childTnLst>
+                                </p:cTn>
+                              </p:par>
+                            </p:childTnLst>
+                          </p:cTn>
+                        </p:par>
+                      </p:childTnLst>
+                    </p:cTn>
+                  </p:par>
+                  <p:par>
+                    <p:cTn id="7" fill="hold">
+                      <p:stCondLst>
+                        <p:cond delay="indefinite"/>
+                      </p:stCondLst>
+                      <p:childTnLst>
+                        <p:par>
+                          <p:cTn id="8" fill="hold">
+                            <p:stCondLst>
+                              <p:cond delay="0"/>
+                            </p:stCondLst>
+                            <p:childTnLst>
+                              <p:par>
+                                <p:cTn id="9" presetID="1" presetClass="entr" presetSubtype="0" fill="hold" nodeType="clickEffect">
+                                  <p:stCondLst>
+                                    <p:cond delay="0"/>
+                                  </p:stCondLst>
+                                  <p:childTnLst>
+                                    <p:set>
+                                      <p:cBhvr>
+                                        <p:cTn id="10" dur="1" fill="hold">
+                                          <p:stCondLst>
+                                            <p:cond delay="0"/>
+                                          </p:stCondLst>
+                                        </p:cTn>
+                                        <p:tgtEl>
+                                          <p:spTgt spid="2">
+                                            <p:txEl>
+                                              <p:pRg st="4" end="4"/>
+                                            </p:txEl>
+                                          </p:spTgt>
+                                        </p:tgtEl>
+                                        <p:attrNameLst>
+                                          <p:attrName>style.visibility</p:attrName>
+                                        </p:attrNameLst>
+                                      </p:cBhvr>
+                                      <p:to>
+                                        <p:strVal val="visible"/>
+                                      </p:to>
+                                    </p:set>
+                                  </p:childTnLst>
+                                </p:cTn>
+                              </p:par>
+                            </p:childTnLst>
+                          </p:cTn>
+                        </p:par>
+                      </p:childTnLst>
+                    </p:cTn>
+                  </p:par>
+                  <p:par>
+                    <p:cTn id="11" fill="hold">
+                      <p:stCondLst>
+                        <p:cond delay="indefinite"/>
+                      </p:stCondLst>
+                      <p:childTnLst>
+                        <p:par>
+                          <p:cTn id="12" fill="hold">
+                            <p:stCondLst>
+                              <p:cond delay="0"/>
+                            </p:stCondLst>
+                            <p:childTnLst>
+                              <p:par>
+                                <p:cTn id="13" presetID="1" presetClass="entr" presetSubtype="0" fill="hold" nodeType="clickEffect">
+                                  <p:stCondLst>
+                                    <p:cond delay="0"/>
+                                  </p:stCondLst>
+                                  <p:childTnLst>
+                                    <p:set>
+                                      <p:cBhvr>
+                                        <p:cTn id="14" dur="1" fill="hold">
+                                          <p:stCondLst>
+                                            <p:cond delay="0"/>
+                                          </p:stCondLst>
+                                        </p:cTn>
+                                        <p:tgtEl>
+                                          <p:spTgt spid="2">
+                                            <p:txEl>
+                                              <p:pRg st="6" end="6"/>
+                                            </p:txEl>
+                                          </p:spTgt>
+                                        </p:tgtEl>
+                                        <p:attrNameLst>
+                                          <p:attrName>style.visibility</p:attrName>
+                                        </p:attrNameLst>
+                                      </p:cBhvr>
+                                      <p:to>
+                                        <p:strVal val="visible"/>
+                                      </p:to>
+                                    </p:set>
+                                  </p:childTnLst>
+                                </p:cTn>
+                              </p:par>
+                            </p:childTnLst>
+                          </p:cTn>
+                        </p:par>
+                      </p:childTnLst>
+                    </p:cTn>
+                  </p:par>
+                </p:childTnLst>
+              </p:cTn>
+              <p:prevCondLst>
+                <p:cond evt="onPrev" delay="0">
+                  <p:tgtEl>
+                    <p:sldTgt/>
+                  </p:tgtEl>
+                </p:cond>
+              </p:prevCondLst>
+              <p:nextCondLst>
+                <p:cond evt="onNext" delay="0">
+                  <p:tgtEl>
+                    <p:sldTgt/>
+                  </p:tgtEl>
+                </p:cond>
+              </p:nextCondLst>
+            </p:seq>
+          </p:childTnLst>
+        </p:cTn>
+      </p:par>
+    </p:tnLst>
+  </p:timing>
 </p:sld>
 </file>
 
@@ -11839,255 +12391,10 @@
           <a:chExt cx="0" cy="0"/>
         </a:xfrm>
       </p:grpSpPr>
-      <p:sp>
-        <p:nvSpPr>
-          <p:cNvPr id="4" name="Titre 3">
-            <a:extLst>
-              <a:ext uri="{FF2B5EF4-FFF2-40B4-BE49-F238E27FC236}">
-                <a16:creationId xmlns:a16="http://schemas.microsoft.com/office/drawing/2014/main" id="{A45C165F-BC2D-0A42-B582-A27AE4DBB9CF}"/>
-              </a:ext>
-            </a:extLst>
-          </p:cNvPr>
-          <p:cNvSpPr>
-            <a:spLocks noGrp="1"/>
-          </p:cNvSpPr>
-          <p:nvPr>
-            <p:ph type="title"/>
-          </p:nvPr>
-        </p:nvSpPr>
-        <p:spPr/>
-        <p:txBody>
-          <a:bodyPr/>
-          <a:lstStyle/>
-          <a:p>
-            <a:r>
-              <a:rPr lang="en-CA" dirty="0"/>
-              <a:t>Introduction to Git and GitHub</a:t>
-            </a:r>
-          </a:p>
-        </p:txBody>
-      </p:sp>
-      <p:sp>
-        <p:nvSpPr>
-          <p:cNvPr id="3" name="Espace réservé du texte 2">
-            <a:extLst>
-              <a:ext uri="{FF2B5EF4-FFF2-40B4-BE49-F238E27FC236}">
-                <a16:creationId xmlns:a16="http://schemas.microsoft.com/office/drawing/2014/main" id="{E7537085-13D1-FBF7-FC22-14EA9C5F5578}"/>
-              </a:ext>
-            </a:extLst>
-          </p:cNvPr>
-          <p:cNvSpPr txBox="1">
-            <a:spLocks/>
-          </p:cNvSpPr>
-          <p:nvPr/>
-        </p:nvSpPr>
-        <p:spPr>
-          <a:xfrm>
-            <a:off x="623888" y="4589471"/>
-            <a:ext cx="7886700" cy="1500188"/>
-          </a:xfrm>
-          <a:prstGeom prst="rect">
-            <a:avLst/>
-          </a:prstGeom>
-        </p:spPr>
-        <p:txBody>
-          <a:bodyPr/>
-          <a:lstStyle>
-            <a:lvl1pPr marL="228540" indent="-228540" algn="l" defTabSz="914175" rtl="0" eaLnBrk="1" latinLnBrk="0" hangingPunct="1">
-              <a:lnSpc>
-                <a:spcPct val="90000"/>
-              </a:lnSpc>
-              <a:spcBef>
-                <a:spcPts val="998"/>
-              </a:spcBef>
-              <a:buFont typeface="Arial" panose="020B0604020202020204" pitchFamily="34" charset="0"/>
-              <a:buChar char="•"/>
-              <a:defRPr sz="2798" kern="1200">
-                <a:solidFill>
-                  <a:schemeClr val="tx1"/>
-                </a:solidFill>
-                <a:latin typeface="+mn-lt"/>
-                <a:ea typeface="+mn-ea"/>
-                <a:cs typeface="+mn-cs"/>
-              </a:defRPr>
-            </a:lvl1pPr>
-            <a:lvl2pPr marL="685628" indent="-228540" algn="l" defTabSz="914175" rtl="0" eaLnBrk="1" latinLnBrk="0" hangingPunct="1">
-              <a:lnSpc>
-                <a:spcPct val="90000"/>
-              </a:lnSpc>
-              <a:spcBef>
-                <a:spcPts val="503"/>
-              </a:spcBef>
-              <a:buFont typeface="Arial" panose="020B0604020202020204" pitchFamily="34" charset="0"/>
-              <a:buChar char="•"/>
-              <a:defRPr sz="2400" kern="1200">
-                <a:solidFill>
-                  <a:schemeClr val="tx1"/>
-                </a:solidFill>
-                <a:latin typeface="+mn-lt"/>
-                <a:ea typeface="+mn-ea"/>
-                <a:cs typeface="+mn-cs"/>
-              </a:defRPr>
-            </a:lvl2pPr>
-            <a:lvl3pPr marL="1142715" indent="-228540" algn="l" defTabSz="914175" rtl="0" eaLnBrk="1" latinLnBrk="0" hangingPunct="1">
-              <a:lnSpc>
-                <a:spcPct val="90000"/>
-              </a:lnSpc>
-              <a:spcBef>
-                <a:spcPts val="503"/>
-              </a:spcBef>
-              <a:buFont typeface="Arial" panose="020B0604020202020204" pitchFamily="34" charset="0"/>
-              <a:buChar char="•"/>
-              <a:defRPr sz="2002" kern="1200">
-                <a:solidFill>
-                  <a:schemeClr val="tx1"/>
-                </a:solidFill>
-                <a:latin typeface="+mn-lt"/>
-                <a:ea typeface="+mn-ea"/>
-                <a:cs typeface="+mn-cs"/>
-              </a:defRPr>
-            </a:lvl3pPr>
-            <a:lvl4pPr marL="1599803" indent="-228540" algn="l" defTabSz="914175" rtl="0" eaLnBrk="1" latinLnBrk="0" hangingPunct="1">
-              <a:lnSpc>
-                <a:spcPct val="90000"/>
-              </a:lnSpc>
-              <a:spcBef>
-                <a:spcPts val="503"/>
-              </a:spcBef>
-              <a:buFont typeface="Arial" panose="020B0604020202020204" pitchFamily="34" charset="0"/>
-              <a:buChar char="•"/>
-              <a:defRPr sz="1800" kern="1200">
-                <a:solidFill>
-                  <a:schemeClr val="tx1"/>
-                </a:solidFill>
-                <a:latin typeface="+mn-lt"/>
-                <a:ea typeface="+mn-ea"/>
-                <a:cs typeface="+mn-cs"/>
-              </a:defRPr>
-            </a:lvl4pPr>
-            <a:lvl5pPr marL="2056883" indent="-228540" algn="l" defTabSz="914175" rtl="0" eaLnBrk="1" latinLnBrk="0" hangingPunct="1">
-              <a:lnSpc>
-                <a:spcPct val="90000"/>
-              </a:lnSpc>
-              <a:spcBef>
-                <a:spcPts val="503"/>
-              </a:spcBef>
-              <a:buFont typeface="Arial" panose="020B0604020202020204" pitchFamily="34" charset="0"/>
-              <a:buChar char="•"/>
-              <a:defRPr sz="1800" kern="1200">
-                <a:solidFill>
-                  <a:schemeClr val="tx1"/>
-                </a:solidFill>
-                <a:latin typeface="+mn-lt"/>
-                <a:ea typeface="+mn-ea"/>
-                <a:cs typeface="+mn-cs"/>
-              </a:defRPr>
-            </a:lvl5pPr>
-            <a:lvl6pPr marL="2513970" indent="-228540" algn="l" defTabSz="914175" rtl="0" eaLnBrk="1" latinLnBrk="0" hangingPunct="1">
-              <a:lnSpc>
-                <a:spcPct val="90000"/>
-              </a:lnSpc>
-              <a:spcBef>
-                <a:spcPts val="503"/>
-              </a:spcBef>
-              <a:buFont typeface="Arial" panose="020B0604020202020204" pitchFamily="34" charset="0"/>
-              <a:buChar char="•"/>
-              <a:defRPr sz="1800" kern="1200">
-                <a:solidFill>
-                  <a:schemeClr val="tx1"/>
-                </a:solidFill>
-                <a:latin typeface="+mn-lt"/>
-                <a:ea typeface="+mn-ea"/>
-                <a:cs typeface="+mn-cs"/>
-              </a:defRPr>
-            </a:lvl6pPr>
-            <a:lvl7pPr marL="2971058" indent="-228540" algn="l" defTabSz="914175" rtl="0" eaLnBrk="1" latinLnBrk="0" hangingPunct="1">
-              <a:lnSpc>
-                <a:spcPct val="90000"/>
-              </a:lnSpc>
-              <a:spcBef>
-                <a:spcPts val="503"/>
-              </a:spcBef>
-              <a:buFont typeface="Arial" panose="020B0604020202020204" pitchFamily="34" charset="0"/>
-              <a:buChar char="•"/>
-              <a:defRPr sz="1800" kern="1200">
-                <a:solidFill>
-                  <a:schemeClr val="tx1"/>
-                </a:solidFill>
-                <a:latin typeface="+mn-lt"/>
-                <a:ea typeface="+mn-ea"/>
-                <a:cs typeface="+mn-cs"/>
-              </a:defRPr>
-            </a:lvl7pPr>
-            <a:lvl8pPr marL="3428145" indent="-228540" algn="l" defTabSz="914175" rtl="0" eaLnBrk="1" latinLnBrk="0" hangingPunct="1">
-              <a:lnSpc>
-                <a:spcPct val="90000"/>
-              </a:lnSpc>
-              <a:spcBef>
-                <a:spcPts val="503"/>
-              </a:spcBef>
-              <a:buFont typeface="Arial" panose="020B0604020202020204" pitchFamily="34" charset="0"/>
-              <a:buChar char="•"/>
-              <a:defRPr sz="1800" kern="1200">
-                <a:solidFill>
-                  <a:schemeClr val="tx1"/>
-                </a:solidFill>
-                <a:latin typeface="+mn-lt"/>
-                <a:ea typeface="+mn-ea"/>
-                <a:cs typeface="+mn-cs"/>
-              </a:defRPr>
-            </a:lvl8pPr>
-            <a:lvl9pPr marL="3885225" indent="-228540" algn="l" defTabSz="914175" rtl="0" eaLnBrk="1" latinLnBrk="0" hangingPunct="1">
-              <a:lnSpc>
-                <a:spcPct val="90000"/>
-              </a:lnSpc>
-              <a:spcBef>
-                <a:spcPts val="503"/>
-              </a:spcBef>
-              <a:buFont typeface="Arial" panose="020B0604020202020204" pitchFamily="34" charset="0"/>
-              <a:buChar char="•"/>
-              <a:defRPr sz="1800" kern="1200">
-                <a:solidFill>
-                  <a:schemeClr val="tx1"/>
-                </a:solidFill>
-                <a:latin typeface="+mn-lt"/>
-                <a:ea typeface="+mn-ea"/>
-                <a:cs typeface="+mn-cs"/>
-              </a:defRPr>
-            </a:lvl9pPr>
-          </a:lstStyle>
-          <a:p>
-            <a:pPr marL="0" indent="0">
-              <a:buNone/>
-            </a:pPr>
-            <a:r>
-              <a:rPr lang="en-CA" dirty="0"/>
-              <a:t>Instructor: Adrien Osakwe</a:t>
-            </a:r>
-          </a:p>
-          <a:p>
-            <a:pPr marL="0" indent="0">
-              <a:buNone/>
-            </a:pPr>
-            <a:r>
-              <a:rPr lang="en-CA" dirty="0"/>
-              <a:t>June 22</a:t>
-            </a:r>
-            <a:r>
-              <a:rPr lang="en-CA" baseline="30000" dirty="0"/>
-              <a:t>nd</a:t>
-            </a:r>
-            <a:r>
-              <a:rPr lang="en-CA" dirty="0"/>
-              <a:t> 2022</a:t>
-            </a:r>
-          </a:p>
-        </p:txBody>
-      </p:sp>
     </p:spTree>
     <p:extLst>
       <p:ext uri="{BB962C8B-B14F-4D97-AF65-F5344CB8AC3E}">
-        <p14:creationId xmlns:p14="http://schemas.microsoft.com/office/powerpoint/2010/main" val="2389275097"/>
+        <p14:creationId xmlns:p14="http://schemas.microsoft.com/office/powerpoint/2010/main" val="3133242724"/>
       </p:ext>
     </p:extLst>
   </p:cSld>
@@ -12225,7 +12532,7 @@
             </a:pPr>
             <a:r>
               <a:rPr lang="en-CA" b="1" dirty="0"/>
-              <a:t>Poll #1</a:t>
+              <a:t>Poll #2</a:t>
             </a:r>
           </a:p>
           <a:p>
@@ -12239,12 +12546,8 @@
               <a:buNone/>
             </a:pPr>
             <a:r>
-              <a:rPr lang="en-CA" b="1" dirty="0"/>
-              <a:t>T/F </a:t>
-            </a:r>
-            <a:r>
               <a:rPr lang="en-CA" dirty="0"/>
-              <a:t>– After initialisation, a project folder becomes a git repository</a:t>
+              <a:t>T/F – After initialisation, a project folder becomes a git repository</a:t>
             </a:r>
           </a:p>
           <a:p>
@@ -12295,6 +12598,183 @@
   <p:clrMapOvr>
     <a:masterClrMapping/>
   </p:clrMapOvr>
+  <p:timing>
+    <p:tnLst>
+      <p:par>
+        <p:cTn id="1" dur="indefinite" restart="never" nodeType="tmRoot">
+          <p:childTnLst>
+            <p:seq concurrent="1" nextAc="seek">
+              <p:cTn id="2" dur="indefinite" nodeType="mainSeq">
+                <p:childTnLst>
+                  <p:par>
+                    <p:cTn id="3" fill="hold">
+                      <p:stCondLst>
+                        <p:cond delay="indefinite"/>
+                      </p:stCondLst>
+                      <p:childTnLst>
+                        <p:par>
+                          <p:cTn id="4" fill="hold">
+                            <p:stCondLst>
+                              <p:cond delay="0"/>
+                            </p:stCondLst>
+                            <p:childTnLst>
+                              <p:par>
+                                <p:cTn id="5" presetID="1" presetClass="entr" presetSubtype="0" fill="hold" nodeType="clickEffect">
+                                  <p:stCondLst>
+                                    <p:cond delay="0"/>
+                                  </p:stCondLst>
+                                  <p:childTnLst>
+                                    <p:set>
+                                      <p:cBhvr>
+                                        <p:cTn id="6" dur="1" fill="hold">
+                                          <p:stCondLst>
+                                            <p:cond delay="0"/>
+                                          </p:stCondLst>
+                                        </p:cTn>
+                                        <p:tgtEl>
+                                          <p:spTgt spid="2">
+                                            <p:txEl>
+                                              <p:pRg st="2" end="2"/>
+                                            </p:txEl>
+                                          </p:spTgt>
+                                        </p:tgtEl>
+                                        <p:attrNameLst>
+                                          <p:attrName>style.visibility</p:attrName>
+                                        </p:attrNameLst>
+                                      </p:cBhvr>
+                                      <p:to>
+                                        <p:strVal val="visible"/>
+                                      </p:to>
+                                    </p:set>
+                                  </p:childTnLst>
+                                </p:cTn>
+                              </p:par>
+                            </p:childTnLst>
+                          </p:cTn>
+                        </p:par>
+                      </p:childTnLst>
+                    </p:cTn>
+                  </p:par>
+                  <p:par>
+                    <p:cTn id="7" fill="hold">
+                      <p:stCondLst>
+                        <p:cond delay="indefinite"/>
+                      </p:stCondLst>
+                      <p:childTnLst>
+                        <p:par>
+                          <p:cTn id="8" fill="hold">
+                            <p:stCondLst>
+                              <p:cond delay="0"/>
+                            </p:stCondLst>
+                            <p:childTnLst>
+                              <p:par>
+                                <p:cTn id="9" presetID="1" presetClass="entr" presetSubtype="0" fill="hold" nodeType="clickEffect">
+                                  <p:stCondLst>
+                                    <p:cond delay="0"/>
+                                  </p:stCondLst>
+                                  <p:childTnLst>
+                                    <p:set>
+                                      <p:cBhvr>
+                                        <p:cTn id="10" dur="1" fill="hold">
+                                          <p:stCondLst>
+                                            <p:cond delay="0"/>
+                                          </p:stCondLst>
+                                        </p:cTn>
+                                        <p:tgtEl>
+                                          <p:spTgt spid="2">
+                                            <p:txEl>
+                                              <p:pRg st="4" end="4"/>
+                                            </p:txEl>
+                                          </p:spTgt>
+                                        </p:tgtEl>
+                                        <p:attrNameLst>
+                                          <p:attrName>style.visibility</p:attrName>
+                                        </p:attrNameLst>
+                                      </p:cBhvr>
+                                      <p:to>
+                                        <p:strVal val="visible"/>
+                                      </p:to>
+                                    </p:set>
+                                  </p:childTnLst>
+                                </p:cTn>
+                              </p:par>
+                            </p:childTnLst>
+                          </p:cTn>
+                        </p:par>
+                      </p:childTnLst>
+                    </p:cTn>
+                  </p:par>
+                  <p:par>
+                    <p:cTn id="11" fill="hold">
+                      <p:stCondLst>
+                        <p:cond delay="indefinite"/>
+                      </p:stCondLst>
+                      <p:childTnLst>
+                        <p:par>
+                          <p:cTn id="12" fill="hold">
+                            <p:stCondLst>
+                              <p:cond delay="0"/>
+                            </p:stCondLst>
+                            <p:childTnLst>
+                              <p:par>
+                                <p:cTn id="13" presetID="1" presetClass="entr" presetSubtype="0" fill="hold" nodeType="clickEffect">
+                                  <p:stCondLst>
+                                    <p:cond delay="0"/>
+                                  </p:stCondLst>
+                                  <p:childTnLst>
+                                    <p:set>
+                                      <p:cBhvr>
+                                        <p:cTn id="14" dur="1" fill="hold">
+                                          <p:stCondLst>
+                                            <p:cond delay="0"/>
+                                          </p:stCondLst>
+                                        </p:cTn>
+                                        <p:tgtEl>
+                                          <p:spTgt spid="2">
+                                            <p:txEl>
+                                              <p:pRg st="6" end="6"/>
+                                            </p:txEl>
+                                          </p:spTgt>
+                                        </p:tgtEl>
+                                        <p:attrNameLst>
+                                          <p:attrName>style.visibility</p:attrName>
+                                        </p:attrNameLst>
+                                      </p:cBhvr>
+                                      <p:to>
+                                        <p:strVal val="visible"/>
+                                      </p:to>
+                                    </p:set>
+                                  </p:childTnLst>
+                                </p:cTn>
+                              </p:par>
+                            </p:childTnLst>
+                          </p:cTn>
+                        </p:par>
+                      </p:childTnLst>
+                    </p:cTn>
+                  </p:par>
+                </p:childTnLst>
+              </p:cTn>
+              <p:prevCondLst>
+                <p:cond evt="onPrev" delay="0">
+                  <p:tgtEl>
+                    <p:sldTgt/>
+                  </p:tgtEl>
+                </p:cond>
+              </p:prevCondLst>
+              <p:nextCondLst>
+                <p:cond evt="onNext" delay="0">
+                  <p:tgtEl>
+                    <p:sldTgt/>
+                  </p:tgtEl>
+                </p:cond>
+              </p:nextCondLst>
+            </p:seq>
+          </p:childTnLst>
+        </p:cTn>
+      </p:par>
+    </p:tnLst>
+  </p:timing>
 </p:sld>
 </file>
 
@@ -12587,7 +13067,7 @@
           <a:p>
             <a:r>
               <a:rPr lang="en-CA" dirty="0"/>
-              <a:t>Allow us to implement new features without harming viable releases</a:t>
+              <a:t>Allows us to implement new features without harming viable releases</a:t>
             </a:r>
           </a:p>
         </p:txBody>
@@ -15214,10 +15694,120 @@
           <a:chExt cx="0" cy="0"/>
         </a:xfrm>
       </p:grpSpPr>
+      <p:sp>
+        <p:nvSpPr>
+          <p:cNvPr id="2" name="Text Placeholder 1">
+            <a:extLst>
+              <a:ext uri="{FF2B5EF4-FFF2-40B4-BE49-F238E27FC236}">
+                <a16:creationId xmlns:a16="http://schemas.microsoft.com/office/drawing/2014/main" id="{17E543B8-96E5-F2A9-6F87-38F12D86B60B}"/>
+              </a:ext>
+            </a:extLst>
+          </p:cNvPr>
+          <p:cNvSpPr>
+            <a:spLocks noGrp="1"/>
+          </p:cNvSpPr>
+          <p:nvPr>
+            <p:ph type="body" sz="quarter" idx="10"/>
+          </p:nvPr>
+        </p:nvSpPr>
+        <p:spPr/>
+        <p:txBody>
+          <a:bodyPr>
+            <a:normAutofit lnSpcReduction="10000"/>
+          </a:bodyPr>
+          <a:lstStyle/>
+          <a:p>
+            <a:pPr marL="0" indent="0">
+              <a:buNone/>
+            </a:pPr>
+            <a:r>
+              <a:rPr lang="en-CA" b="1" dirty="0"/>
+              <a:t>Outline for this workshop:</a:t>
+            </a:r>
+          </a:p>
+          <a:p>
+            <a:pPr marL="514350" indent="-514350">
+              <a:buFont typeface="+mj-lt"/>
+              <a:buAutoNum type="arabicPeriod"/>
+            </a:pPr>
+            <a:r>
+              <a:rPr lang="en-CA" dirty="0"/>
+              <a:t>Intro to Git and Version Control Systems</a:t>
+            </a:r>
+          </a:p>
+          <a:p>
+            <a:pPr marL="514350" indent="-514350">
+              <a:buFont typeface="+mj-lt"/>
+              <a:buAutoNum type="arabicPeriod"/>
+            </a:pPr>
+            <a:endParaRPr lang="en-CA" dirty="0"/>
+          </a:p>
+          <a:p>
+            <a:pPr marL="514350" indent="-514350">
+              <a:buFont typeface="+mj-lt"/>
+              <a:buAutoNum type="arabicPeriod"/>
+            </a:pPr>
+            <a:r>
+              <a:rPr lang="en-CA" dirty="0"/>
+              <a:t>Basic Git functions</a:t>
+            </a:r>
+          </a:p>
+          <a:p>
+            <a:pPr marL="514350" indent="-514350">
+              <a:buFont typeface="+mj-lt"/>
+              <a:buAutoNum type="arabicPeriod"/>
+            </a:pPr>
+            <a:endParaRPr lang="en-CA" dirty="0"/>
+          </a:p>
+          <a:p>
+            <a:pPr marL="514350" indent="-514350">
+              <a:buFont typeface="+mj-lt"/>
+              <a:buAutoNum type="arabicPeriod"/>
+            </a:pPr>
+            <a:r>
+              <a:rPr lang="en-CA" dirty="0"/>
+              <a:t>Advanced Git functions</a:t>
+            </a:r>
+          </a:p>
+          <a:p>
+            <a:pPr marL="457088" lvl="1" indent="0">
+              <a:buNone/>
+            </a:pPr>
+            <a:endParaRPr lang="en-CA" dirty="0"/>
+          </a:p>
+          <a:p>
+            <a:pPr marL="514350" indent="-514350">
+              <a:buFont typeface="+mj-lt"/>
+              <a:buAutoNum type="arabicPeriod"/>
+            </a:pPr>
+            <a:r>
+              <a:rPr lang="en-CA" dirty="0"/>
+              <a:t>Working with GitHub</a:t>
+            </a:r>
+          </a:p>
+          <a:p>
+            <a:pPr marL="514350" indent="-514350">
+              <a:buFont typeface="+mj-lt"/>
+              <a:buAutoNum type="arabicPeriod"/>
+            </a:pPr>
+            <a:endParaRPr lang="en-CA" dirty="0"/>
+          </a:p>
+          <a:p>
+            <a:pPr marL="514350" indent="-514350">
+              <a:buFont typeface="+mj-lt"/>
+              <a:buAutoNum type="arabicPeriod"/>
+            </a:pPr>
+            <a:r>
+              <a:rPr lang="en-CA" dirty="0"/>
+              <a:t>Conclusions</a:t>
+            </a:r>
+          </a:p>
+        </p:txBody>
+      </p:sp>
     </p:spTree>
     <p:extLst>
       <p:ext uri="{BB962C8B-B14F-4D97-AF65-F5344CB8AC3E}">
-        <p14:creationId xmlns:p14="http://schemas.microsoft.com/office/powerpoint/2010/main" val="3133242724"/>
+        <p14:creationId xmlns:p14="http://schemas.microsoft.com/office/powerpoint/2010/main" val="1592450976"/>
       </p:ext>
     </p:extLst>
   </p:cSld>
@@ -16558,8 +17148,65 @@
             </a:pPr>
             <a:r>
               <a:rPr lang="en-CA" b="1" dirty="0"/>
-              <a:t>Poll</a:t>
-            </a:r>
+              <a:t>Poll #3</a:t>
+            </a:r>
+          </a:p>
+          <a:p>
+            <a:pPr marL="0" indent="0">
+              <a:buNone/>
+            </a:pPr>
+            <a:endParaRPr lang="en-CA" b="1" dirty="0"/>
+          </a:p>
+          <a:p>
+            <a:pPr marL="0" indent="0">
+              <a:buNone/>
+            </a:pPr>
+            <a:r>
+              <a:rPr lang="en-CA" dirty="0"/>
+              <a:t>When could it be more useful to rebase a branch instead of merging?</a:t>
+            </a:r>
+          </a:p>
+          <a:p>
+            <a:pPr marL="0" indent="0">
+              <a:buNone/>
+            </a:pPr>
+            <a:endParaRPr lang="en-CA" dirty="0"/>
+          </a:p>
+          <a:p>
+            <a:pPr marL="0" indent="0">
+              <a:buNone/>
+            </a:pPr>
+            <a:r>
+              <a:rPr lang="en-CA" dirty="0"/>
+              <a:t>T/F – Merging branches with changes in the same file will ALWAYS create a merge conflict</a:t>
+            </a:r>
+          </a:p>
+          <a:p>
+            <a:pPr marL="0" indent="0">
+              <a:buNone/>
+            </a:pPr>
+            <a:endParaRPr lang="en-CA" dirty="0"/>
+          </a:p>
+          <a:p>
+            <a:pPr marL="0" indent="0">
+              <a:buNone/>
+            </a:pPr>
+            <a:r>
+              <a:rPr lang="en-CA" dirty="0"/>
+              <a:t>How could we prevent conflicts from occurring?</a:t>
+            </a:r>
+          </a:p>
+          <a:p>
+            <a:pPr marL="0" indent="0">
+              <a:buNone/>
+            </a:pPr>
+            <a:endParaRPr lang="en-CA" b="1" dirty="0"/>
+          </a:p>
+          <a:p>
+            <a:pPr marL="0" indent="0">
+              <a:buNone/>
+            </a:pPr>
+            <a:endParaRPr lang="en-CA" b="1" dirty="0"/>
           </a:p>
         </p:txBody>
       </p:sp>
@@ -16573,6 +17220,183 @@
   <p:clrMapOvr>
     <a:masterClrMapping/>
   </p:clrMapOvr>
+  <p:timing>
+    <p:tnLst>
+      <p:par>
+        <p:cTn id="1" dur="indefinite" restart="never" nodeType="tmRoot">
+          <p:childTnLst>
+            <p:seq concurrent="1" nextAc="seek">
+              <p:cTn id="2" dur="indefinite" nodeType="mainSeq">
+                <p:childTnLst>
+                  <p:par>
+                    <p:cTn id="3" fill="hold">
+                      <p:stCondLst>
+                        <p:cond delay="indefinite"/>
+                      </p:stCondLst>
+                      <p:childTnLst>
+                        <p:par>
+                          <p:cTn id="4" fill="hold">
+                            <p:stCondLst>
+                              <p:cond delay="0"/>
+                            </p:stCondLst>
+                            <p:childTnLst>
+                              <p:par>
+                                <p:cTn id="5" presetID="1" presetClass="entr" presetSubtype="0" fill="hold" nodeType="clickEffect">
+                                  <p:stCondLst>
+                                    <p:cond delay="0"/>
+                                  </p:stCondLst>
+                                  <p:childTnLst>
+                                    <p:set>
+                                      <p:cBhvr>
+                                        <p:cTn id="6" dur="1" fill="hold">
+                                          <p:stCondLst>
+                                            <p:cond delay="0"/>
+                                          </p:stCondLst>
+                                        </p:cTn>
+                                        <p:tgtEl>
+                                          <p:spTgt spid="2">
+                                            <p:txEl>
+                                              <p:pRg st="2" end="2"/>
+                                            </p:txEl>
+                                          </p:spTgt>
+                                        </p:tgtEl>
+                                        <p:attrNameLst>
+                                          <p:attrName>style.visibility</p:attrName>
+                                        </p:attrNameLst>
+                                      </p:cBhvr>
+                                      <p:to>
+                                        <p:strVal val="visible"/>
+                                      </p:to>
+                                    </p:set>
+                                  </p:childTnLst>
+                                </p:cTn>
+                              </p:par>
+                            </p:childTnLst>
+                          </p:cTn>
+                        </p:par>
+                      </p:childTnLst>
+                    </p:cTn>
+                  </p:par>
+                  <p:par>
+                    <p:cTn id="7" fill="hold">
+                      <p:stCondLst>
+                        <p:cond delay="indefinite"/>
+                      </p:stCondLst>
+                      <p:childTnLst>
+                        <p:par>
+                          <p:cTn id="8" fill="hold">
+                            <p:stCondLst>
+                              <p:cond delay="0"/>
+                            </p:stCondLst>
+                            <p:childTnLst>
+                              <p:par>
+                                <p:cTn id="9" presetID="1" presetClass="entr" presetSubtype="0" fill="hold" nodeType="clickEffect">
+                                  <p:stCondLst>
+                                    <p:cond delay="0"/>
+                                  </p:stCondLst>
+                                  <p:childTnLst>
+                                    <p:set>
+                                      <p:cBhvr>
+                                        <p:cTn id="10" dur="1" fill="hold">
+                                          <p:stCondLst>
+                                            <p:cond delay="0"/>
+                                          </p:stCondLst>
+                                        </p:cTn>
+                                        <p:tgtEl>
+                                          <p:spTgt spid="2">
+                                            <p:txEl>
+                                              <p:pRg st="4" end="4"/>
+                                            </p:txEl>
+                                          </p:spTgt>
+                                        </p:tgtEl>
+                                        <p:attrNameLst>
+                                          <p:attrName>style.visibility</p:attrName>
+                                        </p:attrNameLst>
+                                      </p:cBhvr>
+                                      <p:to>
+                                        <p:strVal val="visible"/>
+                                      </p:to>
+                                    </p:set>
+                                  </p:childTnLst>
+                                </p:cTn>
+                              </p:par>
+                            </p:childTnLst>
+                          </p:cTn>
+                        </p:par>
+                      </p:childTnLst>
+                    </p:cTn>
+                  </p:par>
+                  <p:par>
+                    <p:cTn id="11" fill="hold">
+                      <p:stCondLst>
+                        <p:cond delay="indefinite"/>
+                      </p:stCondLst>
+                      <p:childTnLst>
+                        <p:par>
+                          <p:cTn id="12" fill="hold">
+                            <p:stCondLst>
+                              <p:cond delay="0"/>
+                            </p:stCondLst>
+                            <p:childTnLst>
+                              <p:par>
+                                <p:cTn id="13" presetID="1" presetClass="entr" presetSubtype="0" fill="hold" nodeType="clickEffect">
+                                  <p:stCondLst>
+                                    <p:cond delay="0"/>
+                                  </p:stCondLst>
+                                  <p:childTnLst>
+                                    <p:set>
+                                      <p:cBhvr>
+                                        <p:cTn id="14" dur="1" fill="hold">
+                                          <p:stCondLst>
+                                            <p:cond delay="0"/>
+                                          </p:stCondLst>
+                                        </p:cTn>
+                                        <p:tgtEl>
+                                          <p:spTgt spid="2">
+                                            <p:txEl>
+                                              <p:pRg st="6" end="6"/>
+                                            </p:txEl>
+                                          </p:spTgt>
+                                        </p:tgtEl>
+                                        <p:attrNameLst>
+                                          <p:attrName>style.visibility</p:attrName>
+                                        </p:attrNameLst>
+                                      </p:cBhvr>
+                                      <p:to>
+                                        <p:strVal val="visible"/>
+                                      </p:to>
+                                    </p:set>
+                                  </p:childTnLst>
+                                </p:cTn>
+                              </p:par>
+                            </p:childTnLst>
+                          </p:cTn>
+                        </p:par>
+                      </p:childTnLst>
+                    </p:cTn>
+                  </p:par>
+                </p:childTnLst>
+              </p:cTn>
+              <p:prevCondLst>
+                <p:cond evt="onPrev" delay="0">
+                  <p:tgtEl>
+                    <p:sldTgt/>
+                  </p:tgtEl>
+                </p:cond>
+              </p:prevCondLst>
+              <p:nextCondLst>
+                <p:cond evt="onNext" delay="0">
+                  <p:tgtEl>
+                    <p:sldTgt/>
+                  </p:tgtEl>
+                </p:cond>
+              </p:nextCondLst>
+            </p:seq>
+          </p:childTnLst>
+        </p:cTn>
+      </p:par>
+    </p:tnLst>
+  </p:timing>
 </p:sld>
 </file>
 
@@ -16635,6 +17459,64 @@
 </file>
 
 <file path=ppt/slides/slide36.xml><?xml version="1.0" encoding="utf-8"?>
+<p:sld xmlns:a="http://schemas.openxmlformats.org/drawingml/2006/main" xmlns:r="http://schemas.openxmlformats.org/officeDocument/2006/relationships" xmlns:p="http://schemas.openxmlformats.org/presentationml/2006/main">
+  <p:cSld>
+    <p:spTree>
+      <p:nvGrpSpPr>
+        <p:cNvPr id="1" name=""/>
+        <p:cNvGrpSpPr/>
+        <p:nvPr/>
+      </p:nvGrpSpPr>
+      <p:grpSpPr>
+        <a:xfrm>
+          <a:off x="0" y="0"/>
+          <a:ext cx="0" cy="0"/>
+          <a:chOff x="0" y="0"/>
+          <a:chExt cx="0" cy="0"/>
+        </a:xfrm>
+      </p:grpSpPr>
+      <p:sp>
+        <p:nvSpPr>
+          <p:cNvPr id="2" name="Title 1">
+            <a:extLst>
+              <a:ext uri="{FF2B5EF4-FFF2-40B4-BE49-F238E27FC236}">
+                <a16:creationId xmlns:a16="http://schemas.microsoft.com/office/drawing/2014/main" id="{0DE189DB-AD21-9DB4-6CD1-353F0C2F7A79}"/>
+              </a:ext>
+            </a:extLst>
+          </p:cNvPr>
+          <p:cNvSpPr>
+            <a:spLocks noGrp="1"/>
+          </p:cNvSpPr>
+          <p:nvPr>
+            <p:ph type="title"/>
+          </p:nvPr>
+        </p:nvSpPr>
+        <p:spPr/>
+        <p:txBody>
+          <a:bodyPr/>
+          <a:lstStyle/>
+          <a:p>
+            <a:r>
+              <a:rPr lang="en-CA" dirty="0"/>
+              <a:t>GitHub Interface</a:t>
+            </a:r>
+          </a:p>
+        </p:txBody>
+      </p:sp>
+    </p:spTree>
+    <p:extLst>
+      <p:ext uri="{BB962C8B-B14F-4D97-AF65-F5344CB8AC3E}">
+        <p14:creationId xmlns:p14="http://schemas.microsoft.com/office/powerpoint/2010/main" val="1155415922"/>
+      </p:ext>
+    </p:extLst>
+  </p:cSld>
+  <p:clrMapOvr>
+    <a:masterClrMapping/>
+  </p:clrMapOvr>
+</p:sld>
+</file>
+
+<file path=ppt/slides/slide37.xml><?xml version="1.0" encoding="utf-8"?>
 <p:sld xmlns:a="http://schemas.openxmlformats.org/drawingml/2006/main" xmlns:r="http://schemas.openxmlformats.org/officeDocument/2006/relationships" xmlns:p="http://schemas.openxmlformats.org/presentationml/2006/main">
   <p:cSld>
     <p:spTree>
@@ -16797,7 +17679,7 @@
 </p:sld>
 </file>
 
-<file path=ppt/slides/slide37.xml><?xml version="1.0" encoding="utf-8"?>
+<file path=ppt/slides/slide38.xml><?xml version="1.0" encoding="utf-8"?>
 <p:sld xmlns:a="http://schemas.openxmlformats.org/drawingml/2006/main" xmlns:r="http://schemas.openxmlformats.org/officeDocument/2006/relationships" xmlns:p="http://schemas.openxmlformats.org/presentationml/2006/main">
   <p:cSld>
     <p:spTree>
@@ -16882,7 +17764,7 @@
 </p:sld>
 </file>
 
-<file path=ppt/slides/slide38.xml><?xml version="1.0" encoding="utf-8"?>
+<file path=ppt/slides/slide39.xml><?xml version="1.0" encoding="utf-8"?>
 <p:sld xmlns:a="http://schemas.openxmlformats.org/drawingml/2006/main" xmlns:r="http://schemas.openxmlformats.org/officeDocument/2006/relationships" xmlns:p="http://schemas.openxmlformats.org/presentationml/2006/main">
   <p:cSld>
     <p:spTree>
@@ -17000,91 +17882,6 @@
 </p:sld>
 </file>
 
-<file path=ppt/slides/slide39.xml><?xml version="1.0" encoding="utf-8"?>
-<p:sld xmlns:a="http://schemas.openxmlformats.org/drawingml/2006/main" xmlns:r="http://schemas.openxmlformats.org/officeDocument/2006/relationships" xmlns:p="http://schemas.openxmlformats.org/presentationml/2006/main">
-  <p:cSld>
-    <p:spTree>
-      <p:nvGrpSpPr>
-        <p:cNvPr id="1" name=""/>
-        <p:cNvGrpSpPr/>
-        <p:nvPr/>
-      </p:nvGrpSpPr>
-      <p:grpSpPr>
-        <a:xfrm>
-          <a:off x="0" y="0"/>
-          <a:ext cx="0" cy="0"/>
-          <a:chOff x="0" y="0"/>
-          <a:chExt cx="0" cy="0"/>
-        </a:xfrm>
-      </p:grpSpPr>
-      <p:sp>
-        <p:nvSpPr>
-          <p:cNvPr id="2" name="Text Placeholder 1">
-            <a:extLst>
-              <a:ext uri="{FF2B5EF4-FFF2-40B4-BE49-F238E27FC236}">
-                <a16:creationId xmlns:a16="http://schemas.microsoft.com/office/drawing/2014/main" id="{F30F071A-0450-8F6E-F28D-8124D7A90523}"/>
-              </a:ext>
-            </a:extLst>
-          </p:cNvPr>
-          <p:cNvSpPr>
-            <a:spLocks noGrp="1"/>
-          </p:cNvSpPr>
-          <p:nvPr>
-            <p:ph type="body" sz="quarter" idx="10"/>
-          </p:nvPr>
-        </p:nvSpPr>
-        <p:spPr/>
-        <p:txBody>
-          <a:bodyPr/>
-          <a:lstStyle/>
-          <a:p>
-            <a:pPr marL="0" indent="0">
-              <a:buNone/>
-            </a:pPr>
-            <a:endParaRPr lang="en-CA" b="1" dirty="0"/>
-          </a:p>
-          <a:p>
-            <a:pPr marL="0" indent="0">
-              <a:buNone/>
-            </a:pPr>
-            <a:endParaRPr lang="en-CA" b="1" dirty="0"/>
-          </a:p>
-          <a:p>
-            <a:pPr marL="0" indent="0">
-              <a:buNone/>
-            </a:pPr>
-            <a:endParaRPr lang="en-CA" b="1" dirty="0"/>
-          </a:p>
-          <a:p>
-            <a:pPr marL="0" indent="0">
-              <a:buNone/>
-            </a:pPr>
-            <a:endParaRPr lang="en-CA" b="1" dirty="0"/>
-          </a:p>
-          <a:p>
-            <a:pPr marL="0" indent="0">
-              <a:buNone/>
-            </a:pPr>
-            <a:r>
-              <a:rPr lang="en-CA" b="1" dirty="0"/>
-              <a:t>Activity #6 – Pushing commits to GitHub</a:t>
-            </a:r>
-          </a:p>
-        </p:txBody>
-      </p:sp>
-    </p:spTree>
-    <p:extLst>
-      <p:ext uri="{BB962C8B-B14F-4D97-AF65-F5344CB8AC3E}">
-        <p14:creationId xmlns:p14="http://schemas.microsoft.com/office/powerpoint/2010/main" val="2611691246"/>
-      </p:ext>
-    </p:extLst>
-  </p:cSld>
-  <p:clrMapOvr>
-    <a:masterClrMapping/>
-  </p:clrMapOvr>
-</p:sld>
-</file>
-
 <file path=ppt/slides/slide4.xml><?xml version="1.0" encoding="utf-8"?>
 <p:sld xmlns:a="http://schemas.openxmlformats.org/drawingml/2006/main" xmlns:r="http://schemas.openxmlformats.org/officeDocument/2006/relationships" xmlns:p="http://schemas.openxmlformats.org/presentationml/2006/main">
   <p:cSld>
@@ -17107,7 +17904,7 @@
           <p:cNvPr id="2" name="Text Placeholder 1">
             <a:extLst>
               <a:ext uri="{FF2B5EF4-FFF2-40B4-BE49-F238E27FC236}">
-                <a16:creationId xmlns:a16="http://schemas.microsoft.com/office/drawing/2014/main" id="{17E543B8-96E5-F2A9-6F87-38F12D86B60B}"/>
+                <a16:creationId xmlns:a16="http://schemas.microsoft.com/office/drawing/2014/main" id="{FC7A004E-DF48-DFF4-8D27-CC4C90721AC0}"/>
               </a:ext>
             </a:extLst>
           </p:cNvPr>
@@ -17130,7 +17927,34 @@
             </a:pPr>
             <a:r>
               <a:rPr lang="en-CA" b="1" dirty="0"/>
-              <a:t>Outline for this workshop:</a:t>
+              <a:t>Hands-on Activities:</a:t>
+            </a:r>
+          </a:p>
+          <a:p>
+            <a:r>
+              <a:rPr lang="en-CA" dirty="0"/>
+              <a:t>Quick Review Polls</a:t>
+            </a:r>
+          </a:p>
+          <a:p>
+            <a:r>
+              <a:rPr lang="en-CA" dirty="0"/>
+              <a:t>Git/GitHub exercises</a:t>
+            </a:r>
+          </a:p>
+          <a:p>
+            <a:pPr marL="0" indent="0">
+              <a:buNone/>
+            </a:pPr>
+            <a:endParaRPr lang="en-CA" b="1" dirty="0"/>
+          </a:p>
+          <a:p>
+            <a:pPr marL="0" indent="0">
+              <a:buNone/>
+            </a:pPr>
+            <a:r>
+              <a:rPr lang="en-CA" b="1" dirty="0"/>
+              <a:t>What you will need:</a:t>
             </a:r>
           </a:p>
           <a:p>
@@ -17140,7 +17964,7 @@
             </a:pPr>
             <a:r>
               <a:rPr lang="en-CA" dirty="0"/>
-              <a:t>Intro to Git and Version Control Systems</a:t>
+              <a:t>GitHub Desktop App</a:t>
             </a:r>
           </a:p>
           <a:p>
@@ -17148,74 +17972,50 @@
               <a:buFont typeface="+mj-lt"/>
               <a:buAutoNum type="arabicPeriod"/>
             </a:pPr>
+            <a:r>
+              <a:rPr lang="en-CA" dirty="0"/>
+              <a:t>A Text editor</a:t>
+            </a:r>
+          </a:p>
+          <a:p>
+            <a:pPr marL="0" indent="0">
+              <a:buNone/>
+            </a:pPr>
             <a:endParaRPr lang="en-CA" dirty="0"/>
+          </a:p>
+          <a:p>
+            <a:pPr marL="0" indent="0">
+              <a:buNone/>
+            </a:pPr>
+            <a:r>
+              <a:rPr lang="en-CA" b="1" dirty="0"/>
+              <a:t>Note</a:t>
+            </a:r>
+            <a:r>
+              <a:rPr lang="en-CA" dirty="0"/>
+              <a:t>: Feel free to complete the workshop through the terminal</a:t>
+            </a:r>
+            <a:endParaRPr lang="en-CA" b="1" dirty="0"/>
           </a:p>
           <a:p>
             <a:pPr marL="514350" indent="-514350">
               <a:buFont typeface="+mj-lt"/>
               <a:buAutoNum type="arabicPeriod"/>
             </a:pPr>
-            <a:r>
-              <a:rPr lang="en-CA" dirty="0"/>
-              <a:t>Basic Git functions</a:t>
-            </a:r>
-          </a:p>
-          <a:p>
-            <a:pPr marL="514350" indent="-514350">
-              <a:buFont typeface="+mj-lt"/>
-              <a:buAutoNum type="arabicPeriod"/>
-            </a:pPr>
             <a:endParaRPr lang="en-CA" dirty="0"/>
           </a:p>
           <a:p>
-            <a:pPr marL="514350" indent="-514350">
-              <a:buFont typeface="+mj-lt"/>
-              <a:buAutoNum type="arabicPeriod"/>
-            </a:pPr>
-            <a:r>
-              <a:rPr lang="en-CA" dirty="0"/>
-              <a:t>Advanced Git functions</a:t>
-            </a:r>
-          </a:p>
-          <a:p>
-            <a:pPr marL="457088" lvl="1" indent="0">
+            <a:pPr marL="0" indent="0">
               <a:buNone/>
             </a:pPr>
             <a:endParaRPr lang="en-CA" dirty="0"/>
-          </a:p>
-          <a:p>
-            <a:pPr marL="514350" indent="-514350">
-              <a:buFont typeface="+mj-lt"/>
-              <a:buAutoNum type="arabicPeriod"/>
-            </a:pPr>
-            <a:r>
-              <a:rPr lang="en-CA" dirty="0"/>
-              <a:t>Working with GitHub</a:t>
-            </a:r>
-          </a:p>
-          <a:p>
-            <a:pPr marL="514350" indent="-514350">
-              <a:buFont typeface="+mj-lt"/>
-              <a:buAutoNum type="arabicPeriod"/>
-            </a:pPr>
-            <a:endParaRPr lang="en-CA" dirty="0"/>
-          </a:p>
-          <a:p>
-            <a:pPr marL="514350" indent="-514350">
-              <a:buFont typeface="+mj-lt"/>
-              <a:buAutoNum type="arabicPeriod"/>
-            </a:pPr>
-            <a:r>
-              <a:rPr lang="en-CA" dirty="0"/>
-              <a:t>Conclusions</a:t>
-            </a:r>
           </a:p>
         </p:txBody>
       </p:sp>
     </p:spTree>
     <p:extLst>
       <p:ext uri="{BB962C8B-B14F-4D97-AF65-F5344CB8AC3E}">
-        <p14:creationId xmlns:p14="http://schemas.microsoft.com/office/powerpoint/2010/main" val="1592450976"/>
+        <p14:creationId xmlns:p14="http://schemas.microsoft.com/office/powerpoint/2010/main" val="4043592756"/>
       </p:ext>
     </p:extLst>
   </p:cSld>
@@ -17292,6 +18092,91 @@
             </a:pPr>
             <a:r>
               <a:rPr lang="en-CA" b="1" dirty="0"/>
+              <a:t>Activity #6 – Pushing commits to GitHub</a:t>
+            </a:r>
+          </a:p>
+        </p:txBody>
+      </p:sp>
+    </p:spTree>
+    <p:extLst>
+      <p:ext uri="{BB962C8B-B14F-4D97-AF65-F5344CB8AC3E}">
+        <p14:creationId xmlns:p14="http://schemas.microsoft.com/office/powerpoint/2010/main" val="2611691246"/>
+      </p:ext>
+    </p:extLst>
+  </p:cSld>
+  <p:clrMapOvr>
+    <a:masterClrMapping/>
+  </p:clrMapOvr>
+</p:sld>
+</file>
+
+<file path=ppt/slides/slide41.xml><?xml version="1.0" encoding="utf-8"?>
+<p:sld xmlns:a="http://schemas.openxmlformats.org/drawingml/2006/main" xmlns:r="http://schemas.openxmlformats.org/officeDocument/2006/relationships" xmlns:p="http://schemas.openxmlformats.org/presentationml/2006/main">
+  <p:cSld>
+    <p:spTree>
+      <p:nvGrpSpPr>
+        <p:cNvPr id="1" name=""/>
+        <p:cNvGrpSpPr/>
+        <p:nvPr/>
+      </p:nvGrpSpPr>
+      <p:grpSpPr>
+        <a:xfrm>
+          <a:off x="0" y="0"/>
+          <a:ext cx="0" cy="0"/>
+          <a:chOff x="0" y="0"/>
+          <a:chExt cx="0" cy="0"/>
+        </a:xfrm>
+      </p:grpSpPr>
+      <p:sp>
+        <p:nvSpPr>
+          <p:cNvPr id="2" name="Text Placeholder 1">
+            <a:extLst>
+              <a:ext uri="{FF2B5EF4-FFF2-40B4-BE49-F238E27FC236}">
+                <a16:creationId xmlns:a16="http://schemas.microsoft.com/office/drawing/2014/main" id="{F30F071A-0450-8F6E-F28D-8124D7A90523}"/>
+              </a:ext>
+            </a:extLst>
+          </p:cNvPr>
+          <p:cNvSpPr>
+            <a:spLocks noGrp="1"/>
+          </p:cNvSpPr>
+          <p:nvPr>
+            <p:ph type="body" sz="quarter" idx="10"/>
+          </p:nvPr>
+        </p:nvSpPr>
+        <p:spPr/>
+        <p:txBody>
+          <a:bodyPr/>
+          <a:lstStyle/>
+          <a:p>
+            <a:pPr marL="0" indent="0">
+              <a:buNone/>
+            </a:pPr>
+            <a:endParaRPr lang="en-CA" b="1" dirty="0"/>
+          </a:p>
+          <a:p>
+            <a:pPr marL="0" indent="0">
+              <a:buNone/>
+            </a:pPr>
+            <a:endParaRPr lang="en-CA" b="1" dirty="0"/>
+          </a:p>
+          <a:p>
+            <a:pPr marL="0" indent="0">
+              <a:buNone/>
+            </a:pPr>
+            <a:endParaRPr lang="en-CA" b="1" dirty="0"/>
+          </a:p>
+          <a:p>
+            <a:pPr marL="0" indent="0">
+              <a:buNone/>
+            </a:pPr>
+            <a:endParaRPr lang="en-CA" b="1" dirty="0"/>
+          </a:p>
+          <a:p>
+            <a:pPr marL="0" indent="0">
+              <a:buNone/>
+            </a:pPr>
+            <a:r>
+              <a:rPr lang="en-CA" b="1" dirty="0"/>
               <a:t>Activity #7 – Pulling Commits from GitHub</a:t>
             </a:r>
           </a:p>
@@ -17310,7 +18195,7 @@
 </p:sld>
 </file>
 
-<file path=ppt/slides/slide41.xml><?xml version="1.0" encoding="utf-8"?>
+<file path=ppt/slides/slide42.xml><?xml version="1.0" encoding="utf-8"?>
 <p:sld xmlns:a="http://schemas.openxmlformats.org/drawingml/2006/main" xmlns:r="http://schemas.openxmlformats.org/officeDocument/2006/relationships" xmlns:p="http://schemas.openxmlformats.org/presentationml/2006/main">
   <p:cSld>
     <p:spTree>
@@ -17353,8 +18238,100 @@
             </a:pPr>
             <a:r>
               <a:rPr lang="en-CA" b="1" dirty="0"/>
-              <a:t>Cloning other repos</a:t>
-            </a:r>
+              <a:t>Create a local copy of a GitHub Repository</a:t>
+            </a:r>
+          </a:p>
+          <a:p>
+            <a:pPr marL="0" indent="0">
+              <a:buNone/>
+            </a:pPr>
+            <a:endParaRPr lang="en-CA" b="1" dirty="0"/>
+          </a:p>
+          <a:p>
+            <a:r>
+              <a:rPr lang="en-CA" dirty="0"/>
+              <a:t>“Cloning”</a:t>
+            </a:r>
+          </a:p>
+          <a:p>
+            <a:r>
+              <a:rPr lang="en-CA" dirty="0"/>
+              <a:t>Usually done to </a:t>
+            </a:r>
+            <a:r>
+              <a:rPr lang="en-CA" b="1" dirty="0"/>
+              <a:t>use</a:t>
+            </a:r>
+            <a:r>
+              <a:rPr lang="en-CA" dirty="0"/>
+              <a:t> published code</a:t>
+            </a:r>
+          </a:p>
+          <a:p>
+            <a:pPr lvl="1"/>
+            <a:r>
+              <a:rPr lang="en-CA" dirty="0"/>
+              <a:t>Reproduce results</a:t>
+            </a:r>
+          </a:p>
+          <a:p>
+            <a:pPr lvl="1"/>
+            <a:r>
+              <a:rPr lang="en-CA" dirty="0"/>
+              <a:t>Use code on a dataset of interest</a:t>
+            </a:r>
+          </a:p>
+          <a:p>
+            <a:pPr lvl="1"/>
+            <a:endParaRPr lang="en-CA" dirty="0"/>
+          </a:p>
+          <a:p>
+            <a:r>
+              <a:rPr lang="en-CA" dirty="0"/>
+              <a:t>Creates a </a:t>
+            </a:r>
+            <a:r>
+              <a:rPr lang="en-CA" b="1" dirty="0"/>
+              <a:t>direct link </a:t>
+            </a:r>
+            <a:r>
+              <a:rPr lang="en-CA" dirty="0"/>
+              <a:t>to the original repository</a:t>
+            </a:r>
+          </a:p>
+          <a:p>
+            <a:pPr lvl="1"/>
+            <a:r>
+              <a:rPr lang="en-CA" dirty="0"/>
+              <a:t>Anything changes you </a:t>
+            </a:r>
+            <a:r>
+              <a:rPr lang="en-CA" b="1" dirty="0"/>
+              <a:t>push</a:t>
+            </a:r>
+            <a:r>
+              <a:rPr lang="en-CA" dirty="0"/>
+              <a:t> will affect the original repository</a:t>
+            </a:r>
+          </a:p>
+          <a:p>
+            <a:pPr lvl="1"/>
+            <a:r>
+              <a:rPr lang="en-CA" dirty="0"/>
+              <a:t>Any changes in the original repo can be </a:t>
+            </a:r>
+            <a:r>
+              <a:rPr lang="en-CA" b="1" dirty="0"/>
+              <a:t>pulled</a:t>
+            </a:r>
+            <a:r>
+              <a:rPr lang="en-CA" dirty="0"/>
+              <a:t> into your clone</a:t>
+            </a:r>
+          </a:p>
+          <a:p>
+            <a:pPr lvl="1"/>
+            <a:endParaRPr lang="en-CA" dirty="0"/>
           </a:p>
           <a:p>
             <a:pPr marL="0" indent="0">
@@ -17383,7 +18360,7 @@
 </p:sld>
 </file>
 
-<file path=ppt/slides/slide42.xml><?xml version="1.0" encoding="utf-8"?>
+<file path=ppt/slides/slide43.xml><?xml version="1.0" encoding="utf-8"?>
 <p:sld xmlns:a="http://schemas.openxmlformats.org/drawingml/2006/main" xmlns:r="http://schemas.openxmlformats.org/officeDocument/2006/relationships" xmlns:p="http://schemas.openxmlformats.org/presentationml/2006/main">
   <p:cSld>
     <p:spTree>
@@ -17477,7 +18454,7 @@
 </p:sld>
 </file>
 
-<file path=ppt/slides/slide43.xml><?xml version="1.0" encoding="utf-8"?>
+<file path=ppt/slides/slide44.xml><?xml version="1.0" encoding="utf-8"?>
 <p:sld xmlns:a="http://schemas.openxmlformats.org/drawingml/2006/main" xmlns:r="http://schemas.openxmlformats.org/officeDocument/2006/relationships" xmlns:p="http://schemas.openxmlformats.org/presentationml/2006/main">
   <p:cSld>
     <p:spTree>
@@ -17520,7 +18497,77 @@
             </a:pPr>
             <a:r>
               <a:rPr lang="en-CA" b="1" dirty="0"/>
-              <a:t>Fork</a:t>
+              <a:t>Create a remote copy of a GitHub Repository</a:t>
+            </a:r>
+          </a:p>
+          <a:p>
+            <a:r>
+              <a:rPr lang="en-CA" dirty="0"/>
+              <a:t>“Fork”</a:t>
+            </a:r>
+          </a:p>
+          <a:p>
+            <a:endParaRPr lang="en-CA" dirty="0"/>
+          </a:p>
+          <a:p>
+            <a:r>
+              <a:rPr lang="en-CA" dirty="0"/>
+              <a:t>Usually used to </a:t>
+            </a:r>
+            <a:r>
+              <a:rPr lang="en-CA" b="1" dirty="0"/>
+              <a:t>contribute</a:t>
+            </a:r>
+            <a:r>
+              <a:rPr lang="en-CA" dirty="0"/>
+              <a:t> to published code</a:t>
+            </a:r>
+          </a:p>
+          <a:p>
+            <a:pPr lvl="1"/>
+            <a:r>
+              <a:rPr lang="en-CA" dirty="0"/>
+              <a:t>Can then edit the forked repository locally</a:t>
+            </a:r>
+          </a:p>
+          <a:p>
+            <a:pPr lvl="1"/>
+            <a:r>
+              <a:rPr lang="en-CA" dirty="0"/>
+              <a:t>Can then </a:t>
+            </a:r>
+            <a:r>
+              <a:rPr lang="en-CA" b="1" dirty="0"/>
+              <a:t>push </a:t>
+            </a:r>
+            <a:r>
+              <a:rPr lang="en-CA" dirty="0"/>
+              <a:t>local changes to your forked copy</a:t>
+            </a:r>
+          </a:p>
+          <a:p>
+            <a:pPr lvl="1"/>
+            <a:r>
+              <a:rPr lang="en-CA" dirty="0"/>
+              <a:t>When your changes are done, you can make a </a:t>
+            </a:r>
+            <a:r>
+              <a:rPr lang="en-CA" b="1" dirty="0"/>
+              <a:t>pull request</a:t>
+            </a:r>
+            <a:r>
+              <a:rPr lang="en-CA" dirty="0"/>
+              <a:t> to add your changes to the original repo</a:t>
+            </a:r>
+          </a:p>
+          <a:p>
+            <a:pPr lvl="1"/>
+            <a:endParaRPr lang="en-CA" dirty="0"/>
+          </a:p>
+          <a:p>
+            <a:r>
+              <a:rPr lang="en-CA" dirty="0"/>
+              <a:t>Much safer way to contribute to source code</a:t>
             </a:r>
           </a:p>
         </p:txBody>
@@ -17538,7 +18585,7 @@
 </p:sld>
 </file>
 
-<file path=ppt/slides/slide44.xml><?xml version="1.0" encoding="utf-8"?>
+<file path=ppt/slides/slide45.xml><?xml version="1.0" encoding="utf-8"?>
 <p:sld xmlns:a="http://schemas.openxmlformats.org/drawingml/2006/main" xmlns:r="http://schemas.openxmlformats.org/officeDocument/2006/relationships" xmlns:p="http://schemas.openxmlformats.org/presentationml/2006/main">
   <p:cSld>
     <p:spTree>
@@ -17637,7 +18684,7 @@
 </p:sld>
 </file>
 
-<file path=ppt/slides/slide45.xml><?xml version="1.0" encoding="utf-8"?>
+<file path=ppt/slides/slide46.xml><?xml version="1.0" encoding="utf-8"?>
 <p:sld xmlns:a="http://schemas.openxmlformats.org/drawingml/2006/main" xmlns:r="http://schemas.openxmlformats.org/officeDocument/2006/relationships" xmlns:p="http://schemas.openxmlformats.org/presentationml/2006/main">
   <p:cSld>
     <p:spTree>
@@ -17672,7 +18719,9 @@
         </p:nvSpPr>
         <p:spPr/>
         <p:txBody>
-          <a:bodyPr/>
+          <a:bodyPr>
+            <a:normAutofit fontScale="92500" lnSpcReduction="20000"/>
+          </a:bodyPr>
           <a:lstStyle/>
           <a:p>
             <a:pPr marL="0" indent="0">
@@ -17680,8 +18729,71 @@
             </a:pPr>
             <a:r>
               <a:rPr lang="en-CA" b="1" dirty="0"/>
-              <a:t>Poll</a:t>
-            </a:r>
+              <a:t>Poll #4</a:t>
+            </a:r>
+          </a:p>
+          <a:p>
+            <a:pPr marL="0" indent="0">
+              <a:buNone/>
+            </a:pPr>
+            <a:endParaRPr lang="en-CA" b="1" dirty="0"/>
+          </a:p>
+          <a:p>
+            <a:pPr marL="0" indent="0">
+              <a:buNone/>
+            </a:pPr>
+            <a:r>
+              <a:rPr lang="en-CA" dirty="0"/>
+              <a:t>What command lets you update your remote repo with local changes?</a:t>
+            </a:r>
+          </a:p>
+          <a:p>
+            <a:pPr marL="0" indent="0">
+              <a:buNone/>
+            </a:pPr>
+            <a:endParaRPr lang="en-CA" dirty="0"/>
+          </a:p>
+          <a:p>
+            <a:pPr marL="0" indent="0">
+              <a:buNone/>
+            </a:pPr>
+            <a:r>
+              <a:rPr lang="en-CA" dirty="0"/>
+              <a:t>T/F  - Cloning a repository is the best way to contribute new features</a:t>
+            </a:r>
+          </a:p>
+          <a:p>
+            <a:pPr marL="0" indent="0">
+              <a:buNone/>
+            </a:pPr>
+            <a:endParaRPr lang="en-CA" dirty="0"/>
+          </a:p>
+          <a:p>
+            <a:pPr marL="0" indent="0">
+              <a:buNone/>
+            </a:pPr>
+            <a:r>
+              <a:rPr lang="en-CA" dirty="0"/>
+              <a:t>T/F – You will always be able to push changes from a cloned repo to the original</a:t>
+            </a:r>
+          </a:p>
+          <a:p>
+            <a:pPr marL="0" indent="0">
+              <a:buNone/>
+            </a:pPr>
+            <a:endParaRPr lang="en-CA" dirty="0"/>
+          </a:p>
+          <a:p>
+            <a:pPr marL="0" indent="0">
+              <a:buNone/>
+            </a:pPr>
+            <a:r>
+              <a:rPr lang="en-CA" dirty="0"/>
+              <a:t>What is the advantage of using a Pull Request prior to merging changes from a contributor?</a:t>
+            </a:r>
+          </a:p>
+          <a:p>
+            <a:endParaRPr lang="en-CA" b="1" dirty="0"/>
           </a:p>
         </p:txBody>
       </p:sp>
@@ -17695,10 +18807,236 @@
   <p:clrMapOvr>
     <a:masterClrMapping/>
   </p:clrMapOvr>
+  <p:timing>
+    <p:tnLst>
+      <p:par>
+        <p:cTn id="1" dur="indefinite" restart="never" nodeType="tmRoot">
+          <p:childTnLst>
+            <p:seq concurrent="1" nextAc="seek">
+              <p:cTn id="2" dur="indefinite" nodeType="mainSeq">
+                <p:childTnLst>
+                  <p:par>
+                    <p:cTn id="3" fill="hold">
+                      <p:stCondLst>
+                        <p:cond delay="indefinite"/>
+                      </p:stCondLst>
+                      <p:childTnLst>
+                        <p:par>
+                          <p:cTn id="4" fill="hold">
+                            <p:stCondLst>
+                              <p:cond delay="0"/>
+                            </p:stCondLst>
+                            <p:childTnLst>
+                              <p:par>
+                                <p:cTn id="5" presetID="1" presetClass="entr" presetSubtype="0" fill="hold" nodeType="clickEffect">
+                                  <p:stCondLst>
+                                    <p:cond delay="0"/>
+                                  </p:stCondLst>
+                                  <p:childTnLst>
+                                    <p:set>
+                                      <p:cBhvr>
+                                        <p:cTn id="6" dur="1" fill="hold">
+                                          <p:stCondLst>
+                                            <p:cond delay="0"/>
+                                          </p:stCondLst>
+                                        </p:cTn>
+                                        <p:tgtEl>
+                                          <p:spTgt spid="2">
+                                            <p:txEl>
+                                              <p:pRg st="2" end="2"/>
+                                            </p:txEl>
+                                          </p:spTgt>
+                                        </p:tgtEl>
+                                        <p:attrNameLst>
+                                          <p:attrName>style.visibility</p:attrName>
+                                        </p:attrNameLst>
+                                      </p:cBhvr>
+                                      <p:to>
+                                        <p:strVal val="visible"/>
+                                      </p:to>
+                                    </p:set>
+                                  </p:childTnLst>
+                                </p:cTn>
+                              </p:par>
+                            </p:childTnLst>
+                          </p:cTn>
+                        </p:par>
+                      </p:childTnLst>
+                    </p:cTn>
+                  </p:par>
+                  <p:par>
+                    <p:cTn id="7" fill="hold">
+                      <p:stCondLst>
+                        <p:cond delay="indefinite"/>
+                      </p:stCondLst>
+                      <p:childTnLst>
+                        <p:par>
+                          <p:cTn id="8" fill="hold">
+                            <p:stCondLst>
+                              <p:cond delay="0"/>
+                            </p:stCondLst>
+                            <p:childTnLst>
+                              <p:par>
+                                <p:cTn id="9" presetID="1" presetClass="entr" presetSubtype="0" fill="hold" nodeType="clickEffect">
+                                  <p:stCondLst>
+                                    <p:cond delay="0"/>
+                                  </p:stCondLst>
+                                  <p:childTnLst>
+                                    <p:set>
+                                      <p:cBhvr>
+                                        <p:cTn id="10" dur="1" fill="hold">
+                                          <p:stCondLst>
+                                            <p:cond delay="0"/>
+                                          </p:stCondLst>
+                                        </p:cTn>
+                                        <p:tgtEl>
+                                          <p:spTgt spid="2">
+                                            <p:txEl>
+                                              <p:pRg st="4" end="4"/>
+                                            </p:txEl>
+                                          </p:spTgt>
+                                        </p:tgtEl>
+                                        <p:attrNameLst>
+                                          <p:attrName>style.visibility</p:attrName>
+                                        </p:attrNameLst>
+                                      </p:cBhvr>
+                                      <p:to>
+                                        <p:strVal val="visible"/>
+                                      </p:to>
+                                    </p:set>
+                                  </p:childTnLst>
+                                </p:cTn>
+                              </p:par>
+                            </p:childTnLst>
+                          </p:cTn>
+                        </p:par>
+                      </p:childTnLst>
+                    </p:cTn>
+                  </p:par>
+                  <p:par>
+                    <p:cTn id="11" fill="hold">
+                      <p:stCondLst>
+                        <p:cond delay="indefinite"/>
+                      </p:stCondLst>
+                      <p:childTnLst>
+                        <p:par>
+                          <p:cTn id="12" fill="hold">
+                            <p:stCondLst>
+                              <p:cond delay="0"/>
+                            </p:stCondLst>
+                            <p:childTnLst>
+                              <p:par>
+                                <p:cTn id="13" presetID="1" presetClass="entr" presetSubtype="0" fill="hold" nodeType="clickEffect">
+                                  <p:stCondLst>
+                                    <p:cond delay="0"/>
+                                  </p:stCondLst>
+                                  <p:childTnLst>
+                                    <p:set>
+                                      <p:cBhvr>
+                                        <p:cTn id="14" dur="1" fill="hold">
+                                          <p:stCondLst>
+                                            <p:cond delay="0"/>
+                                          </p:stCondLst>
+                                        </p:cTn>
+                                        <p:tgtEl>
+                                          <p:spTgt spid="2">
+                                            <p:txEl>
+                                              <p:pRg st="6" end="6"/>
+                                            </p:txEl>
+                                          </p:spTgt>
+                                        </p:tgtEl>
+                                        <p:attrNameLst>
+                                          <p:attrName>style.visibility</p:attrName>
+                                        </p:attrNameLst>
+                                      </p:cBhvr>
+                                      <p:to>
+                                        <p:strVal val="visible"/>
+                                      </p:to>
+                                    </p:set>
+                                  </p:childTnLst>
+                                </p:cTn>
+                              </p:par>
+                            </p:childTnLst>
+                          </p:cTn>
+                        </p:par>
+                      </p:childTnLst>
+                    </p:cTn>
+                  </p:par>
+                  <p:par>
+                    <p:cTn id="15" fill="hold">
+                      <p:stCondLst>
+                        <p:cond delay="indefinite"/>
+                      </p:stCondLst>
+                      <p:childTnLst>
+                        <p:par>
+                          <p:cTn id="16" fill="hold">
+                            <p:stCondLst>
+                              <p:cond delay="0"/>
+                            </p:stCondLst>
+                            <p:childTnLst>
+                              <p:par>
+                                <p:cTn id="17" presetID="1" presetClass="entr" presetSubtype="0" fill="hold" nodeType="clickEffect">
+                                  <p:stCondLst>
+                                    <p:cond delay="0"/>
+                                  </p:stCondLst>
+                                  <p:childTnLst>
+                                    <p:set>
+                                      <p:cBhvr>
+                                        <p:cTn id="18" dur="1" fill="hold">
+                                          <p:stCondLst>
+                                            <p:cond delay="0"/>
+                                          </p:stCondLst>
+                                        </p:cTn>
+                                        <p:tgtEl>
+                                          <p:spTgt spid="2">
+                                            <p:txEl>
+                                              <p:pRg st="8" end="8"/>
+                                            </p:txEl>
+                                          </p:spTgt>
+                                        </p:tgtEl>
+                                        <p:attrNameLst>
+                                          <p:attrName>style.visibility</p:attrName>
+                                        </p:attrNameLst>
+                                      </p:cBhvr>
+                                      <p:to>
+                                        <p:strVal val="visible"/>
+                                      </p:to>
+                                    </p:set>
+                                  </p:childTnLst>
+                                </p:cTn>
+                              </p:par>
+                            </p:childTnLst>
+                          </p:cTn>
+                        </p:par>
+                      </p:childTnLst>
+                    </p:cTn>
+                  </p:par>
+                </p:childTnLst>
+              </p:cTn>
+              <p:prevCondLst>
+                <p:cond evt="onPrev" delay="0">
+                  <p:tgtEl>
+                    <p:sldTgt/>
+                  </p:tgtEl>
+                </p:cond>
+              </p:prevCondLst>
+              <p:nextCondLst>
+                <p:cond evt="onNext" delay="0">
+                  <p:tgtEl>
+                    <p:sldTgt/>
+                  </p:tgtEl>
+                </p:cond>
+              </p:nextCondLst>
+            </p:seq>
+          </p:childTnLst>
+        </p:cTn>
+      </p:par>
+    </p:tnLst>
+  </p:timing>
 </p:sld>
 </file>
 
-<file path=ppt/slides/slide46.xml><?xml version="1.0" encoding="utf-8"?>
+<file path=ppt/slides/slide47.xml><?xml version="1.0" encoding="utf-8"?>
 <p:sld xmlns:a="http://schemas.openxmlformats.org/drawingml/2006/main" xmlns:r="http://schemas.openxmlformats.org/officeDocument/2006/relationships" xmlns:p="http://schemas.openxmlformats.org/presentationml/2006/main">
   <p:cSld>
     <p:spTree>
@@ -17756,7 +19094,7 @@
 </p:sld>
 </file>
 
-<file path=ppt/slides/slide47.xml><?xml version="1.0" encoding="utf-8"?>
+<file path=ppt/slides/slide48.xml><?xml version="1.0" encoding="utf-8"?>
 <p:sld xmlns:a="http://schemas.openxmlformats.org/drawingml/2006/main" xmlns:r="http://schemas.openxmlformats.org/officeDocument/2006/relationships" xmlns:p="http://schemas.openxmlformats.org/presentationml/2006/main">
   <p:cSld>
     <p:spTree>
@@ -17881,7 +19219,7 @@
 </p:sld>
 </file>
 
-<file path=ppt/slides/slide48.xml><?xml version="1.0" encoding="utf-8"?>
+<file path=ppt/slides/slide49.xml><?xml version="1.0" encoding="utf-8"?>
 <p:sld xmlns:a="http://schemas.openxmlformats.org/drawingml/2006/main" xmlns:r="http://schemas.openxmlformats.org/officeDocument/2006/relationships" xmlns:p="http://schemas.openxmlformats.org/presentationml/2006/main">
   <p:cSld>
     <p:spTree>
@@ -17965,7 +19303,7 @@
             <a:pPr lvl="1"/>
             <a:r>
               <a:rPr lang="en-CA" dirty="0"/>
-              <a:t>Access open-access code or software from publications</a:t>
+              <a:t>Use open-access code or software from publications</a:t>
             </a:r>
           </a:p>
           <a:p>
@@ -17991,10 +19329,331 @@
   <p:clrMapOvr>
     <a:masterClrMapping/>
   </p:clrMapOvr>
+  <p:timing>
+    <p:tnLst>
+      <p:par>
+        <p:cTn id="1" dur="indefinite" restart="never" nodeType="tmRoot">
+          <p:childTnLst>
+            <p:seq concurrent="1" nextAc="seek">
+              <p:cTn id="2" dur="indefinite" nodeType="mainSeq">
+                <p:childTnLst>
+                  <p:par>
+                    <p:cTn id="3" fill="hold">
+                      <p:stCondLst>
+                        <p:cond delay="indefinite"/>
+                      </p:stCondLst>
+                      <p:childTnLst>
+                        <p:par>
+                          <p:cTn id="4" fill="hold">
+                            <p:stCondLst>
+                              <p:cond delay="0"/>
+                            </p:stCondLst>
+                            <p:childTnLst>
+                              <p:par>
+                                <p:cTn id="5" presetID="1" presetClass="entr" presetSubtype="0" fill="hold" nodeType="clickEffect">
+                                  <p:stCondLst>
+                                    <p:cond delay="0"/>
+                                  </p:stCondLst>
+                                  <p:childTnLst>
+                                    <p:set>
+                                      <p:cBhvr>
+                                        <p:cTn id="6" dur="1" fill="hold">
+                                          <p:stCondLst>
+                                            <p:cond delay="0"/>
+                                          </p:stCondLst>
+                                        </p:cTn>
+                                        <p:tgtEl>
+                                          <p:spTgt spid="2">
+                                            <p:txEl>
+                                              <p:pRg st="2" end="2"/>
+                                            </p:txEl>
+                                          </p:spTgt>
+                                        </p:tgtEl>
+                                        <p:attrNameLst>
+                                          <p:attrName>style.visibility</p:attrName>
+                                        </p:attrNameLst>
+                                      </p:cBhvr>
+                                      <p:to>
+                                        <p:strVal val="visible"/>
+                                      </p:to>
+                                    </p:set>
+                                  </p:childTnLst>
+                                </p:cTn>
+                              </p:par>
+                            </p:childTnLst>
+                          </p:cTn>
+                        </p:par>
+                      </p:childTnLst>
+                    </p:cTn>
+                  </p:par>
+                  <p:par>
+                    <p:cTn id="7" fill="hold">
+                      <p:stCondLst>
+                        <p:cond delay="indefinite"/>
+                      </p:stCondLst>
+                      <p:childTnLst>
+                        <p:par>
+                          <p:cTn id="8" fill="hold">
+                            <p:stCondLst>
+                              <p:cond delay="0"/>
+                            </p:stCondLst>
+                            <p:childTnLst>
+                              <p:par>
+                                <p:cTn id="9" presetID="1" presetClass="entr" presetSubtype="0" fill="hold" nodeType="clickEffect">
+                                  <p:stCondLst>
+                                    <p:cond delay="0"/>
+                                  </p:stCondLst>
+                                  <p:childTnLst>
+                                    <p:set>
+                                      <p:cBhvr>
+                                        <p:cTn id="10" dur="1" fill="hold">
+                                          <p:stCondLst>
+                                            <p:cond delay="0"/>
+                                          </p:stCondLst>
+                                        </p:cTn>
+                                        <p:tgtEl>
+                                          <p:spTgt spid="2">
+                                            <p:txEl>
+                                              <p:pRg st="3" end="3"/>
+                                            </p:txEl>
+                                          </p:spTgt>
+                                        </p:tgtEl>
+                                        <p:attrNameLst>
+                                          <p:attrName>style.visibility</p:attrName>
+                                        </p:attrNameLst>
+                                      </p:cBhvr>
+                                      <p:to>
+                                        <p:strVal val="visible"/>
+                                      </p:to>
+                                    </p:set>
+                                  </p:childTnLst>
+                                </p:cTn>
+                              </p:par>
+                              <p:par>
+                                <p:cTn id="11" presetID="1" presetClass="entr" presetSubtype="0" fill="hold" nodeType="withEffect">
+                                  <p:stCondLst>
+                                    <p:cond delay="0"/>
+                                  </p:stCondLst>
+                                  <p:childTnLst>
+                                    <p:set>
+                                      <p:cBhvr>
+                                        <p:cTn id="12" dur="1" fill="hold">
+                                          <p:stCondLst>
+                                            <p:cond delay="0"/>
+                                          </p:stCondLst>
+                                        </p:cTn>
+                                        <p:tgtEl>
+                                          <p:spTgt spid="2">
+                                            <p:txEl>
+                                              <p:pRg st="5" end="5"/>
+                                            </p:txEl>
+                                          </p:spTgt>
+                                        </p:tgtEl>
+                                        <p:attrNameLst>
+                                          <p:attrName>style.visibility</p:attrName>
+                                        </p:attrNameLst>
+                                      </p:cBhvr>
+                                      <p:to>
+                                        <p:strVal val="visible"/>
+                                      </p:to>
+                                    </p:set>
+                                  </p:childTnLst>
+                                </p:cTn>
+                              </p:par>
+                              <p:par>
+                                <p:cTn id="13" presetID="1" presetClass="entr" presetSubtype="0" fill="hold" nodeType="withEffect">
+                                  <p:stCondLst>
+                                    <p:cond delay="0"/>
+                                  </p:stCondLst>
+                                  <p:childTnLst>
+                                    <p:set>
+                                      <p:cBhvr>
+                                        <p:cTn id="14" dur="1" fill="hold">
+                                          <p:stCondLst>
+                                            <p:cond delay="0"/>
+                                          </p:stCondLst>
+                                        </p:cTn>
+                                        <p:tgtEl>
+                                          <p:spTgt spid="2">
+                                            <p:txEl>
+                                              <p:pRg st="7" end="7"/>
+                                            </p:txEl>
+                                          </p:spTgt>
+                                        </p:tgtEl>
+                                        <p:attrNameLst>
+                                          <p:attrName>style.visibility</p:attrName>
+                                        </p:attrNameLst>
+                                      </p:cBhvr>
+                                      <p:to>
+                                        <p:strVal val="visible"/>
+                                      </p:to>
+                                    </p:set>
+                                  </p:childTnLst>
+                                </p:cTn>
+                              </p:par>
+                              <p:par>
+                                <p:cTn id="15" presetID="1" presetClass="entr" presetSubtype="0" fill="hold" nodeType="withEffect">
+                                  <p:stCondLst>
+                                    <p:cond delay="0"/>
+                                  </p:stCondLst>
+                                  <p:childTnLst>
+                                    <p:set>
+                                      <p:cBhvr>
+                                        <p:cTn id="16" dur="1" fill="hold">
+                                          <p:stCondLst>
+                                            <p:cond delay="0"/>
+                                          </p:stCondLst>
+                                        </p:cTn>
+                                        <p:tgtEl>
+                                          <p:spTgt spid="2">
+                                            <p:txEl>
+                                              <p:pRg st="9" end="9"/>
+                                            </p:txEl>
+                                          </p:spTgt>
+                                        </p:tgtEl>
+                                        <p:attrNameLst>
+                                          <p:attrName>style.visibility</p:attrName>
+                                        </p:attrNameLst>
+                                      </p:cBhvr>
+                                      <p:to>
+                                        <p:strVal val="visible"/>
+                                      </p:to>
+                                    </p:set>
+                                  </p:childTnLst>
+                                </p:cTn>
+                              </p:par>
+                            </p:childTnLst>
+                          </p:cTn>
+                        </p:par>
+                      </p:childTnLst>
+                    </p:cTn>
+                  </p:par>
+                </p:childTnLst>
+              </p:cTn>
+              <p:prevCondLst>
+                <p:cond evt="onPrev" delay="0">
+                  <p:tgtEl>
+                    <p:sldTgt/>
+                  </p:tgtEl>
+                </p:cond>
+              </p:prevCondLst>
+              <p:nextCondLst>
+                <p:cond evt="onNext" delay="0">
+                  <p:tgtEl>
+                    <p:sldTgt/>
+                  </p:tgtEl>
+                </p:cond>
+              </p:nextCondLst>
+            </p:seq>
+          </p:childTnLst>
+        </p:cTn>
+      </p:par>
+    </p:tnLst>
+  </p:timing>
 </p:sld>
 </file>
 
-<file path=ppt/slides/slide49.xml><?xml version="1.0" encoding="utf-8"?>
+<file path=ppt/slides/slide5.xml><?xml version="1.0" encoding="utf-8"?>
+<p:sld xmlns:a="http://schemas.openxmlformats.org/drawingml/2006/main" xmlns:r="http://schemas.openxmlformats.org/officeDocument/2006/relationships" xmlns:p="http://schemas.openxmlformats.org/presentationml/2006/main">
+  <p:cSld>
+    <p:spTree>
+      <p:nvGrpSpPr>
+        <p:cNvPr id="1" name=""/>
+        <p:cNvGrpSpPr/>
+        <p:nvPr/>
+      </p:nvGrpSpPr>
+      <p:grpSpPr>
+        <a:xfrm>
+          <a:off x="0" y="0"/>
+          <a:ext cx="0" cy="0"/>
+          <a:chOff x="0" y="0"/>
+          <a:chExt cx="0" cy="0"/>
+        </a:xfrm>
+      </p:grpSpPr>
+      <p:sp>
+        <p:nvSpPr>
+          <p:cNvPr id="2" name="Text Placeholder 1">
+            <a:extLst>
+              <a:ext uri="{FF2B5EF4-FFF2-40B4-BE49-F238E27FC236}">
+                <a16:creationId xmlns:a16="http://schemas.microsoft.com/office/drawing/2014/main" id="{09E2662B-C95B-76DF-8523-2BDCBE3A731E}"/>
+              </a:ext>
+            </a:extLst>
+          </p:cNvPr>
+          <p:cNvSpPr>
+            <a:spLocks noGrp="1"/>
+          </p:cNvSpPr>
+          <p:nvPr>
+            <p:ph type="body" sz="quarter" idx="10"/>
+          </p:nvPr>
+        </p:nvSpPr>
+        <p:spPr/>
+        <p:txBody>
+          <a:bodyPr/>
+          <a:lstStyle/>
+          <a:p>
+            <a:pPr marL="0" indent="0">
+              <a:buNone/>
+            </a:pPr>
+            <a:r>
+              <a:rPr lang="en-CA" b="1" dirty="0"/>
+              <a:t>What you WILL learn</a:t>
+            </a:r>
+          </a:p>
+          <a:p>
+            <a:r>
+              <a:rPr lang="en-CA" dirty="0"/>
+              <a:t>Basic theory and features behind Git and GitHub</a:t>
+            </a:r>
+          </a:p>
+          <a:p>
+            <a:r>
+              <a:rPr lang="en-CA" dirty="0"/>
+              <a:t>How to manage local and remote repositories</a:t>
+            </a:r>
+          </a:p>
+          <a:p>
+            <a:pPr marL="0" indent="0">
+              <a:buNone/>
+            </a:pPr>
+            <a:endParaRPr lang="en-CA" dirty="0"/>
+          </a:p>
+          <a:p>
+            <a:pPr marL="0" indent="0">
+              <a:buNone/>
+            </a:pPr>
+            <a:r>
+              <a:rPr lang="en-CA" b="1" dirty="0"/>
+              <a:t>What you will NOT learn</a:t>
+            </a:r>
+          </a:p>
+          <a:p>
+            <a:r>
+              <a:rPr lang="en-CA" dirty="0"/>
+              <a:t>How to code</a:t>
+            </a:r>
+          </a:p>
+          <a:p>
+            <a:r>
+              <a:rPr lang="en-CA" dirty="0"/>
+              <a:t>Data Analysis</a:t>
+            </a:r>
+          </a:p>
+        </p:txBody>
+      </p:sp>
+    </p:spTree>
+    <p:extLst>
+      <p:ext uri="{BB962C8B-B14F-4D97-AF65-F5344CB8AC3E}">
+        <p14:creationId xmlns:p14="http://schemas.microsoft.com/office/powerpoint/2010/main" val="2837531258"/>
+      </p:ext>
+    </p:extLst>
+  </p:cSld>
+  <p:clrMapOvr>
+    <a:masterClrMapping/>
+  </p:clrMapOvr>
+</p:sld>
+</file>
+
+<file path=ppt/slides/slide50.xml><?xml version="1.0" encoding="utf-8"?>
 <p:sld xmlns:a="http://schemas.openxmlformats.org/drawingml/2006/main" xmlns:r="http://schemas.openxmlformats.org/officeDocument/2006/relationships" xmlns:p="http://schemas.openxmlformats.org/presentationml/2006/main">
   <p:cSld>
     <p:spTree>
@@ -18053,150 +19712,7 @@
 </p:sld>
 </file>
 
-<file path=ppt/slides/slide5.xml><?xml version="1.0" encoding="utf-8"?>
-<p:sld xmlns:a="http://schemas.openxmlformats.org/drawingml/2006/main" xmlns:r="http://schemas.openxmlformats.org/officeDocument/2006/relationships" xmlns:p="http://schemas.openxmlformats.org/presentationml/2006/main">
-  <p:cSld>
-    <p:spTree>
-      <p:nvGrpSpPr>
-        <p:cNvPr id="1" name=""/>
-        <p:cNvGrpSpPr/>
-        <p:nvPr/>
-      </p:nvGrpSpPr>
-      <p:grpSpPr>
-        <a:xfrm>
-          <a:off x="0" y="0"/>
-          <a:ext cx="0" cy="0"/>
-          <a:chOff x="0" y="0"/>
-          <a:chExt cx="0" cy="0"/>
-        </a:xfrm>
-      </p:grpSpPr>
-      <p:sp>
-        <p:nvSpPr>
-          <p:cNvPr id="2" name="Text Placeholder 1">
-            <a:extLst>
-              <a:ext uri="{FF2B5EF4-FFF2-40B4-BE49-F238E27FC236}">
-                <a16:creationId xmlns:a16="http://schemas.microsoft.com/office/drawing/2014/main" id="{FC7A004E-DF48-DFF4-8D27-CC4C90721AC0}"/>
-              </a:ext>
-            </a:extLst>
-          </p:cNvPr>
-          <p:cNvSpPr>
-            <a:spLocks noGrp="1"/>
-          </p:cNvSpPr>
-          <p:nvPr>
-            <p:ph type="body" sz="quarter" idx="10"/>
-          </p:nvPr>
-        </p:nvSpPr>
-        <p:spPr/>
-        <p:txBody>
-          <a:bodyPr>
-            <a:normAutofit lnSpcReduction="10000"/>
-          </a:bodyPr>
-          <a:lstStyle/>
-          <a:p>
-            <a:pPr marL="0" indent="0">
-              <a:buNone/>
-            </a:pPr>
-            <a:r>
-              <a:rPr lang="en-CA" b="1" dirty="0"/>
-              <a:t>Hands-on Activities:</a:t>
-            </a:r>
-          </a:p>
-          <a:p>
-            <a:r>
-              <a:rPr lang="en-CA" dirty="0"/>
-              <a:t>Quick Review Polls</a:t>
-            </a:r>
-          </a:p>
-          <a:p>
-            <a:r>
-              <a:rPr lang="en-CA" dirty="0"/>
-              <a:t>Git-based activities</a:t>
-            </a:r>
-          </a:p>
-          <a:p>
-            <a:pPr marL="0" indent="0">
-              <a:buNone/>
-            </a:pPr>
-            <a:endParaRPr lang="en-CA" b="1" dirty="0"/>
-          </a:p>
-          <a:p>
-            <a:pPr marL="0" indent="0">
-              <a:buNone/>
-            </a:pPr>
-            <a:r>
-              <a:rPr lang="en-CA" b="1" dirty="0"/>
-              <a:t>What you will need:</a:t>
-            </a:r>
-          </a:p>
-          <a:p>
-            <a:pPr marL="514350" indent="-514350">
-              <a:buFont typeface="+mj-lt"/>
-              <a:buAutoNum type="arabicPeriod"/>
-            </a:pPr>
-            <a:r>
-              <a:rPr lang="en-CA" dirty="0"/>
-              <a:t>GitHub Desktop App</a:t>
-            </a:r>
-          </a:p>
-          <a:p>
-            <a:pPr marL="514350" indent="-514350">
-              <a:buFont typeface="+mj-lt"/>
-              <a:buAutoNum type="arabicPeriod"/>
-            </a:pPr>
-            <a:r>
-              <a:rPr lang="en-CA" dirty="0"/>
-              <a:t>A Text editor</a:t>
-            </a:r>
-          </a:p>
-          <a:p>
-            <a:pPr marL="0" indent="0">
-              <a:buNone/>
-            </a:pPr>
-            <a:endParaRPr lang="en-CA" dirty="0"/>
-          </a:p>
-          <a:p>
-            <a:pPr marL="0" indent="0">
-              <a:buNone/>
-            </a:pPr>
-            <a:r>
-              <a:rPr lang="en-CA" b="1" dirty="0"/>
-              <a:t>Note</a:t>
-            </a:r>
-            <a:r>
-              <a:rPr lang="en-CA" dirty="0"/>
-              <a:t>: Feel free to complete the workshop through the terminal</a:t>
-            </a:r>
-            <a:endParaRPr lang="en-CA" b="1" dirty="0"/>
-          </a:p>
-          <a:p>
-            <a:pPr marL="514350" indent="-514350">
-              <a:buFont typeface="+mj-lt"/>
-              <a:buAutoNum type="arabicPeriod"/>
-            </a:pPr>
-            <a:endParaRPr lang="en-CA" dirty="0"/>
-          </a:p>
-          <a:p>
-            <a:pPr marL="0" indent="0">
-              <a:buNone/>
-            </a:pPr>
-            <a:endParaRPr lang="en-CA" dirty="0"/>
-          </a:p>
-        </p:txBody>
-      </p:sp>
-    </p:spTree>
-    <p:extLst>
-      <p:ext uri="{BB962C8B-B14F-4D97-AF65-F5344CB8AC3E}">
-        <p14:creationId xmlns:p14="http://schemas.microsoft.com/office/powerpoint/2010/main" val="4043592756"/>
-      </p:ext>
-    </p:extLst>
-  </p:cSld>
-  <p:clrMapOvr>
-    <a:masterClrMapping/>
-  </p:clrMapOvr>
-</p:sld>
-</file>
-
-<file path=ppt/slides/slide50.xml><?xml version="1.0" encoding="utf-8"?>
+<file path=ppt/slides/slide51.xml><?xml version="1.0" encoding="utf-8"?>
 <p:sld xmlns:a="http://schemas.openxmlformats.org/drawingml/2006/main" xmlns:r="http://schemas.openxmlformats.org/officeDocument/2006/relationships" xmlns:p="http://schemas.openxmlformats.org/presentationml/2006/main">
   <p:cSld>
     <p:spTree>
@@ -18262,6 +19778,12 @@
               <a:rPr lang="en-CA" dirty="0"/>
               <a:t> </a:t>
             </a:r>
+          </a:p>
+          <a:p>
+            <a:pPr marL="0" indent="0">
+              <a:buNone/>
+            </a:pPr>
+            <a:endParaRPr lang="en-CA" dirty="0"/>
           </a:p>
           <a:p>
             <a:pPr marL="0" indent="0">

--- a/Slides/MiCM_GitHub_Workshop.pptx
+++ b/Slides/MiCM_GitHub_Workshop.pptx
@@ -5,7 +5,7 @@
     <p:sldMasterId id="2147483672" r:id="rId1"/>
   </p:sldMasterIdLst>
   <p:notesMasterIdLst>
-    <p:notesMasterId r:id="rId53"/>
+    <p:notesMasterId r:id="rId64"/>
   </p:notesMasterIdLst>
   <p:sldIdLst>
     <p:sldId id="316" r:id="rId2"/>
@@ -16,49 +16,60 @@
     <p:sldId id="332" r:id="rId7"/>
     <p:sldId id="319" r:id="rId8"/>
     <p:sldId id="320" r:id="rId9"/>
-    <p:sldId id="351" r:id="rId10"/>
-    <p:sldId id="327" r:id="rId11"/>
-    <p:sldId id="321" r:id="rId12"/>
-    <p:sldId id="339" r:id="rId13"/>
-    <p:sldId id="343" r:id="rId14"/>
-    <p:sldId id="353" r:id="rId15"/>
-    <p:sldId id="322" r:id="rId16"/>
-    <p:sldId id="354" r:id="rId17"/>
-    <p:sldId id="341" r:id="rId18"/>
-    <p:sldId id="357" r:id="rId19"/>
-    <p:sldId id="333" r:id="rId20"/>
-    <p:sldId id="344" r:id="rId21"/>
-    <p:sldId id="334" r:id="rId22"/>
-    <p:sldId id="323" r:id="rId23"/>
-    <p:sldId id="352" r:id="rId24"/>
-    <p:sldId id="355" r:id="rId25"/>
-    <p:sldId id="335" r:id="rId26"/>
-    <p:sldId id="325" r:id="rId27"/>
-    <p:sldId id="356" r:id="rId28"/>
-    <p:sldId id="337" r:id="rId29"/>
-    <p:sldId id="361" r:id="rId30"/>
-    <p:sldId id="338" r:id="rId31"/>
-    <p:sldId id="362" r:id="rId32"/>
-    <p:sldId id="345" r:id="rId33"/>
-    <p:sldId id="363" r:id="rId34"/>
-    <p:sldId id="364" r:id="rId35"/>
-    <p:sldId id="324" r:id="rId36"/>
-    <p:sldId id="368" r:id="rId37"/>
-    <p:sldId id="328" r:id="rId38"/>
-    <p:sldId id="340" r:id="rId39"/>
-    <p:sldId id="326" r:id="rId40"/>
-    <p:sldId id="346" r:id="rId41"/>
-    <p:sldId id="347" r:id="rId42"/>
-    <p:sldId id="358" r:id="rId43"/>
-    <p:sldId id="348" r:id="rId44"/>
-    <p:sldId id="359" r:id="rId45"/>
-    <p:sldId id="350" r:id="rId46"/>
-    <p:sldId id="367" r:id="rId47"/>
-    <p:sldId id="329" r:id="rId48"/>
-    <p:sldId id="330" r:id="rId49"/>
-    <p:sldId id="331" r:id="rId50"/>
-    <p:sldId id="365" r:id="rId51"/>
-    <p:sldId id="342" r:id="rId52"/>
+    <p:sldId id="381" r:id="rId10"/>
+    <p:sldId id="351" r:id="rId11"/>
+    <p:sldId id="327" r:id="rId12"/>
+    <p:sldId id="321" r:id="rId13"/>
+    <p:sldId id="339" r:id="rId14"/>
+    <p:sldId id="343" r:id="rId15"/>
+    <p:sldId id="353" r:id="rId16"/>
+    <p:sldId id="322" r:id="rId17"/>
+    <p:sldId id="354" r:id="rId18"/>
+    <p:sldId id="341" r:id="rId19"/>
+    <p:sldId id="357" r:id="rId20"/>
+    <p:sldId id="371" r:id="rId21"/>
+    <p:sldId id="333" r:id="rId22"/>
+    <p:sldId id="372" r:id="rId23"/>
+    <p:sldId id="344" r:id="rId24"/>
+    <p:sldId id="373" r:id="rId25"/>
+    <p:sldId id="334" r:id="rId26"/>
+    <p:sldId id="323" r:id="rId27"/>
+    <p:sldId id="352" r:id="rId28"/>
+    <p:sldId id="355" r:id="rId29"/>
+    <p:sldId id="335" r:id="rId30"/>
+    <p:sldId id="374" r:id="rId31"/>
+    <p:sldId id="325" r:id="rId32"/>
+    <p:sldId id="356" r:id="rId33"/>
+    <p:sldId id="337" r:id="rId34"/>
+    <p:sldId id="375" r:id="rId35"/>
+    <p:sldId id="361" r:id="rId36"/>
+    <p:sldId id="338" r:id="rId37"/>
+    <p:sldId id="362" r:id="rId38"/>
+    <p:sldId id="345" r:id="rId39"/>
+    <p:sldId id="376" r:id="rId40"/>
+    <p:sldId id="363" r:id="rId41"/>
+    <p:sldId id="364" r:id="rId42"/>
+    <p:sldId id="324" r:id="rId43"/>
+    <p:sldId id="368" r:id="rId44"/>
+    <p:sldId id="328" r:id="rId45"/>
+    <p:sldId id="340" r:id="rId46"/>
+    <p:sldId id="326" r:id="rId47"/>
+    <p:sldId id="346" r:id="rId48"/>
+    <p:sldId id="377" r:id="rId49"/>
+    <p:sldId id="347" r:id="rId50"/>
+    <p:sldId id="378" r:id="rId51"/>
+    <p:sldId id="358" r:id="rId52"/>
+    <p:sldId id="348" r:id="rId53"/>
+    <p:sldId id="379" r:id="rId54"/>
+    <p:sldId id="359" r:id="rId55"/>
+    <p:sldId id="350" r:id="rId56"/>
+    <p:sldId id="380" r:id="rId57"/>
+    <p:sldId id="367" r:id="rId58"/>
+    <p:sldId id="329" r:id="rId59"/>
+    <p:sldId id="330" r:id="rId60"/>
+    <p:sldId id="331" r:id="rId61"/>
+    <p:sldId id="365" r:id="rId62"/>
+    <p:sldId id="342" r:id="rId63"/>
   </p:sldIdLst>
   <p:sldSz cx="9144000" cy="6858000" type="screen4x3"/>
   <p:notesSz cx="6858000" cy="9144000"/>
@@ -168,7 +179,7 @@
 <file path=ppt/revisionInfo.xml><?xml version="1.0" encoding="utf-8"?>
 <p1510:revInfo xmlns:a="http://schemas.openxmlformats.org/drawingml/2006/main" xmlns:r="http://schemas.openxmlformats.org/officeDocument/2006/relationships" xmlns:p1510="http://schemas.microsoft.com/office/powerpoint/2015/10/main">
   <p1510:revLst>
-    <p1510:client id="{FC38A552-1810-4A9B-8174-E44D3C19BC43}" v="211" dt="2022-06-21T14:24:50.793"/>
+    <p1510:client id="{FC38A552-1810-4A9B-8174-E44D3C19BC43}" v="227" dt="2022-06-21T15:36:14.873"/>
   </p1510:revLst>
 </p1510:revInfo>
 </file>
@@ -2037,7 +2048,7 @@
   <pc:docChgLst>
     <pc:chgData name="Adrien Osakwe" userId="7a3e290c-eb83-484b-8e3d-d46ef2333477" providerId="ADAL" clId="{FC38A552-1810-4A9B-8174-E44D3C19BC43}"/>
     <pc:docChg chg="undo redo custSel addSld delSld modSld sldOrd modMainMaster">
-      <pc:chgData name="Adrien Osakwe" userId="7a3e290c-eb83-484b-8e3d-d46ef2333477" providerId="ADAL" clId="{FC38A552-1810-4A9B-8174-E44D3C19BC43}" dt="2022-06-21T14:28:10.910" v="12794" actId="20577"/>
+      <pc:chgData name="Adrien Osakwe" userId="7a3e290c-eb83-484b-8e3d-d46ef2333477" providerId="ADAL" clId="{FC38A552-1810-4A9B-8174-E44D3C19BC43}" dt="2022-06-21T15:52:45.196" v="16922" actId="47"/>
       <pc:docMkLst>
         <pc:docMk/>
       </pc:docMkLst>
@@ -2986,13 +2997,13 @@
         </pc:spChg>
       </pc:sldChg>
       <pc:sldChg chg="modSp add mod ord modNotesTx">
-        <pc:chgData name="Adrien Osakwe" userId="7a3e290c-eb83-484b-8e3d-d46ef2333477" providerId="ADAL" clId="{FC38A552-1810-4A9B-8174-E44D3C19BC43}" dt="2022-06-14T17:21:41.953" v="6229" actId="20577"/>
+        <pc:chgData name="Adrien Osakwe" userId="7a3e290c-eb83-484b-8e3d-d46ef2333477" providerId="ADAL" clId="{FC38A552-1810-4A9B-8174-E44D3C19BC43}" dt="2022-06-21T15:23:12.588" v="13691" actId="20577"/>
         <pc:sldMkLst>
           <pc:docMk/>
           <pc:sldMk cId="1723855522" sldId="344"/>
         </pc:sldMkLst>
         <pc:spChg chg="mod">
-          <ac:chgData name="Adrien Osakwe" userId="7a3e290c-eb83-484b-8e3d-d46ef2333477" providerId="ADAL" clId="{FC38A552-1810-4A9B-8174-E44D3C19BC43}" dt="2022-06-06T16:24:49.786" v="4598" actId="20577"/>
+          <ac:chgData name="Adrien Osakwe" userId="7a3e290c-eb83-484b-8e3d-d46ef2333477" providerId="ADAL" clId="{FC38A552-1810-4A9B-8174-E44D3C19BC43}" dt="2022-06-21T15:23:12.588" v="13691" actId="20577"/>
           <ac:spMkLst>
             <pc:docMk/>
             <pc:sldMk cId="1723855522" sldId="344"/>
@@ -3693,6 +3704,229 @@
             <pc:docMk/>
             <pc:sldMk cId="2837531258" sldId="369"/>
             <ac:spMk id="2" creationId="{09E2662B-C95B-76DF-8523-2BDCBE3A731E}"/>
+          </ac:spMkLst>
+        </pc:spChg>
+      </pc:sldChg>
+      <pc:sldChg chg="modSp new del mod ord">
+        <pc:chgData name="Adrien Osakwe" userId="7a3e290c-eb83-484b-8e3d-d46ef2333477" providerId="ADAL" clId="{FC38A552-1810-4A9B-8174-E44D3C19BC43}" dt="2022-06-21T15:52:45.196" v="16922" actId="47"/>
+        <pc:sldMkLst>
+          <pc:docMk/>
+          <pc:sldMk cId="3789468848" sldId="370"/>
+        </pc:sldMkLst>
+        <pc:spChg chg="mod">
+          <ac:chgData name="Adrien Osakwe" userId="7a3e290c-eb83-484b-8e3d-d46ef2333477" providerId="ADAL" clId="{FC38A552-1810-4A9B-8174-E44D3C19BC43}" dt="2022-06-21T15:38:40.275" v="16229" actId="27636"/>
+          <ac:spMkLst>
+            <pc:docMk/>
+            <pc:sldMk cId="3789468848" sldId="370"/>
+            <ac:spMk id="2" creationId="{2F45C8F9-A881-954E-5445-830AACF1BD97}"/>
+          </ac:spMkLst>
+        </pc:spChg>
+      </pc:sldChg>
+      <pc:sldChg chg="modSp add mod">
+        <pc:chgData name="Adrien Osakwe" userId="7a3e290c-eb83-484b-8e3d-d46ef2333477" providerId="ADAL" clId="{FC38A552-1810-4A9B-8174-E44D3C19BC43}" dt="2022-06-21T15:15:46.496" v="13083" actId="20577"/>
+        <pc:sldMkLst>
+          <pc:docMk/>
+          <pc:sldMk cId="678388880" sldId="371"/>
+        </pc:sldMkLst>
+        <pc:spChg chg="mod">
+          <ac:chgData name="Adrien Osakwe" userId="7a3e290c-eb83-484b-8e3d-d46ef2333477" providerId="ADAL" clId="{FC38A552-1810-4A9B-8174-E44D3C19BC43}" dt="2022-06-21T15:15:46.496" v="13083" actId="20577"/>
+          <ac:spMkLst>
+            <pc:docMk/>
+            <pc:sldMk cId="678388880" sldId="371"/>
+            <ac:spMk id="2" creationId="{F30F071A-0450-8F6E-F28D-8124D7A90523}"/>
+          </ac:spMkLst>
+        </pc:spChg>
+      </pc:sldChg>
+      <pc:sldChg chg="modSp add mod">
+        <pc:chgData name="Adrien Osakwe" userId="7a3e290c-eb83-484b-8e3d-d46ef2333477" providerId="ADAL" clId="{FC38A552-1810-4A9B-8174-E44D3C19BC43}" dt="2022-06-21T15:20:54.951" v="13454" actId="20577"/>
+        <pc:sldMkLst>
+          <pc:docMk/>
+          <pc:sldMk cId="907190213" sldId="372"/>
+        </pc:sldMkLst>
+        <pc:spChg chg="mod">
+          <ac:chgData name="Adrien Osakwe" userId="7a3e290c-eb83-484b-8e3d-d46ef2333477" providerId="ADAL" clId="{FC38A552-1810-4A9B-8174-E44D3C19BC43}" dt="2022-06-21T15:20:54.951" v="13454" actId="20577"/>
+          <ac:spMkLst>
+            <pc:docMk/>
+            <pc:sldMk cId="907190213" sldId="372"/>
+            <ac:spMk id="2" creationId="{F30F071A-0450-8F6E-F28D-8124D7A90523}"/>
+          </ac:spMkLst>
+        </pc:spChg>
+      </pc:sldChg>
+      <pc:sldChg chg="modSp add mod">
+        <pc:chgData name="Adrien Osakwe" userId="7a3e290c-eb83-484b-8e3d-d46ef2333477" providerId="ADAL" clId="{FC38A552-1810-4A9B-8174-E44D3C19BC43}" dt="2022-06-21T15:23:09.101" v="13690" actId="20577"/>
+        <pc:sldMkLst>
+          <pc:docMk/>
+          <pc:sldMk cId="3623309075" sldId="373"/>
+        </pc:sldMkLst>
+        <pc:spChg chg="mod">
+          <ac:chgData name="Adrien Osakwe" userId="7a3e290c-eb83-484b-8e3d-d46ef2333477" providerId="ADAL" clId="{FC38A552-1810-4A9B-8174-E44D3C19BC43}" dt="2022-06-21T15:23:09.101" v="13690" actId="20577"/>
+          <ac:spMkLst>
+            <pc:docMk/>
+            <pc:sldMk cId="3623309075" sldId="373"/>
+            <ac:spMk id="2" creationId="{F30F071A-0450-8F6E-F28D-8124D7A90523}"/>
+          </ac:spMkLst>
+        </pc:spChg>
+      </pc:sldChg>
+      <pc:sldChg chg="modSp add mod">
+        <pc:chgData name="Adrien Osakwe" userId="7a3e290c-eb83-484b-8e3d-d46ef2333477" providerId="ADAL" clId="{FC38A552-1810-4A9B-8174-E44D3C19BC43}" dt="2022-06-21T15:25:57.646" v="13957" actId="20577"/>
+        <pc:sldMkLst>
+          <pc:docMk/>
+          <pc:sldMk cId="2674360721" sldId="374"/>
+        </pc:sldMkLst>
+        <pc:spChg chg="mod">
+          <ac:chgData name="Adrien Osakwe" userId="7a3e290c-eb83-484b-8e3d-d46ef2333477" providerId="ADAL" clId="{FC38A552-1810-4A9B-8174-E44D3C19BC43}" dt="2022-06-21T15:25:57.646" v="13957" actId="20577"/>
+          <ac:spMkLst>
+            <pc:docMk/>
+            <pc:sldMk cId="2674360721" sldId="374"/>
+            <ac:spMk id="2" creationId="{F30F071A-0450-8F6E-F28D-8124D7A90523}"/>
+          </ac:spMkLst>
+        </pc:spChg>
+      </pc:sldChg>
+      <pc:sldChg chg="modSp add mod">
+        <pc:chgData name="Adrien Osakwe" userId="7a3e290c-eb83-484b-8e3d-d46ef2333477" providerId="ADAL" clId="{FC38A552-1810-4A9B-8174-E44D3C19BC43}" dt="2022-06-21T15:27:34.037" v="14270" actId="20577"/>
+        <pc:sldMkLst>
+          <pc:docMk/>
+          <pc:sldMk cId="1311449531" sldId="375"/>
+        </pc:sldMkLst>
+        <pc:spChg chg="mod">
+          <ac:chgData name="Adrien Osakwe" userId="7a3e290c-eb83-484b-8e3d-d46ef2333477" providerId="ADAL" clId="{FC38A552-1810-4A9B-8174-E44D3C19BC43}" dt="2022-06-21T15:27:34.037" v="14270" actId="20577"/>
+          <ac:spMkLst>
+            <pc:docMk/>
+            <pc:sldMk cId="1311449531" sldId="375"/>
+            <ac:spMk id="2" creationId="{F30F071A-0450-8F6E-F28D-8124D7A90523}"/>
+          </ac:spMkLst>
+        </pc:spChg>
+      </pc:sldChg>
+      <pc:sldChg chg="modSp add mod">
+        <pc:chgData name="Adrien Osakwe" userId="7a3e290c-eb83-484b-8e3d-d46ef2333477" providerId="ADAL" clId="{FC38A552-1810-4A9B-8174-E44D3C19BC43}" dt="2022-06-21T15:29:31.742" v="14733" actId="27636"/>
+        <pc:sldMkLst>
+          <pc:docMk/>
+          <pc:sldMk cId="1616421621" sldId="376"/>
+        </pc:sldMkLst>
+        <pc:spChg chg="mod">
+          <ac:chgData name="Adrien Osakwe" userId="7a3e290c-eb83-484b-8e3d-d46ef2333477" providerId="ADAL" clId="{FC38A552-1810-4A9B-8174-E44D3C19BC43}" dt="2022-06-21T15:29:31.742" v="14733" actId="27636"/>
+          <ac:spMkLst>
+            <pc:docMk/>
+            <pc:sldMk cId="1616421621" sldId="376"/>
+            <ac:spMk id="2" creationId="{F30F071A-0450-8F6E-F28D-8124D7A90523}"/>
+          </ac:spMkLst>
+        </pc:spChg>
+      </pc:sldChg>
+      <pc:sldChg chg="modSp add mod">
+        <pc:chgData name="Adrien Osakwe" userId="7a3e290c-eb83-484b-8e3d-d46ef2333477" providerId="ADAL" clId="{FC38A552-1810-4A9B-8174-E44D3C19BC43}" dt="2022-06-21T15:31:19.051" v="15035" actId="20577"/>
+        <pc:sldMkLst>
+          <pc:docMk/>
+          <pc:sldMk cId="1796213204" sldId="377"/>
+        </pc:sldMkLst>
+        <pc:spChg chg="mod">
+          <ac:chgData name="Adrien Osakwe" userId="7a3e290c-eb83-484b-8e3d-d46ef2333477" providerId="ADAL" clId="{FC38A552-1810-4A9B-8174-E44D3C19BC43}" dt="2022-06-21T15:31:19.051" v="15035" actId="20577"/>
+          <ac:spMkLst>
+            <pc:docMk/>
+            <pc:sldMk cId="1796213204" sldId="377"/>
+            <ac:spMk id="2" creationId="{F30F071A-0450-8F6E-F28D-8124D7A90523}"/>
+          </ac:spMkLst>
+        </pc:spChg>
+      </pc:sldChg>
+      <pc:sldChg chg="add del">
+        <pc:chgData name="Adrien Osakwe" userId="7a3e290c-eb83-484b-8e3d-d46ef2333477" providerId="ADAL" clId="{FC38A552-1810-4A9B-8174-E44D3C19BC43}" dt="2022-06-21T15:29:46.844" v="14735"/>
+        <pc:sldMkLst>
+          <pc:docMk/>
+          <pc:sldMk cId="2034720066" sldId="377"/>
+        </pc:sldMkLst>
+      </pc:sldChg>
+      <pc:sldChg chg="add del">
+        <pc:chgData name="Adrien Osakwe" userId="7a3e290c-eb83-484b-8e3d-d46ef2333477" providerId="ADAL" clId="{FC38A552-1810-4A9B-8174-E44D3C19BC43}" dt="2022-06-21T15:27:52.681" v="14281"/>
+        <pc:sldMkLst>
+          <pc:docMk/>
+          <pc:sldMk cId="3383581305" sldId="377"/>
+        </pc:sldMkLst>
+      </pc:sldChg>
+      <pc:sldChg chg="modSp add mod">
+        <pc:chgData name="Adrien Osakwe" userId="7a3e290c-eb83-484b-8e3d-d46ef2333477" providerId="ADAL" clId="{FC38A552-1810-4A9B-8174-E44D3C19BC43}" dt="2022-06-21T15:32:33.820" v="15283" actId="20577"/>
+        <pc:sldMkLst>
+          <pc:docMk/>
+          <pc:sldMk cId="3513683659" sldId="378"/>
+        </pc:sldMkLst>
+        <pc:spChg chg="mod">
+          <ac:chgData name="Adrien Osakwe" userId="7a3e290c-eb83-484b-8e3d-d46ef2333477" providerId="ADAL" clId="{FC38A552-1810-4A9B-8174-E44D3C19BC43}" dt="2022-06-21T15:32:33.820" v="15283" actId="20577"/>
+          <ac:spMkLst>
+            <pc:docMk/>
+            <pc:sldMk cId="3513683659" sldId="378"/>
+            <ac:spMk id="2" creationId="{F30F071A-0450-8F6E-F28D-8124D7A90523}"/>
+          </ac:spMkLst>
+        </pc:spChg>
+      </pc:sldChg>
+      <pc:sldChg chg="modSp add mod">
+        <pc:chgData name="Adrien Osakwe" userId="7a3e290c-eb83-484b-8e3d-d46ef2333477" providerId="ADAL" clId="{FC38A552-1810-4A9B-8174-E44D3C19BC43}" dt="2022-06-21T15:35:49.366" v="15783" actId="20577"/>
+        <pc:sldMkLst>
+          <pc:docMk/>
+          <pc:sldMk cId="580897146" sldId="379"/>
+        </pc:sldMkLst>
+        <pc:spChg chg="mod">
+          <ac:chgData name="Adrien Osakwe" userId="7a3e290c-eb83-484b-8e3d-d46ef2333477" providerId="ADAL" clId="{FC38A552-1810-4A9B-8174-E44D3C19BC43}" dt="2022-06-21T15:35:49.366" v="15783" actId="20577"/>
+          <ac:spMkLst>
+            <pc:docMk/>
+            <pc:sldMk cId="580897146" sldId="379"/>
+            <ac:spMk id="2" creationId="{F30F071A-0450-8F6E-F28D-8124D7A90523}"/>
+          </ac:spMkLst>
+        </pc:spChg>
+      </pc:sldChg>
+      <pc:sldChg chg="add del">
+        <pc:chgData name="Adrien Osakwe" userId="7a3e290c-eb83-484b-8e3d-d46ef2333477" providerId="ADAL" clId="{FC38A552-1810-4A9B-8174-E44D3C19BC43}" dt="2022-06-21T15:33:16.171" v="15285"/>
+        <pc:sldMkLst>
+          <pc:docMk/>
+          <pc:sldMk cId="3610788623" sldId="379"/>
+        </pc:sldMkLst>
+      </pc:sldChg>
+      <pc:sldChg chg="modSp add mod">
+        <pc:chgData name="Adrien Osakwe" userId="7a3e290c-eb83-484b-8e3d-d46ef2333477" providerId="ADAL" clId="{FC38A552-1810-4A9B-8174-E44D3C19BC43}" dt="2022-06-21T15:38:31.868" v="16227" actId="27636"/>
+        <pc:sldMkLst>
+          <pc:docMk/>
+          <pc:sldMk cId="1411733175" sldId="380"/>
+        </pc:sldMkLst>
+        <pc:spChg chg="mod">
+          <ac:chgData name="Adrien Osakwe" userId="7a3e290c-eb83-484b-8e3d-d46ef2333477" providerId="ADAL" clId="{FC38A552-1810-4A9B-8174-E44D3C19BC43}" dt="2022-06-21T15:38:31.868" v="16227" actId="27636"/>
+          <ac:spMkLst>
+            <pc:docMk/>
+            <pc:sldMk cId="1411733175" sldId="380"/>
+            <ac:spMk id="2" creationId="{F30F071A-0450-8F6E-F28D-8124D7A90523}"/>
+          </ac:spMkLst>
+        </pc:spChg>
+      </pc:sldChg>
+      <pc:sldChg chg="new del">
+        <pc:chgData name="Adrien Osakwe" userId="7a3e290c-eb83-484b-8e3d-d46ef2333477" providerId="ADAL" clId="{FC38A552-1810-4A9B-8174-E44D3C19BC43}" dt="2022-06-21T15:41:07.290" v="16281" actId="47"/>
+        <pc:sldMkLst>
+          <pc:docMk/>
+          <pc:sldMk cId="495343017" sldId="381"/>
+        </pc:sldMkLst>
+      </pc:sldChg>
+      <pc:sldChg chg="modSp new mod ord">
+        <pc:chgData name="Adrien Osakwe" userId="7a3e290c-eb83-484b-8e3d-d46ef2333477" providerId="ADAL" clId="{FC38A552-1810-4A9B-8174-E44D3C19BC43}" dt="2022-06-21T15:52:37.466" v="16921"/>
+        <pc:sldMkLst>
+          <pc:docMk/>
+          <pc:sldMk cId="1245366370" sldId="381"/>
+        </pc:sldMkLst>
+        <pc:spChg chg="mod">
+          <ac:chgData name="Adrien Osakwe" userId="7a3e290c-eb83-484b-8e3d-d46ef2333477" providerId="ADAL" clId="{FC38A552-1810-4A9B-8174-E44D3C19BC43}" dt="2022-06-21T15:52:28.760" v="16919" actId="27636"/>
+          <ac:spMkLst>
+            <pc:docMk/>
+            <pc:sldMk cId="1245366370" sldId="381"/>
+            <ac:spMk id="2" creationId="{43252691-AD7E-B9B9-8DF3-DB5BADA01947}"/>
+          </ac:spMkLst>
+        </pc:spChg>
+      </pc:sldChg>
+      <pc:sldChg chg="modSp new del mod">
+        <pc:chgData name="Adrien Osakwe" userId="7a3e290c-eb83-484b-8e3d-d46ef2333477" providerId="ADAL" clId="{FC38A552-1810-4A9B-8174-E44D3C19BC43}" dt="2022-06-21T15:39:44.737" v="16279" actId="680"/>
+        <pc:sldMkLst>
+          <pc:docMk/>
+          <pc:sldMk cId="2205532728" sldId="381"/>
+        </pc:sldMkLst>
+        <pc:spChg chg="mod">
+          <ac:chgData name="Adrien Osakwe" userId="7a3e290c-eb83-484b-8e3d-d46ef2333477" providerId="ADAL" clId="{FC38A552-1810-4A9B-8174-E44D3C19BC43}" dt="2022-06-21T15:39:44.051" v="16278" actId="5793"/>
+          <ac:spMkLst>
+            <pc:docMk/>
+            <pc:sldMk cId="2205532728" sldId="381"/>
+            <ac:spMk id="2" creationId="{742D3A5F-27B3-1727-5CDD-3528A036DED1}"/>
           </ac:spMkLst>
         </pc:spChg>
       </pc:sldChg>
@@ -4456,7 +4690,40 @@
           <a:bodyPr/>
           <a:lstStyle/>
           <a:p>
-            <a:endParaRPr lang="en-CA" dirty="0"/>
+            <a:pPr marL="228600" indent="-228600">
+              <a:buAutoNum type="arabicPeriod"/>
+            </a:pPr>
+            <a:r>
+              <a:rPr lang="en-CA" dirty="0"/>
+              <a:t>Edit your text file with an error</a:t>
+            </a:r>
+          </a:p>
+          <a:p>
+            <a:pPr marL="228600" indent="-228600">
+              <a:buAutoNum type="arabicPeriod"/>
+            </a:pPr>
+            <a:r>
+              <a:rPr lang="en-CA" dirty="0"/>
+              <a:t>Go to desktop app and reset the file to the previous commit</a:t>
+            </a:r>
+          </a:p>
+          <a:p>
+            <a:pPr marL="228600" indent="-228600">
+              <a:buAutoNum type="arabicPeriod"/>
+            </a:pPr>
+            <a:r>
+              <a:rPr lang="en-CA" dirty="0"/>
+              <a:t>Repeat BUT this time commit it</a:t>
+            </a:r>
+          </a:p>
+          <a:p>
+            <a:pPr marL="228600" indent="-228600">
+              <a:buAutoNum type="arabicPeriod"/>
+            </a:pPr>
+            <a:r>
+              <a:rPr lang="en-CA" dirty="0"/>
+              <a:t>Revert changes of the commit</a:t>
+            </a:r>
           </a:p>
         </p:txBody>
       </p:sp>
@@ -4477,7 +4744,7 @@
           <a:p>
             <a:fld id="{DACBD60B-517C-4242-AE46-E1BD2D086542}" type="slidenum">
               <a:rPr lang="fr-FR" smtClean="0"/>
-              <a:t>29</a:t>
+              <a:t>23</a:t>
             </a:fld>
             <a:endParaRPr lang="fr-FR"/>
           </a:p>
@@ -4486,7 +4753,7 @@
     </p:spTree>
     <p:extLst>
       <p:ext uri="{BB962C8B-B14F-4D97-AF65-F5344CB8AC3E}">
-        <p14:creationId xmlns:p14="http://schemas.microsoft.com/office/powerpoint/2010/main" val="2398739311"/>
+        <p14:creationId xmlns:p14="http://schemas.microsoft.com/office/powerpoint/2010/main" val="4220277172"/>
       </p:ext>
     </p:extLst>
   </p:cSld>
@@ -4540,9 +4807,39 @@
           <a:bodyPr/>
           <a:lstStyle/>
           <a:p>
-            <a:r>
-              <a:rPr lang="en-CA" dirty="0"/>
-              <a:t>On this slide I can just open GitHub and explore the different features and options</a:t>
+            <a:pPr marL="228600" indent="-228600">
+              <a:buAutoNum type="arabicPeriod"/>
+            </a:pPr>
+            <a:r>
+              <a:rPr lang="en-CA" dirty="0"/>
+              <a:t>Edit your text file with an error</a:t>
+            </a:r>
+          </a:p>
+          <a:p>
+            <a:pPr marL="228600" indent="-228600">
+              <a:buAutoNum type="arabicPeriod"/>
+            </a:pPr>
+            <a:r>
+              <a:rPr lang="en-CA" dirty="0"/>
+              <a:t>Go to desktop app and reset the file to the previous commit</a:t>
+            </a:r>
+          </a:p>
+          <a:p>
+            <a:pPr marL="228600" indent="-228600">
+              <a:buAutoNum type="arabicPeriod"/>
+            </a:pPr>
+            <a:r>
+              <a:rPr lang="en-CA" dirty="0"/>
+              <a:t>Repeat BUT this time commit it</a:t>
+            </a:r>
+          </a:p>
+          <a:p>
+            <a:pPr marL="228600" indent="-228600">
+              <a:buAutoNum type="arabicPeriod"/>
+            </a:pPr>
+            <a:r>
+              <a:rPr lang="en-CA" dirty="0"/>
+              <a:t>Revert changes of the commit</a:t>
             </a:r>
           </a:p>
         </p:txBody>
@@ -4564,7 +4861,352 @@
           <a:p>
             <a:fld id="{DACBD60B-517C-4242-AE46-E1BD2D086542}" type="slidenum">
               <a:rPr lang="fr-FR" smtClean="0"/>
-              <a:t>36</a:t>
+              <a:t>24</a:t>
+            </a:fld>
+            <a:endParaRPr lang="fr-FR"/>
+          </a:p>
+        </p:txBody>
+      </p:sp>
+    </p:spTree>
+    <p:extLst>
+      <p:ext uri="{BB962C8B-B14F-4D97-AF65-F5344CB8AC3E}">
+        <p14:creationId xmlns:p14="http://schemas.microsoft.com/office/powerpoint/2010/main" val="4238748864"/>
+      </p:ext>
+    </p:extLst>
+  </p:cSld>
+  <p:clrMapOvr>
+    <a:masterClrMapping/>
+  </p:clrMapOvr>
+</p:notes>
+</file>
+
+<file path=ppt/notesSlides/notesSlide12.xml><?xml version="1.0" encoding="utf-8"?>
+<p:notes xmlns:a="http://schemas.openxmlformats.org/drawingml/2006/main" xmlns:r="http://schemas.openxmlformats.org/officeDocument/2006/relationships" xmlns:p="http://schemas.openxmlformats.org/presentationml/2006/main">
+  <p:cSld>
+    <p:spTree>
+      <p:nvGrpSpPr>
+        <p:cNvPr id="1" name=""/>
+        <p:cNvGrpSpPr/>
+        <p:nvPr/>
+      </p:nvGrpSpPr>
+      <p:grpSpPr>
+        <a:xfrm>
+          <a:off x="0" y="0"/>
+          <a:ext cx="0" cy="0"/>
+          <a:chOff x="0" y="0"/>
+          <a:chExt cx="0" cy="0"/>
+        </a:xfrm>
+      </p:grpSpPr>
+      <p:sp>
+        <p:nvSpPr>
+          <p:cNvPr id="2" name="Slide Image Placeholder 1"/>
+          <p:cNvSpPr>
+            <a:spLocks noGrp="1" noRot="1" noChangeAspect="1"/>
+          </p:cNvSpPr>
+          <p:nvPr>
+            <p:ph type="sldImg"/>
+          </p:nvPr>
+        </p:nvSpPr>
+        <p:spPr/>
+      </p:sp>
+      <p:sp>
+        <p:nvSpPr>
+          <p:cNvPr id="3" name="Notes Placeholder 2"/>
+          <p:cNvSpPr>
+            <a:spLocks noGrp="1"/>
+          </p:cNvSpPr>
+          <p:nvPr>
+            <p:ph type="body" idx="1"/>
+          </p:nvPr>
+        </p:nvSpPr>
+        <p:spPr/>
+        <p:txBody>
+          <a:bodyPr/>
+          <a:lstStyle/>
+          <a:p>
+            <a:r>
+              <a:rPr lang="en-CA" dirty="0"/>
+              <a:t>Create new branch and make changes</a:t>
+            </a:r>
+          </a:p>
+        </p:txBody>
+      </p:sp>
+      <p:sp>
+        <p:nvSpPr>
+          <p:cNvPr id="4" name="Slide Number Placeholder 3"/>
+          <p:cNvSpPr>
+            <a:spLocks noGrp="1"/>
+          </p:cNvSpPr>
+          <p:nvPr>
+            <p:ph type="sldNum" sz="quarter" idx="5"/>
+          </p:nvPr>
+        </p:nvSpPr>
+        <p:spPr/>
+        <p:txBody>
+          <a:bodyPr/>
+          <a:lstStyle/>
+          <a:p>
+            <a:fld id="{DACBD60B-517C-4242-AE46-E1BD2D086542}" type="slidenum">
+              <a:rPr lang="fr-FR" smtClean="0"/>
+              <a:t>29</a:t>
+            </a:fld>
+            <a:endParaRPr lang="fr-FR"/>
+          </a:p>
+        </p:txBody>
+      </p:sp>
+    </p:spTree>
+    <p:extLst>
+      <p:ext uri="{BB962C8B-B14F-4D97-AF65-F5344CB8AC3E}">
+        <p14:creationId xmlns:p14="http://schemas.microsoft.com/office/powerpoint/2010/main" val="1675639307"/>
+      </p:ext>
+    </p:extLst>
+  </p:cSld>
+  <p:clrMapOvr>
+    <a:masterClrMapping/>
+  </p:clrMapOvr>
+</p:notes>
+</file>
+
+<file path=ppt/notesSlides/notesSlide13.xml><?xml version="1.0" encoding="utf-8"?>
+<p:notes xmlns:a="http://schemas.openxmlformats.org/drawingml/2006/main" xmlns:r="http://schemas.openxmlformats.org/officeDocument/2006/relationships" xmlns:p="http://schemas.openxmlformats.org/presentationml/2006/main">
+  <p:cSld>
+    <p:spTree>
+      <p:nvGrpSpPr>
+        <p:cNvPr id="1" name=""/>
+        <p:cNvGrpSpPr/>
+        <p:nvPr/>
+      </p:nvGrpSpPr>
+      <p:grpSpPr>
+        <a:xfrm>
+          <a:off x="0" y="0"/>
+          <a:ext cx="0" cy="0"/>
+          <a:chOff x="0" y="0"/>
+          <a:chExt cx="0" cy="0"/>
+        </a:xfrm>
+      </p:grpSpPr>
+      <p:sp>
+        <p:nvSpPr>
+          <p:cNvPr id="2" name="Slide Image Placeholder 1"/>
+          <p:cNvSpPr>
+            <a:spLocks noGrp="1" noRot="1" noChangeAspect="1"/>
+          </p:cNvSpPr>
+          <p:nvPr>
+            <p:ph type="sldImg"/>
+          </p:nvPr>
+        </p:nvSpPr>
+        <p:spPr/>
+      </p:sp>
+      <p:sp>
+        <p:nvSpPr>
+          <p:cNvPr id="3" name="Notes Placeholder 2"/>
+          <p:cNvSpPr>
+            <a:spLocks noGrp="1"/>
+          </p:cNvSpPr>
+          <p:nvPr>
+            <p:ph type="body" idx="1"/>
+          </p:nvPr>
+        </p:nvSpPr>
+        <p:spPr/>
+        <p:txBody>
+          <a:bodyPr/>
+          <a:lstStyle/>
+          <a:p>
+            <a:r>
+              <a:rPr lang="en-CA" dirty="0"/>
+              <a:t>Create new branch and make changes</a:t>
+            </a:r>
+          </a:p>
+        </p:txBody>
+      </p:sp>
+      <p:sp>
+        <p:nvSpPr>
+          <p:cNvPr id="4" name="Slide Number Placeholder 3"/>
+          <p:cNvSpPr>
+            <a:spLocks noGrp="1"/>
+          </p:cNvSpPr>
+          <p:nvPr>
+            <p:ph type="sldNum" sz="quarter" idx="5"/>
+          </p:nvPr>
+        </p:nvSpPr>
+        <p:spPr/>
+        <p:txBody>
+          <a:bodyPr/>
+          <a:lstStyle/>
+          <a:p>
+            <a:fld id="{DACBD60B-517C-4242-AE46-E1BD2D086542}" type="slidenum">
+              <a:rPr lang="fr-FR" smtClean="0"/>
+              <a:t>30</a:t>
+            </a:fld>
+            <a:endParaRPr lang="fr-FR"/>
+          </a:p>
+        </p:txBody>
+      </p:sp>
+    </p:spTree>
+    <p:extLst>
+      <p:ext uri="{BB962C8B-B14F-4D97-AF65-F5344CB8AC3E}">
+        <p14:creationId xmlns:p14="http://schemas.microsoft.com/office/powerpoint/2010/main" val="356948245"/>
+      </p:ext>
+    </p:extLst>
+  </p:cSld>
+  <p:clrMapOvr>
+    <a:masterClrMapping/>
+  </p:clrMapOvr>
+</p:notes>
+</file>
+
+<file path=ppt/notesSlides/notesSlide14.xml><?xml version="1.0" encoding="utf-8"?>
+<p:notes xmlns:a="http://schemas.openxmlformats.org/drawingml/2006/main" xmlns:r="http://schemas.openxmlformats.org/officeDocument/2006/relationships" xmlns:p="http://schemas.openxmlformats.org/presentationml/2006/main">
+  <p:cSld>
+    <p:spTree>
+      <p:nvGrpSpPr>
+        <p:cNvPr id="1" name=""/>
+        <p:cNvGrpSpPr/>
+        <p:nvPr/>
+      </p:nvGrpSpPr>
+      <p:grpSpPr>
+        <a:xfrm>
+          <a:off x="0" y="0"/>
+          <a:ext cx="0" cy="0"/>
+          <a:chOff x="0" y="0"/>
+          <a:chExt cx="0" cy="0"/>
+        </a:xfrm>
+      </p:grpSpPr>
+      <p:sp>
+        <p:nvSpPr>
+          <p:cNvPr id="2" name="Slide Image Placeholder 1"/>
+          <p:cNvSpPr>
+            <a:spLocks noGrp="1" noRot="1" noChangeAspect="1"/>
+          </p:cNvSpPr>
+          <p:nvPr>
+            <p:ph type="sldImg"/>
+          </p:nvPr>
+        </p:nvSpPr>
+        <p:spPr/>
+      </p:sp>
+      <p:sp>
+        <p:nvSpPr>
+          <p:cNvPr id="3" name="Notes Placeholder 2"/>
+          <p:cNvSpPr>
+            <a:spLocks noGrp="1"/>
+          </p:cNvSpPr>
+          <p:nvPr>
+            <p:ph type="body" idx="1"/>
+          </p:nvPr>
+        </p:nvSpPr>
+        <p:spPr/>
+        <p:txBody>
+          <a:bodyPr/>
+          <a:lstStyle/>
+          <a:p>
+            <a:endParaRPr lang="en-CA" dirty="0"/>
+          </a:p>
+        </p:txBody>
+      </p:sp>
+      <p:sp>
+        <p:nvSpPr>
+          <p:cNvPr id="4" name="Slide Number Placeholder 3"/>
+          <p:cNvSpPr>
+            <a:spLocks noGrp="1"/>
+          </p:cNvSpPr>
+          <p:nvPr>
+            <p:ph type="sldNum" sz="quarter" idx="5"/>
+          </p:nvPr>
+        </p:nvSpPr>
+        <p:spPr/>
+        <p:txBody>
+          <a:bodyPr/>
+          <a:lstStyle/>
+          <a:p>
+            <a:fld id="{DACBD60B-517C-4242-AE46-E1BD2D086542}" type="slidenum">
+              <a:rPr lang="fr-FR" smtClean="0"/>
+              <a:t>35</a:t>
+            </a:fld>
+            <a:endParaRPr lang="fr-FR"/>
+          </a:p>
+        </p:txBody>
+      </p:sp>
+    </p:spTree>
+    <p:extLst>
+      <p:ext uri="{BB962C8B-B14F-4D97-AF65-F5344CB8AC3E}">
+        <p14:creationId xmlns:p14="http://schemas.microsoft.com/office/powerpoint/2010/main" val="2398739311"/>
+      </p:ext>
+    </p:extLst>
+  </p:cSld>
+  <p:clrMapOvr>
+    <a:masterClrMapping/>
+  </p:clrMapOvr>
+</p:notes>
+</file>
+
+<file path=ppt/notesSlides/notesSlide15.xml><?xml version="1.0" encoding="utf-8"?>
+<p:notes xmlns:a="http://schemas.openxmlformats.org/drawingml/2006/main" xmlns:r="http://schemas.openxmlformats.org/officeDocument/2006/relationships" xmlns:p="http://schemas.openxmlformats.org/presentationml/2006/main">
+  <p:cSld>
+    <p:spTree>
+      <p:nvGrpSpPr>
+        <p:cNvPr id="1" name=""/>
+        <p:cNvGrpSpPr/>
+        <p:nvPr/>
+      </p:nvGrpSpPr>
+      <p:grpSpPr>
+        <a:xfrm>
+          <a:off x="0" y="0"/>
+          <a:ext cx="0" cy="0"/>
+          <a:chOff x="0" y="0"/>
+          <a:chExt cx="0" cy="0"/>
+        </a:xfrm>
+      </p:grpSpPr>
+      <p:sp>
+        <p:nvSpPr>
+          <p:cNvPr id="2" name="Slide Image Placeholder 1"/>
+          <p:cNvSpPr>
+            <a:spLocks noGrp="1" noRot="1" noChangeAspect="1"/>
+          </p:cNvSpPr>
+          <p:nvPr>
+            <p:ph type="sldImg"/>
+          </p:nvPr>
+        </p:nvSpPr>
+        <p:spPr/>
+      </p:sp>
+      <p:sp>
+        <p:nvSpPr>
+          <p:cNvPr id="3" name="Notes Placeholder 2"/>
+          <p:cNvSpPr>
+            <a:spLocks noGrp="1"/>
+          </p:cNvSpPr>
+          <p:nvPr>
+            <p:ph type="body" idx="1"/>
+          </p:nvPr>
+        </p:nvSpPr>
+        <p:spPr/>
+        <p:txBody>
+          <a:bodyPr/>
+          <a:lstStyle/>
+          <a:p>
+            <a:r>
+              <a:rPr lang="en-CA" dirty="0"/>
+              <a:t>On this slide I can just open GitHub and explore the different features and options</a:t>
+            </a:r>
+          </a:p>
+        </p:txBody>
+      </p:sp>
+      <p:sp>
+        <p:nvSpPr>
+          <p:cNvPr id="4" name="Slide Number Placeholder 3"/>
+          <p:cNvSpPr>
+            <a:spLocks noGrp="1"/>
+          </p:cNvSpPr>
+          <p:nvPr>
+            <p:ph type="sldNum" sz="quarter" idx="5"/>
+          </p:nvPr>
+        </p:nvSpPr>
+        <p:spPr/>
+        <p:txBody>
+          <a:bodyPr/>
+          <a:lstStyle/>
+          <a:p>
+            <a:fld id="{DACBD60B-517C-4242-AE46-E1BD2D086542}" type="slidenum">
+              <a:rPr lang="fr-FR" smtClean="0"/>
+              <a:t>43</a:t>
             </a:fld>
             <a:endParaRPr lang="fr-FR"/>
           </a:p>
@@ -4741,7 +5383,7 @@
           <a:p>
             <a:fld id="{DACBD60B-517C-4242-AE46-E1BD2D086542}" type="slidenum">
               <a:rPr lang="fr-FR" smtClean="0"/>
-              <a:t>11</a:t>
+              <a:t>12</a:t>
             </a:fld>
             <a:endParaRPr lang="fr-FR"/>
           </a:p>
@@ -4828,7 +5470,7 @@
           <a:p>
             <a:fld id="{DACBD60B-517C-4242-AE46-E1BD2D086542}" type="slidenum">
               <a:rPr lang="fr-FR" smtClean="0"/>
-              <a:t>14</a:t>
+              <a:t>15</a:t>
             </a:fld>
             <a:endParaRPr lang="fr-FR"/>
           </a:p>
@@ -4912,7 +5554,7 @@
           <a:p>
             <a:fld id="{DACBD60B-517C-4242-AE46-E1BD2D086542}" type="slidenum">
               <a:rPr lang="fr-FR" smtClean="0"/>
-              <a:t>15</a:t>
+              <a:t>16</a:t>
             </a:fld>
             <a:endParaRPr lang="fr-FR"/>
           </a:p>
@@ -5029,7 +5671,7 @@
           <a:p>
             <a:fld id="{DACBD60B-517C-4242-AE46-E1BD2D086542}" type="slidenum">
               <a:rPr lang="fr-FR" smtClean="0"/>
-              <a:t>18</a:t>
+              <a:t>19</a:t>
             </a:fld>
             <a:endParaRPr lang="fr-FR"/>
           </a:p>
@@ -5146,7 +5788,7 @@
           <a:p>
             <a:fld id="{DACBD60B-517C-4242-AE46-E1BD2D086542}" type="slidenum">
               <a:rPr lang="fr-FR" smtClean="0"/>
-              <a:t>19</a:t>
+              <a:t>20</a:t>
             </a:fld>
             <a:endParaRPr lang="fr-FR"/>
           </a:p>
@@ -5155,7 +5797,7 @@
     </p:spTree>
     <p:extLst>
       <p:ext uri="{BB962C8B-B14F-4D97-AF65-F5344CB8AC3E}">
-        <p14:creationId xmlns:p14="http://schemas.microsoft.com/office/powerpoint/2010/main" val="25833951"/>
+        <p14:creationId xmlns:p14="http://schemas.microsoft.com/office/powerpoint/2010/main" val="4190049230"/>
       </p:ext>
     </p:extLst>
   </p:cSld>
@@ -5214,7 +5856,7 @@
             </a:pPr>
             <a:r>
               <a:rPr lang="en-CA" dirty="0"/>
-              <a:t>Edit your text file with an error</a:t>
+              <a:t>Make a new git repo through desktop App</a:t>
             </a:r>
           </a:p>
           <a:p>
@@ -5223,7 +5865,7 @@
             </a:pPr>
             <a:r>
               <a:rPr lang="en-CA" dirty="0"/>
-              <a:t>Go to desktop app and reset the file to the previous commit</a:t>
+              <a:t>Add a file to the directory</a:t>
             </a:r>
           </a:p>
           <a:p>
@@ -5232,7 +5874,7 @@
             </a:pPr>
             <a:r>
               <a:rPr lang="en-CA" dirty="0"/>
-              <a:t>Repeat BUT this time commit it</a:t>
+              <a:t>Return to desktop app and track the file</a:t>
             </a:r>
           </a:p>
           <a:p>
@@ -5241,7 +5883,7 @@
             </a:pPr>
             <a:r>
               <a:rPr lang="en-CA" dirty="0"/>
-              <a:t>Revert changes of the commit</a:t>
+              <a:t>Create it, edit it, move it, remove it</a:t>
             </a:r>
           </a:p>
         </p:txBody>
@@ -5263,7 +5905,7 @@
           <a:p>
             <a:fld id="{DACBD60B-517C-4242-AE46-E1BD2D086542}" type="slidenum">
               <a:rPr lang="fr-FR" smtClean="0"/>
-              <a:t>20</a:t>
+              <a:t>21</a:t>
             </a:fld>
             <a:endParaRPr lang="fr-FR"/>
           </a:p>
@@ -5272,7 +5914,7 @@
     </p:spTree>
     <p:extLst>
       <p:ext uri="{BB962C8B-B14F-4D97-AF65-F5344CB8AC3E}">
-        <p14:creationId xmlns:p14="http://schemas.microsoft.com/office/powerpoint/2010/main" val="4220277172"/>
+        <p14:creationId xmlns:p14="http://schemas.microsoft.com/office/powerpoint/2010/main" val="25833951"/>
       </p:ext>
     </p:extLst>
   </p:cSld>
@@ -5326,9 +5968,39 @@
           <a:bodyPr/>
           <a:lstStyle/>
           <a:p>
-            <a:r>
-              <a:rPr lang="en-CA" dirty="0"/>
-              <a:t>Create new branch and make changes</a:t>
+            <a:pPr marL="228600" indent="-228600">
+              <a:buAutoNum type="arabicPeriod"/>
+            </a:pPr>
+            <a:r>
+              <a:rPr lang="en-CA" dirty="0"/>
+              <a:t>Make a new git repo through desktop App</a:t>
+            </a:r>
+          </a:p>
+          <a:p>
+            <a:pPr marL="228600" indent="-228600">
+              <a:buAutoNum type="arabicPeriod"/>
+            </a:pPr>
+            <a:r>
+              <a:rPr lang="en-CA" dirty="0"/>
+              <a:t>Add a file to the directory</a:t>
+            </a:r>
+          </a:p>
+          <a:p>
+            <a:pPr marL="228600" indent="-228600">
+              <a:buAutoNum type="arabicPeriod"/>
+            </a:pPr>
+            <a:r>
+              <a:rPr lang="en-CA" dirty="0"/>
+              <a:t>Return to desktop app and track the file</a:t>
+            </a:r>
+          </a:p>
+          <a:p>
+            <a:pPr marL="228600" indent="-228600">
+              <a:buAutoNum type="arabicPeriod"/>
+            </a:pPr>
+            <a:r>
+              <a:rPr lang="en-CA" dirty="0"/>
+              <a:t>Create it, edit it, move it, remove it</a:t>
             </a:r>
           </a:p>
         </p:txBody>
@@ -5350,7 +6022,7 @@
           <a:p>
             <a:fld id="{DACBD60B-517C-4242-AE46-E1BD2D086542}" type="slidenum">
               <a:rPr lang="fr-FR" smtClean="0"/>
-              <a:t>25</a:t>
+              <a:t>22</a:t>
             </a:fld>
             <a:endParaRPr lang="fr-FR"/>
           </a:p>
@@ -5359,7 +6031,7 @@
     </p:spTree>
     <p:extLst>
       <p:ext uri="{BB962C8B-B14F-4D97-AF65-F5344CB8AC3E}">
-        <p14:creationId xmlns:p14="http://schemas.microsoft.com/office/powerpoint/2010/main" val="1675639307"/>
+        <p14:creationId xmlns:p14="http://schemas.microsoft.com/office/powerpoint/2010/main" val="3063011709"/>
       </p:ext>
     </p:extLst>
   </p:cSld>
@@ -9856,6 +10528,525 @@
           <p:cNvPr id="2" name="Text Placeholder 1">
             <a:extLst>
               <a:ext uri="{FF2B5EF4-FFF2-40B4-BE49-F238E27FC236}">
+                <a16:creationId xmlns:a16="http://schemas.microsoft.com/office/drawing/2014/main" id="{4A4CAD59-1F6A-FED7-6EE0-E9E97EE35FCD}"/>
+              </a:ext>
+            </a:extLst>
+          </p:cNvPr>
+          <p:cNvSpPr>
+            <a:spLocks noGrp="1"/>
+          </p:cNvSpPr>
+          <p:nvPr>
+            <p:ph type="body" sz="quarter" idx="10"/>
+          </p:nvPr>
+        </p:nvSpPr>
+        <p:spPr>
+          <a:xfrm>
+            <a:off x="242372" y="1454228"/>
+            <a:ext cx="8658743" cy="430328"/>
+          </a:xfrm>
+        </p:spPr>
+        <p:txBody>
+          <a:bodyPr>
+            <a:normAutofit fontScale="92500" lnSpcReduction="10000"/>
+          </a:bodyPr>
+          <a:lstStyle/>
+          <a:p>
+            <a:pPr marL="0" indent="0" algn="ctr">
+              <a:buNone/>
+            </a:pPr>
+            <a:r>
+              <a:rPr lang="en-CA" b="1" dirty="0"/>
+              <a:t>Git 			vs.			 GitHub</a:t>
+            </a:r>
+          </a:p>
+        </p:txBody>
+      </p:sp>
+      <p:sp>
+        <p:nvSpPr>
+          <p:cNvPr id="3" name="Espace réservé du contenu 2">
+            <a:extLst>
+              <a:ext uri="{FF2B5EF4-FFF2-40B4-BE49-F238E27FC236}">
+                <a16:creationId xmlns:a16="http://schemas.microsoft.com/office/drawing/2014/main" id="{CAE263CC-C949-1C99-4A6D-072B34B0459A}"/>
+              </a:ext>
+            </a:extLst>
+          </p:cNvPr>
+          <p:cNvSpPr txBox="1">
+            <a:spLocks/>
+          </p:cNvSpPr>
+          <p:nvPr/>
+        </p:nvSpPr>
+        <p:spPr>
+          <a:xfrm>
+            <a:off x="628650" y="1825627"/>
+            <a:ext cx="3886200" cy="4351335"/>
+          </a:xfrm>
+          <a:prstGeom prst="rect">
+            <a:avLst/>
+          </a:prstGeom>
+        </p:spPr>
+        <p:txBody>
+          <a:bodyPr/>
+          <a:lstStyle>
+            <a:lvl1pPr marL="228540" indent="-228540" algn="l" defTabSz="914175" rtl="0" eaLnBrk="1" latinLnBrk="0" hangingPunct="1">
+              <a:lnSpc>
+                <a:spcPct val="90000"/>
+              </a:lnSpc>
+              <a:spcBef>
+                <a:spcPts val="998"/>
+              </a:spcBef>
+              <a:buFont typeface="Arial" panose="020B0604020202020204" pitchFamily="34" charset="0"/>
+              <a:buChar char="•"/>
+              <a:defRPr sz="2798" kern="1200">
+                <a:solidFill>
+                  <a:schemeClr val="tx1"/>
+                </a:solidFill>
+                <a:latin typeface="+mn-lt"/>
+                <a:ea typeface="+mn-ea"/>
+                <a:cs typeface="+mn-cs"/>
+              </a:defRPr>
+            </a:lvl1pPr>
+            <a:lvl2pPr marL="685628" indent="-228540" algn="l" defTabSz="914175" rtl="0" eaLnBrk="1" latinLnBrk="0" hangingPunct="1">
+              <a:lnSpc>
+                <a:spcPct val="90000"/>
+              </a:lnSpc>
+              <a:spcBef>
+                <a:spcPts val="503"/>
+              </a:spcBef>
+              <a:buFont typeface="Arial" panose="020B0604020202020204" pitchFamily="34" charset="0"/>
+              <a:buChar char="•"/>
+              <a:defRPr sz="2400" kern="1200">
+                <a:solidFill>
+                  <a:schemeClr val="tx1"/>
+                </a:solidFill>
+                <a:latin typeface="+mn-lt"/>
+                <a:ea typeface="+mn-ea"/>
+                <a:cs typeface="+mn-cs"/>
+              </a:defRPr>
+            </a:lvl2pPr>
+            <a:lvl3pPr marL="1142715" indent="-228540" algn="l" defTabSz="914175" rtl="0" eaLnBrk="1" latinLnBrk="0" hangingPunct="1">
+              <a:lnSpc>
+                <a:spcPct val="90000"/>
+              </a:lnSpc>
+              <a:spcBef>
+                <a:spcPts val="503"/>
+              </a:spcBef>
+              <a:buFont typeface="Arial" panose="020B0604020202020204" pitchFamily="34" charset="0"/>
+              <a:buChar char="•"/>
+              <a:defRPr sz="2002" kern="1200">
+                <a:solidFill>
+                  <a:schemeClr val="tx1"/>
+                </a:solidFill>
+                <a:latin typeface="+mn-lt"/>
+                <a:ea typeface="+mn-ea"/>
+                <a:cs typeface="+mn-cs"/>
+              </a:defRPr>
+            </a:lvl3pPr>
+            <a:lvl4pPr marL="1599803" indent="-228540" algn="l" defTabSz="914175" rtl="0" eaLnBrk="1" latinLnBrk="0" hangingPunct="1">
+              <a:lnSpc>
+                <a:spcPct val="90000"/>
+              </a:lnSpc>
+              <a:spcBef>
+                <a:spcPts val="503"/>
+              </a:spcBef>
+              <a:buFont typeface="Arial" panose="020B0604020202020204" pitchFamily="34" charset="0"/>
+              <a:buChar char="•"/>
+              <a:defRPr sz="1800" kern="1200">
+                <a:solidFill>
+                  <a:schemeClr val="tx1"/>
+                </a:solidFill>
+                <a:latin typeface="+mn-lt"/>
+                <a:ea typeface="+mn-ea"/>
+                <a:cs typeface="+mn-cs"/>
+              </a:defRPr>
+            </a:lvl4pPr>
+            <a:lvl5pPr marL="2056883" indent="-228540" algn="l" defTabSz="914175" rtl="0" eaLnBrk="1" latinLnBrk="0" hangingPunct="1">
+              <a:lnSpc>
+                <a:spcPct val="90000"/>
+              </a:lnSpc>
+              <a:spcBef>
+                <a:spcPts val="503"/>
+              </a:spcBef>
+              <a:buFont typeface="Arial" panose="020B0604020202020204" pitchFamily="34" charset="0"/>
+              <a:buChar char="•"/>
+              <a:defRPr sz="1800" kern="1200">
+                <a:solidFill>
+                  <a:schemeClr val="tx1"/>
+                </a:solidFill>
+                <a:latin typeface="+mn-lt"/>
+                <a:ea typeface="+mn-ea"/>
+                <a:cs typeface="+mn-cs"/>
+              </a:defRPr>
+            </a:lvl5pPr>
+            <a:lvl6pPr marL="2513970" indent="-228540" algn="l" defTabSz="914175" rtl="0" eaLnBrk="1" latinLnBrk="0" hangingPunct="1">
+              <a:lnSpc>
+                <a:spcPct val="90000"/>
+              </a:lnSpc>
+              <a:spcBef>
+                <a:spcPts val="503"/>
+              </a:spcBef>
+              <a:buFont typeface="Arial" panose="020B0604020202020204" pitchFamily="34" charset="0"/>
+              <a:buChar char="•"/>
+              <a:defRPr sz="1800" kern="1200">
+                <a:solidFill>
+                  <a:schemeClr val="tx1"/>
+                </a:solidFill>
+                <a:latin typeface="+mn-lt"/>
+                <a:ea typeface="+mn-ea"/>
+                <a:cs typeface="+mn-cs"/>
+              </a:defRPr>
+            </a:lvl6pPr>
+            <a:lvl7pPr marL="2971058" indent="-228540" algn="l" defTabSz="914175" rtl="0" eaLnBrk="1" latinLnBrk="0" hangingPunct="1">
+              <a:lnSpc>
+                <a:spcPct val="90000"/>
+              </a:lnSpc>
+              <a:spcBef>
+                <a:spcPts val="503"/>
+              </a:spcBef>
+              <a:buFont typeface="Arial" panose="020B0604020202020204" pitchFamily="34" charset="0"/>
+              <a:buChar char="•"/>
+              <a:defRPr sz="1800" kern="1200">
+                <a:solidFill>
+                  <a:schemeClr val="tx1"/>
+                </a:solidFill>
+                <a:latin typeface="+mn-lt"/>
+                <a:ea typeface="+mn-ea"/>
+                <a:cs typeface="+mn-cs"/>
+              </a:defRPr>
+            </a:lvl7pPr>
+            <a:lvl8pPr marL="3428145" indent="-228540" algn="l" defTabSz="914175" rtl="0" eaLnBrk="1" latinLnBrk="0" hangingPunct="1">
+              <a:lnSpc>
+                <a:spcPct val="90000"/>
+              </a:lnSpc>
+              <a:spcBef>
+                <a:spcPts val="503"/>
+              </a:spcBef>
+              <a:buFont typeface="Arial" panose="020B0604020202020204" pitchFamily="34" charset="0"/>
+              <a:buChar char="•"/>
+              <a:defRPr sz="1800" kern="1200">
+                <a:solidFill>
+                  <a:schemeClr val="tx1"/>
+                </a:solidFill>
+                <a:latin typeface="+mn-lt"/>
+                <a:ea typeface="+mn-ea"/>
+                <a:cs typeface="+mn-cs"/>
+              </a:defRPr>
+            </a:lvl8pPr>
+            <a:lvl9pPr marL="3885225" indent="-228540" algn="l" defTabSz="914175" rtl="0" eaLnBrk="1" latinLnBrk="0" hangingPunct="1">
+              <a:lnSpc>
+                <a:spcPct val="90000"/>
+              </a:lnSpc>
+              <a:spcBef>
+                <a:spcPts val="503"/>
+              </a:spcBef>
+              <a:buFont typeface="Arial" panose="020B0604020202020204" pitchFamily="34" charset="0"/>
+              <a:buChar char="•"/>
+              <a:defRPr sz="1800" kern="1200">
+                <a:solidFill>
+                  <a:schemeClr val="tx1"/>
+                </a:solidFill>
+                <a:latin typeface="+mn-lt"/>
+                <a:ea typeface="+mn-ea"/>
+                <a:cs typeface="+mn-cs"/>
+              </a:defRPr>
+            </a:lvl9pPr>
+          </a:lstStyle>
+          <a:p>
+            <a:endParaRPr lang="en-CA"/>
+          </a:p>
+          <a:p>
+            <a:r>
+              <a:rPr lang="en-CA"/>
+              <a:t>A version control system</a:t>
+            </a:r>
+          </a:p>
+          <a:p>
+            <a:endParaRPr lang="en-CA"/>
+          </a:p>
+          <a:p>
+            <a:r>
+              <a:rPr lang="en-CA"/>
+              <a:t>Works locally and remotely</a:t>
+            </a:r>
+          </a:p>
+          <a:p>
+            <a:endParaRPr lang="en-CA"/>
+          </a:p>
+          <a:p>
+            <a:r>
+              <a:rPr lang="en-CA"/>
+              <a:t>Is open-source</a:t>
+            </a:r>
+          </a:p>
+          <a:p>
+            <a:pPr marL="0" indent="0">
+              <a:buFont typeface="Arial" panose="020B0604020202020204" pitchFamily="34" charset="0"/>
+              <a:buNone/>
+            </a:pPr>
+            <a:endParaRPr lang="en-CA" dirty="0"/>
+          </a:p>
+        </p:txBody>
+      </p:sp>
+      <p:sp>
+        <p:nvSpPr>
+          <p:cNvPr id="4" name="Espace réservé du contenu 3">
+            <a:extLst>
+              <a:ext uri="{FF2B5EF4-FFF2-40B4-BE49-F238E27FC236}">
+                <a16:creationId xmlns:a16="http://schemas.microsoft.com/office/drawing/2014/main" id="{2794B09C-4A6C-6F4A-182A-60D6A6403924}"/>
+              </a:ext>
+            </a:extLst>
+          </p:cNvPr>
+          <p:cNvSpPr txBox="1">
+            <a:spLocks/>
+          </p:cNvSpPr>
+          <p:nvPr/>
+        </p:nvSpPr>
+        <p:spPr>
+          <a:xfrm>
+            <a:off x="4629150" y="1825627"/>
+            <a:ext cx="3886200" cy="4351335"/>
+          </a:xfrm>
+          <a:prstGeom prst="rect">
+            <a:avLst/>
+          </a:prstGeom>
+        </p:spPr>
+        <p:txBody>
+          <a:bodyPr/>
+          <a:lstStyle>
+            <a:lvl1pPr marL="228540" indent="-228540" algn="l" defTabSz="914175" rtl="0" eaLnBrk="1" latinLnBrk="0" hangingPunct="1">
+              <a:lnSpc>
+                <a:spcPct val="90000"/>
+              </a:lnSpc>
+              <a:spcBef>
+                <a:spcPts val="998"/>
+              </a:spcBef>
+              <a:buFont typeface="Arial" panose="020B0604020202020204" pitchFamily="34" charset="0"/>
+              <a:buChar char="•"/>
+              <a:defRPr sz="2798" kern="1200">
+                <a:solidFill>
+                  <a:schemeClr val="tx1"/>
+                </a:solidFill>
+                <a:latin typeface="+mn-lt"/>
+                <a:ea typeface="+mn-ea"/>
+                <a:cs typeface="+mn-cs"/>
+              </a:defRPr>
+            </a:lvl1pPr>
+            <a:lvl2pPr marL="685628" indent="-228540" algn="l" defTabSz="914175" rtl="0" eaLnBrk="1" latinLnBrk="0" hangingPunct="1">
+              <a:lnSpc>
+                <a:spcPct val="90000"/>
+              </a:lnSpc>
+              <a:spcBef>
+                <a:spcPts val="503"/>
+              </a:spcBef>
+              <a:buFont typeface="Arial" panose="020B0604020202020204" pitchFamily="34" charset="0"/>
+              <a:buChar char="•"/>
+              <a:defRPr sz="2400" kern="1200">
+                <a:solidFill>
+                  <a:schemeClr val="tx1"/>
+                </a:solidFill>
+                <a:latin typeface="+mn-lt"/>
+                <a:ea typeface="+mn-ea"/>
+                <a:cs typeface="+mn-cs"/>
+              </a:defRPr>
+            </a:lvl2pPr>
+            <a:lvl3pPr marL="1142715" indent="-228540" algn="l" defTabSz="914175" rtl="0" eaLnBrk="1" latinLnBrk="0" hangingPunct="1">
+              <a:lnSpc>
+                <a:spcPct val="90000"/>
+              </a:lnSpc>
+              <a:spcBef>
+                <a:spcPts val="503"/>
+              </a:spcBef>
+              <a:buFont typeface="Arial" panose="020B0604020202020204" pitchFamily="34" charset="0"/>
+              <a:buChar char="•"/>
+              <a:defRPr sz="2002" kern="1200">
+                <a:solidFill>
+                  <a:schemeClr val="tx1"/>
+                </a:solidFill>
+                <a:latin typeface="+mn-lt"/>
+                <a:ea typeface="+mn-ea"/>
+                <a:cs typeface="+mn-cs"/>
+              </a:defRPr>
+            </a:lvl3pPr>
+            <a:lvl4pPr marL="1599803" indent="-228540" algn="l" defTabSz="914175" rtl="0" eaLnBrk="1" latinLnBrk="0" hangingPunct="1">
+              <a:lnSpc>
+                <a:spcPct val="90000"/>
+              </a:lnSpc>
+              <a:spcBef>
+                <a:spcPts val="503"/>
+              </a:spcBef>
+              <a:buFont typeface="Arial" panose="020B0604020202020204" pitchFamily="34" charset="0"/>
+              <a:buChar char="•"/>
+              <a:defRPr sz="1800" kern="1200">
+                <a:solidFill>
+                  <a:schemeClr val="tx1"/>
+                </a:solidFill>
+                <a:latin typeface="+mn-lt"/>
+                <a:ea typeface="+mn-ea"/>
+                <a:cs typeface="+mn-cs"/>
+              </a:defRPr>
+            </a:lvl4pPr>
+            <a:lvl5pPr marL="2056883" indent="-228540" algn="l" defTabSz="914175" rtl="0" eaLnBrk="1" latinLnBrk="0" hangingPunct="1">
+              <a:lnSpc>
+                <a:spcPct val="90000"/>
+              </a:lnSpc>
+              <a:spcBef>
+                <a:spcPts val="503"/>
+              </a:spcBef>
+              <a:buFont typeface="Arial" panose="020B0604020202020204" pitchFamily="34" charset="0"/>
+              <a:buChar char="•"/>
+              <a:defRPr sz="1800" kern="1200">
+                <a:solidFill>
+                  <a:schemeClr val="tx1"/>
+                </a:solidFill>
+                <a:latin typeface="+mn-lt"/>
+                <a:ea typeface="+mn-ea"/>
+                <a:cs typeface="+mn-cs"/>
+              </a:defRPr>
+            </a:lvl5pPr>
+            <a:lvl6pPr marL="2513970" indent="-228540" algn="l" defTabSz="914175" rtl="0" eaLnBrk="1" latinLnBrk="0" hangingPunct="1">
+              <a:lnSpc>
+                <a:spcPct val="90000"/>
+              </a:lnSpc>
+              <a:spcBef>
+                <a:spcPts val="503"/>
+              </a:spcBef>
+              <a:buFont typeface="Arial" panose="020B0604020202020204" pitchFamily="34" charset="0"/>
+              <a:buChar char="•"/>
+              <a:defRPr sz="1800" kern="1200">
+                <a:solidFill>
+                  <a:schemeClr val="tx1"/>
+                </a:solidFill>
+                <a:latin typeface="+mn-lt"/>
+                <a:ea typeface="+mn-ea"/>
+                <a:cs typeface="+mn-cs"/>
+              </a:defRPr>
+            </a:lvl6pPr>
+            <a:lvl7pPr marL="2971058" indent="-228540" algn="l" defTabSz="914175" rtl="0" eaLnBrk="1" latinLnBrk="0" hangingPunct="1">
+              <a:lnSpc>
+                <a:spcPct val="90000"/>
+              </a:lnSpc>
+              <a:spcBef>
+                <a:spcPts val="503"/>
+              </a:spcBef>
+              <a:buFont typeface="Arial" panose="020B0604020202020204" pitchFamily="34" charset="0"/>
+              <a:buChar char="•"/>
+              <a:defRPr sz="1800" kern="1200">
+                <a:solidFill>
+                  <a:schemeClr val="tx1"/>
+                </a:solidFill>
+                <a:latin typeface="+mn-lt"/>
+                <a:ea typeface="+mn-ea"/>
+                <a:cs typeface="+mn-cs"/>
+              </a:defRPr>
+            </a:lvl7pPr>
+            <a:lvl8pPr marL="3428145" indent="-228540" algn="l" defTabSz="914175" rtl="0" eaLnBrk="1" latinLnBrk="0" hangingPunct="1">
+              <a:lnSpc>
+                <a:spcPct val="90000"/>
+              </a:lnSpc>
+              <a:spcBef>
+                <a:spcPts val="503"/>
+              </a:spcBef>
+              <a:buFont typeface="Arial" panose="020B0604020202020204" pitchFamily="34" charset="0"/>
+              <a:buChar char="•"/>
+              <a:defRPr sz="1800" kern="1200">
+                <a:solidFill>
+                  <a:schemeClr val="tx1"/>
+                </a:solidFill>
+                <a:latin typeface="+mn-lt"/>
+                <a:ea typeface="+mn-ea"/>
+                <a:cs typeface="+mn-cs"/>
+              </a:defRPr>
+            </a:lvl8pPr>
+            <a:lvl9pPr marL="3885225" indent="-228540" algn="l" defTabSz="914175" rtl="0" eaLnBrk="1" latinLnBrk="0" hangingPunct="1">
+              <a:lnSpc>
+                <a:spcPct val="90000"/>
+              </a:lnSpc>
+              <a:spcBef>
+                <a:spcPts val="503"/>
+              </a:spcBef>
+              <a:buFont typeface="Arial" panose="020B0604020202020204" pitchFamily="34" charset="0"/>
+              <a:buChar char="•"/>
+              <a:defRPr sz="1800" kern="1200">
+                <a:solidFill>
+                  <a:schemeClr val="tx1"/>
+                </a:solidFill>
+                <a:latin typeface="+mn-lt"/>
+                <a:ea typeface="+mn-ea"/>
+                <a:cs typeface="+mn-cs"/>
+              </a:defRPr>
+            </a:lvl9pPr>
+          </a:lstStyle>
+          <a:p>
+            <a:endParaRPr lang="en-CA" dirty="0"/>
+          </a:p>
+          <a:p>
+            <a:r>
+              <a:rPr lang="en-CA" dirty="0"/>
+              <a:t>A server that </a:t>
+            </a:r>
+            <a:r>
+              <a:rPr lang="en-CA" b="1" dirty="0"/>
+              <a:t>hosts </a:t>
+            </a:r>
+            <a:r>
+              <a:rPr lang="en-CA" dirty="0"/>
+              <a:t>Git repositories</a:t>
+            </a:r>
+          </a:p>
+          <a:p>
+            <a:endParaRPr lang="en-CA" dirty="0"/>
+          </a:p>
+          <a:p>
+            <a:r>
+              <a:rPr lang="en-CA" dirty="0"/>
+              <a:t>Works solely as a cloud-based service</a:t>
+            </a:r>
+          </a:p>
+          <a:p>
+            <a:endParaRPr lang="en-CA" dirty="0"/>
+          </a:p>
+          <a:p>
+            <a:r>
+              <a:rPr lang="en-CA" dirty="0"/>
+              <a:t>Owned by Microsoft</a:t>
+            </a:r>
+          </a:p>
+        </p:txBody>
+      </p:sp>
+    </p:spTree>
+    <p:extLst>
+      <p:ext uri="{BB962C8B-B14F-4D97-AF65-F5344CB8AC3E}">
+        <p14:creationId xmlns:p14="http://schemas.microsoft.com/office/powerpoint/2010/main" val="3449938012"/>
+      </p:ext>
+    </p:extLst>
+  </p:cSld>
+  <p:clrMapOvr>
+    <a:masterClrMapping/>
+  </p:clrMapOvr>
+</p:sld>
+</file>
+
+<file path=ppt/slides/slide11.xml><?xml version="1.0" encoding="utf-8"?>
+<p:sld xmlns:a="http://schemas.openxmlformats.org/drawingml/2006/main" xmlns:r="http://schemas.openxmlformats.org/officeDocument/2006/relationships" xmlns:p="http://schemas.openxmlformats.org/presentationml/2006/main">
+  <p:cSld>
+    <p:spTree>
+      <p:nvGrpSpPr>
+        <p:cNvPr id="1" name=""/>
+        <p:cNvGrpSpPr/>
+        <p:nvPr/>
+      </p:nvGrpSpPr>
+      <p:grpSpPr>
+        <a:xfrm>
+          <a:off x="0" y="0"/>
+          <a:ext cx="0" cy="0"/>
+          <a:chOff x="0" y="0"/>
+          <a:chExt cx="0" cy="0"/>
+        </a:xfrm>
+      </p:grpSpPr>
+      <p:sp>
+        <p:nvSpPr>
+          <p:cNvPr id="2" name="Text Placeholder 1">
+            <a:extLst>
+              <a:ext uri="{FF2B5EF4-FFF2-40B4-BE49-F238E27FC236}">
                 <a16:creationId xmlns:a16="http://schemas.microsoft.com/office/drawing/2014/main" id="{BC71840A-47BB-D406-2B18-5DF99FE82427}"/>
               </a:ext>
             </a:extLst>
@@ -9932,7 +11123,7 @@
 </p:sld>
 </file>
 
-<file path=ppt/slides/slide11.xml><?xml version="1.0" encoding="utf-8"?>
+<file path=ppt/slides/slide12.xml><?xml version="1.0" encoding="utf-8"?>
 <p:sld xmlns:a="http://schemas.openxmlformats.org/drawingml/2006/main" xmlns:r="http://schemas.openxmlformats.org/officeDocument/2006/relationships" xmlns:p="http://schemas.openxmlformats.org/presentationml/2006/main">
   <p:cSld>
     <p:spTree>
@@ -11319,7 +12510,7 @@
 </p:sld>
 </file>
 
-<file path=ppt/slides/slide12.xml><?xml version="1.0" encoding="utf-8"?>
+<file path=ppt/slides/slide13.xml><?xml version="1.0" encoding="utf-8"?>
 <p:sld xmlns:a="http://schemas.openxmlformats.org/drawingml/2006/main" xmlns:r="http://schemas.openxmlformats.org/officeDocument/2006/relationships" xmlns:p="http://schemas.openxmlformats.org/presentationml/2006/main">
   <p:cSld>
     <p:spTree>
@@ -11421,7 +12612,7 @@
 </p:sld>
 </file>
 
-<file path=ppt/slides/slide13.xml><?xml version="1.0" encoding="utf-8"?>
+<file path=ppt/slides/slide14.xml><?xml version="1.0" encoding="utf-8"?>
 <p:sld xmlns:a="http://schemas.openxmlformats.org/drawingml/2006/main" xmlns:r="http://schemas.openxmlformats.org/officeDocument/2006/relationships" xmlns:p="http://schemas.openxmlformats.org/presentationml/2006/main">
   <p:cSld>
     <p:spTree>
@@ -11520,7 +12711,7 @@
 </p:sld>
 </file>
 
-<file path=ppt/slides/slide14.xml><?xml version="1.0" encoding="utf-8"?>
+<file path=ppt/slides/slide15.xml><?xml version="1.0" encoding="utf-8"?>
 <p:sld xmlns:a="http://schemas.openxmlformats.org/drawingml/2006/main" xmlns:r="http://schemas.openxmlformats.org/officeDocument/2006/relationships" xmlns:p="http://schemas.openxmlformats.org/presentationml/2006/main">
   <p:cSld>
     <p:spTree>
@@ -11715,7 +12906,7 @@
 </p:sld>
 </file>
 
-<file path=ppt/slides/slide15.xml><?xml version="1.0" encoding="utf-8"?>
+<file path=ppt/slides/slide16.xml><?xml version="1.0" encoding="utf-8"?>
 <p:sld xmlns:a="http://schemas.openxmlformats.org/drawingml/2006/main" xmlns:r="http://schemas.openxmlformats.org/officeDocument/2006/relationships" xmlns:p="http://schemas.openxmlformats.org/presentationml/2006/main">
   <p:cSld>
     <p:spTree>
@@ -11846,7 +13037,7 @@
 </p:sld>
 </file>
 
-<file path=ppt/slides/slide16.xml><?xml version="1.0" encoding="utf-8"?>
+<file path=ppt/slides/slide17.xml><?xml version="1.0" encoding="utf-8"?>
 <p:sld xmlns:a="http://schemas.openxmlformats.org/drawingml/2006/main" xmlns:r="http://schemas.openxmlformats.org/officeDocument/2006/relationships" xmlns:p="http://schemas.openxmlformats.org/presentationml/2006/main">
   <p:cSld>
     <p:spTree>
@@ -12140,7 +13331,7 @@
 </p:sld>
 </file>
 
-<file path=ppt/slides/slide17.xml><?xml version="1.0" encoding="utf-8"?>
+<file path=ppt/slides/slide18.xml><?xml version="1.0" encoding="utf-8"?>
 <p:sld xmlns:a="http://schemas.openxmlformats.org/drawingml/2006/main" xmlns:r="http://schemas.openxmlformats.org/officeDocument/2006/relationships" xmlns:p="http://schemas.openxmlformats.org/presentationml/2006/main">
   <p:cSld>
     <p:spTree>
@@ -12189,97 +13380,6 @@
     <p:extLst>
       <p:ext uri="{BB962C8B-B14F-4D97-AF65-F5344CB8AC3E}">
         <p14:creationId xmlns:p14="http://schemas.microsoft.com/office/powerpoint/2010/main" val="1442157030"/>
-      </p:ext>
-    </p:extLst>
-  </p:cSld>
-  <p:clrMapOvr>
-    <a:masterClrMapping/>
-  </p:clrMapOvr>
-</p:sld>
-</file>
-
-<file path=ppt/slides/slide18.xml><?xml version="1.0" encoding="utf-8"?>
-<p:sld xmlns:a="http://schemas.openxmlformats.org/drawingml/2006/main" xmlns:r="http://schemas.openxmlformats.org/officeDocument/2006/relationships" xmlns:p="http://schemas.openxmlformats.org/presentationml/2006/main">
-  <p:cSld>
-    <p:spTree>
-      <p:nvGrpSpPr>
-        <p:cNvPr id="1" name=""/>
-        <p:cNvGrpSpPr/>
-        <p:nvPr/>
-      </p:nvGrpSpPr>
-      <p:grpSpPr>
-        <a:xfrm>
-          <a:off x="0" y="0"/>
-          <a:ext cx="0" cy="0"/>
-          <a:chOff x="0" y="0"/>
-          <a:chExt cx="0" cy="0"/>
-        </a:xfrm>
-      </p:grpSpPr>
-      <p:sp>
-        <p:nvSpPr>
-          <p:cNvPr id="2" name="Text Placeholder 1">
-            <a:extLst>
-              <a:ext uri="{FF2B5EF4-FFF2-40B4-BE49-F238E27FC236}">
-                <a16:creationId xmlns:a16="http://schemas.microsoft.com/office/drawing/2014/main" id="{F30F071A-0450-8F6E-F28D-8124D7A90523}"/>
-              </a:ext>
-            </a:extLst>
-          </p:cNvPr>
-          <p:cNvSpPr>
-            <a:spLocks noGrp="1"/>
-          </p:cNvSpPr>
-          <p:nvPr>
-            <p:ph type="body" sz="quarter" idx="10"/>
-          </p:nvPr>
-        </p:nvSpPr>
-        <p:spPr/>
-        <p:txBody>
-          <a:bodyPr/>
-          <a:lstStyle/>
-          <a:p>
-            <a:pPr marL="0" indent="0">
-              <a:buNone/>
-            </a:pPr>
-            <a:endParaRPr lang="en-CA" b="1" dirty="0"/>
-          </a:p>
-          <a:p>
-            <a:pPr marL="0" indent="0">
-              <a:buNone/>
-            </a:pPr>
-            <a:endParaRPr lang="en-CA" b="1" dirty="0"/>
-          </a:p>
-          <a:p>
-            <a:pPr marL="0" indent="0">
-              <a:buNone/>
-            </a:pPr>
-            <a:endParaRPr lang="en-CA" b="1" dirty="0"/>
-          </a:p>
-          <a:p>
-            <a:pPr marL="0" indent="0">
-              <a:buNone/>
-            </a:pPr>
-            <a:endParaRPr lang="en-CA" b="1" dirty="0"/>
-          </a:p>
-          <a:p>
-            <a:pPr marL="0" indent="0">
-              <a:buNone/>
-            </a:pPr>
-            <a:r>
-              <a:rPr lang="en-CA" b="1" dirty="0"/>
-              <a:t>Activity #0 – Initialize a Git Repository</a:t>
-            </a:r>
-          </a:p>
-          <a:p>
-            <a:pPr marL="0" indent="0">
-              <a:buNone/>
-            </a:pPr>
-            <a:endParaRPr lang="en-CA" b="1" dirty="0"/>
-          </a:p>
-        </p:txBody>
-      </p:sp>
-    </p:spTree>
-    <p:extLst>
-      <p:ext uri="{BB962C8B-B14F-4D97-AF65-F5344CB8AC3E}">
-        <p14:creationId xmlns:p14="http://schemas.microsoft.com/office/powerpoint/2010/main" val="4084145476"/>
       </p:ext>
     </p:extLst>
   </p:cSld>
@@ -12356,15 +13456,21 @@
             </a:pPr>
             <a:r>
               <a:rPr lang="en-CA" b="1" dirty="0"/>
-              <a:t>Activity #1 – Create and track a Text File with Git</a:t>
-            </a:r>
+              <a:t>Activity #0 – Initialize a Git Repository</a:t>
+            </a:r>
+          </a:p>
+          <a:p>
+            <a:pPr marL="0" indent="0">
+              <a:buNone/>
+            </a:pPr>
+            <a:endParaRPr lang="en-CA" b="1" dirty="0"/>
           </a:p>
         </p:txBody>
       </p:sp>
     </p:spTree>
     <p:extLst>
       <p:ext uri="{BB962C8B-B14F-4D97-AF65-F5344CB8AC3E}">
-        <p14:creationId xmlns:p14="http://schemas.microsoft.com/office/powerpoint/2010/main" val="634442937"/>
+        <p14:creationId xmlns:p14="http://schemas.microsoft.com/office/powerpoint/2010/main" val="4084145476"/>
       </p:ext>
     </p:extLst>
   </p:cSld>
@@ -12445,14 +13551,118 @@
             <a:pPr marL="0" indent="0">
               <a:buNone/>
             </a:pPr>
+            <a:r>
+              <a:rPr lang="en-CA" b="1" dirty="0"/>
+              <a:t>Activity #0 – Initialize a Git Repository</a:t>
+            </a:r>
+          </a:p>
+          <a:p>
+            <a:pPr marL="0" indent="0">
+              <a:buNone/>
+            </a:pPr>
             <a:endParaRPr lang="en-CA" b="1" dirty="0"/>
           </a:p>
           <a:p>
+            <a:pPr marL="514350" indent="-514350">
+              <a:buFont typeface="+mj-lt"/>
+              <a:buAutoNum type="arabicPeriod"/>
+            </a:pPr>
+            <a:r>
+              <a:rPr lang="en-CA" dirty="0"/>
+              <a:t>Create a new Git Repository (File </a:t>
+            </a:r>
+            <a:r>
+              <a:rPr lang="en-CA" dirty="0">
+                <a:sym typeface="Wingdings" panose="05000000000000000000" pitchFamily="2" charset="2"/>
+              </a:rPr>
+              <a:t> new repo OR “create a new repository on your hard drive)</a:t>
+            </a:r>
+          </a:p>
+          <a:p>
+            <a:pPr marL="514350" indent="-514350">
+              <a:buFont typeface="+mj-lt"/>
+              <a:buAutoNum type="arabicPeriod"/>
+            </a:pPr>
+            <a:endParaRPr lang="en-CA" dirty="0">
+              <a:sym typeface="Wingdings" panose="05000000000000000000" pitchFamily="2" charset="2"/>
+            </a:endParaRPr>
+          </a:p>
+          <a:p>
+            <a:pPr marL="514350" indent="-514350">
+              <a:buFont typeface="+mj-lt"/>
+              <a:buAutoNum type="arabicPeriod"/>
+            </a:pPr>
+            <a:r>
+              <a:rPr lang="en-CA" dirty="0">
+                <a:sym typeface="Wingdings" panose="05000000000000000000" pitchFamily="2" charset="2"/>
+              </a:rPr>
+              <a:t>Open the generated project folder, what do you see?</a:t>
+            </a:r>
+          </a:p>
+          <a:p>
             <a:pPr marL="0" indent="0">
               <a:buNone/>
             </a:pPr>
+            <a:endParaRPr lang="en-CA" dirty="0"/>
+          </a:p>
+          <a:p>
+            <a:pPr marL="0" indent="0">
+              <a:buNone/>
+            </a:pPr>
             <a:endParaRPr lang="en-CA" b="1" dirty="0"/>
           </a:p>
+        </p:txBody>
+      </p:sp>
+    </p:spTree>
+    <p:extLst>
+      <p:ext uri="{BB962C8B-B14F-4D97-AF65-F5344CB8AC3E}">
+        <p14:creationId xmlns:p14="http://schemas.microsoft.com/office/powerpoint/2010/main" val="678388880"/>
+      </p:ext>
+    </p:extLst>
+  </p:cSld>
+  <p:clrMapOvr>
+    <a:masterClrMapping/>
+  </p:clrMapOvr>
+</p:sld>
+</file>
+
+<file path=ppt/slides/slide21.xml><?xml version="1.0" encoding="utf-8"?>
+<p:sld xmlns:a="http://schemas.openxmlformats.org/drawingml/2006/main" xmlns:r="http://schemas.openxmlformats.org/officeDocument/2006/relationships" xmlns:p="http://schemas.openxmlformats.org/presentationml/2006/main">
+  <p:cSld>
+    <p:spTree>
+      <p:nvGrpSpPr>
+        <p:cNvPr id="1" name=""/>
+        <p:cNvGrpSpPr/>
+        <p:nvPr/>
+      </p:nvGrpSpPr>
+      <p:grpSpPr>
+        <a:xfrm>
+          <a:off x="0" y="0"/>
+          <a:ext cx="0" cy="0"/>
+          <a:chOff x="0" y="0"/>
+          <a:chExt cx="0" cy="0"/>
+        </a:xfrm>
+      </p:grpSpPr>
+      <p:sp>
+        <p:nvSpPr>
+          <p:cNvPr id="2" name="Text Placeholder 1">
+            <a:extLst>
+              <a:ext uri="{FF2B5EF4-FFF2-40B4-BE49-F238E27FC236}">
+                <a16:creationId xmlns:a16="http://schemas.microsoft.com/office/drawing/2014/main" id="{F30F071A-0450-8F6E-F28D-8124D7A90523}"/>
+              </a:ext>
+            </a:extLst>
+          </p:cNvPr>
+          <p:cNvSpPr>
+            <a:spLocks noGrp="1"/>
+          </p:cNvSpPr>
+          <p:nvPr>
+            <p:ph type="body" sz="quarter" idx="10"/>
+          </p:nvPr>
+        </p:nvSpPr>
+        <p:spPr/>
+        <p:txBody>
+          <a:bodyPr/>
+          <a:lstStyle/>
           <a:p>
             <a:pPr marL="0" indent="0">
               <a:buNone/>
@@ -12469,9 +13679,236 @@
             <a:pPr marL="0" indent="0">
               <a:buNone/>
             </a:pPr>
+            <a:endParaRPr lang="en-CA" b="1" dirty="0"/>
+          </a:p>
+          <a:p>
+            <a:pPr marL="0" indent="0">
+              <a:buNone/>
+            </a:pPr>
+            <a:endParaRPr lang="en-CA" b="1" dirty="0"/>
+          </a:p>
+          <a:p>
+            <a:pPr marL="0" indent="0">
+              <a:buNone/>
+            </a:pPr>
             <a:r>
               <a:rPr lang="en-CA" b="1" dirty="0"/>
-              <a:t>Activity #2 – Revert a text file to a previous commit</a:t>
+              <a:t>Activity #1 – Create and track a Text File with Git</a:t>
+            </a:r>
+          </a:p>
+        </p:txBody>
+      </p:sp>
+    </p:spTree>
+    <p:extLst>
+      <p:ext uri="{BB962C8B-B14F-4D97-AF65-F5344CB8AC3E}">
+        <p14:creationId xmlns:p14="http://schemas.microsoft.com/office/powerpoint/2010/main" val="634442937"/>
+      </p:ext>
+    </p:extLst>
+  </p:cSld>
+  <p:clrMapOvr>
+    <a:masterClrMapping/>
+  </p:clrMapOvr>
+</p:sld>
+</file>
+
+<file path=ppt/slides/slide22.xml><?xml version="1.0" encoding="utf-8"?>
+<p:sld xmlns:a="http://schemas.openxmlformats.org/drawingml/2006/main" xmlns:r="http://schemas.openxmlformats.org/officeDocument/2006/relationships" xmlns:p="http://schemas.openxmlformats.org/presentationml/2006/main">
+  <p:cSld>
+    <p:spTree>
+      <p:nvGrpSpPr>
+        <p:cNvPr id="1" name=""/>
+        <p:cNvGrpSpPr/>
+        <p:nvPr/>
+      </p:nvGrpSpPr>
+      <p:grpSpPr>
+        <a:xfrm>
+          <a:off x="0" y="0"/>
+          <a:ext cx="0" cy="0"/>
+          <a:chOff x="0" y="0"/>
+          <a:chExt cx="0" cy="0"/>
+        </a:xfrm>
+      </p:grpSpPr>
+      <p:sp>
+        <p:nvSpPr>
+          <p:cNvPr id="2" name="Text Placeholder 1">
+            <a:extLst>
+              <a:ext uri="{FF2B5EF4-FFF2-40B4-BE49-F238E27FC236}">
+                <a16:creationId xmlns:a16="http://schemas.microsoft.com/office/drawing/2014/main" id="{F30F071A-0450-8F6E-F28D-8124D7A90523}"/>
+              </a:ext>
+            </a:extLst>
+          </p:cNvPr>
+          <p:cNvSpPr>
+            <a:spLocks noGrp="1"/>
+          </p:cNvSpPr>
+          <p:nvPr>
+            <p:ph type="body" sz="quarter" idx="10"/>
+          </p:nvPr>
+        </p:nvSpPr>
+        <p:spPr/>
+        <p:txBody>
+          <a:bodyPr>
+            <a:normAutofit lnSpcReduction="10000"/>
+          </a:bodyPr>
+          <a:lstStyle/>
+          <a:p>
+            <a:pPr marL="0" indent="0">
+              <a:buNone/>
+            </a:pPr>
+            <a:r>
+              <a:rPr lang="en-CA" b="1" dirty="0"/>
+              <a:t>Activity #1 – Create and track a Text File with Git</a:t>
+            </a:r>
+          </a:p>
+          <a:p>
+            <a:pPr marL="0" indent="0">
+              <a:buNone/>
+            </a:pPr>
+            <a:endParaRPr lang="en-CA" b="1" dirty="0"/>
+          </a:p>
+          <a:p>
+            <a:pPr marL="514350" indent="-514350">
+              <a:buFont typeface="+mj-lt"/>
+              <a:buAutoNum type="arabicPeriod"/>
+            </a:pPr>
+            <a:r>
+              <a:rPr lang="en-CA" dirty="0"/>
+              <a:t>Create a text file (or code script) in the project folder</a:t>
+            </a:r>
+          </a:p>
+          <a:p>
+            <a:pPr marL="514350" indent="-514350">
+              <a:buFont typeface="+mj-lt"/>
+              <a:buAutoNum type="arabicPeriod"/>
+            </a:pPr>
+            <a:endParaRPr lang="en-CA" dirty="0"/>
+          </a:p>
+          <a:p>
+            <a:pPr marL="514350" indent="-514350">
+              <a:buFont typeface="+mj-lt"/>
+              <a:buAutoNum type="arabicPeriod"/>
+            </a:pPr>
+            <a:r>
+              <a:rPr lang="en-CA" dirty="0"/>
+              <a:t>Open the GitHub Desktop App and add + commit the file to track it. </a:t>
+            </a:r>
+          </a:p>
+          <a:p>
+            <a:pPr marL="514350" indent="-514350">
+              <a:buFont typeface="+mj-lt"/>
+              <a:buAutoNum type="arabicPeriod"/>
+            </a:pPr>
+            <a:endParaRPr lang="en-CA" dirty="0"/>
+          </a:p>
+          <a:p>
+            <a:pPr marL="514350" indent="-514350">
+              <a:buFont typeface="+mj-lt"/>
+              <a:buAutoNum type="arabicPeriod"/>
+            </a:pPr>
+            <a:r>
+              <a:rPr lang="en-CA" dirty="0"/>
+              <a:t>Look at your commit history to see your commit!</a:t>
+            </a:r>
+          </a:p>
+          <a:p>
+            <a:pPr marL="514350" indent="-514350">
+              <a:buFont typeface="+mj-lt"/>
+              <a:buAutoNum type="arabicPeriod"/>
+            </a:pPr>
+            <a:endParaRPr lang="en-CA" dirty="0"/>
+          </a:p>
+          <a:p>
+            <a:pPr marL="514350" indent="-514350">
+              <a:buFont typeface="+mj-lt"/>
+              <a:buAutoNum type="arabicPeriod"/>
+            </a:pPr>
+            <a:r>
+              <a:rPr lang="en-CA" dirty="0"/>
+              <a:t>Modify the file and commit the changes. Try and make informative commit messages!</a:t>
+            </a:r>
+          </a:p>
+        </p:txBody>
+      </p:sp>
+    </p:spTree>
+    <p:extLst>
+      <p:ext uri="{BB962C8B-B14F-4D97-AF65-F5344CB8AC3E}">
+        <p14:creationId xmlns:p14="http://schemas.microsoft.com/office/powerpoint/2010/main" val="907190213"/>
+      </p:ext>
+    </p:extLst>
+  </p:cSld>
+  <p:clrMapOvr>
+    <a:masterClrMapping/>
+  </p:clrMapOvr>
+</p:sld>
+</file>
+
+<file path=ppt/slides/slide23.xml><?xml version="1.0" encoding="utf-8"?>
+<p:sld xmlns:a="http://schemas.openxmlformats.org/drawingml/2006/main" xmlns:r="http://schemas.openxmlformats.org/officeDocument/2006/relationships" xmlns:p="http://schemas.openxmlformats.org/presentationml/2006/main">
+  <p:cSld>
+    <p:spTree>
+      <p:nvGrpSpPr>
+        <p:cNvPr id="1" name=""/>
+        <p:cNvGrpSpPr/>
+        <p:nvPr/>
+      </p:nvGrpSpPr>
+      <p:grpSpPr>
+        <a:xfrm>
+          <a:off x="0" y="0"/>
+          <a:ext cx="0" cy="0"/>
+          <a:chOff x="0" y="0"/>
+          <a:chExt cx="0" cy="0"/>
+        </a:xfrm>
+      </p:grpSpPr>
+      <p:sp>
+        <p:nvSpPr>
+          <p:cNvPr id="2" name="Text Placeholder 1">
+            <a:extLst>
+              <a:ext uri="{FF2B5EF4-FFF2-40B4-BE49-F238E27FC236}">
+                <a16:creationId xmlns:a16="http://schemas.microsoft.com/office/drawing/2014/main" id="{F30F071A-0450-8F6E-F28D-8124D7A90523}"/>
+              </a:ext>
+            </a:extLst>
+          </p:cNvPr>
+          <p:cNvSpPr>
+            <a:spLocks noGrp="1"/>
+          </p:cNvSpPr>
+          <p:nvPr>
+            <p:ph type="body" sz="quarter" idx="10"/>
+          </p:nvPr>
+        </p:nvSpPr>
+        <p:spPr/>
+        <p:txBody>
+          <a:bodyPr/>
+          <a:lstStyle/>
+          <a:p>
+            <a:pPr marL="0" indent="0">
+              <a:buNone/>
+            </a:pPr>
+            <a:endParaRPr lang="en-CA" b="1" dirty="0"/>
+          </a:p>
+          <a:p>
+            <a:pPr marL="0" indent="0">
+              <a:buNone/>
+            </a:pPr>
+            <a:endParaRPr lang="en-CA" b="1" dirty="0"/>
+          </a:p>
+          <a:p>
+            <a:pPr marL="0" indent="0">
+              <a:buNone/>
+            </a:pPr>
+            <a:endParaRPr lang="en-CA" b="1" dirty="0"/>
+          </a:p>
+          <a:p>
+            <a:pPr marL="0" indent="0">
+              <a:buNone/>
+            </a:pPr>
+            <a:endParaRPr lang="en-CA" b="1" dirty="0"/>
+          </a:p>
+          <a:p>
+            <a:pPr marL="0" indent="0">
+              <a:buNone/>
+            </a:pPr>
+            <a:r>
+              <a:rPr lang="en-CA" b="1" dirty="0"/>
+              <a:t>Activity #2 – Revert a file to a previous commit</a:t>
             </a:r>
           </a:p>
         </p:txBody>
@@ -12489,7 +13926,121 @@
 </p:sld>
 </file>
 
-<file path=ppt/slides/slide21.xml><?xml version="1.0" encoding="utf-8"?>
+<file path=ppt/slides/slide24.xml><?xml version="1.0" encoding="utf-8"?>
+<p:sld xmlns:a="http://schemas.openxmlformats.org/drawingml/2006/main" xmlns:r="http://schemas.openxmlformats.org/officeDocument/2006/relationships" xmlns:p="http://schemas.openxmlformats.org/presentationml/2006/main">
+  <p:cSld>
+    <p:spTree>
+      <p:nvGrpSpPr>
+        <p:cNvPr id="1" name=""/>
+        <p:cNvGrpSpPr/>
+        <p:nvPr/>
+      </p:nvGrpSpPr>
+      <p:grpSpPr>
+        <a:xfrm>
+          <a:off x="0" y="0"/>
+          <a:ext cx="0" cy="0"/>
+          <a:chOff x="0" y="0"/>
+          <a:chExt cx="0" cy="0"/>
+        </a:xfrm>
+      </p:grpSpPr>
+      <p:sp>
+        <p:nvSpPr>
+          <p:cNvPr id="2" name="Text Placeholder 1">
+            <a:extLst>
+              <a:ext uri="{FF2B5EF4-FFF2-40B4-BE49-F238E27FC236}">
+                <a16:creationId xmlns:a16="http://schemas.microsoft.com/office/drawing/2014/main" id="{F30F071A-0450-8F6E-F28D-8124D7A90523}"/>
+              </a:ext>
+            </a:extLst>
+          </p:cNvPr>
+          <p:cNvSpPr>
+            <a:spLocks noGrp="1"/>
+          </p:cNvSpPr>
+          <p:nvPr>
+            <p:ph type="body" sz="quarter" idx="10"/>
+          </p:nvPr>
+        </p:nvSpPr>
+        <p:spPr/>
+        <p:txBody>
+          <a:bodyPr/>
+          <a:lstStyle/>
+          <a:p>
+            <a:pPr marL="0" indent="0">
+              <a:buNone/>
+            </a:pPr>
+            <a:r>
+              <a:rPr lang="en-CA" b="1" dirty="0"/>
+              <a:t>Activity #2 – Revert a file to a previous commit</a:t>
+            </a:r>
+          </a:p>
+          <a:p>
+            <a:pPr marL="0" indent="0">
+              <a:buNone/>
+            </a:pPr>
+            <a:endParaRPr lang="en-CA" b="1" dirty="0"/>
+          </a:p>
+          <a:p>
+            <a:pPr marL="514350" indent="-514350">
+              <a:buFont typeface="+mj-lt"/>
+              <a:buAutoNum type="arabicPeriod"/>
+            </a:pPr>
+            <a:r>
+              <a:rPr lang="en-CA" dirty="0"/>
+              <a:t>Make an unwanted change to your file</a:t>
+            </a:r>
+          </a:p>
+          <a:p>
+            <a:pPr marL="514350" indent="-514350">
+              <a:buFont typeface="+mj-lt"/>
+              <a:buAutoNum type="arabicPeriod"/>
+            </a:pPr>
+            <a:r>
+              <a:rPr lang="en-CA" dirty="0"/>
+              <a:t>Use your commit history to revert to the previous commit</a:t>
+            </a:r>
+          </a:p>
+          <a:p>
+            <a:pPr marL="514350" indent="-514350">
+              <a:buFont typeface="+mj-lt"/>
+              <a:buAutoNum type="arabicPeriod"/>
+            </a:pPr>
+            <a:endParaRPr lang="en-CA" dirty="0"/>
+          </a:p>
+          <a:p>
+            <a:pPr marL="514350" indent="-514350">
+              <a:buFont typeface="+mj-lt"/>
+              <a:buAutoNum type="arabicPeriod"/>
+            </a:pPr>
+            <a:r>
+              <a:rPr lang="en-CA" dirty="0"/>
+              <a:t>Make another unwanted change and commit it</a:t>
+            </a:r>
+          </a:p>
+          <a:p>
+            <a:pPr marL="514350" indent="-514350">
+              <a:buFont typeface="+mj-lt"/>
+              <a:buAutoNum type="arabicPeriod"/>
+            </a:pPr>
+            <a:r>
+              <a:rPr lang="en-CA" dirty="0"/>
+              <a:t>Now use your commit history to revert the commit!</a:t>
+            </a:r>
+          </a:p>
+        </p:txBody>
+      </p:sp>
+    </p:spTree>
+    <p:extLst>
+      <p:ext uri="{BB962C8B-B14F-4D97-AF65-F5344CB8AC3E}">
+        <p14:creationId xmlns:p14="http://schemas.microsoft.com/office/powerpoint/2010/main" val="3623309075"/>
+      </p:ext>
+    </p:extLst>
+  </p:cSld>
+  <p:clrMapOvr>
+    <a:masterClrMapping/>
+  </p:clrMapOvr>
+</p:sld>
+</file>
+
+<file path=ppt/slides/slide25.xml><?xml version="1.0" encoding="utf-8"?>
 <p:sld xmlns:a="http://schemas.openxmlformats.org/drawingml/2006/main" xmlns:r="http://schemas.openxmlformats.org/officeDocument/2006/relationships" xmlns:p="http://schemas.openxmlformats.org/presentationml/2006/main">
   <p:cSld>
     <p:spTree>
@@ -12778,7 +14329,7 @@
 </p:sld>
 </file>
 
-<file path=ppt/slides/slide22.xml><?xml version="1.0" encoding="utf-8"?>
+<file path=ppt/slides/slide26.xml><?xml version="1.0" encoding="utf-8"?>
 <p:sld xmlns:a="http://schemas.openxmlformats.org/drawingml/2006/main" xmlns:r="http://schemas.openxmlformats.org/officeDocument/2006/relationships" xmlns:p="http://schemas.openxmlformats.org/presentationml/2006/main">
   <p:cSld>
     <p:spTree>
@@ -12836,7 +14387,7 @@
 </p:sld>
 </file>
 
-<file path=ppt/slides/slide23.xml><?xml version="1.0" encoding="utf-8"?>
+<file path=ppt/slides/slide27.xml><?xml version="1.0" encoding="utf-8"?>
 <p:sld xmlns:a="http://schemas.openxmlformats.org/drawingml/2006/main" xmlns:r="http://schemas.openxmlformats.org/officeDocument/2006/relationships" xmlns:p="http://schemas.openxmlformats.org/presentationml/2006/main">
   <p:cSld>
     <p:spTree>
@@ -12994,7 +14545,7 @@
 </p:sld>
 </file>
 
-<file path=ppt/slides/slide24.xml><?xml version="1.0" encoding="utf-8"?>
+<file path=ppt/slides/slide28.xml><?xml version="1.0" encoding="utf-8"?>
 <p:sld xmlns:a="http://schemas.openxmlformats.org/drawingml/2006/main" xmlns:r="http://schemas.openxmlformats.org/officeDocument/2006/relationships" xmlns:p="http://schemas.openxmlformats.org/presentationml/2006/main">
   <p:cSld>
     <p:spTree>
@@ -14102,7 +15653,7 @@
 </p:sld>
 </file>
 
-<file path=ppt/slides/slide25.xml><?xml version="1.0" encoding="utf-8"?>
+<file path=ppt/slides/slide29.xml><?xml version="1.0" encoding="utf-8"?>
 <p:sld xmlns:a="http://schemas.openxmlformats.org/drawingml/2006/main" xmlns:r="http://schemas.openxmlformats.org/officeDocument/2006/relationships" xmlns:p="http://schemas.openxmlformats.org/presentationml/2006/main">
   <p:cSld>
     <p:spTree>
@@ -14187,7 +15738,252 @@
 </p:sld>
 </file>
 
-<file path=ppt/slides/slide26.xml><?xml version="1.0" encoding="utf-8"?>
+<file path=ppt/slides/slide3.xml><?xml version="1.0" encoding="utf-8"?>
+<p:sld xmlns:a="http://schemas.openxmlformats.org/drawingml/2006/main" xmlns:r="http://schemas.openxmlformats.org/officeDocument/2006/relationships" xmlns:p="http://schemas.openxmlformats.org/presentationml/2006/main">
+  <p:cSld>
+    <p:spTree>
+      <p:nvGrpSpPr>
+        <p:cNvPr id="1" name=""/>
+        <p:cNvGrpSpPr/>
+        <p:nvPr/>
+      </p:nvGrpSpPr>
+      <p:grpSpPr>
+        <a:xfrm>
+          <a:off x="0" y="0"/>
+          <a:ext cx="0" cy="0"/>
+          <a:chOff x="0" y="0"/>
+          <a:chExt cx="0" cy="0"/>
+        </a:xfrm>
+      </p:grpSpPr>
+      <p:sp>
+        <p:nvSpPr>
+          <p:cNvPr id="2" name="Text Placeholder 1">
+            <a:extLst>
+              <a:ext uri="{FF2B5EF4-FFF2-40B4-BE49-F238E27FC236}">
+                <a16:creationId xmlns:a16="http://schemas.microsoft.com/office/drawing/2014/main" id="{17E543B8-96E5-F2A9-6F87-38F12D86B60B}"/>
+              </a:ext>
+            </a:extLst>
+          </p:cNvPr>
+          <p:cNvSpPr>
+            <a:spLocks noGrp="1"/>
+          </p:cNvSpPr>
+          <p:nvPr>
+            <p:ph type="body" sz="quarter" idx="10"/>
+          </p:nvPr>
+        </p:nvSpPr>
+        <p:spPr/>
+        <p:txBody>
+          <a:bodyPr>
+            <a:normAutofit lnSpcReduction="10000"/>
+          </a:bodyPr>
+          <a:lstStyle/>
+          <a:p>
+            <a:pPr marL="0" indent="0">
+              <a:buNone/>
+            </a:pPr>
+            <a:r>
+              <a:rPr lang="en-CA" b="1" dirty="0"/>
+              <a:t>Outline for this workshop:</a:t>
+            </a:r>
+          </a:p>
+          <a:p>
+            <a:pPr marL="514350" indent="-514350">
+              <a:buFont typeface="+mj-lt"/>
+              <a:buAutoNum type="arabicPeriod"/>
+            </a:pPr>
+            <a:r>
+              <a:rPr lang="en-CA" dirty="0"/>
+              <a:t>Intro to Git and Version Control Systems</a:t>
+            </a:r>
+          </a:p>
+          <a:p>
+            <a:pPr marL="514350" indent="-514350">
+              <a:buFont typeface="+mj-lt"/>
+              <a:buAutoNum type="arabicPeriod"/>
+            </a:pPr>
+            <a:endParaRPr lang="en-CA" dirty="0"/>
+          </a:p>
+          <a:p>
+            <a:pPr marL="514350" indent="-514350">
+              <a:buFont typeface="+mj-lt"/>
+              <a:buAutoNum type="arabicPeriod"/>
+            </a:pPr>
+            <a:r>
+              <a:rPr lang="en-CA" dirty="0"/>
+              <a:t>Basic Git functions</a:t>
+            </a:r>
+          </a:p>
+          <a:p>
+            <a:pPr marL="514350" indent="-514350">
+              <a:buFont typeface="+mj-lt"/>
+              <a:buAutoNum type="arabicPeriod"/>
+            </a:pPr>
+            <a:endParaRPr lang="en-CA" dirty="0"/>
+          </a:p>
+          <a:p>
+            <a:pPr marL="514350" indent="-514350">
+              <a:buFont typeface="+mj-lt"/>
+              <a:buAutoNum type="arabicPeriod"/>
+            </a:pPr>
+            <a:r>
+              <a:rPr lang="en-CA" dirty="0"/>
+              <a:t>Advanced Git functions</a:t>
+            </a:r>
+          </a:p>
+          <a:p>
+            <a:pPr marL="457088" lvl="1" indent="0">
+              <a:buNone/>
+            </a:pPr>
+            <a:endParaRPr lang="en-CA" dirty="0"/>
+          </a:p>
+          <a:p>
+            <a:pPr marL="514350" indent="-514350">
+              <a:buFont typeface="+mj-lt"/>
+              <a:buAutoNum type="arabicPeriod"/>
+            </a:pPr>
+            <a:r>
+              <a:rPr lang="en-CA" dirty="0"/>
+              <a:t>Working with GitHub</a:t>
+            </a:r>
+          </a:p>
+          <a:p>
+            <a:pPr marL="514350" indent="-514350">
+              <a:buFont typeface="+mj-lt"/>
+              <a:buAutoNum type="arabicPeriod"/>
+            </a:pPr>
+            <a:endParaRPr lang="en-CA" dirty="0"/>
+          </a:p>
+          <a:p>
+            <a:pPr marL="514350" indent="-514350">
+              <a:buFont typeface="+mj-lt"/>
+              <a:buAutoNum type="arabicPeriod"/>
+            </a:pPr>
+            <a:r>
+              <a:rPr lang="en-CA" dirty="0"/>
+              <a:t>Conclusions</a:t>
+            </a:r>
+          </a:p>
+        </p:txBody>
+      </p:sp>
+    </p:spTree>
+    <p:extLst>
+      <p:ext uri="{BB962C8B-B14F-4D97-AF65-F5344CB8AC3E}">
+        <p14:creationId xmlns:p14="http://schemas.microsoft.com/office/powerpoint/2010/main" val="1592450976"/>
+      </p:ext>
+    </p:extLst>
+  </p:cSld>
+  <p:clrMapOvr>
+    <a:masterClrMapping/>
+  </p:clrMapOvr>
+</p:sld>
+</file>
+
+<file path=ppt/slides/slide30.xml><?xml version="1.0" encoding="utf-8"?>
+<p:sld xmlns:a="http://schemas.openxmlformats.org/drawingml/2006/main" xmlns:r="http://schemas.openxmlformats.org/officeDocument/2006/relationships" xmlns:p="http://schemas.openxmlformats.org/presentationml/2006/main">
+  <p:cSld>
+    <p:spTree>
+      <p:nvGrpSpPr>
+        <p:cNvPr id="1" name=""/>
+        <p:cNvGrpSpPr/>
+        <p:nvPr/>
+      </p:nvGrpSpPr>
+      <p:grpSpPr>
+        <a:xfrm>
+          <a:off x="0" y="0"/>
+          <a:ext cx="0" cy="0"/>
+          <a:chOff x="0" y="0"/>
+          <a:chExt cx="0" cy="0"/>
+        </a:xfrm>
+      </p:grpSpPr>
+      <p:sp>
+        <p:nvSpPr>
+          <p:cNvPr id="2" name="Text Placeholder 1">
+            <a:extLst>
+              <a:ext uri="{FF2B5EF4-FFF2-40B4-BE49-F238E27FC236}">
+                <a16:creationId xmlns:a16="http://schemas.microsoft.com/office/drawing/2014/main" id="{F30F071A-0450-8F6E-F28D-8124D7A90523}"/>
+              </a:ext>
+            </a:extLst>
+          </p:cNvPr>
+          <p:cNvSpPr>
+            <a:spLocks noGrp="1"/>
+          </p:cNvSpPr>
+          <p:nvPr>
+            <p:ph type="body" sz="quarter" idx="10"/>
+          </p:nvPr>
+        </p:nvSpPr>
+        <p:spPr/>
+        <p:txBody>
+          <a:bodyPr/>
+          <a:lstStyle/>
+          <a:p>
+            <a:pPr marL="0" indent="0">
+              <a:buNone/>
+            </a:pPr>
+            <a:r>
+              <a:rPr lang="en-CA" b="1" dirty="0"/>
+              <a:t>Activity #3 – Create a new branch</a:t>
+            </a:r>
+          </a:p>
+          <a:p>
+            <a:pPr marL="514350" indent="-514350">
+              <a:buFont typeface="+mj-lt"/>
+              <a:buAutoNum type="arabicPeriod"/>
+            </a:pPr>
+            <a:r>
+              <a:rPr lang="en-CA" dirty="0"/>
+              <a:t>Click the “current branch” button and select “new branch”</a:t>
+            </a:r>
+          </a:p>
+          <a:p>
+            <a:pPr marL="514350" indent="-514350">
+              <a:buFont typeface="+mj-lt"/>
+              <a:buAutoNum type="arabicPeriod"/>
+            </a:pPr>
+            <a:endParaRPr lang="en-CA" dirty="0"/>
+          </a:p>
+          <a:p>
+            <a:pPr marL="514350" indent="-514350">
+              <a:buFont typeface="+mj-lt"/>
+              <a:buAutoNum type="arabicPeriod"/>
+            </a:pPr>
+            <a:r>
+              <a:rPr lang="en-CA" dirty="0"/>
+              <a:t>Make changes to your file in the new branch and commit it</a:t>
+            </a:r>
+          </a:p>
+          <a:p>
+            <a:pPr marL="514350" indent="-514350">
+              <a:buFont typeface="+mj-lt"/>
+              <a:buAutoNum type="arabicPeriod"/>
+            </a:pPr>
+            <a:endParaRPr lang="en-CA" dirty="0"/>
+          </a:p>
+          <a:p>
+            <a:pPr marL="514350" indent="-514350">
+              <a:buFont typeface="+mj-lt"/>
+              <a:buAutoNum type="arabicPeriod"/>
+            </a:pPr>
+            <a:r>
+              <a:rPr lang="en-CA" dirty="0"/>
+              <a:t>Switch back to the main branch and open the file, what do you notice?</a:t>
+            </a:r>
+          </a:p>
+        </p:txBody>
+      </p:sp>
+    </p:spTree>
+    <p:extLst>
+      <p:ext uri="{BB962C8B-B14F-4D97-AF65-F5344CB8AC3E}">
+        <p14:creationId xmlns:p14="http://schemas.microsoft.com/office/powerpoint/2010/main" val="2674360721"/>
+      </p:ext>
+    </p:extLst>
+  </p:cSld>
+  <p:clrMapOvr>
+    <a:masterClrMapping/>
+  </p:clrMapOvr>
+</p:sld>
+</file>
+
+<file path=ppt/slides/slide31.xml><?xml version="1.0" encoding="utf-8"?>
 <p:sld xmlns:a="http://schemas.openxmlformats.org/drawingml/2006/main" xmlns:r="http://schemas.openxmlformats.org/officeDocument/2006/relationships" xmlns:p="http://schemas.openxmlformats.org/presentationml/2006/main">
   <p:cSld>
     <p:spTree>
@@ -14345,7 +16141,7 @@
 </p:sld>
 </file>
 
-<file path=ppt/slides/slide27.xml><?xml version="1.0" encoding="utf-8"?>
+<file path=ppt/slides/slide32.xml><?xml version="1.0" encoding="utf-8"?>
 <p:sld xmlns:a="http://schemas.openxmlformats.org/drawingml/2006/main" xmlns:r="http://schemas.openxmlformats.org/officeDocument/2006/relationships" xmlns:p="http://schemas.openxmlformats.org/presentationml/2006/main">
   <p:cSld>
     <p:spTree>
@@ -15434,7 +17230,7 @@
 </p:sld>
 </file>
 
-<file path=ppt/slides/slide28.xml><?xml version="1.0" encoding="utf-8"?>
+<file path=ppt/slides/slide33.xml><?xml version="1.0" encoding="utf-8"?>
 <p:sld xmlns:a="http://schemas.openxmlformats.org/drawingml/2006/main" xmlns:r="http://schemas.openxmlformats.org/officeDocument/2006/relationships" xmlns:p="http://schemas.openxmlformats.org/presentationml/2006/main">
   <p:cSld>
     <p:spTree>
@@ -15519,7 +17315,131 @@
 </p:sld>
 </file>
 
-<file path=ppt/slides/slide29.xml><?xml version="1.0" encoding="utf-8"?>
+<file path=ppt/slides/slide34.xml><?xml version="1.0" encoding="utf-8"?>
+<p:sld xmlns:a="http://schemas.openxmlformats.org/drawingml/2006/main" xmlns:r="http://schemas.openxmlformats.org/officeDocument/2006/relationships" xmlns:p="http://schemas.openxmlformats.org/presentationml/2006/main">
+  <p:cSld>
+    <p:spTree>
+      <p:nvGrpSpPr>
+        <p:cNvPr id="1" name=""/>
+        <p:cNvGrpSpPr/>
+        <p:nvPr/>
+      </p:nvGrpSpPr>
+      <p:grpSpPr>
+        <a:xfrm>
+          <a:off x="0" y="0"/>
+          <a:ext cx="0" cy="0"/>
+          <a:chOff x="0" y="0"/>
+          <a:chExt cx="0" cy="0"/>
+        </a:xfrm>
+      </p:grpSpPr>
+      <p:sp>
+        <p:nvSpPr>
+          <p:cNvPr id="2" name="Text Placeholder 1">
+            <a:extLst>
+              <a:ext uri="{FF2B5EF4-FFF2-40B4-BE49-F238E27FC236}">
+                <a16:creationId xmlns:a16="http://schemas.microsoft.com/office/drawing/2014/main" id="{F30F071A-0450-8F6E-F28D-8124D7A90523}"/>
+              </a:ext>
+            </a:extLst>
+          </p:cNvPr>
+          <p:cNvSpPr>
+            <a:spLocks noGrp="1"/>
+          </p:cNvSpPr>
+          <p:nvPr>
+            <p:ph type="body" sz="quarter" idx="10"/>
+          </p:nvPr>
+        </p:nvSpPr>
+        <p:spPr/>
+        <p:txBody>
+          <a:bodyPr>
+            <a:normAutofit/>
+          </a:bodyPr>
+          <a:lstStyle/>
+          <a:p>
+            <a:pPr marL="0" indent="0">
+              <a:buNone/>
+            </a:pPr>
+            <a:r>
+              <a:rPr lang="en-CA" b="1" dirty="0"/>
+              <a:t>Activity #4 – Merging Branches</a:t>
+            </a:r>
+          </a:p>
+          <a:p>
+            <a:pPr marL="514350" indent="-514350">
+              <a:buFont typeface="+mj-lt"/>
+              <a:buAutoNum type="arabicPeriod"/>
+            </a:pPr>
+            <a:r>
+              <a:rPr lang="en-CA" dirty="0"/>
+              <a:t>Switch to the main branch</a:t>
+            </a:r>
+          </a:p>
+          <a:p>
+            <a:pPr marL="514350" indent="-514350">
+              <a:buFont typeface="+mj-lt"/>
+              <a:buAutoNum type="arabicPeriod"/>
+            </a:pPr>
+            <a:endParaRPr lang="en-CA" dirty="0"/>
+          </a:p>
+          <a:p>
+            <a:pPr marL="514350" indent="-514350">
+              <a:buFont typeface="+mj-lt"/>
+              <a:buAutoNum type="arabicPeriod"/>
+            </a:pPr>
+            <a:r>
+              <a:rPr lang="en-CA" dirty="0"/>
+              <a:t>Open the branch menu</a:t>
+            </a:r>
+          </a:p>
+          <a:p>
+            <a:pPr marL="514350" indent="-514350">
+              <a:buFont typeface="+mj-lt"/>
+              <a:buAutoNum type="arabicPeriod"/>
+            </a:pPr>
+            <a:endParaRPr lang="en-CA" dirty="0"/>
+          </a:p>
+          <a:p>
+            <a:pPr marL="514350" indent="-514350">
+              <a:buFont typeface="+mj-lt"/>
+              <a:buAutoNum type="arabicPeriod"/>
+            </a:pPr>
+            <a:r>
+              <a:rPr lang="en-CA" dirty="0"/>
+              <a:t>Select the “choose a branch to merge into main” button and select your second branch.</a:t>
+            </a:r>
+          </a:p>
+          <a:p>
+            <a:pPr marL="514350" indent="-514350">
+              <a:buFont typeface="+mj-lt"/>
+              <a:buAutoNum type="arabicPeriod"/>
+            </a:pPr>
+            <a:endParaRPr lang="en-CA" dirty="0"/>
+          </a:p>
+          <a:p>
+            <a:pPr marL="514350" indent="-514350">
+              <a:buFont typeface="+mj-lt"/>
+              <a:buAutoNum type="arabicPeriod"/>
+            </a:pPr>
+            <a:r>
+              <a:rPr lang="en-CA" dirty="0"/>
+              <a:t>Compare the branches again, the file should now be identical in both!</a:t>
+            </a:r>
+          </a:p>
+        </p:txBody>
+      </p:sp>
+    </p:spTree>
+    <p:extLst>
+      <p:ext uri="{BB962C8B-B14F-4D97-AF65-F5344CB8AC3E}">
+        <p14:creationId xmlns:p14="http://schemas.microsoft.com/office/powerpoint/2010/main" val="1311449531"/>
+      </p:ext>
+    </p:extLst>
+  </p:cSld>
+  <p:clrMapOvr>
+    <a:masterClrMapping/>
+  </p:clrMapOvr>
+</p:sld>
+</file>
+
+<file path=ppt/slides/slide35.xml><?xml version="1.0" encoding="utf-8"?>
 <p:sld xmlns:a="http://schemas.openxmlformats.org/drawingml/2006/main" xmlns:r="http://schemas.openxmlformats.org/officeDocument/2006/relationships" xmlns:p="http://schemas.openxmlformats.org/presentationml/2006/main">
   <p:cSld>
     <p:spTree>
@@ -15677,147 +17597,7 @@
 </p:sld>
 </file>
 
-<file path=ppt/slides/slide3.xml><?xml version="1.0" encoding="utf-8"?>
-<p:sld xmlns:a="http://schemas.openxmlformats.org/drawingml/2006/main" xmlns:r="http://schemas.openxmlformats.org/officeDocument/2006/relationships" xmlns:p="http://schemas.openxmlformats.org/presentationml/2006/main">
-  <p:cSld>
-    <p:spTree>
-      <p:nvGrpSpPr>
-        <p:cNvPr id="1" name=""/>
-        <p:cNvGrpSpPr/>
-        <p:nvPr/>
-      </p:nvGrpSpPr>
-      <p:grpSpPr>
-        <a:xfrm>
-          <a:off x="0" y="0"/>
-          <a:ext cx="0" cy="0"/>
-          <a:chOff x="0" y="0"/>
-          <a:chExt cx="0" cy="0"/>
-        </a:xfrm>
-      </p:grpSpPr>
-      <p:sp>
-        <p:nvSpPr>
-          <p:cNvPr id="2" name="Text Placeholder 1">
-            <a:extLst>
-              <a:ext uri="{FF2B5EF4-FFF2-40B4-BE49-F238E27FC236}">
-                <a16:creationId xmlns:a16="http://schemas.microsoft.com/office/drawing/2014/main" id="{17E543B8-96E5-F2A9-6F87-38F12D86B60B}"/>
-              </a:ext>
-            </a:extLst>
-          </p:cNvPr>
-          <p:cNvSpPr>
-            <a:spLocks noGrp="1"/>
-          </p:cNvSpPr>
-          <p:nvPr>
-            <p:ph type="body" sz="quarter" idx="10"/>
-          </p:nvPr>
-        </p:nvSpPr>
-        <p:spPr/>
-        <p:txBody>
-          <a:bodyPr>
-            <a:normAutofit lnSpcReduction="10000"/>
-          </a:bodyPr>
-          <a:lstStyle/>
-          <a:p>
-            <a:pPr marL="0" indent="0">
-              <a:buNone/>
-            </a:pPr>
-            <a:r>
-              <a:rPr lang="en-CA" b="1" dirty="0"/>
-              <a:t>Outline for this workshop:</a:t>
-            </a:r>
-          </a:p>
-          <a:p>
-            <a:pPr marL="514350" indent="-514350">
-              <a:buFont typeface="+mj-lt"/>
-              <a:buAutoNum type="arabicPeriod"/>
-            </a:pPr>
-            <a:r>
-              <a:rPr lang="en-CA" dirty="0"/>
-              <a:t>Intro to Git and Version Control Systems</a:t>
-            </a:r>
-          </a:p>
-          <a:p>
-            <a:pPr marL="514350" indent="-514350">
-              <a:buFont typeface="+mj-lt"/>
-              <a:buAutoNum type="arabicPeriod"/>
-            </a:pPr>
-            <a:endParaRPr lang="en-CA" dirty="0"/>
-          </a:p>
-          <a:p>
-            <a:pPr marL="514350" indent="-514350">
-              <a:buFont typeface="+mj-lt"/>
-              <a:buAutoNum type="arabicPeriod"/>
-            </a:pPr>
-            <a:r>
-              <a:rPr lang="en-CA" dirty="0"/>
-              <a:t>Basic Git functions</a:t>
-            </a:r>
-          </a:p>
-          <a:p>
-            <a:pPr marL="514350" indent="-514350">
-              <a:buFont typeface="+mj-lt"/>
-              <a:buAutoNum type="arabicPeriod"/>
-            </a:pPr>
-            <a:endParaRPr lang="en-CA" dirty="0"/>
-          </a:p>
-          <a:p>
-            <a:pPr marL="514350" indent="-514350">
-              <a:buFont typeface="+mj-lt"/>
-              <a:buAutoNum type="arabicPeriod"/>
-            </a:pPr>
-            <a:r>
-              <a:rPr lang="en-CA" dirty="0"/>
-              <a:t>Advanced Git functions</a:t>
-            </a:r>
-          </a:p>
-          <a:p>
-            <a:pPr marL="457088" lvl="1" indent="0">
-              <a:buNone/>
-            </a:pPr>
-            <a:endParaRPr lang="en-CA" dirty="0"/>
-          </a:p>
-          <a:p>
-            <a:pPr marL="514350" indent="-514350">
-              <a:buFont typeface="+mj-lt"/>
-              <a:buAutoNum type="arabicPeriod"/>
-            </a:pPr>
-            <a:r>
-              <a:rPr lang="en-CA" dirty="0"/>
-              <a:t>Working with GitHub</a:t>
-            </a:r>
-          </a:p>
-          <a:p>
-            <a:pPr marL="514350" indent="-514350">
-              <a:buFont typeface="+mj-lt"/>
-              <a:buAutoNum type="arabicPeriod"/>
-            </a:pPr>
-            <a:endParaRPr lang="en-CA" dirty="0"/>
-          </a:p>
-          <a:p>
-            <a:pPr marL="514350" indent="-514350">
-              <a:buFont typeface="+mj-lt"/>
-              <a:buAutoNum type="arabicPeriod"/>
-            </a:pPr>
-            <a:r>
-              <a:rPr lang="en-CA" dirty="0"/>
-              <a:t>Conclusions</a:t>
-            </a:r>
-          </a:p>
-        </p:txBody>
-      </p:sp>
-    </p:spTree>
-    <p:extLst>
-      <p:ext uri="{BB962C8B-B14F-4D97-AF65-F5344CB8AC3E}">
-        <p14:creationId xmlns:p14="http://schemas.microsoft.com/office/powerpoint/2010/main" val="1592450976"/>
-      </p:ext>
-    </p:extLst>
-  </p:cSld>
-  <p:clrMapOvr>
-    <a:masterClrMapping/>
-  </p:clrMapOvr>
-</p:sld>
-</file>
-
-<file path=ppt/slides/slide30.xml><?xml version="1.0" encoding="utf-8"?>
+<file path=ppt/slides/slide36.xml><?xml version="1.0" encoding="utf-8"?>
 <p:sld xmlns:a="http://schemas.openxmlformats.org/drawingml/2006/main" xmlns:r="http://schemas.openxmlformats.org/officeDocument/2006/relationships" xmlns:p="http://schemas.openxmlformats.org/presentationml/2006/main">
   <p:cSld>
     <p:spTree>
@@ -16642,7 +18422,7 @@
 </p:sld>
 </file>
 
-<file path=ppt/slides/slide31.xml><?xml version="1.0" encoding="utf-8"?>
+<file path=ppt/slides/slide37.xml><?xml version="1.0" encoding="utf-8"?>
 <p:sld xmlns:a="http://schemas.openxmlformats.org/drawingml/2006/main" xmlns:r="http://schemas.openxmlformats.org/officeDocument/2006/relationships" xmlns:p="http://schemas.openxmlformats.org/presentationml/2006/main">
   <p:cSld>
     <p:spTree>
@@ -16932,7 +18712,7 @@
 </p:sld>
 </file>
 
-<file path=ppt/slides/slide32.xml><?xml version="1.0" encoding="utf-8"?>
+<file path=ppt/slides/slide38.xml><?xml version="1.0" encoding="utf-8"?>
 <p:sld xmlns:a="http://schemas.openxmlformats.org/drawingml/2006/main" xmlns:r="http://schemas.openxmlformats.org/officeDocument/2006/relationships" xmlns:p="http://schemas.openxmlformats.org/presentationml/2006/main">
   <p:cSld>
     <p:spTree>
@@ -17017,7 +18797,299 @@
 </p:sld>
 </file>
 
-<file path=ppt/slides/slide33.xml><?xml version="1.0" encoding="utf-8"?>
+<file path=ppt/slides/slide39.xml><?xml version="1.0" encoding="utf-8"?>
+<p:sld xmlns:a="http://schemas.openxmlformats.org/drawingml/2006/main" xmlns:r="http://schemas.openxmlformats.org/officeDocument/2006/relationships" xmlns:p="http://schemas.openxmlformats.org/presentationml/2006/main">
+  <p:cSld>
+    <p:spTree>
+      <p:nvGrpSpPr>
+        <p:cNvPr id="1" name=""/>
+        <p:cNvGrpSpPr/>
+        <p:nvPr/>
+      </p:nvGrpSpPr>
+      <p:grpSpPr>
+        <a:xfrm>
+          <a:off x="0" y="0"/>
+          <a:ext cx="0" cy="0"/>
+          <a:chOff x="0" y="0"/>
+          <a:chExt cx="0" cy="0"/>
+        </a:xfrm>
+      </p:grpSpPr>
+      <p:sp>
+        <p:nvSpPr>
+          <p:cNvPr id="2" name="Text Placeholder 1">
+            <a:extLst>
+              <a:ext uri="{FF2B5EF4-FFF2-40B4-BE49-F238E27FC236}">
+                <a16:creationId xmlns:a16="http://schemas.microsoft.com/office/drawing/2014/main" id="{F30F071A-0450-8F6E-F28D-8124D7A90523}"/>
+              </a:ext>
+            </a:extLst>
+          </p:cNvPr>
+          <p:cNvSpPr>
+            <a:spLocks noGrp="1"/>
+          </p:cNvSpPr>
+          <p:nvPr>
+            <p:ph type="body" sz="quarter" idx="10"/>
+          </p:nvPr>
+        </p:nvSpPr>
+        <p:spPr/>
+        <p:txBody>
+          <a:bodyPr>
+            <a:normAutofit fontScale="92500" lnSpcReduction="20000"/>
+          </a:bodyPr>
+          <a:lstStyle/>
+          <a:p>
+            <a:pPr marL="0" indent="0">
+              <a:buNone/>
+            </a:pPr>
+            <a:r>
+              <a:rPr lang="en-CA" b="1" dirty="0"/>
+              <a:t>Activity #5 – Resolving Conflicts</a:t>
+            </a:r>
+          </a:p>
+          <a:p>
+            <a:pPr marL="514350" indent="-514350">
+              <a:buFont typeface="+mj-lt"/>
+              <a:buAutoNum type="arabicPeriod"/>
+            </a:pPr>
+            <a:r>
+              <a:rPr lang="en-CA" dirty="0"/>
+              <a:t>In both branches, make a change on the </a:t>
+            </a:r>
+            <a:r>
+              <a:rPr lang="en-CA" b="1" dirty="0"/>
+              <a:t>same line</a:t>
+            </a:r>
+            <a:r>
+              <a:rPr lang="en-CA" dirty="0"/>
+              <a:t> and commit it</a:t>
+            </a:r>
+          </a:p>
+          <a:p>
+            <a:pPr marL="514350" indent="-514350">
+              <a:buFont typeface="+mj-lt"/>
+              <a:buAutoNum type="arabicPeriod"/>
+            </a:pPr>
+            <a:endParaRPr lang="en-CA" dirty="0"/>
+          </a:p>
+          <a:p>
+            <a:pPr marL="514350" indent="-514350">
+              <a:buFont typeface="+mj-lt"/>
+              <a:buAutoNum type="arabicPeriod"/>
+            </a:pPr>
+            <a:r>
+              <a:rPr lang="en-CA" dirty="0"/>
+              <a:t>Try and merge your second branch into the main</a:t>
+            </a:r>
+          </a:p>
+          <a:p>
+            <a:pPr marL="514350" indent="-514350">
+              <a:buFont typeface="+mj-lt"/>
+              <a:buAutoNum type="arabicPeriod"/>
+            </a:pPr>
+            <a:endParaRPr lang="en-CA" dirty="0"/>
+          </a:p>
+          <a:p>
+            <a:pPr marL="514350" indent="-514350">
+              <a:buFont typeface="+mj-lt"/>
+              <a:buAutoNum type="arabicPeriod"/>
+            </a:pPr>
+            <a:r>
+              <a:rPr lang="en-CA" dirty="0"/>
+              <a:t>When the merge conflict occurs, open the text file and resolve the issue</a:t>
+            </a:r>
+          </a:p>
+          <a:p>
+            <a:pPr marL="514350" indent="-514350">
+              <a:buFont typeface="+mj-lt"/>
+              <a:buAutoNum type="arabicPeriod"/>
+            </a:pPr>
+            <a:endParaRPr lang="en-CA" dirty="0"/>
+          </a:p>
+          <a:p>
+            <a:pPr marL="514350" indent="-514350">
+              <a:buFont typeface="+mj-lt"/>
+              <a:buAutoNum type="arabicPeriod"/>
+            </a:pPr>
+            <a:r>
+              <a:rPr lang="en-CA" dirty="0"/>
+              <a:t>Try to merge again</a:t>
+            </a:r>
+          </a:p>
+          <a:p>
+            <a:pPr marL="514350" indent="-514350">
+              <a:buFont typeface="+mj-lt"/>
+              <a:buAutoNum type="arabicPeriod"/>
+            </a:pPr>
+            <a:endParaRPr lang="en-CA" dirty="0"/>
+          </a:p>
+          <a:p>
+            <a:pPr marL="514350" indent="-514350">
+              <a:buFont typeface="+mj-lt"/>
+              <a:buAutoNum type="arabicPeriod"/>
+            </a:pPr>
+            <a:r>
+              <a:rPr lang="en-CA" dirty="0"/>
+              <a:t>Look at your commit history, how is your resolved merge shown in the commit?</a:t>
+            </a:r>
+          </a:p>
+        </p:txBody>
+      </p:sp>
+    </p:spTree>
+    <p:extLst>
+      <p:ext uri="{BB962C8B-B14F-4D97-AF65-F5344CB8AC3E}">
+        <p14:creationId xmlns:p14="http://schemas.microsoft.com/office/powerpoint/2010/main" val="1616421621"/>
+      </p:ext>
+    </p:extLst>
+  </p:cSld>
+  <p:clrMapOvr>
+    <a:masterClrMapping/>
+  </p:clrMapOvr>
+</p:sld>
+</file>
+
+<file path=ppt/slides/slide4.xml><?xml version="1.0" encoding="utf-8"?>
+<p:sld xmlns:a="http://schemas.openxmlformats.org/drawingml/2006/main" xmlns:r="http://schemas.openxmlformats.org/officeDocument/2006/relationships" xmlns:p="http://schemas.openxmlformats.org/presentationml/2006/main">
+  <p:cSld>
+    <p:spTree>
+      <p:nvGrpSpPr>
+        <p:cNvPr id="1" name=""/>
+        <p:cNvGrpSpPr/>
+        <p:nvPr/>
+      </p:nvGrpSpPr>
+      <p:grpSpPr>
+        <a:xfrm>
+          <a:off x="0" y="0"/>
+          <a:ext cx="0" cy="0"/>
+          <a:chOff x="0" y="0"/>
+          <a:chExt cx="0" cy="0"/>
+        </a:xfrm>
+      </p:grpSpPr>
+      <p:sp>
+        <p:nvSpPr>
+          <p:cNvPr id="2" name="Text Placeholder 1">
+            <a:extLst>
+              <a:ext uri="{FF2B5EF4-FFF2-40B4-BE49-F238E27FC236}">
+                <a16:creationId xmlns:a16="http://schemas.microsoft.com/office/drawing/2014/main" id="{FC7A004E-DF48-DFF4-8D27-CC4C90721AC0}"/>
+              </a:ext>
+            </a:extLst>
+          </p:cNvPr>
+          <p:cNvSpPr>
+            <a:spLocks noGrp="1"/>
+          </p:cNvSpPr>
+          <p:nvPr>
+            <p:ph type="body" sz="quarter" idx="10"/>
+          </p:nvPr>
+        </p:nvSpPr>
+        <p:spPr/>
+        <p:txBody>
+          <a:bodyPr>
+            <a:normAutofit lnSpcReduction="10000"/>
+          </a:bodyPr>
+          <a:lstStyle/>
+          <a:p>
+            <a:pPr marL="0" indent="0">
+              <a:buNone/>
+            </a:pPr>
+            <a:r>
+              <a:rPr lang="en-CA" b="1" dirty="0"/>
+              <a:t>Hands-on Activities:</a:t>
+            </a:r>
+          </a:p>
+          <a:p>
+            <a:r>
+              <a:rPr lang="en-CA" dirty="0"/>
+              <a:t>Quick Review Polls</a:t>
+            </a:r>
+          </a:p>
+          <a:p>
+            <a:r>
+              <a:rPr lang="en-CA" dirty="0"/>
+              <a:t>Git/GitHub exercises</a:t>
+            </a:r>
+          </a:p>
+          <a:p>
+            <a:pPr marL="0" indent="0">
+              <a:buNone/>
+            </a:pPr>
+            <a:endParaRPr lang="en-CA" b="1" dirty="0"/>
+          </a:p>
+          <a:p>
+            <a:pPr marL="0" indent="0">
+              <a:buNone/>
+            </a:pPr>
+            <a:r>
+              <a:rPr lang="en-CA" b="1" dirty="0"/>
+              <a:t>What you will need:</a:t>
+            </a:r>
+          </a:p>
+          <a:p>
+            <a:pPr marL="514350" indent="-514350">
+              <a:buFont typeface="+mj-lt"/>
+              <a:buAutoNum type="arabicPeriod"/>
+            </a:pPr>
+            <a:r>
+              <a:rPr lang="en-CA" dirty="0"/>
+              <a:t>GitHub Desktop App</a:t>
+            </a:r>
+          </a:p>
+          <a:p>
+            <a:pPr marL="514350" indent="-514350">
+              <a:buFont typeface="+mj-lt"/>
+              <a:buAutoNum type="arabicPeriod"/>
+            </a:pPr>
+            <a:r>
+              <a:rPr lang="en-CA" dirty="0"/>
+              <a:t>A Text editor</a:t>
+            </a:r>
+          </a:p>
+          <a:p>
+            <a:pPr marL="0" indent="0">
+              <a:buNone/>
+            </a:pPr>
+            <a:endParaRPr lang="en-CA" dirty="0"/>
+          </a:p>
+          <a:p>
+            <a:pPr marL="0" indent="0">
+              <a:buNone/>
+            </a:pPr>
+            <a:r>
+              <a:rPr lang="en-CA" b="1" dirty="0"/>
+              <a:t>Note</a:t>
+            </a:r>
+            <a:r>
+              <a:rPr lang="en-CA" dirty="0"/>
+              <a:t>: Feel free to complete the workshop through the terminal</a:t>
+            </a:r>
+            <a:endParaRPr lang="en-CA" b="1" dirty="0"/>
+          </a:p>
+          <a:p>
+            <a:pPr marL="514350" indent="-514350">
+              <a:buFont typeface="+mj-lt"/>
+              <a:buAutoNum type="arabicPeriod"/>
+            </a:pPr>
+            <a:endParaRPr lang="en-CA" dirty="0"/>
+          </a:p>
+          <a:p>
+            <a:pPr marL="0" indent="0">
+              <a:buNone/>
+            </a:pPr>
+            <a:endParaRPr lang="en-CA" dirty="0"/>
+          </a:p>
+        </p:txBody>
+      </p:sp>
+    </p:spTree>
+    <p:extLst>
+      <p:ext uri="{BB962C8B-B14F-4D97-AF65-F5344CB8AC3E}">
+        <p14:creationId xmlns:p14="http://schemas.microsoft.com/office/powerpoint/2010/main" val="4043592756"/>
+      </p:ext>
+    </p:extLst>
+  </p:cSld>
+  <p:clrMapOvr>
+    <a:masterClrMapping/>
+  </p:clrMapOvr>
+</p:sld>
+</file>
+
+<file path=ppt/slides/slide40.xml><?xml version="1.0" encoding="utf-8"?>
 <p:sld xmlns:a="http://schemas.openxmlformats.org/drawingml/2006/main" xmlns:r="http://schemas.openxmlformats.org/officeDocument/2006/relationships" xmlns:p="http://schemas.openxmlformats.org/presentationml/2006/main">
   <p:cSld>
     <p:spTree>
@@ -17105,7 +19177,7 @@
 </p:sld>
 </file>
 
-<file path=ppt/slides/slide34.xml><?xml version="1.0" encoding="utf-8"?>
+<file path=ppt/slides/slide41.xml><?xml version="1.0" encoding="utf-8"?>
 <p:sld xmlns:a="http://schemas.openxmlformats.org/drawingml/2006/main" xmlns:r="http://schemas.openxmlformats.org/officeDocument/2006/relationships" xmlns:p="http://schemas.openxmlformats.org/presentationml/2006/main">
   <p:cSld>
     <p:spTree>
@@ -17400,7 +19472,7 @@
 </p:sld>
 </file>
 
-<file path=ppt/slides/slide35.xml><?xml version="1.0" encoding="utf-8"?>
+<file path=ppt/slides/slide42.xml><?xml version="1.0" encoding="utf-8"?>
 <p:sld xmlns:a="http://schemas.openxmlformats.org/drawingml/2006/main" xmlns:r="http://schemas.openxmlformats.org/officeDocument/2006/relationships" xmlns:p="http://schemas.openxmlformats.org/presentationml/2006/main">
   <p:cSld>
     <p:spTree>
@@ -17458,7 +19530,7 @@
 </p:sld>
 </file>
 
-<file path=ppt/slides/slide36.xml><?xml version="1.0" encoding="utf-8"?>
+<file path=ppt/slides/slide43.xml><?xml version="1.0" encoding="utf-8"?>
 <p:sld xmlns:a="http://schemas.openxmlformats.org/drawingml/2006/main" xmlns:r="http://schemas.openxmlformats.org/officeDocument/2006/relationships" xmlns:p="http://schemas.openxmlformats.org/presentationml/2006/main">
   <p:cSld>
     <p:spTree>
@@ -17516,7 +19588,7 @@
 </p:sld>
 </file>
 
-<file path=ppt/slides/slide37.xml><?xml version="1.0" encoding="utf-8"?>
+<file path=ppt/slides/slide44.xml><?xml version="1.0" encoding="utf-8"?>
 <p:sld xmlns:a="http://schemas.openxmlformats.org/drawingml/2006/main" xmlns:r="http://schemas.openxmlformats.org/officeDocument/2006/relationships" xmlns:p="http://schemas.openxmlformats.org/presentationml/2006/main">
   <p:cSld>
     <p:spTree>
@@ -17679,7 +19751,7 @@
 </p:sld>
 </file>
 
-<file path=ppt/slides/slide38.xml><?xml version="1.0" encoding="utf-8"?>
+<file path=ppt/slides/slide45.xml><?xml version="1.0" encoding="utf-8"?>
 <p:sld xmlns:a="http://schemas.openxmlformats.org/drawingml/2006/main" xmlns:r="http://schemas.openxmlformats.org/officeDocument/2006/relationships" xmlns:p="http://schemas.openxmlformats.org/presentationml/2006/main">
   <p:cSld>
     <p:spTree>
@@ -17764,7 +19836,7 @@
 </p:sld>
 </file>
 
-<file path=ppt/slides/slide39.xml><?xml version="1.0" encoding="utf-8"?>
+<file path=ppt/slides/slide46.xml><?xml version="1.0" encoding="utf-8"?>
 <p:sld xmlns:a="http://schemas.openxmlformats.org/drawingml/2006/main" xmlns:r="http://schemas.openxmlformats.org/officeDocument/2006/relationships" xmlns:p="http://schemas.openxmlformats.org/presentationml/2006/main">
   <p:cSld>
     <p:spTree>
@@ -17882,150 +19954,7 @@
 </p:sld>
 </file>
 
-<file path=ppt/slides/slide4.xml><?xml version="1.0" encoding="utf-8"?>
-<p:sld xmlns:a="http://schemas.openxmlformats.org/drawingml/2006/main" xmlns:r="http://schemas.openxmlformats.org/officeDocument/2006/relationships" xmlns:p="http://schemas.openxmlformats.org/presentationml/2006/main">
-  <p:cSld>
-    <p:spTree>
-      <p:nvGrpSpPr>
-        <p:cNvPr id="1" name=""/>
-        <p:cNvGrpSpPr/>
-        <p:nvPr/>
-      </p:nvGrpSpPr>
-      <p:grpSpPr>
-        <a:xfrm>
-          <a:off x="0" y="0"/>
-          <a:ext cx="0" cy="0"/>
-          <a:chOff x="0" y="0"/>
-          <a:chExt cx="0" cy="0"/>
-        </a:xfrm>
-      </p:grpSpPr>
-      <p:sp>
-        <p:nvSpPr>
-          <p:cNvPr id="2" name="Text Placeholder 1">
-            <a:extLst>
-              <a:ext uri="{FF2B5EF4-FFF2-40B4-BE49-F238E27FC236}">
-                <a16:creationId xmlns:a16="http://schemas.microsoft.com/office/drawing/2014/main" id="{FC7A004E-DF48-DFF4-8D27-CC4C90721AC0}"/>
-              </a:ext>
-            </a:extLst>
-          </p:cNvPr>
-          <p:cNvSpPr>
-            <a:spLocks noGrp="1"/>
-          </p:cNvSpPr>
-          <p:nvPr>
-            <p:ph type="body" sz="quarter" idx="10"/>
-          </p:nvPr>
-        </p:nvSpPr>
-        <p:spPr/>
-        <p:txBody>
-          <a:bodyPr>
-            <a:normAutofit lnSpcReduction="10000"/>
-          </a:bodyPr>
-          <a:lstStyle/>
-          <a:p>
-            <a:pPr marL="0" indent="0">
-              <a:buNone/>
-            </a:pPr>
-            <a:r>
-              <a:rPr lang="en-CA" b="1" dirty="0"/>
-              <a:t>Hands-on Activities:</a:t>
-            </a:r>
-          </a:p>
-          <a:p>
-            <a:r>
-              <a:rPr lang="en-CA" dirty="0"/>
-              <a:t>Quick Review Polls</a:t>
-            </a:r>
-          </a:p>
-          <a:p>
-            <a:r>
-              <a:rPr lang="en-CA" dirty="0"/>
-              <a:t>Git/GitHub exercises</a:t>
-            </a:r>
-          </a:p>
-          <a:p>
-            <a:pPr marL="0" indent="0">
-              <a:buNone/>
-            </a:pPr>
-            <a:endParaRPr lang="en-CA" b="1" dirty="0"/>
-          </a:p>
-          <a:p>
-            <a:pPr marL="0" indent="0">
-              <a:buNone/>
-            </a:pPr>
-            <a:r>
-              <a:rPr lang="en-CA" b="1" dirty="0"/>
-              <a:t>What you will need:</a:t>
-            </a:r>
-          </a:p>
-          <a:p>
-            <a:pPr marL="514350" indent="-514350">
-              <a:buFont typeface="+mj-lt"/>
-              <a:buAutoNum type="arabicPeriod"/>
-            </a:pPr>
-            <a:r>
-              <a:rPr lang="en-CA" dirty="0"/>
-              <a:t>GitHub Desktop App</a:t>
-            </a:r>
-          </a:p>
-          <a:p>
-            <a:pPr marL="514350" indent="-514350">
-              <a:buFont typeface="+mj-lt"/>
-              <a:buAutoNum type="arabicPeriod"/>
-            </a:pPr>
-            <a:r>
-              <a:rPr lang="en-CA" dirty="0"/>
-              <a:t>A Text editor</a:t>
-            </a:r>
-          </a:p>
-          <a:p>
-            <a:pPr marL="0" indent="0">
-              <a:buNone/>
-            </a:pPr>
-            <a:endParaRPr lang="en-CA" dirty="0"/>
-          </a:p>
-          <a:p>
-            <a:pPr marL="0" indent="0">
-              <a:buNone/>
-            </a:pPr>
-            <a:r>
-              <a:rPr lang="en-CA" b="1" dirty="0"/>
-              <a:t>Note</a:t>
-            </a:r>
-            <a:r>
-              <a:rPr lang="en-CA" dirty="0"/>
-              <a:t>: Feel free to complete the workshop through the terminal</a:t>
-            </a:r>
-            <a:endParaRPr lang="en-CA" b="1" dirty="0"/>
-          </a:p>
-          <a:p>
-            <a:pPr marL="514350" indent="-514350">
-              <a:buFont typeface="+mj-lt"/>
-              <a:buAutoNum type="arabicPeriod"/>
-            </a:pPr>
-            <a:endParaRPr lang="en-CA" dirty="0"/>
-          </a:p>
-          <a:p>
-            <a:pPr marL="0" indent="0">
-              <a:buNone/>
-            </a:pPr>
-            <a:endParaRPr lang="en-CA" dirty="0"/>
-          </a:p>
-        </p:txBody>
-      </p:sp>
-    </p:spTree>
-    <p:extLst>
-      <p:ext uri="{BB962C8B-B14F-4D97-AF65-F5344CB8AC3E}">
-        <p14:creationId xmlns:p14="http://schemas.microsoft.com/office/powerpoint/2010/main" val="4043592756"/>
-      </p:ext>
-    </p:extLst>
-  </p:cSld>
-  <p:clrMapOvr>
-    <a:masterClrMapping/>
-  </p:clrMapOvr>
-</p:sld>
-</file>
-
-<file path=ppt/slides/slide40.xml><?xml version="1.0" encoding="utf-8"?>
+<file path=ppt/slides/slide47.xml><?xml version="1.0" encoding="utf-8"?>
 <p:sld xmlns:a="http://schemas.openxmlformats.org/drawingml/2006/main" xmlns:r="http://schemas.openxmlformats.org/officeDocument/2006/relationships" xmlns:p="http://schemas.openxmlformats.org/presentationml/2006/main">
   <p:cSld>
     <p:spTree>
@@ -18110,7 +20039,7 @@
 </p:sld>
 </file>
 
-<file path=ppt/slides/slide41.xml><?xml version="1.0" encoding="utf-8"?>
+<file path=ppt/slides/slide48.xml><?xml version="1.0" encoding="utf-8"?>
 <p:sld xmlns:a="http://schemas.openxmlformats.org/drawingml/2006/main" xmlns:r="http://schemas.openxmlformats.org/officeDocument/2006/relationships" xmlns:p="http://schemas.openxmlformats.org/presentationml/2006/main">
   <p:cSld>
     <p:spTree>
@@ -18151,6 +20080,100 @@
             <a:pPr marL="0" indent="0">
               <a:buNone/>
             </a:pPr>
+            <a:r>
+              <a:rPr lang="en-CA" b="1" dirty="0"/>
+              <a:t>Activity #6 – Pushing commits to GitHub</a:t>
+            </a:r>
+          </a:p>
+          <a:p>
+            <a:pPr marL="0" indent="0">
+              <a:buNone/>
+            </a:pPr>
+            <a:endParaRPr lang="en-CA" b="1" dirty="0"/>
+          </a:p>
+          <a:p>
+            <a:pPr marL="514350" indent="-514350">
+              <a:buFont typeface="+mj-lt"/>
+              <a:buAutoNum type="arabicPeriod"/>
+            </a:pPr>
+            <a:r>
+              <a:rPr lang="en-CA" dirty="0"/>
+              <a:t>Click the “Publish Repository” button</a:t>
+            </a:r>
+          </a:p>
+          <a:p>
+            <a:pPr marL="514350" indent="-514350">
+              <a:buFont typeface="+mj-lt"/>
+              <a:buAutoNum type="arabicPeriod"/>
+            </a:pPr>
+            <a:endParaRPr lang="en-CA" dirty="0"/>
+          </a:p>
+          <a:p>
+            <a:pPr marL="514350" indent="-514350">
+              <a:buFont typeface="+mj-lt"/>
+              <a:buAutoNum type="arabicPeriod"/>
+            </a:pPr>
+            <a:r>
+              <a:rPr lang="en-CA" dirty="0"/>
+              <a:t>Now open your GitHub account in the browser and find your repository. See if your commit history is the same as in your local repo.</a:t>
+            </a:r>
+          </a:p>
+        </p:txBody>
+      </p:sp>
+    </p:spTree>
+    <p:extLst>
+      <p:ext uri="{BB962C8B-B14F-4D97-AF65-F5344CB8AC3E}">
+        <p14:creationId xmlns:p14="http://schemas.microsoft.com/office/powerpoint/2010/main" val="1796213204"/>
+      </p:ext>
+    </p:extLst>
+  </p:cSld>
+  <p:clrMapOvr>
+    <a:masterClrMapping/>
+  </p:clrMapOvr>
+</p:sld>
+</file>
+
+<file path=ppt/slides/slide49.xml><?xml version="1.0" encoding="utf-8"?>
+<p:sld xmlns:a="http://schemas.openxmlformats.org/drawingml/2006/main" xmlns:r="http://schemas.openxmlformats.org/officeDocument/2006/relationships" xmlns:p="http://schemas.openxmlformats.org/presentationml/2006/main">
+  <p:cSld>
+    <p:spTree>
+      <p:nvGrpSpPr>
+        <p:cNvPr id="1" name=""/>
+        <p:cNvGrpSpPr/>
+        <p:nvPr/>
+      </p:nvGrpSpPr>
+      <p:grpSpPr>
+        <a:xfrm>
+          <a:off x="0" y="0"/>
+          <a:ext cx="0" cy="0"/>
+          <a:chOff x="0" y="0"/>
+          <a:chExt cx="0" cy="0"/>
+        </a:xfrm>
+      </p:grpSpPr>
+      <p:sp>
+        <p:nvSpPr>
+          <p:cNvPr id="2" name="Text Placeholder 1">
+            <a:extLst>
+              <a:ext uri="{FF2B5EF4-FFF2-40B4-BE49-F238E27FC236}">
+                <a16:creationId xmlns:a16="http://schemas.microsoft.com/office/drawing/2014/main" id="{F30F071A-0450-8F6E-F28D-8124D7A90523}"/>
+              </a:ext>
+            </a:extLst>
+          </p:cNvPr>
+          <p:cNvSpPr>
+            <a:spLocks noGrp="1"/>
+          </p:cNvSpPr>
+          <p:nvPr>
+            <p:ph type="body" sz="quarter" idx="10"/>
+          </p:nvPr>
+        </p:nvSpPr>
+        <p:spPr/>
+        <p:txBody>
+          <a:bodyPr/>
+          <a:lstStyle/>
+          <a:p>
+            <a:pPr marL="0" indent="0">
+              <a:buNone/>
+            </a:pPr>
             <a:endParaRPr lang="en-CA" b="1" dirty="0"/>
           </a:p>
           <a:p>
@@ -18195,7 +20218,229 @@
 </p:sld>
 </file>
 
-<file path=ppt/slides/slide42.xml><?xml version="1.0" encoding="utf-8"?>
+<file path=ppt/slides/slide5.xml><?xml version="1.0" encoding="utf-8"?>
+<p:sld xmlns:a="http://schemas.openxmlformats.org/drawingml/2006/main" xmlns:r="http://schemas.openxmlformats.org/officeDocument/2006/relationships" xmlns:p="http://schemas.openxmlformats.org/presentationml/2006/main">
+  <p:cSld>
+    <p:spTree>
+      <p:nvGrpSpPr>
+        <p:cNvPr id="1" name=""/>
+        <p:cNvGrpSpPr/>
+        <p:nvPr/>
+      </p:nvGrpSpPr>
+      <p:grpSpPr>
+        <a:xfrm>
+          <a:off x="0" y="0"/>
+          <a:ext cx="0" cy="0"/>
+          <a:chOff x="0" y="0"/>
+          <a:chExt cx="0" cy="0"/>
+        </a:xfrm>
+      </p:grpSpPr>
+      <p:sp>
+        <p:nvSpPr>
+          <p:cNvPr id="2" name="Text Placeholder 1">
+            <a:extLst>
+              <a:ext uri="{FF2B5EF4-FFF2-40B4-BE49-F238E27FC236}">
+                <a16:creationId xmlns:a16="http://schemas.microsoft.com/office/drawing/2014/main" id="{09E2662B-C95B-76DF-8523-2BDCBE3A731E}"/>
+              </a:ext>
+            </a:extLst>
+          </p:cNvPr>
+          <p:cNvSpPr>
+            <a:spLocks noGrp="1"/>
+          </p:cNvSpPr>
+          <p:nvPr>
+            <p:ph type="body" sz="quarter" idx="10"/>
+          </p:nvPr>
+        </p:nvSpPr>
+        <p:spPr/>
+        <p:txBody>
+          <a:bodyPr/>
+          <a:lstStyle/>
+          <a:p>
+            <a:pPr marL="0" indent="0">
+              <a:buNone/>
+            </a:pPr>
+            <a:r>
+              <a:rPr lang="en-CA" b="1" dirty="0"/>
+              <a:t>What you WILL learn</a:t>
+            </a:r>
+          </a:p>
+          <a:p>
+            <a:r>
+              <a:rPr lang="en-CA" dirty="0"/>
+              <a:t>Basic theory and features behind Git and GitHub</a:t>
+            </a:r>
+          </a:p>
+          <a:p>
+            <a:r>
+              <a:rPr lang="en-CA" dirty="0"/>
+              <a:t>How to manage local and remote repositories</a:t>
+            </a:r>
+          </a:p>
+          <a:p>
+            <a:pPr marL="0" indent="0">
+              <a:buNone/>
+            </a:pPr>
+            <a:endParaRPr lang="en-CA" dirty="0"/>
+          </a:p>
+          <a:p>
+            <a:pPr marL="0" indent="0">
+              <a:buNone/>
+            </a:pPr>
+            <a:r>
+              <a:rPr lang="en-CA" b="1" dirty="0"/>
+              <a:t>What you will NOT learn</a:t>
+            </a:r>
+          </a:p>
+          <a:p>
+            <a:r>
+              <a:rPr lang="en-CA" dirty="0"/>
+              <a:t>How to code</a:t>
+            </a:r>
+          </a:p>
+          <a:p>
+            <a:r>
+              <a:rPr lang="en-CA" dirty="0"/>
+              <a:t>Data Analysis</a:t>
+            </a:r>
+          </a:p>
+        </p:txBody>
+      </p:sp>
+    </p:spTree>
+    <p:extLst>
+      <p:ext uri="{BB962C8B-B14F-4D97-AF65-F5344CB8AC3E}">
+        <p14:creationId xmlns:p14="http://schemas.microsoft.com/office/powerpoint/2010/main" val="2837531258"/>
+      </p:ext>
+    </p:extLst>
+  </p:cSld>
+  <p:clrMapOvr>
+    <a:masterClrMapping/>
+  </p:clrMapOvr>
+</p:sld>
+</file>
+
+<file path=ppt/slides/slide50.xml><?xml version="1.0" encoding="utf-8"?>
+<p:sld xmlns:a="http://schemas.openxmlformats.org/drawingml/2006/main" xmlns:r="http://schemas.openxmlformats.org/officeDocument/2006/relationships" xmlns:p="http://schemas.openxmlformats.org/presentationml/2006/main">
+  <p:cSld>
+    <p:spTree>
+      <p:nvGrpSpPr>
+        <p:cNvPr id="1" name=""/>
+        <p:cNvGrpSpPr/>
+        <p:nvPr/>
+      </p:nvGrpSpPr>
+      <p:grpSpPr>
+        <a:xfrm>
+          <a:off x="0" y="0"/>
+          <a:ext cx="0" cy="0"/>
+          <a:chOff x="0" y="0"/>
+          <a:chExt cx="0" cy="0"/>
+        </a:xfrm>
+      </p:grpSpPr>
+      <p:sp>
+        <p:nvSpPr>
+          <p:cNvPr id="2" name="Text Placeholder 1">
+            <a:extLst>
+              <a:ext uri="{FF2B5EF4-FFF2-40B4-BE49-F238E27FC236}">
+                <a16:creationId xmlns:a16="http://schemas.microsoft.com/office/drawing/2014/main" id="{F30F071A-0450-8F6E-F28D-8124D7A90523}"/>
+              </a:ext>
+            </a:extLst>
+          </p:cNvPr>
+          <p:cNvSpPr>
+            <a:spLocks noGrp="1"/>
+          </p:cNvSpPr>
+          <p:nvPr>
+            <p:ph type="body" sz="quarter" idx="10"/>
+          </p:nvPr>
+        </p:nvSpPr>
+        <p:spPr/>
+        <p:txBody>
+          <a:bodyPr/>
+          <a:lstStyle/>
+          <a:p>
+            <a:pPr marL="0" indent="0">
+              <a:buNone/>
+            </a:pPr>
+            <a:r>
+              <a:rPr lang="en-CA" b="1" dirty="0"/>
+              <a:t>Activity #7 – Pulling Commits from GitHub</a:t>
+            </a:r>
+          </a:p>
+          <a:p>
+            <a:pPr marL="514350" indent="-514350">
+              <a:buFont typeface="+mj-lt"/>
+              <a:buAutoNum type="arabicPeriod"/>
+            </a:pPr>
+            <a:r>
+              <a:rPr lang="en-CA" dirty="0"/>
+              <a:t>From the GitHub website, open your file and select the edit option</a:t>
+            </a:r>
+          </a:p>
+          <a:p>
+            <a:pPr marL="514350" indent="-514350">
+              <a:buFont typeface="+mj-lt"/>
+              <a:buAutoNum type="arabicPeriod"/>
+            </a:pPr>
+            <a:endParaRPr lang="en-CA" dirty="0"/>
+          </a:p>
+          <a:p>
+            <a:pPr marL="514350" indent="-514350">
+              <a:buFont typeface="+mj-lt"/>
+              <a:buAutoNum type="arabicPeriod"/>
+            </a:pPr>
+            <a:r>
+              <a:rPr lang="en-CA" dirty="0"/>
+              <a:t>Make a change to the file and commit it.</a:t>
+            </a:r>
+          </a:p>
+          <a:p>
+            <a:pPr marL="514350" indent="-514350">
+              <a:buFont typeface="+mj-lt"/>
+              <a:buAutoNum type="arabicPeriod"/>
+            </a:pPr>
+            <a:endParaRPr lang="en-CA" dirty="0"/>
+          </a:p>
+          <a:p>
+            <a:pPr marL="514350" indent="-514350">
+              <a:buFont typeface="+mj-lt"/>
+              <a:buAutoNum type="arabicPeriod"/>
+            </a:pPr>
+            <a:r>
+              <a:rPr lang="en-CA" dirty="0"/>
+              <a:t>Return to the desktop app and do Repository -&gt; Pull</a:t>
+            </a:r>
+          </a:p>
+          <a:p>
+            <a:pPr marL="514350" indent="-514350">
+              <a:buFont typeface="+mj-lt"/>
+              <a:buAutoNum type="arabicPeriod"/>
+            </a:pPr>
+            <a:endParaRPr lang="en-CA" dirty="0"/>
+          </a:p>
+          <a:p>
+            <a:pPr marL="514350" indent="-514350">
+              <a:buFont typeface="+mj-lt"/>
+              <a:buAutoNum type="arabicPeriod"/>
+            </a:pPr>
+            <a:r>
+              <a:rPr lang="en-CA" dirty="0"/>
+              <a:t>Look at your commit history and your file, what do you see?</a:t>
+            </a:r>
+          </a:p>
+        </p:txBody>
+      </p:sp>
+    </p:spTree>
+    <p:extLst>
+      <p:ext uri="{BB962C8B-B14F-4D97-AF65-F5344CB8AC3E}">
+        <p14:creationId xmlns:p14="http://schemas.microsoft.com/office/powerpoint/2010/main" val="3513683659"/>
+      </p:ext>
+    </p:extLst>
+  </p:cSld>
+  <p:clrMapOvr>
+    <a:masterClrMapping/>
+  </p:clrMapOvr>
+</p:sld>
+</file>
+
+<file path=ppt/slides/slide51.xml><?xml version="1.0" encoding="utf-8"?>
 <p:sld xmlns:a="http://schemas.openxmlformats.org/drawingml/2006/main" xmlns:r="http://schemas.openxmlformats.org/officeDocument/2006/relationships" xmlns:p="http://schemas.openxmlformats.org/presentationml/2006/main">
   <p:cSld>
     <p:spTree>
@@ -18360,7 +20605,7 @@
 </p:sld>
 </file>
 
-<file path=ppt/slides/slide43.xml><?xml version="1.0" encoding="utf-8"?>
+<file path=ppt/slides/slide52.xml><?xml version="1.0" encoding="utf-8"?>
 <p:sld xmlns:a="http://schemas.openxmlformats.org/drawingml/2006/main" xmlns:r="http://schemas.openxmlformats.org/officeDocument/2006/relationships" xmlns:p="http://schemas.openxmlformats.org/presentationml/2006/main">
   <p:cSld>
     <p:spTree>
@@ -18454,7 +20699,146 @@
 </p:sld>
 </file>
 
-<file path=ppt/slides/slide44.xml><?xml version="1.0" encoding="utf-8"?>
+<file path=ppt/slides/slide53.xml><?xml version="1.0" encoding="utf-8"?>
+<p:sld xmlns:a="http://schemas.openxmlformats.org/drawingml/2006/main" xmlns:r="http://schemas.openxmlformats.org/officeDocument/2006/relationships" xmlns:p="http://schemas.openxmlformats.org/presentationml/2006/main">
+  <p:cSld>
+    <p:spTree>
+      <p:nvGrpSpPr>
+        <p:cNvPr id="1" name=""/>
+        <p:cNvGrpSpPr/>
+        <p:nvPr/>
+      </p:nvGrpSpPr>
+      <p:grpSpPr>
+        <a:xfrm>
+          <a:off x="0" y="0"/>
+          <a:ext cx="0" cy="0"/>
+          <a:chOff x="0" y="0"/>
+          <a:chExt cx="0" cy="0"/>
+        </a:xfrm>
+      </p:grpSpPr>
+      <p:sp>
+        <p:nvSpPr>
+          <p:cNvPr id="2" name="Text Placeholder 1">
+            <a:extLst>
+              <a:ext uri="{FF2B5EF4-FFF2-40B4-BE49-F238E27FC236}">
+                <a16:creationId xmlns:a16="http://schemas.microsoft.com/office/drawing/2014/main" id="{F30F071A-0450-8F6E-F28D-8124D7A90523}"/>
+              </a:ext>
+            </a:extLst>
+          </p:cNvPr>
+          <p:cNvSpPr>
+            <a:spLocks noGrp="1"/>
+          </p:cNvSpPr>
+          <p:nvPr>
+            <p:ph type="body" sz="quarter" idx="10"/>
+          </p:nvPr>
+        </p:nvSpPr>
+        <p:spPr/>
+        <p:txBody>
+          <a:bodyPr/>
+          <a:lstStyle/>
+          <a:p>
+            <a:pPr marL="0" indent="0">
+              <a:buNone/>
+            </a:pPr>
+            <a:r>
+              <a:rPr lang="en-CA" b="1" dirty="0"/>
+              <a:t>Activity #8 – Clone a Repository</a:t>
+            </a:r>
+          </a:p>
+          <a:p>
+            <a:pPr marL="514350" indent="-514350">
+              <a:buFont typeface="+mj-lt"/>
+              <a:buAutoNum type="arabicPeriod"/>
+            </a:pPr>
+            <a:r>
+              <a:rPr lang="en-CA" dirty="0"/>
+              <a:t>Go to the GitHub website and search for a repo that interests you.</a:t>
+            </a:r>
+          </a:p>
+          <a:p>
+            <a:pPr marL="514350" indent="-514350">
+              <a:buFont typeface="+mj-lt"/>
+              <a:buAutoNum type="arabicPeriod"/>
+            </a:pPr>
+            <a:endParaRPr lang="en-CA" dirty="0"/>
+          </a:p>
+          <a:p>
+            <a:pPr marL="514350" indent="-514350">
+              <a:buFont typeface="+mj-lt"/>
+              <a:buAutoNum type="arabicPeriod"/>
+            </a:pPr>
+            <a:r>
+              <a:rPr lang="en-CA" dirty="0"/>
+              <a:t>Copy the repo’s URL</a:t>
+            </a:r>
+          </a:p>
+          <a:p>
+            <a:pPr marL="514350" indent="-514350">
+              <a:buFont typeface="+mj-lt"/>
+              <a:buAutoNum type="arabicPeriod"/>
+            </a:pPr>
+            <a:endParaRPr lang="en-CA" dirty="0"/>
+          </a:p>
+          <a:p>
+            <a:pPr marL="514350" indent="-514350">
+              <a:buFont typeface="+mj-lt"/>
+              <a:buAutoNum type="arabicPeriod"/>
+            </a:pPr>
+            <a:r>
+              <a:rPr lang="en-CA" dirty="0"/>
+              <a:t>In the Desktop App, do File </a:t>
+            </a:r>
+            <a:r>
+              <a:rPr lang="en-CA" dirty="0">
+                <a:sym typeface="Wingdings" panose="05000000000000000000" pitchFamily="2" charset="2"/>
+              </a:rPr>
+              <a:t> Clone a repository and paste the URL. </a:t>
+            </a:r>
+          </a:p>
+          <a:p>
+            <a:pPr marL="514350" indent="-514350">
+              <a:buFont typeface="+mj-lt"/>
+              <a:buAutoNum type="arabicPeriod"/>
+            </a:pPr>
+            <a:endParaRPr lang="en-CA" dirty="0">
+              <a:sym typeface="Wingdings" panose="05000000000000000000" pitchFamily="2" charset="2"/>
+            </a:endParaRPr>
+          </a:p>
+          <a:p>
+            <a:pPr marL="514350" indent="-514350">
+              <a:buFont typeface="+mj-lt"/>
+              <a:buAutoNum type="arabicPeriod"/>
+            </a:pPr>
+            <a:r>
+              <a:rPr lang="en-CA" dirty="0">
+                <a:sym typeface="Wingdings" panose="05000000000000000000" pitchFamily="2" charset="2"/>
+              </a:rPr>
+              <a:t>Open the cloned repo and explore!</a:t>
+            </a:r>
+          </a:p>
+          <a:p>
+            <a:pPr marL="514350" indent="-514350">
+              <a:buFont typeface="+mj-lt"/>
+              <a:buAutoNum type="arabicPeriod"/>
+            </a:pPr>
+            <a:endParaRPr lang="en-CA" dirty="0"/>
+          </a:p>
+        </p:txBody>
+      </p:sp>
+    </p:spTree>
+    <p:extLst>
+      <p:ext uri="{BB962C8B-B14F-4D97-AF65-F5344CB8AC3E}">
+        <p14:creationId xmlns:p14="http://schemas.microsoft.com/office/powerpoint/2010/main" val="580897146"/>
+      </p:ext>
+    </p:extLst>
+  </p:cSld>
+  <p:clrMapOvr>
+    <a:masterClrMapping/>
+  </p:clrMapOvr>
+</p:sld>
+</file>
+
+<file path=ppt/slides/slide54.xml><?xml version="1.0" encoding="utf-8"?>
 <p:sld xmlns:a="http://schemas.openxmlformats.org/drawingml/2006/main" xmlns:r="http://schemas.openxmlformats.org/officeDocument/2006/relationships" xmlns:p="http://schemas.openxmlformats.org/presentationml/2006/main">
   <p:cSld>
     <p:spTree>
@@ -18585,7 +20969,7 @@
 </p:sld>
 </file>
 
-<file path=ppt/slides/slide45.xml><?xml version="1.0" encoding="utf-8"?>
+<file path=ppt/slides/slide55.xml><?xml version="1.0" encoding="utf-8"?>
 <p:sld xmlns:a="http://schemas.openxmlformats.org/drawingml/2006/main" xmlns:r="http://schemas.openxmlformats.org/officeDocument/2006/relationships" xmlns:p="http://schemas.openxmlformats.org/presentationml/2006/main">
   <p:cSld>
     <p:spTree>
@@ -18684,7 +21068,148 @@
 </p:sld>
 </file>
 
-<file path=ppt/slides/slide46.xml><?xml version="1.0" encoding="utf-8"?>
+<file path=ppt/slides/slide56.xml><?xml version="1.0" encoding="utf-8"?>
+<p:sld xmlns:a="http://schemas.openxmlformats.org/drawingml/2006/main" xmlns:r="http://schemas.openxmlformats.org/officeDocument/2006/relationships" xmlns:p="http://schemas.openxmlformats.org/presentationml/2006/main">
+  <p:cSld>
+    <p:spTree>
+      <p:nvGrpSpPr>
+        <p:cNvPr id="1" name=""/>
+        <p:cNvGrpSpPr/>
+        <p:nvPr/>
+      </p:nvGrpSpPr>
+      <p:grpSpPr>
+        <a:xfrm>
+          <a:off x="0" y="0"/>
+          <a:ext cx="0" cy="0"/>
+          <a:chOff x="0" y="0"/>
+          <a:chExt cx="0" cy="0"/>
+        </a:xfrm>
+      </p:grpSpPr>
+      <p:sp>
+        <p:nvSpPr>
+          <p:cNvPr id="2" name="Text Placeholder 1">
+            <a:extLst>
+              <a:ext uri="{FF2B5EF4-FFF2-40B4-BE49-F238E27FC236}">
+                <a16:creationId xmlns:a16="http://schemas.microsoft.com/office/drawing/2014/main" id="{F30F071A-0450-8F6E-F28D-8124D7A90523}"/>
+              </a:ext>
+            </a:extLst>
+          </p:cNvPr>
+          <p:cNvSpPr>
+            <a:spLocks noGrp="1"/>
+          </p:cNvSpPr>
+          <p:nvPr>
+            <p:ph type="body" sz="quarter" idx="10"/>
+          </p:nvPr>
+        </p:nvSpPr>
+        <p:spPr/>
+        <p:txBody>
+          <a:bodyPr>
+            <a:normAutofit fontScale="92500" lnSpcReduction="20000"/>
+          </a:bodyPr>
+          <a:lstStyle/>
+          <a:p>
+            <a:pPr marL="0" indent="0">
+              <a:buNone/>
+            </a:pPr>
+            <a:r>
+              <a:rPr lang="en-CA" b="1" dirty="0"/>
+              <a:t>Activity #9 – Fork a Repo and make a Pull Request</a:t>
+            </a:r>
+          </a:p>
+          <a:p>
+            <a:pPr marL="514350" indent="-514350">
+              <a:buFont typeface="+mj-lt"/>
+              <a:buAutoNum type="arabicPeriod"/>
+            </a:pPr>
+            <a:r>
+              <a:rPr lang="en-CA" dirty="0"/>
+              <a:t>Open the link in chat to access the repo I made.</a:t>
+            </a:r>
+          </a:p>
+          <a:p>
+            <a:pPr marL="514350" indent="-514350">
+              <a:buFont typeface="+mj-lt"/>
+              <a:buAutoNum type="arabicPeriod"/>
+            </a:pPr>
+            <a:endParaRPr lang="en-CA" dirty="0"/>
+          </a:p>
+          <a:p>
+            <a:pPr marL="514350" indent="-514350">
+              <a:buFont typeface="+mj-lt"/>
+              <a:buAutoNum type="arabicPeriod"/>
+            </a:pPr>
+            <a:r>
+              <a:rPr lang="en-CA" dirty="0"/>
+              <a:t>Click the “fork” button</a:t>
+            </a:r>
+          </a:p>
+          <a:p>
+            <a:pPr marL="514350" indent="-514350">
+              <a:buFont typeface="+mj-lt"/>
+              <a:buAutoNum type="arabicPeriod"/>
+            </a:pPr>
+            <a:endParaRPr lang="en-CA" dirty="0"/>
+          </a:p>
+          <a:p>
+            <a:pPr marL="514350" indent="-514350">
+              <a:buFont typeface="+mj-lt"/>
+              <a:buAutoNum type="arabicPeriod"/>
+            </a:pPr>
+            <a:r>
+              <a:rPr lang="en-CA" dirty="0"/>
+              <a:t>Clone your forked copy to your computer and add a text file with one thing you have learned today. Commit the file.</a:t>
+            </a:r>
+          </a:p>
+          <a:p>
+            <a:pPr marL="514350" indent="-514350">
+              <a:buFont typeface="+mj-lt"/>
+              <a:buAutoNum type="arabicPeriod"/>
+            </a:pPr>
+            <a:endParaRPr lang="en-CA" dirty="0"/>
+          </a:p>
+          <a:p>
+            <a:pPr marL="514350" indent="-514350">
+              <a:buFont typeface="+mj-lt"/>
+              <a:buAutoNum type="arabicPeriod"/>
+            </a:pPr>
+            <a:r>
+              <a:rPr lang="en-CA" dirty="0"/>
+              <a:t>Push the commit to your forked repo.</a:t>
+            </a:r>
+          </a:p>
+          <a:p>
+            <a:pPr marL="514350" indent="-514350">
+              <a:buFont typeface="+mj-lt"/>
+              <a:buAutoNum type="arabicPeriod"/>
+            </a:pPr>
+            <a:endParaRPr lang="en-CA" dirty="0"/>
+          </a:p>
+          <a:p>
+            <a:pPr marL="514350" indent="-514350">
+              <a:buFont typeface="+mj-lt"/>
+              <a:buAutoNum type="arabicPeriod"/>
+            </a:pPr>
+            <a:r>
+              <a:rPr lang="en-CA" dirty="0"/>
+              <a:t>On the GitHub website. Look at your forked repo and select the “create Pull Request” button</a:t>
+            </a:r>
+          </a:p>
+        </p:txBody>
+      </p:sp>
+    </p:spTree>
+    <p:extLst>
+      <p:ext uri="{BB962C8B-B14F-4D97-AF65-F5344CB8AC3E}">
+        <p14:creationId xmlns:p14="http://schemas.microsoft.com/office/powerpoint/2010/main" val="1411733175"/>
+      </p:ext>
+    </p:extLst>
+  </p:cSld>
+  <p:clrMapOvr>
+    <a:masterClrMapping/>
+  </p:clrMapOvr>
+</p:sld>
+</file>
+
+<file path=ppt/slides/slide57.xml><?xml version="1.0" encoding="utf-8"?>
 <p:sld xmlns:a="http://schemas.openxmlformats.org/drawingml/2006/main" xmlns:r="http://schemas.openxmlformats.org/officeDocument/2006/relationships" xmlns:p="http://schemas.openxmlformats.org/presentationml/2006/main">
   <p:cSld>
     <p:spTree>
@@ -19036,7 +21561,7 @@
 </p:sld>
 </file>
 
-<file path=ppt/slides/slide47.xml><?xml version="1.0" encoding="utf-8"?>
+<file path=ppt/slides/slide58.xml><?xml version="1.0" encoding="utf-8"?>
 <p:sld xmlns:a="http://schemas.openxmlformats.org/drawingml/2006/main" xmlns:r="http://schemas.openxmlformats.org/officeDocument/2006/relationships" xmlns:p="http://schemas.openxmlformats.org/presentationml/2006/main">
   <p:cSld>
     <p:spTree>
@@ -19094,7 +21619,7 @@
 </p:sld>
 </file>
 
-<file path=ppt/slides/slide48.xml><?xml version="1.0" encoding="utf-8"?>
+<file path=ppt/slides/slide59.xml><?xml version="1.0" encoding="utf-8"?>
 <p:sld xmlns:a="http://schemas.openxmlformats.org/drawingml/2006/main" xmlns:r="http://schemas.openxmlformats.org/officeDocument/2006/relationships" xmlns:p="http://schemas.openxmlformats.org/presentationml/2006/main">
   <p:cSld>
     <p:spTree>
@@ -19219,7 +21744,67 @@
 </p:sld>
 </file>
 
-<file path=ppt/slides/slide49.xml><?xml version="1.0" encoding="utf-8"?>
+<file path=ppt/slides/slide6.xml><?xml version="1.0" encoding="utf-8"?>
+<p:sld xmlns:a="http://schemas.openxmlformats.org/drawingml/2006/main" xmlns:r="http://schemas.openxmlformats.org/officeDocument/2006/relationships" xmlns:p="http://schemas.openxmlformats.org/presentationml/2006/main">
+  <p:cSld>
+    <p:spTree>
+      <p:nvGrpSpPr>
+        <p:cNvPr id="1" name=""/>
+        <p:cNvGrpSpPr/>
+        <p:nvPr/>
+      </p:nvGrpSpPr>
+      <p:grpSpPr>
+        <a:xfrm>
+          <a:off x="0" y="0"/>
+          <a:ext cx="0" cy="0"/>
+          <a:chOff x="0" y="0"/>
+          <a:chExt cx="0" cy="0"/>
+        </a:xfrm>
+      </p:grpSpPr>
+      <p:pic>
+        <p:nvPicPr>
+          <p:cNvPr id="3" name="Picture 2">
+            <a:extLst>
+              <a:ext uri="{FF2B5EF4-FFF2-40B4-BE49-F238E27FC236}">
+                <a16:creationId xmlns:a16="http://schemas.microsoft.com/office/drawing/2014/main" id="{D63D6295-D41F-B16A-80CA-1D999E04CFC6}"/>
+              </a:ext>
+            </a:extLst>
+          </p:cNvPr>
+          <p:cNvPicPr>
+            <a:picLocks noChangeAspect="1"/>
+          </p:cNvPicPr>
+          <p:nvPr/>
+        </p:nvPicPr>
+        <p:blipFill>
+          <a:blip r:embed="rId2"/>
+          <a:stretch>
+            <a:fillRect/>
+          </a:stretch>
+        </p:blipFill>
+        <p:spPr>
+          <a:xfrm>
+            <a:off x="2690224" y="1489562"/>
+            <a:ext cx="3763552" cy="5018069"/>
+          </a:xfrm>
+          <a:prstGeom prst="rect">
+            <a:avLst/>
+          </a:prstGeom>
+        </p:spPr>
+      </p:pic>
+    </p:spTree>
+    <p:extLst>
+      <p:ext uri="{BB962C8B-B14F-4D97-AF65-F5344CB8AC3E}">
+        <p14:creationId xmlns:p14="http://schemas.microsoft.com/office/powerpoint/2010/main" val="910056172"/>
+      </p:ext>
+    </p:extLst>
+  </p:cSld>
+  <p:clrMapOvr>
+    <a:masterClrMapping/>
+  </p:clrMapOvr>
+</p:sld>
+</file>
+
+<file path=ppt/slides/slide60.xml><?xml version="1.0" encoding="utf-8"?>
 <p:sld xmlns:a="http://schemas.openxmlformats.org/drawingml/2006/main" xmlns:r="http://schemas.openxmlformats.org/officeDocument/2006/relationships" xmlns:p="http://schemas.openxmlformats.org/presentationml/2006/main">
   <p:cSld>
     <p:spTree>
@@ -19553,107 +22138,7 @@
 </p:sld>
 </file>
 
-<file path=ppt/slides/slide5.xml><?xml version="1.0" encoding="utf-8"?>
-<p:sld xmlns:a="http://schemas.openxmlformats.org/drawingml/2006/main" xmlns:r="http://schemas.openxmlformats.org/officeDocument/2006/relationships" xmlns:p="http://schemas.openxmlformats.org/presentationml/2006/main">
-  <p:cSld>
-    <p:spTree>
-      <p:nvGrpSpPr>
-        <p:cNvPr id="1" name=""/>
-        <p:cNvGrpSpPr/>
-        <p:nvPr/>
-      </p:nvGrpSpPr>
-      <p:grpSpPr>
-        <a:xfrm>
-          <a:off x="0" y="0"/>
-          <a:ext cx="0" cy="0"/>
-          <a:chOff x="0" y="0"/>
-          <a:chExt cx="0" cy="0"/>
-        </a:xfrm>
-      </p:grpSpPr>
-      <p:sp>
-        <p:nvSpPr>
-          <p:cNvPr id="2" name="Text Placeholder 1">
-            <a:extLst>
-              <a:ext uri="{FF2B5EF4-FFF2-40B4-BE49-F238E27FC236}">
-                <a16:creationId xmlns:a16="http://schemas.microsoft.com/office/drawing/2014/main" id="{09E2662B-C95B-76DF-8523-2BDCBE3A731E}"/>
-              </a:ext>
-            </a:extLst>
-          </p:cNvPr>
-          <p:cNvSpPr>
-            <a:spLocks noGrp="1"/>
-          </p:cNvSpPr>
-          <p:nvPr>
-            <p:ph type="body" sz="quarter" idx="10"/>
-          </p:nvPr>
-        </p:nvSpPr>
-        <p:spPr/>
-        <p:txBody>
-          <a:bodyPr/>
-          <a:lstStyle/>
-          <a:p>
-            <a:pPr marL="0" indent="0">
-              <a:buNone/>
-            </a:pPr>
-            <a:r>
-              <a:rPr lang="en-CA" b="1" dirty="0"/>
-              <a:t>What you WILL learn</a:t>
-            </a:r>
-          </a:p>
-          <a:p>
-            <a:r>
-              <a:rPr lang="en-CA" dirty="0"/>
-              <a:t>Basic theory and features behind Git and GitHub</a:t>
-            </a:r>
-          </a:p>
-          <a:p>
-            <a:r>
-              <a:rPr lang="en-CA" dirty="0"/>
-              <a:t>How to manage local and remote repositories</a:t>
-            </a:r>
-          </a:p>
-          <a:p>
-            <a:pPr marL="0" indent="0">
-              <a:buNone/>
-            </a:pPr>
-            <a:endParaRPr lang="en-CA" dirty="0"/>
-          </a:p>
-          <a:p>
-            <a:pPr marL="0" indent="0">
-              <a:buNone/>
-            </a:pPr>
-            <a:r>
-              <a:rPr lang="en-CA" b="1" dirty="0"/>
-              <a:t>What you will NOT learn</a:t>
-            </a:r>
-          </a:p>
-          <a:p>
-            <a:r>
-              <a:rPr lang="en-CA" dirty="0"/>
-              <a:t>How to code</a:t>
-            </a:r>
-          </a:p>
-          <a:p>
-            <a:r>
-              <a:rPr lang="en-CA" dirty="0"/>
-              <a:t>Data Analysis</a:t>
-            </a:r>
-          </a:p>
-        </p:txBody>
-      </p:sp>
-    </p:spTree>
-    <p:extLst>
-      <p:ext uri="{BB962C8B-B14F-4D97-AF65-F5344CB8AC3E}">
-        <p14:creationId xmlns:p14="http://schemas.microsoft.com/office/powerpoint/2010/main" val="2837531258"/>
-      </p:ext>
-    </p:extLst>
-  </p:cSld>
-  <p:clrMapOvr>
-    <a:masterClrMapping/>
-  </p:clrMapOvr>
-</p:sld>
-</file>
-
-<file path=ppt/slides/slide50.xml><?xml version="1.0" encoding="utf-8"?>
+<file path=ppt/slides/slide61.xml><?xml version="1.0" encoding="utf-8"?>
 <p:sld xmlns:a="http://schemas.openxmlformats.org/drawingml/2006/main" xmlns:r="http://schemas.openxmlformats.org/officeDocument/2006/relationships" xmlns:p="http://schemas.openxmlformats.org/presentationml/2006/main">
   <p:cSld>
     <p:spTree>
@@ -19712,7 +22197,7 @@
 </p:sld>
 </file>
 
-<file path=ppt/slides/slide51.xml><?xml version="1.0" encoding="utf-8"?>
+<file path=ppt/slides/slide62.xml><?xml version="1.0" encoding="utf-8"?>
 <p:sld xmlns:a="http://schemas.openxmlformats.org/drawingml/2006/main" xmlns:r="http://schemas.openxmlformats.org/officeDocument/2006/relationships" xmlns:p="http://schemas.openxmlformats.org/presentationml/2006/main">
   <p:cSld>
     <p:spTree>
@@ -19827,66 +22312,6 @@
     <p:extLst>
       <p:ext uri="{BB962C8B-B14F-4D97-AF65-F5344CB8AC3E}">
         <p14:creationId xmlns:p14="http://schemas.microsoft.com/office/powerpoint/2010/main" val="2212101275"/>
-      </p:ext>
-    </p:extLst>
-  </p:cSld>
-  <p:clrMapOvr>
-    <a:masterClrMapping/>
-  </p:clrMapOvr>
-</p:sld>
-</file>
-
-<file path=ppt/slides/slide6.xml><?xml version="1.0" encoding="utf-8"?>
-<p:sld xmlns:a="http://schemas.openxmlformats.org/drawingml/2006/main" xmlns:r="http://schemas.openxmlformats.org/officeDocument/2006/relationships" xmlns:p="http://schemas.openxmlformats.org/presentationml/2006/main">
-  <p:cSld>
-    <p:spTree>
-      <p:nvGrpSpPr>
-        <p:cNvPr id="1" name=""/>
-        <p:cNvGrpSpPr/>
-        <p:nvPr/>
-      </p:nvGrpSpPr>
-      <p:grpSpPr>
-        <a:xfrm>
-          <a:off x="0" y="0"/>
-          <a:ext cx="0" cy="0"/>
-          <a:chOff x="0" y="0"/>
-          <a:chExt cx="0" cy="0"/>
-        </a:xfrm>
-      </p:grpSpPr>
-      <p:pic>
-        <p:nvPicPr>
-          <p:cNvPr id="3" name="Picture 2">
-            <a:extLst>
-              <a:ext uri="{FF2B5EF4-FFF2-40B4-BE49-F238E27FC236}">
-                <a16:creationId xmlns:a16="http://schemas.microsoft.com/office/drawing/2014/main" id="{D63D6295-D41F-B16A-80CA-1D999E04CFC6}"/>
-              </a:ext>
-            </a:extLst>
-          </p:cNvPr>
-          <p:cNvPicPr>
-            <a:picLocks noChangeAspect="1"/>
-          </p:cNvPicPr>
-          <p:nvPr/>
-        </p:nvPicPr>
-        <p:blipFill>
-          <a:blip r:embed="rId2"/>
-          <a:stretch>
-            <a:fillRect/>
-          </a:stretch>
-        </p:blipFill>
-        <p:spPr>
-          <a:xfrm>
-            <a:off x="2690224" y="1489562"/>
-            <a:ext cx="3763552" cy="5018069"/>
-          </a:xfrm>
-          <a:prstGeom prst="rect">
-            <a:avLst/>
-          </a:prstGeom>
-        </p:spPr>
-      </p:pic>
-    </p:spTree>
-    <p:extLst>
-      <p:ext uri="{BB962C8B-B14F-4D97-AF65-F5344CB8AC3E}">
-        <p14:creationId xmlns:p14="http://schemas.microsoft.com/office/powerpoint/2010/main" val="910056172"/>
       </p:ext>
     </p:extLst>
   </p:cSld>
@@ -20212,7 +22637,7 @@
           <p:cNvPr id="2" name="Text Placeholder 1">
             <a:extLst>
               <a:ext uri="{FF2B5EF4-FFF2-40B4-BE49-F238E27FC236}">
-                <a16:creationId xmlns:a16="http://schemas.microsoft.com/office/drawing/2014/main" id="{4A4CAD59-1F6A-FED7-6EE0-E9E97EE35FCD}"/>
+                <a16:creationId xmlns:a16="http://schemas.microsoft.com/office/drawing/2014/main" id="{43252691-AD7E-B9B9-8DF3-DB5BADA01947}"/>
               </a:ext>
             </a:extLst>
           </p:cNvPr>
@@ -20223,457 +22648,66 @@
             <p:ph type="body" sz="quarter" idx="10"/>
           </p:nvPr>
         </p:nvSpPr>
-        <p:spPr>
-          <a:xfrm>
-            <a:off x="242372" y="1454228"/>
-            <a:ext cx="8658743" cy="430328"/>
-          </a:xfrm>
-        </p:spPr>
+        <p:spPr/>
         <p:txBody>
           <a:bodyPr>
-            <a:normAutofit fontScale="92500" lnSpcReduction="10000"/>
+            <a:normAutofit fontScale="92500" lnSpcReduction="20000"/>
           </a:bodyPr>
           <a:lstStyle/>
           <a:p>
-            <a:pPr marL="0" indent="0" algn="ctr">
+            <a:pPr marL="0" indent="0">
               <a:buNone/>
             </a:pPr>
             <a:r>
               <a:rPr lang="en-CA" b="1" dirty="0"/>
-              <a:t>Git 			vs.			 GitHub</a:t>
-            </a:r>
-          </a:p>
-        </p:txBody>
-      </p:sp>
-      <p:sp>
-        <p:nvSpPr>
-          <p:cNvPr id="3" name="Espace réservé du contenu 2">
-            <a:extLst>
-              <a:ext uri="{FF2B5EF4-FFF2-40B4-BE49-F238E27FC236}">
-                <a16:creationId xmlns:a16="http://schemas.microsoft.com/office/drawing/2014/main" id="{CAE263CC-C949-1C99-4A6D-072B34B0459A}"/>
-              </a:ext>
-            </a:extLst>
-          </p:cNvPr>
-          <p:cNvSpPr txBox="1">
-            <a:spLocks/>
-          </p:cNvSpPr>
-          <p:nvPr/>
-        </p:nvSpPr>
-        <p:spPr>
-          <a:xfrm>
-            <a:off x="628650" y="1825627"/>
-            <a:ext cx="3886200" cy="4351335"/>
-          </a:xfrm>
-          <a:prstGeom prst="rect">
-            <a:avLst/>
-          </a:prstGeom>
-        </p:spPr>
-        <p:txBody>
-          <a:bodyPr/>
-          <a:lstStyle>
-            <a:lvl1pPr marL="228540" indent="-228540" algn="l" defTabSz="914175" rtl="0" eaLnBrk="1" latinLnBrk="0" hangingPunct="1">
-              <a:lnSpc>
-                <a:spcPct val="90000"/>
-              </a:lnSpc>
-              <a:spcBef>
-                <a:spcPts val="998"/>
-              </a:spcBef>
-              <a:buFont typeface="Arial" panose="020B0604020202020204" pitchFamily="34" charset="0"/>
-              <a:buChar char="•"/>
-              <a:defRPr sz="2798" kern="1200">
-                <a:solidFill>
-                  <a:schemeClr val="tx1"/>
-                </a:solidFill>
-                <a:latin typeface="+mn-lt"/>
-                <a:ea typeface="+mn-ea"/>
-                <a:cs typeface="+mn-cs"/>
-              </a:defRPr>
-            </a:lvl1pPr>
-            <a:lvl2pPr marL="685628" indent="-228540" algn="l" defTabSz="914175" rtl="0" eaLnBrk="1" latinLnBrk="0" hangingPunct="1">
-              <a:lnSpc>
-                <a:spcPct val="90000"/>
-              </a:lnSpc>
-              <a:spcBef>
-                <a:spcPts val="503"/>
-              </a:spcBef>
-              <a:buFont typeface="Arial" panose="020B0604020202020204" pitchFamily="34" charset="0"/>
-              <a:buChar char="•"/>
-              <a:defRPr sz="2400" kern="1200">
-                <a:solidFill>
-                  <a:schemeClr val="tx1"/>
-                </a:solidFill>
-                <a:latin typeface="+mn-lt"/>
-                <a:ea typeface="+mn-ea"/>
-                <a:cs typeface="+mn-cs"/>
-              </a:defRPr>
-            </a:lvl2pPr>
-            <a:lvl3pPr marL="1142715" indent="-228540" algn="l" defTabSz="914175" rtl="0" eaLnBrk="1" latinLnBrk="0" hangingPunct="1">
-              <a:lnSpc>
-                <a:spcPct val="90000"/>
-              </a:lnSpc>
-              <a:spcBef>
-                <a:spcPts val="503"/>
-              </a:spcBef>
-              <a:buFont typeface="Arial" panose="020B0604020202020204" pitchFamily="34" charset="0"/>
-              <a:buChar char="•"/>
-              <a:defRPr sz="2002" kern="1200">
-                <a:solidFill>
-                  <a:schemeClr val="tx1"/>
-                </a:solidFill>
-                <a:latin typeface="+mn-lt"/>
-                <a:ea typeface="+mn-ea"/>
-                <a:cs typeface="+mn-cs"/>
-              </a:defRPr>
-            </a:lvl3pPr>
-            <a:lvl4pPr marL="1599803" indent="-228540" algn="l" defTabSz="914175" rtl="0" eaLnBrk="1" latinLnBrk="0" hangingPunct="1">
-              <a:lnSpc>
-                <a:spcPct val="90000"/>
-              </a:lnSpc>
-              <a:spcBef>
-                <a:spcPts val="503"/>
-              </a:spcBef>
-              <a:buFont typeface="Arial" panose="020B0604020202020204" pitchFamily="34" charset="0"/>
-              <a:buChar char="•"/>
-              <a:defRPr sz="1800" kern="1200">
-                <a:solidFill>
-                  <a:schemeClr val="tx1"/>
-                </a:solidFill>
-                <a:latin typeface="+mn-lt"/>
-                <a:ea typeface="+mn-ea"/>
-                <a:cs typeface="+mn-cs"/>
-              </a:defRPr>
-            </a:lvl4pPr>
-            <a:lvl5pPr marL="2056883" indent="-228540" algn="l" defTabSz="914175" rtl="0" eaLnBrk="1" latinLnBrk="0" hangingPunct="1">
-              <a:lnSpc>
-                <a:spcPct val="90000"/>
-              </a:lnSpc>
-              <a:spcBef>
-                <a:spcPts val="503"/>
-              </a:spcBef>
-              <a:buFont typeface="Arial" panose="020B0604020202020204" pitchFamily="34" charset="0"/>
-              <a:buChar char="•"/>
-              <a:defRPr sz="1800" kern="1200">
-                <a:solidFill>
-                  <a:schemeClr val="tx1"/>
-                </a:solidFill>
-                <a:latin typeface="+mn-lt"/>
-                <a:ea typeface="+mn-ea"/>
-                <a:cs typeface="+mn-cs"/>
-              </a:defRPr>
-            </a:lvl5pPr>
-            <a:lvl6pPr marL="2513970" indent="-228540" algn="l" defTabSz="914175" rtl="0" eaLnBrk="1" latinLnBrk="0" hangingPunct="1">
-              <a:lnSpc>
-                <a:spcPct val="90000"/>
-              </a:lnSpc>
-              <a:spcBef>
-                <a:spcPts val="503"/>
-              </a:spcBef>
-              <a:buFont typeface="Arial" panose="020B0604020202020204" pitchFamily="34" charset="0"/>
-              <a:buChar char="•"/>
-              <a:defRPr sz="1800" kern="1200">
-                <a:solidFill>
-                  <a:schemeClr val="tx1"/>
-                </a:solidFill>
-                <a:latin typeface="+mn-lt"/>
-                <a:ea typeface="+mn-ea"/>
-                <a:cs typeface="+mn-cs"/>
-              </a:defRPr>
-            </a:lvl6pPr>
-            <a:lvl7pPr marL="2971058" indent="-228540" algn="l" defTabSz="914175" rtl="0" eaLnBrk="1" latinLnBrk="0" hangingPunct="1">
-              <a:lnSpc>
-                <a:spcPct val="90000"/>
-              </a:lnSpc>
-              <a:spcBef>
-                <a:spcPts val="503"/>
-              </a:spcBef>
-              <a:buFont typeface="Arial" panose="020B0604020202020204" pitchFamily="34" charset="0"/>
-              <a:buChar char="•"/>
-              <a:defRPr sz="1800" kern="1200">
-                <a:solidFill>
-                  <a:schemeClr val="tx1"/>
-                </a:solidFill>
-                <a:latin typeface="+mn-lt"/>
-                <a:ea typeface="+mn-ea"/>
-                <a:cs typeface="+mn-cs"/>
-              </a:defRPr>
-            </a:lvl7pPr>
-            <a:lvl8pPr marL="3428145" indent="-228540" algn="l" defTabSz="914175" rtl="0" eaLnBrk="1" latinLnBrk="0" hangingPunct="1">
-              <a:lnSpc>
-                <a:spcPct val="90000"/>
-              </a:lnSpc>
-              <a:spcBef>
-                <a:spcPts val="503"/>
-              </a:spcBef>
-              <a:buFont typeface="Arial" panose="020B0604020202020204" pitchFamily="34" charset="0"/>
-              <a:buChar char="•"/>
-              <a:defRPr sz="1800" kern="1200">
-                <a:solidFill>
-                  <a:schemeClr val="tx1"/>
-                </a:solidFill>
-                <a:latin typeface="+mn-lt"/>
-                <a:ea typeface="+mn-ea"/>
-                <a:cs typeface="+mn-cs"/>
-              </a:defRPr>
-            </a:lvl8pPr>
-            <a:lvl9pPr marL="3885225" indent="-228540" algn="l" defTabSz="914175" rtl="0" eaLnBrk="1" latinLnBrk="0" hangingPunct="1">
-              <a:lnSpc>
-                <a:spcPct val="90000"/>
-              </a:lnSpc>
-              <a:spcBef>
-                <a:spcPts val="503"/>
-              </a:spcBef>
-              <a:buFont typeface="Arial" panose="020B0604020202020204" pitchFamily="34" charset="0"/>
-              <a:buChar char="•"/>
-              <a:defRPr sz="1800" kern="1200">
-                <a:solidFill>
-                  <a:schemeClr val="tx1"/>
-                </a:solidFill>
-                <a:latin typeface="+mn-lt"/>
-                <a:ea typeface="+mn-ea"/>
-                <a:cs typeface="+mn-cs"/>
-              </a:defRPr>
-            </a:lvl9pPr>
-          </a:lstStyle>
-          <a:p>
-            <a:endParaRPr lang="en-CA"/>
-          </a:p>
-          <a:p>
-            <a:r>
-              <a:rPr lang="en-CA"/>
-              <a:t>A version control system</a:t>
-            </a:r>
-          </a:p>
-          <a:p>
-            <a:endParaRPr lang="en-CA"/>
-          </a:p>
-          <a:p>
-            <a:r>
-              <a:rPr lang="en-CA"/>
-              <a:t>Works locally and remotely</a:t>
-            </a:r>
-          </a:p>
-          <a:p>
-            <a:endParaRPr lang="en-CA"/>
-          </a:p>
-          <a:p>
-            <a:r>
-              <a:rPr lang="en-CA"/>
-              <a:t>Is open-source</a:t>
-            </a:r>
+              <a:t>What kind of files does Git track?</a:t>
+            </a:r>
+            <a:endParaRPr lang="en-CA" dirty="0"/>
           </a:p>
           <a:p>
             <a:pPr marL="0" indent="0">
-              <a:buFont typeface="Arial" panose="020B0604020202020204" pitchFamily="34" charset="0"/>
-              <a:buNone/>
-            </a:pPr>
+              <a:buNone/>
+            </a:pPr>
+            <a:endParaRPr lang="en-CA" b="1" dirty="0"/>
+          </a:p>
+          <a:p>
+            <a:r>
+              <a:rPr lang="en-CA" dirty="0"/>
+              <a:t>Can track any file, but works best for </a:t>
+            </a:r>
+            <a:r>
+              <a:rPr lang="en-CA" b="1" dirty="0"/>
+              <a:t>pure text files</a:t>
+            </a:r>
+            <a:r>
+              <a:rPr lang="en-CA" dirty="0"/>
+              <a:t> (.txt,.R,.</a:t>
+            </a:r>
+            <a:r>
+              <a:rPr lang="en-CA" dirty="0" err="1"/>
+              <a:t>py</a:t>
+            </a:r>
+            <a:r>
+              <a:rPr lang="en-CA" dirty="0"/>
+              <a:t> etc.)</a:t>
+            </a:r>
+          </a:p>
+          <a:p>
             <a:endParaRPr lang="en-CA" dirty="0"/>
           </a:p>
-        </p:txBody>
-      </p:sp>
-      <p:sp>
-        <p:nvSpPr>
-          <p:cNvPr id="4" name="Espace réservé du contenu 3">
-            <a:extLst>
-              <a:ext uri="{FF2B5EF4-FFF2-40B4-BE49-F238E27FC236}">
-                <a16:creationId xmlns:a16="http://schemas.microsoft.com/office/drawing/2014/main" id="{2794B09C-4A6C-6F4A-182A-60D6A6403924}"/>
-              </a:ext>
-            </a:extLst>
-          </p:cNvPr>
-          <p:cNvSpPr txBox="1">
-            <a:spLocks/>
-          </p:cNvSpPr>
-          <p:nvPr/>
-        </p:nvSpPr>
-        <p:spPr>
-          <a:xfrm>
-            <a:off x="4629150" y="1825627"/>
-            <a:ext cx="3886200" cy="4351335"/>
-          </a:xfrm>
-          <a:prstGeom prst="rect">
-            <a:avLst/>
-          </a:prstGeom>
-        </p:spPr>
-        <p:txBody>
-          <a:bodyPr/>
-          <a:lstStyle>
-            <a:lvl1pPr marL="228540" indent="-228540" algn="l" defTabSz="914175" rtl="0" eaLnBrk="1" latinLnBrk="0" hangingPunct="1">
-              <a:lnSpc>
-                <a:spcPct val="90000"/>
-              </a:lnSpc>
-              <a:spcBef>
-                <a:spcPts val="998"/>
-              </a:spcBef>
-              <a:buFont typeface="Arial" panose="020B0604020202020204" pitchFamily="34" charset="0"/>
-              <a:buChar char="•"/>
-              <a:defRPr sz="2798" kern="1200">
-                <a:solidFill>
-                  <a:schemeClr val="tx1"/>
-                </a:solidFill>
-                <a:latin typeface="+mn-lt"/>
-                <a:ea typeface="+mn-ea"/>
-                <a:cs typeface="+mn-cs"/>
-              </a:defRPr>
-            </a:lvl1pPr>
-            <a:lvl2pPr marL="685628" indent="-228540" algn="l" defTabSz="914175" rtl="0" eaLnBrk="1" latinLnBrk="0" hangingPunct="1">
-              <a:lnSpc>
-                <a:spcPct val="90000"/>
-              </a:lnSpc>
-              <a:spcBef>
-                <a:spcPts val="503"/>
-              </a:spcBef>
-              <a:buFont typeface="Arial" panose="020B0604020202020204" pitchFamily="34" charset="0"/>
-              <a:buChar char="•"/>
-              <a:defRPr sz="2400" kern="1200">
-                <a:solidFill>
-                  <a:schemeClr val="tx1"/>
-                </a:solidFill>
-                <a:latin typeface="+mn-lt"/>
-                <a:ea typeface="+mn-ea"/>
-                <a:cs typeface="+mn-cs"/>
-              </a:defRPr>
-            </a:lvl2pPr>
-            <a:lvl3pPr marL="1142715" indent="-228540" algn="l" defTabSz="914175" rtl="0" eaLnBrk="1" latinLnBrk="0" hangingPunct="1">
-              <a:lnSpc>
-                <a:spcPct val="90000"/>
-              </a:lnSpc>
-              <a:spcBef>
-                <a:spcPts val="503"/>
-              </a:spcBef>
-              <a:buFont typeface="Arial" panose="020B0604020202020204" pitchFamily="34" charset="0"/>
-              <a:buChar char="•"/>
-              <a:defRPr sz="2002" kern="1200">
-                <a:solidFill>
-                  <a:schemeClr val="tx1"/>
-                </a:solidFill>
-                <a:latin typeface="+mn-lt"/>
-                <a:ea typeface="+mn-ea"/>
-                <a:cs typeface="+mn-cs"/>
-              </a:defRPr>
-            </a:lvl3pPr>
-            <a:lvl4pPr marL="1599803" indent="-228540" algn="l" defTabSz="914175" rtl="0" eaLnBrk="1" latinLnBrk="0" hangingPunct="1">
-              <a:lnSpc>
-                <a:spcPct val="90000"/>
-              </a:lnSpc>
-              <a:spcBef>
-                <a:spcPts val="503"/>
-              </a:spcBef>
-              <a:buFont typeface="Arial" panose="020B0604020202020204" pitchFamily="34" charset="0"/>
-              <a:buChar char="•"/>
-              <a:defRPr sz="1800" kern="1200">
-                <a:solidFill>
-                  <a:schemeClr val="tx1"/>
-                </a:solidFill>
-                <a:latin typeface="+mn-lt"/>
-                <a:ea typeface="+mn-ea"/>
-                <a:cs typeface="+mn-cs"/>
-              </a:defRPr>
-            </a:lvl4pPr>
-            <a:lvl5pPr marL="2056883" indent="-228540" algn="l" defTabSz="914175" rtl="0" eaLnBrk="1" latinLnBrk="0" hangingPunct="1">
-              <a:lnSpc>
-                <a:spcPct val="90000"/>
-              </a:lnSpc>
-              <a:spcBef>
-                <a:spcPts val="503"/>
-              </a:spcBef>
-              <a:buFont typeface="Arial" panose="020B0604020202020204" pitchFamily="34" charset="0"/>
-              <a:buChar char="•"/>
-              <a:defRPr sz="1800" kern="1200">
-                <a:solidFill>
-                  <a:schemeClr val="tx1"/>
-                </a:solidFill>
-                <a:latin typeface="+mn-lt"/>
-                <a:ea typeface="+mn-ea"/>
-                <a:cs typeface="+mn-cs"/>
-              </a:defRPr>
-            </a:lvl5pPr>
-            <a:lvl6pPr marL="2513970" indent="-228540" algn="l" defTabSz="914175" rtl="0" eaLnBrk="1" latinLnBrk="0" hangingPunct="1">
-              <a:lnSpc>
-                <a:spcPct val="90000"/>
-              </a:lnSpc>
-              <a:spcBef>
-                <a:spcPts val="503"/>
-              </a:spcBef>
-              <a:buFont typeface="Arial" panose="020B0604020202020204" pitchFamily="34" charset="0"/>
-              <a:buChar char="•"/>
-              <a:defRPr sz="1800" kern="1200">
-                <a:solidFill>
-                  <a:schemeClr val="tx1"/>
-                </a:solidFill>
-                <a:latin typeface="+mn-lt"/>
-                <a:ea typeface="+mn-ea"/>
-                <a:cs typeface="+mn-cs"/>
-              </a:defRPr>
-            </a:lvl6pPr>
-            <a:lvl7pPr marL="2971058" indent="-228540" algn="l" defTabSz="914175" rtl="0" eaLnBrk="1" latinLnBrk="0" hangingPunct="1">
-              <a:lnSpc>
-                <a:spcPct val="90000"/>
-              </a:lnSpc>
-              <a:spcBef>
-                <a:spcPts val="503"/>
-              </a:spcBef>
-              <a:buFont typeface="Arial" panose="020B0604020202020204" pitchFamily="34" charset="0"/>
-              <a:buChar char="•"/>
-              <a:defRPr sz="1800" kern="1200">
-                <a:solidFill>
-                  <a:schemeClr val="tx1"/>
-                </a:solidFill>
-                <a:latin typeface="+mn-lt"/>
-                <a:ea typeface="+mn-ea"/>
-                <a:cs typeface="+mn-cs"/>
-              </a:defRPr>
-            </a:lvl7pPr>
-            <a:lvl8pPr marL="3428145" indent="-228540" algn="l" defTabSz="914175" rtl="0" eaLnBrk="1" latinLnBrk="0" hangingPunct="1">
-              <a:lnSpc>
-                <a:spcPct val="90000"/>
-              </a:lnSpc>
-              <a:spcBef>
-                <a:spcPts val="503"/>
-              </a:spcBef>
-              <a:buFont typeface="Arial" panose="020B0604020202020204" pitchFamily="34" charset="0"/>
-              <a:buChar char="•"/>
-              <a:defRPr sz="1800" kern="1200">
-                <a:solidFill>
-                  <a:schemeClr val="tx1"/>
-                </a:solidFill>
-                <a:latin typeface="+mn-lt"/>
-                <a:ea typeface="+mn-ea"/>
-                <a:cs typeface="+mn-cs"/>
-              </a:defRPr>
-            </a:lvl8pPr>
-            <a:lvl9pPr marL="3885225" indent="-228540" algn="l" defTabSz="914175" rtl="0" eaLnBrk="1" latinLnBrk="0" hangingPunct="1">
-              <a:lnSpc>
-                <a:spcPct val="90000"/>
-              </a:lnSpc>
-              <a:spcBef>
-                <a:spcPts val="503"/>
-              </a:spcBef>
-              <a:buFont typeface="Arial" panose="020B0604020202020204" pitchFamily="34" charset="0"/>
-              <a:buChar char="•"/>
-              <a:defRPr sz="1800" kern="1200">
-                <a:solidFill>
-                  <a:schemeClr val="tx1"/>
-                </a:solidFill>
-                <a:latin typeface="+mn-lt"/>
-                <a:ea typeface="+mn-ea"/>
-                <a:cs typeface="+mn-cs"/>
-              </a:defRPr>
-            </a:lvl9pPr>
-          </a:lstStyle>
+          <a:p>
+            <a:r>
+              <a:rPr lang="en-CA" dirty="0"/>
+              <a:t>Word documents, PowerPoint slides are in binary; Git has no support for displaying the changes occurring in these files</a:t>
+            </a:r>
+          </a:p>
           <a:p>
             <a:endParaRPr lang="en-CA" dirty="0"/>
           </a:p>
           <a:p>
             <a:r>
               <a:rPr lang="en-CA" dirty="0"/>
-              <a:t>A server that </a:t>
-            </a:r>
-            <a:r>
-              <a:rPr lang="en-CA" b="1" dirty="0"/>
-              <a:t>hosts </a:t>
-            </a:r>
-            <a:r>
-              <a:rPr lang="en-CA" dirty="0"/>
-              <a:t>Git repositories</a:t>
+              <a:t>Still useful for storing such files, just doesn’t make the most of all of Git’s features</a:t>
             </a:r>
           </a:p>
           <a:p>
@@ -20682,16 +22716,7 @@
           <a:p>
             <a:r>
               <a:rPr lang="en-CA" dirty="0"/>
-              <a:t>Works solely as a cloud-based service</a:t>
-            </a:r>
-          </a:p>
-          <a:p>
-            <a:endParaRPr lang="en-CA" dirty="0"/>
-          </a:p>
-          <a:p>
-            <a:r>
-              <a:rPr lang="en-CA" dirty="0"/>
-              <a:t>Owned by Microsoft</a:t>
+              <a:t>Markdown and LaTeX can be used instead of these binary files</a:t>
             </a:r>
           </a:p>
         </p:txBody>
@@ -20699,7 +22724,7 @@
     </p:spTree>
     <p:extLst>
       <p:ext uri="{BB962C8B-B14F-4D97-AF65-F5344CB8AC3E}">
-        <p14:creationId xmlns:p14="http://schemas.microsoft.com/office/powerpoint/2010/main" val="3449938012"/>
+        <p14:creationId xmlns:p14="http://schemas.microsoft.com/office/powerpoint/2010/main" val="1245366370"/>
       </p:ext>
     </p:extLst>
   </p:cSld>

--- a/Slides/MiCM_GitHub_Workshop.pptx
+++ b/Slides/MiCM_GitHub_Workshop.pptx
@@ -179,7 +179,7 @@
 <file path=ppt/revisionInfo.xml><?xml version="1.0" encoding="utf-8"?>
 <p1510:revInfo xmlns:a="http://schemas.openxmlformats.org/drawingml/2006/main" xmlns:r="http://schemas.openxmlformats.org/officeDocument/2006/relationships" xmlns:p1510="http://schemas.microsoft.com/office/powerpoint/2015/10/main">
   <p1510:revLst>
-    <p1510:client id="{FC38A552-1810-4A9B-8174-E44D3C19BC43}" v="227" dt="2022-06-21T15:36:14.873"/>
+    <p1510:client id="{FC38A552-1810-4A9B-8174-E44D3C19BC43}" v="256" dt="2022-06-22T13:51:41.760"/>
   </p1510:revLst>
 </p1510:revInfo>
 </file>
@@ -2048,7 +2048,7 @@
   <pc:docChgLst>
     <pc:chgData name="Adrien Osakwe" userId="7a3e290c-eb83-484b-8e3d-d46ef2333477" providerId="ADAL" clId="{FC38A552-1810-4A9B-8174-E44D3C19BC43}"/>
     <pc:docChg chg="undo redo custSel addSld delSld modSld sldOrd modMainMaster">
-      <pc:chgData name="Adrien Osakwe" userId="7a3e290c-eb83-484b-8e3d-d46ef2333477" providerId="ADAL" clId="{FC38A552-1810-4A9B-8174-E44D3C19BC43}" dt="2022-06-21T15:52:45.196" v="16922" actId="47"/>
+      <pc:chgData name="Adrien Osakwe" userId="7a3e290c-eb83-484b-8e3d-d46ef2333477" providerId="ADAL" clId="{FC38A552-1810-4A9B-8174-E44D3C19BC43}" dt="2022-06-22T16:46:17.075" v="17018" actId="20577"/>
       <pc:docMkLst>
         <pc:docMk/>
       </pc:docMkLst>
@@ -2196,13 +2196,13 @@
         </pc:sldMkLst>
       </pc:sldChg>
       <pc:sldChg chg="modSp new mod">
-        <pc:chgData name="Adrien Osakwe" userId="7a3e290c-eb83-484b-8e3d-d46ef2333477" providerId="ADAL" clId="{FC38A552-1810-4A9B-8174-E44D3C19BC43}" dt="2022-06-21T14:09:53.784" v="12554" actId="20577"/>
+        <pc:chgData name="Adrien Osakwe" userId="7a3e290c-eb83-484b-8e3d-d46ef2333477" providerId="ADAL" clId="{FC38A552-1810-4A9B-8174-E44D3C19BC43}" dt="2022-06-22T16:46:17.075" v="17018" actId="20577"/>
         <pc:sldMkLst>
           <pc:docMk/>
           <pc:sldMk cId="4043592756" sldId="318"/>
         </pc:sldMkLst>
         <pc:spChg chg="mod">
-          <ac:chgData name="Adrien Osakwe" userId="7a3e290c-eb83-484b-8e3d-d46ef2333477" providerId="ADAL" clId="{FC38A552-1810-4A9B-8174-E44D3C19BC43}" dt="2022-06-21T14:09:53.784" v="12554" actId="20577"/>
+          <ac:chgData name="Adrien Osakwe" userId="7a3e290c-eb83-484b-8e3d-d46ef2333477" providerId="ADAL" clId="{FC38A552-1810-4A9B-8174-E44D3C19BC43}" dt="2022-06-22T16:46:17.075" v="17018" actId="20577"/>
           <ac:spMkLst>
             <pc:docMk/>
             <pc:sldMk cId="4043592756" sldId="318"/>
@@ -2771,7 +2771,7 @@
         </pc:spChg>
       </pc:sldChg>
       <pc:sldChg chg="addSp delSp modSp add mod delAnim modAnim">
-        <pc:chgData name="Adrien Osakwe" userId="7a3e290c-eb83-484b-8e3d-d46ef2333477" providerId="ADAL" clId="{FC38A552-1810-4A9B-8174-E44D3C19BC43}" dt="2022-06-20T18:17:16.720" v="8555"/>
+        <pc:chgData name="Adrien Osakwe" userId="7a3e290c-eb83-484b-8e3d-d46ef2333477" providerId="ADAL" clId="{FC38A552-1810-4A9B-8174-E44D3C19BC43}" dt="2022-06-22T12:43:36.486" v="16999"/>
         <pc:sldMkLst>
           <pc:docMk/>
           <pc:sldMk cId="2209846115" sldId="338"/>
@@ -2833,7 +2833,7 @@
           </ac:spMkLst>
         </pc:spChg>
         <pc:spChg chg="add mod">
-          <ac:chgData name="Adrien Osakwe" userId="7a3e290c-eb83-484b-8e3d-d46ef2333477" providerId="ADAL" clId="{FC38A552-1810-4A9B-8174-E44D3C19BC43}" dt="2022-06-20T18:12:42.792" v="8541" actId="1076"/>
+          <ac:chgData name="Adrien Osakwe" userId="7a3e290c-eb83-484b-8e3d-d46ef2333477" providerId="ADAL" clId="{FC38A552-1810-4A9B-8174-E44D3C19BC43}" dt="2022-06-22T12:41:27.257" v="16948" actId="1076"/>
           <ac:spMkLst>
             <pc:docMk/>
             <pc:sldMk cId="2209846115" sldId="338"/>
@@ -2841,19 +2841,27 @@
           </ac:spMkLst>
         </pc:spChg>
         <pc:spChg chg="add mod">
-          <ac:chgData name="Adrien Osakwe" userId="7a3e290c-eb83-484b-8e3d-d46ef2333477" providerId="ADAL" clId="{FC38A552-1810-4A9B-8174-E44D3C19BC43}" dt="2022-06-20T18:15:58.865" v="8550" actId="1076"/>
+          <ac:chgData name="Adrien Osakwe" userId="7a3e290c-eb83-484b-8e3d-d46ef2333477" providerId="ADAL" clId="{FC38A552-1810-4A9B-8174-E44D3C19BC43}" dt="2022-06-22T12:43:28.651" v="16998" actId="1076"/>
           <ac:spMkLst>
             <pc:docMk/>
             <pc:sldMk cId="2209846115" sldId="338"/>
             <ac:spMk id="18" creationId="{1613281B-8113-9487-9C79-9DF26C91CB96}"/>
           </ac:spMkLst>
         </pc:spChg>
-        <pc:spChg chg="add mod">
-          <ac:chgData name="Adrien Osakwe" userId="7a3e290c-eb83-484b-8e3d-d46ef2333477" providerId="ADAL" clId="{FC38A552-1810-4A9B-8174-E44D3C19BC43}" dt="2022-06-20T18:15:58.865" v="8550" actId="1076"/>
+        <pc:spChg chg="add del mod">
+          <ac:chgData name="Adrien Osakwe" userId="7a3e290c-eb83-484b-8e3d-d46ef2333477" providerId="ADAL" clId="{FC38A552-1810-4A9B-8174-E44D3C19BC43}" dt="2022-06-22T12:42:46.024" v="16980" actId="1076"/>
           <ac:spMkLst>
             <pc:docMk/>
             <pc:sldMk cId="2209846115" sldId="338"/>
             <ac:spMk id="19" creationId="{F6BB5A0B-BC5C-E442-9063-B99E7446667B}"/>
+          </ac:spMkLst>
+        </pc:spChg>
+        <pc:spChg chg="add mod">
+          <ac:chgData name="Adrien Osakwe" userId="7a3e290c-eb83-484b-8e3d-d46ef2333477" providerId="ADAL" clId="{FC38A552-1810-4A9B-8174-E44D3C19BC43}" dt="2022-06-22T12:43:12.324" v="16996" actId="20577"/>
+          <ac:spMkLst>
+            <pc:docMk/>
+            <pc:sldMk cId="2209846115" sldId="338"/>
+            <ac:spMk id="28" creationId="{4784692F-2F03-22AB-E104-B49B3B9D5442}"/>
           </ac:spMkLst>
         </pc:spChg>
         <pc:cxnChg chg="add mod">
@@ -2865,7 +2873,7 @@
           </ac:cxnSpMkLst>
         </pc:cxnChg>
         <pc:cxnChg chg="add mod">
-          <ac:chgData name="Adrien Osakwe" userId="7a3e290c-eb83-484b-8e3d-d46ef2333477" providerId="ADAL" clId="{FC38A552-1810-4A9B-8174-E44D3C19BC43}" dt="2022-06-20T18:12:46.207" v="8542" actId="14100"/>
+          <ac:chgData name="Adrien Osakwe" userId="7a3e290c-eb83-484b-8e3d-d46ef2333477" providerId="ADAL" clId="{FC38A552-1810-4A9B-8174-E44D3C19BC43}" dt="2022-06-22T12:41:31.923" v="16954" actId="14100"/>
           <ac:cxnSpMkLst>
             <pc:docMk/>
             <pc:sldMk cId="2209846115" sldId="338"/>
@@ -2905,7 +2913,7 @@
           </ac:cxnSpMkLst>
         </pc:cxnChg>
         <pc:cxnChg chg="add mod">
-          <ac:chgData name="Adrien Osakwe" userId="7a3e290c-eb83-484b-8e3d-d46ef2333477" providerId="ADAL" clId="{FC38A552-1810-4A9B-8174-E44D3C19BC43}" dt="2022-06-20T18:15:58.865" v="8550" actId="1076"/>
+          <ac:chgData name="Adrien Osakwe" userId="7a3e290c-eb83-484b-8e3d-d46ef2333477" providerId="ADAL" clId="{FC38A552-1810-4A9B-8174-E44D3C19BC43}" dt="2022-06-22T12:43:03.316" v="16986" actId="1076"/>
           <ac:cxnSpMkLst>
             <pc:docMk/>
             <pc:sldMk cId="2209846115" sldId="338"/>
@@ -2913,7 +2921,7 @@
           </ac:cxnSpMkLst>
         </pc:cxnChg>
         <pc:cxnChg chg="add mod">
-          <ac:chgData name="Adrien Osakwe" userId="7a3e290c-eb83-484b-8e3d-d46ef2333477" providerId="ADAL" clId="{FC38A552-1810-4A9B-8174-E44D3C19BC43}" dt="2022-06-20T18:16:19.636" v="8554" actId="14100"/>
+          <ac:chgData name="Adrien Osakwe" userId="7a3e290c-eb83-484b-8e3d-d46ef2333477" providerId="ADAL" clId="{FC38A552-1810-4A9B-8174-E44D3C19BC43}" dt="2022-06-22T12:43:19.615" v="16997" actId="14100"/>
           <ac:cxnSpMkLst>
             <pc:docMk/>
             <pc:sldMk cId="2209846115" sldId="338"/>
@@ -3191,13 +3199,13 @@
         </pc:picChg>
       </pc:sldChg>
       <pc:sldChg chg="modSp new mod modAnim">
-        <pc:chgData name="Adrien Osakwe" userId="7a3e290c-eb83-484b-8e3d-d46ef2333477" providerId="ADAL" clId="{FC38A552-1810-4A9B-8174-E44D3C19BC43}" dt="2022-06-21T14:04:28.680" v="12080"/>
+        <pc:chgData name="Adrien Osakwe" userId="7a3e290c-eb83-484b-8e3d-d46ef2333477" providerId="ADAL" clId="{FC38A552-1810-4A9B-8174-E44D3C19BC43}" dt="2022-06-22T13:51:41.760" v="17015" actId="20577"/>
         <pc:sldMkLst>
           <pc:docMk/>
           <pc:sldMk cId="2708706530" sldId="354"/>
         </pc:sldMkLst>
         <pc:spChg chg="mod">
-          <ac:chgData name="Adrien Osakwe" userId="7a3e290c-eb83-484b-8e3d-d46ef2333477" providerId="ADAL" clId="{FC38A552-1810-4A9B-8174-E44D3C19BC43}" dt="2022-06-21T13:54:31.519" v="11577" actId="20577"/>
+          <ac:chgData name="Adrien Osakwe" userId="7a3e290c-eb83-484b-8e3d-d46ef2333477" providerId="ADAL" clId="{FC38A552-1810-4A9B-8174-E44D3C19BC43}" dt="2022-06-22T13:51:41.760" v="17015" actId="20577"/>
           <ac:spMkLst>
             <pc:docMk/>
             <pc:sldMk cId="2708706530" sldId="354"/>
@@ -3723,13 +3731,13 @@
         </pc:spChg>
       </pc:sldChg>
       <pc:sldChg chg="modSp add mod">
-        <pc:chgData name="Adrien Osakwe" userId="7a3e290c-eb83-484b-8e3d-d46ef2333477" providerId="ADAL" clId="{FC38A552-1810-4A9B-8174-E44D3C19BC43}" dt="2022-06-21T15:15:46.496" v="13083" actId="20577"/>
+        <pc:chgData name="Adrien Osakwe" userId="7a3e290c-eb83-484b-8e3d-d46ef2333477" providerId="ADAL" clId="{FC38A552-1810-4A9B-8174-E44D3C19BC43}" dt="2022-06-22T13:29:00.907" v="17001" actId="313"/>
         <pc:sldMkLst>
           <pc:docMk/>
           <pc:sldMk cId="678388880" sldId="371"/>
         </pc:sldMkLst>
         <pc:spChg chg="mod">
-          <ac:chgData name="Adrien Osakwe" userId="7a3e290c-eb83-484b-8e3d-d46ef2333477" providerId="ADAL" clId="{FC38A552-1810-4A9B-8174-E44D3C19BC43}" dt="2022-06-21T15:15:46.496" v="13083" actId="20577"/>
+          <ac:chgData name="Adrien Osakwe" userId="7a3e290c-eb83-484b-8e3d-d46ef2333477" providerId="ADAL" clId="{FC38A552-1810-4A9B-8174-E44D3C19BC43}" dt="2022-06-22T13:29:00.907" v="17001" actId="313"/>
           <ac:spMkLst>
             <pc:docMk/>
             <pc:sldMk cId="678388880" sldId="371"/>
@@ -4163,7 +4171,7 @@
           <a:p>
             <a:fld id="{217E5156-1B5D-054E-B5B2-E1B1BA160252}" type="datetimeFigureOut">
               <a:rPr lang="fr-FR" smtClean="0"/>
-              <a:t>21/06/2022</a:t>
+              <a:t>22/06/2022</a:t>
             </a:fld>
             <a:endParaRPr lang="fr-FR"/>
           </a:p>
@@ -13118,7 +13126,7 @@
             </a:pPr>
             <a:r>
               <a:rPr lang="en-CA" dirty="0"/>
-              <a:t>Where are pending changes kept prior to committing them? – staging area</a:t>
+              <a:t>Where are pending changes kept prior to committing them? </a:t>
             </a:r>
           </a:p>
           <a:p>
@@ -13575,7 +13583,7 @@
               <a:rPr lang="en-CA" dirty="0">
                 <a:sym typeface="Wingdings" panose="05000000000000000000" pitchFamily="2" charset="2"/>
               </a:rPr>
-              <a:t> new repo OR “create a new repository on your hard drive)</a:t>
+              <a:t> new repo OR “create a new repository on your hard drive”)</a:t>
             </a:r>
           </a:p>
           <a:p>
@@ -18074,7 +18082,7 @@
         </p:nvSpPr>
         <p:spPr>
           <a:xfrm>
-            <a:off x="4800942" y="4877518"/>
+            <a:off x="3128971" y="4877519"/>
             <a:ext cx="1214089" cy="839966"/>
           </a:xfrm>
           <a:prstGeom prst="rect">
@@ -18126,7 +18134,7 @@
         </p:nvSpPr>
         <p:spPr>
           <a:xfrm>
-            <a:off x="6491127" y="4877518"/>
+            <a:off x="4741272" y="4877517"/>
             <a:ext cx="1214089" cy="839966"/>
           </a:xfrm>
           <a:prstGeom prst="rect">
@@ -18174,15 +18182,16 @@
             </a:extLst>
           </p:cNvPr>
           <p:cNvCxnSpPr>
-            <a:stCxn id="18" idx="3"/>
-            <a:endCxn id="19" idx="1"/>
+            <a:cxnSpLocks/>
+            <a:stCxn id="19" idx="3"/>
+            <a:endCxn id="28" idx="1"/>
           </p:cNvCxnSpPr>
           <p:nvPr/>
         </p:nvCxnSpPr>
         <p:spPr>
           <a:xfrm>
-            <a:off x="6015031" y="5297501"/>
-            <a:ext cx="476096" cy="0"/>
+            <a:off x="5955361" y="5297500"/>
+            <a:ext cx="550524" cy="2"/>
           </a:xfrm>
           <a:prstGeom prst="straightConnector1">
             <a:avLst/>
@@ -18218,14 +18227,14 @@
           <p:cNvCxnSpPr>
             <a:cxnSpLocks/>
             <a:stCxn id="15" idx="3"/>
-            <a:endCxn id="18" idx="1"/>
+            <a:endCxn id="19" idx="1"/>
           </p:cNvCxnSpPr>
           <p:nvPr/>
         </p:nvCxnSpPr>
         <p:spPr>
-          <a:xfrm>
-            <a:off x="4343060" y="5297501"/>
-            <a:ext cx="457882" cy="0"/>
+          <a:xfrm flipV="1">
+            <a:off x="4343060" y="5297500"/>
+            <a:ext cx="398212" cy="1"/>
           </a:xfrm>
           <a:prstGeom prst="straightConnector1">
             <a:avLst/>
@@ -18249,6 +18258,58 @@
           </a:fontRef>
         </p:style>
       </p:cxnSp>
+      <p:sp>
+        <p:nvSpPr>
+          <p:cNvPr id="28" name="Rectangle 27">
+            <a:extLst>
+              <a:ext uri="{FF2B5EF4-FFF2-40B4-BE49-F238E27FC236}">
+                <a16:creationId xmlns:a16="http://schemas.microsoft.com/office/drawing/2014/main" id="{4784692F-2F03-22AB-E104-B49B3B9D5442}"/>
+              </a:ext>
+            </a:extLst>
+          </p:cNvPr>
+          <p:cNvSpPr/>
+          <p:nvPr/>
+        </p:nvSpPr>
+        <p:spPr>
+          <a:xfrm>
+            <a:off x="6505885" y="4877519"/>
+            <a:ext cx="1214089" cy="839966"/>
+          </a:xfrm>
+          <a:prstGeom prst="rect">
+            <a:avLst/>
+          </a:prstGeom>
+          <a:solidFill>
+            <a:schemeClr val="accent2"/>
+          </a:solidFill>
+        </p:spPr>
+        <p:style>
+          <a:lnRef idx="2">
+            <a:schemeClr val="accent1">
+              <a:shade val="50000"/>
+            </a:schemeClr>
+          </a:lnRef>
+          <a:fillRef idx="1">
+            <a:schemeClr val="accent1"/>
+          </a:fillRef>
+          <a:effectRef idx="0">
+            <a:schemeClr val="accent1"/>
+          </a:effectRef>
+          <a:fontRef idx="minor">
+            <a:schemeClr val="lt1"/>
+          </a:fontRef>
+        </p:style>
+        <p:txBody>
+          <a:bodyPr rtlCol="0" anchor="ctr"/>
+          <a:lstStyle/>
+          <a:p>
+            <a:pPr algn="ctr"/>
+            <a:r>
+              <a:rPr lang="en-CA" dirty="0"/>
+              <a:t>Patched Release</a:t>
+            </a:r>
+          </a:p>
+        </p:txBody>
+      </p:sp>
     </p:spTree>
     <p:extLst>
       <p:ext uri="{BB962C8B-B14F-4D97-AF65-F5344CB8AC3E}">
@@ -18280,7 +18341,7 @@
                             </p:stCondLst>
                             <p:childTnLst>
                               <p:par>
-                                <p:cTn id="5" presetID="1" presetClass="entr" presetSubtype="0" fill="hold" nodeType="clickEffect">
+                                <p:cTn id="5" presetID="1" presetClass="entr" presetSubtype="0" fill="hold" grpId="0" nodeType="clickEffect">
                                   <p:stCondLst>
                                     <p:cond delay="0"/>
                                   </p:stCondLst>
@@ -18288,6 +18349,33 @@
                                     <p:set>
                                       <p:cBhvr>
                                         <p:cTn id="6" dur="1" fill="hold">
+                                          <p:stCondLst>
+                                            <p:cond delay="0"/>
+                                          </p:stCondLst>
+                                        </p:cTn>
+                                        <p:tgtEl>
+                                          <p:spTgt spid="18"/>
+                                        </p:tgtEl>
+                                        <p:attrNameLst>
+                                          <p:attrName>style.visibility</p:attrName>
+                                        </p:attrNameLst>
+                                      </p:cBhvr>
+                                      <p:to>
+                                        <p:strVal val="visible"/>
+                                      </p:to>
+                                    </p:set>
+                                  </p:childTnLst>
+                                </p:cTn>
+                              </p:par>
+                              <p:par>
+                                <p:cTn id="7" presetID="1" presetClass="entr" presetSubtype="0" fill="hold" nodeType="withEffect">
+                                  <p:stCondLst>
+                                    <p:cond delay="0"/>
+                                  </p:stCondLst>
+                                  <p:childTnLst>
+                                    <p:set>
+                                      <p:cBhvr>
+                                        <p:cTn id="8" dur="1" fill="hold">
                                           <p:stCondLst>
                                             <p:cond delay="0"/>
                                           </p:stCondLst>
@@ -18307,20 +18395,20 @@
                                 </p:cTn>
                               </p:par>
                               <p:par>
-                                <p:cTn id="7" presetID="1" presetClass="entr" presetSubtype="0" fill="hold" grpId="0" nodeType="withEffect">
+                                <p:cTn id="9" presetID="1" presetClass="entr" presetSubtype="0" fill="hold" grpId="0" nodeType="withEffect">
                                   <p:stCondLst>
                                     <p:cond delay="0"/>
                                   </p:stCondLst>
                                   <p:childTnLst>
                                     <p:set>
                                       <p:cBhvr>
-                                        <p:cTn id="8" dur="1" fill="hold">
+                                        <p:cTn id="10" dur="1" fill="hold">
                                           <p:stCondLst>
                                             <p:cond delay="0"/>
                                           </p:stCondLst>
                                         </p:cTn>
                                         <p:tgtEl>
-                                          <p:spTgt spid="18"/>
+                                          <p:spTgt spid="19"/>
                                         </p:tgtEl>
                                         <p:attrNameLst>
                                           <p:attrName>style.visibility</p:attrName>
@@ -18334,14 +18422,14 @@
                                 </p:cTn>
                               </p:par>
                               <p:par>
-                                <p:cTn id="9" presetID="1" presetClass="entr" presetSubtype="0" fill="hold" nodeType="withEffect">
+                                <p:cTn id="11" presetID="1" presetClass="entr" presetSubtype="0" fill="hold" nodeType="withEffect">
                                   <p:stCondLst>
                                     <p:cond delay="0"/>
                                   </p:stCondLst>
                                   <p:childTnLst>
                                     <p:set>
                                       <p:cBhvr>
-                                        <p:cTn id="10" dur="1" fill="hold">
+                                        <p:cTn id="12" dur="1" fill="hold">
                                           <p:stCondLst>
                                             <p:cond delay="0"/>
                                           </p:stCondLst>
@@ -18361,20 +18449,20 @@
                                 </p:cTn>
                               </p:par>
                               <p:par>
-                                <p:cTn id="11" presetID="1" presetClass="entr" presetSubtype="0" fill="hold" grpId="0" nodeType="withEffect">
+                                <p:cTn id="13" presetID="1" presetClass="entr" presetSubtype="0" fill="hold" grpId="0" nodeType="withEffect">
                                   <p:stCondLst>
                                     <p:cond delay="0"/>
                                   </p:stCondLst>
                                   <p:childTnLst>
                                     <p:set>
                                       <p:cBhvr>
-                                        <p:cTn id="12" dur="1" fill="hold">
+                                        <p:cTn id="14" dur="1" fill="hold">
                                           <p:stCondLst>
                                             <p:cond delay="0"/>
                                           </p:stCondLst>
                                         </p:cTn>
                                         <p:tgtEl>
-                                          <p:spTgt spid="19"/>
+                                          <p:spTgt spid="28"/>
                                         </p:tgtEl>
                                         <p:attrNameLst>
                                           <p:attrName>style.visibility</p:attrName>
@@ -18417,6 +18505,7 @@
     <p:bldLst>
       <p:bldP spid="18" grpId="0" animBg="1"/>
       <p:bldP spid="19" grpId="0" animBg="1"/>
+      <p:bldP spid="28" grpId="0" animBg="1"/>
     </p:bldLst>
   </p:timing>
 </p:sld>
@@ -18982,7 +19071,7 @@
         <p:spPr/>
         <p:txBody>
           <a:bodyPr>
-            <a:normAutofit lnSpcReduction="10000"/>
+            <a:normAutofit/>
           </a:bodyPr>
           <a:lstStyle/>
           <a:p>
@@ -19051,14 +19140,6 @@
             <a:pPr marL="0" indent="0">
               <a:buNone/>
             </a:pPr>
-            <a:r>
-              <a:rPr lang="en-CA" b="1" dirty="0"/>
-              <a:t>Note</a:t>
-            </a:r>
-            <a:r>
-              <a:rPr lang="en-CA" dirty="0"/>
-              <a:t>: Feel free to complete the workshop through the terminal</a:t>
-            </a:r>
             <a:endParaRPr lang="en-CA" b="1" dirty="0"/>
           </a:p>
           <a:p>

--- a/Slides/MiCM_GitHub_Workshop.pptx
+++ b/Slides/MiCM_GitHub_Workshop.pptx
@@ -1327,7 +1327,7 @@
   <pc:docChgLst>
     <pc:chgData name="Adrien Osakwe" userId="7a3e290c-eb83-484b-8e3d-d46ef2333477" providerId="ADAL" clId="{78A6C5BD-472B-4DA2-BC3B-9D1B7248E02A}"/>
     <pc:docChg chg="undo custSel addSld delSld modSld sldOrd">
-      <pc:chgData name="Adrien Osakwe" userId="7a3e290c-eb83-484b-8e3d-d46ef2333477" providerId="ADAL" clId="{78A6C5BD-472B-4DA2-BC3B-9D1B7248E02A}" dt="2025-06-25T14:26:10.829" v="1061" actId="20577"/>
+      <pc:chgData name="Adrien Osakwe" userId="7a3e290c-eb83-484b-8e3d-d46ef2333477" providerId="ADAL" clId="{78A6C5BD-472B-4DA2-BC3B-9D1B7248E02A}" dt="2025-06-25T14:48:22.326" v="1074" actId="20577"/>
       <pc:docMkLst>
         <pc:docMk/>
       </pc:docMkLst>
@@ -1437,13 +1437,13 @@
         </pc:spChg>
       </pc:sldChg>
       <pc:sldChg chg="modSp mod ord">
-        <pc:chgData name="Adrien Osakwe" userId="7a3e290c-eb83-484b-8e3d-d46ef2333477" providerId="ADAL" clId="{78A6C5BD-472B-4DA2-BC3B-9D1B7248E02A}" dt="2025-06-25T14:26:10.829" v="1061" actId="20577"/>
+        <pc:chgData name="Adrien Osakwe" userId="7a3e290c-eb83-484b-8e3d-d46ef2333477" providerId="ADAL" clId="{78A6C5BD-472B-4DA2-BC3B-9D1B7248E02A}" dt="2025-06-25T14:48:22.326" v="1074" actId="20577"/>
         <pc:sldMkLst>
           <pc:docMk/>
           <pc:sldMk cId="1071182491" sldId="401"/>
         </pc:sldMkLst>
         <pc:spChg chg="mod">
-          <ac:chgData name="Adrien Osakwe" userId="7a3e290c-eb83-484b-8e3d-d46ef2333477" providerId="ADAL" clId="{78A6C5BD-472B-4DA2-BC3B-9D1B7248E02A}" dt="2025-06-25T14:26:10.829" v="1061" actId="20577"/>
+          <ac:chgData name="Adrien Osakwe" userId="7a3e290c-eb83-484b-8e3d-d46ef2333477" providerId="ADAL" clId="{78A6C5BD-472B-4DA2-BC3B-9D1B7248E02A}" dt="2025-06-25T14:48:22.326" v="1074" actId="20577"/>
           <ac:spMkLst>
             <pc:docMk/>
             <pc:sldMk cId="1071182491" sldId="401"/>
@@ -25085,7 +25085,15 @@
             </a:pPr>
             <a:r>
               <a:rPr lang="en-CA" dirty="0"/>
-              <a:t>Example Activities (Data Analysis // Database curation) are stored in ‘Team Project’ folder for this workshop’s repo.</a:t>
+              <a:t>Example Activities (Data Analysis // Database curation) are stored in </a:t>
+            </a:r>
+            <a:r>
+              <a:rPr lang="en-CA"/>
+              <a:t>‘Exercises’ </a:t>
+            </a:r>
+            <a:r>
+              <a:rPr lang="en-CA" dirty="0"/>
+              <a:t>folder for this workshop’s repo.</a:t>
             </a:r>
           </a:p>
           <a:p>

--- a/Slides/MiCM_GitHub_Workshop.pptx
+++ b/Slides/MiCM_GitHub_Workshop.pptx
@@ -5,94 +5,95 @@
     <p:sldMasterId id="2147483672" r:id="rId1"/>
   </p:sldMasterIdLst>
   <p:notesMasterIdLst>
-    <p:notesMasterId r:id="rId87"/>
+    <p:notesMasterId r:id="rId88"/>
   </p:notesMasterIdLst>
   <p:sldIdLst>
-    <p:sldId id="316" r:id="rId2"/>
-    <p:sldId id="395" r:id="rId3"/>
-    <p:sldId id="396" r:id="rId4"/>
-    <p:sldId id="317" r:id="rId5"/>
-    <p:sldId id="318" r:id="rId6"/>
-    <p:sldId id="369" r:id="rId7"/>
-    <p:sldId id="332" r:id="rId8"/>
-    <p:sldId id="319" r:id="rId9"/>
-    <p:sldId id="320" r:id="rId10"/>
-    <p:sldId id="381" r:id="rId11"/>
-    <p:sldId id="351" r:id="rId12"/>
-    <p:sldId id="327" r:id="rId13"/>
-    <p:sldId id="321" r:id="rId14"/>
-    <p:sldId id="353" r:id="rId15"/>
-    <p:sldId id="354" r:id="rId16"/>
-    <p:sldId id="322" r:id="rId17"/>
-    <p:sldId id="341" r:id="rId18"/>
-    <p:sldId id="357" r:id="rId19"/>
-    <p:sldId id="371" r:id="rId20"/>
-    <p:sldId id="333" r:id="rId21"/>
-    <p:sldId id="372" r:id="rId22"/>
-    <p:sldId id="344" r:id="rId23"/>
-    <p:sldId id="373" r:id="rId24"/>
-    <p:sldId id="334" r:id="rId25"/>
-    <p:sldId id="323" r:id="rId26"/>
-    <p:sldId id="352" r:id="rId27"/>
-    <p:sldId id="355" r:id="rId28"/>
-    <p:sldId id="335" r:id="rId29"/>
-    <p:sldId id="374" r:id="rId30"/>
-    <p:sldId id="325" r:id="rId31"/>
-    <p:sldId id="356" r:id="rId32"/>
-    <p:sldId id="337" r:id="rId33"/>
-    <p:sldId id="375" r:id="rId34"/>
-    <p:sldId id="361" r:id="rId35"/>
-    <p:sldId id="338" r:id="rId36"/>
-    <p:sldId id="362" r:id="rId37"/>
-    <p:sldId id="345" r:id="rId38"/>
-    <p:sldId id="376" r:id="rId39"/>
-    <p:sldId id="364" r:id="rId40"/>
-    <p:sldId id="363" r:id="rId41"/>
-    <p:sldId id="324" r:id="rId42"/>
-    <p:sldId id="368" r:id="rId43"/>
-    <p:sldId id="328" r:id="rId44"/>
-    <p:sldId id="326" r:id="rId45"/>
-    <p:sldId id="402" r:id="rId46"/>
-    <p:sldId id="403" r:id="rId47"/>
-    <p:sldId id="346" r:id="rId48"/>
-    <p:sldId id="377" r:id="rId49"/>
-    <p:sldId id="347" r:id="rId50"/>
-    <p:sldId id="378" r:id="rId51"/>
-    <p:sldId id="358" r:id="rId52"/>
-    <p:sldId id="404" r:id="rId53"/>
-    <p:sldId id="348" r:id="rId54"/>
-    <p:sldId id="379" r:id="rId55"/>
-    <p:sldId id="414" r:id="rId56"/>
-    <p:sldId id="415" r:id="rId57"/>
-    <p:sldId id="401" r:id="rId58"/>
-    <p:sldId id="406" r:id="rId59"/>
-    <p:sldId id="359" r:id="rId60"/>
-    <p:sldId id="405" r:id="rId61"/>
-    <p:sldId id="350" r:id="rId62"/>
-    <p:sldId id="380" r:id="rId63"/>
-    <p:sldId id="367" r:id="rId64"/>
-    <p:sldId id="410" r:id="rId65"/>
-    <p:sldId id="391" r:id="rId66"/>
-    <p:sldId id="382" r:id="rId67"/>
-    <p:sldId id="407" r:id="rId68"/>
-    <p:sldId id="383" r:id="rId69"/>
-    <p:sldId id="392" r:id="rId70"/>
-    <p:sldId id="384" r:id="rId71"/>
-    <p:sldId id="385" r:id="rId72"/>
-    <p:sldId id="386" r:id="rId73"/>
-    <p:sldId id="388" r:id="rId74"/>
-    <p:sldId id="393" r:id="rId75"/>
-    <p:sldId id="390" r:id="rId76"/>
-    <p:sldId id="394" r:id="rId77"/>
-    <p:sldId id="408" r:id="rId78"/>
-    <p:sldId id="409" r:id="rId79"/>
-    <p:sldId id="413" r:id="rId80"/>
-    <p:sldId id="329" r:id="rId81"/>
-    <p:sldId id="330" r:id="rId82"/>
-    <p:sldId id="331" r:id="rId83"/>
-    <p:sldId id="412" r:id="rId84"/>
-    <p:sldId id="399" r:id="rId85"/>
-    <p:sldId id="342" r:id="rId86"/>
+    <p:sldId id="416" r:id="rId2"/>
+    <p:sldId id="316" r:id="rId3"/>
+    <p:sldId id="395" r:id="rId4"/>
+    <p:sldId id="396" r:id="rId5"/>
+    <p:sldId id="317" r:id="rId6"/>
+    <p:sldId id="318" r:id="rId7"/>
+    <p:sldId id="369" r:id="rId8"/>
+    <p:sldId id="332" r:id="rId9"/>
+    <p:sldId id="319" r:id="rId10"/>
+    <p:sldId id="320" r:id="rId11"/>
+    <p:sldId id="381" r:id="rId12"/>
+    <p:sldId id="351" r:id="rId13"/>
+    <p:sldId id="327" r:id="rId14"/>
+    <p:sldId id="321" r:id="rId15"/>
+    <p:sldId id="353" r:id="rId16"/>
+    <p:sldId id="354" r:id="rId17"/>
+    <p:sldId id="322" r:id="rId18"/>
+    <p:sldId id="341" r:id="rId19"/>
+    <p:sldId id="357" r:id="rId20"/>
+    <p:sldId id="371" r:id="rId21"/>
+    <p:sldId id="333" r:id="rId22"/>
+    <p:sldId id="372" r:id="rId23"/>
+    <p:sldId id="344" r:id="rId24"/>
+    <p:sldId id="373" r:id="rId25"/>
+    <p:sldId id="334" r:id="rId26"/>
+    <p:sldId id="323" r:id="rId27"/>
+    <p:sldId id="352" r:id="rId28"/>
+    <p:sldId id="355" r:id="rId29"/>
+    <p:sldId id="335" r:id="rId30"/>
+    <p:sldId id="374" r:id="rId31"/>
+    <p:sldId id="325" r:id="rId32"/>
+    <p:sldId id="356" r:id="rId33"/>
+    <p:sldId id="337" r:id="rId34"/>
+    <p:sldId id="375" r:id="rId35"/>
+    <p:sldId id="361" r:id="rId36"/>
+    <p:sldId id="338" r:id="rId37"/>
+    <p:sldId id="362" r:id="rId38"/>
+    <p:sldId id="345" r:id="rId39"/>
+    <p:sldId id="376" r:id="rId40"/>
+    <p:sldId id="364" r:id="rId41"/>
+    <p:sldId id="363" r:id="rId42"/>
+    <p:sldId id="324" r:id="rId43"/>
+    <p:sldId id="368" r:id="rId44"/>
+    <p:sldId id="328" r:id="rId45"/>
+    <p:sldId id="326" r:id="rId46"/>
+    <p:sldId id="402" r:id="rId47"/>
+    <p:sldId id="403" r:id="rId48"/>
+    <p:sldId id="346" r:id="rId49"/>
+    <p:sldId id="377" r:id="rId50"/>
+    <p:sldId id="347" r:id="rId51"/>
+    <p:sldId id="378" r:id="rId52"/>
+    <p:sldId id="358" r:id="rId53"/>
+    <p:sldId id="404" r:id="rId54"/>
+    <p:sldId id="348" r:id="rId55"/>
+    <p:sldId id="379" r:id="rId56"/>
+    <p:sldId id="414" r:id="rId57"/>
+    <p:sldId id="415" r:id="rId58"/>
+    <p:sldId id="401" r:id="rId59"/>
+    <p:sldId id="406" r:id="rId60"/>
+    <p:sldId id="359" r:id="rId61"/>
+    <p:sldId id="405" r:id="rId62"/>
+    <p:sldId id="350" r:id="rId63"/>
+    <p:sldId id="380" r:id="rId64"/>
+    <p:sldId id="367" r:id="rId65"/>
+    <p:sldId id="410" r:id="rId66"/>
+    <p:sldId id="391" r:id="rId67"/>
+    <p:sldId id="382" r:id="rId68"/>
+    <p:sldId id="407" r:id="rId69"/>
+    <p:sldId id="383" r:id="rId70"/>
+    <p:sldId id="392" r:id="rId71"/>
+    <p:sldId id="384" r:id="rId72"/>
+    <p:sldId id="385" r:id="rId73"/>
+    <p:sldId id="386" r:id="rId74"/>
+    <p:sldId id="388" r:id="rId75"/>
+    <p:sldId id="393" r:id="rId76"/>
+    <p:sldId id="390" r:id="rId77"/>
+    <p:sldId id="394" r:id="rId78"/>
+    <p:sldId id="408" r:id="rId79"/>
+    <p:sldId id="409" r:id="rId80"/>
+    <p:sldId id="413" r:id="rId81"/>
+    <p:sldId id="329" r:id="rId82"/>
+    <p:sldId id="330" r:id="rId83"/>
+    <p:sldId id="331" r:id="rId84"/>
+    <p:sldId id="412" r:id="rId85"/>
+    <p:sldId id="399" r:id="rId86"/>
+    <p:sldId id="342" r:id="rId87"/>
   </p:sldIdLst>
   <p:sldSz cx="9144000" cy="6858000" type="screen4x3"/>
   <p:notesSz cx="6858000" cy="9144000"/>
@@ -202,7 +203,7 @@
 <file path=ppt/revisionInfo.xml><?xml version="1.0" encoding="utf-8"?>
 <p1510:revInfo xmlns:a="http://schemas.openxmlformats.org/drawingml/2006/main" xmlns:r="http://schemas.openxmlformats.org/officeDocument/2006/relationships" xmlns:p1510="http://schemas.microsoft.com/office/powerpoint/2015/10/main">
   <p1510:revLst>
-    <p1510:client id="{78A6C5BD-472B-4DA2-BC3B-9D1B7248E02A}" v="74" dt="2025-06-25T14:24:54.484"/>
+    <p1510:client id="{78A6C5BD-472B-4DA2-BC3B-9D1B7248E02A}" v="81" dt="2025-06-26T12:41:18.829"/>
   </p1510:revLst>
 </p1510:revInfo>
 </file>
@@ -1327,18 +1328,18 @@
   <pc:docChgLst>
     <pc:chgData name="Adrien Osakwe" userId="7a3e290c-eb83-484b-8e3d-d46ef2333477" providerId="ADAL" clId="{78A6C5BD-472B-4DA2-BC3B-9D1B7248E02A}"/>
     <pc:docChg chg="undo custSel addSld delSld modSld sldOrd">
-      <pc:chgData name="Adrien Osakwe" userId="7a3e290c-eb83-484b-8e3d-d46ef2333477" providerId="ADAL" clId="{78A6C5BD-472B-4DA2-BC3B-9D1B7248E02A}" dt="2025-06-25T14:48:22.326" v="1074" actId="20577"/>
+      <pc:chgData name="Adrien Osakwe" userId="7a3e290c-eb83-484b-8e3d-d46ef2333477" providerId="ADAL" clId="{78A6C5BD-472B-4DA2-BC3B-9D1B7248E02A}" dt="2025-06-26T12:41:51.298" v="1267" actId="113"/>
       <pc:docMkLst>
         <pc:docMk/>
       </pc:docMkLst>
       <pc:sldChg chg="modSp mod">
-        <pc:chgData name="Adrien Osakwe" userId="7a3e290c-eb83-484b-8e3d-d46ef2333477" providerId="ADAL" clId="{78A6C5BD-472B-4DA2-BC3B-9D1B7248E02A}" dt="2025-06-25T13:53:34.425" v="289" actId="20577"/>
+        <pc:chgData name="Adrien Osakwe" userId="7a3e290c-eb83-484b-8e3d-d46ef2333477" providerId="ADAL" clId="{78A6C5BD-472B-4DA2-BC3B-9D1B7248E02A}" dt="2025-06-26T12:38:42.419" v="1082" actId="20577"/>
         <pc:sldMkLst>
           <pc:docMk/>
           <pc:sldMk cId="2389275097" sldId="316"/>
         </pc:sldMkLst>
         <pc:spChg chg="mod">
-          <ac:chgData name="Adrien Osakwe" userId="7a3e290c-eb83-484b-8e3d-d46ef2333477" providerId="ADAL" clId="{78A6C5BD-472B-4DA2-BC3B-9D1B7248E02A}" dt="2025-06-25T13:53:34.425" v="289" actId="20577"/>
+          <ac:chgData name="Adrien Osakwe" userId="7a3e290c-eb83-484b-8e3d-d46ef2333477" providerId="ADAL" clId="{78A6C5BD-472B-4DA2-BC3B-9D1B7248E02A}" dt="2025-06-26T12:38:42.419" v="1082" actId="20577"/>
           <ac:spMkLst>
             <pc:docMk/>
             <pc:sldMk cId="2389275097" sldId="316"/>
@@ -1418,6 +1419,29 @@
             <pc:docMk/>
             <pc:sldMk cId="3301951615" sldId="396"/>
             <ac:picMk id="3" creationId="{425749C6-6EA5-DFC5-D8C7-019BC29E9A0C}"/>
+          </ac:picMkLst>
+        </pc:picChg>
+      </pc:sldChg>
+      <pc:sldChg chg="addSp delSp modSp mod">
+        <pc:chgData name="Adrien Osakwe" userId="7a3e290c-eb83-484b-8e3d-d46ef2333477" providerId="ADAL" clId="{78A6C5BD-472B-4DA2-BC3B-9D1B7248E02A}" dt="2025-06-26T12:16:39.372" v="1081" actId="1076"/>
+        <pc:sldMkLst>
+          <pc:docMk/>
+          <pc:sldMk cId="25426801" sldId="399"/>
+        </pc:sldMkLst>
+        <pc:picChg chg="add mod">
+          <ac:chgData name="Adrien Osakwe" userId="7a3e290c-eb83-484b-8e3d-d46ef2333477" providerId="ADAL" clId="{78A6C5BD-472B-4DA2-BC3B-9D1B7248E02A}" dt="2025-06-26T12:16:39.372" v="1081" actId="1076"/>
+          <ac:picMkLst>
+            <pc:docMk/>
+            <pc:sldMk cId="25426801" sldId="399"/>
+            <ac:picMk id="3" creationId="{5F6AE827-6182-C967-2E2A-0894DACCEFDC}"/>
+          </ac:picMkLst>
+        </pc:picChg>
+        <pc:picChg chg="del mod">
+          <ac:chgData name="Adrien Osakwe" userId="7a3e290c-eb83-484b-8e3d-d46ef2333477" providerId="ADAL" clId="{78A6C5BD-472B-4DA2-BC3B-9D1B7248E02A}" dt="2025-06-26T12:16:29.687" v="1076" actId="478"/>
+          <ac:picMkLst>
+            <pc:docMk/>
+            <pc:sldMk cId="25426801" sldId="399"/>
+            <ac:picMk id="8" creationId="{3731E6DA-2272-7A21-4946-A0B54B00D639}"/>
           </ac:picMkLst>
         </pc:picChg>
       </pc:sldChg>
@@ -1539,6 +1563,28 @@
             <ac:spMk id="2" creationId="{47F55FDA-5B7A-0A15-4B0E-B0E183049B90}"/>
           </ac:spMkLst>
         </pc:spChg>
+      </pc:sldChg>
+      <pc:sldChg chg="modSp new mod ord">
+        <pc:chgData name="Adrien Osakwe" userId="7a3e290c-eb83-484b-8e3d-d46ef2333477" providerId="ADAL" clId="{78A6C5BD-472B-4DA2-BC3B-9D1B7248E02A}" dt="2025-06-26T12:41:51.298" v="1267" actId="113"/>
+        <pc:sldMkLst>
+          <pc:docMk/>
+          <pc:sldMk cId="596026142" sldId="416"/>
+        </pc:sldMkLst>
+        <pc:spChg chg="mod">
+          <ac:chgData name="Adrien Osakwe" userId="7a3e290c-eb83-484b-8e3d-d46ef2333477" providerId="ADAL" clId="{78A6C5BD-472B-4DA2-BC3B-9D1B7248E02A}" dt="2025-06-26T12:41:51.298" v="1267" actId="113"/>
+          <ac:spMkLst>
+            <pc:docMk/>
+            <pc:sldMk cId="596026142" sldId="416"/>
+            <ac:spMk id="2" creationId="{1CED95CF-427B-3230-0935-4C029B666796}"/>
+          </ac:spMkLst>
+        </pc:spChg>
+      </pc:sldChg>
+      <pc:sldChg chg="new del">
+        <pc:chgData name="Adrien Osakwe" userId="7a3e290c-eb83-484b-8e3d-d46ef2333477" providerId="ADAL" clId="{78A6C5BD-472B-4DA2-BC3B-9D1B7248E02A}" dt="2025-06-26T12:40:26.213" v="1084" actId="47"/>
+        <pc:sldMkLst>
+          <pc:docMk/>
+          <pc:sldMk cId="1930512100" sldId="416"/>
+        </pc:sldMkLst>
       </pc:sldChg>
     </pc:docChg>
   </pc:docChgLst>
@@ -2884,7 +2930,7 @@
           <a:p>
             <a:fld id="{217E5156-1B5D-054E-B5B2-E1B1BA160252}" type="datetimeFigureOut">
               <a:rPr lang="fr-FR" smtClean="0"/>
-              <a:t>25/06/2025</a:t>
+              <a:t>26/06/2025</a:t>
             </a:fld>
             <a:endParaRPr lang="fr-FR"/>
           </a:p>
@@ -3194,7 +3240,7 @@
           <a:p>
             <a:fld id="{DACBD60B-517C-4242-AE46-E1BD2D086542}" type="slidenum">
               <a:rPr lang="fr-FR" smtClean="0"/>
-              <a:t>8</a:t>
+              <a:t>9</a:t>
             </a:fld>
             <a:endParaRPr lang="fr-FR"/>
           </a:p>
@@ -3311,7 +3357,7 @@
           <a:p>
             <a:fld id="{DACBD60B-517C-4242-AE46-E1BD2D086542}" type="slidenum">
               <a:rPr lang="fr-FR" smtClean="0"/>
-              <a:t>22</a:t>
+              <a:t>23</a:t>
             </a:fld>
             <a:endParaRPr lang="fr-FR"/>
           </a:p>
@@ -3428,7 +3474,7 @@
           <a:p>
             <a:fld id="{DACBD60B-517C-4242-AE46-E1BD2D086542}" type="slidenum">
               <a:rPr lang="fr-FR" smtClean="0"/>
-              <a:t>23</a:t>
+              <a:t>24</a:t>
             </a:fld>
             <a:endParaRPr lang="fr-FR"/>
           </a:p>
@@ -3528,7 +3574,7 @@
           <a:p>
             <a:fld id="{DACBD60B-517C-4242-AE46-E1BD2D086542}" type="slidenum">
               <a:rPr lang="fr-FR" smtClean="0"/>
-              <a:t>24</a:t>
+              <a:t>25</a:t>
             </a:fld>
             <a:endParaRPr lang="fr-FR"/>
           </a:p>
@@ -3615,7 +3661,7 @@
           <a:p>
             <a:fld id="{DACBD60B-517C-4242-AE46-E1BD2D086542}" type="slidenum">
               <a:rPr lang="fr-FR" smtClean="0"/>
-              <a:t>28</a:t>
+              <a:t>29</a:t>
             </a:fld>
             <a:endParaRPr lang="fr-FR"/>
           </a:p>
@@ -3702,7 +3748,7 @@
           <a:p>
             <a:fld id="{DACBD60B-517C-4242-AE46-E1BD2D086542}" type="slidenum">
               <a:rPr lang="fr-FR" smtClean="0"/>
-              <a:t>29</a:t>
+              <a:t>30</a:t>
             </a:fld>
             <a:endParaRPr lang="fr-FR"/>
           </a:p>
@@ -3786,7 +3832,7 @@
           <a:p>
             <a:fld id="{DACBD60B-517C-4242-AE46-E1BD2D086542}" type="slidenum">
               <a:rPr lang="fr-FR" smtClean="0"/>
-              <a:t>34</a:t>
+              <a:t>35</a:t>
             </a:fld>
             <a:endParaRPr lang="fr-FR"/>
           </a:p>
@@ -3892,7 +3938,7 @@
           <a:p>
             <a:fld id="{DACBD60B-517C-4242-AE46-E1BD2D086542}" type="slidenum">
               <a:rPr lang="fr-FR" smtClean="0"/>
-              <a:t>39</a:t>
+              <a:t>40</a:t>
             </a:fld>
             <a:endParaRPr lang="fr-FR"/>
           </a:p>
@@ -3979,7 +4025,7 @@
           <a:p>
             <a:fld id="{DACBD60B-517C-4242-AE46-E1BD2D086542}" type="slidenum">
               <a:rPr lang="fr-FR" smtClean="0"/>
-              <a:t>42</a:t>
+              <a:t>43</a:t>
             </a:fld>
             <a:endParaRPr lang="fr-FR"/>
           </a:p>
@@ -4093,7 +4139,7 @@
           <a:p>
             <a:fld id="{DACBD60B-517C-4242-AE46-E1BD2D086542}" type="slidenum">
               <a:rPr lang="fr-FR" smtClean="0"/>
-              <a:t>45</a:t>
+              <a:t>46</a:t>
             </a:fld>
             <a:endParaRPr lang="fr-FR"/>
           </a:p>
@@ -4207,7 +4253,7 @@
           <a:p>
             <a:fld id="{DACBD60B-517C-4242-AE46-E1BD2D086542}" type="slidenum">
               <a:rPr lang="fr-FR" smtClean="0"/>
-              <a:t>46</a:t>
+              <a:t>47</a:t>
             </a:fld>
             <a:endParaRPr lang="fr-FR"/>
           </a:p>
@@ -4297,7 +4343,7 @@
           <a:p>
             <a:fld id="{DACBD60B-517C-4242-AE46-E1BD2D086542}" type="slidenum">
               <a:rPr lang="fr-FR" smtClean="0"/>
-              <a:t>13</a:t>
+              <a:t>14</a:t>
             </a:fld>
             <a:endParaRPr lang="fr-FR"/>
           </a:p>
@@ -4411,7 +4457,7 @@
           <a:p>
             <a:fld id="{DACBD60B-517C-4242-AE46-E1BD2D086542}" type="slidenum">
               <a:rPr lang="fr-FR" smtClean="0"/>
-              <a:t>52</a:t>
+              <a:t>53</a:t>
             </a:fld>
             <a:endParaRPr lang="fr-FR"/>
           </a:p>
@@ -4499,7 +4545,7 @@
           <a:p>
             <a:fld id="{DACBD60B-517C-4242-AE46-E1BD2D086542}" type="slidenum">
               <a:rPr lang="fr-FR" smtClean="0"/>
-              <a:t>57</a:t>
+              <a:t>58</a:t>
             </a:fld>
             <a:endParaRPr lang="fr-FR"/>
           </a:p>
@@ -4613,7 +4659,7 @@
           <a:p>
             <a:fld id="{DACBD60B-517C-4242-AE46-E1BD2D086542}" type="slidenum">
               <a:rPr lang="fr-FR" smtClean="0"/>
-              <a:t>60</a:t>
+              <a:t>61</a:t>
             </a:fld>
             <a:endParaRPr lang="fr-FR"/>
           </a:p>
@@ -4719,7 +4765,7 @@
           <a:p>
             <a:fld id="{DACBD60B-517C-4242-AE46-E1BD2D086542}" type="slidenum">
               <a:rPr lang="fr-FR" smtClean="0"/>
-              <a:t>63</a:t>
+              <a:t>64</a:t>
             </a:fld>
             <a:endParaRPr lang="fr-FR"/>
           </a:p>
@@ -4806,7 +4852,7 @@
           <a:p>
             <a:fld id="{DACBD60B-517C-4242-AE46-E1BD2D086542}" type="slidenum">
               <a:rPr lang="fr-FR" smtClean="0"/>
-              <a:t>14</a:t>
+              <a:t>15</a:t>
             </a:fld>
             <a:endParaRPr lang="fr-FR"/>
           </a:p>
@@ -4906,7 +4952,7 @@
           <a:p>
             <a:fld id="{DACBD60B-517C-4242-AE46-E1BD2D086542}" type="slidenum">
               <a:rPr lang="fr-FR" smtClean="0"/>
-              <a:t>15</a:t>
+              <a:t>16</a:t>
             </a:fld>
             <a:endParaRPr lang="fr-FR"/>
           </a:p>
@@ -4990,7 +5036,7 @@
           <a:p>
             <a:fld id="{DACBD60B-517C-4242-AE46-E1BD2D086542}" type="slidenum">
               <a:rPr lang="fr-FR" smtClean="0"/>
-              <a:t>16</a:t>
+              <a:t>17</a:t>
             </a:fld>
             <a:endParaRPr lang="fr-FR"/>
           </a:p>
@@ -5107,7 +5153,7 @@
           <a:p>
             <a:fld id="{DACBD60B-517C-4242-AE46-E1BD2D086542}" type="slidenum">
               <a:rPr lang="fr-FR" smtClean="0"/>
-              <a:t>18</a:t>
+              <a:t>19</a:t>
             </a:fld>
             <a:endParaRPr lang="fr-FR"/>
           </a:p>
@@ -5224,7 +5270,7 @@
           <a:p>
             <a:fld id="{DACBD60B-517C-4242-AE46-E1BD2D086542}" type="slidenum">
               <a:rPr lang="fr-FR" smtClean="0"/>
-              <a:t>19</a:t>
+              <a:t>20</a:t>
             </a:fld>
             <a:endParaRPr lang="fr-FR"/>
           </a:p>
@@ -5341,7 +5387,7 @@
           <a:p>
             <a:fld id="{DACBD60B-517C-4242-AE46-E1BD2D086542}" type="slidenum">
               <a:rPr lang="fr-FR" smtClean="0"/>
-              <a:t>20</a:t>
+              <a:t>21</a:t>
             </a:fld>
             <a:endParaRPr lang="fr-FR"/>
           </a:p>
@@ -5458,7 +5504,7 @@
           <a:p>
             <a:fld id="{DACBD60B-517C-4242-AE46-E1BD2D086542}" type="slidenum">
               <a:rPr lang="fr-FR" smtClean="0"/>
-              <a:t>21</a:t>
+              <a:t>22</a:t>
             </a:fld>
             <a:endParaRPr lang="fr-FR"/>
           </a:p>
@@ -9776,10 +9822,10 @@
       </p:grpSpPr>
       <p:sp>
         <p:nvSpPr>
-          <p:cNvPr id="4" name="Titre 3">
+          <p:cNvPr id="2" name="Text Placeholder 1">
             <a:extLst>
               <a:ext uri="{FF2B5EF4-FFF2-40B4-BE49-F238E27FC236}">
-                <a16:creationId xmlns:a16="http://schemas.microsoft.com/office/drawing/2014/main" id="{A45C165F-BC2D-0A42-B582-A27AE4DBB9CF}"/>
+                <a16:creationId xmlns:a16="http://schemas.microsoft.com/office/drawing/2014/main" id="{1CED95CF-427B-3230-0935-4C029B666796}"/>
               </a:ext>
             </a:extLst>
           </p:cNvPr>
@@ -9787,7 +9833,7 @@
             <a:spLocks noGrp="1"/>
           </p:cNvSpPr>
           <p:nvPr>
-            <p:ph type="title"/>
+            <p:ph type="body" sz="quarter" idx="10"/>
           </p:nvPr>
         </p:nvSpPr>
         <p:spPr/>
@@ -9795,243 +9841,68 @@
           <a:bodyPr/>
           <a:lstStyle/>
           <a:p>
-            <a:r>
-              <a:rPr lang="en-CA" dirty="0"/>
-              <a:t>Introduction to Git and GitHub</a:t>
-            </a:r>
-          </a:p>
-        </p:txBody>
-      </p:sp>
-      <p:sp>
-        <p:nvSpPr>
-          <p:cNvPr id="3" name="Espace réservé du texte 2">
-            <a:extLst>
-              <a:ext uri="{FF2B5EF4-FFF2-40B4-BE49-F238E27FC236}">
-                <a16:creationId xmlns:a16="http://schemas.microsoft.com/office/drawing/2014/main" id="{E7537085-13D1-FBF7-FC22-14EA9C5F5578}"/>
-              </a:ext>
-            </a:extLst>
-          </p:cNvPr>
-          <p:cNvSpPr txBox="1">
-            <a:spLocks/>
-          </p:cNvSpPr>
-          <p:nvPr/>
-        </p:nvSpPr>
-        <p:spPr>
-          <a:xfrm>
-            <a:off x="623888" y="4589471"/>
-            <a:ext cx="7886700" cy="1500188"/>
-          </a:xfrm>
-          <a:prstGeom prst="rect">
-            <a:avLst/>
-          </a:prstGeom>
-        </p:spPr>
-        <p:txBody>
-          <a:bodyPr/>
-          <a:lstStyle>
-            <a:lvl1pPr marL="228540" indent="-228540" algn="l" defTabSz="914175" rtl="0" eaLnBrk="1" latinLnBrk="0" hangingPunct="1">
-              <a:lnSpc>
-                <a:spcPct val="90000"/>
-              </a:lnSpc>
-              <a:spcBef>
-                <a:spcPts val="998"/>
-              </a:spcBef>
-              <a:buFont typeface="Arial" panose="020B0604020202020204" pitchFamily="34" charset="0"/>
-              <a:buChar char="•"/>
-              <a:defRPr sz="2798" kern="1200">
-                <a:solidFill>
-                  <a:schemeClr val="tx1"/>
-                </a:solidFill>
-                <a:latin typeface="+mn-lt"/>
-                <a:ea typeface="+mn-ea"/>
-                <a:cs typeface="+mn-cs"/>
-              </a:defRPr>
-            </a:lvl1pPr>
-            <a:lvl2pPr marL="685628" indent="-228540" algn="l" defTabSz="914175" rtl="0" eaLnBrk="1" latinLnBrk="0" hangingPunct="1">
-              <a:lnSpc>
-                <a:spcPct val="90000"/>
-              </a:lnSpc>
-              <a:spcBef>
-                <a:spcPts val="503"/>
-              </a:spcBef>
-              <a:buFont typeface="Arial" panose="020B0604020202020204" pitchFamily="34" charset="0"/>
-              <a:buChar char="•"/>
-              <a:defRPr sz="2400" kern="1200">
-                <a:solidFill>
-                  <a:schemeClr val="tx1"/>
-                </a:solidFill>
-                <a:latin typeface="+mn-lt"/>
-                <a:ea typeface="+mn-ea"/>
-                <a:cs typeface="+mn-cs"/>
-              </a:defRPr>
-            </a:lvl2pPr>
-            <a:lvl3pPr marL="1142715" indent="-228540" algn="l" defTabSz="914175" rtl="0" eaLnBrk="1" latinLnBrk="0" hangingPunct="1">
-              <a:lnSpc>
-                <a:spcPct val="90000"/>
-              </a:lnSpc>
-              <a:spcBef>
-                <a:spcPts val="503"/>
-              </a:spcBef>
-              <a:buFont typeface="Arial" panose="020B0604020202020204" pitchFamily="34" charset="0"/>
-              <a:buChar char="•"/>
-              <a:defRPr sz="2002" kern="1200">
-                <a:solidFill>
-                  <a:schemeClr val="tx1"/>
-                </a:solidFill>
-                <a:latin typeface="+mn-lt"/>
-                <a:ea typeface="+mn-ea"/>
-                <a:cs typeface="+mn-cs"/>
-              </a:defRPr>
-            </a:lvl3pPr>
-            <a:lvl4pPr marL="1599803" indent="-228540" algn="l" defTabSz="914175" rtl="0" eaLnBrk="1" latinLnBrk="0" hangingPunct="1">
-              <a:lnSpc>
-                <a:spcPct val="90000"/>
-              </a:lnSpc>
-              <a:spcBef>
-                <a:spcPts val="503"/>
-              </a:spcBef>
-              <a:buFont typeface="Arial" panose="020B0604020202020204" pitchFamily="34" charset="0"/>
-              <a:buChar char="•"/>
-              <a:defRPr sz="1800" kern="1200">
-                <a:solidFill>
-                  <a:schemeClr val="tx1"/>
-                </a:solidFill>
-                <a:latin typeface="+mn-lt"/>
-                <a:ea typeface="+mn-ea"/>
-                <a:cs typeface="+mn-cs"/>
-              </a:defRPr>
-            </a:lvl4pPr>
-            <a:lvl5pPr marL="2056883" indent="-228540" algn="l" defTabSz="914175" rtl="0" eaLnBrk="1" latinLnBrk="0" hangingPunct="1">
-              <a:lnSpc>
-                <a:spcPct val="90000"/>
-              </a:lnSpc>
-              <a:spcBef>
-                <a:spcPts val="503"/>
-              </a:spcBef>
-              <a:buFont typeface="Arial" panose="020B0604020202020204" pitchFamily="34" charset="0"/>
-              <a:buChar char="•"/>
-              <a:defRPr sz="1800" kern="1200">
-                <a:solidFill>
-                  <a:schemeClr val="tx1"/>
-                </a:solidFill>
-                <a:latin typeface="+mn-lt"/>
-                <a:ea typeface="+mn-ea"/>
-                <a:cs typeface="+mn-cs"/>
-              </a:defRPr>
-            </a:lvl5pPr>
-            <a:lvl6pPr marL="2513970" indent="-228540" algn="l" defTabSz="914175" rtl="0" eaLnBrk="1" latinLnBrk="0" hangingPunct="1">
-              <a:lnSpc>
-                <a:spcPct val="90000"/>
-              </a:lnSpc>
-              <a:spcBef>
-                <a:spcPts val="503"/>
-              </a:spcBef>
-              <a:buFont typeface="Arial" panose="020B0604020202020204" pitchFamily="34" charset="0"/>
-              <a:buChar char="•"/>
-              <a:defRPr sz="1800" kern="1200">
-                <a:solidFill>
-                  <a:schemeClr val="tx1"/>
-                </a:solidFill>
-                <a:latin typeface="+mn-lt"/>
-                <a:ea typeface="+mn-ea"/>
-                <a:cs typeface="+mn-cs"/>
-              </a:defRPr>
-            </a:lvl6pPr>
-            <a:lvl7pPr marL="2971058" indent="-228540" algn="l" defTabSz="914175" rtl="0" eaLnBrk="1" latinLnBrk="0" hangingPunct="1">
-              <a:lnSpc>
-                <a:spcPct val="90000"/>
-              </a:lnSpc>
-              <a:spcBef>
-                <a:spcPts val="503"/>
-              </a:spcBef>
-              <a:buFont typeface="Arial" panose="020B0604020202020204" pitchFamily="34" charset="0"/>
-              <a:buChar char="•"/>
-              <a:defRPr sz="1800" kern="1200">
-                <a:solidFill>
-                  <a:schemeClr val="tx1"/>
-                </a:solidFill>
-                <a:latin typeface="+mn-lt"/>
-                <a:ea typeface="+mn-ea"/>
-                <a:cs typeface="+mn-cs"/>
-              </a:defRPr>
-            </a:lvl7pPr>
-            <a:lvl8pPr marL="3428145" indent="-228540" algn="l" defTabSz="914175" rtl="0" eaLnBrk="1" latinLnBrk="0" hangingPunct="1">
-              <a:lnSpc>
-                <a:spcPct val="90000"/>
-              </a:lnSpc>
-              <a:spcBef>
-                <a:spcPts val="503"/>
-              </a:spcBef>
-              <a:buFont typeface="Arial" panose="020B0604020202020204" pitchFamily="34" charset="0"/>
-              <a:buChar char="•"/>
-              <a:defRPr sz="1800" kern="1200">
-                <a:solidFill>
-                  <a:schemeClr val="tx1"/>
-                </a:solidFill>
-                <a:latin typeface="+mn-lt"/>
-                <a:ea typeface="+mn-ea"/>
-                <a:cs typeface="+mn-cs"/>
-              </a:defRPr>
-            </a:lvl8pPr>
-            <a:lvl9pPr marL="3885225" indent="-228540" algn="l" defTabSz="914175" rtl="0" eaLnBrk="1" latinLnBrk="0" hangingPunct="1">
-              <a:lnSpc>
-                <a:spcPct val="90000"/>
-              </a:lnSpc>
-              <a:spcBef>
-                <a:spcPts val="503"/>
-              </a:spcBef>
-              <a:buFont typeface="Arial" panose="020B0604020202020204" pitchFamily="34" charset="0"/>
-              <a:buChar char="•"/>
-              <a:defRPr sz="1800" kern="1200">
-                <a:solidFill>
-                  <a:schemeClr val="tx1"/>
-                </a:solidFill>
-                <a:latin typeface="+mn-lt"/>
-                <a:ea typeface="+mn-ea"/>
-                <a:cs typeface="+mn-cs"/>
-              </a:defRPr>
-            </a:lvl9pPr>
-          </a:lstStyle>
-          <a:p>
             <a:pPr marL="0" indent="0">
               <a:buNone/>
             </a:pPr>
             <a:r>
-              <a:rPr lang="en-CA" dirty="0"/>
-              <a:t>Workshop Lead: Adrien Osakwe</a:t>
+              <a:rPr lang="en-CA" b="1" dirty="0"/>
+              <a:t>Workshop Setup</a:t>
+            </a:r>
+            <a:r>
+              <a:rPr lang="en-US" b="1" dirty="0"/>
+              <a:t> – If you have not already</a:t>
             </a:r>
           </a:p>
           <a:p>
             <a:pPr marL="0" indent="0">
               <a:buNone/>
             </a:pPr>
-            <a:r>
-              <a:rPr lang="en-CA" dirty="0"/>
-              <a:t>Facilitator: Martina Yang</a:t>
-            </a:r>
-          </a:p>
-          <a:p>
-            <a:pPr marL="0" indent="0">
-              <a:buNone/>
-            </a:pPr>
-            <a:r>
-              <a:rPr lang="en-CA" dirty="0"/>
-              <a:t>June 25</a:t>
-            </a:r>
-            <a:r>
-              <a:rPr lang="en-CA" baseline="30000" dirty="0"/>
-              <a:t>th</a:t>
-            </a:r>
-            <a:r>
-              <a:rPr lang="en-CA" dirty="0"/>
-              <a:t>, 2025</a:t>
-            </a:r>
+            <a:endParaRPr lang="en-US" dirty="0"/>
+          </a:p>
+          <a:p>
+            <a:pPr marL="514350" indent="-514350">
+              <a:buAutoNum type="arabicPeriod"/>
+            </a:pPr>
+            <a:r>
+              <a:rPr lang="en-US" dirty="0"/>
+              <a:t>Go to </a:t>
+            </a:r>
+            <a:r>
+              <a:rPr lang="en-US" dirty="0">
+                <a:hlinkClick r:id="rId2"/>
+              </a:rPr>
+              <a:t>https://github.com/QLS-MiCM/IntroToGitHub</a:t>
+            </a:r>
+            <a:r>
+              <a:rPr lang="en-US" dirty="0"/>
+              <a:t> </a:t>
+            </a:r>
+          </a:p>
+          <a:p>
+            <a:pPr marL="514350" indent="-514350">
+              <a:buAutoNum type="arabicPeriod"/>
+            </a:pPr>
+            <a:r>
+              <a:rPr lang="en-US" dirty="0"/>
+              <a:t>Open the IntroToGitHub_Setup.pdf</a:t>
+            </a:r>
+          </a:p>
+          <a:p>
+            <a:pPr marL="514350" indent="-514350">
+              <a:buAutoNum type="arabicPeriod"/>
+            </a:pPr>
+            <a:r>
+              <a:rPr lang="en-US" dirty="0"/>
+              <a:t>Follow instructions to install GitHub Desktop App and make an account</a:t>
+            </a:r>
+            <a:endParaRPr lang="en-CA" dirty="0"/>
           </a:p>
         </p:txBody>
       </p:sp>
     </p:spTree>
     <p:extLst>
       <p:ext uri="{BB962C8B-B14F-4D97-AF65-F5344CB8AC3E}">
-        <p14:creationId xmlns:p14="http://schemas.microsoft.com/office/powerpoint/2010/main" val="2389275097"/>
+        <p14:creationId xmlns:p14="http://schemas.microsoft.com/office/powerpoint/2010/main" val="596026142"/>
       </p:ext>
     </p:extLst>
   </p:cSld>
@@ -10042,6 +9913,152 @@
 </file>
 
 <file path=ppt/slides/slide10.xml><?xml version="1.0" encoding="utf-8"?>
+<p:sld xmlns:a="http://schemas.openxmlformats.org/drawingml/2006/main" xmlns:r="http://schemas.openxmlformats.org/officeDocument/2006/relationships" xmlns:p="http://schemas.openxmlformats.org/presentationml/2006/main">
+  <p:cSld>
+    <p:spTree>
+      <p:nvGrpSpPr>
+        <p:cNvPr id="1" name=""/>
+        <p:cNvGrpSpPr/>
+        <p:nvPr/>
+      </p:nvGrpSpPr>
+      <p:grpSpPr>
+        <a:xfrm>
+          <a:off x="0" y="0"/>
+          <a:ext cx="0" cy="0"/>
+          <a:chOff x="0" y="0"/>
+          <a:chExt cx="0" cy="0"/>
+        </a:xfrm>
+      </p:grpSpPr>
+      <p:sp>
+        <p:nvSpPr>
+          <p:cNvPr id="2" name="Text Placeholder 1">
+            <a:extLst>
+              <a:ext uri="{FF2B5EF4-FFF2-40B4-BE49-F238E27FC236}">
+                <a16:creationId xmlns:a16="http://schemas.microsoft.com/office/drawing/2014/main" id="{100FAA95-56E1-2195-5855-46B50DD5E678}"/>
+              </a:ext>
+            </a:extLst>
+          </p:cNvPr>
+          <p:cNvSpPr>
+            <a:spLocks noGrp="1"/>
+          </p:cNvSpPr>
+          <p:nvPr>
+            <p:ph type="body" sz="quarter" idx="10"/>
+          </p:nvPr>
+        </p:nvSpPr>
+        <p:spPr/>
+        <p:txBody>
+          <a:bodyPr>
+            <a:normAutofit/>
+          </a:bodyPr>
+          <a:lstStyle/>
+          <a:p>
+            <a:pPr marL="0" indent="0">
+              <a:buNone/>
+            </a:pPr>
+            <a:r>
+              <a:rPr lang="en-CA" b="1" dirty="0"/>
+              <a:t>Git</a:t>
+            </a:r>
+          </a:p>
+          <a:p>
+            <a:r>
+              <a:rPr lang="en-CA" dirty="0"/>
+              <a:t>A type of version control system</a:t>
+            </a:r>
+          </a:p>
+          <a:p>
+            <a:pPr marL="0" indent="0">
+              <a:buNone/>
+            </a:pPr>
+            <a:endParaRPr lang="en-CA" dirty="0"/>
+          </a:p>
+          <a:p>
+            <a:r>
+              <a:rPr lang="en-CA" dirty="0"/>
+              <a:t>Open-source</a:t>
+            </a:r>
+          </a:p>
+          <a:p>
+            <a:endParaRPr lang="en-CA" dirty="0"/>
+          </a:p>
+          <a:p>
+            <a:r>
+              <a:rPr lang="en-CA" dirty="0"/>
+              <a:t>Most popular VCS currently in use</a:t>
+            </a:r>
+          </a:p>
+          <a:p>
+            <a:endParaRPr lang="en-CA" dirty="0"/>
+          </a:p>
+          <a:p>
+            <a:r>
+              <a:rPr lang="en-CA" dirty="0"/>
+              <a:t>Creates a “Git Repository” which stores all the modified instances of your project</a:t>
+            </a:r>
+          </a:p>
+        </p:txBody>
+      </p:sp>
+      <p:pic>
+        <p:nvPicPr>
+          <p:cNvPr id="1026" name="Picture 2" descr="Git · GitHub">
+            <a:extLst>
+              <a:ext uri="{FF2B5EF4-FFF2-40B4-BE49-F238E27FC236}">
+                <a16:creationId xmlns:a16="http://schemas.microsoft.com/office/drawing/2014/main" id="{72C526F7-AD9B-8A76-27CF-5B8208E932A9}"/>
+              </a:ext>
+            </a:extLst>
+          </p:cNvPr>
+          <p:cNvPicPr>
+            <a:picLocks noChangeAspect="1" noChangeArrowheads="1"/>
+          </p:cNvPicPr>
+          <p:nvPr/>
+        </p:nvPicPr>
+        <p:blipFill>
+          <a:blip r:embed="rId2">
+            <a:extLst>
+              <a:ext uri="{28A0092B-C50C-407E-A947-70E740481C1C}">
+                <a14:useLocalDpi xmlns:a14="http://schemas.microsoft.com/office/drawing/2010/main" val="0"/>
+              </a:ext>
+            </a:extLst>
+          </a:blip>
+          <a:srcRect/>
+          <a:stretch>
+            <a:fillRect/>
+          </a:stretch>
+        </p:blipFill>
+        <p:spPr bwMode="auto">
+          <a:xfrm>
+            <a:off x="7132134" y="1205261"/>
+            <a:ext cx="1905000" cy="1905000"/>
+          </a:xfrm>
+          <a:prstGeom prst="rect">
+            <a:avLst/>
+          </a:prstGeom>
+          <a:noFill/>
+          <a:extLst>
+            <a:ext uri="{909E8E84-426E-40DD-AFC4-6F175D3DCCD1}">
+              <a14:hiddenFill xmlns:a14="http://schemas.microsoft.com/office/drawing/2010/main">
+                <a:solidFill>
+                  <a:srgbClr val="FFFFFF"/>
+                </a:solidFill>
+              </a14:hiddenFill>
+            </a:ext>
+          </a:extLst>
+        </p:spPr>
+      </p:pic>
+    </p:spTree>
+    <p:extLst>
+      <p:ext uri="{BB962C8B-B14F-4D97-AF65-F5344CB8AC3E}">
+        <p14:creationId xmlns:p14="http://schemas.microsoft.com/office/powerpoint/2010/main" val="511111868"/>
+      </p:ext>
+    </p:extLst>
+  </p:cSld>
+  <p:clrMapOvr>
+    <a:masterClrMapping/>
+  </p:clrMapOvr>
+</p:sld>
+</file>
+
+<file path=ppt/slides/slide11.xml><?xml version="1.0" encoding="utf-8"?>
 <p:sld xmlns:a="http://schemas.openxmlformats.org/drawingml/2006/main" xmlns:r="http://schemas.openxmlformats.org/officeDocument/2006/relationships" xmlns:p="http://schemas.openxmlformats.org/presentationml/2006/main">
   <p:cSld>
     <p:spTree>
@@ -10337,7 +10354,7 @@
 </p:sld>
 </file>
 
-<file path=ppt/slides/slide11.xml><?xml version="1.0" encoding="utf-8"?>
+<file path=ppt/slides/slide12.xml><?xml version="1.0" encoding="utf-8"?>
 <p:sld xmlns:a="http://schemas.openxmlformats.org/drawingml/2006/main" xmlns:r="http://schemas.openxmlformats.org/officeDocument/2006/relationships" xmlns:p="http://schemas.openxmlformats.org/presentationml/2006/main">
   <p:cSld>
     <p:spTree>
@@ -10980,7 +10997,7 @@
 </p:sld>
 </file>
 
-<file path=ppt/slides/slide12.xml><?xml version="1.0" encoding="utf-8"?>
+<file path=ppt/slides/slide13.xml><?xml version="1.0" encoding="utf-8"?>
 <p:sld xmlns:a="http://schemas.openxmlformats.org/drawingml/2006/main" xmlns:r="http://schemas.openxmlformats.org/officeDocument/2006/relationships" xmlns:p="http://schemas.openxmlformats.org/presentationml/2006/main">
   <p:cSld>
     <p:spTree>
@@ -11267,7 +11284,7 @@
 </p:sld>
 </file>
 
-<file path=ppt/slides/slide13.xml><?xml version="1.0" encoding="utf-8"?>
+<file path=ppt/slides/slide14.xml><?xml version="1.0" encoding="utf-8"?>
 <p:sld xmlns:a="http://schemas.openxmlformats.org/drawingml/2006/main" xmlns:r="http://schemas.openxmlformats.org/officeDocument/2006/relationships" xmlns:p="http://schemas.openxmlformats.org/presentationml/2006/main">
   <p:cSld>
     <p:spTree>
@@ -12660,7 +12677,7 @@
 </p:sld>
 </file>
 
-<file path=ppt/slides/slide14.xml><?xml version="1.0" encoding="utf-8"?>
+<file path=ppt/slides/slide15.xml><?xml version="1.0" encoding="utf-8"?>
 <p:sld xmlns:a="http://schemas.openxmlformats.org/drawingml/2006/main" xmlns:r="http://schemas.openxmlformats.org/officeDocument/2006/relationships" xmlns:p="http://schemas.openxmlformats.org/presentationml/2006/main">
   <p:cSld>
     <p:spTree>
@@ -12852,7 +12869,7 @@
 </p:sld>
 </file>
 
-<file path=ppt/slides/slide15.xml><?xml version="1.0" encoding="utf-8"?>
+<file path=ppt/slides/slide16.xml><?xml version="1.0" encoding="utf-8"?>
 <p:sld xmlns:a="http://schemas.openxmlformats.org/drawingml/2006/main" xmlns:r="http://schemas.openxmlformats.org/officeDocument/2006/relationships" xmlns:p="http://schemas.openxmlformats.org/presentationml/2006/main">
   <p:cSld>
     <p:spTree>
@@ -12960,314 +12977,6 @@
     <p:extLst>
       <p:ext uri="{BB962C8B-B14F-4D97-AF65-F5344CB8AC3E}">
         <p14:creationId xmlns:p14="http://schemas.microsoft.com/office/powerpoint/2010/main" val="2708706530"/>
-      </p:ext>
-    </p:extLst>
-  </p:cSld>
-  <p:clrMapOvr>
-    <a:masterClrMapping/>
-  </p:clrMapOvr>
-  <p:timing>
-    <p:tnLst>
-      <p:par>
-        <p:cTn id="1" dur="indefinite" restart="never" nodeType="tmRoot">
-          <p:childTnLst>
-            <p:seq concurrent="1" nextAc="seek">
-              <p:cTn id="2" dur="indefinite" nodeType="mainSeq">
-                <p:childTnLst>
-                  <p:par>
-                    <p:cTn id="3" fill="hold">
-                      <p:stCondLst>
-                        <p:cond delay="indefinite"/>
-                      </p:stCondLst>
-                      <p:childTnLst>
-                        <p:par>
-                          <p:cTn id="4" fill="hold">
-                            <p:stCondLst>
-                              <p:cond delay="0"/>
-                            </p:stCondLst>
-                            <p:childTnLst>
-                              <p:par>
-                                <p:cTn id="5" presetID="1" presetClass="entr" presetSubtype="0" fill="hold" nodeType="clickEffect">
-                                  <p:stCondLst>
-                                    <p:cond delay="0"/>
-                                  </p:stCondLst>
-                                  <p:childTnLst>
-                                    <p:set>
-                                      <p:cBhvr>
-                                        <p:cTn id="6" dur="1" fill="hold">
-                                          <p:stCondLst>
-                                            <p:cond delay="0"/>
-                                          </p:stCondLst>
-                                        </p:cTn>
-                                        <p:tgtEl>
-                                          <p:spTgt spid="2">
-                                            <p:txEl>
-                                              <p:pRg st="2" end="2"/>
-                                            </p:txEl>
-                                          </p:spTgt>
-                                        </p:tgtEl>
-                                        <p:attrNameLst>
-                                          <p:attrName>style.visibility</p:attrName>
-                                        </p:attrNameLst>
-                                      </p:cBhvr>
-                                      <p:to>
-                                        <p:strVal val="visible"/>
-                                      </p:to>
-                                    </p:set>
-                                  </p:childTnLst>
-                                </p:cTn>
-                              </p:par>
-                            </p:childTnLst>
-                          </p:cTn>
-                        </p:par>
-                      </p:childTnLst>
-                    </p:cTn>
-                  </p:par>
-                  <p:par>
-                    <p:cTn id="7" fill="hold">
-                      <p:stCondLst>
-                        <p:cond delay="indefinite"/>
-                      </p:stCondLst>
-                      <p:childTnLst>
-                        <p:par>
-                          <p:cTn id="8" fill="hold">
-                            <p:stCondLst>
-                              <p:cond delay="0"/>
-                            </p:stCondLst>
-                            <p:childTnLst>
-                              <p:par>
-                                <p:cTn id="9" presetID="1" presetClass="entr" presetSubtype="0" fill="hold" nodeType="clickEffect">
-                                  <p:stCondLst>
-                                    <p:cond delay="0"/>
-                                  </p:stCondLst>
-                                  <p:childTnLst>
-                                    <p:set>
-                                      <p:cBhvr>
-                                        <p:cTn id="10" dur="1" fill="hold">
-                                          <p:stCondLst>
-                                            <p:cond delay="0"/>
-                                          </p:stCondLst>
-                                        </p:cTn>
-                                        <p:tgtEl>
-                                          <p:spTgt spid="2">
-                                            <p:txEl>
-                                              <p:pRg st="4" end="4"/>
-                                            </p:txEl>
-                                          </p:spTgt>
-                                        </p:tgtEl>
-                                        <p:attrNameLst>
-                                          <p:attrName>style.visibility</p:attrName>
-                                        </p:attrNameLst>
-                                      </p:cBhvr>
-                                      <p:to>
-                                        <p:strVal val="visible"/>
-                                      </p:to>
-                                    </p:set>
-                                  </p:childTnLst>
-                                </p:cTn>
-                              </p:par>
-                            </p:childTnLst>
-                          </p:cTn>
-                        </p:par>
-                      </p:childTnLst>
-                    </p:cTn>
-                  </p:par>
-                  <p:par>
-                    <p:cTn id="11" fill="hold">
-                      <p:stCondLst>
-                        <p:cond delay="indefinite"/>
-                      </p:stCondLst>
-                      <p:childTnLst>
-                        <p:par>
-                          <p:cTn id="12" fill="hold">
-                            <p:stCondLst>
-                              <p:cond delay="0"/>
-                            </p:stCondLst>
-                            <p:childTnLst>
-                              <p:par>
-                                <p:cTn id="13" presetID="1" presetClass="entr" presetSubtype="0" fill="hold" nodeType="clickEffect">
-                                  <p:stCondLst>
-                                    <p:cond delay="0"/>
-                                  </p:stCondLst>
-                                  <p:childTnLst>
-                                    <p:set>
-                                      <p:cBhvr>
-                                        <p:cTn id="14" dur="1" fill="hold">
-                                          <p:stCondLst>
-                                            <p:cond delay="0"/>
-                                          </p:stCondLst>
-                                        </p:cTn>
-                                        <p:tgtEl>
-                                          <p:spTgt spid="2">
-                                            <p:txEl>
-                                              <p:pRg st="6" end="6"/>
-                                            </p:txEl>
-                                          </p:spTgt>
-                                        </p:tgtEl>
-                                        <p:attrNameLst>
-                                          <p:attrName>style.visibility</p:attrName>
-                                        </p:attrNameLst>
-                                      </p:cBhvr>
-                                      <p:to>
-                                        <p:strVal val="visible"/>
-                                      </p:to>
-                                    </p:set>
-                                  </p:childTnLst>
-                                </p:cTn>
-                              </p:par>
-                            </p:childTnLst>
-                          </p:cTn>
-                        </p:par>
-                      </p:childTnLst>
-                    </p:cTn>
-                  </p:par>
-                </p:childTnLst>
-              </p:cTn>
-              <p:prevCondLst>
-                <p:cond evt="onPrev" delay="0">
-                  <p:tgtEl>
-                    <p:sldTgt/>
-                  </p:tgtEl>
-                </p:cond>
-              </p:prevCondLst>
-              <p:nextCondLst>
-                <p:cond evt="onNext" delay="0">
-                  <p:tgtEl>
-                    <p:sldTgt/>
-                  </p:tgtEl>
-                </p:cond>
-              </p:nextCondLst>
-            </p:seq>
-          </p:childTnLst>
-        </p:cTn>
-      </p:par>
-    </p:tnLst>
-  </p:timing>
-</p:sld>
-</file>
-
-<file path=ppt/slides/slide16.xml><?xml version="1.0" encoding="utf-8"?>
-<p:sld xmlns:a="http://schemas.openxmlformats.org/drawingml/2006/main" xmlns:r="http://schemas.openxmlformats.org/officeDocument/2006/relationships" xmlns:p="http://schemas.openxmlformats.org/presentationml/2006/main">
-  <p:cSld>
-    <p:spTree>
-      <p:nvGrpSpPr>
-        <p:cNvPr id="1" name=""/>
-        <p:cNvGrpSpPr/>
-        <p:nvPr/>
-      </p:nvGrpSpPr>
-      <p:grpSpPr>
-        <a:xfrm>
-          <a:off x="0" y="0"/>
-          <a:ext cx="0" cy="0"/>
-          <a:chOff x="0" y="0"/>
-          <a:chExt cx="0" cy="0"/>
-        </a:xfrm>
-      </p:grpSpPr>
-      <p:sp>
-        <p:nvSpPr>
-          <p:cNvPr id="2" name="Text Placeholder 1">
-            <a:extLst>
-              <a:ext uri="{FF2B5EF4-FFF2-40B4-BE49-F238E27FC236}">
-                <a16:creationId xmlns:a16="http://schemas.microsoft.com/office/drawing/2014/main" id="{DDA2806D-35FE-24B5-F6B0-BC4E91E20B63}"/>
-              </a:ext>
-            </a:extLst>
-          </p:cNvPr>
-          <p:cNvSpPr>
-            <a:spLocks noGrp="1"/>
-          </p:cNvSpPr>
-          <p:nvPr>
-            <p:ph type="body" sz="quarter" idx="10"/>
-          </p:nvPr>
-        </p:nvSpPr>
-        <p:spPr/>
-        <p:txBody>
-          <a:bodyPr>
-            <a:normAutofit lnSpcReduction="10000"/>
-          </a:bodyPr>
-          <a:lstStyle/>
-          <a:p>
-            <a:pPr marL="0" indent="0">
-              <a:buNone/>
-            </a:pPr>
-            <a:r>
-              <a:rPr lang="en-CA" b="1" dirty="0"/>
-              <a:t>Summary</a:t>
-            </a:r>
-          </a:p>
-          <a:p>
-            <a:endParaRPr lang="en-CA" dirty="0"/>
-          </a:p>
-          <a:p>
-            <a:r>
-              <a:rPr lang="en-CA" dirty="0"/>
-              <a:t>Untracked or modified files are first </a:t>
-            </a:r>
-            <a:r>
-              <a:rPr lang="en-CA" b="1" dirty="0"/>
-              <a:t>added </a:t>
-            </a:r>
-            <a:r>
-              <a:rPr lang="en-CA" dirty="0"/>
-              <a:t>to the </a:t>
-            </a:r>
-            <a:r>
-              <a:rPr lang="en-CA" b="1" dirty="0"/>
-              <a:t>staging area</a:t>
-            </a:r>
-          </a:p>
-          <a:p>
-            <a:endParaRPr lang="en-CA" dirty="0"/>
-          </a:p>
-          <a:p>
-            <a:r>
-              <a:rPr lang="en-CA" dirty="0"/>
-              <a:t>Changes that have been staged can then be </a:t>
-            </a:r>
-            <a:r>
-              <a:rPr lang="en-CA" b="1" dirty="0"/>
-              <a:t>committed </a:t>
-            </a:r>
-            <a:r>
-              <a:rPr lang="en-CA" dirty="0"/>
-              <a:t>to the </a:t>
-            </a:r>
-            <a:r>
-              <a:rPr lang="en-CA" b="1" dirty="0"/>
-              <a:t>local repository</a:t>
-            </a:r>
-          </a:p>
-          <a:p>
-            <a:endParaRPr lang="en-CA" dirty="0"/>
-          </a:p>
-          <a:p>
-            <a:r>
-              <a:rPr lang="en-CA" dirty="0"/>
-              <a:t>Commits can then be used to </a:t>
-            </a:r>
-            <a:r>
-              <a:rPr lang="en-CA" b="1" dirty="0"/>
-              <a:t>revert </a:t>
-            </a:r>
-            <a:r>
-              <a:rPr lang="en-CA" dirty="0"/>
-              <a:t>to previous instances of the project or simply to </a:t>
-            </a:r>
-            <a:r>
-              <a:rPr lang="en-CA" b="1" dirty="0"/>
-              <a:t>keep track</a:t>
-            </a:r>
-            <a:r>
-              <a:rPr lang="en-CA" dirty="0"/>
-              <a:t> of what changes have been made</a:t>
-            </a:r>
-            <a:endParaRPr lang="en-CA" b="1" dirty="0"/>
-          </a:p>
-        </p:txBody>
-      </p:sp>
-    </p:spTree>
-    <p:extLst>
-      <p:ext uri="{BB962C8B-B14F-4D97-AF65-F5344CB8AC3E}">
-        <p14:creationId xmlns:p14="http://schemas.microsoft.com/office/powerpoint/2010/main" val="607115465"/>
       </p:ext>
     </p:extLst>
   </p:cSld>
@@ -13473,10 +13182,10 @@
       </p:grpSpPr>
       <p:sp>
         <p:nvSpPr>
-          <p:cNvPr id="2" name="Title 1">
+          <p:cNvPr id="2" name="Text Placeholder 1">
             <a:extLst>
               <a:ext uri="{FF2B5EF4-FFF2-40B4-BE49-F238E27FC236}">
-                <a16:creationId xmlns:a16="http://schemas.microsoft.com/office/drawing/2014/main" id="{537CF4C5-19DD-1456-A479-EB3A56303A29}"/>
+                <a16:creationId xmlns:a16="http://schemas.microsoft.com/office/drawing/2014/main" id="{DDA2806D-35FE-24B5-F6B0-BC4E91E20B63}"/>
               </a:ext>
             </a:extLst>
           </p:cNvPr>
@@ -13484,31 +13193,281 @@
             <a:spLocks noGrp="1"/>
           </p:cNvSpPr>
           <p:nvPr>
-            <p:ph type="title"/>
+            <p:ph type="body" sz="quarter" idx="10"/>
           </p:nvPr>
         </p:nvSpPr>
         <p:spPr/>
         <p:txBody>
-          <a:bodyPr/>
+          <a:bodyPr>
+            <a:normAutofit lnSpcReduction="10000"/>
+          </a:bodyPr>
           <a:lstStyle/>
           <a:p>
-            <a:r>
-              <a:rPr lang="en-CA" dirty="0"/>
-              <a:t>Part II – Basic Git Features</a:t>
-            </a:r>
+            <a:pPr marL="0" indent="0">
+              <a:buNone/>
+            </a:pPr>
+            <a:r>
+              <a:rPr lang="en-CA" b="1" dirty="0"/>
+              <a:t>Summary</a:t>
+            </a:r>
+          </a:p>
+          <a:p>
+            <a:endParaRPr lang="en-CA" dirty="0"/>
+          </a:p>
+          <a:p>
+            <a:r>
+              <a:rPr lang="en-CA" dirty="0"/>
+              <a:t>Untracked or modified files are first </a:t>
+            </a:r>
+            <a:r>
+              <a:rPr lang="en-CA" b="1" dirty="0"/>
+              <a:t>added </a:t>
+            </a:r>
+            <a:r>
+              <a:rPr lang="en-CA" dirty="0"/>
+              <a:t>to the </a:t>
+            </a:r>
+            <a:r>
+              <a:rPr lang="en-CA" b="1" dirty="0"/>
+              <a:t>staging area</a:t>
+            </a:r>
+          </a:p>
+          <a:p>
+            <a:endParaRPr lang="en-CA" dirty="0"/>
+          </a:p>
+          <a:p>
+            <a:r>
+              <a:rPr lang="en-CA" dirty="0"/>
+              <a:t>Changes that have been staged can then be </a:t>
+            </a:r>
+            <a:r>
+              <a:rPr lang="en-CA" b="1" dirty="0"/>
+              <a:t>committed </a:t>
+            </a:r>
+            <a:r>
+              <a:rPr lang="en-CA" dirty="0"/>
+              <a:t>to the </a:t>
+            </a:r>
+            <a:r>
+              <a:rPr lang="en-CA" b="1" dirty="0"/>
+              <a:t>local repository</a:t>
+            </a:r>
+          </a:p>
+          <a:p>
+            <a:endParaRPr lang="en-CA" dirty="0"/>
+          </a:p>
+          <a:p>
+            <a:r>
+              <a:rPr lang="en-CA" dirty="0"/>
+              <a:t>Commits can then be used to </a:t>
+            </a:r>
+            <a:r>
+              <a:rPr lang="en-CA" b="1" dirty="0"/>
+              <a:t>revert </a:t>
+            </a:r>
+            <a:r>
+              <a:rPr lang="en-CA" dirty="0"/>
+              <a:t>to previous instances of the project or simply to </a:t>
+            </a:r>
+            <a:r>
+              <a:rPr lang="en-CA" b="1" dirty="0"/>
+              <a:t>keep track</a:t>
+            </a:r>
+            <a:r>
+              <a:rPr lang="en-CA" dirty="0"/>
+              <a:t> of what changes have been made</a:t>
+            </a:r>
+            <a:endParaRPr lang="en-CA" b="1" dirty="0"/>
           </a:p>
         </p:txBody>
       </p:sp>
     </p:spTree>
     <p:extLst>
       <p:ext uri="{BB962C8B-B14F-4D97-AF65-F5344CB8AC3E}">
-        <p14:creationId xmlns:p14="http://schemas.microsoft.com/office/powerpoint/2010/main" val="1442157030"/>
+        <p14:creationId xmlns:p14="http://schemas.microsoft.com/office/powerpoint/2010/main" val="607115465"/>
       </p:ext>
     </p:extLst>
   </p:cSld>
   <p:clrMapOvr>
     <a:masterClrMapping/>
   </p:clrMapOvr>
+  <p:timing>
+    <p:tnLst>
+      <p:par>
+        <p:cTn id="1" dur="indefinite" restart="never" nodeType="tmRoot">
+          <p:childTnLst>
+            <p:seq concurrent="1" nextAc="seek">
+              <p:cTn id="2" dur="indefinite" nodeType="mainSeq">
+                <p:childTnLst>
+                  <p:par>
+                    <p:cTn id="3" fill="hold">
+                      <p:stCondLst>
+                        <p:cond delay="indefinite"/>
+                      </p:stCondLst>
+                      <p:childTnLst>
+                        <p:par>
+                          <p:cTn id="4" fill="hold">
+                            <p:stCondLst>
+                              <p:cond delay="0"/>
+                            </p:stCondLst>
+                            <p:childTnLst>
+                              <p:par>
+                                <p:cTn id="5" presetID="1" presetClass="entr" presetSubtype="0" fill="hold" nodeType="clickEffect">
+                                  <p:stCondLst>
+                                    <p:cond delay="0"/>
+                                  </p:stCondLst>
+                                  <p:childTnLst>
+                                    <p:set>
+                                      <p:cBhvr>
+                                        <p:cTn id="6" dur="1" fill="hold">
+                                          <p:stCondLst>
+                                            <p:cond delay="0"/>
+                                          </p:stCondLst>
+                                        </p:cTn>
+                                        <p:tgtEl>
+                                          <p:spTgt spid="2">
+                                            <p:txEl>
+                                              <p:pRg st="2" end="2"/>
+                                            </p:txEl>
+                                          </p:spTgt>
+                                        </p:tgtEl>
+                                        <p:attrNameLst>
+                                          <p:attrName>style.visibility</p:attrName>
+                                        </p:attrNameLst>
+                                      </p:cBhvr>
+                                      <p:to>
+                                        <p:strVal val="visible"/>
+                                      </p:to>
+                                    </p:set>
+                                  </p:childTnLst>
+                                </p:cTn>
+                              </p:par>
+                            </p:childTnLst>
+                          </p:cTn>
+                        </p:par>
+                      </p:childTnLst>
+                    </p:cTn>
+                  </p:par>
+                  <p:par>
+                    <p:cTn id="7" fill="hold">
+                      <p:stCondLst>
+                        <p:cond delay="indefinite"/>
+                      </p:stCondLst>
+                      <p:childTnLst>
+                        <p:par>
+                          <p:cTn id="8" fill="hold">
+                            <p:stCondLst>
+                              <p:cond delay="0"/>
+                            </p:stCondLst>
+                            <p:childTnLst>
+                              <p:par>
+                                <p:cTn id="9" presetID="1" presetClass="entr" presetSubtype="0" fill="hold" nodeType="clickEffect">
+                                  <p:stCondLst>
+                                    <p:cond delay="0"/>
+                                  </p:stCondLst>
+                                  <p:childTnLst>
+                                    <p:set>
+                                      <p:cBhvr>
+                                        <p:cTn id="10" dur="1" fill="hold">
+                                          <p:stCondLst>
+                                            <p:cond delay="0"/>
+                                          </p:stCondLst>
+                                        </p:cTn>
+                                        <p:tgtEl>
+                                          <p:spTgt spid="2">
+                                            <p:txEl>
+                                              <p:pRg st="4" end="4"/>
+                                            </p:txEl>
+                                          </p:spTgt>
+                                        </p:tgtEl>
+                                        <p:attrNameLst>
+                                          <p:attrName>style.visibility</p:attrName>
+                                        </p:attrNameLst>
+                                      </p:cBhvr>
+                                      <p:to>
+                                        <p:strVal val="visible"/>
+                                      </p:to>
+                                    </p:set>
+                                  </p:childTnLst>
+                                </p:cTn>
+                              </p:par>
+                            </p:childTnLst>
+                          </p:cTn>
+                        </p:par>
+                      </p:childTnLst>
+                    </p:cTn>
+                  </p:par>
+                  <p:par>
+                    <p:cTn id="11" fill="hold">
+                      <p:stCondLst>
+                        <p:cond delay="indefinite"/>
+                      </p:stCondLst>
+                      <p:childTnLst>
+                        <p:par>
+                          <p:cTn id="12" fill="hold">
+                            <p:stCondLst>
+                              <p:cond delay="0"/>
+                            </p:stCondLst>
+                            <p:childTnLst>
+                              <p:par>
+                                <p:cTn id="13" presetID="1" presetClass="entr" presetSubtype="0" fill="hold" nodeType="clickEffect">
+                                  <p:stCondLst>
+                                    <p:cond delay="0"/>
+                                  </p:stCondLst>
+                                  <p:childTnLst>
+                                    <p:set>
+                                      <p:cBhvr>
+                                        <p:cTn id="14" dur="1" fill="hold">
+                                          <p:stCondLst>
+                                            <p:cond delay="0"/>
+                                          </p:stCondLst>
+                                        </p:cTn>
+                                        <p:tgtEl>
+                                          <p:spTgt spid="2">
+                                            <p:txEl>
+                                              <p:pRg st="6" end="6"/>
+                                            </p:txEl>
+                                          </p:spTgt>
+                                        </p:tgtEl>
+                                        <p:attrNameLst>
+                                          <p:attrName>style.visibility</p:attrName>
+                                        </p:attrNameLst>
+                                      </p:cBhvr>
+                                      <p:to>
+                                        <p:strVal val="visible"/>
+                                      </p:to>
+                                    </p:set>
+                                  </p:childTnLst>
+                                </p:cTn>
+                              </p:par>
+                            </p:childTnLst>
+                          </p:cTn>
+                        </p:par>
+                      </p:childTnLst>
+                    </p:cTn>
+                  </p:par>
+                </p:childTnLst>
+              </p:cTn>
+              <p:prevCondLst>
+                <p:cond evt="onPrev" delay="0">
+                  <p:tgtEl>
+                    <p:sldTgt/>
+                  </p:tgtEl>
+                </p:cond>
+              </p:prevCondLst>
+              <p:nextCondLst>
+                <p:cond evt="onNext" delay="0">
+                  <p:tgtEl>
+                    <p:sldTgt/>
+                  </p:tgtEl>
+                </p:cond>
+              </p:nextCondLst>
+            </p:seq>
+          </p:childTnLst>
+        </p:cTn>
+      </p:par>
+    </p:tnLst>
+  </p:timing>
 </p:sld>
 </file>
 
@@ -13531,10 +13490,10 @@
       </p:grpSpPr>
       <p:sp>
         <p:nvSpPr>
-          <p:cNvPr id="2" name="Text Placeholder 1">
+          <p:cNvPr id="2" name="Title 1">
             <a:extLst>
               <a:ext uri="{FF2B5EF4-FFF2-40B4-BE49-F238E27FC236}">
-                <a16:creationId xmlns:a16="http://schemas.microsoft.com/office/drawing/2014/main" id="{F30F071A-0450-8F6E-F28D-8124D7A90523}"/>
+                <a16:creationId xmlns:a16="http://schemas.microsoft.com/office/drawing/2014/main" id="{537CF4C5-19DD-1456-A479-EB3A56303A29}"/>
               </a:ext>
             </a:extLst>
           </p:cNvPr>
@@ -13542,7 +13501,7 @@
             <a:spLocks noGrp="1"/>
           </p:cNvSpPr>
           <p:nvPr>
-            <p:ph type="body" sz="quarter" idx="10"/>
+            <p:ph type="title"/>
           </p:nvPr>
         </p:nvSpPr>
         <p:spPr/>
@@ -13550,50 +13509,17 @@
           <a:bodyPr/>
           <a:lstStyle/>
           <a:p>
-            <a:pPr marL="0" indent="0">
-              <a:buNone/>
-            </a:pPr>
-            <a:endParaRPr lang="en-CA" b="1" dirty="0"/>
-          </a:p>
-          <a:p>
-            <a:pPr marL="0" indent="0">
-              <a:buNone/>
-            </a:pPr>
-            <a:endParaRPr lang="en-CA" b="1" dirty="0"/>
-          </a:p>
-          <a:p>
-            <a:pPr marL="0" indent="0">
-              <a:buNone/>
-            </a:pPr>
-            <a:endParaRPr lang="en-CA" b="1" dirty="0"/>
-          </a:p>
-          <a:p>
-            <a:pPr marL="0" indent="0">
-              <a:buNone/>
-            </a:pPr>
-            <a:endParaRPr lang="en-CA" b="1" dirty="0"/>
-          </a:p>
-          <a:p>
-            <a:pPr marL="0" indent="0">
-              <a:buNone/>
-            </a:pPr>
-            <a:r>
-              <a:rPr lang="en-CA" b="1" dirty="0"/>
-              <a:t>Activity #0 – Initialize a Git Repository</a:t>
-            </a:r>
-          </a:p>
-          <a:p>
-            <a:pPr marL="0" indent="0">
-              <a:buNone/>
-            </a:pPr>
-            <a:endParaRPr lang="en-CA" b="1" dirty="0"/>
+            <a:r>
+              <a:rPr lang="en-CA" dirty="0"/>
+              <a:t>Part II – Basic Git Features</a:t>
+            </a:r>
           </a:p>
         </p:txBody>
       </p:sp>
     </p:spTree>
     <p:extLst>
       <p:ext uri="{BB962C8B-B14F-4D97-AF65-F5344CB8AC3E}">
-        <p14:creationId xmlns:p14="http://schemas.microsoft.com/office/powerpoint/2010/main" val="4084145476"/>
+        <p14:creationId xmlns:p14="http://schemas.microsoft.com/office/powerpoint/2010/main" val="1442157030"/>
       </p:ext>
     </p:extLst>
   </p:cSld>
@@ -13644,59 +13570,34 @@
             <a:pPr marL="0" indent="0">
               <a:buNone/>
             </a:pPr>
+            <a:endParaRPr lang="en-CA" b="1" dirty="0"/>
+          </a:p>
+          <a:p>
+            <a:pPr marL="0" indent="0">
+              <a:buNone/>
+            </a:pPr>
+            <a:endParaRPr lang="en-CA" b="1" dirty="0"/>
+          </a:p>
+          <a:p>
+            <a:pPr marL="0" indent="0">
+              <a:buNone/>
+            </a:pPr>
+            <a:endParaRPr lang="en-CA" b="1" dirty="0"/>
+          </a:p>
+          <a:p>
+            <a:pPr marL="0" indent="0">
+              <a:buNone/>
+            </a:pPr>
+            <a:endParaRPr lang="en-CA" b="1" dirty="0"/>
+          </a:p>
+          <a:p>
+            <a:pPr marL="0" indent="0">
+              <a:buNone/>
+            </a:pPr>
             <a:r>
               <a:rPr lang="en-CA" b="1" dirty="0"/>
               <a:t>Activity #0 – Initialize a Git Repository</a:t>
             </a:r>
-          </a:p>
-          <a:p>
-            <a:pPr marL="0" indent="0">
-              <a:buNone/>
-            </a:pPr>
-            <a:endParaRPr lang="en-CA" b="1" dirty="0"/>
-          </a:p>
-          <a:p>
-            <a:pPr marL="514350" indent="-514350">
-              <a:buFont typeface="+mj-lt"/>
-              <a:buAutoNum type="arabicPeriod"/>
-            </a:pPr>
-            <a:r>
-              <a:rPr lang="en-CA" dirty="0"/>
-              <a:t>Create a new Git Repository (File </a:t>
-            </a:r>
-            <a:r>
-              <a:rPr lang="en-CA" dirty="0">
-                <a:sym typeface="Wingdings" panose="05000000000000000000" pitchFamily="2" charset="2"/>
-              </a:rPr>
-              <a:t> new repo OR “create a new repository on your hard drive”)</a:t>
-            </a:r>
-          </a:p>
-          <a:p>
-            <a:pPr marL="514350" indent="-514350">
-              <a:buFont typeface="+mj-lt"/>
-              <a:buAutoNum type="arabicPeriod"/>
-            </a:pPr>
-            <a:endParaRPr lang="en-CA" dirty="0">
-              <a:sym typeface="Wingdings" panose="05000000000000000000" pitchFamily="2" charset="2"/>
-            </a:endParaRPr>
-          </a:p>
-          <a:p>
-            <a:pPr marL="514350" indent="-514350">
-              <a:buFont typeface="+mj-lt"/>
-              <a:buAutoNum type="arabicPeriod"/>
-            </a:pPr>
-            <a:r>
-              <a:rPr lang="en-CA" dirty="0">
-                <a:sym typeface="Wingdings" panose="05000000000000000000" pitchFamily="2" charset="2"/>
-              </a:rPr>
-              <a:t>Open the generated project folder, what do you see?</a:t>
-            </a:r>
-          </a:p>
-          <a:p>
-            <a:pPr marL="0" indent="0">
-              <a:buNone/>
-            </a:pPr>
-            <a:endParaRPr lang="en-CA" dirty="0"/>
           </a:p>
           <a:p>
             <a:pPr marL="0" indent="0">
@@ -13709,7 +13610,7 @@
     </p:spTree>
     <p:extLst>
       <p:ext uri="{BB962C8B-B14F-4D97-AF65-F5344CB8AC3E}">
-        <p14:creationId xmlns:p14="http://schemas.microsoft.com/office/powerpoint/2010/main" val="678388880"/>
+        <p14:creationId xmlns:p14="http://schemas.microsoft.com/office/powerpoint/2010/main" val="4084145476"/>
       </p:ext>
     </p:extLst>
   </p:cSld>
@@ -13736,43 +13637,12 @@
           <a:chExt cx="0" cy="0"/>
         </a:xfrm>
       </p:grpSpPr>
-      <p:pic>
-        <p:nvPicPr>
-          <p:cNvPr id="6" name="Content Placeholder 5" descr="A map of a city&#10;&#10;Description automatically generated">
+      <p:sp>
+        <p:nvSpPr>
+          <p:cNvPr id="4" name="Titre 3">
             <a:extLst>
               <a:ext uri="{FF2B5EF4-FFF2-40B4-BE49-F238E27FC236}">
-                <a16:creationId xmlns:a16="http://schemas.microsoft.com/office/drawing/2014/main" id="{D0078521-6D64-1BCE-B884-04EC922C6743}"/>
-              </a:ext>
-            </a:extLst>
-          </p:cNvPr>
-          <p:cNvPicPr>
-            <a:picLocks noGrp="1" noChangeAspect="1"/>
-          </p:cNvPicPr>
-          <p:nvPr>
-            <p:ph sz="half" idx="1"/>
-          </p:nvPr>
-        </p:nvPicPr>
-        <p:blipFill rotWithShape="1">
-          <a:blip r:embed="rId2"/>
-          <a:srcRect r="34815"/>
-          <a:stretch/>
-        </p:blipFill>
-        <p:spPr>
-          <a:xfrm>
-            <a:off x="860093" y="2051047"/>
-            <a:ext cx="2765329" cy="2517036"/>
-          </a:xfrm>
-          <a:prstGeom prst="ellipse">
-            <a:avLst/>
-          </a:prstGeom>
-        </p:spPr>
-      </p:pic>
-      <p:sp>
-        <p:nvSpPr>
-          <p:cNvPr id="4" name="Content Placeholder 3">
-            <a:extLst>
-              <a:ext uri="{FF2B5EF4-FFF2-40B4-BE49-F238E27FC236}">
-                <a16:creationId xmlns:a16="http://schemas.microsoft.com/office/drawing/2014/main" id="{8AE12D43-9137-DB7C-570B-E48AB2308897}"/>
+                <a16:creationId xmlns:a16="http://schemas.microsoft.com/office/drawing/2014/main" id="{A45C165F-BC2D-0A42-B582-A27AE4DBB9CF}"/>
               </a:ext>
             </a:extLst>
           </p:cNvPr>
@@ -13780,242 +13650,243 @@
             <a:spLocks noGrp="1"/>
           </p:cNvSpPr>
           <p:nvPr>
-            <p:ph sz="half" idx="2"/>
+            <p:ph type="title"/>
           </p:nvPr>
         </p:nvSpPr>
-        <p:spPr>
-          <a:xfrm>
-            <a:off x="924887" y="4823937"/>
-            <a:ext cx="3224152" cy="1266357"/>
-          </a:xfrm>
-        </p:spPr>
+        <p:spPr/>
         <p:txBody>
-          <a:bodyPr>
-            <a:normAutofit/>
-          </a:bodyPr>
+          <a:bodyPr/>
           <a:lstStyle/>
           <a:p>
-            <a:pPr marL="0" indent="0">
-              <a:buNone/>
-            </a:pPr>
-            <a:r>
-              <a:rPr lang="en-CA" sz="1800"/>
-              <a:t>Location: 740 Dr. Penfield Avenue, Montreal, Quebec</a:t>
+            <a:r>
+              <a:rPr lang="en-CA" dirty="0"/>
+              <a:t>Introduction to Git and GitHub</a:t>
             </a:r>
           </a:p>
         </p:txBody>
       </p:sp>
       <p:sp>
         <p:nvSpPr>
-          <p:cNvPr id="8" name="TextBox 7">
+          <p:cNvPr id="3" name="Espace réservé du texte 2">
             <a:extLst>
               <a:ext uri="{FF2B5EF4-FFF2-40B4-BE49-F238E27FC236}">
-                <a16:creationId xmlns:a16="http://schemas.microsoft.com/office/drawing/2014/main" id="{2A92A9C4-6F5B-9A18-012E-5626D25E3582}"/>
+                <a16:creationId xmlns:a16="http://schemas.microsoft.com/office/drawing/2014/main" id="{E7537085-13D1-FBF7-FC22-14EA9C5F5578}"/>
               </a:ext>
             </a:extLst>
           </p:cNvPr>
-          <p:cNvSpPr txBox="1"/>
+          <p:cNvSpPr txBox="1">
+            <a:spLocks/>
+          </p:cNvSpPr>
           <p:nvPr/>
         </p:nvSpPr>
         <p:spPr>
           <a:xfrm>
-            <a:off x="1438517" y="1344109"/>
-            <a:ext cx="6283877" cy="923330"/>
-          </a:xfrm>
-          <a:prstGeom prst="rect">
-            <a:avLst/>
-          </a:prstGeom>
-          <a:noFill/>
-        </p:spPr>
-        <p:txBody>
-          <a:bodyPr wrap="square" lIns="91440" tIns="45720" rIns="91440" bIns="45720" rtlCol="0" anchor="t">
-            <a:spAutoFit/>
-          </a:bodyPr>
-          <a:lstStyle/>
-          <a:p>
-            <a:pPr algn="ctr"/>
-            <a:r>
-              <a:rPr lang="en-CA" sz="1800" u="sng">
-                <a:latin typeface="Helvetica" pitchFamily="2" charset="0"/>
-              </a:rPr>
-              <a:t>Mission statement:</a:t>
-            </a:r>
-            <a:r>
-              <a:rPr lang="en-CA" sz="1800">
-                <a:latin typeface="Helvetica" pitchFamily="2" charset="0"/>
-              </a:rPr>
-              <a:t> d</a:t>
-            </a:r>
-            <a:r>
-              <a:rPr lang="en-CA" sz="1800" b="0" i="0">
-                <a:solidFill>
-                  <a:srgbClr val="000000"/>
-                </a:solidFill>
-                <a:effectLst/>
-                <a:latin typeface="Helvetica" pitchFamily="2" charset="0"/>
-                <a:cs typeface="Calibri"/>
-              </a:rPr>
-              <a:t>eliver quality workshops designed to help biomedical researchers develop the skills they need to succeed.</a:t>
-            </a:r>
-            <a:endParaRPr lang="en-CA" sz="1800">
-              <a:latin typeface="Helvetica" pitchFamily="2" charset="0"/>
-              <a:cs typeface="Calibri"/>
-            </a:endParaRPr>
-          </a:p>
-        </p:txBody>
-      </p:sp>
-      <p:pic>
-        <p:nvPicPr>
-          <p:cNvPr id="10" name="Picture 9" descr="A logo with a letter m&#10;&#10;Description automatically generated">
-            <a:extLst>
-              <a:ext uri="{FF2B5EF4-FFF2-40B4-BE49-F238E27FC236}">
-                <a16:creationId xmlns:a16="http://schemas.microsoft.com/office/drawing/2014/main" id="{E494228A-9E5D-1800-FDEC-760556611BD3}"/>
-              </a:ext>
-            </a:extLst>
-          </p:cNvPr>
-          <p:cNvPicPr>
-            <a:picLocks noChangeAspect="1"/>
-          </p:cNvPicPr>
-          <p:nvPr/>
-        </p:nvPicPr>
-        <p:blipFill>
-          <a:blip r:embed="rId3"/>
-          <a:stretch>
-            <a:fillRect/>
-          </a:stretch>
-        </p:blipFill>
-        <p:spPr>
-          <a:xfrm>
-            <a:off x="2574183" y="123976"/>
-            <a:ext cx="3995634" cy="964279"/>
+            <a:off x="623888" y="4589471"/>
+            <a:ext cx="7886700" cy="1500188"/>
           </a:xfrm>
           <a:prstGeom prst="rect">
             <a:avLst/>
           </a:prstGeom>
         </p:spPr>
-      </p:pic>
-      <p:pic>
-        <p:nvPicPr>
-          <p:cNvPr id="12" name="Picture 11" descr="A qr code with black squares&#10;&#10;Description automatically generated">
-            <a:extLst>
-              <a:ext uri="{FF2B5EF4-FFF2-40B4-BE49-F238E27FC236}">
-                <a16:creationId xmlns:a16="http://schemas.microsoft.com/office/drawing/2014/main" id="{333BAB40-358F-BE60-7494-578A1971B335}"/>
-              </a:ext>
-            </a:extLst>
-          </p:cNvPr>
-          <p:cNvPicPr>
-            <a:picLocks noChangeAspect="1"/>
-          </p:cNvPicPr>
-          <p:nvPr/>
-        </p:nvPicPr>
-        <p:blipFill>
-          <a:blip r:embed="rId4"/>
-          <a:stretch>
-            <a:fillRect/>
-          </a:stretch>
-        </p:blipFill>
-        <p:spPr>
-          <a:xfrm>
-            <a:off x="5518580" y="2274875"/>
-            <a:ext cx="2203814" cy="2203814"/>
-          </a:xfrm>
-          <a:prstGeom prst="rect">
-            <a:avLst/>
-          </a:prstGeom>
-        </p:spPr>
-      </p:pic>
-      <p:sp>
-        <p:nvSpPr>
-          <p:cNvPr id="13" name="TextBox 12">
-            <a:extLst>
-              <a:ext uri="{FF2B5EF4-FFF2-40B4-BE49-F238E27FC236}">
-                <a16:creationId xmlns:a16="http://schemas.microsoft.com/office/drawing/2014/main" id="{174C1E59-2F37-F73C-4DFA-8971D19A54AE}"/>
-              </a:ext>
-            </a:extLst>
-          </p:cNvPr>
-          <p:cNvSpPr txBox="1"/>
-          <p:nvPr/>
-        </p:nvSpPr>
-        <p:spPr>
-          <a:xfrm>
-            <a:off x="4373913" y="4754930"/>
-            <a:ext cx="4632294" cy="646331"/>
-          </a:xfrm>
-          <a:prstGeom prst="rect">
-            <a:avLst/>
-          </a:prstGeom>
-          <a:noFill/>
-        </p:spPr>
         <p:txBody>
-          <a:bodyPr wrap="square" lIns="91440" tIns="45720" rIns="91440" bIns="45720" rtlCol="0" anchor="t">
-            <a:spAutoFit/>
-          </a:bodyPr>
-          <a:lstStyle/>
-          <a:p>
-            <a:pPr algn="ctr"/>
-            <a:r>
-              <a:rPr lang="en-CA" sz="1800"/>
-              <a:t>Scan the QR code to sign up </a:t>
-            </a:r>
-          </a:p>
-          <a:p>
-            <a:pPr algn="ctr"/>
-            <a:r>
-              <a:rPr lang="en-CA" sz="1800"/>
-              <a:t>for our </a:t>
-            </a:r>
-            <a:r>
-              <a:rPr lang="en-CA" sz="1800" b="1"/>
-              <a:t>mailing list</a:t>
-            </a:r>
-            <a:endParaRPr lang="en-CA" sz="1800"/>
-          </a:p>
-        </p:txBody>
-      </p:sp>
-      <p:sp>
-        <p:nvSpPr>
-          <p:cNvPr id="3" name="TextBox 2">
-            <a:extLst>
-              <a:ext uri="{FF2B5EF4-FFF2-40B4-BE49-F238E27FC236}">
-                <a16:creationId xmlns:a16="http://schemas.microsoft.com/office/drawing/2014/main" id="{8E0D0C58-4777-B836-81EE-F027A53CFFAF}"/>
-              </a:ext>
-            </a:extLst>
-          </p:cNvPr>
-          <p:cNvSpPr txBox="1"/>
-          <p:nvPr/>
-        </p:nvSpPr>
-        <p:spPr>
-          <a:xfrm>
-            <a:off x="2574183" y="5662343"/>
-            <a:ext cx="4596848" cy="369332"/>
-          </a:xfrm>
-          <a:prstGeom prst="rect">
-            <a:avLst/>
-          </a:prstGeom>
-          <a:noFill/>
-        </p:spPr>
-        <p:txBody>
-          <a:bodyPr wrap="square">
-            <a:spAutoFit/>
-          </a:bodyPr>
-          <a:lstStyle/>
+          <a:bodyPr/>
+          <a:lstStyle>
+            <a:lvl1pPr marL="228540" indent="-228540" algn="l" defTabSz="914175" rtl="0" eaLnBrk="1" latinLnBrk="0" hangingPunct="1">
+              <a:lnSpc>
+                <a:spcPct val="90000"/>
+              </a:lnSpc>
+              <a:spcBef>
+                <a:spcPts val="998"/>
+              </a:spcBef>
+              <a:buFont typeface="Arial" panose="020B0604020202020204" pitchFamily="34" charset="0"/>
+              <a:buChar char="•"/>
+              <a:defRPr sz="2798" kern="1200">
+                <a:solidFill>
+                  <a:schemeClr val="tx1"/>
+                </a:solidFill>
+                <a:latin typeface="+mn-lt"/>
+                <a:ea typeface="+mn-ea"/>
+                <a:cs typeface="+mn-cs"/>
+              </a:defRPr>
+            </a:lvl1pPr>
+            <a:lvl2pPr marL="685628" indent="-228540" algn="l" defTabSz="914175" rtl="0" eaLnBrk="1" latinLnBrk="0" hangingPunct="1">
+              <a:lnSpc>
+                <a:spcPct val="90000"/>
+              </a:lnSpc>
+              <a:spcBef>
+                <a:spcPts val="503"/>
+              </a:spcBef>
+              <a:buFont typeface="Arial" panose="020B0604020202020204" pitchFamily="34" charset="0"/>
+              <a:buChar char="•"/>
+              <a:defRPr sz="2400" kern="1200">
+                <a:solidFill>
+                  <a:schemeClr val="tx1"/>
+                </a:solidFill>
+                <a:latin typeface="+mn-lt"/>
+                <a:ea typeface="+mn-ea"/>
+                <a:cs typeface="+mn-cs"/>
+              </a:defRPr>
+            </a:lvl2pPr>
+            <a:lvl3pPr marL="1142715" indent="-228540" algn="l" defTabSz="914175" rtl="0" eaLnBrk="1" latinLnBrk="0" hangingPunct="1">
+              <a:lnSpc>
+                <a:spcPct val="90000"/>
+              </a:lnSpc>
+              <a:spcBef>
+                <a:spcPts val="503"/>
+              </a:spcBef>
+              <a:buFont typeface="Arial" panose="020B0604020202020204" pitchFamily="34" charset="0"/>
+              <a:buChar char="•"/>
+              <a:defRPr sz="2002" kern="1200">
+                <a:solidFill>
+                  <a:schemeClr val="tx1"/>
+                </a:solidFill>
+                <a:latin typeface="+mn-lt"/>
+                <a:ea typeface="+mn-ea"/>
+                <a:cs typeface="+mn-cs"/>
+              </a:defRPr>
+            </a:lvl3pPr>
+            <a:lvl4pPr marL="1599803" indent="-228540" algn="l" defTabSz="914175" rtl="0" eaLnBrk="1" latinLnBrk="0" hangingPunct="1">
+              <a:lnSpc>
+                <a:spcPct val="90000"/>
+              </a:lnSpc>
+              <a:spcBef>
+                <a:spcPts val="503"/>
+              </a:spcBef>
+              <a:buFont typeface="Arial" panose="020B0604020202020204" pitchFamily="34" charset="0"/>
+              <a:buChar char="•"/>
+              <a:defRPr sz="1800" kern="1200">
+                <a:solidFill>
+                  <a:schemeClr val="tx1"/>
+                </a:solidFill>
+                <a:latin typeface="+mn-lt"/>
+                <a:ea typeface="+mn-ea"/>
+                <a:cs typeface="+mn-cs"/>
+              </a:defRPr>
+            </a:lvl4pPr>
+            <a:lvl5pPr marL="2056883" indent="-228540" algn="l" defTabSz="914175" rtl="0" eaLnBrk="1" latinLnBrk="0" hangingPunct="1">
+              <a:lnSpc>
+                <a:spcPct val="90000"/>
+              </a:lnSpc>
+              <a:spcBef>
+                <a:spcPts val="503"/>
+              </a:spcBef>
+              <a:buFont typeface="Arial" panose="020B0604020202020204" pitchFamily="34" charset="0"/>
+              <a:buChar char="•"/>
+              <a:defRPr sz="1800" kern="1200">
+                <a:solidFill>
+                  <a:schemeClr val="tx1"/>
+                </a:solidFill>
+                <a:latin typeface="+mn-lt"/>
+                <a:ea typeface="+mn-ea"/>
+                <a:cs typeface="+mn-cs"/>
+              </a:defRPr>
+            </a:lvl5pPr>
+            <a:lvl6pPr marL="2513970" indent="-228540" algn="l" defTabSz="914175" rtl="0" eaLnBrk="1" latinLnBrk="0" hangingPunct="1">
+              <a:lnSpc>
+                <a:spcPct val="90000"/>
+              </a:lnSpc>
+              <a:spcBef>
+                <a:spcPts val="503"/>
+              </a:spcBef>
+              <a:buFont typeface="Arial" panose="020B0604020202020204" pitchFamily="34" charset="0"/>
+              <a:buChar char="•"/>
+              <a:defRPr sz="1800" kern="1200">
+                <a:solidFill>
+                  <a:schemeClr val="tx1"/>
+                </a:solidFill>
+                <a:latin typeface="+mn-lt"/>
+                <a:ea typeface="+mn-ea"/>
+                <a:cs typeface="+mn-cs"/>
+              </a:defRPr>
+            </a:lvl6pPr>
+            <a:lvl7pPr marL="2971058" indent="-228540" algn="l" defTabSz="914175" rtl="0" eaLnBrk="1" latinLnBrk="0" hangingPunct="1">
+              <a:lnSpc>
+                <a:spcPct val="90000"/>
+              </a:lnSpc>
+              <a:spcBef>
+                <a:spcPts val="503"/>
+              </a:spcBef>
+              <a:buFont typeface="Arial" panose="020B0604020202020204" pitchFamily="34" charset="0"/>
+              <a:buChar char="•"/>
+              <a:defRPr sz="1800" kern="1200">
+                <a:solidFill>
+                  <a:schemeClr val="tx1"/>
+                </a:solidFill>
+                <a:latin typeface="+mn-lt"/>
+                <a:ea typeface="+mn-ea"/>
+                <a:cs typeface="+mn-cs"/>
+              </a:defRPr>
+            </a:lvl7pPr>
+            <a:lvl8pPr marL="3428145" indent="-228540" algn="l" defTabSz="914175" rtl="0" eaLnBrk="1" latinLnBrk="0" hangingPunct="1">
+              <a:lnSpc>
+                <a:spcPct val="90000"/>
+              </a:lnSpc>
+              <a:spcBef>
+                <a:spcPts val="503"/>
+              </a:spcBef>
+              <a:buFont typeface="Arial" panose="020B0604020202020204" pitchFamily="34" charset="0"/>
+              <a:buChar char="•"/>
+              <a:defRPr sz="1800" kern="1200">
+                <a:solidFill>
+                  <a:schemeClr val="tx1"/>
+                </a:solidFill>
+                <a:latin typeface="+mn-lt"/>
+                <a:ea typeface="+mn-ea"/>
+                <a:cs typeface="+mn-cs"/>
+              </a:defRPr>
+            </a:lvl8pPr>
+            <a:lvl9pPr marL="3885225" indent="-228540" algn="l" defTabSz="914175" rtl="0" eaLnBrk="1" latinLnBrk="0" hangingPunct="1">
+              <a:lnSpc>
+                <a:spcPct val="90000"/>
+              </a:lnSpc>
+              <a:spcBef>
+                <a:spcPts val="503"/>
+              </a:spcBef>
+              <a:buFont typeface="Arial" panose="020B0604020202020204" pitchFamily="34" charset="0"/>
+              <a:buChar char="•"/>
+              <a:defRPr sz="1800" kern="1200">
+                <a:solidFill>
+                  <a:schemeClr val="tx1"/>
+                </a:solidFill>
+                <a:latin typeface="+mn-lt"/>
+                <a:ea typeface="+mn-ea"/>
+                <a:cs typeface="+mn-cs"/>
+              </a:defRPr>
+            </a:lvl9pPr>
+          </a:lstStyle>
           <a:p>
             <a:pPr marL="0" indent="0">
               <a:buNone/>
             </a:pPr>
             <a:r>
-              <a:rPr lang="en-CA" sz="1800" dirty="0"/>
-              <a:t>Contact: </a:t>
-            </a:r>
-            <a:r>
-              <a:rPr lang="en-CA" sz="1800" dirty="0">
-                <a:hlinkClick r:id="rId5"/>
-              </a:rPr>
-              <a:t>workshop-micm@mcgill.ca</a:t>
-            </a:r>
-            <a:r>
-              <a:rPr lang="en-CA" sz="1800" dirty="0"/>
-              <a:t> </a:t>
+              <a:rPr lang="en-CA" dirty="0"/>
+              <a:t>Workshop Lead: Adrien Osakwe</a:t>
+            </a:r>
+          </a:p>
+          <a:p>
+            <a:pPr marL="0" indent="0">
+              <a:buNone/>
+            </a:pPr>
+            <a:r>
+              <a:rPr lang="en-CA" dirty="0"/>
+              <a:t>Facilitator: Martina Yang</a:t>
+            </a:r>
+          </a:p>
+          <a:p>
+            <a:pPr marL="0" indent="0">
+              <a:buNone/>
+            </a:pPr>
+            <a:r>
+              <a:rPr lang="en-CA" dirty="0"/>
+              <a:t>June 26</a:t>
+            </a:r>
+            <a:r>
+              <a:rPr lang="en-CA" baseline="30000" dirty="0"/>
+              <a:t>th</a:t>
+            </a:r>
+            <a:r>
+              <a:rPr lang="en-CA" dirty="0"/>
+              <a:t>, 2025</a:t>
             </a:r>
           </a:p>
         </p:txBody>
@@ -14023,7 +13894,7 @@
     </p:spTree>
     <p:extLst>
       <p:ext uri="{BB962C8B-B14F-4D97-AF65-F5344CB8AC3E}">
-        <p14:creationId xmlns:p14="http://schemas.microsoft.com/office/powerpoint/2010/main" val="1324269546"/>
+        <p14:creationId xmlns:p14="http://schemas.microsoft.com/office/powerpoint/2010/main" val="2389275097"/>
       </p:ext>
     </p:extLst>
   </p:cSld>
@@ -14074,7 +13945,10 @@
             <a:pPr marL="0" indent="0">
               <a:buNone/>
             </a:pPr>
-            <a:endParaRPr lang="en-CA" b="1" dirty="0"/>
+            <a:r>
+              <a:rPr lang="en-CA" b="1" dirty="0"/>
+              <a:t>Activity #0 – Initialize a Git Repository</a:t>
+            </a:r>
           </a:p>
           <a:p>
             <a:pPr marL="0" indent="0">
@@ -14083,32 +13957,60 @@
             <a:endParaRPr lang="en-CA" b="1" dirty="0"/>
           </a:p>
           <a:p>
+            <a:pPr marL="514350" indent="-514350">
+              <a:buFont typeface="+mj-lt"/>
+              <a:buAutoNum type="arabicPeriod"/>
+            </a:pPr>
+            <a:r>
+              <a:rPr lang="en-CA" dirty="0"/>
+              <a:t>Create a new Git Repository (File </a:t>
+            </a:r>
+            <a:r>
+              <a:rPr lang="en-CA" dirty="0">
+                <a:sym typeface="Wingdings" panose="05000000000000000000" pitchFamily="2" charset="2"/>
+              </a:rPr>
+              <a:t> new repo OR “create a new repository on your hard drive”)</a:t>
+            </a:r>
+          </a:p>
+          <a:p>
+            <a:pPr marL="514350" indent="-514350">
+              <a:buFont typeface="+mj-lt"/>
+              <a:buAutoNum type="arabicPeriod"/>
+            </a:pPr>
+            <a:endParaRPr lang="en-CA" dirty="0">
+              <a:sym typeface="Wingdings" panose="05000000000000000000" pitchFamily="2" charset="2"/>
+            </a:endParaRPr>
+          </a:p>
+          <a:p>
+            <a:pPr marL="514350" indent="-514350">
+              <a:buFont typeface="+mj-lt"/>
+              <a:buAutoNum type="arabicPeriod"/>
+            </a:pPr>
+            <a:r>
+              <a:rPr lang="en-CA" dirty="0">
+                <a:sym typeface="Wingdings" panose="05000000000000000000" pitchFamily="2" charset="2"/>
+              </a:rPr>
+              <a:t>Open the generated project folder, what do you see?</a:t>
+            </a:r>
+          </a:p>
+          <a:p>
             <a:pPr marL="0" indent="0">
               <a:buNone/>
             </a:pPr>
-            <a:endParaRPr lang="en-CA" b="1" dirty="0"/>
+            <a:endParaRPr lang="en-CA" dirty="0"/>
           </a:p>
           <a:p>
             <a:pPr marL="0" indent="0">
               <a:buNone/>
             </a:pPr>
             <a:endParaRPr lang="en-CA" b="1" dirty="0"/>
-          </a:p>
-          <a:p>
-            <a:pPr marL="0" indent="0">
-              <a:buNone/>
-            </a:pPr>
-            <a:r>
-              <a:rPr lang="en-CA" b="1" dirty="0"/>
-              <a:t>Activity #1 – Create and track a Text File with Git</a:t>
-            </a:r>
           </a:p>
         </p:txBody>
       </p:sp>
     </p:spTree>
     <p:extLst>
       <p:ext uri="{BB962C8B-B14F-4D97-AF65-F5344CB8AC3E}">
-        <p14:creationId xmlns:p14="http://schemas.microsoft.com/office/powerpoint/2010/main" val="634442937"/>
+        <p14:creationId xmlns:p14="http://schemas.microsoft.com/office/powerpoint/2010/main" val="678388880"/>
       </p:ext>
     </p:extLst>
   </p:cSld>
@@ -14153,84 +14055,39 @@
         </p:nvSpPr>
         <p:spPr/>
         <p:txBody>
-          <a:bodyPr>
-            <a:normAutofit lnSpcReduction="10000"/>
-          </a:bodyPr>
+          <a:bodyPr/>
           <a:lstStyle/>
           <a:p>
             <a:pPr marL="0" indent="0">
               <a:buNone/>
             </a:pPr>
+            <a:endParaRPr lang="en-CA" b="1" dirty="0"/>
+          </a:p>
+          <a:p>
+            <a:pPr marL="0" indent="0">
+              <a:buNone/>
+            </a:pPr>
+            <a:endParaRPr lang="en-CA" b="1" dirty="0"/>
+          </a:p>
+          <a:p>
+            <a:pPr marL="0" indent="0">
+              <a:buNone/>
+            </a:pPr>
+            <a:endParaRPr lang="en-CA" b="1" dirty="0"/>
+          </a:p>
+          <a:p>
+            <a:pPr marL="0" indent="0">
+              <a:buNone/>
+            </a:pPr>
+            <a:endParaRPr lang="en-CA" b="1" dirty="0"/>
+          </a:p>
+          <a:p>
+            <a:pPr marL="0" indent="0">
+              <a:buNone/>
+            </a:pPr>
             <a:r>
               <a:rPr lang="en-CA" b="1" dirty="0"/>
               <a:t>Activity #1 – Create and track a Text File with Git</a:t>
-            </a:r>
-          </a:p>
-          <a:p>
-            <a:pPr marL="0" indent="0">
-              <a:buNone/>
-            </a:pPr>
-            <a:endParaRPr lang="en-CA" b="1" dirty="0"/>
-          </a:p>
-          <a:p>
-            <a:pPr marL="514350" indent="-514350">
-              <a:buFont typeface="+mj-lt"/>
-              <a:buAutoNum type="arabicPeriod"/>
-            </a:pPr>
-            <a:r>
-              <a:rPr lang="en-CA" dirty="0"/>
-              <a:t>Create a text file (or code script) in the project folder</a:t>
-            </a:r>
-          </a:p>
-          <a:p>
-            <a:pPr marL="514350" indent="-514350">
-              <a:buFont typeface="+mj-lt"/>
-              <a:buAutoNum type="arabicPeriod"/>
-            </a:pPr>
-            <a:endParaRPr lang="en-CA" dirty="0"/>
-          </a:p>
-          <a:p>
-            <a:pPr marL="514350" indent="-514350">
-              <a:buFont typeface="+mj-lt"/>
-              <a:buAutoNum type="arabicPeriod"/>
-            </a:pPr>
-            <a:r>
-              <a:rPr lang="en-CA" dirty="0"/>
-              <a:t>Open the GitHub Desktop App and add + commit the file to track it. </a:t>
-            </a:r>
-          </a:p>
-          <a:p>
-            <a:pPr marL="514350" indent="-514350">
-              <a:buFont typeface="+mj-lt"/>
-              <a:buAutoNum type="arabicPeriod"/>
-            </a:pPr>
-            <a:endParaRPr lang="en-CA" dirty="0"/>
-          </a:p>
-          <a:p>
-            <a:pPr marL="514350" indent="-514350">
-              <a:buFont typeface="+mj-lt"/>
-              <a:buAutoNum type="arabicPeriod"/>
-            </a:pPr>
-            <a:r>
-              <a:rPr lang="en-CA" dirty="0"/>
-              <a:t>Look at your commit history to see your commit!</a:t>
-            </a:r>
-          </a:p>
-          <a:p>
-            <a:pPr marL="514350" indent="-514350">
-              <a:buFont typeface="+mj-lt"/>
-              <a:buAutoNum type="arabicPeriod"/>
-            </a:pPr>
-            <a:endParaRPr lang="en-CA" dirty="0"/>
-          </a:p>
-          <a:p>
-            <a:pPr marL="514350" indent="-514350">
-              <a:buFont typeface="+mj-lt"/>
-              <a:buAutoNum type="arabicPeriod"/>
-            </a:pPr>
-            <a:r>
-              <a:rPr lang="en-CA" dirty="0"/>
-              <a:t>Modify the file and commit the changes. Try and make informative commit messages!</a:t>
             </a:r>
           </a:p>
         </p:txBody>
@@ -14238,7 +14095,7 @@
     </p:spTree>
     <p:extLst>
       <p:ext uri="{BB962C8B-B14F-4D97-AF65-F5344CB8AC3E}">
-        <p14:creationId xmlns:p14="http://schemas.microsoft.com/office/powerpoint/2010/main" val="907190213"/>
+        <p14:creationId xmlns:p14="http://schemas.microsoft.com/office/powerpoint/2010/main" val="634442937"/>
       </p:ext>
     </p:extLst>
   </p:cSld>
@@ -14283,13 +14140,18 @@
         </p:nvSpPr>
         <p:spPr/>
         <p:txBody>
-          <a:bodyPr/>
+          <a:bodyPr>
+            <a:normAutofit lnSpcReduction="10000"/>
+          </a:bodyPr>
           <a:lstStyle/>
           <a:p>
             <a:pPr marL="0" indent="0">
               <a:buNone/>
             </a:pPr>
-            <a:endParaRPr lang="en-CA" b="1" dirty="0"/>
+            <a:r>
+              <a:rPr lang="en-CA" b="1" dirty="0"/>
+              <a:t>Activity #1 – Create and track a Text File with Git</a:t>
+            </a:r>
           </a:p>
           <a:p>
             <a:pPr marL="0" indent="0">
@@ -14298,24 +14160,64 @@
             <a:endParaRPr lang="en-CA" b="1" dirty="0"/>
           </a:p>
           <a:p>
-            <a:pPr marL="0" indent="0">
-              <a:buNone/>
-            </a:pPr>
-            <a:endParaRPr lang="en-CA" b="1" dirty="0"/>
-          </a:p>
-          <a:p>
-            <a:pPr marL="0" indent="0">
-              <a:buNone/>
-            </a:pPr>
-            <a:endParaRPr lang="en-CA" b="1" dirty="0"/>
-          </a:p>
-          <a:p>
-            <a:pPr marL="0" indent="0">
-              <a:buNone/>
-            </a:pPr>
-            <a:r>
-              <a:rPr lang="en-CA" b="1" dirty="0"/>
-              <a:t>Activity #2 – Revert a file to a previous commit</a:t>
+            <a:pPr marL="514350" indent="-514350">
+              <a:buFont typeface="+mj-lt"/>
+              <a:buAutoNum type="arabicPeriod"/>
+            </a:pPr>
+            <a:r>
+              <a:rPr lang="en-CA" dirty="0"/>
+              <a:t>Create a text file (or code script) in the project folder</a:t>
+            </a:r>
+          </a:p>
+          <a:p>
+            <a:pPr marL="514350" indent="-514350">
+              <a:buFont typeface="+mj-lt"/>
+              <a:buAutoNum type="arabicPeriod"/>
+            </a:pPr>
+            <a:endParaRPr lang="en-CA" dirty="0"/>
+          </a:p>
+          <a:p>
+            <a:pPr marL="514350" indent="-514350">
+              <a:buFont typeface="+mj-lt"/>
+              <a:buAutoNum type="arabicPeriod"/>
+            </a:pPr>
+            <a:r>
+              <a:rPr lang="en-CA" dirty="0"/>
+              <a:t>Open the GitHub Desktop App and add + commit the file to track it. </a:t>
+            </a:r>
+          </a:p>
+          <a:p>
+            <a:pPr marL="514350" indent="-514350">
+              <a:buFont typeface="+mj-lt"/>
+              <a:buAutoNum type="arabicPeriod"/>
+            </a:pPr>
+            <a:endParaRPr lang="en-CA" dirty="0"/>
+          </a:p>
+          <a:p>
+            <a:pPr marL="514350" indent="-514350">
+              <a:buFont typeface="+mj-lt"/>
+              <a:buAutoNum type="arabicPeriod"/>
+            </a:pPr>
+            <a:r>
+              <a:rPr lang="en-CA" dirty="0"/>
+              <a:t>Look at your commit history to see your commit!</a:t>
+            </a:r>
+          </a:p>
+          <a:p>
+            <a:pPr marL="514350" indent="-514350">
+              <a:buFont typeface="+mj-lt"/>
+              <a:buAutoNum type="arabicPeriod"/>
+            </a:pPr>
+            <a:endParaRPr lang="en-CA" dirty="0"/>
+          </a:p>
+          <a:p>
+            <a:pPr marL="514350" indent="-514350">
+              <a:buFont typeface="+mj-lt"/>
+              <a:buAutoNum type="arabicPeriod"/>
+            </a:pPr>
+            <a:r>
+              <a:rPr lang="en-CA" dirty="0"/>
+              <a:t>Modify the file and commit the changes. Try and make informative commit messages!</a:t>
             </a:r>
           </a:p>
         </p:txBody>
@@ -14323,7 +14225,7 @@
     </p:spTree>
     <p:extLst>
       <p:ext uri="{BB962C8B-B14F-4D97-AF65-F5344CB8AC3E}">
-        <p14:creationId xmlns:p14="http://schemas.microsoft.com/office/powerpoint/2010/main" val="1723855522"/>
+        <p14:creationId xmlns:p14="http://schemas.microsoft.com/office/powerpoint/2010/main" val="907190213"/>
       </p:ext>
     </p:extLst>
   </p:cSld>
@@ -14368,6 +14270,91 @@
         </p:nvSpPr>
         <p:spPr/>
         <p:txBody>
+          <a:bodyPr/>
+          <a:lstStyle/>
+          <a:p>
+            <a:pPr marL="0" indent="0">
+              <a:buNone/>
+            </a:pPr>
+            <a:endParaRPr lang="en-CA" b="1" dirty="0"/>
+          </a:p>
+          <a:p>
+            <a:pPr marL="0" indent="0">
+              <a:buNone/>
+            </a:pPr>
+            <a:endParaRPr lang="en-CA" b="1" dirty="0"/>
+          </a:p>
+          <a:p>
+            <a:pPr marL="0" indent="0">
+              <a:buNone/>
+            </a:pPr>
+            <a:endParaRPr lang="en-CA" b="1" dirty="0"/>
+          </a:p>
+          <a:p>
+            <a:pPr marL="0" indent="0">
+              <a:buNone/>
+            </a:pPr>
+            <a:endParaRPr lang="en-CA" b="1" dirty="0"/>
+          </a:p>
+          <a:p>
+            <a:pPr marL="0" indent="0">
+              <a:buNone/>
+            </a:pPr>
+            <a:r>
+              <a:rPr lang="en-CA" b="1" dirty="0"/>
+              <a:t>Activity #2 – Revert a file to a previous commit</a:t>
+            </a:r>
+          </a:p>
+        </p:txBody>
+      </p:sp>
+    </p:spTree>
+    <p:extLst>
+      <p:ext uri="{BB962C8B-B14F-4D97-AF65-F5344CB8AC3E}">
+        <p14:creationId xmlns:p14="http://schemas.microsoft.com/office/powerpoint/2010/main" val="1723855522"/>
+      </p:ext>
+    </p:extLst>
+  </p:cSld>
+  <p:clrMapOvr>
+    <a:masterClrMapping/>
+  </p:clrMapOvr>
+</p:sld>
+</file>
+
+<file path=ppt/slides/slide24.xml><?xml version="1.0" encoding="utf-8"?>
+<p:sld xmlns:a="http://schemas.openxmlformats.org/drawingml/2006/main" xmlns:r="http://schemas.openxmlformats.org/officeDocument/2006/relationships" xmlns:p="http://schemas.openxmlformats.org/presentationml/2006/main">
+  <p:cSld>
+    <p:spTree>
+      <p:nvGrpSpPr>
+        <p:cNvPr id="1" name=""/>
+        <p:cNvGrpSpPr/>
+        <p:nvPr/>
+      </p:nvGrpSpPr>
+      <p:grpSpPr>
+        <a:xfrm>
+          <a:off x="0" y="0"/>
+          <a:ext cx="0" cy="0"/>
+          <a:chOff x="0" y="0"/>
+          <a:chExt cx="0" cy="0"/>
+        </a:xfrm>
+      </p:grpSpPr>
+      <p:sp>
+        <p:nvSpPr>
+          <p:cNvPr id="2" name="Text Placeholder 1">
+            <a:extLst>
+              <a:ext uri="{FF2B5EF4-FFF2-40B4-BE49-F238E27FC236}">
+                <a16:creationId xmlns:a16="http://schemas.microsoft.com/office/drawing/2014/main" id="{F30F071A-0450-8F6E-F28D-8124D7A90523}"/>
+              </a:ext>
+            </a:extLst>
+          </p:cNvPr>
+          <p:cNvSpPr>
+            <a:spLocks noGrp="1"/>
+          </p:cNvSpPr>
+          <p:nvPr>
+            <p:ph type="body" sz="quarter" idx="10"/>
+          </p:nvPr>
+        </p:nvSpPr>
+        <p:spPr/>
+        <p:txBody>
           <a:bodyPr>
             <a:normAutofit lnSpcReduction="10000"/>
           </a:bodyPr>
@@ -14466,7 +14453,7 @@
 </p:sld>
 </file>
 
-<file path=ppt/slides/slide24.xml><?xml version="1.0" encoding="utf-8"?>
+<file path=ppt/slides/slide25.xml><?xml version="1.0" encoding="utf-8"?>
 <p:sld xmlns:a="http://schemas.openxmlformats.org/drawingml/2006/main" xmlns:r="http://schemas.openxmlformats.org/officeDocument/2006/relationships" xmlns:p="http://schemas.openxmlformats.org/presentationml/2006/main">
   <p:cSld>
     <p:spTree>
@@ -14755,7 +14742,7 @@
 </p:sld>
 </file>
 
-<file path=ppt/slides/slide25.xml><?xml version="1.0" encoding="utf-8"?>
+<file path=ppt/slides/slide26.xml><?xml version="1.0" encoding="utf-8"?>
 <p:sld xmlns:a="http://schemas.openxmlformats.org/drawingml/2006/main" xmlns:r="http://schemas.openxmlformats.org/officeDocument/2006/relationships" xmlns:p="http://schemas.openxmlformats.org/presentationml/2006/main">
   <p:cSld>
     <p:spTree>
@@ -14813,7 +14800,7 @@
 </p:sld>
 </file>
 
-<file path=ppt/slides/slide26.xml><?xml version="1.0" encoding="utf-8"?>
+<file path=ppt/slides/slide27.xml><?xml version="1.0" encoding="utf-8"?>
 <p:sld xmlns:a="http://schemas.openxmlformats.org/drawingml/2006/main" xmlns:r="http://schemas.openxmlformats.org/officeDocument/2006/relationships" xmlns:p="http://schemas.openxmlformats.org/presentationml/2006/main">
   <p:cSld>
     <p:spTree>
@@ -14971,7 +14958,7 @@
 </p:sld>
 </file>
 
-<file path=ppt/slides/slide27.xml><?xml version="1.0" encoding="utf-8"?>
+<file path=ppt/slides/slide28.xml><?xml version="1.0" encoding="utf-8"?>
 <p:sld xmlns:a="http://schemas.openxmlformats.org/drawingml/2006/main" xmlns:r="http://schemas.openxmlformats.org/officeDocument/2006/relationships" xmlns:p="http://schemas.openxmlformats.org/presentationml/2006/main">
   <p:cSld>
     <p:spTree>
@@ -16079,91 +16066,6 @@
 </p:sld>
 </file>
 
-<file path=ppt/slides/slide28.xml><?xml version="1.0" encoding="utf-8"?>
-<p:sld xmlns:a="http://schemas.openxmlformats.org/drawingml/2006/main" xmlns:r="http://schemas.openxmlformats.org/officeDocument/2006/relationships" xmlns:p="http://schemas.openxmlformats.org/presentationml/2006/main">
-  <p:cSld>
-    <p:spTree>
-      <p:nvGrpSpPr>
-        <p:cNvPr id="1" name=""/>
-        <p:cNvGrpSpPr/>
-        <p:nvPr/>
-      </p:nvGrpSpPr>
-      <p:grpSpPr>
-        <a:xfrm>
-          <a:off x="0" y="0"/>
-          <a:ext cx="0" cy="0"/>
-          <a:chOff x="0" y="0"/>
-          <a:chExt cx="0" cy="0"/>
-        </a:xfrm>
-      </p:grpSpPr>
-      <p:sp>
-        <p:nvSpPr>
-          <p:cNvPr id="2" name="Text Placeholder 1">
-            <a:extLst>
-              <a:ext uri="{FF2B5EF4-FFF2-40B4-BE49-F238E27FC236}">
-                <a16:creationId xmlns:a16="http://schemas.microsoft.com/office/drawing/2014/main" id="{F30F071A-0450-8F6E-F28D-8124D7A90523}"/>
-              </a:ext>
-            </a:extLst>
-          </p:cNvPr>
-          <p:cNvSpPr>
-            <a:spLocks noGrp="1"/>
-          </p:cNvSpPr>
-          <p:nvPr>
-            <p:ph type="body" sz="quarter" idx="10"/>
-          </p:nvPr>
-        </p:nvSpPr>
-        <p:spPr/>
-        <p:txBody>
-          <a:bodyPr/>
-          <a:lstStyle/>
-          <a:p>
-            <a:pPr marL="0" indent="0">
-              <a:buNone/>
-            </a:pPr>
-            <a:endParaRPr lang="en-CA" b="1" dirty="0"/>
-          </a:p>
-          <a:p>
-            <a:pPr marL="0" indent="0">
-              <a:buNone/>
-            </a:pPr>
-            <a:endParaRPr lang="en-CA" b="1" dirty="0"/>
-          </a:p>
-          <a:p>
-            <a:pPr marL="0" indent="0">
-              <a:buNone/>
-            </a:pPr>
-            <a:endParaRPr lang="en-CA" b="1" dirty="0"/>
-          </a:p>
-          <a:p>
-            <a:pPr marL="0" indent="0">
-              <a:buNone/>
-            </a:pPr>
-            <a:endParaRPr lang="en-CA" b="1" dirty="0"/>
-          </a:p>
-          <a:p>
-            <a:pPr marL="0" indent="0">
-              <a:buNone/>
-            </a:pPr>
-            <a:r>
-              <a:rPr lang="en-CA" b="1" dirty="0"/>
-              <a:t>Activity #3 – Create a new branch</a:t>
-            </a:r>
-          </a:p>
-        </p:txBody>
-      </p:sp>
-    </p:spTree>
-    <p:extLst>
-      <p:ext uri="{BB962C8B-B14F-4D97-AF65-F5344CB8AC3E}">
-        <p14:creationId xmlns:p14="http://schemas.microsoft.com/office/powerpoint/2010/main" val="4165173319"/>
-      </p:ext>
-    </p:extLst>
-  </p:cSld>
-  <p:clrMapOvr>
-    <a:masterClrMapping/>
-  </p:clrMapOvr>
-</p:sld>
-</file>
-
 <file path=ppt/slides/slide29.xml><?xml version="1.0" encoding="utf-8"?>
 <p:sld xmlns:a="http://schemas.openxmlformats.org/drawingml/2006/main" xmlns:r="http://schemas.openxmlformats.org/officeDocument/2006/relationships" xmlns:p="http://schemas.openxmlformats.org/presentationml/2006/main">
   <p:cSld>
@@ -16205,53 +16107,33 @@
             <a:pPr marL="0" indent="0">
               <a:buNone/>
             </a:pPr>
+            <a:endParaRPr lang="en-CA" b="1" dirty="0"/>
+          </a:p>
+          <a:p>
+            <a:pPr marL="0" indent="0">
+              <a:buNone/>
+            </a:pPr>
+            <a:endParaRPr lang="en-CA" b="1" dirty="0"/>
+          </a:p>
+          <a:p>
+            <a:pPr marL="0" indent="0">
+              <a:buNone/>
+            </a:pPr>
+            <a:endParaRPr lang="en-CA" b="1" dirty="0"/>
+          </a:p>
+          <a:p>
+            <a:pPr marL="0" indent="0">
+              <a:buNone/>
+            </a:pPr>
+            <a:endParaRPr lang="en-CA" b="1" dirty="0"/>
+          </a:p>
+          <a:p>
+            <a:pPr marL="0" indent="0">
+              <a:buNone/>
+            </a:pPr>
             <a:r>
               <a:rPr lang="en-CA" b="1" dirty="0"/>
               <a:t>Activity #3 – Create a new branch</a:t>
-            </a:r>
-          </a:p>
-          <a:p>
-            <a:pPr marL="514350" indent="-514350">
-              <a:buFont typeface="+mj-lt"/>
-              <a:buAutoNum type="arabicPeriod"/>
-            </a:pPr>
-            <a:r>
-              <a:rPr lang="en-CA" dirty="0"/>
-              <a:t>Click the “current branch” button and select “new branch”</a:t>
-            </a:r>
-          </a:p>
-          <a:p>
-            <a:pPr marL="514350" indent="-514350">
-              <a:buFont typeface="+mj-lt"/>
-              <a:buAutoNum type="arabicPeriod"/>
-            </a:pPr>
-            <a:endParaRPr lang="en-CA" dirty="0"/>
-          </a:p>
-          <a:p>
-            <a:pPr marL="514350" indent="-514350">
-              <a:buFont typeface="+mj-lt"/>
-              <a:buAutoNum type="arabicPeriod"/>
-            </a:pPr>
-            <a:r>
-              <a:rPr lang="en-CA" dirty="0"/>
-              <a:t>Make changes to your file in the new branch and commit it</a:t>
-            </a:r>
-          </a:p>
-          <a:p>
-            <a:pPr marL="514350" indent="-514350">
-              <a:buFont typeface="+mj-lt"/>
-              <a:buAutoNum type="arabicPeriod"/>
-            </a:pPr>
-            <a:endParaRPr lang="en-CA" dirty="0"/>
-          </a:p>
-          <a:p>
-            <a:pPr marL="514350" indent="-514350">
-              <a:buFont typeface="+mj-lt"/>
-              <a:buAutoNum type="arabicPeriod"/>
-            </a:pPr>
-            <a:r>
-              <a:rPr lang="en-CA" dirty="0"/>
-              <a:t>Switch back to the main branch and open the file, what do you notice?</a:t>
             </a:r>
           </a:p>
         </p:txBody>
@@ -16259,7 +16141,7 @@
     </p:spTree>
     <p:extLst>
       <p:ext uri="{BB962C8B-B14F-4D97-AF65-F5344CB8AC3E}">
-        <p14:creationId xmlns:p14="http://schemas.microsoft.com/office/powerpoint/2010/main" val="2674360721"/>
+        <p14:creationId xmlns:p14="http://schemas.microsoft.com/office/powerpoint/2010/main" val="4165173319"/>
       </p:ext>
     </p:extLst>
   </p:cSld>
@@ -16274,13 +16156,7 @@
   <p:cSld>
     <p:spTree>
       <p:nvGrpSpPr>
-        <p:cNvPr id="1" name="">
-          <a:extLst>
-            <a:ext uri="{FF2B5EF4-FFF2-40B4-BE49-F238E27FC236}">
-              <a16:creationId xmlns:a16="http://schemas.microsoft.com/office/drawing/2014/main" id="{C39F2376-9E04-ED70-502E-4CB0F87AB963}"/>
-            </a:ext>
-          </a:extLst>
-        </p:cNvPr>
+        <p:cNvPr id="1" name=""/>
         <p:cNvGrpSpPr/>
         <p:nvPr/>
       </p:nvGrpSpPr>
@@ -16292,12 +16168,81 @@
           <a:chExt cx="0" cy="0"/>
         </a:xfrm>
       </p:grpSpPr>
+      <p:pic>
+        <p:nvPicPr>
+          <p:cNvPr id="6" name="Content Placeholder 5" descr="A map of a city&#10;&#10;Description automatically generated">
+            <a:extLst>
+              <a:ext uri="{FF2B5EF4-FFF2-40B4-BE49-F238E27FC236}">
+                <a16:creationId xmlns:a16="http://schemas.microsoft.com/office/drawing/2014/main" id="{D0078521-6D64-1BCE-B884-04EC922C6743}"/>
+              </a:ext>
+            </a:extLst>
+          </p:cNvPr>
+          <p:cNvPicPr>
+            <a:picLocks noGrp="1" noChangeAspect="1"/>
+          </p:cNvPicPr>
+          <p:nvPr>
+            <p:ph sz="half" idx="1"/>
+          </p:nvPr>
+        </p:nvPicPr>
+        <p:blipFill rotWithShape="1">
+          <a:blip r:embed="rId2"/>
+          <a:srcRect r="34815"/>
+          <a:stretch/>
+        </p:blipFill>
+        <p:spPr>
+          <a:xfrm>
+            <a:off x="860093" y="2051047"/>
+            <a:ext cx="2765329" cy="2517036"/>
+          </a:xfrm>
+          <a:prstGeom prst="ellipse">
+            <a:avLst/>
+          </a:prstGeom>
+        </p:spPr>
+      </p:pic>
       <p:sp>
         <p:nvSpPr>
-          <p:cNvPr id="17" name="TextBox 16">
+          <p:cNvPr id="4" name="Content Placeholder 3">
             <a:extLst>
               <a:ext uri="{FF2B5EF4-FFF2-40B4-BE49-F238E27FC236}">
-                <a16:creationId xmlns:a16="http://schemas.microsoft.com/office/drawing/2014/main" id="{16AE1CEB-BA97-61DD-841E-10CAC5F24A90}"/>
+                <a16:creationId xmlns:a16="http://schemas.microsoft.com/office/drawing/2014/main" id="{8AE12D43-9137-DB7C-570B-E48AB2308897}"/>
+              </a:ext>
+            </a:extLst>
+          </p:cNvPr>
+          <p:cNvSpPr>
+            <a:spLocks noGrp="1"/>
+          </p:cNvSpPr>
+          <p:nvPr>
+            <p:ph sz="half" idx="2"/>
+          </p:nvPr>
+        </p:nvSpPr>
+        <p:spPr>
+          <a:xfrm>
+            <a:off x="924887" y="4823937"/>
+            <a:ext cx="3224152" cy="1266357"/>
+          </a:xfrm>
+        </p:spPr>
+        <p:txBody>
+          <a:bodyPr>
+            <a:normAutofit/>
+          </a:bodyPr>
+          <a:lstStyle/>
+          <a:p>
+            <a:pPr marL="0" indent="0">
+              <a:buNone/>
+            </a:pPr>
+            <a:r>
+              <a:rPr lang="en-CA" sz="1800"/>
+              <a:t>Location: 740 Dr. Penfield Avenue, Montreal, Quebec</a:t>
+            </a:r>
+          </a:p>
+        </p:txBody>
+      </p:sp>
+      <p:sp>
+        <p:nvSpPr>
+          <p:cNvPr id="8" name="TextBox 7">
+            <a:extLst>
+              <a:ext uri="{FF2B5EF4-FFF2-40B4-BE49-F238E27FC236}">
+                <a16:creationId xmlns:a16="http://schemas.microsoft.com/office/drawing/2014/main" id="{2A92A9C4-6F5B-9A18-012E-5626D25E3582}"/>
               </a:ext>
             </a:extLst>
           </p:cNvPr>
@@ -16306,8 +16251,8 @@
         </p:nvSpPr>
         <p:spPr>
           <a:xfrm>
-            <a:off x="1739670" y="5617863"/>
-            <a:ext cx="6368498" cy="369460"/>
+            <a:off x="1438517" y="1344109"/>
+            <a:ext cx="6283877" cy="923330"/>
           </a:xfrm>
           <a:prstGeom prst="rect">
             <a:avLst/>
@@ -16315,30 +16260,48 @@
           <a:noFill/>
         </p:spPr>
         <p:txBody>
-          <a:bodyPr wrap="square">
+          <a:bodyPr wrap="square" lIns="91440" tIns="45720" rIns="91440" bIns="45720" rtlCol="0" anchor="t">
             <a:spAutoFit/>
           </a:bodyPr>
           <a:lstStyle/>
           <a:p>
-            <a:r>
-              <a:rPr lang="en-US" dirty="0">
+            <a:pPr algn="ctr"/>
+            <a:r>
+              <a:rPr lang="en-CA" sz="1800" u="sng">
                 <a:latin typeface="Helvetica" pitchFamily="2" charset="0"/>
-                <a:hlinkClick r:id="rId2"/>
               </a:rPr>
-              <a:t>https://www.mcgill.ca/micm/training/workshops-series</a:t>
-            </a:r>
-            <a:endParaRPr lang="en-US" dirty="0">
+              <a:t>Mission statement:</a:t>
+            </a:r>
+            <a:r>
+              <a:rPr lang="en-CA" sz="1800">
+                <a:latin typeface="Helvetica" pitchFamily="2" charset="0"/>
+              </a:rPr>
+              <a:t> d</a:t>
+            </a:r>
+            <a:r>
+              <a:rPr lang="en-CA" sz="1800" b="0" i="0">
+                <a:solidFill>
+                  <a:srgbClr val="000000"/>
+                </a:solidFill>
+                <a:effectLst/>
+                <a:latin typeface="Helvetica" pitchFamily="2" charset="0"/>
+                <a:cs typeface="Calibri"/>
+              </a:rPr>
+              <a:t>eliver quality workshops designed to help biomedical researchers develop the skills they need to succeed.</a:t>
+            </a:r>
+            <a:endParaRPr lang="en-CA" sz="1800">
               <a:latin typeface="Helvetica" pitchFamily="2" charset="0"/>
+              <a:cs typeface="Calibri"/>
             </a:endParaRPr>
           </a:p>
         </p:txBody>
       </p:sp>
       <p:pic>
         <p:nvPicPr>
-          <p:cNvPr id="3" name="Picture 2">
+          <p:cNvPr id="10" name="Picture 9" descr="A logo with a letter m&#10;&#10;Description automatically generated">
             <a:extLst>
               <a:ext uri="{FF2B5EF4-FFF2-40B4-BE49-F238E27FC236}">
-                <a16:creationId xmlns:a16="http://schemas.microsoft.com/office/drawing/2014/main" id="{425749C6-6EA5-DFC5-D8C7-019BC29E9A0C}"/>
+                <a16:creationId xmlns:a16="http://schemas.microsoft.com/office/drawing/2014/main" id="{E494228A-9E5D-1800-FDEC-760556611BD3}"/>
               </a:ext>
             </a:extLst>
           </p:cNvPr>
@@ -16355,18 +16318,144 @@
         </p:blipFill>
         <p:spPr>
           <a:xfrm>
-            <a:off x="1988047" y="1217781"/>
-            <a:ext cx="5167906" cy="4422438"/>
+            <a:off x="2574183" y="123976"/>
+            <a:ext cx="3995634" cy="964279"/>
           </a:xfrm>
           <a:prstGeom prst="rect">
             <a:avLst/>
           </a:prstGeom>
         </p:spPr>
       </p:pic>
+      <p:pic>
+        <p:nvPicPr>
+          <p:cNvPr id="12" name="Picture 11" descr="A qr code with black squares&#10;&#10;Description automatically generated">
+            <a:extLst>
+              <a:ext uri="{FF2B5EF4-FFF2-40B4-BE49-F238E27FC236}">
+                <a16:creationId xmlns:a16="http://schemas.microsoft.com/office/drawing/2014/main" id="{333BAB40-358F-BE60-7494-578A1971B335}"/>
+              </a:ext>
+            </a:extLst>
+          </p:cNvPr>
+          <p:cNvPicPr>
+            <a:picLocks noChangeAspect="1"/>
+          </p:cNvPicPr>
+          <p:nvPr/>
+        </p:nvPicPr>
+        <p:blipFill>
+          <a:blip r:embed="rId4"/>
+          <a:stretch>
+            <a:fillRect/>
+          </a:stretch>
+        </p:blipFill>
+        <p:spPr>
+          <a:xfrm>
+            <a:off x="5518580" y="2274875"/>
+            <a:ext cx="2203814" cy="2203814"/>
+          </a:xfrm>
+          <a:prstGeom prst="rect">
+            <a:avLst/>
+          </a:prstGeom>
+        </p:spPr>
+      </p:pic>
+      <p:sp>
+        <p:nvSpPr>
+          <p:cNvPr id="13" name="TextBox 12">
+            <a:extLst>
+              <a:ext uri="{FF2B5EF4-FFF2-40B4-BE49-F238E27FC236}">
+                <a16:creationId xmlns:a16="http://schemas.microsoft.com/office/drawing/2014/main" id="{174C1E59-2F37-F73C-4DFA-8971D19A54AE}"/>
+              </a:ext>
+            </a:extLst>
+          </p:cNvPr>
+          <p:cNvSpPr txBox="1"/>
+          <p:nvPr/>
+        </p:nvSpPr>
+        <p:spPr>
+          <a:xfrm>
+            <a:off x="4373913" y="4754930"/>
+            <a:ext cx="4632294" cy="646331"/>
+          </a:xfrm>
+          <a:prstGeom prst="rect">
+            <a:avLst/>
+          </a:prstGeom>
+          <a:noFill/>
+        </p:spPr>
+        <p:txBody>
+          <a:bodyPr wrap="square" lIns="91440" tIns="45720" rIns="91440" bIns="45720" rtlCol="0" anchor="t">
+            <a:spAutoFit/>
+          </a:bodyPr>
+          <a:lstStyle/>
+          <a:p>
+            <a:pPr algn="ctr"/>
+            <a:r>
+              <a:rPr lang="en-CA" sz="1800"/>
+              <a:t>Scan the QR code to sign up </a:t>
+            </a:r>
+          </a:p>
+          <a:p>
+            <a:pPr algn="ctr"/>
+            <a:r>
+              <a:rPr lang="en-CA" sz="1800"/>
+              <a:t>for our </a:t>
+            </a:r>
+            <a:r>
+              <a:rPr lang="en-CA" sz="1800" b="1"/>
+              <a:t>mailing list</a:t>
+            </a:r>
+            <a:endParaRPr lang="en-CA" sz="1800"/>
+          </a:p>
+        </p:txBody>
+      </p:sp>
+      <p:sp>
+        <p:nvSpPr>
+          <p:cNvPr id="3" name="TextBox 2">
+            <a:extLst>
+              <a:ext uri="{FF2B5EF4-FFF2-40B4-BE49-F238E27FC236}">
+                <a16:creationId xmlns:a16="http://schemas.microsoft.com/office/drawing/2014/main" id="{8E0D0C58-4777-B836-81EE-F027A53CFFAF}"/>
+              </a:ext>
+            </a:extLst>
+          </p:cNvPr>
+          <p:cNvSpPr txBox="1"/>
+          <p:nvPr/>
+        </p:nvSpPr>
+        <p:spPr>
+          <a:xfrm>
+            <a:off x="2574183" y="5662343"/>
+            <a:ext cx="4596848" cy="369332"/>
+          </a:xfrm>
+          <a:prstGeom prst="rect">
+            <a:avLst/>
+          </a:prstGeom>
+          <a:noFill/>
+        </p:spPr>
+        <p:txBody>
+          <a:bodyPr wrap="square">
+            <a:spAutoFit/>
+          </a:bodyPr>
+          <a:lstStyle/>
+          <a:p>
+            <a:pPr marL="0" indent="0">
+              <a:buNone/>
+            </a:pPr>
+            <a:r>
+              <a:rPr lang="en-CA" sz="1800" dirty="0"/>
+              <a:t>Contact: </a:t>
+            </a:r>
+            <a:r>
+              <a:rPr lang="en-CA" sz="1800" dirty="0">
+                <a:hlinkClick r:id="rId5"/>
+              </a:rPr>
+              <a:t>workshop-micm@mcgill.ca</a:t>
+            </a:r>
+            <a:r>
+              <a:rPr lang="en-CA" sz="1800" dirty="0"/>
+              <a:t> </a:t>
+            </a:r>
+          </a:p>
+        </p:txBody>
+      </p:sp>
     </p:spTree>
     <p:extLst>
       <p:ext uri="{BB962C8B-B14F-4D97-AF65-F5344CB8AC3E}">
-        <p14:creationId xmlns:p14="http://schemas.microsoft.com/office/powerpoint/2010/main" val="3301951615"/>
+        <p14:creationId xmlns:p14="http://schemas.microsoft.com/office/powerpoint/2010/main" val="1324269546"/>
       </p:ext>
     </p:extLst>
   </p:cSld>
@@ -16377,6 +16466,111 @@
 </file>
 
 <file path=ppt/slides/slide30.xml><?xml version="1.0" encoding="utf-8"?>
+<p:sld xmlns:a="http://schemas.openxmlformats.org/drawingml/2006/main" xmlns:r="http://schemas.openxmlformats.org/officeDocument/2006/relationships" xmlns:p="http://schemas.openxmlformats.org/presentationml/2006/main">
+  <p:cSld>
+    <p:spTree>
+      <p:nvGrpSpPr>
+        <p:cNvPr id="1" name=""/>
+        <p:cNvGrpSpPr/>
+        <p:nvPr/>
+      </p:nvGrpSpPr>
+      <p:grpSpPr>
+        <a:xfrm>
+          <a:off x="0" y="0"/>
+          <a:ext cx="0" cy="0"/>
+          <a:chOff x="0" y="0"/>
+          <a:chExt cx="0" cy="0"/>
+        </a:xfrm>
+      </p:grpSpPr>
+      <p:sp>
+        <p:nvSpPr>
+          <p:cNvPr id="2" name="Text Placeholder 1">
+            <a:extLst>
+              <a:ext uri="{FF2B5EF4-FFF2-40B4-BE49-F238E27FC236}">
+                <a16:creationId xmlns:a16="http://schemas.microsoft.com/office/drawing/2014/main" id="{F30F071A-0450-8F6E-F28D-8124D7A90523}"/>
+              </a:ext>
+            </a:extLst>
+          </p:cNvPr>
+          <p:cNvSpPr>
+            <a:spLocks noGrp="1"/>
+          </p:cNvSpPr>
+          <p:nvPr>
+            <p:ph type="body" sz="quarter" idx="10"/>
+          </p:nvPr>
+        </p:nvSpPr>
+        <p:spPr/>
+        <p:txBody>
+          <a:bodyPr/>
+          <a:lstStyle/>
+          <a:p>
+            <a:pPr marL="0" indent="0">
+              <a:buNone/>
+            </a:pPr>
+            <a:r>
+              <a:rPr lang="en-CA" b="1" dirty="0"/>
+              <a:t>Activity #3 – Create a new branch</a:t>
+            </a:r>
+          </a:p>
+          <a:p>
+            <a:pPr marL="514350" indent="-514350">
+              <a:buFont typeface="+mj-lt"/>
+              <a:buAutoNum type="arabicPeriod"/>
+            </a:pPr>
+            <a:r>
+              <a:rPr lang="en-CA" dirty="0"/>
+              <a:t>Click the “current branch” button and select “new branch”</a:t>
+            </a:r>
+          </a:p>
+          <a:p>
+            <a:pPr marL="514350" indent="-514350">
+              <a:buFont typeface="+mj-lt"/>
+              <a:buAutoNum type="arabicPeriod"/>
+            </a:pPr>
+            <a:endParaRPr lang="en-CA" dirty="0"/>
+          </a:p>
+          <a:p>
+            <a:pPr marL="514350" indent="-514350">
+              <a:buFont typeface="+mj-lt"/>
+              <a:buAutoNum type="arabicPeriod"/>
+            </a:pPr>
+            <a:r>
+              <a:rPr lang="en-CA" dirty="0"/>
+              <a:t>Make changes to your file in the new branch and commit it</a:t>
+            </a:r>
+          </a:p>
+          <a:p>
+            <a:pPr marL="514350" indent="-514350">
+              <a:buFont typeface="+mj-lt"/>
+              <a:buAutoNum type="arabicPeriod"/>
+            </a:pPr>
+            <a:endParaRPr lang="en-CA" dirty="0"/>
+          </a:p>
+          <a:p>
+            <a:pPr marL="514350" indent="-514350">
+              <a:buFont typeface="+mj-lt"/>
+              <a:buAutoNum type="arabicPeriod"/>
+            </a:pPr>
+            <a:r>
+              <a:rPr lang="en-CA" dirty="0"/>
+              <a:t>Switch back to the main branch and open the file, what do you notice?</a:t>
+            </a:r>
+          </a:p>
+        </p:txBody>
+      </p:sp>
+    </p:spTree>
+    <p:extLst>
+      <p:ext uri="{BB962C8B-B14F-4D97-AF65-F5344CB8AC3E}">
+        <p14:creationId xmlns:p14="http://schemas.microsoft.com/office/powerpoint/2010/main" val="2674360721"/>
+      </p:ext>
+    </p:extLst>
+  </p:cSld>
+  <p:clrMapOvr>
+    <a:masterClrMapping/>
+  </p:clrMapOvr>
+</p:sld>
+</file>
+
+<file path=ppt/slides/slide31.xml><?xml version="1.0" encoding="utf-8"?>
 <p:sld xmlns:a="http://schemas.openxmlformats.org/drawingml/2006/main" xmlns:r="http://schemas.openxmlformats.org/officeDocument/2006/relationships" xmlns:p="http://schemas.openxmlformats.org/presentationml/2006/main">
   <p:cSld>
     <p:spTree>
@@ -16534,7 +16728,7 @@
 </p:sld>
 </file>
 
-<file path=ppt/slides/slide31.xml><?xml version="1.0" encoding="utf-8"?>
+<file path=ppt/slides/slide32.xml><?xml version="1.0" encoding="utf-8"?>
 <p:sld xmlns:a="http://schemas.openxmlformats.org/drawingml/2006/main" xmlns:r="http://schemas.openxmlformats.org/officeDocument/2006/relationships" xmlns:p="http://schemas.openxmlformats.org/presentationml/2006/main">
   <p:cSld>
     <p:spTree>
@@ -17623,7 +17817,7 @@
 </p:sld>
 </file>
 
-<file path=ppt/slides/slide32.xml><?xml version="1.0" encoding="utf-8"?>
+<file path=ppt/slides/slide33.xml><?xml version="1.0" encoding="utf-8"?>
 <p:sld xmlns:a="http://schemas.openxmlformats.org/drawingml/2006/main" xmlns:r="http://schemas.openxmlformats.org/officeDocument/2006/relationships" xmlns:p="http://schemas.openxmlformats.org/presentationml/2006/main">
   <p:cSld>
     <p:spTree>
@@ -17708,7 +17902,7 @@
 </p:sld>
 </file>
 
-<file path=ppt/slides/slide33.xml><?xml version="1.0" encoding="utf-8"?>
+<file path=ppt/slides/slide34.xml><?xml version="1.0" encoding="utf-8"?>
 <p:sld xmlns:a="http://schemas.openxmlformats.org/drawingml/2006/main" xmlns:r="http://schemas.openxmlformats.org/officeDocument/2006/relationships" xmlns:p="http://schemas.openxmlformats.org/presentationml/2006/main">
   <p:cSld>
     <p:spTree>
@@ -17832,7 +18026,7 @@
 </p:sld>
 </file>
 
-<file path=ppt/slides/slide34.xml><?xml version="1.0" encoding="utf-8"?>
+<file path=ppt/slides/slide35.xml><?xml version="1.0" encoding="utf-8"?>
 <p:sld xmlns:a="http://schemas.openxmlformats.org/drawingml/2006/main" xmlns:r="http://schemas.openxmlformats.org/officeDocument/2006/relationships" xmlns:p="http://schemas.openxmlformats.org/presentationml/2006/main">
   <p:cSld>
     <p:spTree>
@@ -17990,7 +18184,7 @@
 </p:sld>
 </file>
 
-<file path=ppt/slides/slide35.xml><?xml version="1.0" encoding="utf-8"?>
+<file path=ppt/slides/slide36.xml><?xml version="1.0" encoding="utf-8"?>
 <p:sld xmlns:a="http://schemas.openxmlformats.org/drawingml/2006/main" xmlns:r="http://schemas.openxmlformats.org/officeDocument/2006/relationships" xmlns:p="http://schemas.openxmlformats.org/presentationml/2006/main">
   <p:cSld>
     <p:spTree>
@@ -18896,7 +19090,7 @@
 </p:sld>
 </file>
 
-<file path=ppt/slides/slide36.xml><?xml version="1.0" encoding="utf-8"?>
+<file path=ppt/slides/slide37.xml><?xml version="1.0" encoding="utf-8"?>
 <p:sld xmlns:a="http://schemas.openxmlformats.org/drawingml/2006/main" xmlns:r="http://schemas.openxmlformats.org/officeDocument/2006/relationships" xmlns:p="http://schemas.openxmlformats.org/presentationml/2006/main">
   <p:cSld>
     <p:spTree>
@@ -19186,7 +19380,7 @@
 </p:sld>
 </file>
 
-<file path=ppt/slides/slide37.xml><?xml version="1.0" encoding="utf-8"?>
+<file path=ppt/slides/slide38.xml><?xml version="1.0" encoding="utf-8"?>
 <p:sld xmlns:a="http://schemas.openxmlformats.org/drawingml/2006/main" xmlns:r="http://schemas.openxmlformats.org/officeDocument/2006/relationships" xmlns:p="http://schemas.openxmlformats.org/presentationml/2006/main">
   <p:cSld>
     <p:spTree>
@@ -19271,7 +19465,7 @@
 </p:sld>
 </file>
 
-<file path=ppt/slides/slide38.xml><?xml version="1.0" encoding="utf-8"?>
+<file path=ppt/slides/slide39.xml><?xml version="1.0" encoding="utf-8"?>
 <p:sld xmlns:a="http://schemas.openxmlformats.org/drawingml/2006/main" xmlns:r="http://schemas.openxmlformats.org/officeDocument/2006/relationships" xmlns:p="http://schemas.openxmlformats.org/presentationml/2006/main">
   <p:cSld>
     <p:spTree>
@@ -19420,7 +19614,114 @@
 </p:sld>
 </file>
 
-<file path=ppt/slides/slide39.xml><?xml version="1.0" encoding="utf-8"?>
+<file path=ppt/slides/slide4.xml><?xml version="1.0" encoding="utf-8"?>
+<p:sld xmlns:a="http://schemas.openxmlformats.org/drawingml/2006/main" xmlns:r="http://schemas.openxmlformats.org/officeDocument/2006/relationships" xmlns:p="http://schemas.openxmlformats.org/presentationml/2006/main">
+  <p:cSld>
+    <p:spTree>
+      <p:nvGrpSpPr>
+        <p:cNvPr id="1" name="">
+          <a:extLst>
+            <a:ext uri="{FF2B5EF4-FFF2-40B4-BE49-F238E27FC236}">
+              <a16:creationId xmlns:a16="http://schemas.microsoft.com/office/drawing/2014/main" id="{C39F2376-9E04-ED70-502E-4CB0F87AB963}"/>
+            </a:ext>
+          </a:extLst>
+        </p:cNvPr>
+        <p:cNvGrpSpPr/>
+        <p:nvPr/>
+      </p:nvGrpSpPr>
+      <p:grpSpPr>
+        <a:xfrm>
+          <a:off x="0" y="0"/>
+          <a:ext cx="0" cy="0"/>
+          <a:chOff x="0" y="0"/>
+          <a:chExt cx="0" cy="0"/>
+        </a:xfrm>
+      </p:grpSpPr>
+      <p:sp>
+        <p:nvSpPr>
+          <p:cNvPr id="17" name="TextBox 16">
+            <a:extLst>
+              <a:ext uri="{FF2B5EF4-FFF2-40B4-BE49-F238E27FC236}">
+                <a16:creationId xmlns:a16="http://schemas.microsoft.com/office/drawing/2014/main" id="{16AE1CEB-BA97-61DD-841E-10CAC5F24A90}"/>
+              </a:ext>
+            </a:extLst>
+          </p:cNvPr>
+          <p:cNvSpPr txBox="1"/>
+          <p:nvPr/>
+        </p:nvSpPr>
+        <p:spPr>
+          <a:xfrm>
+            <a:off x="1739670" y="5617863"/>
+            <a:ext cx="6368498" cy="369460"/>
+          </a:xfrm>
+          <a:prstGeom prst="rect">
+            <a:avLst/>
+          </a:prstGeom>
+          <a:noFill/>
+        </p:spPr>
+        <p:txBody>
+          <a:bodyPr wrap="square">
+            <a:spAutoFit/>
+          </a:bodyPr>
+          <a:lstStyle/>
+          <a:p>
+            <a:r>
+              <a:rPr lang="en-US" dirty="0">
+                <a:latin typeface="Helvetica" pitchFamily="2" charset="0"/>
+                <a:hlinkClick r:id="rId2"/>
+              </a:rPr>
+              <a:t>https://www.mcgill.ca/micm/training/workshops-series</a:t>
+            </a:r>
+            <a:endParaRPr lang="en-US" dirty="0">
+              <a:latin typeface="Helvetica" pitchFamily="2" charset="0"/>
+            </a:endParaRPr>
+          </a:p>
+        </p:txBody>
+      </p:sp>
+      <p:pic>
+        <p:nvPicPr>
+          <p:cNvPr id="3" name="Picture 2">
+            <a:extLst>
+              <a:ext uri="{FF2B5EF4-FFF2-40B4-BE49-F238E27FC236}">
+                <a16:creationId xmlns:a16="http://schemas.microsoft.com/office/drawing/2014/main" id="{425749C6-6EA5-DFC5-D8C7-019BC29E9A0C}"/>
+              </a:ext>
+            </a:extLst>
+          </p:cNvPr>
+          <p:cNvPicPr>
+            <a:picLocks noChangeAspect="1"/>
+          </p:cNvPicPr>
+          <p:nvPr/>
+        </p:nvPicPr>
+        <p:blipFill>
+          <a:blip r:embed="rId3"/>
+          <a:stretch>
+            <a:fillRect/>
+          </a:stretch>
+        </p:blipFill>
+        <p:spPr>
+          <a:xfrm>
+            <a:off x="1988047" y="1217781"/>
+            <a:ext cx="5167906" cy="4422438"/>
+          </a:xfrm>
+          <a:prstGeom prst="rect">
+            <a:avLst/>
+          </a:prstGeom>
+        </p:spPr>
+      </p:pic>
+    </p:spTree>
+    <p:extLst>
+      <p:ext uri="{BB962C8B-B14F-4D97-AF65-F5344CB8AC3E}">
+        <p14:creationId xmlns:p14="http://schemas.microsoft.com/office/powerpoint/2010/main" val="3301951615"/>
+      </p:ext>
+    </p:extLst>
+  </p:cSld>
+  <p:clrMapOvr>
+    <a:masterClrMapping/>
+  </p:clrMapOvr>
+</p:sld>
+</file>
+
+<file path=ppt/slides/slide40.xml><?xml version="1.0" encoding="utf-8"?>
 <p:sld xmlns:a="http://schemas.openxmlformats.org/drawingml/2006/main" xmlns:r="http://schemas.openxmlformats.org/officeDocument/2006/relationships" xmlns:p="http://schemas.openxmlformats.org/presentationml/2006/main">
   <p:cSld>
     <p:spTree>
@@ -19715,144 +20016,7 @@
 </p:sld>
 </file>
 
-<file path=ppt/slides/slide4.xml><?xml version="1.0" encoding="utf-8"?>
-<p:sld xmlns:a="http://schemas.openxmlformats.org/drawingml/2006/main" xmlns:r="http://schemas.openxmlformats.org/officeDocument/2006/relationships" xmlns:p="http://schemas.openxmlformats.org/presentationml/2006/main">
-  <p:cSld>
-    <p:spTree>
-      <p:nvGrpSpPr>
-        <p:cNvPr id="1" name=""/>
-        <p:cNvGrpSpPr/>
-        <p:nvPr/>
-      </p:nvGrpSpPr>
-      <p:grpSpPr>
-        <a:xfrm>
-          <a:off x="0" y="0"/>
-          <a:ext cx="0" cy="0"/>
-          <a:chOff x="0" y="0"/>
-          <a:chExt cx="0" cy="0"/>
-        </a:xfrm>
-      </p:grpSpPr>
-      <p:sp>
-        <p:nvSpPr>
-          <p:cNvPr id="2" name="Text Placeholder 1">
-            <a:extLst>
-              <a:ext uri="{FF2B5EF4-FFF2-40B4-BE49-F238E27FC236}">
-                <a16:creationId xmlns:a16="http://schemas.microsoft.com/office/drawing/2014/main" id="{17E543B8-96E5-F2A9-6F87-38F12D86B60B}"/>
-              </a:ext>
-            </a:extLst>
-          </p:cNvPr>
-          <p:cNvSpPr>
-            <a:spLocks noGrp="1"/>
-          </p:cNvSpPr>
-          <p:nvPr>
-            <p:ph type="body" sz="quarter" idx="10"/>
-          </p:nvPr>
-        </p:nvSpPr>
-        <p:spPr/>
-        <p:txBody>
-          <a:bodyPr>
-            <a:normAutofit/>
-          </a:bodyPr>
-          <a:lstStyle/>
-          <a:p>
-            <a:pPr marL="0" indent="0">
-              <a:buNone/>
-            </a:pPr>
-            <a:r>
-              <a:rPr lang="en-CA" b="1" dirty="0"/>
-              <a:t>Outline for this workshop:</a:t>
-            </a:r>
-          </a:p>
-          <a:p>
-            <a:pPr marL="514350" indent="-514350">
-              <a:buFont typeface="+mj-lt"/>
-              <a:buAutoNum type="arabicPeriod"/>
-            </a:pPr>
-            <a:r>
-              <a:rPr lang="en-CA" dirty="0"/>
-              <a:t>Intro to Git and Version Control Systems</a:t>
-            </a:r>
-          </a:p>
-          <a:p>
-            <a:pPr marL="514350" indent="-514350">
-              <a:buFont typeface="+mj-lt"/>
-              <a:buAutoNum type="arabicPeriod"/>
-            </a:pPr>
-            <a:r>
-              <a:rPr lang="en-CA" dirty="0"/>
-              <a:t>Basic Git functions</a:t>
-            </a:r>
-          </a:p>
-          <a:p>
-            <a:pPr marL="514350" indent="-514350">
-              <a:buFont typeface="+mj-lt"/>
-              <a:buAutoNum type="arabicPeriod"/>
-            </a:pPr>
-            <a:r>
-              <a:rPr lang="en-CA" dirty="0"/>
-              <a:t>Advanced Git functions</a:t>
-            </a:r>
-          </a:p>
-          <a:p>
-            <a:pPr marL="514350" indent="-514350">
-              <a:buFont typeface="+mj-lt"/>
-              <a:buAutoNum type="arabicPeriod"/>
-            </a:pPr>
-            <a:endParaRPr lang="en-CA" dirty="0"/>
-          </a:p>
-          <a:p>
-            <a:pPr marL="514350" indent="-514350">
-              <a:buFont typeface="+mj-lt"/>
-              <a:buAutoNum type="arabicPeriod"/>
-            </a:pPr>
-            <a:r>
-              <a:rPr lang="en-CA" dirty="0"/>
-              <a:t>Working with GitHub</a:t>
-            </a:r>
-          </a:p>
-          <a:p>
-            <a:pPr marL="514350" indent="-514350">
-              <a:buFont typeface="+mj-lt"/>
-              <a:buAutoNum type="arabicPeriod"/>
-            </a:pPr>
-            <a:r>
-              <a:rPr lang="en-CA" dirty="0"/>
-              <a:t>Miscellaneous Features</a:t>
-            </a:r>
-          </a:p>
-          <a:p>
-            <a:pPr marL="514350" indent="-514350">
-              <a:buFont typeface="+mj-lt"/>
-              <a:buAutoNum type="arabicPeriod"/>
-            </a:pPr>
-            <a:endParaRPr lang="en-CA" dirty="0"/>
-          </a:p>
-          <a:p>
-            <a:pPr marL="514350" indent="-514350">
-              <a:buFont typeface="+mj-lt"/>
-              <a:buAutoNum type="arabicPeriod"/>
-            </a:pPr>
-            <a:r>
-              <a:rPr lang="en-CA" dirty="0"/>
-              <a:t>Conclusions</a:t>
-            </a:r>
-          </a:p>
-        </p:txBody>
-      </p:sp>
-    </p:spTree>
-    <p:extLst>
-      <p:ext uri="{BB962C8B-B14F-4D97-AF65-F5344CB8AC3E}">
-        <p14:creationId xmlns:p14="http://schemas.microsoft.com/office/powerpoint/2010/main" val="1592450976"/>
-      </p:ext>
-    </p:extLst>
-  </p:cSld>
-  <p:clrMapOvr>
-    <a:masterClrMapping/>
-  </p:clrMapOvr>
-</p:sld>
-</file>
-
-<file path=ppt/slides/slide40.xml><?xml version="1.0" encoding="utf-8"?>
+<file path=ppt/slides/slide41.xml><?xml version="1.0" encoding="utf-8"?>
 <p:sld xmlns:a="http://schemas.openxmlformats.org/drawingml/2006/main" xmlns:r="http://schemas.openxmlformats.org/officeDocument/2006/relationships" xmlns:p="http://schemas.openxmlformats.org/presentationml/2006/main">
   <p:cSld>
     <p:spTree>
@@ -20117,7 +20281,7 @@
 </p:sld>
 </file>
 
-<file path=ppt/slides/slide41.xml><?xml version="1.0" encoding="utf-8"?>
+<file path=ppt/slides/slide42.xml><?xml version="1.0" encoding="utf-8"?>
 <p:sld xmlns:a="http://schemas.openxmlformats.org/drawingml/2006/main" xmlns:r="http://schemas.openxmlformats.org/officeDocument/2006/relationships" xmlns:p="http://schemas.openxmlformats.org/presentationml/2006/main">
   <p:cSld>
     <p:spTree>
@@ -20175,7 +20339,7 @@
 </p:sld>
 </file>
 
-<file path=ppt/slides/slide42.xml><?xml version="1.0" encoding="utf-8"?>
+<file path=ppt/slides/slide43.xml><?xml version="1.0" encoding="utf-8"?>
 <p:sld xmlns:a="http://schemas.openxmlformats.org/drawingml/2006/main" xmlns:r="http://schemas.openxmlformats.org/officeDocument/2006/relationships" xmlns:p="http://schemas.openxmlformats.org/presentationml/2006/main">
   <p:cSld>
     <p:spTree>
@@ -20233,7 +20397,7 @@
 </p:sld>
 </file>
 
-<file path=ppt/slides/slide43.xml><?xml version="1.0" encoding="utf-8"?>
+<file path=ppt/slides/slide44.xml><?xml version="1.0" encoding="utf-8"?>
 <p:sld xmlns:a="http://schemas.openxmlformats.org/drawingml/2006/main" xmlns:r="http://schemas.openxmlformats.org/officeDocument/2006/relationships" xmlns:p="http://schemas.openxmlformats.org/presentationml/2006/main">
   <p:cSld>
     <p:spTree>
@@ -20697,7 +20861,7 @@
 </p:sld>
 </file>
 
-<file path=ppt/slides/slide44.xml><?xml version="1.0" encoding="utf-8"?>
+<file path=ppt/slides/slide45.xml><?xml version="1.0" encoding="utf-8"?>
 <p:sld xmlns:a="http://schemas.openxmlformats.org/drawingml/2006/main" xmlns:r="http://schemas.openxmlformats.org/officeDocument/2006/relationships" xmlns:p="http://schemas.openxmlformats.org/presentationml/2006/main">
   <p:cSld>
     <p:spTree>
@@ -20818,7 +20982,7 @@
 </p:sld>
 </file>
 
-<file path=ppt/slides/slide45.xml><?xml version="1.0" encoding="utf-8"?>
+<file path=ppt/slides/slide46.xml><?xml version="1.0" encoding="utf-8"?>
 <p:sld xmlns:a="http://schemas.openxmlformats.org/drawingml/2006/main" xmlns:r="http://schemas.openxmlformats.org/officeDocument/2006/relationships" xmlns:p="http://schemas.openxmlformats.org/presentationml/2006/main">
   <p:cSld>
     <p:spTree>
@@ -21857,7 +22021,7 @@
 </p:sld>
 </file>
 
-<file path=ppt/slides/slide46.xml><?xml version="1.0" encoding="utf-8"?>
+<file path=ppt/slides/slide47.xml><?xml version="1.0" encoding="utf-8"?>
 <p:sld xmlns:a="http://schemas.openxmlformats.org/drawingml/2006/main" xmlns:r="http://schemas.openxmlformats.org/officeDocument/2006/relationships" xmlns:p="http://schemas.openxmlformats.org/presentationml/2006/main">
   <p:cSld>
     <p:spTree>
@@ -22958,91 +23122,6 @@
 </p:sld>
 </file>
 
-<file path=ppt/slides/slide47.xml><?xml version="1.0" encoding="utf-8"?>
-<p:sld xmlns:a="http://schemas.openxmlformats.org/drawingml/2006/main" xmlns:r="http://schemas.openxmlformats.org/officeDocument/2006/relationships" xmlns:p="http://schemas.openxmlformats.org/presentationml/2006/main">
-  <p:cSld>
-    <p:spTree>
-      <p:nvGrpSpPr>
-        <p:cNvPr id="1" name=""/>
-        <p:cNvGrpSpPr/>
-        <p:nvPr/>
-      </p:nvGrpSpPr>
-      <p:grpSpPr>
-        <a:xfrm>
-          <a:off x="0" y="0"/>
-          <a:ext cx="0" cy="0"/>
-          <a:chOff x="0" y="0"/>
-          <a:chExt cx="0" cy="0"/>
-        </a:xfrm>
-      </p:grpSpPr>
-      <p:sp>
-        <p:nvSpPr>
-          <p:cNvPr id="2" name="Text Placeholder 1">
-            <a:extLst>
-              <a:ext uri="{FF2B5EF4-FFF2-40B4-BE49-F238E27FC236}">
-                <a16:creationId xmlns:a16="http://schemas.microsoft.com/office/drawing/2014/main" id="{F30F071A-0450-8F6E-F28D-8124D7A90523}"/>
-              </a:ext>
-            </a:extLst>
-          </p:cNvPr>
-          <p:cNvSpPr>
-            <a:spLocks noGrp="1"/>
-          </p:cNvSpPr>
-          <p:nvPr>
-            <p:ph type="body" sz="quarter" idx="10"/>
-          </p:nvPr>
-        </p:nvSpPr>
-        <p:spPr/>
-        <p:txBody>
-          <a:bodyPr/>
-          <a:lstStyle/>
-          <a:p>
-            <a:pPr marL="0" indent="0">
-              <a:buNone/>
-            </a:pPr>
-            <a:endParaRPr lang="en-CA" b="1" dirty="0"/>
-          </a:p>
-          <a:p>
-            <a:pPr marL="0" indent="0">
-              <a:buNone/>
-            </a:pPr>
-            <a:endParaRPr lang="en-CA" b="1" dirty="0"/>
-          </a:p>
-          <a:p>
-            <a:pPr marL="0" indent="0">
-              <a:buNone/>
-            </a:pPr>
-            <a:endParaRPr lang="en-CA" b="1" dirty="0"/>
-          </a:p>
-          <a:p>
-            <a:pPr marL="0" indent="0">
-              <a:buNone/>
-            </a:pPr>
-            <a:endParaRPr lang="en-CA" b="1" dirty="0"/>
-          </a:p>
-          <a:p>
-            <a:pPr marL="0" indent="0">
-              <a:buNone/>
-            </a:pPr>
-            <a:r>
-              <a:rPr lang="en-CA" b="1" dirty="0"/>
-              <a:t>Activity #6 – Pushing commits to GitHub</a:t>
-            </a:r>
-          </a:p>
-        </p:txBody>
-      </p:sp>
-    </p:spTree>
-    <p:extLst>
-      <p:ext uri="{BB962C8B-B14F-4D97-AF65-F5344CB8AC3E}">
-        <p14:creationId xmlns:p14="http://schemas.microsoft.com/office/powerpoint/2010/main" val="2611691246"/>
-      </p:ext>
-    </p:extLst>
-  </p:cSld>
-  <p:clrMapOvr>
-    <a:masterClrMapping/>
-  </p:clrMapOvr>
-</p:sld>
-</file>
-
 <file path=ppt/slides/slide48.xml><?xml version="1.0" encoding="utf-8"?>
 <p:sld xmlns:a="http://schemas.openxmlformats.org/drawingml/2006/main" xmlns:r="http://schemas.openxmlformats.org/officeDocument/2006/relationships" xmlns:p="http://schemas.openxmlformats.org/presentationml/2006/main">
   <p:cSld>
@@ -23084,42 +23163,33 @@
             <a:pPr marL="0" indent="0">
               <a:buNone/>
             </a:pPr>
+            <a:endParaRPr lang="en-CA" b="1" dirty="0"/>
+          </a:p>
+          <a:p>
+            <a:pPr marL="0" indent="0">
+              <a:buNone/>
+            </a:pPr>
+            <a:endParaRPr lang="en-CA" b="1" dirty="0"/>
+          </a:p>
+          <a:p>
+            <a:pPr marL="0" indent="0">
+              <a:buNone/>
+            </a:pPr>
+            <a:endParaRPr lang="en-CA" b="1" dirty="0"/>
+          </a:p>
+          <a:p>
+            <a:pPr marL="0" indent="0">
+              <a:buNone/>
+            </a:pPr>
+            <a:endParaRPr lang="en-CA" b="1" dirty="0"/>
+          </a:p>
+          <a:p>
+            <a:pPr marL="0" indent="0">
+              <a:buNone/>
+            </a:pPr>
             <a:r>
               <a:rPr lang="en-CA" b="1" dirty="0"/>
               <a:t>Activity #6 – Pushing commits to GitHub</a:t>
-            </a:r>
-          </a:p>
-          <a:p>
-            <a:pPr marL="0" indent="0">
-              <a:buNone/>
-            </a:pPr>
-            <a:endParaRPr lang="en-CA" b="1" dirty="0"/>
-          </a:p>
-          <a:p>
-            <a:pPr marL="514350" indent="-514350">
-              <a:buFont typeface="+mj-lt"/>
-              <a:buAutoNum type="arabicPeriod"/>
-            </a:pPr>
-            <a:r>
-              <a:rPr lang="en-CA" dirty="0"/>
-              <a:t>Click the “Publish Repository” button</a:t>
-            </a:r>
-          </a:p>
-          <a:p>
-            <a:pPr marL="514350" indent="-514350">
-              <a:buFont typeface="+mj-lt"/>
-              <a:buAutoNum type="arabicPeriod"/>
-            </a:pPr>
-            <a:endParaRPr lang="en-CA" dirty="0"/>
-          </a:p>
-          <a:p>
-            <a:pPr marL="514350" indent="-514350">
-              <a:buFont typeface="+mj-lt"/>
-              <a:buAutoNum type="arabicPeriod"/>
-            </a:pPr>
-            <a:r>
-              <a:rPr lang="en-CA" dirty="0"/>
-              <a:t>Now open your GitHub account in the browser and find your repository. See if your commit history is the same as in your local repo.</a:t>
             </a:r>
           </a:p>
         </p:txBody>
@@ -23127,7 +23197,7 @@
     </p:spTree>
     <p:extLst>
       <p:ext uri="{BB962C8B-B14F-4D97-AF65-F5344CB8AC3E}">
-        <p14:creationId xmlns:p14="http://schemas.microsoft.com/office/powerpoint/2010/main" val="1796213204"/>
+        <p14:creationId xmlns:p14="http://schemas.microsoft.com/office/powerpoint/2010/main" val="2611691246"/>
       </p:ext>
     </p:extLst>
   </p:cSld>
@@ -23178,7 +23248,10 @@
             <a:pPr marL="0" indent="0">
               <a:buNone/>
             </a:pPr>
-            <a:endParaRPr lang="en-CA" b="1" dirty="0"/>
+            <a:r>
+              <a:rPr lang="en-CA" b="1" dirty="0"/>
+              <a:t>Activity #6 – Pushing commits to GitHub</a:t>
+            </a:r>
           </a:p>
           <a:p>
             <a:pPr marL="0" indent="0">
@@ -23187,24 +23260,30 @@
             <a:endParaRPr lang="en-CA" b="1" dirty="0"/>
           </a:p>
           <a:p>
-            <a:pPr marL="0" indent="0">
-              <a:buNone/>
-            </a:pPr>
-            <a:endParaRPr lang="en-CA" b="1" dirty="0"/>
-          </a:p>
-          <a:p>
-            <a:pPr marL="0" indent="0">
-              <a:buNone/>
-            </a:pPr>
-            <a:endParaRPr lang="en-CA" b="1" dirty="0"/>
-          </a:p>
-          <a:p>
-            <a:pPr marL="0" indent="0">
-              <a:buNone/>
-            </a:pPr>
-            <a:r>
-              <a:rPr lang="en-CA" b="1" dirty="0"/>
-              <a:t>Activity #7 – Pulling Commits from GitHub</a:t>
+            <a:pPr marL="514350" indent="-514350">
+              <a:buFont typeface="+mj-lt"/>
+              <a:buAutoNum type="arabicPeriod"/>
+            </a:pPr>
+            <a:r>
+              <a:rPr lang="en-CA" dirty="0"/>
+              <a:t>Click the “Publish Repository” button</a:t>
+            </a:r>
+          </a:p>
+          <a:p>
+            <a:pPr marL="514350" indent="-514350">
+              <a:buFont typeface="+mj-lt"/>
+              <a:buAutoNum type="arabicPeriod"/>
+            </a:pPr>
+            <a:endParaRPr lang="en-CA" dirty="0"/>
+          </a:p>
+          <a:p>
+            <a:pPr marL="514350" indent="-514350">
+              <a:buFont typeface="+mj-lt"/>
+              <a:buAutoNum type="arabicPeriod"/>
+            </a:pPr>
+            <a:r>
+              <a:rPr lang="en-CA" dirty="0"/>
+              <a:t>Now open your GitHub account in the browser and find your repository. See if your commit history is the same as in your local repo.</a:t>
             </a:r>
           </a:p>
         </p:txBody>
@@ -23212,7 +23291,7 @@
     </p:spTree>
     <p:extLst>
       <p:ext uri="{BB962C8B-B14F-4D97-AF65-F5344CB8AC3E}">
-        <p14:creationId xmlns:p14="http://schemas.microsoft.com/office/powerpoint/2010/main" val="3458676307"/>
+        <p14:creationId xmlns:p14="http://schemas.microsoft.com/office/powerpoint/2010/main" val="1796213204"/>
       </p:ext>
     </p:extLst>
   </p:cSld>
@@ -23244,7 +23323,7 @@
           <p:cNvPr id="2" name="Text Placeholder 1">
             <a:extLst>
               <a:ext uri="{FF2B5EF4-FFF2-40B4-BE49-F238E27FC236}">
-                <a16:creationId xmlns:a16="http://schemas.microsoft.com/office/drawing/2014/main" id="{FC7A004E-DF48-DFF4-8D27-CC4C90721AC0}"/>
+                <a16:creationId xmlns:a16="http://schemas.microsoft.com/office/drawing/2014/main" id="{17E543B8-96E5-F2A9-6F87-38F12D86B60B}"/>
               </a:ext>
             </a:extLst>
           </p:cNvPr>
@@ -23267,34 +23346,7 @@
             </a:pPr>
             <a:r>
               <a:rPr lang="en-CA" b="1" dirty="0"/>
-              <a:t>Hands-on Activities:</a:t>
-            </a:r>
-          </a:p>
-          <a:p>
-            <a:r>
-              <a:rPr lang="en-CA" dirty="0"/>
-              <a:t>Quick Review Polls</a:t>
-            </a:r>
-          </a:p>
-          <a:p>
-            <a:r>
-              <a:rPr lang="en-CA" dirty="0"/>
-              <a:t>Git/GitHub exercises</a:t>
-            </a:r>
-          </a:p>
-          <a:p>
-            <a:pPr marL="0" indent="0">
-              <a:buNone/>
-            </a:pPr>
-            <a:endParaRPr lang="en-CA" b="1" dirty="0"/>
-          </a:p>
-          <a:p>
-            <a:pPr marL="0" indent="0">
-              <a:buNone/>
-            </a:pPr>
-            <a:r>
-              <a:rPr lang="en-CA" b="1" dirty="0"/>
-              <a:t>What you will need:</a:t>
+              <a:t>Outline for this workshop:</a:t>
             </a:r>
           </a:p>
           <a:p>
@@ -23304,7 +23356,7 @@
             </a:pPr>
             <a:r>
               <a:rPr lang="en-CA" dirty="0"/>
-              <a:t>GitHub Desktop App and GitHub Account</a:t>
+              <a:t>Intro to Git and Version Control Systems</a:t>
             </a:r>
           </a:p>
           <a:p>
@@ -23314,7 +23366,7 @@
             </a:pPr>
             <a:r>
               <a:rPr lang="en-CA" dirty="0"/>
-              <a:t>A Text editor</a:t>
+              <a:t>Basic Git functions</a:t>
             </a:r>
           </a:p>
           <a:p>
@@ -23324,20 +23376,8 @@
             </a:pPr>
             <a:r>
               <a:rPr lang="en-CA" dirty="0"/>
-              <a:t>UNIX-based Command Line (time-allowing)</a:t>
-            </a:r>
-          </a:p>
-          <a:p>
-            <a:pPr marL="0" indent="0">
-              <a:buNone/>
-            </a:pPr>
-            <a:endParaRPr lang="en-CA" dirty="0"/>
-          </a:p>
-          <a:p>
-            <a:pPr marL="0" indent="0">
-              <a:buNone/>
-            </a:pPr>
-            <a:endParaRPr lang="en-CA" b="1" dirty="0"/>
+              <a:t>Advanced Git functions</a:t>
+            </a:r>
           </a:p>
           <a:p>
             <a:pPr marL="514350" indent="-514350">
@@ -23347,17 +23387,48 @@
             <a:endParaRPr lang="en-CA" dirty="0"/>
           </a:p>
           <a:p>
-            <a:pPr marL="0" indent="0">
-              <a:buNone/>
+            <a:pPr marL="514350" indent="-514350">
+              <a:buFont typeface="+mj-lt"/>
+              <a:buAutoNum type="arabicPeriod"/>
+            </a:pPr>
+            <a:r>
+              <a:rPr lang="en-CA" dirty="0"/>
+              <a:t>Working with GitHub</a:t>
+            </a:r>
+          </a:p>
+          <a:p>
+            <a:pPr marL="514350" indent="-514350">
+              <a:buFont typeface="+mj-lt"/>
+              <a:buAutoNum type="arabicPeriod"/>
+            </a:pPr>
+            <a:r>
+              <a:rPr lang="en-CA" dirty="0"/>
+              <a:t>Miscellaneous Features</a:t>
+            </a:r>
+          </a:p>
+          <a:p>
+            <a:pPr marL="514350" indent="-514350">
+              <a:buFont typeface="+mj-lt"/>
+              <a:buAutoNum type="arabicPeriod"/>
             </a:pPr>
             <a:endParaRPr lang="en-CA" dirty="0"/>
+          </a:p>
+          <a:p>
+            <a:pPr marL="514350" indent="-514350">
+              <a:buFont typeface="+mj-lt"/>
+              <a:buAutoNum type="arabicPeriod"/>
+            </a:pPr>
+            <a:r>
+              <a:rPr lang="en-CA" dirty="0"/>
+              <a:t>Conclusions</a:t>
+            </a:r>
           </a:p>
         </p:txBody>
       </p:sp>
     </p:spTree>
     <p:extLst>
       <p:ext uri="{BB962C8B-B14F-4D97-AF65-F5344CB8AC3E}">
-        <p14:creationId xmlns:p14="http://schemas.microsoft.com/office/powerpoint/2010/main" val="4043592756"/>
+        <p14:creationId xmlns:p14="http://schemas.microsoft.com/office/powerpoint/2010/main" val="1592450976"/>
       </p:ext>
     </p:extLst>
   </p:cSld>
@@ -23408,6 +23479,91 @@
             <a:pPr marL="0" indent="0">
               <a:buNone/>
             </a:pPr>
+            <a:endParaRPr lang="en-CA" b="1" dirty="0"/>
+          </a:p>
+          <a:p>
+            <a:pPr marL="0" indent="0">
+              <a:buNone/>
+            </a:pPr>
+            <a:endParaRPr lang="en-CA" b="1" dirty="0"/>
+          </a:p>
+          <a:p>
+            <a:pPr marL="0" indent="0">
+              <a:buNone/>
+            </a:pPr>
+            <a:endParaRPr lang="en-CA" b="1" dirty="0"/>
+          </a:p>
+          <a:p>
+            <a:pPr marL="0" indent="0">
+              <a:buNone/>
+            </a:pPr>
+            <a:endParaRPr lang="en-CA" b="1" dirty="0"/>
+          </a:p>
+          <a:p>
+            <a:pPr marL="0" indent="0">
+              <a:buNone/>
+            </a:pPr>
+            <a:r>
+              <a:rPr lang="en-CA" b="1" dirty="0"/>
+              <a:t>Activity #7 – Pulling Commits from GitHub</a:t>
+            </a:r>
+          </a:p>
+        </p:txBody>
+      </p:sp>
+    </p:spTree>
+    <p:extLst>
+      <p:ext uri="{BB962C8B-B14F-4D97-AF65-F5344CB8AC3E}">
+        <p14:creationId xmlns:p14="http://schemas.microsoft.com/office/powerpoint/2010/main" val="3458676307"/>
+      </p:ext>
+    </p:extLst>
+  </p:cSld>
+  <p:clrMapOvr>
+    <a:masterClrMapping/>
+  </p:clrMapOvr>
+</p:sld>
+</file>
+
+<file path=ppt/slides/slide51.xml><?xml version="1.0" encoding="utf-8"?>
+<p:sld xmlns:a="http://schemas.openxmlformats.org/drawingml/2006/main" xmlns:r="http://schemas.openxmlformats.org/officeDocument/2006/relationships" xmlns:p="http://schemas.openxmlformats.org/presentationml/2006/main">
+  <p:cSld>
+    <p:spTree>
+      <p:nvGrpSpPr>
+        <p:cNvPr id="1" name=""/>
+        <p:cNvGrpSpPr/>
+        <p:nvPr/>
+      </p:nvGrpSpPr>
+      <p:grpSpPr>
+        <a:xfrm>
+          <a:off x="0" y="0"/>
+          <a:ext cx="0" cy="0"/>
+          <a:chOff x="0" y="0"/>
+          <a:chExt cx="0" cy="0"/>
+        </a:xfrm>
+      </p:grpSpPr>
+      <p:sp>
+        <p:nvSpPr>
+          <p:cNvPr id="2" name="Text Placeholder 1">
+            <a:extLst>
+              <a:ext uri="{FF2B5EF4-FFF2-40B4-BE49-F238E27FC236}">
+                <a16:creationId xmlns:a16="http://schemas.microsoft.com/office/drawing/2014/main" id="{F30F071A-0450-8F6E-F28D-8124D7A90523}"/>
+              </a:ext>
+            </a:extLst>
+          </p:cNvPr>
+          <p:cNvSpPr>
+            <a:spLocks noGrp="1"/>
+          </p:cNvSpPr>
+          <p:nvPr>
+            <p:ph type="body" sz="quarter" idx="10"/>
+          </p:nvPr>
+        </p:nvSpPr>
+        <p:spPr/>
+        <p:txBody>
+          <a:bodyPr/>
+          <a:lstStyle/>
+          <a:p>
+            <a:pPr marL="0" indent="0">
+              <a:buNone/>
+            </a:pPr>
             <a:r>
               <a:rPr lang="en-CA" b="1" dirty="0"/>
               <a:t>Activity #7 – Pulling Commits from GitHub</a:t>
@@ -23489,7 +23645,7 @@
 </p:sld>
 </file>
 
-<file path=ppt/slides/slide51.xml><?xml version="1.0" encoding="utf-8"?>
+<file path=ppt/slides/slide52.xml><?xml version="1.0" encoding="utf-8"?>
 <p:sld xmlns:a="http://schemas.openxmlformats.org/drawingml/2006/main" xmlns:r="http://schemas.openxmlformats.org/officeDocument/2006/relationships" xmlns:p="http://schemas.openxmlformats.org/presentationml/2006/main">
   <p:cSld>
     <p:spTree>
@@ -23654,7 +23810,7 @@
 </p:sld>
 </file>
 
-<file path=ppt/slides/slide52.xml><?xml version="1.0" encoding="utf-8"?>
+<file path=ppt/slides/slide53.xml><?xml version="1.0" encoding="utf-8"?>
 <p:sld xmlns:a="http://schemas.openxmlformats.org/drawingml/2006/main" xmlns:r="http://schemas.openxmlformats.org/officeDocument/2006/relationships" xmlns:p="http://schemas.openxmlformats.org/presentationml/2006/main">
   <p:cSld>
     <p:spTree>
@@ -24468,100 +24624,6 @@
 </p:sld>
 </file>
 
-<file path=ppt/slides/slide53.xml><?xml version="1.0" encoding="utf-8"?>
-<p:sld xmlns:a="http://schemas.openxmlformats.org/drawingml/2006/main" xmlns:r="http://schemas.openxmlformats.org/officeDocument/2006/relationships" xmlns:p="http://schemas.openxmlformats.org/presentationml/2006/main">
-  <p:cSld>
-    <p:spTree>
-      <p:nvGrpSpPr>
-        <p:cNvPr id="1" name=""/>
-        <p:cNvGrpSpPr/>
-        <p:nvPr/>
-      </p:nvGrpSpPr>
-      <p:grpSpPr>
-        <a:xfrm>
-          <a:off x="0" y="0"/>
-          <a:ext cx="0" cy="0"/>
-          <a:chOff x="0" y="0"/>
-          <a:chExt cx="0" cy="0"/>
-        </a:xfrm>
-      </p:grpSpPr>
-      <p:sp>
-        <p:nvSpPr>
-          <p:cNvPr id="2" name="Text Placeholder 1">
-            <a:extLst>
-              <a:ext uri="{FF2B5EF4-FFF2-40B4-BE49-F238E27FC236}">
-                <a16:creationId xmlns:a16="http://schemas.microsoft.com/office/drawing/2014/main" id="{F30F071A-0450-8F6E-F28D-8124D7A90523}"/>
-              </a:ext>
-            </a:extLst>
-          </p:cNvPr>
-          <p:cNvSpPr>
-            <a:spLocks noGrp="1"/>
-          </p:cNvSpPr>
-          <p:nvPr>
-            <p:ph type="body" sz="quarter" idx="10"/>
-          </p:nvPr>
-        </p:nvSpPr>
-        <p:spPr/>
-        <p:txBody>
-          <a:bodyPr/>
-          <a:lstStyle/>
-          <a:p>
-            <a:pPr marL="0" indent="0">
-              <a:buNone/>
-            </a:pPr>
-            <a:endParaRPr lang="en-CA" b="1" dirty="0"/>
-          </a:p>
-          <a:p>
-            <a:pPr marL="0" indent="0">
-              <a:buNone/>
-            </a:pPr>
-            <a:endParaRPr lang="en-CA" b="1" dirty="0"/>
-          </a:p>
-          <a:p>
-            <a:pPr marL="0" indent="0">
-              <a:buNone/>
-            </a:pPr>
-            <a:endParaRPr lang="en-CA" b="1" dirty="0"/>
-          </a:p>
-          <a:p>
-            <a:pPr marL="0" indent="0">
-              <a:buNone/>
-            </a:pPr>
-            <a:endParaRPr lang="en-CA" b="1" dirty="0"/>
-          </a:p>
-          <a:p>
-            <a:pPr marL="0" indent="0">
-              <a:buNone/>
-            </a:pPr>
-            <a:r>
-              <a:rPr lang="en-CA" b="1" dirty="0"/>
-              <a:t>Activity #8 – Clone a Repository</a:t>
-            </a:r>
-          </a:p>
-          <a:p>
-            <a:pPr marL="0" indent="0">
-              <a:buNone/>
-            </a:pPr>
-            <a:r>
-              <a:rPr lang="en-CA" dirty="0"/>
-              <a:t>- Find a GitHub repo that interests you and clone it!</a:t>
-            </a:r>
-          </a:p>
-        </p:txBody>
-      </p:sp>
-    </p:spTree>
-    <p:extLst>
-      <p:ext uri="{BB962C8B-B14F-4D97-AF65-F5344CB8AC3E}">
-        <p14:creationId xmlns:p14="http://schemas.microsoft.com/office/powerpoint/2010/main" val="308561724"/>
-      </p:ext>
-    </p:extLst>
-  </p:cSld>
-  <p:clrMapOvr>
-    <a:masterClrMapping/>
-  </p:clrMapOvr>
-</p:sld>
-</file>
-
 <file path=ppt/slides/slide54.xml><?xml version="1.0" encoding="utf-8"?>
 <p:sld xmlns:a="http://schemas.openxmlformats.org/drawingml/2006/main" xmlns:r="http://schemas.openxmlformats.org/officeDocument/2006/relationships" xmlns:p="http://schemas.openxmlformats.org/presentationml/2006/main">
   <p:cSld>
@@ -24603,6 +24665,100 @@
             <a:pPr marL="0" indent="0">
               <a:buNone/>
             </a:pPr>
+            <a:endParaRPr lang="en-CA" b="1" dirty="0"/>
+          </a:p>
+          <a:p>
+            <a:pPr marL="0" indent="0">
+              <a:buNone/>
+            </a:pPr>
+            <a:endParaRPr lang="en-CA" b="1" dirty="0"/>
+          </a:p>
+          <a:p>
+            <a:pPr marL="0" indent="0">
+              <a:buNone/>
+            </a:pPr>
+            <a:endParaRPr lang="en-CA" b="1" dirty="0"/>
+          </a:p>
+          <a:p>
+            <a:pPr marL="0" indent="0">
+              <a:buNone/>
+            </a:pPr>
+            <a:endParaRPr lang="en-CA" b="1" dirty="0"/>
+          </a:p>
+          <a:p>
+            <a:pPr marL="0" indent="0">
+              <a:buNone/>
+            </a:pPr>
+            <a:r>
+              <a:rPr lang="en-CA" b="1" dirty="0"/>
+              <a:t>Activity #8 – Clone a Repository</a:t>
+            </a:r>
+          </a:p>
+          <a:p>
+            <a:pPr marL="0" indent="0">
+              <a:buNone/>
+            </a:pPr>
+            <a:r>
+              <a:rPr lang="en-CA" dirty="0"/>
+              <a:t>- Find a GitHub repo that interests you and clone it!</a:t>
+            </a:r>
+          </a:p>
+        </p:txBody>
+      </p:sp>
+    </p:spTree>
+    <p:extLst>
+      <p:ext uri="{BB962C8B-B14F-4D97-AF65-F5344CB8AC3E}">
+        <p14:creationId xmlns:p14="http://schemas.microsoft.com/office/powerpoint/2010/main" val="308561724"/>
+      </p:ext>
+    </p:extLst>
+  </p:cSld>
+  <p:clrMapOvr>
+    <a:masterClrMapping/>
+  </p:clrMapOvr>
+</p:sld>
+</file>
+
+<file path=ppt/slides/slide55.xml><?xml version="1.0" encoding="utf-8"?>
+<p:sld xmlns:a="http://schemas.openxmlformats.org/drawingml/2006/main" xmlns:r="http://schemas.openxmlformats.org/officeDocument/2006/relationships" xmlns:p="http://schemas.openxmlformats.org/presentationml/2006/main">
+  <p:cSld>
+    <p:spTree>
+      <p:nvGrpSpPr>
+        <p:cNvPr id="1" name=""/>
+        <p:cNvGrpSpPr/>
+        <p:nvPr/>
+      </p:nvGrpSpPr>
+      <p:grpSpPr>
+        <a:xfrm>
+          <a:off x="0" y="0"/>
+          <a:ext cx="0" cy="0"/>
+          <a:chOff x="0" y="0"/>
+          <a:chExt cx="0" cy="0"/>
+        </a:xfrm>
+      </p:grpSpPr>
+      <p:sp>
+        <p:nvSpPr>
+          <p:cNvPr id="2" name="Text Placeholder 1">
+            <a:extLst>
+              <a:ext uri="{FF2B5EF4-FFF2-40B4-BE49-F238E27FC236}">
+                <a16:creationId xmlns:a16="http://schemas.microsoft.com/office/drawing/2014/main" id="{F30F071A-0450-8F6E-F28D-8124D7A90523}"/>
+              </a:ext>
+            </a:extLst>
+          </p:cNvPr>
+          <p:cNvSpPr>
+            <a:spLocks noGrp="1"/>
+          </p:cNvSpPr>
+          <p:nvPr>
+            <p:ph type="body" sz="quarter" idx="10"/>
+          </p:nvPr>
+        </p:nvSpPr>
+        <p:spPr/>
+        <p:txBody>
+          <a:bodyPr/>
+          <a:lstStyle/>
+          <a:p>
+            <a:pPr marL="0" indent="0">
+              <a:buNone/>
+            </a:pPr>
             <a:r>
               <a:rPr lang="en-CA" b="1" dirty="0"/>
               <a:t>Activity #8 – Clone a Repository</a:t>
@@ -24702,7 +24858,7 @@
 </p:sld>
 </file>
 
-<file path=ppt/slides/slide55.xml><?xml version="1.0" encoding="utf-8"?>
+<file path=ppt/slides/slide56.xml><?xml version="1.0" encoding="utf-8"?>
 <p:sld xmlns:a="http://schemas.openxmlformats.org/drawingml/2006/main" xmlns:r="http://schemas.openxmlformats.org/officeDocument/2006/relationships" xmlns:p="http://schemas.openxmlformats.org/presentationml/2006/main">
   <p:cSld>
     <p:spTree>
@@ -24928,7 +25084,7 @@
 </p:sld>
 </file>
 
-<file path=ppt/slides/slide56.xml><?xml version="1.0" encoding="utf-8"?>
+<file path=ppt/slides/slide57.xml><?xml version="1.0" encoding="utf-8"?>
 <p:sld xmlns:a="http://schemas.openxmlformats.org/drawingml/2006/main" xmlns:r="http://schemas.openxmlformats.org/officeDocument/2006/relationships" xmlns:p="http://schemas.openxmlformats.org/presentationml/2006/main">
   <p:cSld>
     <p:spTree>
@@ -25033,7 +25189,7 @@
 </p:sld>
 </file>
 
-<file path=ppt/slides/slide57.xml><?xml version="1.0" encoding="utf-8"?>
+<file path=ppt/slides/slide58.xml><?xml version="1.0" encoding="utf-8"?>
 <p:sld xmlns:a="http://schemas.openxmlformats.org/drawingml/2006/main" xmlns:r="http://schemas.openxmlformats.org/officeDocument/2006/relationships" xmlns:p="http://schemas.openxmlformats.org/presentationml/2006/main">
   <p:cSld>
     <p:spTree>
@@ -25176,7 +25332,7 @@
 </p:sld>
 </file>
 
-<file path=ppt/slides/slide58.xml><?xml version="1.0" encoding="utf-8"?>
+<file path=ppt/slides/slide59.xml><?xml version="1.0" encoding="utf-8"?>
 <p:sld xmlns:a="http://schemas.openxmlformats.org/drawingml/2006/main" xmlns:r="http://schemas.openxmlformats.org/officeDocument/2006/relationships" xmlns:p="http://schemas.openxmlformats.org/presentationml/2006/main">
   <p:cSld>
     <p:spTree>
@@ -25357,7 +25513,152 @@
 </p:sld>
 </file>
 
-<file path=ppt/slides/slide59.xml><?xml version="1.0" encoding="utf-8"?>
+<file path=ppt/slides/slide6.xml><?xml version="1.0" encoding="utf-8"?>
+<p:sld xmlns:a="http://schemas.openxmlformats.org/drawingml/2006/main" xmlns:r="http://schemas.openxmlformats.org/officeDocument/2006/relationships" xmlns:p="http://schemas.openxmlformats.org/presentationml/2006/main">
+  <p:cSld>
+    <p:spTree>
+      <p:nvGrpSpPr>
+        <p:cNvPr id="1" name=""/>
+        <p:cNvGrpSpPr/>
+        <p:nvPr/>
+      </p:nvGrpSpPr>
+      <p:grpSpPr>
+        <a:xfrm>
+          <a:off x="0" y="0"/>
+          <a:ext cx="0" cy="0"/>
+          <a:chOff x="0" y="0"/>
+          <a:chExt cx="0" cy="0"/>
+        </a:xfrm>
+      </p:grpSpPr>
+      <p:sp>
+        <p:nvSpPr>
+          <p:cNvPr id="2" name="Text Placeholder 1">
+            <a:extLst>
+              <a:ext uri="{FF2B5EF4-FFF2-40B4-BE49-F238E27FC236}">
+                <a16:creationId xmlns:a16="http://schemas.microsoft.com/office/drawing/2014/main" id="{FC7A004E-DF48-DFF4-8D27-CC4C90721AC0}"/>
+              </a:ext>
+            </a:extLst>
+          </p:cNvPr>
+          <p:cNvSpPr>
+            <a:spLocks noGrp="1"/>
+          </p:cNvSpPr>
+          <p:nvPr>
+            <p:ph type="body" sz="quarter" idx="10"/>
+          </p:nvPr>
+        </p:nvSpPr>
+        <p:spPr/>
+        <p:txBody>
+          <a:bodyPr>
+            <a:normAutofit/>
+          </a:bodyPr>
+          <a:lstStyle/>
+          <a:p>
+            <a:pPr marL="0" indent="0">
+              <a:buNone/>
+            </a:pPr>
+            <a:r>
+              <a:rPr lang="en-CA" b="1" dirty="0"/>
+              <a:t>Hands-on Activities:</a:t>
+            </a:r>
+          </a:p>
+          <a:p>
+            <a:r>
+              <a:rPr lang="en-CA" dirty="0"/>
+              <a:t>Quick Review Polls</a:t>
+            </a:r>
+          </a:p>
+          <a:p>
+            <a:r>
+              <a:rPr lang="en-CA" dirty="0"/>
+              <a:t>Git/GitHub exercises</a:t>
+            </a:r>
+          </a:p>
+          <a:p>
+            <a:pPr marL="0" indent="0">
+              <a:buNone/>
+            </a:pPr>
+            <a:endParaRPr lang="en-CA" b="1" dirty="0"/>
+          </a:p>
+          <a:p>
+            <a:pPr marL="0" indent="0">
+              <a:buNone/>
+            </a:pPr>
+            <a:r>
+              <a:rPr lang="en-CA" b="1" dirty="0"/>
+              <a:t>What you will need:</a:t>
+            </a:r>
+          </a:p>
+          <a:p>
+            <a:pPr marL="514350" indent="-514350">
+              <a:buFont typeface="+mj-lt"/>
+              <a:buAutoNum type="arabicPeriod"/>
+            </a:pPr>
+            <a:r>
+              <a:rPr lang="en-CA" dirty="0"/>
+              <a:t>GitHub Desktop App and GitHub Account</a:t>
+            </a:r>
+          </a:p>
+          <a:p>
+            <a:pPr marL="514350" indent="-514350">
+              <a:buFont typeface="+mj-lt"/>
+              <a:buAutoNum type="arabicPeriod"/>
+            </a:pPr>
+            <a:r>
+              <a:rPr lang="en-CA" dirty="0"/>
+              <a:t>A Text editor</a:t>
+            </a:r>
+          </a:p>
+          <a:p>
+            <a:pPr marL="514350" indent="-514350">
+              <a:buFont typeface="+mj-lt"/>
+              <a:buAutoNum type="arabicPeriod"/>
+            </a:pPr>
+            <a:r>
+              <a:rPr lang="en-CA" dirty="0"/>
+              <a:t>UNIX-based Command Line (time-allowing)</a:t>
+            </a:r>
+          </a:p>
+          <a:p>
+            <a:pPr marL="0" indent="0">
+              <a:buNone/>
+            </a:pPr>
+            <a:endParaRPr lang="en-CA" dirty="0"/>
+          </a:p>
+          <a:p>
+            <a:pPr marL="0" indent="0">
+              <a:buNone/>
+            </a:pPr>
+            <a:endParaRPr lang="en-CA" b="1" dirty="0"/>
+          </a:p>
+          <a:p>
+            <a:pPr marL="514350" indent="-514350">
+              <a:buFont typeface="+mj-lt"/>
+              <a:buAutoNum type="arabicPeriod"/>
+            </a:pPr>
+            <a:endParaRPr lang="en-CA" dirty="0"/>
+          </a:p>
+          <a:p>
+            <a:pPr marL="0" indent="0">
+              <a:buNone/>
+            </a:pPr>
+            <a:endParaRPr lang="en-CA" dirty="0"/>
+          </a:p>
+        </p:txBody>
+      </p:sp>
+    </p:spTree>
+    <p:extLst>
+      <p:ext uri="{BB962C8B-B14F-4D97-AF65-F5344CB8AC3E}">
+        <p14:creationId xmlns:p14="http://schemas.microsoft.com/office/powerpoint/2010/main" val="4043592756"/>
+      </p:ext>
+    </p:extLst>
+  </p:cSld>
+  <p:clrMapOvr>
+    <a:masterClrMapping/>
+  </p:clrMapOvr>
+</p:sld>
+</file>
+
+<file path=ppt/slides/slide60.xml><?xml version="1.0" encoding="utf-8"?>
 <p:sld xmlns:a="http://schemas.openxmlformats.org/drawingml/2006/main" xmlns:r="http://schemas.openxmlformats.org/officeDocument/2006/relationships" xmlns:p="http://schemas.openxmlformats.org/presentationml/2006/main">
   <p:cSld>
     <p:spTree>
@@ -25488,107 +25789,7 @@
 </p:sld>
 </file>
 
-<file path=ppt/slides/slide6.xml><?xml version="1.0" encoding="utf-8"?>
-<p:sld xmlns:a="http://schemas.openxmlformats.org/drawingml/2006/main" xmlns:r="http://schemas.openxmlformats.org/officeDocument/2006/relationships" xmlns:p="http://schemas.openxmlformats.org/presentationml/2006/main">
-  <p:cSld>
-    <p:spTree>
-      <p:nvGrpSpPr>
-        <p:cNvPr id="1" name=""/>
-        <p:cNvGrpSpPr/>
-        <p:nvPr/>
-      </p:nvGrpSpPr>
-      <p:grpSpPr>
-        <a:xfrm>
-          <a:off x="0" y="0"/>
-          <a:ext cx="0" cy="0"/>
-          <a:chOff x="0" y="0"/>
-          <a:chExt cx="0" cy="0"/>
-        </a:xfrm>
-      </p:grpSpPr>
-      <p:sp>
-        <p:nvSpPr>
-          <p:cNvPr id="2" name="Text Placeholder 1">
-            <a:extLst>
-              <a:ext uri="{FF2B5EF4-FFF2-40B4-BE49-F238E27FC236}">
-                <a16:creationId xmlns:a16="http://schemas.microsoft.com/office/drawing/2014/main" id="{09E2662B-C95B-76DF-8523-2BDCBE3A731E}"/>
-              </a:ext>
-            </a:extLst>
-          </p:cNvPr>
-          <p:cNvSpPr>
-            <a:spLocks noGrp="1"/>
-          </p:cNvSpPr>
-          <p:nvPr>
-            <p:ph type="body" sz="quarter" idx="10"/>
-          </p:nvPr>
-        </p:nvSpPr>
-        <p:spPr/>
-        <p:txBody>
-          <a:bodyPr/>
-          <a:lstStyle/>
-          <a:p>
-            <a:pPr marL="0" indent="0">
-              <a:buNone/>
-            </a:pPr>
-            <a:r>
-              <a:rPr lang="en-CA" b="1" dirty="0"/>
-              <a:t>What you WILL learn</a:t>
-            </a:r>
-          </a:p>
-          <a:p>
-            <a:r>
-              <a:rPr lang="en-CA" dirty="0"/>
-              <a:t>Basic theory and features behind Git and GitHub</a:t>
-            </a:r>
-          </a:p>
-          <a:p>
-            <a:r>
-              <a:rPr lang="en-CA" dirty="0"/>
-              <a:t>How to manage local and remote repositories</a:t>
-            </a:r>
-          </a:p>
-          <a:p>
-            <a:pPr marL="0" indent="0">
-              <a:buNone/>
-            </a:pPr>
-            <a:endParaRPr lang="en-CA" dirty="0"/>
-          </a:p>
-          <a:p>
-            <a:pPr marL="0" indent="0">
-              <a:buNone/>
-            </a:pPr>
-            <a:r>
-              <a:rPr lang="en-CA" b="1" dirty="0"/>
-              <a:t>What you will NOT learn</a:t>
-            </a:r>
-          </a:p>
-          <a:p>
-            <a:r>
-              <a:rPr lang="en-CA" dirty="0"/>
-              <a:t>How to code</a:t>
-            </a:r>
-          </a:p>
-          <a:p>
-            <a:r>
-              <a:rPr lang="en-CA" dirty="0"/>
-              <a:t>Data Analysis Pipelines</a:t>
-            </a:r>
-          </a:p>
-        </p:txBody>
-      </p:sp>
-    </p:spTree>
-    <p:extLst>
-      <p:ext uri="{BB962C8B-B14F-4D97-AF65-F5344CB8AC3E}">
-        <p14:creationId xmlns:p14="http://schemas.microsoft.com/office/powerpoint/2010/main" val="2837531258"/>
-      </p:ext>
-    </p:extLst>
-  </p:cSld>
-  <p:clrMapOvr>
-    <a:masterClrMapping/>
-  </p:clrMapOvr>
-</p:sld>
-</file>
-
-<file path=ppt/slides/slide60.xml><?xml version="1.0" encoding="utf-8"?>
+<file path=ppt/slides/slide61.xml><?xml version="1.0" encoding="utf-8"?>
 <p:sld xmlns:a="http://schemas.openxmlformats.org/drawingml/2006/main" xmlns:r="http://schemas.openxmlformats.org/officeDocument/2006/relationships" xmlns:p="http://schemas.openxmlformats.org/presentationml/2006/main">
   <p:cSld>
     <p:spTree>
@@ -27435,7 +27636,7 @@
 </p:sld>
 </file>
 
-<file path=ppt/slides/slide61.xml><?xml version="1.0" encoding="utf-8"?>
+<file path=ppt/slides/slide62.xml><?xml version="1.0" encoding="utf-8"?>
 <p:sld xmlns:a="http://schemas.openxmlformats.org/drawingml/2006/main" xmlns:r="http://schemas.openxmlformats.org/officeDocument/2006/relationships" xmlns:p="http://schemas.openxmlformats.org/presentationml/2006/main">
   <p:cSld>
     <p:spTree>
@@ -27534,7 +27735,7 @@
 </p:sld>
 </file>
 
-<file path=ppt/slides/slide62.xml><?xml version="1.0" encoding="utf-8"?>
+<file path=ppt/slides/slide63.xml><?xml version="1.0" encoding="utf-8"?>
 <p:sld xmlns:a="http://schemas.openxmlformats.org/drawingml/2006/main" xmlns:r="http://schemas.openxmlformats.org/officeDocument/2006/relationships" xmlns:p="http://schemas.openxmlformats.org/presentationml/2006/main">
   <p:cSld>
     <p:spTree>
@@ -27679,7 +27880,7 @@
 </p:sld>
 </file>
 
-<file path=ppt/slides/slide63.xml><?xml version="1.0" encoding="utf-8"?>
+<file path=ppt/slides/slide64.xml><?xml version="1.0" encoding="utf-8"?>
 <p:sld xmlns:a="http://schemas.openxmlformats.org/drawingml/2006/main" xmlns:r="http://schemas.openxmlformats.org/officeDocument/2006/relationships" xmlns:p="http://schemas.openxmlformats.org/presentationml/2006/main">
   <p:cSld>
     <p:spTree>
@@ -28031,7 +28232,7 @@
 </p:sld>
 </file>
 
-<file path=ppt/slides/slide64.xml><?xml version="1.0" encoding="utf-8"?>
+<file path=ppt/slides/slide65.xml><?xml version="1.0" encoding="utf-8"?>
 <p:sld xmlns:a="http://schemas.openxmlformats.org/drawingml/2006/main" xmlns:r="http://schemas.openxmlformats.org/officeDocument/2006/relationships" xmlns:p="http://schemas.openxmlformats.org/presentationml/2006/main">
   <p:cSld>
     <p:spTree>
@@ -28302,7 +28503,7 @@
 </p:sld>
 </file>
 
-<file path=ppt/slides/slide65.xml><?xml version="1.0" encoding="utf-8"?>
+<file path=ppt/slides/slide66.xml><?xml version="1.0" encoding="utf-8"?>
 <p:sld xmlns:a="http://schemas.openxmlformats.org/drawingml/2006/main" xmlns:r="http://schemas.openxmlformats.org/officeDocument/2006/relationships" xmlns:p="http://schemas.openxmlformats.org/presentationml/2006/main">
   <p:cSld>
     <p:spTree>
@@ -28641,7 +28842,7 @@
 </p:sld>
 </file>
 
-<file path=ppt/slides/slide66.xml><?xml version="1.0" encoding="utf-8"?>
+<file path=ppt/slides/slide67.xml><?xml version="1.0" encoding="utf-8"?>
 <p:sld xmlns:a="http://schemas.openxmlformats.org/drawingml/2006/main" xmlns:r="http://schemas.openxmlformats.org/officeDocument/2006/relationships" xmlns:p="http://schemas.openxmlformats.org/presentationml/2006/main">
   <p:cSld>
     <p:spTree>
@@ -28699,7 +28900,7 @@
 </p:sld>
 </file>
 
-<file path=ppt/slides/slide67.xml><?xml version="1.0" encoding="utf-8"?>
+<file path=ppt/slides/slide68.xml><?xml version="1.0" encoding="utf-8"?>
 <p:sld xmlns:a="http://schemas.openxmlformats.org/drawingml/2006/main" xmlns:r="http://schemas.openxmlformats.org/officeDocument/2006/relationships" xmlns:p="http://schemas.openxmlformats.org/presentationml/2006/main">
   <p:cSld>
     <p:spTree>
@@ -28763,7 +28964,7 @@
 </p:sld>
 </file>
 
-<file path=ppt/slides/slide68.xml><?xml version="1.0" encoding="utf-8"?>
+<file path=ppt/slides/slide69.xml><?xml version="1.0" encoding="utf-8"?>
 <p:sld xmlns:a="http://schemas.openxmlformats.org/drawingml/2006/main" xmlns:r="http://schemas.openxmlformats.org/officeDocument/2006/relationships" xmlns:p="http://schemas.openxmlformats.org/presentationml/2006/main">
   <p:cSld>
     <p:spTree>
@@ -28874,7 +29075,107 @@
 </p:sld>
 </file>
 
-<file path=ppt/slides/slide69.xml><?xml version="1.0" encoding="utf-8"?>
+<file path=ppt/slides/slide7.xml><?xml version="1.0" encoding="utf-8"?>
+<p:sld xmlns:a="http://schemas.openxmlformats.org/drawingml/2006/main" xmlns:r="http://schemas.openxmlformats.org/officeDocument/2006/relationships" xmlns:p="http://schemas.openxmlformats.org/presentationml/2006/main">
+  <p:cSld>
+    <p:spTree>
+      <p:nvGrpSpPr>
+        <p:cNvPr id="1" name=""/>
+        <p:cNvGrpSpPr/>
+        <p:nvPr/>
+      </p:nvGrpSpPr>
+      <p:grpSpPr>
+        <a:xfrm>
+          <a:off x="0" y="0"/>
+          <a:ext cx="0" cy="0"/>
+          <a:chOff x="0" y="0"/>
+          <a:chExt cx="0" cy="0"/>
+        </a:xfrm>
+      </p:grpSpPr>
+      <p:sp>
+        <p:nvSpPr>
+          <p:cNvPr id="2" name="Text Placeholder 1">
+            <a:extLst>
+              <a:ext uri="{FF2B5EF4-FFF2-40B4-BE49-F238E27FC236}">
+                <a16:creationId xmlns:a16="http://schemas.microsoft.com/office/drawing/2014/main" id="{09E2662B-C95B-76DF-8523-2BDCBE3A731E}"/>
+              </a:ext>
+            </a:extLst>
+          </p:cNvPr>
+          <p:cNvSpPr>
+            <a:spLocks noGrp="1"/>
+          </p:cNvSpPr>
+          <p:nvPr>
+            <p:ph type="body" sz="quarter" idx="10"/>
+          </p:nvPr>
+        </p:nvSpPr>
+        <p:spPr/>
+        <p:txBody>
+          <a:bodyPr/>
+          <a:lstStyle/>
+          <a:p>
+            <a:pPr marL="0" indent="0">
+              <a:buNone/>
+            </a:pPr>
+            <a:r>
+              <a:rPr lang="en-CA" b="1" dirty="0"/>
+              <a:t>What you WILL learn</a:t>
+            </a:r>
+          </a:p>
+          <a:p>
+            <a:r>
+              <a:rPr lang="en-CA" dirty="0"/>
+              <a:t>Basic theory and features behind Git and GitHub</a:t>
+            </a:r>
+          </a:p>
+          <a:p>
+            <a:r>
+              <a:rPr lang="en-CA" dirty="0"/>
+              <a:t>How to manage local and remote repositories</a:t>
+            </a:r>
+          </a:p>
+          <a:p>
+            <a:pPr marL="0" indent="0">
+              <a:buNone/>
+            </a:pPr>
+            <a:endParaRPr lang="en-CA" dirty="0"/>
+          </a:p>
+          <a:p>
+            <a:pPr marL="0" indent="0">
+              <a:buNone/>
+            </a:pPr>
+            <a:r>
+              <a:rPr lang="en-CA" b="1" dirty="0"/>
+              <a:t>What you will NOT learn</a:t>
+            </a:r>
+          </a:p>
+          <a:p>
+            <a:r>
+              <a:rPr lang="en-CA" dirty="0"/>
+              <a:t>How to code</a:t>
+            </a:r>
+          </a:p>
+          <a:p>
+            <a:r>
+              <a:rPr lang="en-CA" dirty="0"/>
+              <a:t>Data Analysis Pipelines</a:t>
+            </a:r>
+          </a:p>
+        </p:txBody>
+      </p:sp>
+    </p:spTree>
+    <p:extLst>
+      <p:ext uri="{BB962C8B-B14F-4D97-AF65-F5344CB8AC3E}">
+        <p14:creationId xmlns:p14="http://schemas.microsoft.com/office/powerpoint/2010/main" val="2837531258"/>
+      </p:ext>
+    </p:extLst>
+  </p:cSld>
+  <p:clrMapOvr>
+    <a:masterClrMapping/>
+  </p:clrMapOvr>
+</p:sld>
+</file>
+
+<file path=ppt/slides/slide70.xml><?xml version="1.0" encoding="utf-8"?>
 <p:sld xmlns:a="http://schemas.openxmlformats.org/drawingml/2006/main" xmlns:r="http://schemas.openxmlformats.org/officeDocument/2006/relationships" xmlns:p="http://schemas.openxmlformats.org/presentationml/2006/main">
   <p:cSld>
     <p:spTree>
@@ -28959,7 +29260,1221 @@
 </p:sld>
 </file>
 
-<file path=ppt/slides/slide7.xml><?xml version="1.0" encoding="utf-8"?>
+<file path=ppt/slides/slide71.xml><?xml version="1.0" encoding="utf-8"?>
+<p:sld xmlns:a="http://schemas.openxmlformats.org/drawingml/2006/main" xmlns:r="http://schemas.openxmlformats.org/officeDocument/2006/relationships" xmlns:p="http://schemas.openxmlformats.org/presentationml/2006/main" show="0">
+  <p:cSld>
+    <p:spTree>
+      <p:nvGrpSpPr>
+        <p:cNvPr id="1" name=""/>
+        <p:cNvGrpSpPr/>
+        <p:nvPr/>
+      </p:nvGrpSpPr>
+      <p:grpSpPr>
+        <a:xfrm>
+          <a:off x="0" y="0"/>
+          <a:ext cx="0" cy="0"/>
+          <a:chOff x="0" y="0"/>
+          <a:chExt cx="0" cy="0"/>
+        </a:xfrm>
+      </p:grpSpPr>
+      <p:sp>
+        <p:nvSpPr>
+          <p:cNvPr id="2" name="Text Placeholder 1">
+            <a:extLst>
+              <a:ext uri="{FF2B5EF4-FFF2-40B4-BE49-F238E27FC236}">
+                <a16:creationId xmlns:a16="http://schemas.microsoft.com/office/drawing/2014/main" id="{0CC87135-7AB5-DE33-3BDD-FE5E66CA8354}"/>
+              </a:ext>
+            </a:extLst>
+          </p:cNvPr>
+          <p:cNvSpPr>
+            <a:spLocks noGrp="1"/>
+          </p:cNvSpPr>
+          <p:nvPr>
+            <p:ph type="body" sz="quarter" idx="10"/>
+          </p:nvPr>
+        </p:nvSpPr>
+        <p:spPr/>
+        <p:txBody>
+          <a:bodyPr/>
+          <a:lstStyle/>
+          <a:p>
+            <a:pPr marL="0" indent="0">
+              <a:buNone/>
+            </a:pPr>
+            <a:r>
+              <a:rPr lang="en-CA" b="1" dirty="0"/>
+              <a:t>Activity #10 – Initialize Repo with git commands</a:t>
+            </a:r>
+          </a:p>
+          <a:p>
+            <a:pPr marL="514350" indent="-514350">
+              <a:buFont typeface="+mj-lt"/>
+              <a:buAutoNum type="arabicPeriod"/>
+            </a:pPr>
+            <a:r>
+              <a:rPr lang="en-CA" dirty="0"/>
+              <a:t>Open Command Line and switch to Desktop: 		cd Desktop/ </a:t>
+            </a:r>
+          </a:p>
+          <a:p>
+            <a:pPr marL="514350" indent="-514350">
+              <a:buFont typeface="+mj-lt"/>
+              <a:buAutoNum type="arabicPeriod"/>
+            </a:pPr>
+            <a:endParaRPr lang="en-CA" dirty="0"/>
+          </a:p>
+          <a:p>
+            <a:pPr marL="514350" indent="-514350">
+              <a:buFont typeface="+mj-lt"/>
+              <a:buAutoNum type="arabicPeriod"/>
+            </a:pPr>
+            <a:r>
+              <a:rPr lang="en-CA" dirty="0"/>
+              <a:t>Make a new directory: </a:t>
+            </a:r>
+            <a:r>
+              <a:rPr lang="en-CA" dirty="0" err="1"/>
+              <a:t>mkdir</a:t>
+            </a:r>
+            <a:r>
+              <a:rPr lang="en-CA" dirty="0"/>
+              <a:t> </a:t>
+            </a:r>
+            <a:r>
+              <a:rPr lang="en-CA" dirty="0" err="1"/>
+              <a:t>Git_Practice</a:t>
+            </a:r>
+            <a:endParaRPr lang="en-CA" dirty="0"/>
+          </a:p>
+          <a:p>
+            <a:pPr marL="514350" indent="-514350">
+              <a:buFont typeface="+mj-lt"/>
+              <a:buAutoNum type="arabicPeriod"/>
+            </a:pPr>
+            <a:endParaRPr lang="en-CA" dirty="0"/>
+          </a:p>
+          <a:p>
+            <a:pPr marL="514350" indent="-514350">
+              <a:buFont typeface="+mj-lt"/>
+              <a:buAutoNum type="arabicPeriod"/>
+            </a:pPr>
+            <a:r>
+              <a:rPr lang="en-CA" dirty="0"/>
+              <a:t>Initialize git repository: git </a:t>
+            </a:r>
+            <a:r>
+              <a:rPr lang="en-CA" dirty="0" err="1"/>
+              <a:t>init</a:t>
+            </a:r>
+            <a:endParaRPr lang="en-CA" dirty="0"/>
+          </a:p>
+          <a:p>
+            <a:pPr marL="514350" indent="-514350">
+              <a:buFont typeface="+mj-lt"/>
+              <a:buAutoNum type="arabicPeriod"/>
+            </a:pPr>
+            <a:endParaRPr lang="en-CA" dirty="0"/>
+          </a:p>
+          <a:p>
+            <a:pPr marL="514350" indent="-514350">
+              <a:buFont typeface="+mj-lt"/>
+              <a:buAutoNum type="arabicPeriod"/>
+            </a:pPr>
+            <a:r>
+              <a:rPr lang="en-CA" dirty="0"/>
+              <a:t>Check the status of your repository: git status</a:t>
+            </a:r>
+          </a:p>
+        </p:txBody>
+      </p:sp>
+    </p:spTree>
+    <p:extLst>
+      <p:ext uri="{BB962C8B-B14F-4D97-AF65-F5344CB8AC3E}">
+        <p14:creationId xmlns:p14="http://schemas.microsoft.com/office/powerpoint/2010/main" val="4223853117"/>
+      </p:ext>
+    </p:extLst>
+  </p:cSld>
+  <p:clrMapOvr>
+    <a:masterClrMapping/>
+  </p:clrMapOvr>
+</p:sld>
+</file>
+
+<file path=ppt/slides/slide72.xml><?xml version="1.0" encoding="utf-8"?>
+<p:sld xmlns:a="http://schemas.openxmlformats.org/drawingml/2006/main" xmlns:r="http://schemas.openxmlformats.org/officeDocument/2006/relationships" xmlns:p="http://schemas.openxmlformats.org/presentationml/2006/main" show="0">
+  <p:cSld>
+    <p:spTree>
+      <p:nvGrpSpPr>
+        <p:cNvPr id="1" name=""/>
+        <p:cNvGrpSpPr/>
+        <p:nvPr/>
+      </p:nvGrpSpPr>
+      <p:grpSpPr>
+        <a:xfrm>
+          <a:off x="0" y="0"/>
+          <a:ext cx="0" cy="0"/>
+          <a:chOff x="0" y="0"/>
+          <a:chExt cx="0" cy="0"/>
+        </a:xfrm>
+      </p:grpSpPr>
+      <p:sp>
+        <p:nvSpPr>
+          <p:cNvPr id="2" name="Text Placeholder 1">
+            <a:extLst>
+              <a:ext uri="{FF2B5EF4-FFF2-40B4-BE49-F238E27FC236}">
+                <a16:creationId xmlns:a16="http://schemas.microsoft.com/office/drawing/2014/main" id="{0CC87135-7AB5-DE33-3BDD-FE5E66CA8354}"/>
+              </a:ext>
+            </a:extLst>
+          </p:cNvPr>
+          <p:cNvSpPr>
+            <a:spLocks noGrp="1"/>
+          </p:cNvSpPr>
+          <p:nvPr>
+            <p:ph type="body" sz="quarter" idx="10"/>
+          </p:nvPr>
+        </p:nvSpPr>
+        <p:spPr/>
+        <p:txBody>
+          <a:bodyPr>
+            <a:normAutofit fontScale="62500" lnSpcReduction="20000"/>
+          </a:bodyPr>
+          <a:lstStyle/>
+          <a:p>
+            <a:pPr marL="0" indent="0">
+              <a:buNone/>
+            </a:pPr>
+            <a:r>
+              <a:rPr lang="en-CA" sz="4000" b="1" dirty="0"/>
+              <a:t>Activity #11 – Commit a new file with git commands</a:t>
+            </a:r>
+          </a:p>
+          <a:p>
+            <a:pPr marL="0" indent="0">
+              <a:buNone/>
+            </a:pPr>
+            <a:endParaRPr lang="en-CA" sz="3800" b="1" dirty="0"/>
+          </a:p>
+          <a:p>
+            <a:pPr marL="514350" indent="-514350">
+              <a:buFont typeface="+mj-lt"/>
+              <a:buAutoNum type="arabicPeriod"/>
+            </a:pPr>
+            <a:r>
+              <a:rPr lang="en-CA" sz="3400" dirty="0"/>
+              <a:t>Create a new txt file in the repo with vim or through your text editor</a:t>
+            </a:r>
+          </a:p>
+          <a:p>
+            <a:pPr marL="514350" indent="-514350">
+              <a:buFont typeface="+mj-lt"/>
+              <a:buAutoNum type="arabicPeriod"/>
+            </a:pPr>
+            <a:r>
+              <a:rPr lang="en-CA" sz="3400" dirty="0"/>
+              <a:t>From the command line, check your repo status: git status 	              (do you see the new file?)</a:t>
+            </a:r>
+          </a:p>
+          <a:p>
+            <a:pPr marL="514350" indent="-514350">
+              <a:buFont typeface="+mj-lt"/>
+              <a:buAutoNum type="arabicPeriod"/>
+            </a:pPr>
+            <a:endParaRPr lang="en-CA" sz="3400" dirty="0"/>
+          </a:p>
+          <a:p>
+            <a:pPr marL="514350" indent="-514350">
+              <a:buFont typeface="+mj-lt"/>
+              <a:buAutoNum type="arabicPeriod"/>
+            </a:pPr>
+            <a:r>
+              <a:rPr lang="en-CA" sz="3400" dirty="0"/>
+              <a:t>Stage the new file: git add </a:t>
+            </a:r>
+            <a:r>
+              <a:rPr lang="en-CA" sz="3400" dirty="0" err="1"/>
+              <a:t>file_name</a:t>
+            </a:r>
+            <a:endParaRPr lang="en-CA" sz="3400" dirty="0"/>
+          </a:p>
+          <a:p>
+            <a:pPr marL="514350" indent="-514350">
+              <a:buFont typeface="+mj-lt"/>
+              <a:buAutoNum type="arabicPeriod"/>
+            </a:pPr>
+            <a:r>
+              <a:rPr lang="en-CA" sz="3400" dirty="0"/>
+              <a:t>Check your repo status: git status</a:t>
+            </a:r>
+          </a:p>
+          <a:p>
+            <a:pPr marL="514350" indent="-514350">
+              <a:buFont typeface="+mj-lt"/>
+              <a:buAutoNum type="arabicPeriod"/>
+            </a:pPr>
+            <a:endParaRPr lang="en-CA" sz="3400" dirty="0"/>
+          </a:p>
+          <a:p>
+            <a:pPr marL="514350" indent="-514350">
+              <a:buFont typeface="+mj-lt"/>
+              <a:buAutoNum type="arabicPeriod"/>
+            </a:pPr>
+            <a:r>
+              <a:rPr lang="en-CA" sz="3400" dirty="0"/>
+              <a:t>Commit the file: git commit </a:t>
+            </a:r>
+            <a:r>
+              <a:rPr lang="en-CA" sz="3400" b="1" dirty="0"/>
+              <a:t>–m </a:t>
+            </a:r>
+            <a:r>
+              <a:rPr lang="en-CA" sz="3400" dirty="0"/>
+              <a:t>“Commit Message”</a:t>
+            </a:r>
+          </a:p>
+          <a:p>
+            <a:pPr marL="514350" indent="-514350">
+              <a:buFont typeface="+mj-lt"/>
+              <a:buAutoNum type="arabicPeriod"/>
+            </a:pPr>
+            <a:r>
+              <a:rPr lang="en-CA" sz="3400" dirty="0"/>
+              <a:t>Check your repo status: git status</a:t>
+            </a:r>
+          </a:p>
+          <a:p>
+            <a:pPr marL="514350" indent="-514350">
+              <a:buFont typeface="+mj-lt"/>
+              <a:buAutoNum type="arabicPeriod"/>
+            </a:pPr>
+            <a:r>
+              <a:rPr lang="en-CA" sz="3400" dirty="0"/>
+              <a:t>Check your Commit History: git log</a:t>
+            </a:r>
+          </a:p>
+          <a:p>
+            <a:pPr marL="514350" indent="-514350">
+              <a:buFont typeface="+mj-lt"/>
+              <a:buAutoNum type="arabicPeriod"/>
+            </a:pPr>
+            <a:r>
+              <a:rPr lang="en-CA" sz="3400" dirty="0"/>
+              <a:t>Rename your branch: git branch –M main</a:t>
+            </a:r>
+          </a:p>
+        </p:txBody>
+      </p:sp>
+    </p:spTree>
+    <p:extLst>
+      <p:ext uri="{BB962C8B-B14F-4D97-AF65-F5344CB8AC3E}">
+        <p14:creationId xmlns:p14="http://schemas.microsoft.com/office/powerpoint/2010/main" val="2502566039"/>
+      </p:ext>
+    </p:extLst>
+  </p:cSld>
+  <p:clrMapOvr>
+    <a:masterClrMapping/>
+  </p:clrMapOvr>
+</p:sld>
+</file>
+
+<file path=ppt/slides/slide73.xml><?xml version="1.0" encoding="utf-8"?>
+<p:sld xmlns:a="http://schemas.openxmlformats.org/drawingml/2006/main" xmlns:r="http://schemas.openxmlformats.org/officeDocument/2006/relationships" xmlns:p="http://schemas.openxmlformats.org/presentationml/2006/main" show="0">
+  <p:cSld>
+    <p:spTree>
+      <p:nvGrpSpPr>
+        <p:cNvPr id="1" name=""/>
+        <p:cNvGrpSpPr/>
+        <p:nvPr/>
+      </p:nvGrpSpPr>
+      <p:grpSpPr>
+        <a:xfrm>
+          <a:off x="0" y="0"/>
+          <a:ext cx="0" cy="0"/>
+          <a:chOff x="0" y="0"/>
+          <a:chExt cx="0" cy="0"/>
+        </a:xfrm>
+      </p:grpSpPr>
+      <p:sp>
+        <p:nvSpPr>
+          <p:cNvPr id="2" name="Text Placeholder 1">
+            <a:extLst>
+              <a:ext uri="{FF2B5EF4-FFF2-40B4-BE49-F238E27FC236}">
+                <a16:creationId xmlns:a16="http://schemas.microsoft.com/office/drawing/2014/main" id="{0CC87135-7AB5-DE33-3BDD-FE5E66CA8354}"/>
+              </a:ext>
+            </a:extLst>
+          </p:cNvPr>
+          <p:cNvSpPr>
+            <a:spLocks noGrp="1"/>
+          </p:cNvSpPr>
+          <p:nvPr>
+            <p:ph type="body" sz="quarter" idx="10"/>
+          </p:nvPr>
+        </p:nvSpPr>
+        <p:spPr/>
+        <p:txBody>
+          <a:bodyPr>
+            <a:normAutofit fontScale="92500" lnSpcReduction="20000"/>
+          </a:bodyPr>
+          <a:lstStyle/>
+          <a:p>
+            <a:pPr marL="0" indent="0">
+              <a:buNone/>
+            </a:pPr>
+            <a:r>
+              <a:rPr lang="en-CA" sz="3000" b="1" dirty="0"/>
+              <a:t>Activity #12 – Create a new branch</a:t>
+            </a:r>
+          </a:p>
+          <a:p>
+            <a:pPr marL="514350" indent="-514350">
+              <a:buFont typeface="+mj-lt"/>
+              <a:buAutoNum type="arabicPeriod"/>
+            </a:pPr>
+            <a:r>
+              <a:rPr lang="en-CA" dirty="0"/>
+              <a:t>Check your current branches: git branch</a:t>
+            </a:r>
+          </a:p>
+          <a:p>
+            <a:pPr marL="514350" indent="-514350">
+              <a:buFont typeface="+mj-lt"/>
+              <a:buAutoNum type="arabicPeriod"/>
+            </a:pPr>
+            <a:endParaRPr lang="en-CA" dirty="0"/>
+          </a:p>
+          <a:p>
+            <a:pPr marL="514350" indent="-514350">
+              <a:buFont typeface="+mj-lt"/>
+              <a:buAutoNum type="arabicPeriod"/>
+            </a:pPr>
+            <a:r>
+              <a:rPr lang="en-CA" dirty="0"/>
+              <a:t>Create new branch: git branch </a:t>
+            </a:r>
+            <a:r>
+              <a:rPr lang="en-CA" dirty="0" err="1"/>
+              <a:t>new_branch_name</a:t>
+            </a:r>
+            <a:endParaRPr lang="en-CA" dirty="0"/>
+          </a:p>
+          <a:p>
+            <a:pPr marL="514350" indent="-514350">
+              <a:buFont typeface="+mj-lt"/>
+              <a:buAutoNum type="arabicPeriod"/>
+            </a:pPr>
+            <a:endParaRPr lang="en-CA" dirty="0"/>
+          </a:p>
+          <a:p>
+            <a:pPr marL="514350" indent="-514350">
+              <a:buFont typeface="+mj-lt"/>
+              <a:buAutoNum type="arabicPeriod"/>
+            </a:pPr>
+            <a:r>
+              <a:rPr lang="en-CA" dirty="0"/>
+              <a:t>Check your current branches: git branch</a:t>
+            </a:r>
+          </a:p>
+          <a:p>
+            <a:pPr marL="514350" indent="-514350">
+              <a:buFont typeface="+mj-lt"/>
+              <a:buAutoNum type="arabicPeriod"/>
+            </a:pPr>
+            <a:endParaRPr lang="en-CA" dirty="0"/>
+          </a:p>
+          <a:p>
+            <a:pPr marL="514350" indent="-514350">
+              <a:buFont typeface="+mj-lt"/>
+              <a:buAutoNum type="arabicPeriod"/>
+            </a:pPr>
+            <a:r>
+              <a:rPr lang="en-CA" dirty="0"/>
+              <a:t>Switch to new branch: git checkout </a:t>
+            </a:r>
+            <a:r>
+              <a:rPr lang="en-CA" dirty="0" err="1"/>
+              <a:t>new_branch_name</a:t>
+            </a:r>
+            <a:endParaRPr lang="en-CA" dirty="0"/>
+          </a:p>
+          <a:p>
+            <a:pPr marL="514350" indent="-514350">
+              <a:buFont typeface="+mj-lt"/>
+              <a:buAutoNum type="arabicPeriod"/>
+            </a:pPr>
+            <a:endParaRPr lang="en-CA" dirty="0"/>
+          </a:p>
+          <a:p>
+            <a:pPr marL="514350" indent="-514350">
+              <a:buFont typeface="+mj-lt"/>
+              <a:buAutoNum type="arabicPeriod"/>
+            </a:pPr>
+            <a:r>
+              <a:rPr lang="en-CA" dirty="0"/>
+              <a:t>Edit your file and commit it</a:t>
+            </a:r>
+          </a:p>
+          <a:p>
+            <a:pPr marL="514350" indent="-514350">
+              <a:buFont typeface="+mj-lt"/>
+              <a:buAutoNum type="arabicPeriod"/>
+            </a:pPr>
+            <a:endParaRPr lang="en-CA" dirty="0"/>
+          </a:p>
+          <a:p>
+            <a:pPr marL="514350" indent="-514350">
+              <a:buFont typeface="+mj-lt"/>
+              <a:buAutoNum type="arabicPeriod"/>
+            </a:pPr>
+            <a:r>
+              <a:rPr lang="en-CA" dirty="0"/>
+              <a:t>Check your commit history: git log</a:t>
+            </a:r>
+          </a:p>
+        </p:txBody>
+      </p:sp>
+    </p:spTree>
+    <p:extLst>
+      <p:ext uri="{BB962C8B-B14F-4D97-AF65-F5344CB8AC3E}">
+        <p14:creationId xmlns:p14="http://schemas.microsoft.com/office/powerpoint/2010/main" val="2074610716"/>
+      </p:ext>
+    </p:extLst>
+  </p:cSld>
+  <p:clrMapOvr>
+    <a:masterClrMapping/>
+  </p:clrMapOvr>
+</p:sld>
+</file>
+
+<file path=ppt/slides/slide74.xml><?xml version="1.0" encoding="utf-8"?>
+<p:sld xmlns:a="http://schemas.openxmlformats.org/drawingml/2006/main" xmlns:r="http://schemas.openxmlformats.org/officeDocument/2006/relationships" xmlns:p="http://schemas.openxmlformats.org/presentationml/2006/main" show="0">
+  <p:cSld>
+    <p:spTree>
+      <p:nvGrpSpPr>
+        <p:cNvPr id="1" name=""/>
+        <p:cNvGrpSpPr/>
+        <p:nvPr/>
+      </p:nvGrpSpPr>
+      <p:grpSpPr>
+        <a:xfrm>
+          <a:off x="0" y="0"/>
+          <a:ext cx="0" cy="0"/>
+          <a:chOff x="0" y="0"/>
+          <a:chExt cx="0" cy="0"/>
+        </a:xfrm>
+      </p:grpSpPr>
+      <p:sp>
+        <p:nvSpPr>
+          <p:cNvPr id="2" name="Text Placeholder 1">
+            <a:extLst>
+              <a:ext uri="{FF2B5EF4-FFF2-40B4-BE49-F238E27FC236}">
+                <a16:creationId xmlns:a16="http://schemas.microsoft.com/office/drawing/2014/main" id="{0CC87135-7AB5-DE33-3BDD-FE5E66CA8354}"/>
+              </a:ext>
+            </a:extLst>
+          </p:cNvPr>
+          <p:cNvSpPr>
+            <a:spLocks noGrp="1"/>
+          </p:cNvSpPr>
+          <p:nvPr>
+            <p:ph type="body" sz="quarter" idx="10"/>
+          </p:nvPr>
+        </p:nvSpPr>
+        <p:spPr>
+          <a:xfrm>
+            <a:off x="242628" y="1449307"/>
+            <a:ext cx="8658743" cy="4924350"/>
+          </a:xfrm>
+        </p:spPr>
+        <p:txBody>
+          <a:bodyPr/>
+          <a:lstStyle/>
+          <a:p>
+            <a:pPr marL="0" indent="0">
+              <a:buNone/>
+            </a:pPr>
+            <a:r>
+              <a:rPr lang="en-CA" b="1" dirty="0"/>
+              <a:t>Activity #13.1 – Revert a Modification/Commit</a:t>
+            </a:r>
+          </a:p>
+          <a:p>
+            <a:pPr marL="514350" indent="-514350">
+              <a:buFont typeface="+mj-lt"/>
+              <a:buAutoNum type="arabicPeriod"/>
+            </a:pPr>
+            <a:r>
+              <a:rPr lang="en-CA" dirty="0"/>
+              <a:t>Make a change to a file</a:t>
+            </a:r>
+          </a:p>
+          <a:p>
+            <a:pPr marL="514350" indent="-514350">
+              <a:buFont typeface="+mj-lt"/>
+              <a:buAutoNum type="arabicPeriod"/>
+            </a:pPr>
+            <a:r>
+              <a:rPr lang="en-CA" dirty="0"/>
+              <a:t>Check the repo status: git status</a:t>
+            </a:r>
+          </a:p>
+          <a:p>
+            <a:pPr marL="514350" indent="-514350">
+              <a:buFont typeface="+mj-lt"/>
+              <a:buAutoNum type="arabicPeriod"/>
+            </a:pPr>
+            <a:r>
+              <a:rPr lang="en-CA" dirty="0"/>
+              <a:t>Restore the previous version of file: git restore </a:t>
+            </a:r>
+            <a:r>
+              <a:rPr lang="en-CA" dirty="0" err="1"/>
+              <a:t>file_name</a:t>
+            </a:r>
+            <a:endParaRPr lang="en-CA" dirty="0"/>
+          </a:p>
+          <a:p>
+            <a:pPr marL="514350" indent="-514350">
+              <a:buFont typeface="+mj-lt"/>
+              <a:buAutoNum type="arabicPeriod"/>
+            </a:pPr>
+            <a:endParaRPr lang="en-CA" dirty="0"/>
+          </a:p>
+          <a:p>
+            <a:pPr marL="514350" indent="-514350">
+              <a:buFont typeface="+mj-lt"/>
+              <a:buAutoNum type="arabicPeriod"/>
+            </a:pPr>
+            <a:r>
+              <a:rPr lang="en-CA" dirty="0"/>
+              <a:t>Make the change again, but stage it this time: git add </a:t>
+            </a:r>
+            <a:r>
+              <a:rPr lang="en-CA" dirty="0" err="1"/>
+              <a:t>file_name</a:t>
+            </a:r>
+            <a:endParaRPr lang="en-CA" dirty="0"/>
+          </a:p>
+          <a:p>
+            <a:pPr marL="514350" indent="-514350">
+              <a:buFont typeface="+mj-lt"/>
+              <a:buAutoNum type="arabicPeriod"/>
+            </a:pPr>
+            <a:r>
+              <a:rPr lang="en-CA" dirty="0" err="1"/>
+              <a:t>Unstage</a:t>
+            </a:r>
+            <a:r>
+              <a:rPr lang="en-CA" dirty="0"/>
+              <a:t> the file: git reset </a:t>
+            </a:r>
+            <a:r>
+              <a:rPr lang="en-CA" dirty="0" err="1"/>
+              <a:t>file_name</a:t>
+            </a:r>
+            <a:endParaRPr lang="en-CA" dirty="0"/>
+          </a:p>
+          <a:p>
+            <a:pPr marL="514350" indent="-514350">
+              <a:buFont typeface="+mj-lt"/>
+              <a:buAutoNum type="arabicPeriod"/>
+            </a:pPr>
+            <a:endParaRPr lang="en-CA" dirty="0"/>
+          </a:p>
+          <a:p>
+            <a:pPr marL="514350" indent="-514350">
+              <a:buFont typeface="+mj-lt"/>
+              <a:buAutoNum type="arabicPeriod"/>
+            </a:pPr>
+            <a:endParaRPr lang="en-CA" dirty="0"/>
+          </a:p>
+          <a:p>
+            <a:pPr marL="514350" indent="-514350">
+              <a:buFont typeface="+mj-lt"/>
+              <a:buAutoNum type="arabicPeriod"/>
+            </a:pPr>
+            <a:endParaRPr lang="en-CA" dirty="0"/>
+          </a:p>
+        </p:txBody>
+      </p:sp>
+    </p:spTree>
+    <p:extLst>
+      <p:ext uri="{BB962C8B-B14F-4D97-AF65-F5344CB8AC3E}">
+        <p14:creationId xmlns:p14="http://schemas.microsoft.com/office/powerpoint/2010/main" val="1880580410"/>
+      </p:ext>
+    </p:extLst>
+  </p:cSld>
+  <p:clrMapOvr>
+    <a:masterClrMapping/>
+  </p:clrMapOvr>
+</p:sld>
+</file>
+
+<file path=ppt/slides/slide75.xml><?xml version="1.0" encoding="utf-8"?>
+<p:sld xmlns:a="http://schemas.openxmlformats.org/drawingml/2006/main" xmlns:r="http://schemas.openxmlformats.org/officeDocument/2006/relationships" xmlns:p="http://schemas.openxmlformats.org/presentationml/2006/main" show="0">
+  <p:cSld>
+    <p:spTree>
+      <p:nvGrpSpPr>
+        <p:cNvPr id="1" name=""/>
+        <p:cNvGrpSpPr/>
+        <p:nvPr/>
+      </p:nvGrpSpPr>
+      <p:grpSpPr>
+        <a:xfrm>
+          <a:off x="0" y="0"/>
+          <a:ext cx="0" cy="0"/>
+          <a:chOff x="0" y="0"/>
+          <a:chExt cx="0" cy="0"/>
+        </a:xfrm>
+      </p:grpSpPr>
+      <p:sp>
+        <p:nvSpPr>
+          <p:cNvPr id="2" name="Text Placeholder 1">
+            <a:extLst>
+              <a:ext uri="{FF2B5EF4-FFF2-40B4-BE49-F238E27FC236}">
+                <a16:creationId xmlns:a16="http://schemas.microsoft.com/office/drawing/2014/main" id="{0CC87135-7AB5-DE33-3BDD-FE5E66CA8354}"/>
+              </a:ext>
+            </a:extLst>
+          </p:cNvPr>
+          <p:cNvSpPr>
+            <a:spLocks noGrp="1"/>
+          </p:cNvSpPr>
+          <p:nvPr>
+            <p:ph type="body" sz="quarter" idx="10"/>
+          </p:nvPr>
+        </p:nvSpPr>
+        <p:spPr>
+          <a:xfrm>
+            <a:off x="242628" y="1449307"/>
+            <a:ext cx="8658743" cy="4924350"/>
+          </a:xfrm>
+        </p:spPr>
+        <p:txBody>
+          <a:bodyPr/>
+          <a:lstStyle/>
+          <a:p>
+            <a:pPr marL="0" indent="0">
+              <a:buNone/>
+            </a:pPr>
+            <a:r>
+              <a:rPr lang="en-CA" b="1" dirty="0"/>
+              <a:t>Activity #13.2 – Revert a Modification/Commit</a:t>
+            </a:r>
+          </a:p>
+          <a:p>
+            <a:pPr marL="514350" indent="-514350">
+              <a:buFont typeface="+mj-lt"/>
+              <a:buAutoNum type="arabicPeriod"/>
+            </a:pPr>
+            <a:r>
+              <a:rPr lang="en-CA" dirty="0"/>
+              <a:t>Make a change and commit it</a:t>
+            </a:r>
+          </a:p>
+          <a:p>
+            <a:pPr marL="971438" lvl="1" indent="-514350">
+              <a:buFont typeface="+mj-lt"/>
+              <a:buAutoNum type="arabicPeriod"/>
+            </a:pPr>
+            <a:r>
+              <a:rPr lang="en-CA" dirty="0"/>
+              <a:t>git add </a:t>
+            </a:r>
+            <a:r>
+              <a:rPr lang="en-CA" dirty="0" err="1"/>
+              <a:t>file_name</a:t>
+            </a:r>
+            <a:endParaRPr lang="en-CA" dirty="0"/>
+          </a:p>
+          <a:p>
+            <a:pPr marL="971438" lvl="1" indent="-514350">
+              <a:buFont typeface="+mj-lt"/>
+              <a:buAutoNum type="arabicPeriod"/>
+            </a:pPr>
+            <a:r>
+              <a:rPr lang="en-CA" dirty="0"/>
+              <a:t>git commit –m “commit message” </a:t>
+            </a:r>
+          </a:p>
+          <a:p>
+            <a:pPr marL="971438" lvl="1" indent="-514350">
+              <a:buFont typeface="+mj-lt"/>
+              <a:buAutoNum type="arabicPeriod"/>
+            </a:pPr>
+            <a:endParaRPr lang="en-CA" dirty="0"/>
+          </a:p>
+          <a:p>
+            <a:pPr marL="514350" indent="-514350">
+              <a:buFont typeface="+mj-lt"/>
+              <a:buAutoNum type="arabicPeriod"/>
+            </a:pPr>
+            <a:r>
+              <a:rPr lang="en-CA" dirty="0"/>
+              <a:t>Get the commit ID from your commit history: git log</a:t>
+            </a:r>
+          </a:p>
+          <a:p>
+            <a:pPr marL="514350" indent="-514350">
+              <a:buFont typeface="+mj-lt"/>
+              <a:buAutoNum type="arabicPeriod"/>
+            </a:pPr>
+            <a:endParaRPr lang="en-CA" dirty="0"/>
+          </a:p>
+          <a:p>
+            <a:pPr marL="514350" indent="-514350">
+              <a:buFont typeface="+mj-lt"/>
+              <a:buAutoNum type="arabicPeriod"/>
+            </a:pPr>
+            <a:r>
+              <a:rPr lang="en-CA" dirty="0"/>
+              <a:t>Revert your current commit: git revert </a:t>
+            </a:r>
+            <a:r>
+              <a:rPr lang="en-CA" dirty="0" err="1"/>
+              <a:t>commit_id</a:t>
+            </a:r>
+            <a:endParaRPr lang="en-CA" dirty="0"/>
+          </a:p>
+          <a:p>
+            <a:pPr marL="514350" indent="-514350">
+              <a:buFont typeface="+mj-lt"/>
+              <a:buAutoNum type="arabicPeriod"/>
+            </a:pPr>
+            <a:endParaRPr lang="en-CA" dirty="0"/>
+          </a:p>
+          <a:p>
+            <a:pPr marL="514350" indent="-514350">
+              <a:buFont typeface="+mj-lt"/>
+              <a:buAutoNum type="arabicPeriod"/>
+            </a:pPr>
+            <a:r>
+              <a:rPr lang="en-CA" dirty="0"/>
+              <a:t>Check your file: have the changes been reverted?</a:t>
+            </a:r>
+          </a:p>
+          <a:p>
+            <a:pPr marL="514350" indent="-514350">
+              <a:buFont typeface="+mj-lt"/>
+              <a:buAutoNum type="arabicPeriod"/>
+            </a:pPr>
+            <a:endParaRPr lang="en-CA" dirty="0"/>
+          </a:p>
+          <a:p>
+            <a:pPr marL="514350" indent="-514350">
+              <a:buFont typeface="+mj-lt"/>
+              <a:buAutoNum type="arabicPeriod"/>
+            </a:pPr>
+            <a:endParaRPr lang="en-CA" dirty="0"/>
+          </a:p>
+        </p:txBody>
+      </p:sp>
+    </p:spTree>
+    <p:extLst>
+      <p:ext uri="{BB962C8B-B14F-4D97-AF65-F5344CB8AC3E}">
+        <p14:creationId xmlns:p14="http://schemas.microsoft.com/office/powerpoint/2010/main" val="948834899"/>
+      </p:ext>
+    </p:extLst>
+  </p:cSld>
+  <p:clrMapOvr>
+    <a:masterClrMapping/>
+  </p:clrMapOvr>
+</p:sld>
+</file>
+
+<file path=ppt/slides/slide76.xml><?xml version="1.0" encoding="utf-8"?>
+<p:sld xmlns:a="http://schemas.openxmlformats.org/drawingml/2006/main" xmlns:r="http://schemas.openxmlformats.org/officeDocument/2006/relationships" xmlns:p="http://schemas.openxmlformats.org/presentationml/2006/main" show="0">
+  <p:cSld>
+    <p:spTree>
+      <p:nvGrpSpPr>
+        <p:cNvPr id="1" name=""/>
+        <p:cNvGrpSpPr/>
+        <p:nvPr/>
+      </p:nvGrpSpPr>
+      <p:grpSpPr>
+        <a:xfrm>
+          <a:off x="0" y="0"/>
+          <a:ext cx="0" cy="0"/>
+          <a:chOff x="0" y="0"/>
+          <a:chExt cx="0" cy="0"/>
+        </a:xfrm>
+      </p:grpSpPr>
+      <p:sp>
+        <p:nvSpPr>
+          <p:cNvPr id="2" name="Text Placeholder 1">
+            <a:extLst>
+              <a:ext uri="{FF2B5EF4-FFF2-40B4-BE49-F238E27FC236}">
+                <a16:creationId xmlns:a16="http://schemas.microsoft.com/office/drawing/2014/main" id="{0CC87135-7AB5-DE33-3BDD-FE5E66CA8354}"/>
+              </a:ext>
+            </a:extLst>
+          </p:cNvPr>
+          <p:cNvSpPr>
+            <a:spLocks noGrp="1"/>
+          </p:cNvSpPr>
+          <p:nvPr>
+            <p:ph type="body" sz="quarter" idx="10"/>
+          </p:nvPr>
+        </p:nvSpPr>
+        <p:spPr/>
+        <p:txBody>
+          <a:bodyPr>
+            <a:normAutofit fontScale="92500" lnSpcReduction="10000"/>
+          </a:bodyPr>
+          <a:lstStyle/>
+          <a:p>
+            <a:pPr marL="0" indent="0">
+              <a:buNone/>
+            </a:pPr>
+            <a:r>
+              <a:rPr lang="en-CA" b="1" dirty="0"/>
+              <a:t>Activity #14.1 – Push to Remote Repository</a:t>
+            </a:r>
+          </a:p>
+          <a:p>
+            <a:pPr marL="0" indent="0">
+              <a:buNone/>
+            </a:pPr>
+            <a:endParaRPr lang="en-CA" b="1" dirty="0"/>
+          </a:p>
+          <a:p>
+            <a:pPr marL="514350" indent="-514350">
+              <a:buFont typeface="+mj-lt"/>
+              <a:buAutoNum type="arabicPeriod"/>
+            </a:pPr>
+            <a:r>
+              <a:rPr lang="en-CA" dirty="0"/>
+              <a:t>On the GitHub website, click on your profile in the top right corner and select “settings”</a:t>
+            </a:r>
+          </a:p>
+          <a:p>
+            <a:pPr marL="514350" indent="-514350">
+              <a:buFont typeface="+mj-lt"/>
+              <a:buAutoNum type="arabicPeriod"/>
+            </a:pPr>
+            <a:r>
+              <a:rPr lang="en-CA" dirty="0"/>
+              <a:t>Select “Developer settings” at the bottom of the page</a:t>
+            </a:r>
+          </a:p>
+          <a:p>
+            <a:pPr marL="514350" indent="-514350">
+              <a:buFont typeface="+mj-lt"/>
+              <a:buAutoNum type="arabicPeriod"/>
+            </a:pPr>
+            <a:endParaRPr lang="en-CA" dirty="0"/>
+          </a:p>
+          <a:p>
+            <a:pPr marL="514350" indent="-514350">
+              <a:buFont typeface="+mj-lt"/>
+              <a:buAutoNum type="arabicPeriod"/>
+            </a:pPr>
+            <a:r>
+              <a:rPr lang="en-CA" dirty="0"/>
+              <a:t>Under the “Personal access tokens” menu, click generate new token.</a:t>
+            </a:r>
+          </a:p>
+          <a:p>
+            <a:pPr marL="514350" indent="-514350">
+              <a:buFont typeface="+mj-lt"/>
+              <a:buAutoNum type="arabicPeriod"/>
+            </a:pPr>
+            <a:r>
+              <a:rPr lang="en-CA" dirty="0"/>
+              <a:t>Select the “repo” scope and generate token.</a:t>
+            </a:r>
+          </a:p>
+          <a:p>
+            <a:pPr marL="514350" indent="-514350">
+              <a:buFont typeface="+mj-lt"/>
+              <a:buAutoNum type="arabicPeriod"/>
+            </a:pPr>
+            <a:endParaRPr lang="en-CA" dirty="0"/>
+          </a:p>
+          <a:p>
+            <a:pPr marL="514350" indent="-514350">
+              <a:buFont typeface="+mj-lt"/>
+              <a:buAutoNum type="arabicPeriod"/>
+            </a:pPr>
+            <a:r>
+              <a:rPr lang="en-CA" dirty="0"/>
+              <a:t>SAVE the token somewhere (or you will have to make a new one)</a:t>
+            </a:r>
+          </a:p>
+        </p:txBody>
+      </p:sp>
+    </p:spTree>
+    <p:extLst>
+      <p:ext uri="{BB962C8B-B14F-4D97-AF65-F5344CB8AC3E}">
+        <p14:creationId xmlns:p14="http://schemas.microsoft.com/office/powerpoint/2010/main" val="2536054258"/>
+      </p:ext>
+    </p:extLst>
+  </p:cSld>
+  <p:clrMapOvr>
+    <a:masterClrMapping/>
+  </p:clrMapOvr>
+</p:sld>
+</file>
+
+<file path=ppt/slides/slide77.xml><?xml version="1.0" encoding="utf-8"?>
+<p:sld xmlns:a="http://schemas.openxmlformats.org/drawingml/2006/main" xmlns:r="http://schemas.openxmlformats.org/officeDocument/2006/relationships" xmlns:p="http://schemas.openxmlformats.org/presentationml/2006/main" show="0">
+  <p:cSld>
+    <p:spTree>
+      <p:nvGrpSpPr>
+        <p:cNvPr id="1" name=""/>
+        <p:cNvGrpSpPr/>
+        <p:nvPr/>
+      </p:nvGrpSpPr>
+      <p:grpSpPr>
+        <a:xfrm>
+          <a:off x="0" y="0"/>
+          <a:ext cx="0" cy="0"/>
+          <a:chOff x="0" y="0"/>
+          <a:chExt cx="0" cy="0"/>
+        </a:xfrm>
+      </p:grpSpPr>
+      <p:sp>
+        <p:nvSpPr>
+          <p:cNvPr id="2" name="Text Placeholder 1">
+            <a:extLst>
+              <a:ext uri="{FF2B5EF4-FFF2-40B4-BE49-F238E27FC236}">
+                <a16:creationId xmlns:a16="http://schemas.microsoft.com/office/drawing/2014/main" id="{0CC87135-7AB5-DE33-3BDD-FE5E66CA8354}"/>
+              </a:ext>
+            </a:extLst>
+          </p:cNvPr>
+          <p:cNvSpPr>
+            <a:spLocks noGrp="1"/>
+          </p:cNvSpPr>
+          <p:nvPr>
+            <p:ph type="body" sz="quarter" idx="10"/>
+          </p:nvPr>
+        </p:nvSpPr>
+        <p:spPr/>
+        <p:txBody>
+          <a:bodyPr/>
+          <a:lstStyle/>
+          <a:p>
+            <a:pPr marL="0" indent="0">
+              <a:buNone/>
+            </a:pPr>
+            <a:r>
+              <a:rPr lang="en-CA" b="1" dirty="0"/>
+              <a:t>Activity #14.2 – Push to Remote Repository</a:t>
+            </a:r>
+          </a:p>
+          <a:p>
+            <a:pPr marL="514350" indent="-514350">
+              <a:buFont typeface="+mj-lt"/>
+              <a:buAutoNum type="arabicPeriod"/>
+            </a:pPr>
+            <a:r>
+              <a:rPr lang="en-CA" dirty="0"/>
+              <a:t>On the GitHub website, create a new repository</a:t>
+            </a:r>
+          </a:p>
+          <a:p>
+            <a:pPr marL="971438" lvl="1" indent="-514350">
+              <a:buFont typeface="+mj-lt"/>
+              <a:buAutoNum type="arabicPeriod"/>
+            </a:pPr>
+            <a:r>
+              <a:rPr lang="en-CA" dirty="0"/>
+              <a:t>Do NOT create a README file</a:t>
+            </a:r>
+          </a:p>
+          <a:p>
+            <a:pPr marL="971438" lvl="1" indent="-514350">
+              <a:buFont typeface="+mj-lt"/>
+              <a:buAutoNum type="arabicPeriod"/>
+            </a:pPr>
+            <a:r>
+              <a:rPr lang="en-CA" dirty="0"/>
+              <a:t>Copy paste the repo’s URL</a:t>
+            </a:r>
+          </a:p>
+          <a:p>
+            <a:pPr marL="971438" lvl="1" indent="-514350">
+              <a:buFont typeface="+mj-lt"/>
+              <a:buAutoNum type="arabicPeriod"/>
+            </a:pPr>
+            <a:endParaRPr lang="en-CA" dirty="0"/>
+          </a:p>
+          <a:p>
+            <a:pPr marL="514350" indent="-514350">
+              <a:buFont typeface="+mj-lt"/>
+              <a:buAutoNum type="arabicPeriod"/>
+            </a:pPr>
+            <a:r>
+              <a:rPr lang="en-CA" dirty="0"/>
+              <a:t>In the command line, link your local and remote repo:	git remote add origin URL</a:t>
+            </a:r>
+          </a:p>
+          <a:p>
+            <a:pPr marL="514350" indent="-514350">
+              <a:buFont typeface="+mj-lt"/>
+              <a:buAutoNum type="arabicPeriod"/>
+            </a:pPr>
+            <a:endParaRPr lang="en-CA" dirty="0"/>
+          </a:p>
+          <a:p>
+            <a:pPr marL="514350" indent="-514350">
+              <a:buFont typeface="+mj-lt"/>
+              <a:buAutoNum type="arabicPeriod"/>
+            </a:pPr>
+            <a:r>
+              <a:rPr lang="en-CA" dirty="0"/>
+              <a:t>Push your main branch: git push -u origin main</a:t>
+            </a:r>
+          </a:p>
+          <a:p>
+            <a:pPr marL="514350" indent="-514350">
+              <a:buFont typeface="+mj-lt"/>
+              <a:buAutoNum type="arabicPeriod"/>
+            </a:pPr>
+            <a:r>
+              <a:rPr lang="en-CA" dirty="0"/>
+              <a:t>Check your remote repo: are the files there?</a:t>
+            </a:r>
+          </a:p>
+        </p:txBody>
+      </p:sp>
+    </p:spTree>
+    <p:extLst>
+      <p:ext uri="{BB962C8B-B14F-4D97-AF65-F5344CB8AC3E}">
+        <p14:creationId xmlns:p14="http://schemas.microsoft.com/office/powerpoint/2010/main" val="4268438258"/>
+      </p:ext>
+    </p:extLst>
+  </p:cSld>
+  <p:clrMapOvr>
+    <a:masterClrMapping/>
+  </p:clrMapOvr>
+</p:sld>
+</file>
+
+<file path=ppt/slides/slide78.xml><?xml version="1.0" encoding="utf-8"?>
+<p:sld xmlns:a="http://schemas.openxmlformats.org/drawingml/2006/main" xmlns:r="http://schemas.openxmlformats.org/officeDocument/2006/relationships" xmlns:p="http://schemas.openxmlformats.org/presentationml/2006/main">
+  <p:cSld>
+    <p:spTree>
+      <p:nvGrpSpPr>
+        <p:cNvPr id="1" name="">
+          <a:extLst>
+            <a:ext uri="{FF2B5EF4-FFF2-40B4-BE49-F238E27FC236}">
+              <a16:creationId xmlns:a16="http://schemas.microsoft.com/office/drawing/2014/main" id="{2B89338D-A0AD-A362-B2B2-0BCC2C65AF2E}"/>
+            </a:ext>
+          </a:extLst>
+        </p:cNvPr>
+        <p:cNvGrpSpPr/>
+        <p:nvPr/>
+      </p:nvGrpSpPr>
+      <p:grpSpPr>
+        <a:xfrm>
+          <a:off x="0" y="0"/>
+          <a:ext cx="0" cy="0"/>
+          <a:chOff x="0" y="0"/>
+          <a:chExt cx="0" cy="0"/>
+        </a:xfrm>
+      </p:grpSpPr>
+      <p:sp>
+        <p:nvSpPr>
+          <p:cNvPr id="2" name="Title 1">
+            <a:extLst>
+              <a:ext uri="{FF2B5EF4-FFF2-40B4-BE49-F238E27FC236}">
+                <a16:creationId xmlns:a16="http://schemas.microsoft.com/office/drawing/2014/main" id="{E0D93449-4226-EC5F-5274-37A2EBCE04E4}"/>
+              </a:ext>
+            </a:extLst>
+          </p:cNvPr>
+          <p:cNvSpPr>
+            <a:spLocks noGrp="1"/>
+          </p:cNvSpPr>
+          <p:nvPr>
+            <p:ph type="title"/>
+          </p:nvPr>
+        </p:nvSpPr>
+        <p:spPr/>
+        <p:txBody>
+          <a:bodyPr/>
+          <a:lstStyle/>
+          <a:p>
+            <a:r>
+              <a:rPr lang="en-CA" dirty="0"/>
+              <a:t>GitHub Pages</a:t>
+            </a:r>
+          </a:p>
+        </p:txBody>
+      </p:sp>
+    </p:spTree>
+    <p:extLst>
+      <p:ext uri="{BB962C8B-B14F-4D97-AF65-F5344CB8AC3E}">
+        <p14:creationId xmlns:p14="http://schemas.microsoft.com/office/powerpoint/2010/main" val="248630436"/>
+      </p:ext>
+    </p:extLst>
+  </p:cSld>
+  <p:clrMapOvr>
+    <a:masterClrMapping/>
+  </p:clrMapOvr>
+</p:sld>
+</file>
+
+<file path=ppt/slides/slide79.xml><?xml version="1.0" encoding="utf-8"?>
+<p:sld xmlns:a="http://schemas.openxmlformats.org/drawingml/2006/main" xmlns:r="http://schemas.openxmlformats.org/officeDocument/2006/relationships" xmlns:p="http://schemas.openxmlformats.org/presentationml/2006/main">
+  <p:cSld>
+    <p:spTree>
+      <p:nvGrpSpPr>
+        <p:cNvPr id="1" name="">
+          <a:extLst>
+            <a:ext uri="{FF2B5EF4-FFF2-40B4-BE49-F238E27FC236}">
+              <a16:creationId xmlns:a16="http://schemas.microsoft.com/office/drawing/2014/main" id="{094B7621-67BD-9BDA-5FA5-9B68CD47F4E4}"/>
+            </a:ext>
+          </a:extLst>
+        </p:cNvPr>
+        <p:cNvGrpSpPr/>
+        <p:nvPr/>
+      </p:nvGrpSpPr>
+      <p:grpSpPr>
+        <a:xfrm>
+          <a:off x="0" y="0"/>
+          <a:ext cx="0" cy="0"/>
+          <a:chOff x="0" y="0"/>
+          <a:chExt cx="0" cy="0"/>
+        </a:xfrm>
+      </p:grpSpPr>
+      <p:sp>
+        <p:nvSpPr>
+          <p:cNvPr id="2" name="Title 1">
+            <a:extLst>
+              <a:ext uri="{FF2B5EF4-FFF2-40B4-BE49-F238E27FC236}">
+                <a16:creationId xmlns:a16="http://schemas.microsoft.com/office/drawing/2014/main" id="{93A1C73B-EA31-B6CE-DF3F-7BDF5F206E79}"/>
+              </a:ext>
+            </a:extLst>
+          </p:cNvPr>
+          <p:cNvSpPr>
+            <a:spLocks noGrp="1"/>
+          </p:cNvSpPr>
+          <p:nvPr>
+            <p:ph type="title"/>
+          </p:nvPr>
+        </p:nvSpPr>
+        <p:spPr/>
+        <p:txBody>
+          <a:bodyPr/>
+          <a:lstStyle/>
+          <a:p>
+            <a:r>
+              <a:rPr lang="en-CA" dirty="0"/>
+              <a:t>GitHub Actions</a:t>
+            </a:r>
+          </a:p>
+        </p:txBody>
+      </p:sp>
+    </p:spTree>
+    <p:extLst>
+      <p:ext uri="{BB962C8B-B14F-4D97-AF65-F5344CB8AC3E}">
+        <p14:creationId xmlns:p14="http://schemas.microsoft.com/office/powerpoint/2010/main" val="1074809858"/>
+      </p:ext>
+    </p:extLst>
+  </p:cSld>
+  <p:clrMapOvr>
+    <a:masterClrMapping/>
+  </p:clrMapOvr>
+</p:sld>
+</file>
+
+<file path=ppt/slides/slide8.xml><?xml version="1.0" encoding="utf-8"?>
 <p:sld xmlns:a="http://schemas.openxmlformats.org/drawingml/2006/main" xmlns:r="http://schemas.openxmlformats.org/officeDocument/2006/relationships" xmlns:p="http://schemas.openxmlformats.org/presentationml/2006/main">
   <p:cSld>
     <p:spTree>
@@ -29019,1221 +30534,7 @@
 </p:sld>
 </file>
 
-<file path=ppt/slides/slide70.xml><?xml version="1.0" encoding="utf-8"?>
-<p:sld xmlns:a="http://schemas.openxmlformats.org/drawingml/2006/main" xmlns:r="http://schemas.openxmlformats.org/officeDocument/2006/relationships" xmlns:p="http://schemas.openxmlformats.org/presentationml/2006/main" show="0">
-  <p:cSld>
-    <p:spTree>
-      <p:nvGrpSpPr>
-        <p:cNvPr id="1" name=""/>
-        <p:cNvGrpSpPr/>
-        <p:nvPr/>
-      </p:nvGrpSpPr>
-      <p:grpSpPr>
-        <a:xfrm>
-          <a:off x="0" y="0"/>
-          <a:ext cx="0" cy="0"/>
-          <a:chOff x="0" y="0"/>
-          <a:chExt cx="0" cy="0"/>
-        </a:xfrm>
-      </p:grpSpPr>
-      <p:sp>
-        <p:nvSpPr>
-          <p:cNvPr id="2" name="Text Placeholder 1">
-            <a:extLst>
-              <a:ext uri="{FF2B5EF4-FFF2-40B4-BE49-F238E27FC236}">
-                <a16:creationId xmlns:a16="http://schemas.microsoft.com/office/drawing/2014/main" id="{0CC87135-7AB5-DE33-3BDD-FE5E66CA8354}"/>
-              </a:ext>
-            </a:extLst>
-          </p:cNvPr>
-          <p:cNvSpPr>
-            <a:spLocks noGrp="1"/>
-          </p:cNvSpPr>
-          <p:nvPr>
-            <p:ph type="body" sz="quarter" idx="10"/>
-          </p:nvPr>
-        </p:nvSpPr>
-        <p:spPr/>
-        <p:txBody>
-          <a:bodyPr/>
-          <a:lstStyle/>
-          <a:p>
-            <a:pPr marL="0" indent="0">
-              <a:buNone/>
-            </a:pPr>
-            <a:r>
-              <a:rPr lang="en-CA" b="1" dirty="0"/>
-              <a:t>Activity #10 – Initialize Repo with git commands</a:t>
-            </a:r>
-          </a:p>
-          <a:p>
-            <a:pPr marL="514350" indent="-514350">
-              <a:buFont typeface="+mj-lt"/>
-              <a:buAutoNum type="arabicPeriod"/>
-            </a:pPr>
-            <a:r>
-              <a:rPr lang="en-CA" dirty="0"/>
-              <a:t>Open Command Line and switch to Desktop: 		cd Desktop/ </a:t>
-            </a:r>
-          </a:p>
-          <a:p>
-            <a:pPr marL="514350" indent="-514350">
-              <a:buFont typeface="+mj-lt"/>
-              <a:buAutoNum type="arabicPeriod"/>
-            </a:pPr>
-            <a:endParaRPr lang="en-CA" dirty="0"/>
-          </a:p>
-          <a:p>
-            <a:pPr marL="514350" indent="-514350">
-              <a:buFont typeface="+mj-lt"/>
-              <a:buAutoNum type="arabicPeriod"/>
-            </a:pPr>
-            <a:r>
-              <a:rPr lang="en-CA" dirty="0"/>
-              <a:t>Make a new directory: </a:t>
-            </a:r>
-            <a:r>
-              <a:rPr lang="en-CA" dirty="0" err="1"/>
-              <a:t>mkdir</a:t>
-            </a:r>
-            <a:r>
-              <a:rPr lang="en-CA" dirty="0"/>
-              <a:t> </a:t>
-            </a:r>
-            <a:r>
-              <a:rPr lang="en-CA" dirty="0" err="1"/>
-              <a:t>Git_Practice</a:t>
-            </a:r>
-            <a:endParaRPr lang="en-CA" dirty="0"/>
-          </a:p>
-          <a:p>
-            <a:pPr marL="514350" indent="-514350">
-              <a:buFont typeface="+mj-lt"/>
-              <a:buAutoNum type="arabicPeriod"/>
-            </a:pPr>
-            <a:endParaRPr lang="en-CA" dirty="0"/>
-          </a:p>
-          <a:p>
-            <a:pPr marL="514350" indent="-514350">
-              <a:buFont typeface="+mj-lt"/>
-              <a:buAutoNum type="arabicPeriod"/>
-            </a:pPr>
-            <a:r>
-              <a:rPr lang="en-CA" dirty="0"/>
-              <a:t>Initialize git repository: git </a:t>
-            </a:r>
-            <a:r>
-              <a:rPr lang="en-CA" dirty="0" err="1"/>
-              <a:t>init</a:t>
-            </a:r>
-            <a:endParaRPr lang="en-CA" dirty="0"/>
-          </a:p>
-          <a:p>
-            <a:pPr marL="514350" indent="-514350">
-              <a:buFont typeface="+mj-lt"/>
-              <a:buAutoNum type="arabicPeriod"/>
-            </a:pPr>
-            <a:endParaRPr lang="en-CA" dirty="0"/>
-          </a:p>
-          <a:p>
-            <a:pPr marL="514350" indent="-514350">
-              <a:buFont typeface="+mj-lt"/>
-              <a:buAutoNum type="arabicPeriod"/>
-            </a:pPr>
-            <a:r>
-              <a:rPr lang="en-CA" dirty="0"/>
-              <a:t>Check the status of your repository: git status</a:t>
-            </a:r>
-          </a:p>
-        </p:txBody>
-      </p:sp>
-    </p:spTree>
-    <p:extLst>
-      <p:ext uri="{BB962C8B-B14F-4D97-AF65-F5344CB8AC3E}">
-        <p14:creationId xmlns:p14="http://schemas.microsoft.com/office/powerpoint/2010/main" val="4223853117"/>
-      </p:ext>
-    </p:extLst>
-  </p:cSld>
-  <p:clrMapOvr>
-    <a:masterClrMapping/>
-  </p:clrMapOvr>
-</p:sld>
-</file>
-
-<file path=ppt/slides/slide71.xml><?xml version="1.0" encoding="utf-8"?>
-<p:sld xmlns:a="http://schemas.openxmlformats.org/drawingml/2006/main" xmlns:r="http://schemas.openxmlformats.org/officeDocument/2006/relationships" xmlns:p="http://schemas.openxmlformats.org/presentationml/2006/main" show="0">
-  <p:cSld>
-    <p:spTree>
-      <p:nvGrpSpPr>
-        <p:cNvPr id="1" name=""/>
-        <p:cNvGrpSpPr/>
-        <p:nvPr/>
-      </p:nvGrpSpPr>
-      <p:grpSpPr>
-        <a:xfrm>
-          <a:off x="0" y="0"/>
-          <a:ext cx="0" cy="0"/>
-          <a:chOff x="0" y="0"/>
-          <a:chExt cx="0" cy="0"/>
-        </a:xfrm>
-      </p:grpSpPr>
-      <p:sp>
-        <p:nvSpPr>
-          <p:cNvPr id="2" name="Text Placeholder 1">
-            <a:extLst>
-              <a:ext uri="{FF2B5EF4-FFF2-40B4-BE49-F238E27FC236}">
-                <a16:creationId xmlns:a16="http://schemas.microsoft.com/office/drawing/2014/main" id="{0CC87135-7AB5-DE33-3BDD-FE5E66CA8354}"/>
-              </a:ext>
-            </a:extLst>
-          </p:cNvPr>
-          <p:cNvSpPr>
-            <a:spLocks noGrp="1"/>
-          </p:cNvSpPr>
-          <p:nvPr>
-            <p:ph type="body" sz="quarter" idx="10"/>
-          </p:nvPr>
-        </p:nvSpPr>
-        <p:spPr/>
-        <p:txBody>
-          <a:bodyPr>
-            <a:normAutofit fontScale="62500" lnSpcReduction="20000"/>
-          </a:bodyPr>
-          <a:lstStyle/>
-          <a:p>
-            <a:pPr marL="0" indent="0">
-              <a:buNone/>
-            </a:pPr>
-            <a:r>
-              <a:rPr lang="en-CA" sz="4000" b="1" dirty="0"/>
-              <a:t>Activity #11 – Commit a new file with git commands</a:t>
-            </a:r>
-          </a:p>
-          <a:p>
-            <a:pPr marL="0" indent="0">
-              <a:buNone/>
-            </a:pPr>
-            <a:endParaRPr lang="en-CA" sz="3800" b="1" dirty="0"/>
-          </a:p>
-          <a:p>
-            <a:pPr marL="514350" indent="-514350">
-              <a:buFont typeface="+mj-lt"/>
-              <a:buAutoNum type="arabicPeriod"/>
-            </a:pPr>
-            <a:r>
-              <a:rPr lang="en-CA" sz="3400" dirty="0"/>
-              <a:t>Create a new txt file in the repo with vim or through your text editor</a:t>
-            </a:r>
-          </a:p>
-          <a:p>
-            <a:pPr marL="514350" indent="-514350">
-              <a:buFont typeface="+mj-lt"/>
-              <a:buAutoNum type="arabicPeriod"/>
-            </a:pPr>
-            <a:r>
-              <a:rPr lang="en-CA" sz="3400" dirty="0"/>
-              <a:t>From the command line, check your repo status: git status 	              (do you see the new file?)</a:t>
-            </a:r>
-          </a:p>
-          <a:p>
-            <a:pPr marL="514350" indent="-514350">
-              <a:buFont typeface="+mj-lt"/>
-              <a:buAutoNum type="arabicPeriod"/>
-            </a:pPr>
-            <a:endParaRPr lang="en-CA" sz="3400" dirty="0"/>
-          </a:p>
-          <a:p>
-            <a:pPr marL="514350" indent="-514350">
-              <a:buFont typeface="+mj-lt"/>
-              <a:buAutoNum type="arabicPeriod"/>
-            </a:pPr>
-            <a:r>
-              <a:rPr lang="en-CA" sz="3400" dirty="0"/>
-              <a:t>Stage the new file: git add </a:t>
-            </a:r>
-            <a:r>
-              <a:rPr lang="en-CA" sz="3400" dirty="0" err="1"/>
-              <a:t>file_name</a:t>
-            </a:r>
-            <a:endParaRPr lang="en-CA" sz="3400" dirty="0"/>
-          </a:p>
-          <a:p>
-            <a:pPr marL="514350" indent="-514350">
-              <a:buFont typeface="+mj-lt"/>
-              <a:buAutoNum type="arabicPeriod"/>
-            </a:pPr>
-            <a:r>
-              <a:rPr lang="en-CA" sz="3400" dirty="0"/>
-              <a:t>Check your repo status: git status</a:t>
-            </a:r>
-          </a:p>
-          <a:p>
-            <a:pPr marL="514350" indent="-514350">
-              <a:buFont typeface="+mj-lt"/>
-              <a:buAutoNum type="arabicPeriod"/>
-            </a:pPr>
-            <a:endParaRPr lang="en-CA" sz="3400" dirty="0"/>
-          </a:p>
-          <a:p>
-            <a:pPr marL="514350" indent="-514350">
-              <a:buFont typeface="+mj-lt"/>
-              <a:buAutoNum type="arabicPeriod"/>
-            </a:pPr>
-            <a:r>
-              <a:rPr lang="en-CA" sz="3400" dirty="0"/>
-              <a:t>Commit the file: git commit </a:t>
-            </a:r>
-            <a:r>
-              <a:rPr lang="en-CA" sz="3400" b="1" dirty="0"/>
-              <a:t>–m </a:t>
-            </a:r>
-            <a:r>
-              <a:rPr lang="en-CA" sz="3400" dirty="0"/>
-              <a:t>“Commit Message”</a:t>
-            </a:r>
-          </a:p>
-          <a:p>
-            <a:pPr marL="514350" indent="-514350">
-              <a:buFont typeface="+mj-lt"/>
-              <a:buAutoNum type="arabicPeriod"/>
-            </a:pPr>
-            <a:r>
-              <a:rPr lang="en-CA" sz="3400" dirty="0"/>
-              <a:t>Check your repo status: git status</a:t>
-            </a:r>
-          </a:p>
-          <a:p>
-            <a:pPr marL="514350" indent="-514350">
-              <a:buFont typeface="+mj-lt"/>
-              <a:buAutoNum type="arabicPeriod"/>
-            </a:pPr>
-            <a:r>
-              <a:rPr lang="en-CA" sz="3400" dirty="0"/>
-              <a:t>Check your Commit History: git log</a:t>
-            </a:r>
-          </a:p>
-          <a:p>
-            <a:pPr marL="514350" indent="-514350">
-              <a:buFont typeface="+mj-lt"/>
-              <a:buAutoNum type="arabicPeriod"/>
-            </a:pPr>
-            <a:r>
-              <a:rPr lang="en-CA" sz="3400" dirty="0"/>
-              <a:t>Rename your branch: git branch –M main</a:t>
-            </a:r>
-          </a:p>
-        </p:txBody>
-      </p:sp>
-    </p:spTree>
-    <p:extLst>
-      <p:ext uri="{BB962C8B-B14F-4D97-AF65-F5344CB8AC3E}">
-        <p14:creationId xmlns:p14="http://schemas.microsoft.com/office/powerpoint/2010/main" val="2502566039"/>
-      </p:ext>
-    </p:extLst>
-  </p:cSld>
-  <p:clrMapOvr>
-    <a:masterClrMapping/>
-  </p:clrMapOvr>
-</p:sld>
-</file>
-
-<file path=ppt/slides/slide72.xml><?xml version="1.0" encoding="utf-8"?>
-<p:sld xmlns:a="http://schemas.openxmlformats.org/drawingml/2006/main" xmlns:r="http://schemas.openxmlformats.org/officeDocument/2006/relationships" xmlns:p="http://schemas.openxmlformats.org/presentationml/2006/main" show="0">
-  <p:cSld>
-    <p:spTree>
-      <p:nvGrpSpPr>
-        <p:cNvPr id="1" name=""/>
-        <p:cNvGrpSpPr/>
-        <p:nvPr/>
-      </p:nvGrpSpPr>
-      <p:grpSpPr>
-        <a:xfrm>
-          <a:off x="0" y="0"/>
-          <a:ext cx="0" cy="0"/>
-          <a:chOff x="0" y="0"/>
-          <a:chExt cx="0" cy="0"/>
-        </a:xfrm>
-      </p:grpSpPr>
-      <p:sp>
-        <p:nvSpPr>
-          <p:cNvPr id="2" name="Text Placeholder 1">
-            <a:extLst>
-              <a:ext uri="{FF2B5EF4-FFF2-40B4-BE49-F238E27FC236}">
-                <a16:creationId xmlns:a16="http://schemas.microsoft.com/office/drawing/2014/main" id="{0CC87135-7AB5-DE33-3BDD-FE5E66CA8354}"/>
-              </a:ext>
-            </a:extLst>
-          </p:cNvPr>
-          <p:cNvSpPr>
-            <a:spLocks noGrp="1"/>
-          </p:cNvSpPr>
-          <p:nvPr>
-            <p:ph type="body" sz="quarter" idx="10"/>
-          </p:nvPr>
-        </p:nvSpPr>
-        <p:spPr/>
-        <p:txBody>
-          <a:bodyPr>
-            <a:normAutofit fontScale="92500" lnSpcReduction="20000"/>
-          </a:bodyPr>
-          <a:lstStyle/>
-          <a:p>
-            <a:pPr marL="0" indent="0">
-              <a:buNone/>
-            </a:pPr>
-            <a:r>
-              <a:rPr lang="en-CA" sz="3000" b="1" dirty="0"/>
-              <a:t>Activity #12 – Create a new branch</a:t>
-            </a:r>
-          </a:p>
-          <a:p>
-            <a:pPr marL="514350" indent="-514350">
-              <a:buFont typeface="+mj-lt"/>
-              <a:buAutoNum type="arabicPeriod"/>
-            </a:pPr>
-            <a:r>
-              <a:rPr lang="en-CA" dirty="0"/>
-              <a:t>Check your current branches: git branch</a:t>
-            </a:r>
-          </a:p>
-          <a:p>
-            <a:pPr marL="514350" indent="-514350">
-              <a:buFont typeface="+mj-lt"/>
-              <a:buAutoNum type="arabicPeriod"/>
-            </a:pPr>
-            <a:endParaRPr lang="en-CA" dirty="0"/>
-          </a:p>
-          <a:p>
-            <a:pPr marL="514350" indent="-514350">
-              <a:buFont typeface="+mj-lt"/>
-              <a:buAutoNum type="arabicPeriod"/>
-            </a:pPr>
-            <a:r>
-              <a:rPr lang="en-CA" dirty="0"/>
-              <a:t>Create new branch: git branch </a:t>
-            </a:r>
-            <a:r>
-              <a:rPr lang="en-CA" dirty="0" err="1"/>
-              <a:t>new_branch_name</a:t>
-            </a:r>
-            <a:endParaRPr lang="en-CA" dirty="0"/>
-          </a:p>
-          <a:p>
-            <a:pPr marL="514350" indent="-514350">
-              <a:buFont typeface="+mj-lt"/>
-              <a:buAutoNum type="arabicPeriod"/>
-            </a:pPr>
-            <a:endParaRPr lang="en-CA" dirty="0"/>
-          </a:p>
-          <a:p>
-            <a:pPr marL="514350" indent="-514350">
-              <a:buFont typeface="+mj-lt"/>
-              <a:buAutoNum type="arabicPeriod"/>
-            </a:pPr>
-            <a:r>
-              <a:rPr lang="en-CA" dirty="0"/>
-              <a:t>Check your current branches: git branch</a:t>
-            </a:r>
-          </a:p>
-          <a:p>
-            <a:pPr marL="514350" indent="-514350">
-              <a:buFont typeface="+mj-lt"/>
-              <a:buAutoNum type="arabicPeriod"/>
-            </a:pPr>
-            <a:endParaRPr lang="en-CA" dirty="0"/>
-          </a:p>
-          <a:p>
-            <a:pPr marL="514350" indent="-514350">
-              <a:buFont typeface="+mj-lt"/>
-              <a:buAutoNum type="arabicPeriod"/>
-            </a:pPr>
-            <a:r>
-              <a:rPr lang="en-CA" dirty="0"/>
-              <a:t>Switch to new branch: git checkout </a:t>
-            </a:r>
-            <a:r>
-              <a:rPr lang="en-CA" dirty="0" err="1"/>
-              <a:t>new_branch_name</a:t>
-            </a:r>
-            <a:endParaRPr lang="en-CA" dirty="0"/>
-          </a:p>
-          <a:p>
-            <a:pPr marL="514350" indent="-514350">
-              <a:buFont typeface="+mj-lt"/>
-              <a:buAutoNum type="arabicPeriod"/>
-            </a:pPr>
-            <a:endParaRPr lang="en-CA" dirty="0"/>
-          </a:p>
-          <a:p>
-            <a:pPr marL="514350" indent="-514350">
-              <a:buFont typeface="+mj-lt"/>
-              <a:buAutoNum type="arabicPeriod"/>
-            </a:pPr>
-            <a:r>
-              <a:rPr lang="en-CA" dirty="0"/>
-              <a:t>Edit your file and commit it</a:t>
-            </a:r>
-          </a:p>
-          <a:p>
-            <a:pPr marL="514350" indent="-514350">
-              <a:buFont typeface="+mj-lt"/>
-              <a:buAutoNum type="arabicPeriod"/>
-            </a:pPr>
-            <a:endParaRPr lang="en-CA" dirty="0"/>
-          </a:p>
-          <a:p>
-            <a:pPr marL="514350" indent="-514350">
-              <a:buFont typeface="+mj-lt"/>
-              <a:buAutoNum type="arabicPeriod"/>
-            </a:pPr>
-            <a:r>
-              <a:rPr lang="en-CA" dirty="0"/>
-              <a:t>Check your commit history: git log</a:t>
-            </a:r>
-          </a:p>
-        </p:txBody>
-      </p:sp>
-    </p:spTree>
-    <p:extLst>
-      <p:ext uri="{BB962C8B-B14F-4D97-AF65-F5344CB8AC3E}">
-        <p14:creationId xmlns:p14="http://schemas.microsoft.com/office/powerpoint/2010/main" val="2074610716"/>
-      </p:ext>
-    </p:extLst>
-  </p:cSld>
-  <p:clrMapOvr>
-    <a:masterClrMapping/>
-  </p:clrMapOvr>
-</p:sld>
-</file>
-
-<file path=ppt/slides/slide73.xml><?xml version="1.0" encoding="utf-8"?>
-<p:sld xmlns:a="http://schemas.openxmlformats.org/drawingml/2006/main" xmlns:r="http://schemas.openxmlformats.org/officeDocument/2006/relationships" xmlns:p="http://schemas.openxmlformats.org/presentationml/2006/main" show="0">
-  <p:cSld>
-    <p:spTree>
-      <p:nvGrpSpPr>
-        <p:cNvPr id="1" name=""/>
-        <p:cNvGrpSpPr/>
-        <p:nvPr/>
-      </p:nvGrpSpPr>
-      <p:grpSpPr>
-        <a:xfrm>
-          <a:off x="0" y="0"/>
-          <a:ext cx="0" cy="0"/>
-          <a:chOff x="0" y="0"/>
-          <a:chExt cx="0" cy="0"/>
-        </a:xfrm>
-      </p:grpSpPr>
-      <p:sp>
-        <p:nvSpPr>
-          <p:cNvPr id="2" name="Text Placeholder 1">
-            <a:extLst>
-              <a:ext uri="{FF2B5EF4-FFF2-40B4-BE49-F238E27FC236}">
-                <a16:creationId xmlns:a16="http://schemas.microsoft.com/office/drawing/2014/main" id="{0CC87135-7AB5-DE33-3BDD-FE5E66CA8354}"/>
-              </a:ext>
-            </a:extLst>
-          </p:cNvPr>
-          <p:cNvSpPr>
-            <a:spLocks noGrp="1"/>
-          </p:cNvSpPr>
-          <p:nvPr>
-            <p:ph type="body" sz="quarter" idx="10"/>
-          </p:nvPr>
-        </p:nvSpPr>
-        <p:spPr>
-          <a:xfrm>
-            <a:off x="242628" y="1449307"/>
-            <a:ext cx="8658743" cy="4924350"/>
-          </a:xfrm>
-        </p:spPr>
-        <p:txBody>
-          <a:bodyPr/>
-          <a:lstStyle/>
-          <a:p>
-            <a:pPr marL="0" indent="0">
-              <a:buNone/>
-            </a:pPr>
-            <a:r>
-              <a:rPr lang="en-CA" b="1" dirty="0"/>
-              <a:t>Activity #13.1 – Revert a Modification/Commit</a:t>
-            </a:r>
-          </a:p>
-          <a:p>
-            <a:pPr marL="514350" indent="-514350">
-              <a:buFont typeface="+mj-lt"/>
-              <a:buAutoNum type="arabicPeriod"/>
-            </a:pPr>
-            <a:r>
-              <a:rPr lang="en-CA" dirty="0"/>
-              <a:t>Make a change to a file</a:t>
-            </a:r>
-          </a:p>
-          <a:p>
-            <a:pPr marL="514350" indent="-514350">
-              <a:buFont typeface="+mj-lt"/>
-              <a:buAutoNum type="arabicPeriod"/>
-            </a:pPr>
-            <a:r>
-              <a:rPr lang="en-CA" dirty="0"/>
-              <a:t>Check the repo status: git status</a:t>
-            </a:r>
-          </a:p>
-          <a:p>
-            <a:pPr marL="514350" indent="-514350">
-              <a:buFont typeface="+mj-lt"/>
-              <a:buAutoNum type="arabicPeriod"/>
-            </a:pPr>
-            <a:r>
-              <a:rPr lang="en-CA" dirty="0"/>
-              <a:t>Restore the previous version of file: git restore </a:t>
-            </a:r>
-            <a:r>
-              <a:rPr lang="en-CA" dirty="0" err="1"/>
-              <a:t>file_name</a:t>
-            </a:r>
-            <a:endParaRPr lang="en-CA" dirty="0"/>
-          </a:p>
-          <a:p>
-            <a:pPr marL="514350" indent="-514350">
-              <a:buFont typeface="+mj-lt"/>
-              <a:buAutoNum type="arabicPeriod"/>
-            </a:pPr>
-            <a:endParaRPr lang="en-CA" dirty="0"/>
-          </a:p>
-          <a:p>
-            <a:pPr marL="514350" indent="-514350">
-              <a:buFont typeface="+mj-lt"/>
-              <a:buAutoNum type="arabicPeriod"/>
-            </a:pPr>
-            <a:r>
-              <a:rPr lang="en-CA" dirty="0"/>
-              <a:t>Make the change again, but stage it this time: git add </a:t>
-            </a:r>
-            <a:r>
-              <a:rPr lang="en-CA" dirty="0" err="1"/>
-              <a:t>file_name</a:t>
-            </a:r>
-            <a:endParaRPr lang="en-CA" dirty="0"/>
-          </a:p>
-          <a:p>
-            <a:pPr marL="514350" indent="-514350">
-              <a:buFont typeface="+mj-lt"/>
-              <a:buAutoNum type="arabicPeriod"/>
-            </a:pPr>
-            <a:r>
-              <a:rPr lang="en-CA" dirty="0" err="1"/>
-              <a:t>Unstage</a:t>
-            </a:r>
-            <a:r>
-              <a:rPr lang="en-CA" dirty="0"/>
-              <a:t> the file: git reset </a:t>
-            </a:r>
-            <a:r>
-              <a:rPr lang="en-CA" dirty="0" err="1"/>
-              <a:t>file_name</a:t>
-            </a:r>
-            <a:endParaRPr lang="en-CA" dirty="0"/>
-          </a:p>
-          <a:p>
-            <a:pPr marL="514350" indent="-514350">
-              <a:buFont typeface="+mj-lt"/>
-              <a:buAutoNum type="arabicPeriod"/>
-            </a:pPr>
-            <a:endParaRPr lang="en-CA" dirty="0"/>
-          </a:p>
-          <a:p>
-            <a:pPr marL="514350" indent="-514350">
-              <a:buFont typeface="+mj-lt"/>
-              <a:buAutoNum type="arabicPeriod"/>
-            </a:pPr>
-            <a:endParaRPr lang="en-CA" dirty="0"/>
-          </a:p>
-          <a:p>
-            <a:pPr marL="514350" indent="-514350">
-              <a:buFont typeface="+mj-lt"/>
-              <a:buAutoNum type="arabicPeriod"/>
-            </a:pPr>
-            <a:endParaRPr lang="en-CA" dirty="0"/>
-          </a:p>
-        </p:txBody>
-      </p:sp>
-    </p:spTree>
-    <p:extLst>
-      <p:ext uri="{BB962C8B-B14F-4D97-AF65-F5344CB8AC3E}">
-        <p14:creationId xmlns:p14="http://schemas.microsoft.com/office/powerpoint/2010/main" val="1880580410"/>
-      </p:ext>
-    </p:extLst>
-  </p:cSld>
-  <p:clrMapOvr>
-    <a:masterClrMapping/>
-  </p:clrMapOvr>
-</p:sld>
-</file>
-
-<file path=ppt/slides/slide74.xml><?xml version="1.0" encoding="utf-8"?>
-<p:sld xmlns:a="http://schemas.openxmlformats.org/drawingml/2006/main" xmlns:r="http://schemas.openxmlformats.org/officeDocument/2006/relationships" xmlns:p="http://schemas.openxmlformats.org/presentationml/2006/main" show="0">
-  <p:cSld>
-    <p:spTree>
-      <p:nvGrpSpPr>
-        <p:cNvPr id="1" name=""/>
-        <p:cNvGrpSpPr/>
-        <p:nvPr/>
-      </p:nvGrpSpPr>
-      <p:grpSpPr>
-        <a:xfrm>
-          <a:off x="0" y="0"/>
-          <a:ext cx="0" cy="0"/>
-          <a:chOff x="0" y="0"/>
-          <a:chExt cx="0" cy="0"/>
-        </a:xfrm>
-      </p:grpSpPr>
-      <p:sp>
-        <p:nvSpPr>
-          <p:cNvPr id="2" name="Text Placeholder 1">
-            <a:extLst>
-              <a:ext uri="{FF2B5EF4-FFF2-40B4-BE49-F238E27FC236}">
-                <a16:creationId xmlns:a16="http://schemas.microsoft.com/office/drawing/2014/main" id="{0CC87135-7AB5-DE33-3BDD-FE5E66CA8354}"/>
-              </a:ext>
-            </a:extLst>
-          </p:cNvPr>
-          <p:cNvSpPr>
-            <a:spLocks noGrp="1"/>
-          </p:cNvSpPr>
-          <p:nvPr>
-            <p:ph type="body" sz="quarter" idx="10"/>
-          </p:nvPr>
-        </p:nvSpPr>
-        <p:spPr>
-          <a:xfrm>
-            <a:off x="242628" y="1449307"/>
-            <a:ext cx="8658743" cy="4924350"/>
-          </a:xfrm>
-        </p:spPr>
-        <p:txBody>
-          <a:bodyPr/>
-          <a:lstStyle/>
-          <a:p>
-            <a:pPr marL="0" indent="0">
-              <a:buNone/>
-            </a:pPr>
-            <a:r>
-              <a:rPr lang="en-CA" b="1" dirty="0"/>
-              <a:t>Activity #13.2 – Revert a Modification/Commit</a:t>
-            </a:r>
-          </a:p>
-          <a:p>
-            <a:pPr marL="514350" indent="-514350">
-              <a:buFont typeface="+mj-lt"/>
-              <a:buAutoNum type="arabicPeriod"/>
-            </a:pPr>
-            <a:r>
-              <a:rPr lang="en-CA" dirty="0"/>
-              <a:t>Make a change and commit it</a:t>
-            </a:r>
-          </a:p>
-          <a:p>
-            <a:pPr marL="971438" lvl="1" indent="-514350">
-              <a:buFont typeface="+mj-lt"/>
-              <a:buAutoNum type="arabicPeriod"/>
-            </a:pPr>
-            <a:r>
-              <a:rPr lang="en-CA" dirty="0"/>
-              <a:t>git add </a:t>
-            </a:r>
-            <a:r>
-              <a:rPr lang="en-CA" dirty="0" err="1"/>
-              <a:t>file_name</a:t>
-            </a:r>
-            <a:endParaRPr lang="en-CA" dirty="0"/>
-          </a:p>
-          <a:p>
-            <a:pPr marL="971438" lvl="1" indent="-514350">
-              <a:buFont typeface="+mj-lt"/>
-              <a:buAutoNum type="arabicPeriod"/>
-            </a:pPr>
-            <a:r>
-              <a:rPr lang="en-CA" dirty="0"/>
-              <a:t>git commit –m “commit message” </a:t>
-            </a:r>
-          </a:p>
-          <a:p>
-            <a:pPr marL="971438" lvl="1" indent="-514350">
-              <a:buFont typeface="+mj-lt"/>
-              <a:buAutoNum type="arabicPeriod"/>
-            </a:pPr>
-            <a:endParaRPr lang="en-CA" dirty="0"/>
-          </a:p>
-          <a:p>
-            <a:pPr marL="514350" indent="-514350">
-              <a:buFont typeface="+mj-lt"/>
-              <a:buAutoNum type="arabicPeriod"/>
-            </a:pPr>
-            <a:r>
-              <a:rPr lang="en-CA" dirty="0"/>
-              <a:t>Get the commit ID from your commit history: git log</a:t>
-            </a:r>
-          </a:p>
-          <a:p>
-            <a:pPr marL="514350" indent="-514350">
-              <a:buFont typeface="+mj-lt"/>
-              <a:buAutoNum type="arabicPeriod"/>
-            </a:pPr>
-            <a:endParaRPr lang="en-CA" dirty="0"/>
-          </a:p>
-          <a:p>
-            <a:pPr marL="514350" indent="-514350">
-              <a:buFont typeface="+mj-lt"/>
-              <a:buAutoNum type="arabicPeriod"/>
-            </a:pPr>
-            <a:r>
-              <a:rPr lang="en-CA" dirty="0"/>
-              <a:t>Revert your current commit: git revert </a:t>
-            </a:r>
-            <a:r>
-              <a:rPr lang="en-CA" dirty="0" err="1"/>
-              <a:t>commit_id</a:t>
-            </a:r>
-            <a:endParaRPr lang="en-CA" dirty="0"/>
-          </a:p>
-          <a:p>
-            <a:pPr marL="514350" indent="-514350">
-              <a:buFont typeface="+mj-lt"/>
-              <a:buAutoNum type="arabicPeriod"/>
-            </a:pPr>
-            <a:endParaRPr lang="en-CA" dirty="0"/>
-          </a:p>
-          <a:p>
-            <a:pPr marL="514350" indent="-514350">
-              <a:buFont typeface="+mj-lt"/>
-              <a:buAutoNum type="arabicPeriod"/>
-            </a:pPr>
-            <a:r>
-              <a:rPr lang="en-CA" dirty="0"/>
-              <a:t>Check your file: have the changes been reverted?</a:t>
-            </a:r>
-          </a:p>
-          <a:p>
-            <a:pPr marL="514350" indent="-514350">
-              <a:buFont typeface="+mj-lt"/>
-              <a:buAutoNum type="arabicPeriod"/>
-            </a:pPr>
-            <a:endParaRPr lang="en-CA" dirty="0"/>
-          </a:p>
-          <a:p>
-            <a:pPr marL="514350" indent="-514350">
-              <a:buFont typeface="+mj-lt"/>
-              <a:buAutoNum type="arabicPeriod"/>
-            </a:pPr>
-            <a:endParaRPr lang="en-CA" dirty="0"/>
-          </a:p>
-        </p:txBody>
-      </p:sp>
-    </p:spTree>
-    <p:extLst>
-      <p:ext uri="{BB962C8B-B14F-4D97-AF65-F5344CB8AC3E}">
-        <p14:creationId xmlns:p14="http://schemas.microsoft.com/office/powerpoint/2010/main" val="948834899"/>
-      </p:ext>
-    </p:extLst>
-  </p:cSld>
-  <p:clrMapOvr>
-    <a:masterClrMapping/>
-  </p:clrMapOvr>
-</p:sld>
-</file>
-
-<file path=ppt/slides/slide75.xml><?xml version="1.0" encoding="utf-8"?>
-<p:sld xmlns:a="http://schemas.openxmlformats.org/drawingml/2006/main" xmlns:r="http://schemas.openxmlformats.org/officeDocument/2006/relationships" xmlns:p="http://schemas.openxmlformats.org/presentationml/2006/main" show="0">
-  <p:cSld>
-    <p:spTree>
-      <p:nvGrpSpPr>
-        <p:cNvPr id="1" name=""/>
-        <p:cNvGrpSpPr/>
-        <p:nvPr/>
-      </p:nvGrpSpPr>
-      <p:grpSpPr>
-        <a:xfrm>
-          <a:off x="0" y="0"/>
-          <a:ext cx="0" cy="0"/>
-          <a:chOff x="0" y="0"/>
-          <a:chExt cx="0" cy="0"/>
-        </a:xfrm>
-      </p:grpSpPr>
-      <p:sp>
-        <p:nvSpPr>
-          <p:cNvPr id="2" name="Text Placeholder 1">
-            <a:extLst>
-              <a:ext uri="{FF2B5EF4-FFF2-40B4-BE49-F238E27FC236}">
-                <a16:creationId xmlns:a16="http://schemas.microsoft.com/office/drawing/2014/main" id="{0CC87135-7AB5-DE33-3BDD-FE5E66CA8354}"/>
-              </a:ext>
-            </a:extLst>
-          </p:cNvPr>
-          <p:cNvSpPr>
-            <a:spLocks noGrp="1"/>
-          </p:cNvSpPr>
-          <p:nvPr>
-            <p:ph type="body" sz="quarter" idx="10"/>
-          </p:nvPr>
-        </p:nvSpPr>
-        <p:spPr/>
-        <p:txBody>
-          <a:bodyPr>
-            <a:normAutofit fontScale="92500" lnSpcReduction="10000"/>
-          </a:bodyPr>
-          <a:lstStyle/>
-          <a:p>
-            <a:pPr marL="0" indent="0">
-              <a:buNone/>
-            </a:pPr>
-            <a:r>
-              <a:rPr lang="en-CA" b="1" dirty="0"/>
-              <a:t>Activity #14.1 – Push to Remote Repository</a:t>
-            </a:r>
-          </a:p>
-          <a:p>
-            <a:pPr marL="0" indent="0">
-              <a:buNone/>
-            </a:pPr>
-            <a:endParaRPr lang="en-CA" b="1" dirty="0"/>
-          </a:p>
-          <a:p>
-            <a:pPr marL="514350" indent="-514350">
-              <a:buFont typeface="+mj-lt"/>
-              <a:buAutoNum type="arabicPeriod"/>
-            </a:pPr>
-            <a:r>
-              <a:rPr lang="en-CA" dirty="0"/>
-              <a:t>On the GitHub website, click on your profile in the top right corner and select “settings”</a:t>
-            </a:r>
-          </a:p>
-          <a:p>
-            <a:pPr marL="514350" indent="-514350">
-              <a:buFont typeface="+mj-lt"/>
-              <a:buAutoNum type="arabicPeriod"/>
-            </a:pPr>
-            <a:r>
-              <a:rPr lang="en-CA" dirty="0"/>
-              <a:t>Select “Developer settings” at the bottom of the page</a:t>
-            </a:r>
-          </a:p>
-          <a:p>
-            <a:pPr marL="514350" indent="-514350">
-              <a:buFont typeface="+mj-lt"/>
-              <a:buAutoNum type="arabicPeriod"/>
-            </a:pPr>
-            <a:endParaRPr lang="en-CA" dirty="0"/>
-          </a:p>
-          <a:p>
-            <a:pPr marL="514350" indent="-514350">
-              <a:buFont typeface="+mj-lt"/>
-              <a:buAutoNum type="arabicPeriod"/>
-            </a:pPr>
-            <a:r>
-              <a:rPr lang="en-CA" dirty="0"/>
-              <a:t>Under the “Personal access tokens” menu, click generate new token.</a:t>
-            </a:r>
-          </a:p>
-          <a:p>
-            <a:pPr marL="514350" indent="-514350">
-              <a:buFont typeface="+mj-lt"/>
-              <a:buAutoNum type="arabicPeriod"/>
-            </a:pPr>
-            <a:r>
-              <a:rPr lang="en-CA" dirty="0"/>
-              <a:t>Select the “repo” scope and generate token.</a:t>
-            </a:r>
-          </a:p>
-          <a:p>
-            <a:pPr marL="514350" indent="-514350">
-              <a:buFont typeface="+mj-lt"/>
-              <a:buAutoNum type="arabicPeriod"/>
-            </a:pPr>
-            <a:endParaRPr lang="en-CA" dirty="0"/>
-          </a:p>
-          <a:p>
-            <a:pPr marL="514350" indent="-514350">
-              <a:buFont typeface="+mj-lt"/>
-              <a:buAutoNum type="arabicPeriod"/>
-            </a:pPr>
-            <a:r>
-              <a:rPr lang="en-CA" dirty="0"/>
-              <a:t>SAVE the token somewhere (or you will have to make a new one)</a:t>
-            </a:r>
-          </a:p>
-        </p:txBody>
-      </p:sp>
-    </p:spTree>
-    <p:extLst>
-      <p:ext uri="{BB962C8B-B14F-4D97-AF65-F5344CB8AC3E}">
-        <p14:creationId xmlns:p14="http://schemas.microsoft.com/office/powerpoint/2010/main" val="2536054258"/>
-      </p:ext>
-    </p:extLst>
-  </p:cSld>
-  <p:clrMapOvr>
-    <a:masterClrMapping/>
-  </p:clrMapOvr>
-</p:sld>
-</file>
-
-<file path=ppt/slides/slide76.xml><?xml version="1.0" encoding="utf-8"?>
-<p:sld xmlns:a="http://schemas.openxmlformats.org/drawingml/2006/main" xmlns:r="http://schemas.openxmlformats.org/officeDocument/2006/relationships" xmlns:p="http://schemas.openxmlformats.org/presentationml/2006/main" show="0">
-  <p:cSld>
-    <p:spTree>
-      <p:nvGrpSpPr>
-        <p:cNvPr id="1" name=""/>
-        <p:cNvGrpSpPr/>
-        <p:nvPr/>
-      </p:nvGrpSpPr>
-      <p:grpSpPr>
-        <a:xfrm>
-          <a:off x="0" y="0"/>
-          <a:ext cx="0" cy="0"/>
-          <a:chOff x="0" y="0"/>
-          <a:chExt cx="0" cy="0"/>
-        </a:xfrm>
-      </p:grpSpPr>
-      <p:sp>
-        <p:nvSpPr>
-          <p:cNvPr id="2" name="Text Placeholder 1">
-            <a:extLst>
-              <a:ext uri="{FF2B5EF4-FFF2-40B4-BE49-F238E27FC236}">
-                <a16:creationId xmlns:a16="http://schemas.microsoft.com/office/drawing/2014/main" id="{0CC87135-7AB5-DE33-3BDD-FE5E66CA8354}"/>
-              </a:ext>
-            </a:extLst>
-          </p:cNvPr>
-          <p:cNvSpPr>
-            <a:spLocks noGrp="1"/>
-          </p:cNvSpPr>
-          <p:nvPr>
-            <p:ph type="body" sz="quarter" idx="10"/>
-          </p:nvPr>
-        </p:nvSpPr>
-        <p:spPr/>
-        <p:txBody>
-          <a:bodyPr/>
-          <a:lstStyle/>
-          <a:p>
-            <a:pPr marL="0" indent="0">
-              <a:buNone/>
-            </a:pPr>
-            <a:r>
-              <a:rPr lang="en-CA" b="1" dirty="0"/>
-              <a:t>Activity #14.2 – Push to Remote Repository</a:t>
-            </a:r>
-          </a:p>
-          <a:p>
-            <a:pPr marL="514350" indent="-514350">
-              <a:buFont typeface="+mj-lt"/>
-              <a:buAutoNum type="arabicPeriod"/>
-            </a:pPr>
-            <a:r>
-              <a:rPr lang="en-CA" dirty="0"/>
-              <a:t>On the GitHub website, create a new repository</a:t>
-            </a:r>
-          </a:p>
-          <a:p>
-            <a:pPr marL="971438" lvl="1" indent="-514350">
-              <a:buFont typeface="+mj-lt"/>
-              <a:buAutoNum type="arabicPeriod"/>
-            </a:pPr>
-            <a:r>
-              <a:rPr lang="en-CA" dirty="0"/>
-              <a:t>Do NOT create a README file</a:t>
-            </a:r>
-          </a:p>
-          <a:p>
-            <a:pPr marL="971438" lvl="1" indent="-514350">
-              <a:buFont typeface="+mj-lt"/>
-              <a:buAutoNum type="arabicPeriod"/>
-            </a:pPr>
-            <a:r>
-              <a:rPr lang="en-CA" dirty="0"/>
-              <a:t>Copy paste the repo’s URL</a:t>
-            </a:r>
-          </a:p>
-          <a:p>
-            <a:pPr marL="971438" lvl="1" indent="-514350">
-              <a:buFont typeface="+mj-lt"/>
-              <a:buAutoNum type="arabicPeriod"/>
-            </a:pPr>
-            <a:endParaRPr lang="en-CA" dirty="0"/>
-          </a:p>
-          <a:p>
-            <a:pPr marL="514350" indent="-514350">
-              <a:buFont typeface="+mj-lt"/>
-              <a:buAutoNum type="arabicPeriod"/>
-            </a:pPr>
-            <a:r>
-              <a:rPr lang="en-CA" dirty="0"/>
-              <a:t>In the command line, link your local and remote repo:	git remote add origin URL</a:t>
-            </a:r>
-          </a:p>
-          <a:p>
-            <a:pPr marL="514350" indent="-514350">
-              <a:buFont typeface="+mj-lt"/>
-              <a:buAutoNum type="arabicPeriod"/>
-            </a:pPr>
-            <a:endParaRPr lang="en-CA" dirty="0"/>
-          </a:p>
-          <a:p>
-            <a:pPr marL="514350" indent="-514350">
-              <a:buFont typeface="+mj-lt"/>
-              <a:buAutoNum type="arabicPeriod"/>
-            </a:pPr>
-            <a:r>
-              <a:rPr lang="en-CA" dirty="0"/>
-              <a:t>Push your main branch: git push -u origin main</a:t>
-            </a:r>
-          </a:p>
-          <a:p>
-            <a:pPr marL="514350" indent="-514350">
-              <a:buFont typeface="+mj-lt"/>
-              <a:buAutoNum type="arabicPeriod"/>
-            </a:pPr>
-            <a:r>
-              <a:rPr lang="en-CA" dirty="0"/>
-              <a:t>Check your remote repo: are the files there?</a:t>
-            </a:r>
-          </a:p>
-        </p:txBody>
-      </p:sp>
-    </p:spTree>
-    <p:extLst>
-      <p:ext uri="{BB962C8B-B14F-4D97-AF65-F5344CB8AC3E}">
-        <p14:creationId xmlns:p14="http://schemas.microsoft.com/office/powerpoint/2010/main" val="4268438258"/>
-      </p:ext>
-    </p:extLst>
-  </p:cSld>
-  <p:clrMapOvr>
-    <a:masterClrMapping/>
-  </p:clrMapOvr>
-</p:sld>
-</file>
-
-<file path=ppt/slides/slide77.xml><?xml version="1.0" encoding="utf-8"?>
-<p:sld xmlns:a="http://schemas.openxmlformats.org/drawingml/2006/main" xmlns:r="http://schemas.openxmlformats.org/officeDocument/2006/relationships" xmlns:p="http://schemas.openxmlformats.org/presentationml/2006/main">
-  <p:cSld>
-    <p:spTree>
-      <p:nvGrpSpPr>
-        <p:cNvPr id="1" name="">
-          <a:extLst>
-            <a:ext uri="{FF2B5EF4-FFF2-40B4-BE49-F238E27FC236}">
-              <a16:creationId xmlns:a16="http://schemas.microsoft.com/office/drawing/2014/main" id="{2B89338D-A0AD-A362-B2B2-0BCC2C65AF2E}"/>
-            </a:ext>
-          </a:extLst>
-        </p:cNvPr>
-        <p:cNvGrpSpPr/>
-        <p:nvPr/>
-      </p:nvGrpSpPr>
-      <p:grpSpPr>
-        <a:xfrm>
-          <a:off x="0" y="0"/>
-          <a:ext cx="0" cy="0"/>
-          <a:chOff x="0" y="0"/>
-          <a:chExt cx="0" cy="0"/>
-        </a:xfrm>
-      </p:grpSpPr>
-      <p:sp>
-        <p:nvSpPr>
-          <p:cNvPr id="2" name="Title 1">
-            <a:extLst>
-              <a:ext uri="{FF2B5EF4-FFF2-40B4-BE49-F238E27FC236}">
-                <a16:creationId xmlns:a16="http://schemas.microsoft.com/office/drawing/2014/main" id="{E0D93449-4226-EC5F-5274-37A2EBCE04E4}"/>
-              </a:ext>
-            </a:extLst>
-          </p:cNvPr>
-          <p:cNvSpPr>
-            <a:spLocks noGrp="1"/>
-          </p:cNvSpPr>
-          <p:nvPr>
-            <p:ph type="title"/>
-          </p:nvPr>
-        </p:nvSpPr>
-        <p:spPr/>
-        <p:txBody>
-          <a:bodyPr/>
-          <a:lstStyle/>
-          <a:p>
-            <a:r>
-              <a:rPr lang="en-CA" dirty="0"/>
-              <a:t>GitHub Pages</a:t>
-            </a:r>
-          </a:p>
-        </p:txBody>
-      </p:sp>
-    </p:spTree>
-    <p:extLst>
-      <p:ext uri="{BB962C8B-B14F-4D97-AF65-F5344CB8AC3E}">
-        <p14:creationId xmlns:p14="http://schemas.microsoft.com/office/powerpoint/2010/main" val="248630436"/>
-      </p:ext>
-    </p:extLst>
-  </p:cSld>
-  <p:clrMapOvr>
-    <a:masterClrMapping/>
-  </p:clrMapOvr>
-</p:sld>
-</file>
-
-<file path=ppt/slides/slide78.xml><?xml version="1.0" encoding="utf-8"?>
-<p:sld xmlns:a="http://schemas.openxmlformats.org/drawingml/2006/main" xmlns:r="http://schemas.openxmlformats.org/officeDocument/2006/relationships" xmlns:p="http://schemas.openxmlformats.org/presentationml/2006/main">
-  <p:cSld>
-    <p:spTree>
-      <p:nvGrpSpPr>
-        <p:cNvPr id="1" name="">
-          <a:extLst>
-            <a:ext uri="{FF2B5EF4-FFF2-40B4-BE49-F238E27FC236}">
-              <a16:creationId xmlns:a16="http://schemas.microsoft.com/office/drawing/2014/main" id="{094B7621-67BD-9BDA-5FA5-9B68CD47F4E4}"/>
-            </a:ext>
-          </a:extLst>
-        </p:cNvPr>
-        <p:cNvGrpSpPr/>
-        <p:nvPr/>
-      </p:nvGrpSpPr>
-      <p:grpSpPr>
-        <a:xfrm>
-          <a:off x="0" y="0"/>
-          <a:ext cx="0" cy="0"/>
-          <a:chOff x="0" y="0"/>
-          <a:chExt cx="0" cy="0"/>
-        </a:xfrm>
-      </p:grpSpPr>
-      <p:sp>
-        <p:nvSpPr>
-          <p:cNvPr id="2" name="Title 1">
-            <a:extLst>
-              <a:ext uri="{FF2B5EF4-FFF2-40B4-BE49-F238E27FC236}">
-                <a16:creationId xmlns:a16="http://schemas.microsoft.com/office/drawing/2014/main" id="{93A1C73B-EA31-B6CE-DF3F-7BDF5F206E79}"/>
-              </a:ext>
-            </a:extLst>
-          </p:cNvPr>
-          <p:cNvSpPr>
-            <a:spLocks noGrp="1"/>
-          </p:cNvSpPr>
-          <p:nvPr>
-            <p:ph type="title"/>
-          </p:nvPr>
-        </p:nvSpPr>
-        <p:spPr/>
-        <p:txBody>
-          <a:bodyPr/>
-          <a:lstStyle/>
-          <a:p>
-            <a:r>
-              <a:rPr lang="en-CA" dirty="0"/>
-              <a:t>GitHub Actions</a:t>
-            </a:r>
-          </a:p>
-        </p:txBody>
-      </p:sp>
-    </p:spTree>
-    <p:extLst>
-      <p:ext uri="{BB962C8B-B14F-4D97-AF65-F5344CB8AC3E}">
-        <p14:creationId xmlns:p14="http://schemas.microsoft.com/office/powerpoint/2010/main" val="1074809858"/>
-      </p:ext>
-    </p:extLst>
-  </p:cSld>
-  <p:clrMapOvr>
-    <a:masterClrMapping/>
-  </p:clrMapOvr>
-</p:sld>
-</file>
-
-<file path=ppt/slides/slide79.xml><?xml version="1.0" encoding="utf-8"?>
+<file path=ppt/slides/slide80.xml><?xml version="1.0" encoding="utf-8"?>
 <p:sld xmlns:a="http://schemas.openxmlformats.org/drawingml/2006/main" xmlns:r="http://schemas.openxmlformats.org/officeDocument/2006/relationships" xmlns:p="http://schemas.openxmlformats.org/presentationml/2006/main">
   <p:cSld>
     <p:spTree>
@@ -30292,155 +30593,7 @@
 </p:sld>
 </file>
 
-<file path=ppt/slides/slide8.xml><?xml version="1.0" encoding="utf-8"?>
-<p:sld xmlns:a="http://schemas.openxmlformats.org/drawingml/2006/main" xmlns:r="http://schemas.openxmlformats.org/officeDocument/2006/relationships" xmlns:p="http://schemas.openxmlformats.org/presentationml/2006/main">
-  <p:cSld>
-    <p:spTree>
-      <p:nvGrpSpPr>
-        <p:cNvPr id="1" name=""/>
-        <p:cNvGrpSpPr/>
-        <p:nvPr/>
-      </p:nvGrpSpPr>
-      <p:grpSpPr>
-        <a:xfrm>
-          <a:off x="0" y="0"/>
-          <a:ext cx="0" cy="0"/>
-          <a:chOff x="0" y="0"/>
-          <a:chExt cx="0" cy="0"/>
-        </a:xfrm>
-      </p:grpSpPr>
-      <p:sp>
-        <p:nvSpPr>
-          <p:cNvPr id="2" name="Text Placeholder 1">
-            <a:extLst>
-              <a:ext uri="{FF2B5EF4-FFF2-40B4-BE49-F238E27FC236}">
-                <a16:creationId xmlns:a16="http://schemas.microsoft.com/office/drawing/2014/main" id="{FA28E789-0CD4-A736-2344-766F87DCC678}"/>
-              </a:ext>
-            </a:extLst>
-          </p:cNvPr>
-          <p:cNvSpPr>
-            <a:spLocks noGrp="1"/>
-          </p:cNvSpPr>
-          <p:nvPr>
-            <p:ph type="body" sz="quarter" idx="10"/>
-          </p:nvPr>
-        </p:nvSpPr>
-        <p:spPr>
-          <a:xfrm>
-            <a:off x="242372" y="1454228"/>
-            <a:ext cx="4802239" cy="4924350"/>
-          </a:xfrm>
-        </p:spPr>
-        <p:txBody>
-          <a:bodyPr/>
-          <a:lstStyle/>
-          <a:p>
-            <a:pPr marL="0" indent="0">
-              <a:buNone/>
-            </a:pPr>
-            <a:r>
-              <a:rPr lang="en-CA" b="1" dirty="0"/>
-              <a:t>Version Control Systems</a:t>
-            </a:r>
-          </a:p>
-          <a:p>
-            <a:r>
-              <a:rPr lang="en-CA" dirty="0"/>
-              <a:t>Make it easier to document changes</a:t>
-            </a:r>
-          </a:p>
-          <a:p>
-            <a:r>
-              <a:rPr lang="en-CA" dirty="0"/>
-              <a:t>Less confusion</a:t>
-            </a:r>
-          </a:p>
-          <a:p>
-            <a:r>
-              <a:rPr lang="en-CA" dirty="0"/>
-              <a:t>Like an unlimited “undo” button</a:t>
-            </a:r>
-          </a:p>
-        </p:txBody>
-      </p:sp>
-      <p:pic>
-        <p:nvPicPr>
-          <p:cNvPr id="3" name="Picture 2">
-            <a:extLst>
-              <a:ext uri="{FF2B5EF4-FFF2-40B4-BE49-F238E27FC236}">
-                <a16:creationId xmlns:a16="http://schemas.microsoft.com/office/drawing/2014/main" id="{94497FBE-398F-F450-55A5-0169B83FAC55}"/>
-              </a:ext>
-            </a:extLst>
-          </p:cNvPr>
-          <p:cNvPicPr>
-            <a:picLocks noChangeAspect="1"/>
-          </p:cNvPicPr>
-          <p:nvPr/>
-        </p:nvPicPr>
-        <p:blipFill rotWithShape="1">
-          <a:blip r:embed="rId3"/>
-          <a:srcRect t="50378"/>
-          <a:stretch/>
-        </p:blipFill>
-        <p:spPr>
-          <a:xfrm>
-            <a:off x="1142114" y="4324112"/>
-            <a:ext cx="6859771" cy="1623425"/>
-          </a:xfrm>
-          <a:prstGeom prst="rect">
-            <a:avLst/>
-          </a:prstGeom>
-        </p:spPr>
-      </p:pic>
-      <p:sp>
-        <p:nvSpPr>
-          <p:cNvPr id="5" name="TextBox 4">
-            <a:extLst>
-              <a:ext uri="{FF2B5EF4-FFF2-40B4-BE49-F238E27FC236}">
-                <a16:creationId xmlns:a16="http://schemas.microsoft.com/office/drawing/2014/main" id="{F50C0EF4-3357-D0B4-AACB-CEAEFAD6502E}"/>
-              </a:ext>
-            </a:extLst>
-          </p:cNvPr>
-          <p:cNvSpPr txBox="1"/>
-          <p:nvPr/>
-        </p:nvSpPr>
-        <p:spPr>
-          <a:xfrm>
-            <a:off x="3755128" y="3954652"/>
-            <a:ext cx="3080084" cy="369460"/>
-          </a:xfrm>
-          <a:prstGeom prst="rect">
-            <a:avLst/>
-          </a:prstGeom>
-          <a:noFill/>
-        </p:spPr>
-        <p:txBody>
-          <a:bodyPr wrap="square" rtlCol="0">
-            <a:spAutoFit/>
-          </a:bodyPr>
-          <a:lstStyle/>
-          <a:p>
-            <a:r>
-              <a:rPr lang="en-CA" dirty="0"/>
-              <a:t>Groceries.txt</a:t>
-            </a:r>
-          </a:p>
-        </p:txBody>
-      </p:sp>
-    </p:spTree>
-    <p:extLst>
-      <p:ext uri="{BB962C8B-B14F-4D97-AF65-F5344CB8AC3E}">
-        <p14:creationId xmlns:p14="http://schemas.microsoft.com/office/powerpoint/2010/main" val="116534369"/>
-      </p:ext>
-    </p:extLst>
-  </p:cSld>
-  <p:clrMapOvr>
-    <a:masterClrMapping/>
-  </p:clrMapOvr>
-</p:sld>
-</file>
-
-<file path=ppt/slides/slide80.xml><?xml version="1.0" encoding="utf-8"?>
+<file path=ppt/slides/slide81.xml><?xml version="1.0" encoding="utf-8"?>
 <p:sld xmlns:a="http://schemas.openxmlformats.org/drawingml/2006/main" xmlns:r="http://schemas.openxmlformats.org/officeDocument/2006/relationships" xmlns:p="http://schemas.openxmlformats.org/presentationml/2006/main">
   <p:cSld>
     <p:spTree>
@@ -30498,7 +30651,7 @@
 </p:sld>
 </file>
 
-<file path=ppt/slides/slide81.xml><?xml version="1.0" encoding="utf-8"?>
+<file path=ppt/slides/slide82.xml><?xml version="1.0" encoding="utf-8"?>
 <p:sld xmlns:a="http://schemas.openxmlformats.org/drawingml/2006/main" xmlns:r="http://schemas.openxmlformats.org/officeDocument/2006/relationships" xmlns:p="http://schemas.openxmlformats.org/presentationml/2006/main">
   <p:cSld>
     <p:spTree>
@@ -30623,7 +30776,7 @@
 </p:sld>
 </file>
 
-<file path=ppt/slides/slide82.xml><?xml version="1.0" encoding="utf-8"?>
+<file path=ppt/slides/slide83.xml><?xml version="1.0" encoding="utf-8"?>
 <p:sld xmlns:a="http://schemas.openxmlformats.org/drawingml/2006/main" xmlns:r="http://schemas.openxmlformats.org/officeDocument/2006/relationships" xmlns:p="http://schemas.openxmlformats.org/presentationml/2006/main">
   <p:cSld>
     <p:spTree>
@@ -30908,7 +31061,7 @@
 </p:sld>
 </file>
 
-<file path=ppt/slides/slide83.xml><?xml version="1.0" encoding="utf-8"?>
+<file path=ppt/slides/slide84.xml><?xml version="1.0" encoding="utf-8"?>
 <p:sld xmlns:a="http://schemas.openxmlformats.org/drawingml/2006/main" xmlns:r="http://schemas.openxmlformats.org/officeDocument/2006/relationships" xmlns:p="http://schemas.openxmlformats.org/presentationml/2006/main">
   <p:cSld>
     <p:spTree>
@@ -31015,7 +31168,7 @@
 </p:sld>
 </file>
 
-<file path=ppt/slides/slide84.xml><?xml version="1.0" encoding="utf-8"?>
+<file path=ppt/slides/slide85.xml><?xml version="1.0" encoding="utf-8"?>
 <p:sld xmlns:a="http://schemas.openxmlformats.org/drawingml/2006/main" xmlns:r="http://schemas.openxmlformats.org/officeDocument/2006/relationships" xmlns:p="http://schemas.openxmlformats.org/presentationml/2006/main">
   <p:cSld>
     <p:spTree>
@@ -31452,32 +31605,49 @@
       </p:pic>
       <p:pic>
         <p:nvPicPr>
-          <p:cNvPr id="8" name="Picture 7" descr="A qr code with black squares&#10;&#10;Description automatically generated">
+          <p:cNvPr id="3" name="Picture 2">
             <a:extLst>
               <a:ext uri="{FF2B5EF4-FFF2-40B4-BE49-F238E27FC236}">
-                <a16:creationId xmlns:a16="http://schemas.microsoft.com/office/drawing/2014/main" id="{3731E6DA-2272-7A21-4946-A0B54B00D639}"/>
+                <a16:creationId xmlns:a16="http://schemas.microsoft.com/office/drawing/2014/main" id="{5F6AE827-6182-C967-2E2A-0894DACCEFDC}"/>
               </a:ext>
             </a:extLst>
           </p:cNvPr>
           <p:cNvPicPr>
-            <a:picLocks noChangeAspect="1"/>
+            <a:picLocks noChangeAspect="1" noChangeArrowheads="1"/>
           </p:cNvPicPr>
           <p:nvPr/>
         </p:nvPicPr>
         <p:blipFill>
-          <a:blip r:embed="rId5"/>
+          <a:blip r:embed="rId5">
+            <a:extLst>
+              <a:ext uri="{28A0092B-C50C-407E-A947-70E740481C1C}">
+                <a14:useLocalDpi xmlns:a14="http://schemas.microsoft.com/office/drawing/2010/main" val="0"/>
+              </a:ext>
+            </a:extLst>
+          </a:blip>
+          <a:srcRect/>
           <a:stretch>
             <a:fillRect/>
           </a:stretch>
         </p:blipFill>
-        <p:spPr>
+        <p:spPr bwMode="auto">
           <a:xfrm>
-            <a:off x="468390" y="2648150"/>
-            <a:ext cx="2380629" cy="2380629"/>
+            <a:off x="478891" y="2630701"/>
+            <a:ext cx="2359628" cy="2359628"/>
           </a:xfrm>
           <a:prstGeom prst="rect">
             <a:avLst/>
           </a:prstGeom>
+          <a:noFill/>
+          <a:extLst>
+            <a:ext uri="{909E8E84-426E-40DD-AFC4-6F175D3DCCD1}">
+              <a14:hiddenFill xmlns:a14="http://schemas.microsoft.com/office/drawing/2010/main">
+                <a:solidFill>
+                  <a:srgbClr val="FFFFFF"/>
+                </a:solidFill>
+              </a14:hiddenFill>
+            </a:ext>
+          </a:extLst>
         </p:spPr>
       </p:pic>
     </p:spTree>
@@ -31493,7 +31663,7 @@
 </p:sld>
 </file>
 
-<file path=ppt/slides/slide85.xml><?xml version="1.0" encoding="utf-8"?>
+<file path=ppt/slides/slide86.xml><?xml version="1.0" encoding="utf-8"?>
 <p:sld xmlns:a="http://schemas.openxmlformats.org/drawingml/2006/main" xmlns:r="http://schemas.openxmlformats.org/officeDocument/2006/relationships" xmlns:p="http://schemas.openxmlformats.org/presentationml/2006/main">
   <p:cSld>
     <p:spTree>
@@ -31639,7 +31809,7 @@
           <p:cNvPr id="2" name="Text Placeholder 1">
             <a:extLst>
               <a:ext uri="{FF2B5EF4-FFF2-40B4-BE49-F238E27FC236}">
-                <a16:creationId xmlns:a16="http://schemas.microsoft.com/office/drawing/2014/main" id="{100FAA95-56E1-2195-5855-46B50DD5E678}"/>
+                <a16:creationId xmlns:a16="http://schemas.microsoft.com/office/drawing/2014/main" id="{FA28E789-0CD4-A736-2344-766F87DCC678}"/>
               </a:ext>
             </a:extLst>
           </p:cNvPr>
@@ -31650,11 +31820,14 @@
             <p:ph type="body" sz="quarter" idx="10"/>
           </p:nvPr>
         </p:nvSpPr>
-        <p:spPr/>
+        <p:spPr>
+          <a:xfrm>
+            <a:off x="242372" y="1454228"/>
+            <a:ext cx="4802239" cy="4924350"/>
+          </a:xfrm>
+        </p:spPr>
         <p:txBody>
-          <a:bodyPr>
-            <a:normAutofit/>
-          </a:bodyPr>
+          <a:bodyPr/>
           <a:lstStyle/>
           <a:p>
             <a:pPr marL="0" indent="0">
@@ -31662,98 +31835,97 @@
             </a:pPr>
             <a:r>
               <a:rPr lang="en-CA" b="1" dirty="0"/>
-              <a:t>Git</a:t>
-            </a:r>
-          </a:p>
-          <a:p>
-            <a:r>
-              <a:rPr lang="en-CA" dirty="0"/>
-              <a:t>A type of version control system</a:t>
-            </a:r>
-          </a:p>
-          <a:p>
-            <a:pPr marL="0" indent="0">
-              <a:buNone/>
-            </a:pPr>
-            <a:endParaRPr lang="en-CA" dirty="0"/>
-          </a:p>
-          <a:p>
-            <a:r>
-              <a:rPr lang="en-CA" dirty="0"/>
-              <a:t>Open-source</a:t>
-            </a:r>
-          </a:p>
-          <a:p>
-            <a:endParaRPr lang="en-CA" dirty="0"/>
-          </a:p>
-          <a:p>
-            <a:r>
-              <a:rPr lang="en-CA" dirty="0"/>
-              <a:t>Most popular VCS currently in use</a:t>
-            </a:r>
-          </a:p>
-          <a:p>
-            <a:endParaRPr lang="en-CA" dirty="0"/>
-          </a:p>
-          <a:p>
-            <a:r>
-              <a:rPr lang="en-CA" dirty="0"/>
-              <a:t>Creates a “Git Repository” which stores all the modified instances of your project</a:t>
+              <a:t>Version Control Systems</a:t>
+            </a:r>
+          </a:p>
+          <a:p>
+            <a:r>
+              <a:rPr lang="en-CA" dirty="0"/>
+              <a:t>Make it easier to document changes</a:t>
+            </a:r>
+          </a:p>
+          <a:p>
+            <a:r>
+              <a:rPr lang="en-CA" dirty="0"/>
+              <a:t>Less confusion</a:t>
+            </a:r>
+          </a:p>
+          <a:p>
+            <a:r>
+              <a:rPr lang="en-CA" dirty="0"/>
+              <a:t>Like an unlimited “undo” button</a:t>
             </a:r>
           </a:p>
         </p:txBody>
       </p:sp>
       <p:pic>
         <p:nvPicPr>
-          <p:cNvPr id="1026" name="Picture 2" descr="Git · GitHub">
+          <p:cNvPr id="3" name="Picture 2">
             <a:extLst>
               <a:ext uri="{FF2B5EF4-FFF2-40B4-BE49-F238E27FC236}">
-                <a16:creationId xmlns:a16="http://schemas.microsoft.com/office/drawing/2014/main" id="{72C526F7-AD9B-8A76-27CF-5B8208E932A9}"/>
+                <a16:creationId xmlns:a16="http://schemas.microsoft.com/office/drawing/2014/main" id="{94497FBE-398F-F450-55A5-0169B83FAC55}"/>
               </a:ext>
             </a:extLst>
           </p:cNvPr>
           <p:cNvPicPr>
-            <a:picLocks noChangeAspect="1" noChangeArrowheads="1"/>
+            <a:picLocks noChangeAspect="1"/>
           </p:cNvPicPr>
           <p:nvPr/>
         </p:nvPicPr>
-        <p:blipFill>
-          <a:blip r:embed="rId2">
+        <p:blipFill rotWithShape="1">
+          <a:blip r:embed="rId3"/>
+          <a:srcRect t="50378"/>
+          <a:stretch/>
+        </p:blipFill>
+        <p:spPr>
+          <a:xfrm>
+            <a:off x="1142114" y="4324112"/>
+            <a:ext cx="6859771" cy="1623425"/>
+          </a:xfrm>
+          <a:prstGeom prst="rect">
+            <a:avLst/>
+          </a:prstGeom>
+        </p:spPr>
+      </p:pic>
+      <p:sp>
+        <p:nvSpPr>
+          <p:cNvPr id="5" name="TextBox 4">
             <a:extLst>
-              <a:ext uri="{28A0092B-C50C-407E-A947-70E740481C1C}">
-                <a14:useLocalDpi xmlns:a14="http://schemas.microsoft.com/office/drawing/2010/main" val="0"/>
+              <a:ext uri="{FF2B5EF4-FFF2-40B4-BE49-F238E27FC236}">
+                <a16:creationId xmlns:a16="http://schemas.microsoft.com/office/drawing/2014/main" id="{F50C0EF4-3357-D0B4-AACB-CEAEFAD6502E}"/>
               </a:ext>
             </a:extLst>
-          </a:blip>
-          <a:srcRect/>
-          <a:stretch>
-            <a:fillRect/>
-          </a:stretch>
-        </p:blipFill>
-        <p:spPr bwMode="auto">
+          </p:cNvPr>
+          <p:cNvSpPr txBox="1"/>
+          <p:nvPr/>
+        </p:nvSpPr>
+        <p:spPr>
           <a:xfrm>
-            <a:off x="7132134" y="1205261"/>
-            <a:ext cx="1905000" cy="1905000"/>
+            <a:off x="3755128" y="3954652"/>
+            <a:ext cx="3080084" cy="369460"/>
           </a:xfrm>
           <a:prstGeom prst="rect">
             <a:avLst/>
           </a:prstGeom>
           <a:noFill/>
-          <a:extLst>
-            <a:ext uri="{909E8E84-426E-40DD-AFC4-6F175D3DCCD1}">
-              <a14:hiddenFill xmlns:a14="http://schemas.microsoft.com/office/drawing/2010/main">
-                <a:solidFill>
-                  <a:srgbClr val="FFFFFF"/>
-                </a:solidFill>
-              </a14:hiddenFill>
-            </a:ext>
-          </a:extLst>
         </p:spPr>
-      </p:pic>
+        <p:txBody>
+          <a:bodyPr wrap="square" rtlCol="0">
+            <a:spAutoFit/>
+          </a:bodyPr>
+          <a:lstStyle/>
+          <a:p>
+            <a:r>
+              <a:rPr lang="en-CA" dirty="0"/>
+              <a:t>Groceries.txt</a:t>
+            </a:r>
+          </a:p>
+        </p:txBody>
+      </p:sp>
     </p:spTree>
     <p:extLst>
       <p:ext uri="{BB962C8B-B14F-4D97-AF65-F5344CB8AC3E}">
-        <p14:creationId xmlns:p14="http://schemas.microsoft.com/office/powerpoint/2010/main" val="511111868"/>
+        <p14:creationId xmlns:p14="http://schemas.microsoft.com/office/powerpoint/2010/main" val="116534369"/>
       </p:ext>
     </p:extLst>
   </p:cSld>
